--- a/Presentation/NMSTU_Presentation.pptx
+++ b/Presentation/NMSTU_Presentation.pptx
@@ -9,11 +9,12 @@
     <p:sldId id="258" r:id="rId3"/>
     <p:sldId id="260" r:id="rId4"/>
     <p:sldId id="263" r:id="rId5"/>
-    <p:sldId id="261" r:id="rId6"/>
-    <p:sldId id="262" r:id="rId7"/>
-    <p:sldId id="266" r:id="rId8"/>
-    <p:sldId id="264" r:id="rId9"/>
-    <p:sldId id="265" r:id="rId10"/>
+    <p:sldId id="267" r:id="rId6"/>
+    <p:sldId id="261" r:id="rId7"/>
+    <p:sldId id="262" r:id="rId8"/>
+    <p:sldId id="266" r:id="rId9"/>
+    <p:sldId id="264" r:id="rId10"/>
+    <p:sldId id="265" r:id="rId11"/>
   </p:sldIdLst>
   <p:sldSz cx="12192000" cy="6858000"/>
   <p:notesSz cx="6888163" cy="10020300"/>
@@ -120,1904 +121,6 @@
 </p:presentation>
 </file>
 
-<file path=ppt/charts/chart1.xml><?xml version="1.0" encoding="utf-8"?>
-<c:chartSpace xmlns:c="http://schemas.openxmlformats.org/drawingml/2006/chart" xmlns:a="http://schemas.openxmlformats.org/drawingml/2006/main" xmlns:r="http://schemas.openxmlformats.org/officeDocument/2006/relationships">
-  <c:date1904 val="0"/>
-  <c:lang val="ru-RU"/>
-  <c:roundedCorners val="0"/>
-  <mc:AlternateContent xmlns:mc="http://schemas.openxmlformats.org/markup-compatibility/2006">
-    <mc:Choice xmlns:c14="http://schemas.microsoft.com/office/drawing/2007/8/2/chart" Requires="c14">
-      <c14:style val="102"/>
-    </mc:Choice>
-    <mc:Fallback>
-      <c:style val="2"/>
-    </mc:Fallback>
-  </mc:AlternateContent>
-  <c:chart>
-    <c:autoTitleDeleted val="1"/>
-    <c:plotArea>
-      <c:layout/>
-      <c:pieChart>
-        <c:varyColors val="1"/>
-        <c:ser>
-          <c:idx val="0"/>
-          <c:order val="0"/>
-          <c:tx>
-            <c:strRef>
-              <c:f>Лист1!$B$50</c:f>
-              <c:strCache>
-                <c:ptCount val="1"/>
-                <c:pt idx="0">
-                  <c:v>Кол-во</c:v>
-                </c:pt>
-              </c:strCache>
-            </c:strRef>
-          </c:tx>
-          <c:dPt>
-            <c:idx val="0"/>
-            <c:bubble3D val="0"/>
-            <c:spPr>
-              <a:solidFill>
-                <a:schemeClr val="accent1"/>
-              </a:solidFill>
-              <a:ln>
-                <a:noFill/>
-              </a:ln>
-              <a:effectLst/>
-              <a:scene3d>
-                <a:camera prst="orthographicFront"/>
-                <a:lightRig rig="brightRoom" dir="t"/>
-              </a:scene3d>
-              <a:sp3d prstMaterial="flat">
-                <a:bevelT w="50800" h="101600" prst="angle"/>
-                <a:contourClr>
-                  <a:srgbClr val="000000"/>
-                </a:contourClr>
-              </a:sp3d>
-            </c:spPr>
-            <c:extLst xmlns:c16r2="http://schemas.microsoft.com/office/drawing/2015/06/chart">
-              <c:ext xmlns:c16="http://schemas.microsoft.com/office/drawing/2014/chart" uri="{C3380CC4-5D6E-409C-BE32-E72D297353CC}">
-                <c16:uniqueId val="{00000001-DD37-45AC-98BE-ECC1E60A1FB8}"/>
-              </c:ext>
-            </c:extLst>
-          </c:dPt>
-          <c:dPt>
-            <c:idx val="1"/>
-            <c:bubble3D val="0"/>
-            <c:spPr>
-              <a:solidFill>
-                <a:schemeClr val="accent3"/>
-              </a:solidFill>
-              <a:ln>
-                <a:noFill/>
-              </a:ln>
-              <a:effectLst/>
-              <a:scene3d>
-                <a:camera prst="orthographicFront"/>
-                <a:lightRig rig="brightRoom" dir="t"/>
-              </a:scene3d>
-              <a:sp3d prstMaterial="flat">
-                <a:bevelT w="50800" h="101600" prst="angle"/>
-                <a:contourClr>
-                  <a:srgbClr val="000000"/>
-                </a:contourClr>
-              </a:sp3d>
-            </c:spPr>
-            <c:extLst xmlns:c16r2="http://schemas.microsoft.com/office/drawing/2015/06/chart">
-              <c:ext xmlns:c16="http://schemas.microsoft.com/office/drawing/2014/chart" uri="{C3380CC4-5D6E-409C-BE32-E72D297353CC}">
-                <c16:uniqueId val="{00000003-DD37-45AC-98BE-ECC1E60A1FB8}"/>
-              </c:ext>
-            </c:extLst>
-          </c:dPt>
-          <c:dPt>
-            <c:idx val="2"/>
-            <c:bubble3D val="0"/>
-            <c:spPr>
-              <a:solidFill>
-                <a:schemeClr val="accent5"/>
-              </a:solidFill>
-              <a:ln>
-                <a:noFill/>
-              </a:ln>
-              <a:effectLst/>
-              <a:scene3d>
-                <a:camera prst="orthographicFront"/>
-                <a:lightRig rig="brightRoom" dir="t"/>
-              </a:scene3d>
-              <a:sp3d prstMaterial="flat">
-                <a:bevelT w="50800" h="101600" prst="angle"/>
-                <a:contourClr>
-                  <a:srgbClr val="000000"/>
-                </a:contourClr>
-              </a:sp3d>
-            </c:spPr>
-            <c:extLst xmlns:c16r2="http://schemas.microsoft.com/office/drawing/2015/06/chart">
-              <c:ext xmlns:c16="http://schemas.microsoft.com/office/drawing/2014/chart" uri="{C3380CC4-5D6E-409C-BE32-E72D297353CC}">
-                <c16:uniqueId val="{00000005-DD37-45AC-98BE-ECC1E60A1FB8}"/>
-              </c:ext>
-            </c:extLst>
-          </c:dPt>
-          <c:dLbls>
-            <c:dLbl>
-              <c:idx val="0"/>
-              <c:layout/>
-              <c:spPr>
-                <a:noFill/>
-                <a:ln>
-                  <a:noFill/>
-                </a:ln>
-                <a:effectLst/>
-              </c:spPr>
-              <c:txPr>
-                <a:bodyPr rot="0" spcFirstLastPara="1" vertOverflow="ellipsis" vert="horz" wrap="square" lIns="38100" tIns="19050" rIns="38100" bIns="19050" anchor="ctr" anchorCtr="1">
-                  <a:noAutofit/>
-                </a:bodyPr>
-                <a:lstStyle/>
-                <a:p>
-                  <a:pPr>
-                    <a:defRPr sz="1800" b="1" i="0" u="none" strike="noStrike" kern="1200" baseline="0">
-                      <a:solidFill>
-                        <a:schemeClr val="lt1"/>
-                      </a:solidFill>
-                      <a:latin typeface="Century Gothic" panose="020B0502020202020204" pitchFamily="34" charset="0"/>
-                      <a:ea typeface="+mn-ea"/>
-                      <a:cs typeface="+mn-cs"/>
-                    </a:defRPr>
-                  </a:pPr>
-                  <a:endParaRPr lang="ru-RU"/>
-                </a:p>
-              </c:txPr>
-              <c:dLblPos val="inEnd"/>
-              <c:showLegendKey val="0"/>
-              <c:showVal val="0"/>
-              <c:showCatName val="0"/>
-              <c:showSerName val="0"/>
-              <c:showPercent val="1"/>
-              <c:showBubbleSize val="0"/>
-              <c:extLst xmlns:c16r2="http://schemas.microsoft.com/office/drawing/2015/06/chart">
-                <c:ext xmlns:c16="http://schemas.microsoft.com/office/drawing/2014/chart" uri="{C3380CC4-5D6E-409C-BE32-E72D297353CC}">
-                  <c16:uniqueId val="{00000001-DD37-45AC-98BE-ECC1E60A1FB8}"/>
-                </c:ext>
-                <c:ext xmlns:c15="http://schemas.microsoft.com/office/drawing/2012/chart" uri="{CE6537A1-D6FC-4f65-9D91-7224C49458BB}">
-                  <c15:layout>
-                    <c:manualLayout>
-                      <c:w val="0.1256457618950208"/>
-                      <c:h val="0.114829176836833"/>
-                    </c:manualLayout>
-                  </c15:layout>
-                </c:ext>
-              </c:extLst>
-            </c:dLbl>
-            <c:dLbl>
-              <c:idx val="1"/>
-              <c:layout/>
-              <c:spPr>
-                <a:noFill/>
-                <a:ln>
-                  <a:noFill/>
-                </a:ln>
-                <a:effectLst/>
-              </c:spPr>
-              <c:txPr>
-                <a:bodyPr rot="0" spcFirstLastPara="1" vertOverflow="ellipsis" vert="horz" wrap="square" lIns="38100" tIns="19050" rIns="38100" bIns="19050" anchor="ctr" anchorCtr="1">
-                  <a:noAutofit/>
-                </a:bodyPr>
-                <a:lstStyle/>
-                <a:p>
-                  <a:pPr>
-                    <a:defRPr sz="1800" b="1" i="0" u="none" strike="noStrike" kern="1200" baseline="0">
-                      <a:solidFill>
-                        <a:schemeClr val="lt1"/>
-                      </a:solidFill>
-                      <a:latin typeface="Century Gothic" panose="020B0502020202020204" pitchFamily="34" charset="0"/>
-                      <a:ea typeface="+mn-ea"/>
-                      <a:cs typeface="+mn-cs"/>
-                    </a:defRPr>
-                  </a:pPr>
-                  <a:endParaRPr lang="ru-RU"/>
-                </a:p>
-              </c:txPr>
-              <c:dLblPos val="inEnd"/>
-              <c:showLegendKey val="0"/>
-              <c:showVal val="0"/>
-              <c:showCatName val="0"/>
-              <c:showSerName val="0"/>
-              <c:showPercent val="1"/>
-              <c:showBubbleSize val="0"/>
-              <c:extLst xmlns:c16r2="http://schemas.microsoft.com/office/drawing/2015/06/chart">
-                <c:ext xmlns:c16="http://schemas.microsoft.com/office/drawing/2014/chart" uri="{C3380CC4-5D6E-409C-BE32-E72D297353CC}">
-                  <c16:uniqueId val="{00000003-DD37-45AC-98BE-ECC1E60A1FB8}"/>
-                </c:ext>
-                <c:ext xmlns:c15="http://schemas.microsoft.com/office/drawing/2012/chart" uri="{CE6537A1-D6FC-4f65-9D91-7224C49458BB}">
-                  <c15:layout>
-                    <c:manualLayout>
-                      <c:w val="0.12032060994594669"/>
-                      <c:h val="7.1758059058262935E-2"/>
-                    </c:manualLayout>
-                  </c15:layout>
-                </c:ext>
-              </c:extLst>
-            </c:dLbl>
-            <c:spPr>
-              <a:noFill/>
-              <a:ln>
-                <a:noFill/>
-              </a:ln>
-              <a:effectLst/>
-            </c:spPr>
-            <c:txPr>
-              <a:bodyPr rot="0" spcFirstLastPara="1" vertOverflow="ellipsis" vert="horz" wrap="square" lIns="38100" tIns="19050" rIns="38100" bIns="19050" anchor="ctr" anchorCtr="1">
-                <a:spAutoFit/>
-              </a:bodyPr>
-              <a:lstStyle/>
-              <a:p>
-                <a:pPr>
-                  <a:defRPr sz="1800" b="1" i="0" u="none" strike="noStrike" kern="1200" baseline="0">
-                    <a:solidFill>
-                      <a:schemeClr val="lt1"/>
-                    </a:solidFill>
-                    <a:latin typeface="Century Gothic" panose="020B0502020202020204" pitchFamily="34" charset="0"/>
-                    <a:ea typeface="+mn-ea"/>
-                    <a:cs typeface="+mn-cs"/>
-                  </a:defRPr>
-                </a:pPr>
-                <a:endParaRPr lang="ru-RU"/>
-              </a:p>
-            </c:txPr>
-            <c:dLblPos val="inEnd"/>
-            <c:showLegendKey val="0"/>
-            <c:showVal val="0"/>
-            <c:showCatName val="0"/>
-            <c:showSerName val="0"/>
-            <c:showPercent val="1"/>
-            <c:showBubbleSize val="0"/>
-            <c:showLeaderLines val="1"/>
-            <c:leaderLines>
-              <c:spPr>
-                <a:ln w="9525" cap="flat" cmpd="sng" algn="ctr">
-                  <a:solidFill>
-                    <a:schemeClr val="tx1">
-                      <a:lumMod val="35000"/>
-                      <a:lumOff val="65000"/>
-                    </a:schemeClr>
-                  </a:solidFill>
-                  <a:round/>
-                </a:ln>
-                <a:effectLst/>
-              </c:spPr>
-            </c:leaderLines>
-            <c:extLst xmlns:c16r2="http://schemas.microsoft.com/office/drawing/2015/06/chart">
-              <c:ext xmlns:c15="http://schemas.microsoft.com/office/drawing/2012/chart" uri="{CE6537A1-D6FC-4f65-9D91-7224C49458BB}">
-                <c15:layout/>
-              </c:ext>
-            </c:extLst>
-          </c:dLbls>
-          <c:cat>
-            <c:strRef>
-              <c:f>Лист1!$A$51:$A$53</c:f>
-              <c:strCache>
-                <c:ptCount val="3"/>
-                <c:pt idx="0">
-                  <c:v>Россия</c:v>
-                </c:pt>
-                <c:pt idx="1">
-                  <c:v>США</c:v>
-                </c:pt>
-                <c:pt idx="2">
-                  <c:v>Австралия</c:v>
-                </c:pt>
-              </c:strCache>
-            </c:strRef>
-          </c:cat>
-          <c:val>
-            <c:numRef>
-              <c:f>Лист1!$B$51:$B$53</c:f>
-              <c:numCache>
-                <c:formatCode>General</c:formatCode>
-                <c:ptCount val="3"/>
-                <c:pt idx="0">
-                  <c:v>12</c:v>
-                </c:pt>
-                <c:pt idx="1">
-                  <c:v>2</c:v>
-                </c:pt>
-                <c:pt idx="2">
-                  <c:v>1</c:v>
-                </c:pt>
-              </c:numCache>
-            </c:numRef>
-          </c:val>
-          <c:extLst xmlns:c16r2="http://schemas.microsoft.com/office/drawing/2015/06/chart">
-            <c:ext xmlns:c16="http://schemas.microsoft.com/office/drawing/2014/chart" uri="{C3380CC4-5D6E-409C-BE32-E72D297353CC}">
-              <c16:uniqueId val="{00000006-DD37-45AC-98BE-ECC1E60A1FB8}"/>
-            </c:ext>
-          </c:extLst>
-        </c:ser>
-        <c:dLbls>
-          <c:dLblPos val="inEnd"/>
-          <c:showLegendKey val="0"/>
-          <c:showVal val="0"/>
-          <c:showCatName val="0"/>
-          <c:showSerName val="0"/>
-          <c:showPercent val="1"/>
-          <c:showBubbleSize val="0"/>
-          <c:showLeaderLines val="1"/>
-        </c:dLbls>
-        <c:firstSliceAng val="0"/>
-      </c:pieChart>
-      <c:spPr>
-        <a:noFill/>
-        <a:ln>
-          <a:noFill/>
-        </a:ln>
-        <a:effectLst/>
-      </c:spPr>
-    </c:plotArea>
-    <c:legend>
-      <c:legendPos val="t"/>
-      <c:layout>
-        <c:manualLayout>
-          <c:xMode val="edge"/>
-          <c:yMode val="edge"/>
-          <c:x val="0.13124937157399477"/>
-          <c:y val="3.5652717909692593E-2"/>
-          <c:w val="0.73750104015338791"/>
-          <c:h val="5.8552516928562622E-2"/>
-        </c:manualLayout>
-      </c:layout>
-      <c:overlay val="0"/>
-      <c:spPr>
-        <a:noFill/>
-        <a:ln>
-          <a:noFill/>
-        </a:ln>
-        <a:effectLst/>
-      </c:spPr>
-      <c:txPr>
-        <a:bodyPr rot="0" spcFirstLastPara="1" vertOverflow="ellipsis" vert="horz" wrap="square" anchor="ctr" anchorCtr="1"/>
-        <a:lstStyle/>
-        <a:p>
-          <a:pPr>
-            <a:defRPr sz="1600" b="0" i="0" u="none" strike="noStrike" kern="1200" baseline="0">
-              <a:solidFill>
-                <a:schemeClr val="tx1">
-                  <a:lumMod val="65000"/>
-                  <a:lumOff val="35000"/>
-                </a:schemeClr>
-              </a:solidFill>
-              <a:latin typeface="Century Gothic" panose="020B0502020202020204" pitchFamily="34" charset="0"/>
-              <a:ea typeface="+mn-ea"/>
-              <a:cs typeface="+mn-cs"/>
-            </a:defRPr>
-          </a:pPr>
-          <a:endParaRPr lang="ru-RU"/>
-        </a:p>
-      </c:txPr>
-    </c:legend>
-    <c:plotVisOnly val="1"/>
-    <c:dispBlanksAs val="gap"/>
-    <c:showDLblsOverMax val="0"/>
-  </c:chart>
-  <c:spPr>
-    <a:noFill/>
-    <a:ln>
-      <a:noFill/>
-    </a:ln>
-    <a:effectLst/>
-  </c:spPr>
-  <c:txPr>
-    <a:bodyPr/>
-    <a:lstStyle/>
-    <a:p>
-      <a:pPr>
-        <a:defRPr/>
-      </a:pPr>
-      <a:endParaRPr lang="ru-RU"/>
-    </a:p>
-  </c:txPr>
-  <c:externalData r:id="rId3">
-    <c:autoUpdate val="0"/>
-  </c:externalData>
-</c:chartSpace>
-</file>
-
-<file path=ppt/charts/chart2.xml><?xml version="1.0" encoding="utf-8"?>
-<c:chartSpace xmlns:c="http://schemas.openxmlformats.org/drawingml/2006/chart" xmlns:a="http://schemas.openxmlformats.org/drawingml/2006/main" xmlns:r="http://schemas.openxmlformats.org/officeDocument/2006/relationships">
-  <c:date1904 val="0"/>
-  <c:lang val="ru-RU"/>
-  <c:roundedCorners val="0"/>
-  <mc:AlternateContent xmlns:mc="http://schemas.openxmlformats.org/markup-compatibility/2006">
-    <mc:Choice xmlns:c14="http://schemas.microsoft.com/office/drawing/2007/8/2/chart" Requires="c14">
-      <c14:style val="102"/>
-    </mc:Choice>
-    <mc:Fallback>
-      <c:style val="2"/>
-    </mc:Fallback>
-  </mc:AlternateContent>
-  <c:chart>
-    <c:autoTitleDeleted val="1"/>
-    <c:plotArea>
-      <c:layout/>
-      <c:pieChart>
-        <c:varyColors val="1"/>
-        <c:ser>
-          <c:idx val="0"/>
-          <c:order val="0"/>
-          <c:dPt>
-            <c:idx val="0"/>
-            <c:bubble3D val="0"/>
-            <c:spPr>
-              <a:solidFill>
-                <a:schemeClr val="accent1"/>
-              </a:solidFill>
-              <a:ln>
-                <a:noFill/>
-              </a:ln>
-              <a:effectLst/>
-              <a:scene3d>
-                <a:camera prst="orthographicFront"/>
-                <a:lightRig rig="brightRoom" dir="t"/>
-              </a:scene3d>
-              <a:sp3d prstMaterial="flat">
-                <a:bevelT w="50800" h="101600" prst="angle"/>
-                <a:contourClr>
-                  <a:srgbClr val="000000"/>
-                </a:contourClr>
-              </a:sp3d>
-            </c:spPr>
-            <c:extLst xmlns:c16r2="http://schemas.microsoft.com/office/drawing/2015/06/chart">
-              <c:ext xmlns:c16="http://schemas.microsoft.com/office/drawing/2014/chart" uri="{C3380CC4-5D6E-409C-BE32-E72D297353CC}">
-                <c16:uniqueId val="{00000001-7EF3-4C46-9DC3-3B8C7FBA6315}"/>
-              </c:ext>
-            </c:extLst>
-          </c:dPt>
-          <c:dPt>
-            <c:idx val="1"/>
-            <c:bubble3D val="0"/>
-            <c:spPr>
-              <a:solidFill>
-                <a:schemeClr val="accent3"/>
-              </a:solidFill>
-              <a:ln>
-                <a:noFill/>
-              </a:ln>
-              <a:effectLst/>
-              <a:scene3d>
-                <a:camera prst="orthographicFront"/>
-                <a:lightRig rig="brightRoom" dir="t"/>
-              </a:scene3d>
-              <a:sp3d prstMaterial="flat">
-                <a:bevelT w="50800" h="101600" prst="angle"/>
-                <a:contourClr>
-                  <a:srgbClr val="000000"/>
-                </a:contourClr>
-              </a:sp3d>
-            </c:spPr>
-            <c:extLst xmlns:c16r2="http://schemas.microsoft.com/office/drawing/2015/06/chart">
-              <c:ext xmlns:c16="http://schemas.microsoft.com/office/drawing/2014/chart" uri="{C3380CC4-5D6E-409C-BE32-E72D297353CC}">
-                <c16:uniqueId val="{00000003-7EF3-4C46-9DC3-3B8C7FBA6315}"/>
-              </c:ext>
-            </c:extLst>
-          </c:dPt>
-          <c:dPt>
-            <c:idx val="2"/>
-            <c:bubble3D val="0"/>
-            <c:spPr>
-              <a:solidFill>
-                <a:schemeClr val="accent5"/>
-              </a:solidFill>
-              <a:ln>
-                <a:noFill/>
-              </a:ln>
-              <a:effectLst/>
-              <a:scene3d>
-                <a:camera prst="orthographicFront"/>
-                <a:lightRig rig="brightRoom" dir="t"/>
-              </a:scene3d>
-              <a:sp3d prstMaterial="flat">
-                <a:bevelT w="50800" h="101600" prst="angle"/>
-                <a:contourClr>
-                  <a:srgbClr val="000000"/>
-                </a:contourClr>
-              </a:sp3d>
-            </c:spPr>
-            <c:extLst xmlns:c16r2="http://schemas.microsoft.com/office/drawing/2015/06/chart">
-              <c:ext xmlns:c16="http://schemas.microsoft.com/office/drawing/2014/chart" uri="{C3380CC4-5D6E-409C-BE32-E72D297353CC}">
-                <c16:uniqueId val="{00000005-7EF3-4C46-9DC3-3B8C7FBA6315}"/>
-              </c:ext>
-            </c:extLst>
-          </c:dPt>
-          <c:dPt>
-            <c:idx val="3"/>
-            <c:bubble3D val="0"/>
-            <c:spPr>
-              <a:solidFill>
-                <a:schemeClr val="accent1">
-                  <a:lumMod val="60000"/>
-                </a:schemeClr>
-              </a:solidFill>
-              <a:ln>
-                <a:noFill/>
-              </a:ln>
-              <a:effectLst/>
-              <a:scene3d>
-                <a:camera prst="orthographicFront"/>
-                <a:lightRig rig="brightRoom" dir="t"/>
-              </a:scene3d>
-              <a:sp3d prstMaterial="flat">
-                <a:bevelT w="50800" h="101600" prst="angle"/>
-                <a:contourClr>
-                  <a:srgbClr val="000000"/>
-                </a:contourClr>
-              </a:sp3d>
-            </c:spPr>
-            <c:extLst xmlns:c16r2="http://schemas.microsoft.com/office/drawing/2015/06/chart">
-              <c:ext xmlns:c16="http://schemas.microsoft.com/office/drawing/2014/chart" uri="{C3380CC4-5D6E-409C-BE32-E72D297353CC}">
-                <c16:uniqueId val="{00000007-7EF3-4C46-9DC3-3B8C7FBA6315}"/>
-              </c:ext>
-            </c:extLst>
-          </c:dPt>
-          <c:dPt>
-            <c:idx val="4"/>
-            <c:bubble3D val="0"/>
-            <c:spPr>
-              <a:solidFill>
-                <a:schemeClr val="accent3">
-                  <a:lumMod val="60000"/>
-                </a:schemeClr>
-              </a:solidFill>
-              <a:ln>
-                <a:noFill/>
-              </a:ln>
-              <a:effectLst/>
-              <a:scene3d>
-                <a:camera prst="orthographicFront"/>
-                <a:lightRig rig="brightRoom" dir="t"/>
-              </a:scene3d>
-              <a:sp3d prstMaterial="flat">
-                <a:bevelT w="50800" h="101600" prst="angle"/>
-                <a:contourClr>
-                  <a:srgbClr val="000000"/>
-                </a:contourClr>
-              </a:sp3d>
-            </c:spPr>
-            <c:extLst xmlns:c16r2="http://schemas.microsoft.com/office/drawing/2015/06/chart">
-              <c:ext xmlns:c16="http://schemas.microsoft.com/office/drawing/2014/chart" uri="{C3380CC4-5D6E-409C-BE32-E72D297353CC}">
-                <c16:uniqueId val="{00000009-7EF3-4C46-9DC3-3B8C7FBA6315}"/>
-              </c:ext>
-            </c:extLst>
-          </c:dPt>
-          <c:dPt>
-            <c:idx val="5"/>
-            <c:bubble3D val="0"/>
-            <c:spPr>
-              <a:solidFill>
-                <a:schemeClr val="accent5">
-                  <a:lumMod val="60000"/>
-                </a:schemeClr>
-              </a:solidFill>
-              <a:ln>
-                <a:noFill/>
-              </a:ln>
-              <a:effectLst/>
-              <a:scene3d>
-                <a:camera prst="orthographicFront"/>
-                <a:lightRig rig="brightRoom" dir="t"/>
-              </a:scene3d>
-              <a:sp3d prstMaterial="flat">
-                <a:bevelT w="50800" h="101600" prst="angle"/>
-                <a:contourClr>
-                  <a:srgbClr val="000000"/>
-                </a:contourClr>
-              </a:sp3d>
-            </c:spPr>
-            <c:extLst xmlns:c16r2="http://schemas.microsoft.com/office/drawing/2015/06/chart">
-              <c:ext xmlns:c16="http://schemas.microsoft.com/office/drawing/2014/chart" uri="{C3380CC4-5D6E-409C-BE32-E72D297353CC}">
-                <c16:uniqueId val="{0000000B-7EF3-4C46-9DC3-3B8C7FBA6315}"/>
-              </c:ext>
-            </c:extLst>
-          </c:dPt>
-          <c:dLbls>
-            <c:spPr>
-              <a:noFill/>
-              <a:ln>
-                <a:noFill/>
-              </a:ln>
-              <a:effectLst/>
-            </c:spPr>
-            <c:txPr>
-              <a:bodyPr rot="0" spcFirstLastPara="1" vertOverflow="ellipsis" vert="horz" wrap="square" lIns="38100" tIns="19050" rIns="38100" bIns="19050" anchor="ctr" anchorCtr="1">
-                <a:spAutoFit/>
-              </a:bodyPr>
-              <a:lstStyle/>
-              <a:p>
-                <a:pPr>
-                  <a:defRPr sz="1800" b="1" i="0" u="none" strike="noStrike" kern="1200" baseline="0">
-                    <a:solidFill>
-                      <a:schemeClr val="lt1"/>
-                    </a:solidFill>
-                    <a:latin typeface="Century Gothic" panose="020B0502020202020204" pitchFamily="34" charset="0"/>
-                    <a:ea typeface="+mn-ea"/>
-                    <a:cs typeface="+mn-cs"/>
-                  </a:defRPr>
-                </a:pPr>
-                <a:endParaRPr lang="ru-RU"/>
-              </a:p>
-            </c:txPr>
-            <c:dLblPos val="inEnd"/>
-            <c:showLegendKey val="0"/>
-            <c:showVal val="0"/>
-            <c:showCatName val="0"/>
-            <c:showSerName val="0"/>
-            <c:showPercent val="1"/>
-            <c:showBubbleSize val="0"/>
-            <c:showLeaderLines val="1"/>
-            <c:leaderLines>
-              <c:spPr>
-                <a:ln w="9525" cap="flat" cmpd="sng" algn="ctr">
-                  <a:solidFill>
-                    <a:schemeClr val="tx1">
-                      <a:lumMod val="35000"/>
-                      <a:lumOff val="65000"/>
-                    </a:schemeClr>
-                  </a:solidFill>
-                  <a:round/>
-                </a:ln>
-                <a:effectLst/>
-              </c:spPr>
-            </c:leaderLines>
-            <c:extLst xmlns:c16r2="http://schemas.microsoft.com/office/drawing/2015/06/chart">
-              <c:ext xmlns:c15="http://schemas.microsoft.com/office/drawing/2012/chart" uri="{CE6537A1-D6FC-4f65-9D91-7224C49458BB}">
-                <c15:layout/>
-              </c:ext>
-            </c:extLst>
-          </c:dLbls>
-          <c:cat>
-            <c:strRef>
-              <c:f>Лист1!$A$2:$A$7</c:f>
-              <c:strCache>
-                <c:ptCount val="6"/>
-                <c:pt idx="0">
-                  <c:v>Россия</c:v>
-                </c:pt>
-                <c:pt idx="1">
-                  <c:v>США</c:v>
-                </c:pt>
-                <c:pt idx="2">
-                  <c:v>Канада</c:v>
-                </c:pt>
-                <c:pt idx="3">
-                  <c:v>Франция</c:v>
-                </c:pt>
-                <c:pt idx="4">
-                  <c:v>Бельгия</c:v>
-                </c:pt>
-                <c:pt idx="5">
-                  <c:v>Германия</c:v>
-                </c:pt>
-              </c:strCache>
-            </c:strRef>
-          </c:cat>
-          <c:val>
-            <c:numRef>
-              <c:f>Лист1!$B$2:$B$7</c:f>
-              <c:numCache>
-                <c:formatCode>General</c:formatCode>
-                <c:ptCount val="6"/>
-                <c:pt idx="0">
-                  <c:v>20</c:v>
-                </c:pt>
-                <c:pt idx="1">
-                  <c:v>3</c:v>
-                </c:pt>
-                <c:pt idx="2">
-                  <c:v>1</c:v>
-                </c:pt>
-                <c:pt idx="3">
-                  <c:v>1</c:v>
-                </c:pt>
-                <c:pt idx="4">
-                  <c:v>1</c:v>
-                </c:pt>
-                <c:pt idx="5">
-                  <c:v>1</c:v>
-                </c:pt>
-              </c:numCache>
-            </c:numRef>
-          </c:val>
-          <c:extLst xmlns:c16r2="http://schemas.microsoft.com/office/drawing/2015/06/chart">
-            <c:ext xmlns:c16="http://schemas.microsoft.com/office/drawing/2014/chart" uri="{C3380CC4-5D6E-409C-BE32-E72D297353CC}">
-              <c16:uniqueId val="{0000000C-7EF3-4C46-9DC3-3B8C7FBA6315}"/>
-            </c:ext>
-          </c:extLst>
-        </c:ser>
-        <c:dLbls>
-          <c:dLblPos val="inEnd"/>
-          <c:showLegendKey val="0"/>
-          <c:showVal val="0"/>
-          <c:showCatName val="0"/>
-          <c:showSerName val="0"/>
-          <c:showPercent val="1"/>
-          <c:showBubbleSize val="0"/>
-          <c:showLeaderLines val="1"/>
-        </c:dLbls>
-        <c:firstSliceAng val="0"/>
-      </c:pieChart>
-      <c:spPr>
-        <a:noFill/>
-        <a:ln>
-          <a:noFill/>
-        </a:ln>
-        <a:effectLst/>
-      </c:spPr>
-    </c:plotArea>
-    <c:legend>
-      <c:legendPos val="t"/>
-      <c:layout/>
-      <c:overlay val="0"/>
-      <c:spPr>
-        <a:noFill/>
-        <a:ln>
-          <a:noFill/>
-        </a:ln>
-        <a:effectLst/>
-      </c:spPr>
-      <c:txPr>
-        <a:bodyPr rot="0" spcFirstLastPara="1" vertOverflow="ellipsis" vert="horz" wrap="square" anchor="ctr" anchorCtr="1"/>
-        <a:lstStyle/>
-        <a:p>
-          <a:pPr>
-            <a:defRPr sz="1600" b="0" i="0" u="none" strike="noStrike" kern="1200" baseline="0">
-              <a:solidFill>
-                <a:schemeClr val="tx1">
-                  <a:lumMod val="65000"/>
-                  <a:lumOff val="35000"/>
-                </a:schemeClr>
-              </a:solidFill>
-              <a:latin typeface="Century Gothic" panose="020B0502020202020204" pitchFamily="34" charset="0"/>
-              <a:ea typeface="+mn-ea"/>
-              <a:cs typeface="+mn-cs"/>
-            </a:defRPr>
-          </a:pPr>
-          <a:endParaRPr lang="ru-RU"/>
-        </a:p>
-      </c:txPr>
-    </c:legend>
-    <c:plotVisOnly val="1"/>
-    <c:dispBlanksAs val="gap"/>
-    <c:showDLblsOverMax val="0"/>
-  </c:chart>
-  <c:spPr>
-    <a:noFill/>
-    <a:ln>
-      <a:noFill/>
-    </a:ln>
-    <a:effectLst/>
-  </c:spPr>
-  <c:txPr>
-    <a:bodyPr/>
-    <a:lstStyle/>
-    <a:p>
-      <a:pPr>
-        <a:defRPr/>
-      </a:pPr>
-      <a:endParaRPr lang="ru-RU"/>
-    </a:p>
-  </c:txPr>
-  <c:externalData r:id="rId3">
-    <c:autoUpdate val="0"/>
-  </c:externalData>
-</c:chartSpace>
-</file>
-
-<file path=ppt/charts/colors1.xml><?xml version="1.0" encoding="utf-8"?>
-<cs:colorStyle xmlns:cs="http://schemas.microsoft.com/office/drawing/2012/chartStyle" xmlns:a="http://schemas.openxmlformats.org/drawingml/2006/main" meth="cycle" id="11">
-  <a:schemeClr val="accent1"/>
-  <a:schemeClr val="accent3"/>
-  <a:schemeClr val="accent5"/>
-  <cs:variation/>
-  <cs:variation>
-    <a:lumMod val="60000"/>
-  </cs:variation>
-  <cs:variation>
-    <a:lumMod val="80000"/>
-    <a:lumOff val="20000"/>
-  </cs:variation>
-  <cs:variation>
-    <a:lumMod val="80000"/>
-  </cs:variation>
-  <cs:variation>
-    <a:lumMod val="60000"/>
-    <a:lumOff val="40000"/>
-  </cs:variation>
-  <cs:variation>
-    <a:lumMod val="50000"/>
-  </cs:variation>
-  <cs:variation>
-    <a:lumMod val="70000"/>
-    <a:lumOff val="30000"/>
-  </cs:variation>
-  <cs:variation>
-    <a:lumMod val="70000"/>
-  </cs:variation>
-  <cs:variation>
-    <a:lumMod val="50000"/>
-    <a:lumOff val="50000"/>
-  </cs:variation>
-</cs:colorStyle>
-</file>
-
-<file path=ppt/charts/colors2.xml><?xml version="1.0" encoding="utf-8"?>
-<cs:colorStyle xmlns:cs="http://schemas.microsoft.com/office/drawing/2012/chartStyle" xmlns:a="http://schemas.openxmlformats.org/drawingml/2006/main" meth="cycle" id="11">
-  <a:schemeClr val="accent1"/>
-  <a:schemeClr val="accent3"/>
-  <a:schemeClr val="accent5"/>
-  <cs:variation/>
-  <cs:variation>
-    <a:lumMod val="60000"/>
-  </cs:variation>
-  <cs:variation>
-    <a:lumMod val="80000"/>
-    <a:lumOff val="20000"/>
-  </cs:variation>
-  <cs:variation>
-    <a:lumMod val="80000"/>
-  </cs:variation>
-  <cs:variation>
-    <a:lumMod val="60000"/>
-    <a:lumOff val="40000"/>
-  </cs:variation>
-  <cs:variation>
-    <a:lumMod val="50000"/>
-  </cs:variation>
-  <cs:variation>
-    <a:lumMod val="70000"/>
-    <a:lumOff val="30000"/>
-  </cs:variation>
-  <cs:variation>
-    <a:lumMod val="70000"/>
-  </cs:variation>
-  <cs:variation>
-    <a:lumMod val="50000"/>
-    <a:lumOff val="50000"/>
-  </cs:variation>
-</cs:colorStyle>
-</file>
-
-<file path=ppt/charts/style1.xml><?xml version="1.0" encoding="utf-8"?>
-<cs:chartStyle xmlns:cs="http://schemas.microsoft.com/office/drawing/2012/chartStyle" xmlns:a="http://schemas.openxmlformats.org/drawingml/2006/main" id="258">
-  <cs:axisTitle>
-    <cs:lnRef idx="0"/>
-    <cs:fillRef idx="0"/>
-    <cs:effectRef idx="0"/>
-    <cs:fontRef idx="minor">
-      <a:schemeClr val="tx1">
-        <a:lumMod val="65000"/>
-        <a:lumOff val="35000"/>
-      </a:schemeClr>
-    </cs:fontRef>
-    <cs:defRPr sz="900" kern="1200"/>
-  </cs:axisTitle>
-  <cs:categoryAxis>
-    <cs:lnRef idx="0"/>
-    <cs:fillRef idx="0"/>
-    <cs:effectRef idx="0"/>
-    <cs:fontRef idx="minor">
-      <a:schemeClr val="tx1">
-        <a:lumMod val="65000"/>
-        <a:lumOff val="35000"/>
-      </a:schemeClr>
-    </cs:fontRef>
-    <cs:defRPr sz="900" kern="1200"/>
-  </cs:categoryAxis>
-  <cs:chartArea mods="allowNoFillOverride allowNoLineOverride">
-    <cs:lnRef idx="0"/>
-    <cs:fillRef idx="0"/>
-    <cs:effectRef idx="0"/>
-    <cs:fontRef idx="minor">
-      <a:schemeClr val="tx1"/>
-    </cs:fontRef>
-    <cs:spPr>
-      <a:solidFill>
-        <a:schemeClr val="bg1"/>
-      </a:solidFill>
-      <a:ln w="9525" cap="flat" cmpd="sng" algn="ctr">
-        <a:solidFill>
-          <a:schemeClr val="tx1">
-            <a:lumMod val="15000"/>
-            <a:lumOff val="85000"/>
-          </a:schemeClr>
-        </a:solidFill>
-        <a:round/>
-      </a:ln>
-    </cs:spPr>
-    <cs:defRPr sz="900" kern="1200"/>
-  </cs:chartArea>
-  <cs:dataLabel>
-    <cs:lnRef idx="0"/>
-    <cs:fillRef idx="0"/>
-    <cs:effectRef idx="0"/>
-    <cs:fontRef idx="minor">
-      <a:schemeClr val="lt1"/>
-    </cs:fontRef>
-    <cs:defRPr sz="900" b="1" kern="1200"/>
-  </cs:dataLabel>
-  <cs:dataLabelCallout>
-    <cs:lnRef idx="0"/>
-    <cs:fillRef idx="0"/>
-    <cs:effectRef idx="0"/>
-    <cs:fontRef idx="minor">
-      <a:schemeClr val="dk1">
-        <a:lumMod val="65000"/>
-        <a:lumOff val="35000"/>
-      </a:schemeClr>
-    </cs:fontRef>
-    <cs:spPr>
-      <a:solidFill>
-        <a:schemeClr val="lt1"/>
-      </a:solidFill>
-      <a:ln>
-        <a:solidFill>
-          <a:schemeClr val="dk1">
-            <a:lumMod val="25000"/>
-            <a:lumOff val="75000"/>
-          </a:schemeClr>
-        </a:solidFill>
-      </a:ln>
-    </cs:spPr>
-    <cs:defRPr sz="900" kern="1200"/>
-    <cs:bodyPr rot="0" spcFirstLastPara="1" vertOverflow="clip" horzOverflow="clip" vert="horz" wrap="square" lIns="36576" tIns="18288" rIns="36576" bIns="18288" anchor="ctr" anchorCtr="1">
-      <a:spAutoFit/>
-    </cs:bodyPr>
-  </cs:dataLabelCallout>
-  <cs:dataPoint>
-    <cs:lnRef idx="0"/>
-    <cs:fillRef idx="0">
-      <cs:styleClr val="auto"/>
-    </cs:fillRef>
-    <cs:effectRef idx="0"/>
-    <cs:fontRef idx="minor">
-      <a:schemeClr val="tx1"/>
-    </cs:fontRef>
-    <cs:spPr>
-      <a:solidFill>
-        <a:schemeClr val="phClr"/>
-      </a:solidFill>
-      <a:scene3d>
-        <a:camera prst="orthographicFront"/>
-        <a:lightRig rig="brightRoom" dir="t"/>
-      </a:scene3d>
-      <a:sp3d prstMaterial="flat">
-        <a:bevelT w="50800" h="101600" prst="angle"/>
-        <a:contourClr>
-          <a:srgbClr val="000000"/>
-        </a:contourClr>
-      </a:sp3d>
-    </cs:spPr>
-  </cs:dataPoint>
-  <cs:dataPoint3D>
-    <cs:lnRef idx="0"/>
-    <cs:fillRef idx="0">
-      <cs:styleClr val="auto"/>
-    </cs:fillRef>
-    <cs:effectRef idx="0"/>
-    <cs:fontRef idx="minor">
-      <a:schemeClr val="tx1"/>
-    </cs:fontRef>
-    <cs:spPr>
-      <a:solidFill>
-        <a:schemeClr val="phClr"/>
-      </a:solidFill>
-      <a:ln w="19050">
-        <a:solidFill>
-          <a:schemeClr val="lt1"/>
-        </a:solidFill>
-      </a:ln>
-    </cs:spPr>
-  </cs:dataPoint3D>
-  <cs:dataPointLine>
-    <cs:lnRef idx="0">
-      <cs:styleClr val="auto"/>
-    </cs:lnRef>
-    <cs:fillRef idx="0"/>
-    <cs:effectRef idx="0"/>
-    <cs:fontRef idx="minor">
-      <a:schemeClr val="tx1"/>
-    </cs:fontRef>
-    <cs:spPr>
-      <a:ln w="28575" cap="rnd">
-        <a:solidFill>
-          <a:schemeClr val="phClr"/>
-        </a:solidFill>
-        <a:round/>
-      </a:ln>
-    </cs:spPr>
-  </cs:dataPointLine>
-  <cs:dataPointMarker>
-    <cs:lnRef idx="0"/>
-    <cs:fillRef idx="0">
-      <cs:styleClr val="auto"/>
-    </cs:fillRef>
-    <cs:effectRef idx="0"/>
-    <cs:fontRef idx="minor">
-      <a:schemeClr val="tx1"/>
-    </cs:fontRef>
-    <cs:spPr>
-      <a:solidFill>
-        <a:schemeClr val="phClr"/>
-      </a:solidFill>
-      <a:ln w="9525">
-        <a:solidFill>
-          <a:schemeClr val="lt1"/>
-        </a:solidFill>
-      </a:ln>
-    </cs:spPr>
-  </cs:dataPointMarker>
-  <cs:dataPointMarkerLayout symbol="circle" size="6"/>
-  <cs:dataPointWireframe>
-    <cs:lnRef idx="0">
-      <cs:styleClr val="auto"/>
-    </cs:lnRef>
-    <cs:fillRef idx="0"/>
-    <cs:effectRef idx="0"/>
-    <cs:fontRef idx="minor">
-      <a:schemeClr val="tx1"/>
-    </cs:fontRef>
-    <cs:spPr>
-      <a:ln w="9525" cap="rnd">
-        <a:solidFill>
-          <a:schemeClr val="phClr"/>
-        </a:solidFill>
-        <a:round/>
-      </a:ln>
-    </cs:spPr>
-  </cs:dataPointWireframe>
-  <cs:dataTable>
-    <cs:lnRef idx="0"/>
-    <cs:fillRef idx="0"/>
-    <cs:effectRef idx="0"/>
-    <cs:fontRef idx="minor">
-      <a:schemeClr val="tx1">
-        <a:lumMod val="65000"/>
-        <a:lumOff val="35000"/>
-      </a:schemeClr>
-    </cs:fontRef>
-    <cs:spPr>
-      <a:noFill/>
-      <a:ln w="9525" cap="flat" cmpd="sng" algn="ctr">
-        <a:solidFill>
-          <a:schemeClr val="tx1">
-            <a:lumMod val="15000"/>
-            <a:lumOff val="85000"/>
-          </a:schemeClr>
-        </a:solidFill>
-        <a:round/>
-      </a:ln>
-    </cs:spPr>
-    <cs:defRPr sz="900" kern="1200"/>
-  </cs:dataTable>
-  <cs:downBar>
-    <cs:lnRef idx="0"/>
-    <cs:fillRef idx="0"/>
-    <cs:effectRef idx="0"/>
-    <cs:fontRef idx="minor">
-      <a:schemeClr val="tx1"/>
-    </cs:fontRef>
-    <cs:spPr>
-      <a:solidFill>
-        <a:schemeClr val="dk1">
-          <a:lumMod val="75000"/>
-          <a:lumOff val="25000"/>
-        </a:schemeClr>
-      </a:solidFill>
-      <a:ln w="9525" cap="flat" cmpd="sng" algn="ctr">
-        <a:solidFill>
-          <a:schemeClr val="tx1">
-            <a:lumMod val="65000"/>
-            <a:lumOff val="35000"/>
-          </a:schemeClr>
-        </a:solidFill>
-        <a:round/>
-      </a:ln>
-    </cs:spPr>
-  </cs:downBar>
-  <cs:dropLine>
-    <cs:lnRef idx="0"/>
-    <cs:fillRef idx="0"/>
-    <cs:effectRef idx="0"/>
-    <cs:fontRef idx="minor">
-      <a:schemeClr val="tx1"/>
-    </cs:fontRef>
-    <cs:spPr>
-      <a:ln w="9525" cap="flat" cmpd="sng" algn="ctr">
-        <a:solidFill>
-          <a:schemeClr val="tx1">
-            <a:lumMod val="35000"/>
-            <a:lumOff val="65000"/>
-          </a:schemeClr>
-        </a:solidFill>
-        <a:round/>
-      </a:ln>
-    </cs:spPr>
-  </cs:dropLine>
-  <cs:errorBar>
-    <cs:lnRef idx="0"/>
-    <cs:fillRef idx="0"/>
-    <cs:effectRef idx="0"/>
-    <cs:fontRef idx="minor">
-      <a:schemeClr val="tx1"/>
-    </cs:fontRef>
-    <cs:spPr>
-      <a:ln w="9525" cap="flat" cmpd="sng" algn="ctr">
-        <a:solidFill>
-          <a:schemeClr val="tx1">
-            <a:lumMod val="65000"/>
-            <a:lumOff val="35000"/>
-          </a:schemeClr>
-        </a:solidFill>
-        <a:round/>
-      </a:ln>
-    </cs:spPr>
-  </cs:errorBar>
-  <cs:floor>
-    <cs:lnRef idx="0"/>
-    <cs:fillRef idx="0"/>
-    <cs:effectRef idx="0"/>
-    <cs:fontRef idx="minor">
-      <a:schemeClr val="tx1"/>
-    </cs:fontRef>
-    <cs:spPr>
-      <a:noFill/>
-      <a:ln>
-        <a:noFill/>
-      </a:ln>
-    </cs:spPr>
-  </cs:floor>
-  <cs:gridlineMajor>
-    <cs:lnRef idx="0"/>
-    <cs:fillRef idx="0"/>
-    <cs:effectRef idx="0"/>
-    <cs:fontRef idx="minor">
-      <a:schemeClr val="tx1"/>
-    </cs:fontRef>
-    <cs:spPr>
-      <a:ln w="9525" cap="flat" cmpd="sng" algn="ctr">
-        <a:solidFill>
-          <a:schemeClr val="tx1">
-            <a:lumMod val="15000"/>
-            <a:lumOff val="85000"/>
-          </a:schemeClr>
-        </a:solidFill>
-        <a:round/>
-      </a:ln>
-    </cs:spPr>
-  </cs:gridlineMajor>
-  <cs:gridlineMinor>
-    <cs:lnRef idx="0"/>
-    <cs:fillRef idx="0"/>
-    <cs:effectRef idx="0"/>
-    <cs:fontRef idx="minor">
-      <a:schemeClr val="tx1"/>
-    </cs:fontRef>
-    <cs:spPr>
-      <a:ln w="9525" cap="flat" cmpd="sng" algn="ctr">
-        <a:solidFill>
-          <a:schemeClr val="tx1">
-            <a:lumMod val="5000"/>
-            <a:lumOff val="95000"/>
-          </a:schemeClr>
-        </a:solidFill>
-        <a:round/>
-      </a:ln>
-    </cs:spPr>
-  </cs:gridlineMinor>
-  <cs:hiLoLine>
-    <cs:lnRef idx="0"/>
-    <cs:fillRef idx="0"/>
-    <cs:effectRef idx="0"/>
-    <cs:fontRef idx="minor">
-      <a:schemeClr val="tx1"/>
-    </cs:fontRef>
-    <cs:spPr>
-      <a:ln w="9525" cap="flat" cmpd="sng" algn="ctr">
-        <a:solidFill>
-          <a:schemeClr val="tx1">
-            <a:lumMod val="50000"/>
-            <a:lumOff val="50000"/>
-          </a:schemeClr>
-        </a:solidFill>
-        <a:round/>
-      </a:ln>
-    </cs:spPr>
-  </cs:hiLoLine>
-  <cs:leaderLine>
-    <cs:lnRef idx="0"/>
-    <cs:fillRef idx="0"/>
-    <cs:effectRef idx="0"/>
-    <cs:fontRef idx="minor">
-      <a:schemeClr val="tx1"/>
-    </cs:fontRef>
-    <cs:spPr>
-      <a:ln w="9525" cap="flat" cmpd="sng" algn="ctr">
-        <a:solidFill>
-          <a:schemeClr val="tx1">
-            <a:lumMod val="35000"/>
-            <a:lumOff val="65000"/>
-          </a:schemeClr>
-        </a:solidFill>
-        <a:round/>
-      </a:ln>
-    </cs:spPr>
-  </cs:leaderLine>
-  <cs:legend>
-    <cs:lnRef idx="0"/>
-    <cs:fillRef idx="0"/>
-    <cs:effectRef idx="0"/>
-    <cs:fontRef idx="minor">
-      <a:schemeClr val="tx1">
-        <a:lumMod val="65000"/>
-        <a:lumOff val="35000"/>
-      </a:schemeClr>
-    </cs:fontRef>
-    <cs:defRPr sz="900" kern="1200"/>
-  </cs:legend>
-  <cs:plotArea mods="allowNoFillOverride allowNoLineOverride">
-    <cs:lnRef idx="0"/>
-    <cs:fillRef idx="0"/>
-    <cs:effectRef idx="0"/>
-    <cs:fontRef idx="minor">
-      <a:schemeClr val="tx1"/>
-    </cs:fontRef>
-  </cs:plotArea>
-  <cs:plotArea3D mods="allowNoFillOverride allowNoLineOverride">
-    <cs:lnRef idx="0"/>
-    <cs:fillRef idx="0"/>
-    <cs:effectRef idx="0"/>
-    <cs:fontRef idx="minor">
-      <a:schemeClr val="tx1"/>
-    </cs:fontRef>
-  </cs:plotArea3D>
-  <cs:seriesAxis>
-    <cs:lnRef idx="0"/>
-    <cs:fillRef idx="0"/>
-    <cs:effectRef idx="0"/>
-    <cs:fontRef idx="minor">
-      <a:schemeClr val="tx1">
-        <a:lumMod val="65000"/>
-        <a:lumOff val="35000"/>
-      </a:schemeClr>
-    </cs:fontRef>
-    <cs:defRPr sz="900" kern="1200"/>
-  </cs:seriesAxis>
-  <cs:seriesLine>
-    <cs:lnRef idx="0"/>
-    <cs:fillRef idx="0"/>
-    <cs:effectRef idx="0"/>
-    <cs:fontRef idx="minor">
-      <a:schemeClr val="tx1"/>
-    </cs:fontRef>
-    <cs:spPr>
-      <a:ln w="9525" cap="flat" cmpd="sng" algn="ctr">
-        <a:solidFill>
-          <a:schemeClr val="tx1">
-            <a:lumMod val="35000"/>
-            <a:lumOff val="65000"/>
-          </a:schemeClr>
-        </a:solidFill>
-        <a:round/>
-      </a:ln>
-    </cs:spPr>
-  </cs:seriesLine>
-  <cs:title>
-    <cs:lnRef idx="0"/>
-    <cs:fillRef idx="0"/>
-    <cs:effectRef idx="0"/>
-    <cs:fontRef idx="minor">
-      <a:schemeClr val="tx1">
-        <a:lumMod val="65000"/>
-        <a:lumOff val="35000"/>
-      </a:schemeClr>
-    </cs:fontRef>
-    <cs:defRPr sz="1400" b="1" i="0" kern="1200" cap="all" spc="50" baseline="0"/>
-  </cs:title>
-  <cs:trendline>
-    <cs:lnRef idx="0">
-      <cs:styleClr val="auto"/>
-    </cs:lnRef>
-    <cs:fillRef idx="0"/>
-    <cs:effectRef idx="0"/>
-    <cs:fontRef idx="minor">
-      <a:schemeClr val="tx1"/>
-    </cs:fontRef>
-    <cs:spPr>
-      <a:ln w="19050" cap="rnd">
-        <a:solidFill>
-          <a:schemeClr val="phClr"/>
-        </a:solidFill>
-        <a:prstDash val="sysDash"/>
-      </a:ln>
-    </cs:spPr>
-  </cs:trendline>
-  <cs:trendlineLabel>
-    <cs:lnRef idx="0"/>
-    <cs:fillRef idx="0"/>
-    <cs:effectRef idx="0"/>
-    <cs:fontRef idx="minor">
-      <a:schemeClr val="tx1">
-        <a:lumMod val="65000"/>
-        <a:lumOff val="35000"/>
-      </a:schemeClr>
-    </cs:fontRef>
-    <cs:defRPr sz="900" kern="1200"/>
-  </cs:trendlineLabel>
-  <cs:upBar>
-    <cs:lnRef idx="0"/>
-    <cs:fillRef idx="0"/>
-    <cs:effectRef idx="0"/>
-    <cs:fontRef idx="minor">
-      <a:schemeClr val="tx1"/>
-    </cs:fontRef>
-    <cs:spPr>
-      <a:solidFill>
-        <a:schemeClr val="lt1"/>
-      </a:solidFill>
-      <a:ln w="9525" cap="flat" cmpd="sng" algn="ctr">
-        <a:solidFill>
-          <a:schemeClr val="tx1">
-            <a:lumMod val="65000"/>
-            <a:lumOff val="35000"/>
-          </a:schemeClr>
-        </a:solidFill>
-        <a:round/>
-      </a:ln>
-    </cs:spPr>
-  </cs:upBar>
-  <cs:valueAxis>
-    <cs:lnRef idx="0"/>
-    <cs:fillRef idx="0"/>
-    <cs:effectRef idx="0"/>
-    <cs:fontRef idx="minor">
-      <a:schemeClr val="tx1">
-        <a:lumMod val="65000"/>
-        <a:lumOff val="35000"/>
-      </a:schemeClr>
-    </cs:fontRef>
-    <cs:defRPr sz="900" kern="1200"/>
-  </cs:valueAxis>
-  <cs:wall>
-    <cs:lnRef idx="0"/>
-    <cs:fillRef idx="0"/>
-    <cs:effectRef idx="0"/>
-    <cs:fontRef idx="minor">
-      <a:schemeClr val="tx1"/>
-    </cs:fontRef>
-    <cs:spPr>
-      <a:noFill/>
-      <a:ln>
-        <a:noFill/>
-      </a:ln>
-    </cs:spPr>
-  </cs:wall>
-</cs:chartStyle>
-</file>
-
-<file path=ppt/charts/style2.xml><?xml version="1.0" encoding="utf-8"?>
-<cs:chartStyle xmlns:cs="http://schemas.microsoft.com/office/drawing/2012/chartStyle" xmlns:a="http://schemas.openxmlformats.org/drawingml/2006/main" id="258">
-  <cs:axisTitle>
-    <cs:lnRef idx="0"/>
-    <cs:fillRef idx="0"/>
-    <cs:effectRef idx="0"/>
-    <cs:fontRef idx="minor">
-      <a:schemeClr val="tx1">
-        <a:lumMod val="65000"/>
-        <a:lumOff val="35000"/>
-      </a:schemeClr>
-    </cs:fontRef>
-    <cs:defRPr sz="900" kern="1200"/>
-  </cs:axisTitle>
-  <cs:categoryAxis>
-    <cs:lnRef idx="0"/>
-    <cs:fillRef idx="0"/>
-    <cs:effectRef idx="0"/>
-    <cs:fontRef idx="minor">
-      <a:schemeClr val="tx1">
-        <a:lumMod val="65000"/>
-        <a:lumOff val="35000"/>
-      </a:schemeClr>
-    </cs:fontRef>
-    <cs:defRPr sz="900" kern="1200"/>
-  </cs:categoryAxis>
-  <cs:chartArea mods="allowNoFillOverride allowNoLineOverride">
-    <cs:lnRef idx="0"/>
-    <cs:fillRef idx="0"/>
-    <cs:effectRef idx="0"/>
-    <cs:fontRef idx="minor">
-      <a:schemeClr val="tx1"/>
-    </cs:fontRef>
-    <cs:spPr>
-      <a:solidFill>
-        <a:schemeClr val="bg1"/>
-      </a:solidFill>
-      <a:ln w="9525" cap="flat" cmpd="sng" algn="ctr">
-        <a:solidFill>
-          <a:schemeClr val="tx1">
-            <a:lumMod val="15000"/>
-            <a:lumOff val="85000"/>
-          </a:schemeClr>
-        </a:solidFill>
-        <a:round/>
-      </a:ln>
-    </cs:spPr>
-    <cs:defRPr sz="900" kern="1200"/>
-  </cs:chartArea>
-  <cs:dataLabel>
-    <cs:lnRef idx="0"/>
-    <cs:fillRef idx="0"/>
-    <cs:effectRef idx="0"/>
-    <cs:fontRef idx="minor">
-      <a:schemeClr val="lt1"/>
-    </cs:fontRef>
-    <cs:defRPr sz="900" b="1" kern="1200"/>
-  </cs:dataLabel>
-  <cs:dataLabelCallout>
-    <cs:lnRef idx="0"/>
-    <cs:fillRef idx="0"/>
-    <cs:effectRef idx="0"/>
-    <cs:fontRef idx="minor">
-      <a:schemeClr val="dk1">
-        <a:lumMod val="65000"/>
-        <a:lumOff val="35000"/>
-      </a:schemeClr>
-    </cs:fontRef>
-    <cs:spPr>
-      <a:solidFill>
-        <a:schemeClr val="lt1"/>
-      </a:solidFill>
-      <a:ln>
-        <a:solidFill>
-          <a:schemeClr val="dk1">
-            <a:lumMod val="25000"/>
-            <a:lumOff val="75000"/>
-          </a:schemeClr>
-        </a:solidFill>
-      </a:ln>
-    </cs:spPr>
-    <cs:defRPr sz="900" kern="1200"/>
-    <cs:bodyPr rot="0" spcFirstLastPara="1" vertOverflow="clip" horzOverflow="clip" vert="horz" wrap="square" lIns="36576" tIns="18288" rIns="36576" bIns="18288" anchor="ctr" anchorCtr="1">
-      <a:spAutoFit/>
-    </cs:bodyPr>
-  </cs:dataLabelCallout>
-  <cs:dataPoint>
-    <cs:lnRef idx="0"/>
-    <cs:fillRef idx="0">
-      <cs:styleClr val="auto"/>
-    </cs:fillRef>
-    <cs:effectRef idx="0"/>
-    <cs:fontRef idx="minor">
-      <a:schemeClr val="tx1"/>
-    </cs:fontRef>
-    <cs:spPr>
-      <a:solidFill>
-        <a:schemeClr val="phClr"/>
-      </a:solidFill>
-      <a:scene3d>
-        <a:camera prst="orthographicFront"/>
-        <a:lightRig rig="brightRoom" dir="t"/>
-      </a:scene3d>
-      <a:sp3d prstMaterial="flat">
-        <a:bevelT w="50800" h="101600" prst="angle"/>
-        <a:contourClr>
-          <a:srgbClr val="000000"/>
-        </a:contourClr>
-      </a:sp3d>
-    </cs:spPr>
-  </cs:dataPoint>
-  <cs:dataPoint3D>
-    <cs:lnRef idx="0"/>
-    <cs:fillRef idx="0">
-      <cs:styleClr val="auto"/>
-    </cs:fillRef>
-    <cs:effectRef idx="0"/>
-    <cs:fontRef idx="minor">
-      <a:schemeClr val="tx1"/>
-    </cs:fontRef>
-    <cs:spPr>
-      <a:solidFill>
-        <a:schemeClr val="phClr"/>
-      </a:solidFill>
-      <a:ln w="19050">
-        <a:solidFill>
-          <a:schemeClr val="lt1"/>
-        </a:solidFill>
-      </a:ln>
-    </cs:spPr>
-  </cs:dataPoint3D>
-  <cs:dataPointLine>
-    <cs:lnRef idx="0">
-      <cs:styleClr val="auto"/>
-    </cs:lnRef>
-    <cs:fillRef idx="0"/>
-    <cs:effectRef idx="0"/>
-    <cs:fontRef idx="minor">
-      <a:schemeClr val="tx1"/>
-    </cs:fontRef>
-    <cs:spPr>
-      <a:ln w="28575" cap="rnd">
-        <a:solidFill>
-          <a:schemeClr val="phClr"/>
-        </a:solidFill>
-        <a:round/>
-      </a:ln>
-    </cs:spPr>
-  </cs:dataPointLine>
-  <cs:dataPointMarker>
-    <cs:lnRef idx="0"/>
-    <cs:fillRef idx="0">
-      <cs:styleClr val="auto"/>
-    </cs:fillRef>
-    <cs:effectRef idx="0"/>
-    <cs:fontRef idx="minor">
-      <a:schemeClr val="tx1"/>
-    </cs:fontRef>
-    <cs:spPr>
-      <a:solidFill>
-        <a:schemeClr val="phClr"/>
-      </a:solidFill>
-      <a:ln w="9525">
-        <a:solidFill>
-          <a:schemeClr val="lt1"/>
-        </a:solidFill>
-      </a:ln>
-    </cs:spPr>
-  </cs:dataPointMarker>
-  <cs:dataPointMarkerLayout symbol="circle" size="6"/>
-  <cs:dataPointWireframe>
-    <cs:lnRef idx="0">
-      <cs:styleClr val="auto"/>
-    </cs:lnRef>
-    <cs:fillRef idx="0"/>
-    <cs:effectRef idx="0"/>
-    <cs:fontRef idx="minor">
-      <a:schemeClr val="tx1"/>
-    </cs:fontRef>
-    <cs:spPr>
-      <a:ln w="9525" cap="rnd">
-        <a:solidFill>
-          <a:schemeClr val="phClr"/>
-        </a:solidFill>
-        <a:round/>
-      </a:ln>
-    </cs:spPr>
-  </cs:dataPointWireframe>
-  <cs:dataTable>
-    <cs:lnRef idx="0"/>
-    <cs:fillRef idx="0"/>
-    <cs:effectRef idx="0"/>
-    <cs:fontRef idx="minor">
-      <a:schemeClr val="tx1">
-        <a:lumMod val="65000"/>
-        <a:lumOff val="35000"/>
-      </a:schemeClr>
-    </cs:fontRef>
-    <cs:spPr>
-      <a:noFill/>
-      <a:ln w="9525" cap="flat" cmpd="sng" algn="ctr">
-        <a:solidFill>
-          <a:schemeClr val="tx1">
-            <a:lumMod val="15000"/>
-            <a:lumOff val="85000"/>
-          </a:schemeClr>
-        </a:solidFill>
-        <a:round/>
-      </a:ln>
-    </cs:spPr>
-    <cs:defRPr sz="900" kern="1200"/>
-  </cs:dataTable>
-  <cs:downBar>
-    <cs:lnRef idx="0"/>
-    <cs:fillRef idx="0"/>
-    <cs:effectRef idx="0"/>
-    <cs:fontRef idx="minor">
-      <a:schemeClr val="tx1"/>
-    </cs:fontRef>
-    <cs:spPr>
-      <a:solidFill>
-        <a:schemeClr val="dk1">
-          <a:lumMod val="75000"/>
-          <a:lumOff val="25000"/>
-        </a:schemeClr>
-      </a:solidFill>
-      <a:ln w="9525" cap="flat" cmpd="sng" algn="ctr">
-        <a:solidFill>
-          <a:schemeClr val="tx1">
-            <a:lumMod val="65000"/>
-            <a:lumOff val="35000"/>
-          </a:schemeClr>
-        </a:solidFill>
-        <a:round/>
-      </a:ln>
-    </cs:spPr>
-  </cs:downBar>
-  <cs:dropLine>
-    <cs:lnRef idx="0"/>
-    <cs:fillRef idx="0"/>
-    <cs:effectRef idx="0"/>
-    <cs:fontRef idx="minor">
-      <a:schemeClr val="tx1"/>
-    </cs:fontRef>
-    <cs:spPr>
-      <a:ln w="9525" cap="flat" cmpd="sng" algn="ctr">
-        <a:solidFill>
-          <a:schemeClr val="tx1">
-            <a:lumMod val="35000"/>
-            <a:lumOff val="65000"/>
-          </a:schemeClr>
-        </a:solidFill>
-        <a:round/>
-      </a:ln>
-    </cs:spPr>
-  </cs:dropLine>
-  <cs:errorBar>
-    <cs:lnRef idx="0"/>
-    <cs:fillRef idx="0"/>
-    <cs:effectRef idx="0"/>
-    <cs:fontRef idx="minor">
-      <a:schemeClr val="tx1"/>
-    </cs:fontRef>
-    <cs:spPr>
-      <a:ln w="9525" cap="flat" cmpd="sng" algn="ctr">
-        <a:solidFill>
-          <a:schemeClr val="tx1">
-            <a:lumMod val="65000"/>
-            <a:lumOff val="35000"/>
-          </a:schemeClr>
-        </a:solidFill>
-        <a:round/>
-      </a:ln>
-    </cs:spPr>
-  </cs:errorBar>
-  <cs:floor>
-    <cs:lnRef idx="0"/>
-    <cs:fillRef idx="0"/>
-    <cs:effectRef idx="0"/>
-    <cs:fontRef idx="minor">
-      <a:schemeClr val="tx1"/>
-    </cs:fontRef>
-    <cs:spPr>
-      <a:noFill/>
-      <a:ln>
-        <a:noFill/>
-      </a:ln>
-    </cs:spPr>
-  </cs:floor>
-  <cs:gridlineMajor>
-    <cs:lnRef idx="0"/>
-    <cs:fillRef idx="0"/>
-    <cs:effectRef idx="0"/>
-    <cs:fontRef idx="minor">
-      <a:schemeClr val="tx1"/>
-    </cs:fontRef>
-    <cs:spPr>
-      <a:ln w="9525" cap="flat" cmpd="sng" algn="ctr">
-        <a:solidFill>
-          <a:schemeClr val="tx1">
-            <a:lumMod val="15000"/>
-            <a:lumOff val="85000"/>
-          </a:schemeClr>
-        </a:solidFill>
-        <a:round/>
-      </a:ln>
-    </cs:spPr>
-  </cs:gridlineMajor>
-  <cs:gridlineMinor>
-    <cs:lnRef idx="0"/>
-    <cs:fillRef idx="0"/>
-    <cs:effectRef idx="0"/>
-    <cs:fontRef idx="minor">
-      <a:schemeClr val="tx1"/>
-    </cs:fontRef>
-    <cs:spPr>
-      <a:ln w="9525" cap="flat" cmpd="sng" algn="ctr">
-        <a:solidFill>
-          <a:schemeClr val="tx1">
-            <a:lumMod val="5000"/>
-            <a:lumOff val="95000"/>
-          </a:schemeClr>
-        </a:solidFill>
-        <a:round/>
-      </a:ln>
-    </cs:spPr>
-  </cs:gridlineMinor>
-  <cs:hiLoLine>
-    <cs:lnRef idx="0"/>
-    <cs:fillRef idx="0"/>
-    <cs:effectRef idx="0"/>
-    <cs:fontRef idx="minor">
-      <a:schemeClr val="tx1"/>
-    </cs:fontRef>
-    <cs:spPr>
-      <a:ln w="9525" cap="flat" cmpd="sng" algn="ctr">
-        <a:solidFill>
-          <a:schemeClr val="tx1">
-            <a:lumMod val="50000"/>
-            <a:lumOff val="50000"/>
-          </a:schemeClr>
-        </a:solidFill>
-        <a:round/>
-      </a:ln>
-    </cs:spPr>
-  </cs:hiLoLine>
-  <cs:leaderLine>
-    <cs:lnRef idx="0"/>
-    <cs:fillRef idx="0"/>
-    <cs:effectRef idx="0"/>
-    <cs:fontRef idx="minor">
-      <a:schemeClr val="tx1"/>
-    </cs:fontRef>
-    <cs:spPr>
-      <a:ln w="9525" cap="flat" cmpd="sng" algn="ctr">
-        <a:solidFill>
-          <a:schemeClr val="tx1">
-            <a:lumMod val="35000"/>
-            <a:lumOff val="65000"/>
-          </a:schemeClr>
-        </a:solidFill>
-        <a:round/>
-      </a:ln>
-    </cs:spPr>
-  </cs:leaderLine>
-  <cs:legend>
-    <cs:lnRef idx="0"/>
-    <cs:fillRef idx="0"/>
-    <cs:effectRef idx="0"/>
-    <cs:fontRef idx="minor">
-      <a:schemeClr val="tx1">
-        <a:lumMod val="65000"/>
-        <a:lumOff val="35000"/>
-      </a:schemeClr>
-    </cs:fontRef>
-    <cs:defRPr sz="900" kern="1200"/>
-  </cs:legend>
-  <cs:plotArea mods="allowNoFillOverride allowNoLineOverride">
-    <cs:lnRef idx="0"/>
-    <cs:fillRef idx="0"/>
-    <cs:effectRef idx="0"/>
-    <cs:fontRef idx="minor">
-      <a:schemeClr val="tx1"/>
-    </cs:fontRef>
-  </cs:plotArea>
-  <cs:plotArea3D mods="allowNoFillOverride allowNoLineOverride">
-    <cs:lnRef idx="0"/>
-    <cs:fillRef idx="0"/>
-    <cs:effectRef idx="0"/>
-    <cs:fontRef idx="minor">
-      <a:schemeClr val="tx1"/>
-    </cs:fontRef>
-  </cs:plotArea3D>
-  <cs:seriesAxis>
-    <cs:lnRef idx="0"/>
-    <cs:fillRef idx="0"/>
-    <cs:effectRef idx="0"/>
-    <cs:fontRef idx="minor">
-      <a:schemeClr val="tx1">
-        <a:lumMod val="65000"/>
-        <a:lumOff val="35000"/>
-      </a:schemeClr>
-    </cs:fontRef>
-    <cs:defRPr sz="900" kern="1200"/>
-  </cs:seriesAxis>
-  <cs:seriesLine>
-    <cs:lnRef idx="0"/>
-    <cs:fillRef idx="0"/>
-    <cs:effectRef idx="0"/>
-    <cs:fontRef idx="minor">
-      <a:schemeClr val="tx1"/>
-    </cs:fontRef>
-    <cs:spPr>
-      <a:ln w="9525" cap="flat" cmpd="sng" algn="ctr">
-        <a:solidFill>
-          <a:schemeClr val="tx1">
-            <a:lumMod val="35000"/>
-            <a:lumOff val="65000"/>
-          </a:schemeClr>
-        </a:solidFill>
-        <a:round/>
-      </a:ln>
-    </cs:spPr>
-  </cs:seriesLine>
-  <cs:title>
-    <cs:lnRef idx="0"/>
-    <cs:fillRef idx="0"/>
-    <cs:effectRef idx="0"/>
-    <cs:fontRef idx="minor">
-      <a:schemeClr val="tx1">
-        <a:lumMod val="65000"/>
-        <a:lumOff val="35000"/>
-      </a:schemeClr>
-    </cs:fontRef>
-    <cs:defRPr sz="1400" b="1" i="0" kern="1200" cap="all" spc="50" baseline="0"/>
-  </cs:title>
-  <cs:trendline>
-    <cs:lnRef idx="0">
-      <cs:styleClr val="auto"/>
-    </cs:lnRef>
-    <cs:fillRef idx="0"/>
-    <cs:effectRef idx="0"/>
-    <cs:fontRef idx="minor">
-      <a:schemeClr val="tx1"/>
-    </cs:fontRef>
-    <cs:spPr>
-      <a:ln w="19050" cap="rnd">
-        <a:solidFill>
-          <a:schemeClr val="phClr"/>
-        </a:solidFill>
-        <a:prstDash val="sysDash"/>
-      </a:ln>
-    </cs:spPr>
-  </cs:trendline>
-  <cs:trendlineLabel>
-    <cs:lnRef idx="0"/>
-    <cs:fillRef idx="0"/>
-    <cs:effectRef idx="0"/>
-    <cs:fontRef idx="minor">
-      <a:schemeClr val="tx1">
-        <a:lumMod val="65000"/>
-        <a:lumOff val="35000"/>
-      </a:schemeClr>
-    </cs:fontRef>
-    <cs:defRPr sz="900" kern="1200"/>
-  </cs:trendlineLabel>
-  <cs:upBar>
-    <cs:lnRef idx="0"/>
-    <cs:fillRef idx="0"/>
-    <cs:effectRef idx="0"/>
-    <cs:fontRef idx="minor">
-      <a:schemeClr val="tx1"/>
-    </cs:fontRef>
-    <cs:spPr>
-      <a:solidFill>
-        <a:schemeClr val="lt1"/>
-      </a:solidFill>
-      <a:ln w="9525" cap="flat" cmpd="sng" algn="ctr">
-        <a:solidFill>
-          <a:schemeClr val="tx1">
-            <a:lumMod val="65000"/>
-            <a:lumOff val="35000"/>
-          </a:schemeClr>
-        </a:solidFill>
-        <a:round/>
-      </a:ln>
-    </cs:spPr>
-  </cs:upBar>
-  <cs:valueAxis>
-    <cs:lnRef idx="0"/>
-    <cs:fillRef idx="0"/>
-    <cs:effectRef idx="0"/>
-    <cs:fontRef idx="minor">
-      <a:schemeClr val="tx1">
-        <a:lumMod val="65000"/>
-        <a:lumOff val="35000"/>
-      </a:schemeClr>
-    </cs:fontRef>
-    <cs:defRPr sz="900" kern="1200"/>
-  </cs:valueAxis>
-  <cs:wall>
-    <cs:lnRef idx="0"/>
-    <cs:fillRef idx="0"/>
-    <cs:effectRef idx="0"/>
-    <cs:fontRef idx="minor">
-      <a:schemeClr val="tx1"/>
-    </cs:fontRef>
-    <cs:spPr>
-      <a:noFill/>
-      <a:ln>
-        <a:noFill/>
-      </a:ln>
-    </cs:spPr>
-  </cs:wall>
-</cs:chartStyle>
-</file>
-
 <file path=ppt/slideLayouts/slideLayout1.xml><?xml version="1.0" encoding="utf-8"?>
 <p:sldLayout xmlns:a="http://schemas.openxmlformats.org/drawingml/2006/main" xmlns:r="http://schemas.openxmlformats.org/officeDocument/2006/relationships" xmlns:p="http://schemas.openxmlformats.org/presentationml/2006/main" type="title" preserve="1">
   <p:cSld name="Титульный слайд">
@@ -2149,7 +252,7 @@
           <a:p>
             <a:fld id="{1F6E986D-4B21-4B91-B1D2-5CFC0D3D8AEF}" type="datetimeFigureOut">
               <a:rPr lang="ru-RU" smtClean="0"/>
-              <a:t>26.06.2019</a:t>
+              <a:t>21.05.2025</a:t>
             </a:fld>
             <a:endParaRPr lang="ru-RU"/>
           </a:p>
@@ -2319,7 +422,7 @@
           <a:p>
             <a:fld id="{1F6E986D-4B21-4B91-B1D2-5CFC0D3D8AEF}" type="datetimeFigureOut">
               <a:rPr lang="ru-RU" smtClean="0"/>
-              <a:t>26.06.2019</a:t>
+              <a:t>21.05.2025</a:t>
             </a:fld>
             <a:endParaRPr lang="ru-RU"/>
           </a:p>
@@ -2499,7 +602,7 @@
           <a:p>
             <a:fld id="{1F6E986D-4B21-4B91-B1D2-5CFC0D3D8AEF}" type="datetimeFigureOut">
               <a:rPr lang="ru-RU" smtClean="0"/>
-              <a:t>26.06.2019</a:t>
+              <a:t>21.05.2025</a:t>
             </a:fld>
             <a:endParaRPr lang="ru-RU"/>
           </a:p>
@@ -2669,7 +772,7 @@
           <a:p>
             <a:fld id="{1F6E986D-4B21-4B91-B1D2-5CFC0D3D8AEF}" type="datetimeFigureOut">
               <a:rPr lang="ru-RU" smtClean="0"/>
-              <a:t>26.06.2019</a:t>
+              <a:t>21.05.2025</a:t>
             </a:fld>
             <a:endParaRPr lang="ru-RU"/>
           </a:p>
@@ -2915,7 +1018,7 @@
           <a:p>
             <a:fld id="{1F6E986D-4B21-4B91-B1D2-5CFC0D3D8AEF}" type="datetimeFigureOut">
               <a:rPr lang="ru-RU" smtClean="0"/>
-              <a:t>26.06.2019</a:t>
+              <a:t>21.05.2025</a:t>
             </a:fld>
             <a:endParaRPr lang="ru-RU"/>
           </a:p>
@@ -3147,7 +1250,7 @@
           <a:p>
             <a:fld id="{1F6E986D-4B21-4B91-B1D2-5CFC0D3D8AEF}" type="datetimeFigureOut">
               <a:rPr lang="ru-RU" smtClean="0"/>
-              <a:t>26.06.2019</a:t>
+              <a:t>21.05.2025</a:t>
             </a:fld>
             <a:endParaRPr lang="ru-RU"/>
           </a:p>
@@ -3514,7 +1617,7 @@
           <a:p>
             <a:fld id="{1F6E986D-4B21-4B91-B1D2-5CFC0D3D8AEF}" type="datetimeFigureOut">
               <a:rPr lang="ru-RU" smtClean="0"/>
-              <a:t>26.06.2019</a:t>
+              <a:t>21.05.2025</a:t>
             </a:fld>
             <a:endParaRPr lang="ru-RU"/>
           </a:p>
@@ -3632,7 +1735,7 @@
           <a:p>
             <a:fld id="{1F6E986D-4B21-4B91-B1D2-5CFC0D3D8AEF}" type="datetimeFigureOut">
               <a:rPr lang="ru-RU" smtClean="0"/>
-              <a:t>26.06.2019</a:t>
+              <a:t>21.05.2025</a:t>
             </a:fld>
             <a:endParaRPr lang="ru-RU"/>
           </a:p>
@@ -3727,7 +1830,7 @@
           <a:p>
             <a:fld id="{1F6E986D-4B21-4B91-B1D2-5CFC0D3D8AEF}" type="datetimeFigureOut">
               <a:rPr lang="ru-RU" smtClean="0"/>
-              <a:t>26.06.2019</a:t>
+              <a:t>21.05.2025</a:t>
             </a:fld>
             <a:endParaRPr lang="ru-RU"/>
           </a:p>
@@ -4004,7 +2107,7 @@
           <a:p>
             <a:fld id="{1F6E986D-4B21-4B91-B1D2-5CFC0D3D8AEF}" type="datetimeFigureOut">
               <a:rPr lang="ru-RU" smtClean="0"/>
-              <a:t>26.06.2019</a:t>
+              <a:t>21.05.2025</a:t>
             </a:fld>
             <a:endParaRPr lang="ru-RU"/>
           </a:p>
@@ -4257,7 +2360,7 @@
           <a:p>
             <a:fld id="{1F6E986D-4B21-4B91-B1D2-5CFC0D3D8AEF}" type="datetimeFigureOut">
               <a:rPr lang="ru-RU" smtClean="0"/>
-              <a:t>26.06.2019</a:t>
+              <a:t>21.05.2025</a:t>
             </a:fld>
             <a:endParaRPr lang="ru-RU"/>
           </a:p>
@@ -4470,7 +2573,7 @@
           <a:p>
             <a:fld id="{1F6E986D-4B21-4B91-B1D2-5CFC0D3D8AEF}" type="datetimeFigureOut">
               <a:rPr lang="ru-RU" smtClean="0"/>
-              <a:t>26.06.2019</a:t>
+              <a:t>21.05.2025</a:t>
             </a:fld>
             <a:endParaRPr lang="ru-RU"/>
           </a:p>
@@ -5208,7 +3311,7 @@
         <p:spPr>
           <a:xfrm>
             <a:off x="3220871" y="5615001"/>
-            <a:ext cx="8461612" cy="870688"/>
+            <a:ext cx="8461612" cy="923330"/>
           </a:xfrm>
           <a:prstGeom prst="rect">
             <a:avLst/>
@@ -5235,8 +3338,77 @@
                 </a:solidFill>
                 <a:latin typeface="Century Gothic" panose="020B0502020202020204" pitchFamily="34" charset="0"/>
               </a:rPr>
-              <a:t>Выполнил: студент группы ЭАВбп-13                                      Калюжная А. В.</a:t>
-            </a:r>
+              <a:t>Выполнил: студент </a:t>
+            </a:r>
+            <a:r>
+              <a:rPr lang="ru-RU" altLang="ru-RU" dirty="0" smtClean="0">
+                <a:solidFill>
+                  <a:srgbClr val="323C8D"/>
+                </a:solidFill>
+                <a:latin typeface="Century Gothic" panose="020B0502020202020204" pitchFamily="34" charset="0"/>
+              </a:rPr>
+              <a:t>группы</a:t>
+            </a:r>
+            <a:r>
+              <a:rPr lang="en-US" altLang="ru-RU" dirty="0" smtClean="0">
+                <a:solidFill>
+                  <a:srgbClr val="323C8D"/>
+                </a:solidFill>
+                <a:latin typeface="Century Gothic" panose="020B0502020202020204" pitchFamily="34" charset="0"/>
+              </a:rPr>
+              <a:t> </a:t>
+            </a:r>
+            <a:r>
+              <a:rPr lang="ru-RU" altLang="ru-RU" dirty="0" smtClean="0">
+                <a:solidFill>
+                  <a:srgbClr val="323C8D"/>
+                </a:solidFill>
+                <a:latin typeface="Century Gothic" panose="020B0502020202020204" pitchFamily="34" charset="0"/>
+              </a:rPr>
+              <a:t>АВб-21-12                                       Шемякин </a:t>
+            </a:r>
+            <a:r>
+              <a:rPr lang="ru-RU" altLang="ru-RU" dirty="0">
+                <a:solidFill>
+                  <a:srgbClr val="323C8D"/>
+                </a:solidFill>
+                <a:latin typeface="Century Gothic" panose="020B0502020202020204" pitchFamily="34" charset="0"/>
+              </a:rPr>
+              <a:t>К</a:t>
+            </a:r>
+            <a:r>
+              <a:rPr lang="ru-RU" altLang="ru-RU" dirty="0" smtClean="0">
+                <a:solidFill>
+                  <a:srgbClr val="323C8D"/>
+                </a:solidFill>
+                <a:latin typeface="Century Gothic" panose="020B0502020202020204" pitchFamily="34" charset="0"/>
+              </a:rPr>
+              <a:t>. </a:t>
+            </a:r>
+            <a:r>
+              <a:rPr lang="ru-RU" altLang="ru-RU" dirty="0">
+                <a:solidFill>
+                  <a:srgbClr val="323C8D"/>
+                </a:solidFill>
+                <a:latin typeface="Century Gothic" panose="020B0502020202020204" pitchFamily="34" charset="0"/>
+              </a:rPr>
+              <a:t>А</a:t>
+            </a:r>
+            <a:r>
+              <a:rPr lang="ru-RU" altLang="ru-RU" dirty="0" smtClean="0">
+                <a:solidFill>
+                  <a:srgbClr val="323C8D"/>
+                </a:solidFill>
+                <a:latin typeface="Century Gothic" panose="020B0502020202020204" pitchFamily="34" charset="0"/>
+              </a:rPr>
+              <a:t>.</a:t>
+            </a:r>
+            <a:endParaRPr lang="ru-RU" altLang="ru-RU" dirty="0" smtClean="0">
+              <a:solidFill>
+                <a:srgbClr val="323C8D"/>
+              </a:solidFill>
+              <a:latin typeface="Century Gothic" panose="020B0502020202020204" pitchFamily="34" charset="0"/>
+            </a:endParaRPr>
           </a:p>
           <a:p>
             <a:pPr>
@@ -5254,7 +3426,52 @@
                 </a:solidFill>
                 <a:latin typeface="Century Gothic" panose="020B0502020202020204" pitchFamily="34" charset="0"/>
               </a:rPr>
-              <a:t>Руководитель: доцент, к.т.н.                                                          Егорова Л. Г.</a:t>
+              <a:t>Руководитель: доцент, к.т.н.                                                      </a:t>
+            </a:r>
+            <a:r>
+              <a:rPr lang="ru-RU" altLang="ru-RU" dirty="0" smtClean="0">
+                <a:solidFill>
+                  <a:srgbClr val="323C8D"/>
+                </a:solidFill>
+                <a:latin typeface="Century Gothic" panose="020B0502020202020204" pitchFamily="34" charset="0"/>
+              </a:rPr>
+              <a:t> Калитаев </a:t>
+            </a:r>
+            <a:r>
+              <a:rPr lang="ru-RU" altLang="ru-RU" dirty="0">
+                <a:solidFill>
+                  <a:srgbClr val="323C8D"/>
+                </a:solidFill>
+                <a:latin typeface="Century Gothic" panose="020B0502020202020204" pitchFamily="34" charset="0"/>
+              </a:rPr>
+              <a:t>А</a:t>
+            </a:r>
+            <a:r>
+              <a:rPr lang="ru-RU" altLang="ru-RU" dirty="0" smtClean="0">
+                <a:solidFill>
+                  <a:srgbClr val="323C8D"/>
+                </a:solidFill>
+                <a:latin typeface="Century Gothic" panose="020B0502020202020204" pitchFamily="34" charset="0"/>
+              </a:rPr>
+              <a:t>. </a:t>
+            </a:r>
+            <a:r>
+              <a:rPr lang="ru-RU" altLang="ru-RU" dirty="0">
+                <a:solidFill>
+                  <a:srgbClr val="323C8D"/>
+                </a:solidFill>
+                <a:latin typeface="Century Gothic" panose="020B0502020202020204" pitchFamily="34" charset="0"/>
+              </a:rPr>
+              <a:t>Н</a:t>
+            </a:r>
+            <a:r>
+              <a:rPr lang="ru-RU" altLang="ru-RU" dirty="0" smtClean="0">
+                <a:solidFill>
+                  <a:srgbClr val="323C8D"/>
+                </a:solidFill>
+                <a:latin typeface="Century Gothic" panose="020B0502020202020204" pitchFamily="34" charset="0"/>
+              </a:rPr>
+              <a:t>.</a:t>
             </a:r>
             <a:endParaRPr lang="ru-RU" altLang="ru-RU" dirty="0">
               <a:solidFill>
@@ -5284,7 +3501,7 @@
         </p:spPr>
         <p:txBody>
           <a:bodyPr rtlCol="0">
-            <a:normAutofit fontScale="85000" lnSpcReduction="10000"/>
+            <a:normAutofit lnSpcReduction="10000"/>
           </a:bodyPr>
           <a:lstStyle>
             <a:lvl1pPr marL="228600" indent="-228600" algn="l" defTabSz="914400" rtl="0" eaLnBrk="1" latinLnBrk="0" hangingPunct="1">
@@ -5473,7 +3690,23 @@
                 </a:effectLst>
                 <a:latin typeface="Century Gothic" panose="020B0502020202020204" pitchFamily="34" charset="0"/>
               </a:rPr>
-              <a:t>разработка АВТОМАТИЗИРОВАННОЙ СИСТЕМЫ УПРАВЛЕНИЯ ТЕХНОЛОГИЧЕСКИМ ПРОЦЕССОМ ЧЕРНОВОЙ ГРУППЫ СТАНА 2500 ГОРЯЧЕЙ ПРОКАТКИ ЛПЦ-4 ПАО «ММК»</a:t>
+              <a:t>Разработка программной библиотеки для осуществления прямого управления эмбоссером </a:t>
+            </a:r>
+            <a:r>
+              <a:rPr lang="en-US" sz="4000" b="1" cap="all" dirty="0" smtClean="0">
+                <a:solidFill>
+                  <a:srgbClr val="323C8D"/>
+                </a:solidFill>
+                <a:effectLst>
+                  <a:outerShdw blurRad="38100" dist="38100" dir="2700000" algn="tl">
+                    <a:srgbClr val="000000">
+                      <a:alpha val="43137"/>
+                    </a:srgbClr>
+                  </a:outerShdw>
+                </a:effectLst>
+                <a:latin typeface="Century Gothic" panose="020B0502020202020204" pitchFamily="34" charset="0"/>
+              </a:rPr>
+              <a:t>MATICA</a:t>
             </a:r>
             <a:endParaRPr lang="ru-RU" sz="4000" dirty="0"/>
           </a:p>
@@ -5496,6 +3729,101 @@
       </p:par>
     </p:tnLst>
   </p:timing>
+</p:sld>
+</file>
+
+<file path=ppt/slides/slide10.xml><?xml version="1.0" encoding="utf-8"?>
+<p:sld xmlns:a="http://schemas.openxmlformats.org/drawingml/2006/main" xmlns:r="http://schemas.openxmlformats.org/officeDocument/2006/relationships" xmlns:p="http://schemas.openxmlformats.org/presentationml/2006/main">
+  <p:cSld>
+    <p:spTree>
+      <p:nvGrpSpPr>
+        <p:cNvPr id="1" name=""/>
+        <p:cNvGrpSpPr/>
+        <p:nvPr/>
+      </p:nvGrpSpPr>
+      <p:grpSpPr>
+        <a:xfrm>
+          <a:off x="0" y="0"/>
+          <a:ext cx="0" cy="0"/>
+          <a:chOff x="0" y="0"/>
+          <a:chExt cx="0" cy="0"/>
+        </a:xfrm>
+      </p:grpSpPr>
+      <p:sp>
+        <p:nvSpPr>
+          <p:cNvPr id="2" name="TextBox 1"/>
+          <p:cNvSpPr txBox="1"/>
+          <p:nvPr/>
+        </p:nvSpPr>
+        <p:spPr>
+          <a:xfrm>
+            <a:off x="2737633" y="1009934"/>
+            <a:ext cx="6835526" cy="4524315"/>
+          </a:xfrm>
+          <a:prstGeom prst="rect">
+            <a:avLst/>
+          </a:prstGeom>
+          <a:noFill/>
+        </p:spPr>
+        <p:txBody>
+          <a:bodyPr wrap="none" rtlCol="0">
+            <a:spAutoFit/>
+          </a:bodyPr>
+          <a:lstStyle/>
+          <a:p>
+            <a:pPr algn="ctr"/>
+            <a:r>
+              <a:rPr lang="ru-RU" sz="9600" dirty="0" smtClean="0">
+                <a:solidFill>
+                  <a:srgbClr val="002060"/>
+                </a:solidFill>
+                <a:latin typeface="Century Gothic" panose="020B0502020202020204" pitchFamily="34" charset="0"/>
+              </a:rPr>
+              <a:t>Спасибо </a:t>
+            </a:r>
+          </a:p>
+          <a:p>
+            <a:pPr algn="ctr"/>
+            <a:r>
+              <a:rPr lang="ru-RU" sz="9600" dirty="0" smtClean="0">
+                <a:solidFill>
+                  <a:srgbClr val="002060"/>
+                </a:solidFill>
+                <a:latin typeface="Century Gothic" panose="020B0502020202020204" pitchFamily="34" charset="0"/>
+              </a:rPr>
+              <a:t>за</a:t>
+            </a:r>
+          </a:p>
+          <a:p>
+            <a:pPr algn="ctr"/>
+            <a:r>
+              <a:rPr lang="ru-RU" sz="9600" dirty="0" smtClean="0">
+                <a:solidFill>
+                  <a:srgbClr val="002060"/>
+                </a:solidFill>
+                <a:latin typeface="Century Gothic" panose="020B0502020202020204" pitchFamily="34" charset="0"/>
+              </a:rPr>
+              <a:t>внимание!</a:t>
+            </a:r>
+            <a:endParaRPr lang="ru-RU" sz="9600" dirty="0">
+              <a:solidFill>
+                <a:srgbClr val="002060"/>
+              </a:solidFill>
+              <a:latin typeface="Century Gothic" panose="020B0502020202020204" pitchFamily="34" charset="0"/>
+            </a:endParaRPr>
+          </a:p>
+        </p:txBody>
+      </p:sp>
+    </p:spTree>
+    <p:extLst>
+      <p:ext uri="{BB962C8B-B14F-4D97-AF65-F5344CB8AC3E}">
+        <p14:creationId xmlns:p14="http://schemas.microsoft.com/office/powerpoint/2010/main" val="3364366597"/>
+      </p:ext>
+    </p:extLst>
+  </p:cSld>
+  <p:clrMapOvr>
+    <a:masterClrMapping/>
+  </p:clrMapOvr>
 </p:sld>
 </file>
 
@@ -5613,6 +3941,11 @@
               </a:rPr>
               <a:t>:</a:t>
             </a:r>
+            <a:endParaRPr lang="ru-RU" altLang="ru-RU" sz="2000" b="1" dirty="0" smtClean="0">
+              <a:latin typeface="Century Gothic" panose="020B0502020202020204" pitchFamily="34" charset="0"/>
+              <a:ea typeface="Calibri" panose="020F0502020204030204" pitchFamily="34" charset="0"/>
+              <a:cs typeface="Times New Roman" panose="02020603050405020304" pitchFamily="18" charset="0"/>
+            </a:endParaRPr>
           </a:p>
           <a:p>
             <a:pPr algn="just">
@@ -5622,44 +3955,28 @@
               <a:defRPr/>
             </a:pPr>
             <a:r>
-              <a:rPr lang="ru-RU" altLang="ru-RU" sz="2000" dirty="0">
+              <a:rPr lang="ru-RU" altLang="ru-RU" sz="2000" dirty="0" smtClean="0">
                 <a:latin typeface="Century Gothic" panose="020B0502020202020204" pitchFamily="34" charset="0"/>
                 <a:ea typeface="Calibri" panose="020F0502020204030204" pitchFamily="34" charset="0"/>
                 <a:cs typeface="Times New Roman" panose="02020603050405020304" pitchFamily="18" charset="0"/>
               </a:rPr>
-              <a:t>Процесс обработки информации с уровня контроллеров и </a:t>
-            </a:r>
-            <a:r>
-              <a:rPr lang="ru-RU" altLang="ru-RU" sz="2000" dirty="0" smtClean="0">
+              <a:t>Процесс записи информации о клиенте банка на чип пластиковой карты через кардридерный модуль эмбоссера </a:t>
+            </a:r>
+            <a:r>
+              <a:rPr lang="en-US" altLang="ru-RU" sz="2000" dirty="0" smtClean="0">
                 <a:latin typeface="Century Gothic" panose="020B0502020202020204" pitchFamily="34" charset="0"/>
                 <a:ea typeface="Calibri" panose="020F0502020204030204" pitchFamily="34" charset="0"/>
                 <a:cs typeface="Times New Roman" panose="02020603050405020304" pitchFamily="18" charset="0"/>
               </a:rPr>
-              <a:t>M</a:t>
-            </a:r>
-            <a:r>
-              <a:rPr lang="en-US" altLang="ru-RU" sz="2000" dirty="0" smtClean="0">
+              <a:t>MATICA.</a:t>
+            </a:r>
+            <a:r>
+              <a:rPr lang="ru-RU" altLang="ru-RU" sz="2000" dirty="0" smtClean="0">
                 <a:latin typeface="Century Gothic" panose="020B0502020202020204" pitchFamily="34" charset="0"/>
                 <a:ea typeface="Calibri" panose="020F0502020204030204" pitchFamily="34" charset="0"/>
                 <a:cs typeface="Times New Roman" panose="02020603050405020304" pitchFamily="18" charset="0"/>
               </a:rPr>
-              <a:t>ES</a:t>
-            </a:r>
-            <a:r>
-              <a:rPr lang="ru-RU" altLang="ru-RU" sz="2000" dirty="0" smtClean="0">
-                <a:latin typeface="Century Gothic" panose="020B0502020202020204" pitchFamily="34" charset="0"/>
-                <a:ea typeface="Calibri" panose="020F0502020204030204" pitchFamily="34" charset="0"/>
-                <a:cs typeface="Times New Roman" panose="02020603050405020304" pitchFamily="18" charset="0"/>
-              </a:rPr>
-              <a:t>-уровня </a:t>
-            </a:r>
-            <a:r>
-              <a:rPr lang="ru-RU" altLang="ru-RU" sz="2000" dirty="0">
-                <a:latin typeface="Century Gothic" panose="020B0502020202020204" pitchFamily="34" charset="0"/>
-                <a:ea typeface="Calibri" panose="020F0502020204030204" pitchFamily="34" charset="0"/>
-                <a:cs typeface="Times New Roman" panose="02020603050405020304" pitchFamily="18" charset="0"/>
-              </a:rPr>
-              <a:t>предназначенных для технологического процесса широкополосного стана горячей прокатки (ШСГП) 2500 ЛПЦ-4 ПАО «ММК».</a:t>
+              <a:t> </a:t>
             </a:r>
             <a:endParaRPr lang="en-US" altLang="ru-RU" sz="2000" dirty="0" smtClean="0">
               <a:latin typeface="Century Gothic" panose="020B0502020202020204" pitchFamily="34" charset="0"/>
@@ -5682,6 +3999,11 @@
               </a:rPr>
               <a:t>Предмет:</a:t>
             </a:r>
+            <a:endParaRPr lang="ru-RU" altLang="ru-RU" sz="2400" b="1" dirty="0" smtClean="0">
+              <a:latin typeface="Century Gothic" panose="020B0502020202020204" pitchFamily="34" charset="0"/>
+              <a:ea typeface="Calibri" panose="020F0502020204030204" pitchFamily="34" charset="0"/>
+              <a:cs typeface="Times New Roman" panose="02020603050405020304" pitchFamily="18" charset="0"/>
+            </a:endParaRPr>
           </a:p>
           <a:p>
             <a:pPr algn="just">
@@ -5691,54 +4013,22 @@
               <a:defRPr/>
             </a:pPr>
             <a:r>
-              <a:rPr lang="ru-RU" altLang="ru-RU" sz="2000" dirty="0">
+              <a:rPr lang="ru-RU" altLang="ru-RU" sz="2000" dirty="0" smtClean="0">
                 <a:latin typeface="Century Gothic" panose="020B0502020202020204" pitchFamily="34" charset="0"/>
                 <a:ea typeface="Calibri" panose="020F0502020204030204" pitchFamily="34" charset="0"/>
                 <a:cs typeface="Times New Roman" panose="02020603050405020304" pitchFamily="18" charset="0"/>
               </a:rPr>
-              <a:t>Информационное и программное обеспечение обработки информации с уровня контроллеров и </a:t>
-            </a:r>
-            <a:r>
-              <a:rPr lang="ru-RU" altLang="ru-RU" sz="2000" dirty="0" smtClean="0">
+              <a:t>Информационное и программное обеспечение для настройки и хранения карточных продуктов и обработки банковских карт средствами эмбоссеров и кардридеров. Информационное и программное обеспечение управления модулями эмбоссера </a:t>
+            </a:r>
+            <a:r>
+              <a:rPr lang="en-US" altLang="ru-RU" sz="2000" dirty="0" smtClean="0">
                 <a:latin typeface="Century Gothic" panose="020B0502020202020204" pitchFamily="34" charset="0"/>
                 <a:ea typeface="Calibri" panose="020F0502020204030204" pitchFamily="34" charset="0"/>
                 <a:cs typeface="Times New Roman" panose="02020603050405020304" pitchFamily="18" charset="0"/>
               </a:rPr>
-              <a:t>M</a:t>
-            </a:r>
-            <a:r>
-              <a:rPr lang="en-US" altLang="ru-RU" sz="2000" dirty="0" smtClean="0">
-                <a:latin typeface="Century Gothic" panose="020B0502020202020204" pitchFamily="34" charset="0"/>
-                <a:ea typeface="Calibri" panose="020F0502020204030204" pitchFamily="34" charset="0"/>
-                <a:cs typeface="Times New Roman" panose="02020603050405020304" pitchFamily="18" charset="0"/>
-              </a:rPr>
-              <a:t>ES</a:t>
-            </a:r>
-            <a:r>
-              <a:rPr lang="ru-RU" altLang="ru-RU" sz="2000" dirty="0" smtClean="0">
-                <a:latin typeface="Century Gothic" panose="020B0502020202020204" pitchFamily="34" charset="0"/>
-                <a:ea typeface="Calibri" panose="020F0502020204030204" pitchFamily="34" charset="0"/>
-                <a:cs typeface="Times New Roman" panose="02020603050405020304" pitchFamily="18" charset="0"/>
-              </a:rPr>
-              <a:t>-уровня </a:t>
-            </a:r>
-            <a:r>
-              <a:rPr lang="ru-RU" altLang="ru-RU" sz="2000" dirty="0">
-                <a:latin typeface="Century Gothic" panose="020B0502020202020204" pitchFamily="34" charset="0"/>
-                <a:ea typeface="Calibri" panose="020F0502020204030204" pitchFamily="34" charset="0"/>
-                <a:cs typeface="Times New Roman" panose="02020603050405020304" pitchFamily="18" charset="0"/>
-              </a:rPr>
-              <a:t>для системы мониторинга, и управления технологическими параметрами производства и интеграция с другими уровнями автоматизации</a:t>
-            </a:r>
-            <a:r>
-              <a:rPr lang="ru-RU" altLang="ru-RU" sz="2000" dirty="0" smtClean="0">
-                <a:latin typeface="Century Gothic" panose="020B0502020202020204" pitchFamily="34" charset="0"/>
-                <a:ea typeface="Calibri" panose="020F0502020204030204" pitchFamily="34" charset="0"/>
-                <a:cs typeface="Times New Roman" panose="02020603050405020304" pitchFamily="18" charset="0"/>
-              </a:rPr>
-              <a:t>.</a:t>
-            </a:r>
-            <a:endParaRPr lang="en-US" altLang="ru-RU" sz="2000" dirty="0" smtClean="0">
+              <a:t>MATICA.</a:t>
+            </a:r>
+            <a:endParaRPr lang="ru-RU" altLang="ru-RU" sz="2000" dirty="0" smtClean="0">
               <a:latin typeface="Century Gothic" panose="020B0502020202020204" pitchFamily="34" charset="0"/>
               <a:ea typeface="Calibri" panose="020F0502020204030204" pitchFamily="34" charset="0"/>
               <a:cs typeface="Times New Roman" panose="02020603050405020304" pitchFamily="18" charset="0"/>
@@ -5757,7 +4047,15 @@
                 <a:ea typeface="Calibri" panose="020F0502020204030204" pitchFamily="34" charset="0"/>
                 <a:cs typeface="Times New Roman" panose="02020603050405020304" pitchFamily="18" charset="0"/>
               </a:rPr>
-              <a:t>Цель: </a:t>
+              <a:t>Цель</a:t>
+            </a:r>
+            <a:r>
+              <a:rPr lang="ru-RU" altLang="ru-RU" sz="2400" b="1" dirty="0" smtClean="0">
+                <a:latin typeface="Century Gothic" panose="020B0502020202020204" pitchFamily="34" charset="0"/>
+                <a:ea typeface="Calibri" panose="020F0502020204030204" pitchFamily="34" charset="0"/>
+                <a:cs typeface="Times New Roman" panose="02020603050405020304" pitchFamily="18" charset="0"/>
+              </a:rPr>
+              <a:t>: </a:t>
             </a:r>
           </a:p>
           <a:p>
@@ -5773,15 +4071,15 @@
                 <a:ea typeface="Calibri" panose="020F0502020204030204" pitchFamily="34" charset="0"/>
                 <a:cs typeface="Times New Roman" panose="02020603050405020304" pitchFamily="18" charset="0"/>
               </a:rPr>
-              <a:t>Повышение </a:t>
-            </a:r>
-            <a:r>
-              <a:rPr lang="ru-RU" altLang="ru-RU" sz="2000" dirty="0">
+              <a:t>Разработка драйвера</a:t>
+            </a:r>
+            <a:r>
+              <a:rPr lang="en-US" altLang="ru-RU" sz="2000" dirty="0" smtClean="0">
                 <a:latin typeface="Century Gothic" panose="020B0502020202020204" pitchFamily="34" charset="0"/>
                 <a:ea typeface="Calibri" panose="020F0502020204030204" pitchFamily="34" charset="0"/>
                 <a:cs typeface="Times New Roman" panose="02020603050405020304" pitchFamily="18" charset="0"/>
               </a:rPr>
-              <a:t>эффективности работы </a:t>
+              <a:t> </a:t>
             </a:r>
             <a:r>
               <a:rPr lang="ru-RU" altLang="ru-RU" sz="2000" dirty="0" smtClean="0">
@@ -5789,8 +4087,61 @@
                 <a:ea typeface="Calibri" panose="020F0502020204030204" pitchFamily="34" charset="0"/>
                 <a:cs typeface="Times New Roman" panose="02020603050405020304" pitchFamily="18" charset="0"/>
               </a:rPr>
-              <a:t>широкополосного стана горячей прокатки 2500 ЛПЦ-4 ПАО «ММК»</a:t>
-            </a:r>
+              <a:t>для программного продукта </a:t>
+            </a:r>
+            <a:r>
+              <a:rPr lang="en-US" altLang="ru-RU" sz="2000" dirty="0" err="1" smtClean="0">
+                <a:latin typeface="Century Gothic" panose="020B0502020202020204" pitchFamily="34" charset="0"/>
+                <a:ea typeface="Calibri" panose="020F0502020204030204" pitchFamily="34" charset="0"/>
+                <a:cs typeface="Times New Roman" panose="02020603050405020304" pitchFamily="18" charset="0"/>
+              </a:rPr>
+              <a:t>TranzWare</a:t>
+            </a:r>
+            <a:r>
+              <a:rPr lang="en-US" altLang="ru-RU" sz="2000" dirty="0" smtClean="0">
+                <a:latin typeface="Century Gothic" panose="020B0502020202020204" pitchFamily="34" charset="0"/>
+                <a:ea typeface="Calibri" panose="020F0502020204030204" pitchFamily="34" charset="0"/>
+                <a:cs typeface="Times New Roman" panose="02020603050405020304" pitchFamily="18" charset="0"/>
+              </a:rPr>
+              <a:t> </a:t>
+            </a:r>
+            <a:r>
+              <a:rPr lang="en-US" altLang="ru-RU" sz="2000" dirty="0" err="1" smtClean="0">
+                <a:latin typeface="Century Gothic" panose="020B0502020202020204" pitchFamily="34" charset="0"/>
+                <a:ea typeface="Calibri" panose="020F0502020204030204" pitchFamily="34" charset="0"/>
+                <a:cs typeface="Times New Roman" panose="02020603050405020304" pitchFamily="18" charset="0"/>
+              </a:rPr>
+              <a:t>CardFactory</a:t>
+            </a:r>
+            <a:r>
+              <a:rPr lang="ru-RU" altLang="ru-RU" sz="2000" dirty="0" smtClean="0">
+                <a:latin typeface="Century Gothic" panose="020B0502020202020204" pitchFamily="34" charset="0"/>
+                <a:ea typeface="Calibri" panose="020F0502020204030204" pitchFamily="34" charset="0"/>
+                <a:cs typeface="Times New Roman" panose="02020603050405020304" pitchFamily="18" charset="0"/>
+              </a:rPr>
+              <a:t> осуществляющего записи информации о клиенте банка на чип пластиковой карты через кардридерный модуль эмбоссера </a:t>
+            </a:r>
+            <a:r>
+              <a:rPr lang="en-US" altLang="ru-RU" sz="2000" dirty="0" smtClean="0">
+                <a:latin typeface="Century Gothic" panose="020B0502020202020204" pitchFamily="34" charset="0"/>
+                <a:ea typeface="Calibri" panose="020F0502020204030204" pitchFamily="34" charset="0"/>
+                <a:cs typeface="Times New Roman" panose="02020603050405020304" pitchFamily="18" charset="0"/>
+              </a:rPr>
+              <a:t>MATICA</a:t>
+            </a:r>
+            <a:r>
+              <a:rPr lang="ru-RU" altLang="ru-RU" sz="2000" dirty="0" smtClean="0">
+                <a:latin typeface="Century Gothic" panose="020B0502020202020204" pitchFamily="34" charset="0"/>
+                <a:ea typeface="Calibri" panose="020F0502020204030204" pitchFamily="34" charset="0"/>
+                <a:cs typeface="Times New Roman" panose="02020603050405020304" pitchFamily="18" charset="0"/>
+              </a:rPr>
+              <a:t>.</a:t>
+            </a:r>
+            <a:endParaRPr lang="ru-RU" altLang="ru-RU" sz="2000" dirty="0" smtClean="0">
+              <a:latin typeface="Century Gothic" panose="020B0502020202020204" pitchFamily="34" charset="0"/>
+              <a:ea typeface="Calibri" panose="020F0502020204030204" pitchFamily="34" charset="0"/>
+              <a:cs typeface="Times New Roman" panose="02020603050405020304" pitchFamily="18" charset="0"/>
+            </a:endParaRPr>
           </a:p>
         </p:txBody>
       </p:sp>
@@ -5943,8 +4294,8 @@
         </p:nvSpPr>
         <p:spPr>
           <a:xfrm>
-            <a:off x="191588" y="1023488"/>
-            <a:ext cx="11808823" cy="5432385"/>
+            <a:off x="181689" y="860650"/>
+            <a:ext cx="11808823" cy="5978560"/>
           </a:xfrm>
           <a:prstGeom prst="rect">
             <a:avLst/>
@@ -6009,16 +4360,22 @@
               <a:buAutoNum type="arabicPeriod"/>
             </a:pPr>
             <a:r>
-              <a:rPr lang="ru-RU" sz="2100" dirty="0">
-                <a:latin typeface="Century Gothic" panose="020B0502020202020204" pitchFamily="34" charset="0"/>
-              </a:rPr>
-              <a:t>Выполнить анализ работы стана ШСГП </a:t>
-            </a:r>
-            <a:r>
               <a:rPr lang="ru-RU" sz="2100" dirty="0" smtClean="0">
                 <a:latin typeface="Century Gothic" panose="020B0502020202020204" pitchFamily="34" charset="0"/>
               </a:rPr>
-              <a:t>2500;</a:t>
+              <a:t>Выполнить анализ работы эмбоссера </a:t>
+            </a:r>
+            <a:r>
+              <a:rPr lang="en-US" sz="2100" dirty="0" smtClean="0">
+                <a:latin typeface="Century Gothic" panose="020B0502020202020204" pitchFamily="34" charset="0"/>
+              </a:rPr>
+              <a:t>MATICA </a:t>
+            </a:r>
+            <a:r>
+              <a:rPr lang="ru-RU" sz="2100" dirty="0" smtClean="0">
+                <a:latin typeface="Century Gothic" panose="020B0502020202020204" pitchFamily="34" charset="0"/>
+              </a:rPr>
+              <a:t>и методов аппаратного и программного взаимодействия с его кардридерным модулем;</a:t>
             </a:r>
             <a:endParaRPr lang="en-US" sz="2100" dirty="0" smtClean="0">
               <a:latin typeface="Century Gothic" panose="020B0502020202020204" pitchFamily="34" charset="0"/>
@@ -6036,19 +4393,19 @@
               <a:rPr lang="ru-RU" sz="2100" dirty="0" smtClean="0">
                 <a:latin typeface="Century Gothic" panose="020B0502020202020204" pitchFamily="34" charset="0"/>
               </a:rPr>
-              <a:t>Провести </a:t>
-            </a:r>
-            <a:r>
-              <a:rPr lang="ru-RU" sz="2100" dirty="0">
-                <a:latin typeface="Century Gothic" panose="020B0502020202020204" pitchFamily="34" charset="0"/>
-              </a:rPr>
-              <a:t>теоретический анализ разработок систем управления и обработки данных с уровня контроллеров и </a:t>
+              <a:t>Провести теоретический анализ возможностей программной платформы </a:t>
+            </a:r>
+            <a:r>
+              <a:rPr lang="en-US" sz="2100" dirty="0" err="1" smtClean="0">
+                <a:latin typeface="Century Gothic" panose="020B0502020202020204" pitchFamily="34" charset="0"/>
+              </a:rPr>
+              <a:t>FloraWare</a:t>
             </a:r>
             <a:r>
               <a:rPr lang="ru-RU" sz="2100" dirty="0" smtClean="0">
                 <a:latin typeface="Century Gothic" panose="020B0502020202020204" pitchFamily="34" charset="0"/>
               </a:rPr>
-              <a:t>MES-уровня;</a:t>
+              <a:t>, использующихся для осуществления сетевого взаимодействия;</a:t>
             </a:r>
             <a:endParaRPr lang="en-US" sz="2100" dirty="0" smtClean="0">
               <a:latin typeface="Century Gothic" panose="020B0502020202020204" pitchFamily="34" charset="0"/>
@@ -6066,21 +4423,39 @@
               <a:rPr lang="ru-RU" sz="2100" dirty="0" smtClean="0">
                 <a:latin typeface="Century Gothic" panose="020B0502020202020204" pitchFamily="34" charset="0"/>
               </a:rPr>
-              <a:t>Описать </a:t>
-            </a:r>
-            <a:r>
-              <a:rPr lang="ru-RU" sz="2100" dirty="0">
-                <a:latin typeface="Century Gothic" panose="020B0502020202020204" pitchFamily="34" charset="0"/>
-              </a:rPr>
-              <a:t>проектное решение для обработки данных с уровня котроллеров и MES-уровня автоматизированной системы мониторинга и управления технологическим процессом черновой группы стана ШСГП </a:t>
+              <a:t>Провести анализ структуры программного продукта </a:t>
+            </a:r>
+            <a:r>
+              <a:rPr lang="en-US" sz="2100" dirty="0" err="1" smtClean="0">
+                <a:latin typeface="Century Gothic" panose="020B0502020202020204" pitchFamily="34" charset="0"/>
+              </a:rPr>
+              <a:t>TranzWare</a:t>
+            </a:r>
+            <a:r>
+              <a:rPr lang="en-US" sz="2100" dirty="0" smtClean="0">
+                <a:latin typeface="Century Gothic" panose="020B0502020202020204" pitchFamily="34" charset="0"/>
+              </a:rPr>
+              <a:t> </a:t>
+            </a:r>
+            <a:r>
+              <a:rPr lang="en-US" sz="2100" dirty="0" err="1" smtClean="0">
+                <a:latin typeface="Century Gothic" panose="020B0502020202020204" pitchFamily="34" charset="0"/>
+              </a:rPr>
+              <a:t>CardFactory</a:t>
+            </a:r>
+            <a:r>
+              <a:rPr lang="en-US" sz="2100" dirty="0">
+                <a:latin typeface="Century Gothic" panose="020B0502020202020204" pitchFamily="34" charset="0"/>
+              </a:rPr>
+              <a:t> </a:t>
             </a:r>
             <a:r>
               <a:rPr lang="ru-RU" sz="2100" dirty="0" smtClean="0">
                 <a:latin typeface="Century Gothic" panose="020B0502020202020204" pitchFamily="34" charset="0"/>
               </a:rPr>
-              <a:t>2500;</a:t>
-            </a:r>
-            <a:endParaRPr lang="en-US" sz="2100" dirty="0">
+              <a:t>и структуры существующих драйверов кардридеров; </a:t>
+            </a:r>
+            <a:endParaRPr lang="en-US" sz="2100" dirty="0" smtClean="0">
               <a:latin typeface="Century Gothic" panose="020B0502020202020204" pitchFamily="34" charset="0"/>
             </a:endParaRPr>
           </a:p>
@@ -6096,25 +4471,28 @@
               <a:rPr lang="ru-RU" sz="2100" dirty="0" smtClean="0">
                 <a:latin typeface="Century Gothic" panose="020B0502020202020204" pitchFamily="34" charset="0"/>
               </a:rPr>
-              <a:t>Получить </a:t>
-            </a:r>
-            <a:r>
-              <a:rPr lang="ru-RU" sz="2100" dirty="0">
-                <a:latin typeface="Century Gothic" panose="020B0502020202020204" pitchFamily="34" charset="0"/>
-              </a:rPr>
-              <a:t>результаты опытной эксплуатации программного обеспечения уровня диспетчеризации автоматизированной системы мониторинга и управления технологическим процессом черновой группы стана ШСГП </a:t>
-            </a:r>
+              <a:t>Описать проектное решение для управления кардридерным модулем эмбоссера </a:t>
+            </a:r>
+            <a:r>
+              <a:rPr lang="en-US" sz="2100" dirty="0" smtClean="0">
+                <a:latin typeface="Century Gothic" panose="020B0502020202020204" pitchFamily="34" charset="0"/>
+              </a:rPr>
+              <a:t>MATICA;</a:t>
+            </a:r>
+          </a:p>
+          <a:p>
+            <a:pPr marL="457200" indent="-457200" algn="just">
+              <a:lnSpc>
+                <a:spcPct val="150000"/>
+              </a:lnSpc>
+              <a:buFont typeface="+mj-lt"/>
+              <a:buAutoNum type="arabicPeriod"/>
+            </a:pPr>
             <a:r>
               <a:rPr lang="ru-RU" sz="2100" dirty="0" smtClean="0">
                 <a:latin typeface="Century Gothic" panose="020B0502020202020204" pitchFamily="34" charset="0"/>
               </a:rPr>
-              <a:t>2500</a:t>
-            </a:r>
-            <a:r>
-              <a:rPr lang="en-US" sz="2100" dirty="0">
-                <a:latin typeface="Century Gothic" panose="020B0502020202020204" pitchFamily="34" charset="0"/>
-              </a:rPr>
-              <a:t>.</a:t>
+              <a:t>Получить результаты опытной эксплуатации разработанной программной библиотеки. </a:t>
             </a:r>
             <a:endParaRPr lang="ru-RU" sz="2100" dirty="0" smtClean="0">
               <a:latin typeface="Century Gothic" panose="020B0502020202020204" pitchFamily="34" charset="0"/>
@@ -6297,8 +4675,8 @@
         </p:nvSpPr>
         <p:spPr>
           <a:xfrm>
-            <a:off x="979069" y="112998"/>
-            <a:ext cx="10344499" cy="707886"/>
+            <a:off x="1556937" y="90929"/>
+            <a:ext cx="9078126" cy="707886"/>
           </a:xfrm>
           <a:prstGeom prst="rect">
             <a:avLst/>
@@ -6363,10 +4741,10 @@
                 </a:effectLst>
                 <a:latin typeface="Century Gothic" panose="020B0502020202020204" pitchFamily="34" charset="0"/>
               </a:rPr>
-              <a:t>аналитического</a:t>
-            </a:r>
-            <a:r>
-              <a:rPr lang="ru-RU" sz="4000" dirty="0" smtClean="0">
+              <a:t>исследования</a:t>
+            </a:r>
+            <a:r>
+              <a:rPr lang="en-US" sz="3600" dirty="0" smtClean="0">
                 <a:solidFill>
                   <a:schemeClr val="bg1">
                     <a:lumMod val="95000"/>
@@ -6399,7 +4777,7 @@
                 </a:effectLst>
                 <a:latin typeface="Century Gothic" panose="020B0502020202020204" pitchFamily="34" charset="0"/>
               </a:rPr>
-              <a:t>исследования</a:t>
+              <a:t>эмбоссера</a:t>
             </a:r>
             <a:endParaRPr lang="ru-RU" sz="3600" dirty="0">
               <a:solidFill>
@@ -6419,38 +4797,76 @@
           </a:p>
         </p:txBody>
       </p:sp>
-      <p:graphicFrame>
-        <p:nvGraphicFramePr>
-          <p:cNvPr id="8" name="Диаграмма 7"/>
-          <p:cNvGraphicFramePr/>
-          <p:nvPr>
-            <p:extLst>
-              <p:ext uri="{D42A27DB-BD31-4B8C-83A1-F6EECF244321}">
-                <p14:modId xmlns:p14="http://schemas.microsoft.com/office/powerpoint/2010/main" val="774445052"/>
-              </p:ext>
-            </p:extLst>
-          </p:nvPr>
-        </p:nvGraphicFramePr>
-        <p:xfrm>
-          <a:off x="1007141" y="1844549"/>
-          <a:ext cx="4614704" cy="4630783"/>
-        </p:xfrm>
-        <a:graphic>
-          <a:graphicData uri="http://schemas.openxmlformats.org/drawingml/2006/chart">
-            <c:chart xmlns:c="http://schemas.openxmlformats.org/drawingml/2006/chart" xmlns:r="http://schemas.openxmlformats.org/officeDocument/2006/relationships" r:id="rId3"/>
-          </a:graphicData>
-        </a:graphic>
-      </p:graphicFrame>
-      <p:sp>
-        <p:nvSpPr>
-          <p:cNvPr id="3" name="TextBox 2"/>
+      <p:pic>
+        <p:nvPicPr>
+          <p:cNvPr id="4" name="Picture 3"/>
+          <p:cNvPicPr>
+            <a:picLocks noChangeAspect="1"/>
+          </p:cNvPicPr>
+          <p:nvPr/>
+        </p:nvPicPr>
+        <p:blipFill>
+          <a:blip r:embed="rId3" cstate="print">
+            <a:extLst>
+              <a:ext uri="{28A0092B-C50C-407E-A947-70E740481C1C}">
+                <a14:useLocalDpi xmlns:a14="http://schemas.microsoft.com/office/drawing/2010/main" val="0"/>
+              </a:ext>
+            </a:extLst>
+          </a:blip>
+          <a:stretch>
+            <a:fillRect/>
+          </a:stretch>
+        </p:blipFill>
+        <p:spPr>
+          <a:xfrm>
+            <a:off x="1081675" y="1696995"/>
+            <a:ext cx="3790949" cy="5054599"/>
+          </a:xfrm>
+          <a:prstGeom prst="rect">
+            <a:avLst/>
+          </a:prstGeom>
+        </p:spPr>
+      </p:pic>
+      <p:pic>
+        <p:nvPicPr>
+          <p:cNvPr id="6" name="Picture 5"/>
+          <p:cNvPicPr>
+            <a:picLocks noChangeAspect="1"/>
+          </p:cNvPicPr>
+          <p:nvPr/>
+        </p:nvPicPr>
+        <p:blipFill>
+          <a:blip r:embed="rId4" cstate="print">
+            <a:extLst>
+              <a:ext uri="{28A0092B-C50C-407E-A947-70E740481C1C}">
+                <a14:useLocalDpi xmlns:a14="http://schemas.microsoft.com/office/drawing/2010/main" val="0"/>
+              </a:ext>
+            </a:extLst>
+          </a:blip>
+          <a:stretch>
+            <a:fillRect/>
+          </a:stretch>
+        </p:blipFill>
+        <p:spPr>
+          <a:xfrm>
+            <a:off x="7040933" y="1696994"/>
+            <a:ext cx="3790950" cy="5054599"/>
+          </a:xfrm>
+          <a:prstGeom prst="rect">
+            <a:avLst/>
+          </a:prstGeom>
+        </p:spPr>
+      </p:pic>
+      <p:sp>
+        <p:nvSpPr>
+          <p:cNvPr id="9" name="TextBox 8"/>
           <p:cNvSpPr txBox="1"/>
           <p:nvPr/>
         </p:nvSpPr>
         <p:spPr>
           <a:xfrm>
-            <a:off x="190549" y="1106102"/>
-            <a:ext cx="5431295" cy="369332"/>
+            <a:off x="837416" y="1016230"/>
+            <a:ext cx="4279465" cy="646331"/>
           </a:xfrm>
           <a:prstGeom prst="rect">
             <a:avLst/>
@@ -6458,79 +4874,34 @@
           <a:noFill/>
         </p:spPr>
         <p:txBody>
-          <a:bodyPr wrap="none" rtlCol="0">
+          <a:bodyPr wrap="square" rtlCol="0">
             <a:spAutoFit/>
           </a:bodyPr>
           <a:lstStyle/>
           <a:p>
+            <a:pPr algn="ctr"/>
             <a:r>
               <a:rPr lang="ru-RU" dirty="0" smtClean="0">
                 <a:latin typeface="Century Gothic" panose="020B0502020202020204" pitchFamily="34" charset="0"/>
               </a:rPr>
-              <a:t>Диаграмм</a:t>
-            </a:r>
-            <a:r>
-              <a:rPr lang="ru-RU" dirty="0">
-                <a:latin typeface="Century Gothic" panose="020B0502020202020204" pitchFamily="34" charset="0"/>
-              </a:rPr>
-              <a:t>а</a:t>
-            </a:r>
-            <a:r>
-              <a:rPr lang="ru-RU" dirty="0" smtClean="0">
-                <a:latin typeface="Century Gothic" panose="020B0502020202020204" pitchFamily="34" charset="0"/>
-              </a:rPr>
-              <a:t> </a:t>
-            </a:r>
-            <a:r>
-              <a:rPr lang="ru-RU" dirty="0">
-                <a:latin typeface="Century Gothic" panose="020B0502020202020204" pitchFamily="34" charset="0"/>
-              </a:rPr>
-              <a:t>результатов патентного </a:t>
-            </a:r>
-            <a:r>
-              <a:rPr lang="ru-RU" dirty="0" smtClean="0">
-                <a:latin typeface="Century Gothic" panose="020B0502020202020204" pitchFamily="34" charset="0"/>
-              </a:rPr>
-              <a:t>поиска: </a:t>
-            </a:r>
-            <a:endParaRPr lang="ru-RU" dirty="0">
+              <a:t>Полный набор компонентов кардридерного модуля</a:t>
+            </a:r>
+            <a:endParaRPr lang="en-US" dirty="0">
               <a:latin typeface="Century Gothic" panose="020B0502020202020204" pitchFamily="34" charset="0"/>
             </a:endParaRPr>
           </a:p>
         </p:txBody>
       </p:sp>
-      <p:graphicFrame>
-        <p:nvGraphicFramePr>
-          <p:cNvPr id="10" name="Диаграмма 9"/>
-          <p:cNvGraphicFramePr/>
-          <p:nvPr>
-            <p:extLst>
-              <p:ext uri="{D42A27DB-BD31-4B8C-83A1-F6EECF244321}">
-                <p14:modId xmlns:p14="http://schemas.microsoft.com/office/powerpoint/2010/main" val="40892320"/>
-              </p:ext>
-            </p:extLst>
-          </p:nvPr>
-        </p:nvGraphicFramePr>
-        <p:xfrm>
-          <a:off x="6319573" y="1475434"/>
-          <a:ext cx="5254524" cy="4999898"/>
-        </p:xfrm>
-        <a:graphic>
-          <a:graphicData uri="http://schemas.openxmlformats.org/drawingml/2006/chart">
-            <c:chart xmlns:c="http://schemas.openxmlformats.org/drawingml/2006/chart" xmlns:r="http://schemas.openxmlformats.org/officeDocument/2006/relationships" r:id="rId4"/>
-          </a:graphicData>
-        </a:graphic>
-      </p:graphicFrame>
-      <p:sp>
-        <p:nvSpPr>
-          <p:cNvPr id="11" name="TextBox 10"/>
+      <p:sp>
+        <p:nvSpPr>
+          <p:cNvPr id="12" name="TextBox 11"/>
           <p:cNvSpPr txBox="1"/>
           <p:nvPr/>
         </p:nvSpPr>
         <p:spPr>
           <a:xfrm>
-            <a:off x="5621844" y="1106102"/>
-            <a:ext cx="6310843" cy="369332"/>
+            <a:off x="6796675" y="1156772"/>
+            <a:ext cx="4279465" cy="369332"/>
           </a:xfrm>
           <a:prstGeom prst="rect">
             <a:avLst/>
@@ -6543,43 +4914,16 @@
           </a:bodyPr>
           <a:lstStyle/>
           <a:p>
-            <a:pPr algn="just"/>
+            <a:pPr algn="ctr"/>
             <a:r>
               <a:rPr lang="ru-RU" dirty="0" smtClean="0">
                 <a:latin typeface="Century Gothic" panose="020B0502020202020204" pitchFamily="34" charset="0"/>
               </a:rPr>
-              <a:t>Диаграмм</a:t>
-            </a:r>
-            <a:r>
-              <a:rPr lang="ru-RU" dirty="0">
-                <a:latin typeface="Century Gothic" panose="020B0502020202020204" pitchFamily="34" charset="0"/>
-              </a:rPr>
-              <a:t>а</a:t>
-            </a:r>
-            <a:r>
-              <a:rPr lang="ru-RU" dirty="0" smtClean="0">
-                <a:latin typeface="Century Gothic" panose="020B0502020202020204" pitchFamily="34" charset="0"/>
-              </a:rPr>
-              <a:t> </a:t>
-            </a:r>
-            <a:r>
-              <a:rPr lang="ru-RU" dirty="0">
-                <a:latin typeface="Century Gothic" panose="020B0502020202020204" pitchFamily="34" charset="0"/>
-              </a:rPr>
-              <a:t>результатов </a:t>
-            </a:r>
-            <a:r>
-              <a:rPr lang="ru-RU" dirty="0" smtClean="0">
-                <a:latin typeface="Century Gothic" panose="020B0502020202020204" pitchFamily="34" charset="0"/>
-              </a:rPr>
-              <a:t>поиска источников </a:t>
-            </a:r>
-            <a:r>
-              <a:rPr lang="ru-RU" dirty="0">
-                <a:latin typeface="Century Gothic" panose="020B0502020202020204" pitchFamily="34" charset="0"/>
-              </a:rPr>
-              <a:t>печати : </a:t>
-            </a:r>
+              <a:t>Управляющая плата модуля</a:t>
+            </a:r>
+            <a:endParaRPr lang="en-US" dirty="0">
+              <a:latin typeface="Century Gothic" panose="020B0502020202020204" pitchFamily="34" charset="0"/>
+            </a:endParaRPr>
           </a:p>
         </p:txBody>
       </p:sp>
@@ -6682,7 +5026,7 @@
         </p:nvSpPr>
         <p:spPr>
           <a:xfrm>
-            <a:off x="2906973" y="436728"/>
+            <a:off x="1351128" y="614149"/>
             <a:ext cx="184731" cy="369332"/>
           </a:xfrm>
           <a:prstGeom prst="rect">
@@ -6708,8 +5052,8 @@
         </p:nvSpPr>
         <p:spPr>
           <a:xfrm>
-            <a:off x="2206954" y="168153"/>
-            <a:ext cx="7778091" cy="646331"/>
+            <a:off x="1379112" y="162234"/>
+            <a:ext cx="9409948" cy="646331"/>
           </a:xfrm>
           <a:prstGeom prst="rect">
             <a:avLst/>
@@ -6722,7 +5066,6 @@
           </a:bodyPr>
           <a:lstStyle/>
           <a:p>
-            <a:pPr algn="ctr"/>
             <a:r>
               <a:rPr lang="ru-RU" sz="3600" dirty="0" smtClean="0">
                 <a:solidFill>
@@ -6739,7 +5082,7 @@
                 </a:effectLst>
                 <a:latin typeface="Century Gothic" panose="020B0502020202020204" pitchFamily="34" charset="0"/>
               </a:rPr>
-              <a:t>Логическая модель базы данных</a:t>
+              <a:t>Схема сетевого подключения к модулю</a:t>
             </a:r>
             <a:endParaRPr lang="ru-RU" sz="3600" dirty="0">
               <a:solidFill>
@@ -6761,35 +5104,77 @@
       </p:sp>
       <p:sp>
         <p:nvSpPr>
-          <p:cNvPr id="8" name="Прямоугольник 7"/>
+          <p:cNvPr id="3" name="Cloud 2"/>
           <p:cNvSpPr/>
           <p:nvPr/>
         </p:nvSpPr>
         <p:spPr>
           <a:xfrm>
-            <a:off x="109183" y="1041023"/>
-            <a:ext cx="12082817" cy="586314"/>
+            <a:off x="1063030" y="2893512"/>
+            <a:ext cx="3597342" cy="2091847"/>
+          </a:xfrm>
+          <a:prstGeom prst="cloud">
+            <a:avLst/>
+          </a:prstGeom>
+          <a:solidFill>
+            <a:schemeClr val="bg1"/>
+          </a:solidFill>
+          <a:ln w="19050"/>
+        </p:spPr>
+        <p:style>
+          <a:lnRef idx="2">
+            <a:schemeClr val="accent1">
+              <a:shade val="50000"/>
+            </a:schemeClr>
+          </a:lnRef>
+          <a:fillRef idx="1">
+            <a:schemeClr val="accent1"/>
+          </a:fillRef>
+          <a:effectRef idx="0">
+            <a:schemeClr val="accent1"/>
+          </a:effectRef>
+          <a:fontRef idx="minor">
+            <a:schemeClr val="lt1"/>
+          </a:fontRef>
+        </p:style>
+        <p:txBody>
+          <a:bodyPr rtlCol="0" anchor="ctr"/>
+          <a:lstStyle/>
+          <a:p>
+            <a:pPr algn="ctr"/>
+            <a:endParaRPr lang="en-US"/>
+          </a:p>
+        </p:txBody>
+      </p:sp>
+      <p:sp>
+        <p:nvSpPr>
+          <p:cNvPr id="8" name="TextBox 7"/>
+          <p:cNvSpPr txBox="1"/>
+          <p:nvPr/>
+        </p:nvSpPr>
+        <p:spPr>
+          <a:xfrm>
+            <a:off x="1853251" y="3754769"/>
+            <a:ext cx="2016899" cy="369332"/>
           </a:xfrm>
           <a:prstGeom prst="rect">
             <a:avLst/>
           </a:prstGeom>
-        </p:spPr>
-        <p:txBody>
-          <a:bodyPr wrap="square">
+          <a:noFill/>
+        </p:spPr>
+        <p:txBody>
+          <a:bodyPr wrap="none" rtlCol="0">
             <a:spAutoFit/>
           </a:bodyPr>
           <a:lstStyle/>
           <a:p>
-            <a:pPr algn="just">
-              <a:lnSpc>
-                <a:spcPct val="150000"/>
-              </a:lnSpc>
-            </a:pPr>
-            <a:r>
-              <a:rPr lang="ru-RU" sz="2400" dirty="0" smtClean="0"/>
-              <a:t>	</a:t>
-            </a:r>
-            <a:endParaRPr lang="ru-RU" sz="2000" dirty="0">
+            <a:r>
+              <a:rPr lang="ru-RU" dirty="0" smtClean="0">
+                <a:latin typeface="Century Gothic" panose="020B0502020202020204" pitchFamily="34" charset="0"/>
+              </a:rPr>
+              <a:t>Внутренняя сеть</a:t>
+            </a:r>
+            <a:endParaRPr lang="en-US" dirty="0">
               <a:latin typeface="Century Gothic" panose="020B0502020202020204" pitchFamily="34" charset="0"/>
             </a:endParaRPr>
           </a:p>
@@ -6797,44 +5182,1000 @@
       </p:sp>
       <p:pic>
         <p:nvPicPr>
-          <p:cNvPr id="6" name="Рисунок 5" descr="E:\Магистратура\Диплом\ER.png"/>
-          <p:cNvPicPr/>
+          <p:cNvPr id="10" name="Picture 9"/>
+          <p:cNvPicPr>
+            <a:picLocks noChangeAspect="1"/>
+          </p:cNvPicPr>
           <p:nvPr/>
         </p:nvPicPr>
-        <p:blipFill rotWithShape="1">
-          <a:blip r:embed="rId3">
+        <p:blipFill>
+          <a:blip r:embed="rId3"/>
+          <a:stretch>
+            <a:fillRect/>
+          </a:stretch>
+        </p:blipFill>
+        <p:spPr>
+          <a:xfrm>
+            <a:off x="2378951" y="1455586"/>
+            <a:ext cx="965498" cy="1020222"/>
+          </a:xfrm>
+          <a:prstGeom prst="rect">
+            <a:avLst/>
+          </a:prstGeom>
+        </p:spPr>
+      </p:pic>
+      <p:cxnSp>
+        <p:nvCxnSpPr>
+          <p:cNvPr id="13" name="Straight Connector 12"/>
+          <p:cNvCxnSpPr>
+            <a:stCxn id="3" idx="3"/>
+            <a:endCxn id="10" idx="2"/>
+          </p:cNvCxnSpPr>
+          <p:nvPr/>
+        </p:nvCxnSpPr>
+        <p:spPr>
+          <a:xfrm flipH="1" flipV="1">
+            <a:off x="2861700" y="2475808"/>
+            <a:ext cx="1" cy="537307"/>
+          </a:xfrm>
+          <a:prstGeom prst="line">
+            <a:avLst/>
+          </a:prstGeom>
+          <a:ln w="19050">
+            <a:solidFill>
+              <a:schemeClr val="accent1">
+                <a:lumMod val="75000"/>
+              </a:schemeClr>
+            </a:solidFill>
+          </a:ln>
+        </p:spPr>
+        <p:style>
+          <a:lnRef idx="1">
+            <a:schemeClr val="accent1"/>
+          </a:lnRef>
+          <a:fillRef idx="0">
+            <a:schemeClr val="accent1"/>
+          </a:fillRef>
+          <a:effectRef idx="0">
+            <a:schemeClr val="accent1"/>
+          </a:effectRef>
+          <a:fontRef idx="minor">
+            <a:schemeClr val="tx1"/>
+          </a:fontRef>
+        </p:style>
+      </p:cxnSp>
+      <p:sp>
+        <p:nvSpPr>
+          <p:cNvPr id="14" name="TextBox 13"/>
+          <p:cNvSpPr txBox="1"/>
+          <p:nvPr/>
+        </p:nvSpPr>
+        <p:spPr>
+          <a:xfrm>
+            <a:off x="1788075" y="1049835"/>
+            <a:ext cx="2147249" cy="338554"/>
+          </a:xfrm>
+          <a:prstGeom prst="rect">
+            <a:avLst/>
+          </a:prstGeom>
+          <a:noFill/>
+        </p:spPr>
+        <p:txBody>
+          <a:bodyPr wrap="square" rtlCol="0">
+            <a:spAutoFit/>
+          </a:bodyPr>
+          <a:lstStyle/>
+          <a:p>
+            <a:pPr algn="ctr"/>
+            <a:r>
+              <a:rPr lang="ru-RU" sz="1600" dirty="0" smtClean="0">
+                <a:latin typeface="Century Gothic" panose="020B0502020202020204" pitchFamily="34" charset="0"/>
+              </a:rPr>
+              <a:t>Управляющая ЭВМ</a:t>
+            </a:r>
+            <a:endParaRPr lang="en-US" sz="1600" dirty="0">
+              <a:latin typeface="Century Gothic" panose="020B0502020202020204" pitchFamily="34" charset="0"/>
+            </a:endParaRPr>
+          </a:p>
+        </p:txBody>
+      </p:sp>
+      <p:pic>
+        <p:nvPicPr>
+          <p:cNvPr id="15" name="Picture 14">
+            <a:extLst>
+              <a:ext uri="{FF2B5EF4-FFF2-40B4-BE49-F238E27FC236}">
+                <a16:creationId xmlns:a16="http://schemas.microsoft.com/office/drawing/2014/main" id="{BD4D3E0E-E0E6-4F32-B612-650FDCFC76D0}"/>
+              </a:ext>
+            </a:extLst>
+          </p:cNvPr>
+          <p:cNvPicPr>
+            <a:picLocks noChangeAspect="1"/>
+          </p:cNvPicPr>
+          <p:nvPr/>
+        </p:nvPicPr>
+        <p:blipFill>
+          <a:blip r:embed="rId4">
             <a:extLst>
               <a:ext uri="{28A0092B-C50C-407E-A947-70E740481C1C}">
                 <a14:useLocalDpi xmlns:a14="http://schemas.microsoft.com/office/drawing/2010/main" val="0"/>
               </a:ext>
             </a:extLst>
           </a:blip>
-          <a:srcRect t="482" r="20779" b="13019"/>
-          <a:stretch/>
+          <a:stretch>
+            <a:fillRect/>
+          </a:stretch>
         </p:blipFill>
-        <p:spPr bwMode="auto">
-          <a:xfrm>
-            <a:off x="279400" y="1041023"/>
-            <a:ext cx="11543164" cy="5642800"/>
+        <p:spPr>
+          <a:xfrm>
+            <a:off x="1861566" y="5403232"/>
+            <a:ext cx="2000266" cy="886768"/>
+          </a:xfrm>
+          <a:prstGeom prst="rect">
+            <a:avLst/>
+          </a:prstGeom>
+        </p:spPr>
+      </p:pic>
+      <p:cxnSp>
+        <p:nvCxnSpPr>
+          <p:cNvPr id="16" name="Straight Connector 15"/>
+          <p:cNvCxnSpPr>
+            <a:endCxn id="3" idx="1"/>
+          </p:cNvCxnSpPr>
+          <p:nvPr/>
+        </p:nvCxnSpPr>
+        <p:spPr>
+          <a:xfrm flipV="1">
+            <a:off x="2861701" y="4983132"/>
+            <a:ext cx="0" cy="419932"/>
+          </a:xfrm>
+          <a:prstGeom prst="line">
+            <a:avLst/>
+          </a:prstGeom>
+          <a:ln w="19050">
+            <a:solidFill>
+              <a:schemeClr val="accent1">
+                <a:lumMod val="75000"/>
+              </a:schemeClr>
+            </a:solidFill>
+          </a:ln>
+        </p:spPr>
+        <p:style>
+          <a:lnRef idx="1">
+            <a:schemeClr val="accent1"/>
+          </a:lnRef>
+          <a:fillRef idx="0">
+            <a:schemeClr val="accent1"/>
+          </a:fillRef>
+          <a:effectRef idx="0">
+            <a:schemeClr val="accent1"/>
+          </a:effectRef>
+          <a:fontRef idx="minor">
+            <a:schemeClr val="tx1"/>
+          </a:fontRef>
+        </p:style>
+      </p:cxnSp>
+      <p:sp>
+        <p:nvSpPr>
+          <p:cNvPr id="18" name="TextBox 17"/>
+          <p:cNvSpPr txBox="1"/>
+          <p:nvPr/>
+        </p:nvSpPr>
+        <p:spPr>
+          <a:xfrm>
+            <a:off x="1582470" y="6290000"/>
+            <a:ext cx="2558458" cy="338554"/>
           </a:xfrm>
           <a:prstGeom prst="rect">
             <a:avLst/>
           </a:prstGeom>
           <a:noFill/>
-          <a:ln>
-            <a:noFill/>
+        </p:spPr>
+        <p:txBody>
+          <a:bodyPr wrap="square" rtlCol="0">
+            <a:spAutoFit/>
+          </a:bodyPr>
+          <a:lstStyle/>
+          <a:p>
+            <a:pPr algn="ctr"/>
+            <a:r>
+              <a:rPr lang="ru-RU" sz="1600" dirty="0" smtClean="0">
+                <a:latin typeface="Century Gothic" panose="020B0502020202020204" pitchFamily="34" charset="0"/>
+              </a:rPr>
+              <a:t>Кардридерный модуль</a:t>
+            </a:r>
+            <a:endParaRPr lang="en-US" sz="1600" dirty="0">
+              <a:latin typeface="Century Gothic" panose="020B0502020202020204" pitchFamily="34" charset="0"/>
+            </a:endParaRPr>
+          </a:p>
+        </p:txBody>
+      </p:sp>
+      <p:pic>
+        <p:nvPicPr>
+          <p:cNvPr id="19" name="Picture 18"/>
+          <p:cNvPicPr>
+            <a:picLocks noChangeAspect="1"/>
+          </p:cNvPicPr>
+          <p:nvPr/>
+        </p:nvPicPr>
+        <p:blipFill>
+          <a:blip r:embed="rId3"/>
+          <a:stretch>
+            <a:fillRect/>
+          </a:stretch>
+        </p:blipFill>
+        <p:spPr>
+          <a:xfrm>
+            <a:off x="5601338" y="2590737"/>
+            <a:ext cx="965498" cy="1020222"/>
+          </a:xfrm>
+          <a:prstGeom prst="rect">
+            <a:avLst/>
+          </a:prstGeom>
+        </p:spPr>
+      </p:pic>
+      <p:cxnSp>
+        <p:nvCxnSpPr>
+          <p:cNvPr id="20" name="Straight Connector 19"/>
+          <p:cNvCxnSpPr>
+            <a:endCxn id="19" idx="2"/>
+          </p:cNvCxnSpPr>
+          <p:nvPr/>
+        </p:nvCxnSpPr>
+        <p:spPr>
+          <a:xfrm flipH="1" flipV="1">
+            <a:off x="6084087" y="3610959"/>
+            <a:ext cx="2" cy="540221"/>
+          </a:xfrm>
+          <a:prstGeom prst="line">
+            <a:avLst/>
+          </a:prstGeom>
+          <a:ln w="19050">
+            <a:solidFill>
+              <a:schemeClr val="accent1">
+                <a:lumMod val="75000"/>
+              </a:schemeClr>
+            </a:solidFill>
           </a:ln>
-          <a:extLst>
-            <a:ext uri="{53640926-AAD7-44D8-BBD7-CCE9431645EC}">
-              <a14:shadowObscured xmlns:a14="http://schemas.microsoft.com/office/drawing/2010/main"/>
-            </a:ext>
-          </a:extLst>
+        </p:spPr>
+        <p:style>
+          <a:lnRef idx="1">
+            <a:schemeClr val="accent1"/>
+          </a:lnRef>
+          <a:fillRef idx="0">
+            <a:schemeClr val="accent1"/>
+          </a:fillRef>
+          <a:effectRef idx="0">
+            <a:schemeClr val="accent1"/>
+          </a:effectRef>
+          <a:fontRef idx="minor">
+            <a:schemeClr val="tx1"/>
+          </a:fontRef>
+        </p:style>
+      </p:cxnSp>
+      <p:pic>
+        <p:nvPicPr>
+          <p:cNvPr id="21" name="Picture 20">
+            <a:extLst>
+              <a:ext uri="{FF2B5EF4-FFF2-40B4-BE49-F238E27FC236}">
+                <a16:creationId xmlns:a16="http://schemas.microsoft.com/office/drawing/2014/main" id="{BD4D3E0E-E0E6-4F32-B612-650FDCFC76D0}"/>
+              </a:ext>
+            </a:extLst>
+          </p:cNvPr>
+          <p:cNvPicPr>
+            <a:picLocks noChangeAspect="1"/>
+          </p:cNvPicPr>
+          <p:nvPr/>
+        </p:nvPicPr>
+        <p:blipFill>
+          <a:blip r:embed="rId4">
+            <a:extLst>
+              <a:ext uri="{28A0092B-C50C-407E-A947-70E740481C1C}">
+                <a14:useLocalDpi xmlns:a14="http://schemas.microsoft.com/office/drawing/2010/main" val="0"/>
+              </a:ext>
+            </a:extLst>
+          </a:blip>
+          <a:stretch>
+            <a:fillRect/>
+          </a:stretch>
+        </p:blipFill>
+        <p:spPr>
+          <a:xfrm>
+            <a:off x="5083954" y="4148266"/>
+            <a:ext cx="2000266" cy="886768"/>
+          </a:xfrm>
+          <a:prstGeom prst="rect">
+            <a:avLst/>
+          </a:prstGeom>
         </p:spPr>
       </p:pic>
+      <p:sp>
+        <p:nvSpPr>
+          <p:cNvPr id="22" name="TextBox 21"/>
+          <p:cNvSpPr txBox="1"/>
+          <p:nvPr/>
+        </p:nvSpPr>
+        <p:spPr>
+          <a:xfrm>
+            <a:off x="5010462" y="2178706"/>
+            <a:ext cx="2147249" cy="338554"/>
+          </a:xfrm>
+          <a:prstGeom prst="rect">
+            <a:avLst/>
+          </a:prstGeom>
+          <a:noFill/>
+        </p:spPr>
+        <p:txBody>
+          <a:bodyPr wrap="square" rtlCol="0">
+            <a:spAutoFit/>
+          </a:bodyPr>
+          <a:lstStyle/>
+          <a:p>
+            <a:pPr algn="ctr"/>
+            <a:r>
+              <a:rPr lang="ru-RU" sz="1600" dirty="0" smtClean="0">
+                <a:latin typeface="Century Gothic" panose="020B0502020202020204" pitchFamily="34" charset="0"/>
+              </a:rPr>
+              <a:t>Управляющая ЭВМ</a:t>
+            </a:r>
+            <a:endParaRPr lang="en-US" sz="1600" dirty="0">
+              <a:latin typeface="Century Gothic" panose="020B0502020202020204" pitchFamily="34" charset="0"/>
+            </a:endParaRPr>
+          </a:p>
+        </p:txBody>
+      </p:sp>
+      <p:sp>
+        <p:nvSpPr>
+          <p:cNvPr id="23" name="TextBox 22"/>
+          <p:cNvSpPr txBox="1"/>
+          <p:nvPr/>
+        </p:nvSpPr>
+        <p:spPr>
+          <a:xfrm>
+            <a:off x="4804857" y="5072688"/>
+            <a:ext cx="2558458" cy="338554"/>
+          </a:xfrm>
+          <a:prstGeom prst="rect">
+            <a:avLst/>
+          </a:prstGeom>
+          <a:noFill/>
+        </p:spPr>
+        <p:txBody>
+          <a:bodyPr wrap="square" rtlCol="0">
+            <a:spAutoFit/>
+          </a:bodyPr>
+          <a:lstStyle/>
+          <a:p>
+            <a:pPr algn="ctr"/>
+            <a:r>
+              <a:rPr lang="ru-RU" sz="1600" dirty="0" smtClean="0">
+                <a:latin typeface="Century Gothic" panose="020B0502020202020204" pitchFamily="34" charset="0"/>
+              </a:rPr>
+              <a:t>Кардридерный модуль</a:t>
+            </a:r>
+            <a:endParaRPr lang="en-US" sz="1600" dirty="0">
+              <a:latin typeface="Century Gothic" panose="020B0502020202020204" pitchFamily="34" charset="0"/>
+            </a:endParaRPr>
+          </a:p>
+        </p:txBody>
+      </p:sp>
+      <p:pic>
+        <p:nvPicPr>
+          <p:cNvPr id="24" name="Picture 23">
+            <a:extLst>
+              <a:ext uri="{FF2B5EF4-FFF2-40B4-BE49-F238E27FC236}">
+                <a16:creationId xmlns:a16="http://schemas.microsoft.com/office/drawing/2014/main" id="{BD4D3E0E-E0E6-4F32-B612-650FDCFC76D0}"/>
+              </a:ext>
+            </a:extLst>
+          </p:cNvPr>
+          <p:cNvPicPr>
+            <a:picLocks noChangeAspect="1"/>
+          </p:cNvPicPr>
+          <p:nvPr/>
+        </p:nvPicPr>
+        <p:blipFill>
+          <a:blip r:embed="rId4">
+            <a:extLst>
+              <a:ext uri="{28A0092B-C50C-407E-A947-70E740481C1C}">
+                <a14:useLocalDpi xmlns:a14="http://schemas.microsoft.com/office/drawing/2010/main" val="0"/>
+              </a:ext>
+            </a:extLst>
+          </a:blip>
+          <a:stretch>
+            <a:fillRect/>
+          </a:stretch>
+        </p:blipFill>
+        <p:spPr>
+          <a:xfrm>
+            <a:off x="8697633" y="2716013"/>
+            <a:ext cx="2000266" cy="886768"/>
+          </a:xfrm>
+          <a:prstGeom prst="rect">
+            <a:avLst/>
+          </a:prstGeom>
+        </p:spPr>
+      </p:pic>
+      <p:cxnSp>
+        <p:nvCxnSpPr>
+          <p:cNvPr id="25" name="Straight Connector 24"/>
+          <p:cNvCxnSpPr/>
+          <p:nvPr/>
+        </p:nvCxnSpPr>
+        <p:spPr>
+          <a:xfrm flipH="1" flipV="1">
+            <a:off x="9749849" y="2178706"/>
+            <a:ext cx="1" cy="537307"/>
+          </a:xfrm>
+          <a:prstGeom prst="line">
+            <a:avLst/>
+          </a:prstGeom>
+          <a:ln w="19050">
+            <a:solidFill>
+              <a:schemeClr val="accent1">
+                <a:lumMod val="75000"/>
+              </a:schemeClr>
+            </a:solidFill>
+          </a:ln>
+        </p:spPr>
+        <p:style>
+          <a:lnRef idx="1">
+            <a:schemeClr val="accent1"/>
+          </a:lnRef>
+          <a:fillRef idx="0">
+            <a:schemeClr val="accent1"/>
+          </a:fillRef>
+          <a:effectRef idx="0">
+            <a:schemeClr val="accent1"/>
+          </a:effectRef>
+          <a:fontRef idx="minor">
+            <a:schemeClr val="tx1"/>
+          </a:fontRef>
+        </p:style>
+      </p:cxnSp>
+      <p:cxnSp>
+        <p:nvCxnSpPr>
+          <p:cNvPr id="26" name="Straight Connector 25"/>
+          <p:cNvCxnSpPr>
+            <a:stCxn id="29" idx="0"/>
+          </p:cNvCxnSpPr>
+          <p:nvPr/>
+        </p:nvCxnSpPr>
+        <p:spPr>
+          <a:xfrm flipV="1">
+            <a:off x="8535711" y="3591404"/>
+            <a:ext cx="562248" cy="526776"/>
+          </a:xfrm>
+          <a:prstGeom prst="line">
+            <a:avLst/>
+          </a:prstGeom>
+          <a:ln w="19050">
+            <a:solidFill>
+              <a:schemeClr val="accent1">
+                <a:lumMod val="75000"/>
+              </a:schemeClr>
+            </a:solidFill>
+          </a:ln>
+        </p:spPr>
+        <p:style>
+          <a:lnRef idx="1">
+            <a:schemeClr val="accent1"/>
+          </a:lnRef>
+          <a:fillRef idx="0">
+            <a:schemeClr val="accent1"/>
+          </a:fillRef>
+          <a:effectRef idx="0">
+            <a:schemeClr val="accent1"/>
+          </a:effectRef>
+          <a:fontRef idx="minor">
+            <a:schemeClr val="tx1"/>
+          </a:fontRef>
+        </p:style>
+      </p:cxnSp>
+      <p:cxnSp>
+        <p:nvCxnSpPr>
+          <p:cNvPr id="27" name="Straight Connector 26"/>
+          <p:cNvCxnSpPr/>
+          <p:nvPr/>
+        </p:nvCxnSpPr>
+        <p:spPr>
+          <a:xfrm flipH="1" flipV="1">
+            <a:off x="9706069" y="3591404"/>
+            <a:ext cx="1" cy="537307"/>
+          </a:xfrm>
+          <a:prstGeom prst="line">
+            <a:avLst/>
+          </a:prstGeom>
+          <a:ln w="19050">
+            <a:solidFill>
+              <a:schemeClr val="accent1">
+                <a:lumMod val="75000"/>
+              </a:schemeClr>
+            </a:solidFill>
+          </a:ln>
+        </p:spPr>
+        <p:style>
+          <a:lnRef idx="1">
+            <a:schemeClr val="accent1"/>
+          </a:lnRef>
+          <a:fillRef idx="0">
+            <a:schemeClr val="accent1"/>
+          </a:fillRef>
+          <a:effectRef idx="0">
+            <a:schemeClr val="accent1"/>
+          </a:effectRef>
+          <a:fontRef idx="minor">
+            <a:schemeClr val="tx1"/>
+          </a:fontRef>
+        </p:style>
+      </p:cxnSp>
+      <p:cxnSp>
+        <p:nvCxnSpPr>
+          <p:cNvPr id="28" name="Straight Connector 27"/>
+          <p:cNvCxnSpPr>
+            <a:stCxn id="37" idx="0"/>
+          </p:cNvCxnSpPr>
+          <p:nvPr/>
+        </p:nvCxnSpPr>
+        <p:spPr>
+          <a:xfrm flipH="1" flipV="1">
+            <a:off x="10314180" y="3591404"/>
+            <a:ext cx="562247" cy="526776"/>
+          </a:xfrm>
+          <a:prstGeom prst="line">
+            <a:avLst/>
+          </a:prstGeom>
+          <a:ln w="19050">
+            <a:solidFill>
+              <a:schemeClr val="accent1">
+                <a:lumMod val="75000"/>
+              </a:schemeClr>
+            </a:solidFill>
+          </a:ln>
+        </p:spPr>
+        <p:style>
+          <a:lnRef idx="1">
+            <a:schemeClr val="accent1"/>
+          </a:lnRef>
+          <a:fillRef idx="0">
+            <a:schemeClr val="accent1"/>
+          </a:fillRef>
+          <a:effectRef idx="0">
+            <a:schemeClr val="accent1"/>
+          </a:effectRef>
+          <a:fontRef idx="minor">
+            <a:schemeClr val="tx1"/>
+          </a:fontRef>
+        </p:style>
+      </p:cxnSp>
+      <p:pic>
+        <p:nvPicPr>
+          <p:cNvPr id="29" name="Picture 28">
+            <a:extLst>
+              <a:ext uri="{FF2B5EF4-FFF2-40B4-BE49-F238E27FC236}">
+                <a16:creationId xmlns:a16="http://schemas.microsoft.com/office/drawing/2014/main" id="{723E8D1F-D839-4A4B-B861-F9F72C4136AF}"/>
+              </a:ext>
+            </a:extLst>
+          </p:cNvPr>
+          <p:cNvPicPr>
+            <a:picLocks noChangeAspect="1"/>
+          </p:cNvPicPr>
+          <p:nvPr/>
+        </p:nvPicPr>
+        <p:blipFill>
+          <a:blip r:embed="rId5" cstate="print">
+            <a:extLst>
+              <a:ext uri="{28A0092B-C50C-407E-A947-70E740481C1C}">
+                <a14:useLocalDpi xmlns:a14="http://schemas.microsoft.com/office/drawing/2010/main" val="0"/>
+              </a:ext>
+            </a:extLst>
+          </a:blip>
+          <a:stretch>
+            <a:fillRect/>
+          </a:stretch>
+        </p:blipFill>
+        <p:spPr>
+          <a:xfrm>
+            <a:off x="8214886" y="4118180"/>
+            <a:ext cx="641650" cy="1276546"/>
+          </a:xfrm>
+          <a:prstGeom prst="rect">
+            <a:avLst/>
+          </a:prstGeom>
+        </p:spPr>
+      </p:pic>
+      <p:pic>
+        <p:nvPicPr>
+          <p:cNvPr id="31" name="Picture 30">
+            <a:extLst>
+              <a:ext uri="{FF2B5EF4-FFF2-40B4-BE49-F238E27FC236}">
+                <a16:creationId xmlns:a16="http://schemas.microsoft.com/office/drawing/2014/main" id="{723E8D1F-D839-4A4B-B861-F9F72C4136AF}"/>
+              </a:ext>
+            </a:extLst>
+          </p:cNvPr>
+          <p:cNvPicPr>
+            <a:picLocks noChangeAspect="1"/>
+          </p:cNvPicPr>
+          <p:nvPr/>
+        </p:nvPicPr>
+        <p:blipFill>
+          <a:blip r:embed="rId5" cstate="print">
+            <a:extLst>
+              <a:ext uri="{28A0092B-C50C-407E-A947-70E740481C1C}">
+                <a14:useLocalDpi xmlns:a14="http://schemas.microsoft.com/office/drawing/2010/main" val="0"/>
+              </a:ext>
+            </a:extLst>
+          </a:blip>
+          <a:stretch>
+            <a:fillRect/>
+          </a:stretch>
+        </p:blipFill>
+        <p:spPr>
+          <a:xfrm>
+            <a:off x="9385244" y="4125786"/>
+            <a:ext cx="641650" cy="1276546"/>
+          </a:xfrm>
+          <a:prstGeom prst="rect">
+            <a:avLst/>
+          </a:prstGeom>
+        </p:spPr>
+      </p:pic>
+      <p:pic>
+        <p:nvPicPr>
+          <p:cNvPr id="37" name="Picture 36">
+            <a:extLst>
+              <a:ext uri="{FF2B5EF4-FFF2-40B4-BE49-F238E27FC236}">
+                <a16:creationId xmlns:a16="http://schemas.microsoft.com/office/drawing/2014/main" id="{723E8D1F-D839-4A4B-B861-F9F72C4136AF}"/>
+              </a:ext>
+            </a:extLst>
+          </p:cNvPr>
+          <p:cNvPicPr>
+            <a:picLocks noChangeAspect="1"/>
+          </p:cNvPicPr>
+          <p:nvPr/>
+        </p:nvPicPr>
+        <p:blipFill>
+          <a:blip r:embed="rId5" cstate="print">
+            <a:extLst>
+              <a:ext uri="{28A0092B-C50C-407E-A947-70E740481C1C}">
+                <a14:useLocalDpi xmlns:a14="http://schemas.microsoft.com/office/drawing/2010/main" val="0"/>
+              </a:ext>
+            </a:extLst>
+          </a:blip>
+          <a:stretch>
+            <a:fillRect/>
+          </a:stretch>
+        </p:blipFill>
+        <p:spPr>
+          <a:xfrm>
+            <a:off x="10555602" y="4118180"/>
+            <a:ext cx="641650" cy="1276546"/>
+          </a:xfrm>
+          <a:prstGeom prst="rect">
+            <a:avLst/>
+          </a:prstGeom>
+        </p:spPr>
+      </p:pic>
+      <p:sp>
+        <p:nvSpPr>
+          <p:cNvPr id="51" name="Cloud 50"/>
+          <p:cNvSpPr/>
+          <p:nvPr/>
+        </p:nvSpPr>
+        <p:spPr>
+          <a:xfrm>
+            <a:off x="8535711" y="1049835"/>
+            <a:ext cx="2340716" cy="1128871"/>
+          </a:xfrm>
+          <a:prstGeom prst="cloud">
+            <a:avLst/>
+          </a:prstGeom>
+          <a:solidFill>
+            <a:schemeClr val="bg1"/>
+          </a:solidFill>
+        </p:spPr>
+        <p:style>
+          <a:lnRef idx="2">
+            <a:schemeClr val="accent1">
+              <a:shade val="50000"/>
+            </a:schemeClr>
+          </a:lnRef>
+          <a:fillRef idx="1">
+            <a:schemeClr val="accent1"/>
+          </a:fillRef>
+          <a:effectRef idx="0">
+            <a:schemeClr val="accent1"/>
+          </a:effectRef>
+          <a:fontRef idx="minor">
+            <a:schemeClr val="lt1"/>
+          </a:fontRef>
+        </p:style>
+        <p:txBody>
+          <a:bodyPr rtlCol="0" anchor="ctr"/>
+          <a:lstStyle/>
+          <a:p>
+            <a:pPr algn="ctr"/>
+            <a:endParaRPr lang="en-US"/>
+          </a:p>
+        </p:txBody>
+      </p:sp>
+      <p:sp>
+        <p:nvSpPr>
+          <p:cNvPr id="52" name="TextBox 51"/>
+          <p:cNvSpPr txBox="1"/>
+          <p:nvPr/>
+        </p:nvSpPr>
+        <p:spPr>
+          <a:xfrm>
+            <a:off x="9897348" y="2363371"/>
+            <a:ext cx="1455817" cy="307777"/>
+          </a:xfrm>
+          <a:prstGeom prst="rect">
+            <a:avLst/>
+          </a:prstGeom>
+          <a:noFill/>
+        </p:spPr>
+        <p:txBody>
+          <a:bodyPr wrap="square" rtlCol="0">
+            <a:spAutoFit/>
+          </a:bodyPr>
+          <a:lstStyle/>
+          <a:p>
+            <a:pPr algn="ctr"/>
+            <a:r>
+              <a:rPr lang="ru-RU" sz="1400" dirty="0" smtClean="0">
+                <a:latin typeface="Century Gothic" panose="020B0502020202020204" pitchFamily="34" charset="0"/>
+              </a:rPr>
+              <a:t>192.168.0.80</a:t>
+            </a:r>
+            <a:endParaRPr lang="en-US" sz="1400" dirty="0">
+              <a:latin typeface="Century Gothic" panose="020B0502020202020204" pitchFamily="34" charset="0"/>
+            </a:endParaRPr>
+          </a:p>
+        </p:txBody>
+      </p:sp>
+      <p:sp>
+        <p:nvSpPr>
+          <p:cNvPr id="53" name="TextBox 52"/>
+          <p:cNvSpPr txBox="1"/>
+          <p:nvPr/>
+        </p:nvSpPr>
+        <p:spPr>
+          <a:xfrm>
+            <a:off x="7902706" y="5846616"/>
+            <a:ext cx="1244079" cy="307777"/>
+          </a:xfrm>
+          <a:prstGeom prst="rect">
+            <a:avLst/>
+          </a:prstGeom>
+          <a:noFill/>
+        </p:spPr>
+        <p:txBody>
+          <a:bodyPr wrap="square" rtlCol="0">
+            <a:spAutoFit/>
+          </a:bodyPr>
+          <a:lstStyle/>
+          <a:p>
+            <a:pPr algn="ctr"/>
+            <a:r>
+              <a:rPr lang="ru-RU" sz="1400" dirty="0" smtClean="0">
+                <a:latin typeface="Century Gothic" panose="020B0502020202020204" pitchFamily="34" charset="0"/>
+              </a:rPr>
+              <a:t>192.168.0.81</a:t>
+            </a:r>
+            <a:endParaRPr lang="en-US" sz="1400" dirty="0">
+              <a:latin typeface="Century Gothic" panose="020B0502020202020204" pitchFamily="34" charset="0"/>
+            </a:endParaRPr>
+          </a:p>
+        </p:txBody>
+      </p:sp>
+      <p:sp>
+        <p:nvSpPr>
+          <p:cNvPr id="54" name="TextBox 53"/>
+          <p:cNvSpPr txBox="1"/>
+          <p:nvPr/>
+        </p:nvSpPr>
+        <p:spPr>
+          <a:xfrm>
+            <a:off x="9090241" y="5846616"/>
+            <a:ext cx="1231655" cy="307777"/>
+          </a:xfrm>
+          <a:prstGeom prst="rect">
+            <a:avLst/>
+          </a:prstGeom>
+          <a:noFill/>
+        </p:spPr>
+        <p:txBody>
+          <a:bodyPr wrap="square" rtlCol="0">
+            <a:spAutoFit/>
+          </a:bodyPr>
+          <a:lstStyle/>
+          <a:p>
+            <a:pPr algn="ctr"/>
+            <a:r>
+              <a:rPr lang="ru-RU" sz="1400" dirty="0" smtClean="0">
+                <a:latin typeface="Century Gothic" panose="020B0502020202020204" pitchFamily="34" charset="0"/>
+              </a:rPr>
+              <a:t>192.168.0.82</a:t>
+            </a:r>
+            <a:endParaRPr lang="en-US" sz="1400" dirty="0">
+              <a:latin typeface="Century Gothic" panose="020B0502020202020204" pitchFamily="34" charset="0"/>
+            </a:endParaRPr>
+          </a:p>
+        </p:txBody>
+      </p:sp>
+      <p:sp>
+        <p:nvSpPr>
+          <p:cNvPr id="55" name="TextBox 54"/>
+          <p:cNvSpPr txBox="1"/>
+          <p:nvPr/>
+        </p:nvSpPr>
+        <p:spPr>
+          <a:xfrm>
+            <a:off x="8022300" y="5542255"/>
+            <a:ext cx="1025850" cy="338554"/>
+          </a:xfrm>
+          <a:prstGeom prst="rect">
+            <a:avLst/>
+          </a:prstGeom>
+          <a:noFill/>
+        </p:spPr>
+        <p:txBody>
+          <a:bodyPr wrap="square" rtlCol="0">
+            <a:spAutoFit/>
+          </a:bodyPr>
+          <a:lstStyle/>
+          <a:p>
+            <a:pPr algn="ctr"/>
+            <a:r>
+              <a:rPr lang="ru-RU" sz="1600" dirty="0">
+                <a:latin typeface="Century Gothic" panose="020B0502020202020204" pitchFamily="34" charset="0"/>
+              </a:rPr>
+              <a:t>р</a:t>
+            </a:r>
+            <a:r>
+              <a:rPr lang="ru-RU" sz="1600" dirty="0" smtClean="0">
+                <a:latin typeface="Century Gothic" panose="020B0502020202020204" pitchFamily="34" charset="0"/>
+              </a:rPr>
+              <a:t>идер 1</a:t>
+            </a:r>
+            <a:endParaRPr lang="en-US" sz="1600" dirty="0">
+              <a:latin typeface="Century Gothic" panose="020B0502020202020204" pitchFamily="34" charset="0"/>
+            </a:endParaRPr>
+          </a:p>
+        </p:txBody>
+      </p:sp>
+      <p:sp>
+        <p:nvSpPr>
+          <p:cNvPr id="56" name="TextBox 55"/>
+          <p:cNvSpPr txBox="1"/>
+          <p:nvPr/>
+        </p:nvSpPr>
+        <p:spPr>
+          <a:xfrm>
+            <a:off x="9174423" y="5542255"/>
+            <a:ext cx="1063289" cy="338554"/>
+          </a:xfrm>
+          <a:prstGeom prst="rect">
+            <a:avLst/>
+          </a:prstGeom>
+          <a:noFill/>
+        </p:spPr>
+        <p:txBody>
+          <a:bodyPr wrap="square" rtlCol="0">
+            <a:spAutoFit/>
+          </a:bodyPr>
+          <a:lstStyle/>
+          <a:p>
+            <a:pPr algn="ctr"/>
+            <a:r>
+              <a:rPr lang="ru-RU" sz="1600" dirty="0">
+                <a:latin typeface="Century Gothic" panose="020B0502020202020204" pitchFamily="34" charset="0"/>
+              </a:rPr>
+              <a:t>р</a:t>
+            </a:r>
+            <a:r>
+              <a:rPr lang="ru-RU" sz="1600" dirty="0" smtClean="0">
+                <a:latin typeface="Century Gothic" panose="020B0502020202020204" pitchFamily="34" charset="0"/>
+              </a:rPr>
+              <a:t>идер 2</a:t>
+            </a:r>
+            <a:endParaRPr lang="en-US" sz="1600" dirty="0">
+              <a:latin typeface="Century Gothic" panose="020B0502020202020204" pitchFamily="34" charset="0"/>
+            </a:endParaRPr>
+          </a:p>
+        </p:txBody>
+      </p:sp>
+      <p:sp>
+        <p:nvSpPr>
+          <p:cNvPr id="57" name="TextBox 56"/>
+          <p:cNvSpPr txBox="1"/>
+          <p:nvPr/>
+        </p:nvSpPr>
+        <p:spPr>
+          <a:xfrm>
+            <a:off x="10265350" y="5841072"/>
+            <a:ext cx="1571853" cy="307777"/>
+          </a:xfrm>
+          <a:prstGeom prst="rect">
+            <a:avLst/>
+          </a:prstGeom>
+          <a:noFill/>
+        </p:spPr>
+        <p:txBody>
+          <a:bodyPr wrap="square" rtlCol="0">
+            <a:spAutoFit/>
+          </a:bodyPr>
+          <a:lstStyle/>
+          <a:p>
+            <a:pPr algn="ctr"/>
+            <a:r>
+              <a:rPr lang="ru-RU" sz="1400" dirty="0" smtClean="0">
+                <a:latin typeface="Century Gothic" panose="020B0502020202020204" pitchFamily="34" charset="0"/>
+              </a:rPr>
+              <a:t>192.168.0.(80+</a:t>
+            </a:r>
+            <a:r>
+              <a:rPr lang="en-US" sz="1400" dirty="0" smtClean="0">
+                <a:latin typeface="Century Gothic" panose="020B0502020202020204" pitchFamily="34" charset="0"/>
+              </a:rPr>
+              <a:t>n)</a:t>
+            </a:r>
+            <a:endParaRPr lang="en-US" sz="1400" dirty="0">
+              <a:latin typeface="Century Gothic" panose="020B0502020202020204" pitchFamily="34" charset="0"/>
+            </a:endParaRPr>
+          </a:p>
+        </p:txBody>
+      </p:sp>
+      <p:sp>
+        <p:nvSpPr>
+          <p:cNvPr id="58" name="TextBox 57"/>
+          <p:cNvSpPr txBox="1"/>
+          <p:nvPr/>
+        </p:nvSpPr>
+        <p:spPr>
+          <a:xfrm>
+            <a:off x="10367457" y="5542255"/>
+            <a:ext cx="1025850" cy="338554"/>
+          </a:xfrm>
+          <a:prstGeom prst="rect">
+            <a:avLst/>
+          </a:prstGeom>
+          <a:noFill/>
+        </p:spPr>
+        <p:txBody>
+          <a:bodyPr wrap="square" rtlCol="0">
+            <a:spAutoFit/>
+          </a:bodyPr>
+          <a:lstStyle/>
+          <a:p>
+            <a:pPr algn="ctr"/>
+            <a:r>
+              <a:rPr lang="ru-RU" sz="1600" dirty="0">
+                <a:latin typeface="Century Gothic" panose="020B0502020202020204" pitchFamily="34" charset="0"/>
+              </a:rPr>
+              <a:t>р</a:t>
+            </a:r>
+            <a:r>
+              <a:rPr lang="ru-RU" sz="1600" dirty="0" smtClean="0">
+                <a:latin typeface="Century Gothic" panose="020B0502020202020204" pitchFamily="34" charset="0"/>
+              </a:rPr>
+              <a:t>идер </a:t>
+            </a:r>
+            <a:r>
+              <a:rPr lang="en-US" sz="1600" dirty="0" smtClean="0">
+                <a:latin typeface="Century Gothic" panose="020B0502020202020204" pitchFamily="34" charset="0"/>
+              </a:rPr>
+              <a:t>n</a:t>
+            </a:r>
+            <a:endParaRPr lang="en-US" sz="1600" dirty="0">
+              <a:latin typeface="Century Gothic" panose="020B0502020202020204" pitchFamily="34" charset="0"/>
+            </a:endParaRPr>
+          </a:p>
+        </p:txBody>
+      </p:sp>
     </p:spTree>
     <p:extLst>
       <p:ext uri="{BB962C8B-B14F-4D97-AF65-F5344CB8AC3E}">
-        <p14:creationId xmlns:p14="http://schemas.microsoft.com/office/powerpoint/2010/main" val="4170016583"/>
+        <p14:creationId xmlns:p14="http://schemas.microsoft.com/office/powerpoint/2010/main" val="3082423207"/>
       </p:ext>
     </p:extLst>
   </p:cSld>
@@ -6930,7 +6271,7 @@
         </p:nvSpPr>
         <p:spPr>
           <a:xfrm>
-            <a:off x="3534770" y="450376"/>
+            <a:off x="2906973" y="436728"/>
             <a:ext cx="184731" cy="369332"/>
           </a:xfrm>
           <a:prstGeom prst="rect">
@@ -6956,8 +6297,8 @@
         </p:nvSpPr>
         <p:spPr>
           <a:xfrm>
-            <a:off x="3351507" y="82785"/>
-            <a:ext cx="5489002" cy="707886"/>
+            <a:off x="1355767" y="168153"/>
+            <a:ext cx="9480480" cy="646331"/>
           </a:xfrm>
           <a:prstGeom prst="rect">
             <a:avLst/>
@@ -6972,7 +6313,7 @@
           <a:p>
             <a:pPr algn="ctr"/>
             <a:r>
-              <a:rPr lang="ru-RU" sz="4000" dirty="0" smtClean="0">
+              <a:rPr lang="ru-RU" sz="3600" dirty="0" smtClean="0">
                 <a:solidFill>
                   <a:schemeClr val="bg1">
                     <a:lumMod val="95000"/>
@@ -6987,9 +6328,9 @@
                 </a:effectLst>
                 <a:latin typeface="Century Gothic" panose="020B0502020202020204" pitchFamily="34" charset="0"/>
               </a:rPr>
-              <a:t>Структурная модель</a:t>
-            </a:r>
-            <a:endParaRPr lang="ru-RU" sz="4000" dirty="0">
+              <a:t>Схема взаимодействия с эмбоссером</a:t>
+            </a:r>
+            <a:endParaRPr lang="ru-RU" sz="3600" dirty="0">
               <a:solidFill>
                 <a:schemeClr val="bg1">
                   <a:lumMod val="95000"/>
@@ -7007,10 +6348,54 @@
           </a:p>
         </p:txBody>
       </p:sp>
+      <p:sp>
+        <p:nvSpPr>
+          <p:cNvPr id="8" name="Прямоугольник 7"/>
+          <p:cNvSpPr/>
+          <p:nvPr/>
+        </p:nvSpPr>
+        <p:spPr>
+          <a:xfrm>
+            <a:off x="109183" y="1041023"/>
+            <a:ext cx="12082817" cy="586314"/>
+          </a:xfrm>
+          <a:prstGeom prst="rect">
+            <a:avLst/>
+          </a:prstGeom>
+        </p:spPr>
+        <p:txBody>
+          <a:bodyPr wrap="square">
+            <a:spAutoFit/>
+          </a:bodyPr>
+          <a:lstStyle/>
+          <a:p>
+            <a:pPr algn="just">
+              <a:lnSpc>
+                <a:spcPct val="150000"/>
+              </a:lnSpc>
+            </a:pPr>
+            <a:r>
+              <a:rPr lang="ru-RU" sz="2400" dirty="0" smtClean="0"/>
+              <a:t>	</a:t>
+            </a:r>
+            <a:endParaRPr lang="ru-RU" sz="2000" dirty="0">
+              <a:latin typeface="Century Gothic" panose="020B0502020202020204" pitchFamily="34" charset="0"/>
+            </a:endParaRPr>
+          </a:p>
+        </p:txBody>
+      </p:sp>
       <p:pic>
         <p:nvPicPr>
-          <p:cNvPr id="8" name="Рисунок 7" descr="F:\Магистратура\Диплом\GE_модули.jpg"/>
-          <p:cNvPicPr/>
+          <p:cNvPr id="9" name="Picture 8">
+            <a:extLst>
+              <a:ext uri="{FF2B5EF4-FFF2-40B4-BE49-F238E27FC236}">
+                <a16:creationId xmlns:a16="http://schemas.microsoft.com/office/drawing/2014/main" id="{A90822A2-AF19-425B-8F76-10DB171CCACF}"/>
+              </a:ext>
+            </a:extLst>
+          </p:cNvPr>
+          <p:cNvPicPr>
+            <a:picLocks noChangeAspect="1"/>
+          </p:cNvPicPr>
           <p:nvPr/>
         </p:nvPicPr>
         <p:blipFill>
@@ -7021,29 +6406,103 @@
               </a:ext>
             </a:extLst>
           </a:blip>
-          <a:srcRect/>
           <a:stretch>
             <a:fillRect/>
           </a:stretch>
         </p:blipFill>
-        <p:spPr bwMode="auto">
-          <a:xfrm>
-            <a:off x="2941932" y="982639"/>
-            <a:ext cx="6662466" cy="5792576"/>
+        <p:spPr>
+          <a:xfrm>
+            <a:off x="974866" y="2857499"/>
+            <a:ext cx="1496533" cy="1562459"/>
+          </a:xfrm>
+          <a:prstGeom prst="rect">
+            <a:avLst/>
+          </a:prstGeom>
+        </p:spPr>
+      </p:pic>
+      <p:sp>
+        <p:nvSpPr>
+          <p:cNvPr id="11" name="TextBox 10"/>
+          <p:cNvSpPr txBox="1"/>
+          <p:nvPr/>
+        </p:nvSpPr>
+        <p:spPr>
+          <a:xfrm>
+            <a:off x="109183" y="4419958"/>
+            <a:ext cx="3227900" cy="646331"/>
           </a:xfrm>
           <a:prstGeom prst="rect">
             <a:avLst/>
           </a:prstGeom>
           <a:noFill/>
-          <a:ln>
-            <a:noFill/>
-          </a:ln>
+        </p:spPr>
+        <p:txBody>
+          <a:bodyPr wrap="square" rtlCol="0">
+            <a:spAutoFit/>
+          </a:bodyPr>
+          <a:lstStyle/>
+          <a:p>
+            <a:r>
+              <a:rPr lang="ru-RU" dirty="0" smtClean="0">
+                <a:latin typeface="Century Gothic" panose="020B0502020202020204" pitchFamily="34" charset="0"/>
+              </a:rPr>
+              <a:t>Вызывающее приложение </a:t>
+            </a:r>
+          </a:p>
+          <a:p>
+            <a:pPr algn="ctr"/>
+            <a:r>
+              <a:rPr lang="ru-RU" dirty="0" smtClean="0">
+                <a:latin typeface="Century Gothic" panose="020B0502020202020204" pitchFamily="34" charset="0"/>
+              </a:rPr>
+              <a:t>с драйвером</a:t>
+            </a:r>
+            <a:endParaRPr lang="en-US" dirty="0">
+              <a:latin typeface="Century Gothic" panose="020B0502020202020204" pitchFamily="34" charset="0"/>
+            </a:endParaRPr>
+          </a:p>
+        </p:txBody>
+      </p:sp>
+      <p:pic>
+        <p:nvPicPr>
+          <p:cNvPr id="12" name="Picture 11">
+            <a:extLst>
+              <a:ext uri="{FF2B5EF4-FFF2-40B4-BE49-F238E27FC236}">
+                <a16:creationId xmlns:a16="http://schemas.microsoft.com/office/drawing/2014/main" id="{496E22DE-4516-4074-B8C8-B7A50F6B2AED}"/>
+              </a:ext>
+            </a:extLst>
+          </p:cNvPr>
+          <p:cNvPicPr>
+            <a:picLocks noChangeAspect="1"/>
+          </p:cNvPicPr>
+          <p:nvPr/>
+        </p:nvPicPr>
+        <p:blipFill>
+          <a:blip r:embed="rId4">
+            <a:extLst>
+              <a:ext uri="{28A0092B-C50C-407E-A947-70E740481C1C}">
+                <a14:useLocalDpi xmlns:a14="http://schemas.microsoft.com/office/drawing/2010/main" val="0"/>
+              </a:ext>
+            </a:extLst>
+          </a:blip>
+          <a:stretch>
+            <a:fillRect/>
+          </a:stretch>
+        </p:blipFill>
+        <p:spPr>
+          <a:xfrm>
+            <a:off x="5333342" y="1531013"/>
+            <a:ext cx="1525315" cy="1170285"/>
+          </a:xfrm>
+          <a:prstGeom prst="rect">
+            <a:avLst/>
+          </a:prstGeom>
         </p:spPr>
       </p:pic>
     </p:spTree>
     <p:extLst>
       <p:ext uri="{BB962C8B-B14F-4D97-AF65-F5344CB8AC3E}">
-        <p14:creationId xmlns:p14="http://schemas.microsoft.com/office/powerpoint/2010/main" val="2776416030"/>
+        <p14:creationId xmlns:p14="http://schemas.microsoft.com/office/powerpoint/2010/main" val="4170016583"/>
       </p:ext>
     </p:extLst>
   </p:cSld>
@@ -7053,7 +6512,75 @@
   <p:timing>
     <p:tnLst>
       <p:par>
-        <p:cTn id="1" dur="indefinite" restart="never" nodeType="tmRoot"/>
+        <p:cTn id="1" dur="indefinite" restart="never" nodeType="tmRoot">
+          <p:childTnLst>
+            <p:seq concurrent="1" nextAc="seek">
+              <p:cTn id="2" dur="indefinite" nodeType="mainSeq">
+                <p:childTnLst>
+                  <p:par>
+                    <p:cTn id="3" fill="hold">
+                      <p:stCondLst>
+                        <p:cond delay="indefinite"/>
+                      </p:stCondLst>
+                      <p:childTnLst>
+                        <p:par>
+                          <p:cTn id="4" fill="hold">
+                            <p:stCondLst>
+                              <p:cond delay="0"/>
+                            </p:stCondLst>
+                            <p:childTnLst>
+                              <p:par>
+                                <p:cTn id="5" presetID="1" presetClass="entr" presetSubtype="0" fill="hold" nodeType="clickEffect">
+                                  <p:stCondLst>
+                                    <p:cond delay="0"/>
+                                  </p:stCondLst>
+                                  <p:childTnLst>
+                                    <p:set>
+                                      <p:cBhvr>
+                                        <p:cTn id="6" dur="1" fill="hold">
+                                          <p:stCondLst>
+                                            <p:cond delay="0"/>
+                                          </p:stCondLst>
+                                        </p:cTn>
+                                        <p:tgtEl>
+                                          <p:spTgt spid="12"/>
+                                        </p:tgtEl>
+                                        <p:attrNameLst>
+                                          <p:attrName>style.visibility</p:attrName>
+                                        </p:attrNameLst>
+                                      </p:cBhvr>
+                                      <p:to>
+                                        <p:strVal val="visible"/>
+                                      </p:to>
+                                    </p:set>
+                                  </p:childTnLst>
+                                </p:cTn>
+                              </p:par>
+                            </p:childTnLst>
+                          </p:cTn>
+                        </p:par>
+                      </p:childTnLst>
+                    </p:cTn>
+                  </p:par>
+                </p:childTnLst>
+              </p:cTn>
+              <p:prevCondLst>
+                <p:cond evt="onPrev" delay="0">
+                  <p:tgtEl>
+                    <p:sldTgt/>
+                  </p:tgtEl>
+                </p:cond>
+              </p:prevCondLst>
+              <p:nextCondLst>
+                <p:cond evt="onNext" delay="0">
+                  <p:tgtEl>
+                    <p:sldTgt/>
+                  </p:tgtEl>
+                </p:cond>
+              </p:nextCondLst>
+            </p:seq>
+          </p:childTnLst>
+        </p:cTn>
       </p:par>
     </p:tnLst>
   </p:timing>
@@ -7133,38 +6660,6 @@
       </p:pic>
       <p:sp>
         <p:nvSpPr>
-          <p:cNvPr id="4" name="Прямоугольник 3"/>
-          <p:cNvSpPr/>
-          <p:nvPr/>
-        </p:nvSpPr>
-        <p:spPr>
-          <a:xfrm>
-            <a:off x="354843" y="1187299"/>
-            <a:ext cx="11600596" cy="495457"/>
-          </a:xfrm>
-          <a:prstGeom prst="rect">
-            <a:avLst/>
-          </a:prstGeom>
-        </p:spPr>
-        <p:txBody>
-          <a:bodyPr wrap="square">
-            <a:spAutoFit/>
-          </a:bodyPr>
-          <a:lstStyle/>
-          <a:p>
-            <a:pPr algn="just">
-              <a:lnSpc>
-                <a:spcPct val="150000"/>
-              </a:lnSpc>
-            </a:pPr>
-            <a:endParaRPr lang="en-US" sz="2000" dirty="0">
-              <a:latin typeface="Century Gothic" panose="020B0502020202020204" pitchFamily="34" charset="0"/>
-            </a:endParaRPr>
-          </a:p>
-        </p:txBody>
-      </p:sp>
-      <p:sp>
-        <p:nvSpPr>
           <p:cNvPr id="5" name="TextBox 4"/>
           <p:cNvSpPr txBox="1"/>
           <p:nvPr/>
@@ -7197,8 +6692,8 @@
         </p:nvSpPr>
         <p:spPr>
           <a:xfrm>
-            <a:off x="2983615" y="82785"/>
-            <a:ext cx="6224781" cy="707886"/>
+            <a:off x="3351507" y="82785"/>
+            <a:ext cx="5489002" cy="707886"/>
           </a:xfrm>
           <a:prstGeom prst="rect">
             <a:avLst/>
@@ -7228,7 +6723,7 @@
                 </a:effectLst>
                 <a:latin typeface="Century Gothic" panose="020B0502020202020204" pitchFamily="34" charset="0"/>
               </a:rPr>
-              <a:t>Полученные результаты</a:t>
+              <a:t>Структурная модель</a:t>
             </a:r>
             <a:endParaRPr lang="ru-RU" sz="4000" dirty="0">
               <a:solidFill>
@@ -7248,175 +6743,43 @@
           </a:p>
         </p:txBody>
       </p:sp>
-      <p:sp>
-        <p:nvSpPr>
-          <p:cNvPr id="6" name="Прямоугольник 5"/>
-          <p:cNvSpPr/>
+      <p:pic>
+        <p:nvPicPr>
+          <p:cNvPr id="8" name="Рисунок 7" descr="F:\Магистратура\Диплом\GE_модули.jpg"/>
+          <p:cNvPicPr/>
           <p:nvPr/>
-        </p:nvSpPr>
-        <p:spPr>
-          <a:xfrm>
-            <a:off x="295702" y="1065424"/>
-            <a:ext cx="11600596" cy="5478423"/>
+        </p:nvPicPr>
+        <p:blipFill>
+          <a:blip r:embed="rId3">
+            <a:extLst>
+              <a:ext uri="{28A0092B-C50C-407E-A947-70E740481C1C}">
+                <a14:useLocalDpi xmlns:a14="http://schemas.microsoft.com/office/drawing/2010/main" val="0"/>
+              </a:ext>
+            </a:extLst>
+          </a:blip>
+          <a:srcRect/>
+          <a:stretch>
+            <a:fillRect/>
+          </a:stretch>
+        </p:blipFill>
+        <p:spPr bwMode="auto">
+          <a:xfrm>
+            <a:off x="2941932" y="982639"/>
+            <a:ext cx="6662466" cy="5792576"/>
           </a:xfrm>
           <a:prstGeom prst="rect">
             <a:avLst/>
           </a:prstGeom>
-        </p:spPr>
-        <p:txBody>
-          <a:bodyPr wrap="square">
-            <a:spAutoFit/>
-          </a:bodyPr>
-          <a:lstStyle/>
-          <a:p>
-            <a:pPr algn="just">
-              <a:lnSpc>
-                <a:spcPct val="150000"/>
-              </a:lnSpc>
-              <a:spcAft>
-                <a:spcPts val="600"/>
-              </a:spcAft>
-              <a:defRPr/>
-            </a:pPr>
-            <a:r>
-              <a:rPr lang="en-US" altLang="ru-RU" sz="1700" dirty="0" smtClean="0">
-                <a:latin typeface="Century Gothic" panose="020B0502020202020204" pitchFamily="34" charset="0"/>
-                <a:ea typeface="Calibri" panose="020F0502020204030204" pitchFamily="34" charset="0"/>
-                <a:cs typeface="Times New Roman" panose="02020603050405020304" pitchFamily="18" charset="0"/>
-              </a:rPr>
-              <a:t>	</a:t>
-            </a:r>
-            <a:r>
-              <a:rPr lang="ru-RU" altLang="ru-RU" sz="2000" dirty="0" smtClean="0">
-                <a:latin typeface="Century Gothic" panose="020B0502020202020204" pitchFamily="34" charset="0"/>
-                <a:ea typeface="Calibri" panose="020F0502020204030204" pitchFamily="34" charset="0"/>
-                <a:cs typeface="Times New Roman" panose="02020603050405020304" pitchFamily="18" charset="0"/>
-              </a:rPr>
-              <a:t>Использование автоматизированной системы мониторинга и управления технологическим процессом на ЛПЦ-4 ПАО «ММК» даст предприятию такие возможности как: </a:t>
-            </a:r>
-          </a:p>
-          <a:p>
-            <a:pPr marL="342900" indent="-342900" algn="just">
-              <a:lnSpc>
-                <a:spcPct val="150000"/>
-              </a:lnSpc>
-              <a:spcAft>
-                <a:spcPts val="600"/>
-              </a:spcAft>
-              <a:buFont typeface="Arial" panose="020B0604020202020204" pitchFamily="34" charset="0"/>
-              <a:buChar char="•"/>
-              <a:defRPr/>
-            </a:pPr>
-            <a:r>
-              <a:rPr lang="ru-RU" altLang="ru-RU" sz="2000" dirty="0" smtClean="0">
-                <a:latin typeface="Century Gothic" panose="020B0502020202020204" pitchFamily="34" charset="0"/>
-                <a:ea typeface="Calibri" panose="020F0502020204030204" pitchFamily="34" charset="0"/>
-                <a:cs typeface="Times New Roman" panose="02020603050405020304" pitchFamily="18" charset="0"/>
-              </a:rPr>
-              <a:t>Обеспечение </a:t>
-            </a:r>
-            <a:r>
-              <a:rPr lang="ru-RU" altLang="ru-RU" sz="2000" dirty="0">
-                <a:latin typeface="Century Gothic" panose="020B0502020202020204" pitchFamily="34" charset="0"/>
-                <a:ea typeface="Calibri" panose="020F0502020204030204" pitchFamily="34" charset="0"/>
-                <a:cs typeface="Times New Roman" panose="02020603050405020304" pitchFamily="18" charset="0"/>
-              </a:rPr>
-              <a:t>пользователей непрерывной, актуальной и оперативной </a:t>
-            </a:r>
-            <a:r>
-              <a:rPr lang="ru-RU" altLang="ru-RU" sz="2000" dirty="0" smtClean="0">
-                <a:latin typeface="Century Gothic" panose="020B0502020202020204" pitchFamily="34" charset="0"/>
-                <a:ea typeface="Calibri" panose="020F0502020204030204" pitchFamily="34" charset="0"/>
-                <a:cs typeface="Times New Roman" panose="02020603050405020304" pitchFamily="18" charset="0"/>
-              </a:rPr>
-              <a:t>информацией о данных технологического процесса производства;</a:t>
-            </a:r>
-          </a:p>
-          <a:p>
-            <a:pPr marL="342900" indent="-342900" algn="just">
-              <a:lnSpc>
-                <a:spcPct val="150000"/>
-              </a:lnSpc>
-              <a:spcAft>
-                <a:spcPts val="600"/>
-              </a:spcAft>
-              <a:buFont typeface="Arial" panose="020B0604020202020204" pitchFamily="34" charset="0"/>
-              <a:buChar char="•"/>
-              <a:defRPr/>
-            </a:pPr>
-            <a:r>
-              <a:rPr lang="ru-RU" altLang="ru-RU" sz="2000" dirty="0" smtClean="0">
-                <a:latin typeface="Century Gothic" panose="020B0502020202020204" pitchFamily="34" charset="0"/>
-                <a:ea typeface="Calibri" panose="020F0502020204030204" pitchFamily="34" charset="0"/>
-                <a:cs typeface="Times New Roman" panose="02020603050405020304" pitchFamily="18" charset="0"/>
-              </a:rPr>
-              <a:t>Возможность ввода и редактирования первичных данных при необходимости;</a:t>
-            </a:r>
-          </a:p>
-          <a:p>
-            <a:pPr marL="342900" indent="-342900" algn="just">
-              <a:lnSpc>
-                <a:spcPct val="150000"/>
-              </a:lnSpc>
-              <a:spcAft>
-                <a:spcPts val="600"/>
-              </a:spcAft>
-              <a:buFont typeface="Arial" panose="020B0604020202020204" pitchFamily="34" charset="0"/>
-              <a:buChar char="•"/>
-              <a:defRPr/>
-            </a:pPr>
-            <a:r>
-              <a:rPr lang="ru-RU" altLang="ru-RU" sz="2000" dirty="0" smtClean="0">
-                <a:latin typeface="Century Gothic" panose="020B0502020202020204" pitchFamily="34" charset="0"/>
-                <a:ea typeface="Calibri" panose="020F0502020204030204" pitchFamily="34" charset="0"/>
-                <a:cs typeface="Times New Roman" panose="02020603050405020304" pitchFamily="18" charset="0"/>
-              </a:rPr>
-              <a:t>Возможность редактирования уставных значение и состояний агрегатов прокатного стана;</a:t>
-            </a:r>
-          </a:p>
-          <a:p>
-            <a:pPr marL="342900" indent="-342900" algn="just">
-              <a:lnSpc>
-                <a:spcPct val="150000"/>
-              </a:lnSpc>
-              <a:spcAft>
-                <a:spcPts val="600"/>
-              </a:spcAft>
-              <a:buFont typeface="Arial" panose="020B0604020202020204" pitchFamily="34" charset="0"/>
-              <a:buChar char="•"/>
-              <a:defRPr/>
-            </a:pPr>
-            <a:r>
-              <a:rPr lang="ru-RU" altLang="ru-RU" sz="2000" dirty="0" smtClean="0">
-                <a:latin typeface="Century Gothic" panose="020B0502020202020204" pitchFamily="34" charset="0"/>
-                <a:ea typeface="Calibri" panose="020F0502020204030204" pitchFamily="34" charset="0"/>
-                <a:cs typeface="Times New Roman" panose="02020603050405020304" pitchFamily="18" charset="0"/>
-              </a:rPr>
-              <a:t>Повышение эффективности работы стана за счет контроля перемещения </a:t>
-            </a:r>
-            <a:r>
-              <a:rPr lang="ru-RU" altLang="ru-RU" sz="2000" dirty="0">
-                <a:latin typeface="Century Gothic" panose="020B0502020202020204" pitchFamily="34" charset="0"/>
-                <a:ea typeface="Calibri" panose="020F0502020204030204" pitchFamily="34" charset="0"/>
-                <a:cs typeface="Times New Roman" panose="02020603050405020304" pitchFamily="18" charset="0"/>
-              </a:rPr>
-              <a:t>слябов по линиям </a:t>
-            </a:r>
-            <a:r>
-              <a:rPr lang="ru-RU" altLang="ru-RU" sz="2000" dirty="0" smtClean="0">
-                <a:latin typeface="Century Gothic" panose="020B0502020202020204" pitchFamily="34" charset="0"/>
-                <a:ea typeface="Calibri" panose="020F0502020204030204" pitchFamily="34" charset="0"/>
-                <a:cs typeface="Times New Roman" panose="02020603050405020304" pitchFamily="18" charset="0"/>
-              </a:rPr>
-              <a:t>загрузки, состояния карты печей и связи со всеми системами автоматизации;</a:t>
-            </a:r>
-          </a:p>
-        </p:txBody>
-      </p:sp>
+          <a:noFill/>
+          <a:ln>
+            <a:noFill/>
+          </a:ln>
+        </p:spPr>
+      </p:pic>
     </p:spTree>
     <p:extLst>
       <p:ext uri="{BB962C8B-B14F-4D97-AF65-F5344CB8AC3E}">
-        <p14:creationId xmlns:p14="http://schemas.microsoft.com/office/powerpoint/2010/main" val="3299038286"/>
+        <p14:creationId xmlns:p14="http://schemas.microsoft.com/office/powerpoint/2010/main" val="2776416030"/>
       </p:ext>
     </p:extLst>
   </p:cSld>
@@ -7506,13 +6869,45 @@
       </p:pic>
       <p:sp>
         <p:nvSpPr>
+          <p:cNvPr id="4" name="Прямоугольник 3"/>
+          <p:cNvSpPr/>
+          <p:nvPr/>
+        </p:nvSpPr>
+        <p:spPr>
+          <a:xfrm>
+            <a:off x="354843" y="1187299"/>
+            <a:ext cx="11600596" cy="495457"/>
+          </a:xfrm>
+          <a:prstGeom prst="rect">
+            <a:avLst/>
+          </a:prstGeom>
+        </p:spPr>
+        <p:txBody>
+          <a:bodyPr wrap="square">
+            <a:spAutoFit/>
+          </a:bodyPr>
+          <a:lstStyle/>
+          <a:p>
+            <a:pPr algn="just">
+              <a:lnSpc>
+                <a:spcPct val="150000"/>
+              </a:lnSpc>
+            </a:pPr>
+            <a:endParaRPr lang="en-US" sz="2000" dirty="0">
+              <a:latin typeface="Century Gothic" panose="020B0502020202020204" pitchFamily="34" charset="0"/>
+            </a:endParaRPr>
+          </a:p>
+        </p:txBody>
+      </p:sp>
+      <p:sp>
+        <p:nvSpPr>
           <p:cNvPr id="5" name="TextBox 4"/>
           <p:cNvSpPr txBox="1"/>
           <p:nvPr/>
         </p:nvSpPr>
         <p:spPr>
           <a:xfrm>
-            <a:off x="4612943" y="450376"/>
+            <a:off x="3534770" y="450376"/>
             <a:ext cx="184731" cy="369332"/>
           </a:xfrm>
           <a:prstGeom prst="rect">
@@ -7538,8 +6933,8 @@
         </p:nvSpPr>
         <p:spPr>
           <a:xfrm>
-            <a:off x="1770145" y="82785"/>
-            <a:ext cx="8651728" cy="707886"/>
+            <a:off x="2983615" y="82785"/>
+            <a:ext cx="6224781" cy="707886"/>
           </a:xfrm>
           <a:prstGeom prst="rect">
             <a:avLst/>
@@ -7569,7 +6964,7 @@
                 </a:effectLst>
                 <a:latin typeface="Century Gothic" panose="020B0502020202020204" pitchFamily="34" charset="0"/>
               </a:rPr>
-              <a:t>Публикации за период обучения</a:t>
+              <a:t>Полученные результаты</a:t>
             </a:r>
             <a:endParaRPr lang="ru-RU" sz="4000" dirty="0">
               <a:solidFill>
@@ -7591,14 +6986,14 @@
       </p:sp>
       <p:sp>
         <p:nvSpPr>
-          <p:cNvPr id="8" name="Прямоугольник 7"/>
+          <p:cNvPr id="6" name="Прямоугольник 5"/>
           <p:cNvSpPr/>
           <p:nvPr/>
         </p:nvSpPr>
         <p:spPr>
           <a:xfrm>
-            <a:off x="354843" y="1187299"/>
-            <a:ext cx="11600596" cy="5632311"/>
+            <a:off x="295702" y="1065424"/>
+            <a:ext cx="11600596" cy="5478423"/>
           </a:xfrm>
           <a:prstGeom prst="rect">
             <a:avLst/>
@@ -7615,7 +7010,7 @@
                 <a:spcPct val="150000"/>
               </a:lnSpc>
               <a:spcAft>
-                <a:spcPts val="1200"/>
+                <a:spcPts val="600"/>
               </a:spcAft>
               <a:defRPr/>
             </a:pPr>
@@ -7628,225 +7023,82 @@
               <a:t>	</a:t>
             </a:r>
             <a:r>
-              <a:rPr lang="ru-RU" altLang="ru-RU" sz="2000" dirty="0">
+              <a:rPr lang="ru-RU" altLang="ru-RU" sz="2000" dirty="0" smtClean="0">
                 <a:latin typeface="Century Gothic" panose="020B0502020202020204" pitchFamily="34" charset="0"/>
                 <a:ea typeface="Calibri" panose="020F0502020204030204" pitchFamily="34" charset="0"/>
                 <a:cs typeface="Times New Roman" panose="02020603050405020304" pitchFamily="18" charset="0"/>
               </a:rPr>
-              <a:t>1.	Калюжная А. В. Мониторинг в непрерывном производстве / Калюжная А.В., Егорова Л. Г. // Передовые инновационные разработки. Перспективы и опыт использования, проблемы внедрения в производство – М.: «Конверт». – 2019. – </a:t>
-            </a:r>
-            <a:r>
-              <a:rPr lang="ru-RU" altLang="ru-RU" sz="2000" dirty="0" smtClean="0">
-                <a:latin typeface="Century Gothic" panose="020B0502020202020204" pitchFamily="34" charset="0"/>
-                <a:ea typeface="Calibri" panose="020F0502020204030204" pitchFamily="34" charset="0"/>
-                <a:cs typeface="Times New Roman" panose="02020603050405020304" pitchFamily="18" charset="0"/>
-              </a:rPr>
-              <a:t>100-101 с.</a:t>
-            </a:r>
-          </a:p>
-          <a:p>
-            <a:pPr algn="just">
+              <a:t>Использование автоматизированной системы мониторинга и управления технологическим процессом на ЛПЦ-4 ПАО «ММК» даст предприятию такие возможности как: </a:t>
+            </a:r>
+          </a:p>
+          <a:p>
+            <a:pPr marL="342900" indent="-342900" algn="just">
               <a:lnSpc>
                 <a:spcPct val="150000"/>
               </a:lnSpc>
               <a:spcAft>
-                <a:spcPts val="1200"/>
+                <a:spcPts val="600"/>
               </a:spcAft>
+              <a:buFont typeface="Arial" panose="020B0604020202020204" pitchFamily="34" charset="0"/>
+              <a:buChar char="•"/>
               <a:defRPr/>
             </a:pPr>
             <a:r>
-              <a:rPr lang="ru-RU" altLang="ru-RU" sz="2000" dirty="0">
+              <a:rPr lang="ru-RU" altLang="ru-RU" sz="2000" dirty="0" smtClean="0">
                 <a:latin typeface="Century Gothic" panose="020B0502020202020204" pitchFamily="34" charset="0"/>
                 <a:ea typeface="Calibri" panose="020F0502020204030204" pitchFamily="34" charset="0"/>
                 <a:cs typeface="Times New Roman" panose="02020603050405020304" pitchFamily="18" charset="0"/>
               </a:rPr>
-              <a:t>	</a:t>
-            </a:r>
-            <a:r>
-              <a:rPr lang="ru-RU" altLang="ru-RU" sz="2000" dirty="0" smtClean="0">
+              <a:t>Обеспечение </a:t>
+            </a:r>
+            <a:r>
+              <a:rPr lang="ru-RU" altLang="ru-RU" sz="2000" dirty="0">
                 <a:latin typeface="Century Gothic" panose="020B0502020202020204" pitchFamily="34" charset="0"/>
                 <a:ea typeface="Calibri" panose="020F0502020204030204" pitchFamily="34" charset="0"/>
                 <a:cs typeface="Times New Roman" panose="02020603050405020304" pitchFamily="18" charset="0"/>
               </a:rPr>
-              <a:t>2</a:t>
-            </a:r>
-            <a:r>
-              <a:rPr lang="ru-RU" altLang="ru-RU" sz="2000" dirty="0">
+              <a:t>пользователей непрерывной, актуальной и оперативной </a:t>
+            </a:r>
+            <a:r>
+              <a:rPr lang="ru-RU" altLang="ru-RU" sz="2000" dirty="0" smtClean="0">
                 <a:latin typeface="Century Gothic" panose="020B0502020202020204" pitchFamily="34" charset="0"/>
                 <a:ea typeface="Calibri" panose="020F0502020204030204" pitchFamily="34" charset="0"/>
                 <a:cs typeface="Times New Roman" panose="02020603050405020304" pitchFamily="18" charset="0"/>
               </a:rPr>
-              <a:t>. 	Калюжная А. В. Автоматизация мониторинга непрерывного производства / Калюжная А.В., Егорова Л. Г. // Тезисы 77-й международной научно-технической конференции «актуальные проблемы современной науки, техники и образования». – Мгн, 2019. – 354 с</a:t>
-            </a:r>
-            <a:r>
-              <a:rPr lang="ru-RU" altLang="ru-RU" sz="2000" dirty="0" smtClean="0">
-                <a:latin typeface="Century Gothic" panose="020B0502020202020204" pitchFamily="34" charset="0"/>
-                <a:ea typeface="Calibri" panose="020F0502020204030204" pitchFamily="34" charset="0"/>
-                <a:cs typeface="Times New Roman" panose="02020603050405020304" pitchFamily="18" charset="0"/>
-              </a:rPr>
-              <a:t>.</a:t>
-            </a:r>
-          </a:p>
-          <a:p>
-            <a:pPr algn="just">
+              <a:t>информацией о данных технологического процесса производства;</a:t>
+            </a:r>
+          </a:p>
+          <a:p>
+            <a:pPr marL="342900" indent="-342900" algn="just">
               <a:lnSpc>
                 <a:spcPct val="150000"/>
               </a:lnSpc>
               <a:spcAft>
-                <a:spcPts val="1200"/>
+                <a:spcPts val="600"/>
               </a:spcAft>
+              <a:buFont typeface="Arial" panose="020B0604020202020204" pitchFamily="34" charset="0"/>
+              <a:buChar char="•"/>
               <a:defRPr/>
             </a:pPr>
             <a:r>
-              <a:rPr lang="ru-RU" altLang="ru-RU" sz="2000" dirty="0">
+              <a:rPr lang="ru-RU" altLang="ru-RU" sz="2000" dirty="0" smtClean="0">
                 <a:latin typeface="Century Gothic" panose="020B0502020202020204" pitchFamily="34" charset="0"/>
                 <a:ea typeface="Calibri" panose="020F0502020204030204" pitchFamily="34" charset="0"/>
                 <a:cs typeface="Times New Roman" panose="02020603050405020304" pitchFamily="18" charset="0"/>
               </a:rPr>
-              <a:t>	</a:t>
-            </a:r>
-            <a:r>
-              <a:rPr lang="ru-RU" altLang="ru-RU" sz="2000" dirty="0" smtClean="0">
-                <a:latin typeface="Century Gothic" panose="020B0502020202020204" pitchFamily="34" charset="0"/>
-                <a:ea typeface="Calibri" panose="020F0502020204030204" pitchFamily="34" charset="0"/>
-                <a:cs typeface="Times New Roman" panose="02020603050405020304" pitchFamily="18" charset="0"/>
-              </a:rPr>
-              <a:t>3</a:t>
-            </a:r>
-            <a:r>
-              <a:rPr lang="ru-RU" altLang="ru-RU" sz="2000" dirty="0">
-                <a:latin typeface="Century Gothic" panose="020B0502020202020204" pitchFamily="34" charset="0"/>
-                <a:ea typeface="Calibri" panose="020F0502020204030204" pitchFamily="34" charset="0"/>
-                <a:cs typeface="Times New Roman" panose="02020603050405020304" pitchFamily="18" charset="0"/>
-              </a:rPr>
-              <a:t>. Калюжная А. В. Реинжиниринг </a:t>
-            </a:r>
-            <a:r>
-              <a:rPr lang="ru-RU" altLang="ru-RU" sz="2000" dirty="0" smtClean="0">
-                <a:latin typeface="Century Gothic" panose="020B0502020202020204" pitchFamily="34" charset="0"/>
-                <a:ea typeface="Calibri" panose="020F0502020204030204" pitchFamily="34" charset="0"/>
-                <a:cs typeface="Times New Roman" panose="02020603050405020304" pitchFamily="18" charset="0"/>
-              </a:rPr>
-              <a:t>бизнес-процессов </a:t>
-            </a:r>
-            <a:r>
-              <a:rPr lang="ru-RU" altLang="ru-RU" sz="2000" dirty="0">
-                <a:latin typeface="Century Gothic" panose="020B0502020202020204" pitchFamily="34" charset="0"/>
-                <a:ea typeface="Calibri" panose="020F0502020204030204" pitchFamily="34" charset="0"/>
-                <a:cs typeface="Times New Roman" panose="02020603050405020304" pitchFamily="18" charset="0"/>
-              </a:rPr>
-              <a:t>предприятия на </a:t>
-            </a:r>
-            <a:r>
-              <a:rPr lang="ru-RU" altLang="ru-RU" sz="2000" dirty="0" smtClean="0">
-                <a:latin typeface="Century Gothic" panose="020B0502020202020204" pitchFamily="34" charset="0"/>
-                <a:ea typeface="Calibri" panose="020F0502020204030204" pitchFamily="34" charset="0"/>
-                <a:cs typeface="Times New Roman" panose="02020603050405020304" pitchFamily="18" charset="0"/>
-              </a:rPr>
-              <a:t>основе </a:t>
-            </a:r>
-            <a:r>
-              <a:rPr lang="ru-RU" altLang="ru-RU" sz="2000" dirty="0">
-                <a:latin typeface="Century Gothic" panose="020B0502020202020204" pitchFamily="34" charset="0"/>
-                <a:ea typeface="Calibri" panose="020F0502020204030204" pitchFamily="34" charset="0"/>
-                <a:cs typeface="Times New Roman" panose="02020603050405020304" pitchFamily="18" charset="0"/>
-              </a:rPr>
-              <a:t>нотации </a:t>
-            </a:r>
-            <a:r>
-              <a:rPr lang="ru-RU" altLang="ru-RU" sz="2000" dirty="0" smtClean="0">
-                <a:latin typeface="Century Gothic" panose="020B0502020202020204" pitchFamily="34" charset="0"/>
-                <a:ea typeface="Calibri" panose="020F0502020204030204" pitchFamily="34" charset="0"/>
-                <a:cs typeface="Times New Roman" panose="02020603050405020304" pitchFamily="18" charset="0"/>
-              </a:rPr>
-              <a:t>BPMN // Сборник </a:t>
-            </a:r>
-            <a:r>
-              <a:rPr lang="ru-RU" altLang="ru-RU" sz="2000" dirty="0">
-                <a:latin typeface="Century Gothic" panose="020B0502020202020204" pitchFamily="34" charset="0"/>
-                <a:ea typeface="Calibri" panose="020F0502020204030204" pitchFamily="34" charset="0"/>
-                <a:cs typeface="Times New Roman" panose="02020603050405020304" pitchFamily="18" charset="0"/>
-              </a:rPr>
-              <a:t>научных трудов XXI-й Российской </a:t>
-            </a:r>
-            <a:r>
-              <a:rPr lang="ru-RU" altLang="ru-RU" sz="2000" dirty="0" smtClean="0">
-                <a:latin typeface="Century Gothic" panose="020B0502020202020204" pitchFamily="34" charset="0"/>
-                <a:ea typeface="Calibri" panose="020F0502020204030204" pitchFamily="34" charset="0"/>
-                <a:cs typeface="Times New Roman" panose="02020603050405020304" pitchFamily="18" charset="0"/>
-              </a:rPr>
-              <a:t>научной </a:t>
-            </a:r>
-            <a:r>
-              <a:rPr lang="ru-RU" altLang="ru-RU" sz="2000" dirty="0">
-                <a:latin typeface="Century Gothic" panose="020B0502020202020204" pitchFamily="34" charset="0"/>
-                <a:ea typeface="Calibri" panose="020F0502020204030204" pitchFamily="34" charset="0"/>
-                <a:cs typeface="Times New Roman" panose="02020603050405020304" pitchFamily="18" charset="0"/>
-              </a:rPr>
-              <a:t>конференции. Том 1. 26-28 апреля 2018 г</a:t>
-            </a:r>
-            <a:r>
-              <a:rPr lang="ru-RU" altLang="ru-RU" sz="2000" dirty="0" smtClean="0">
-                <a:latin typeface="Century Gothic" panose="020B0502020202020204" pitchFamily="34" charset="0"/>
-                <a:ea typeface="Calibri" panose="020F0502020204030204" pitchFamily="34" charset="0"/>
-                <a:cs typeface="Times New Roman" panose="02020603050405020304" pitchFamily="18" charset="0"/>
-              </a:rPr>
-              <a:t>. – М.: </a:t>
-            </a:r>
-            <a:r>
-              <a:rPr lang="ru-RU" altLang="ru-RU" sz="2000" dirty="0">
-                <a:latin typeface="Century Gothic" panose="020B0502020202020204" pitchFamily="34" charset="0"/>
-                <a:ea typeface="Calibri" panose="020F0502020204030204" pitchFamily="34" charset="0"/>
-                <a:cs typeface="Times New Roman" panose="02020603050405020304" pitchFamily="18" charset="0"/>
-              </a:rPr>
-              <a:t>ФГБОУ ВО «РЭУ им. Г. В. Плеханова».</a:t>
-            </a:r>
-            <a:r>
-              <a:rPr lang="ru-RU" altLang="ru-RU" sz="2000" dirty="0" smtClean="0">
-                <a:latin typeface="Century Gothic" panose="020B0502020202020204" pitchFamily="34" charset="0"/>
-                <a:ea typeface="Calibri" panose="020F0502020204030204" pitchFamily="34" charset="0"/>
-                <a:cs typeface="Times New Roman" panose="02020603050405020304" pitchFamily="18" charset="0"/>
-              </a:rPr>
-              <a:t> </a:t>
-            </a:r>
-            <a:r>
-              <a:rPr lang="ru-RU" altLang="ru-RU" sz="2000" dirty="0">
-                <a:latin typeface="Century Gothic" panose="020B0502020202020204" pitchFamily="34" charset="0"/>
-                <a:ea typeface="Calibri" panose="020F0502020204030204" pitchFamily="34" charset="0"/>
-                <a:cs typeface="Times New Roman" panose="02020603050405020304" pitchFamily="18" charset="0"/>
-              </a:rPr>
-              <a:t>– </a:t>
-            </a:r>
-            <a:r>
-              <a:rPr lang="ru-RU" altLang="ru-RU" sz="2000" dirty="0" smtClean="0">
-                <a:latin typeface="Century Gothic" panose="020B0502020202020204" pitchFamily="34" charset="0"/>
-                <a:ea typeface="Calibri" panose="020F0502020204030204" pitchFamily="34" charset="0"/>
-                <a:cs typeface="Times New Roman" panose="02020603050405020304" pitchFamily="18" charset="0"/>
-              </a:rPr>
-              <a:t>2018</a:t>
-            </a:r>
-            <a:r>
-              <a:rPr lang="ru-RU" altLang="ru-RU" sz="2000" dirty="0">
-                <a:latin typeface="Century Gothic" panose="020B0502020202020204" pitchFamily="34" charset="0"/>
-                <a:ea typeface="Calibri" panose="020F0502020204030204" pitchFamily="34" charset="0"/>
-                <a:cs typeface="Times New Roman" panose="02020603050405020304" pitchFamily="18" charset="0"/>
-              </a:rPr>
-              <a:t>. </a:t>
-            </a:r>
-            <a:r>
-              <a:rPr lang="ru-RU" altLang="ru-RU" sz="2000" dirty="0" smtClean="0">
-                <a:latin typeface="Century Gothic" panose="020B0502020202020204" pitchFamily="34" charset="0"/>
-                <a:ea typeface="Calibri" panose="020F0502020204030204" pitchFamily="34" charset="0"/>
-                <a:cs typeface="Times New Roman" panose="02020603050405020304" pitchFamily="18" charset="0"/>
-              </a:rPr>
-              <a:t>– 68-72 с.</a:t>
-            </a:r>
-          </a:p>
-          <a:p>
-            <a:pPr algn="just">
+              <a:t>Возможность ввода и редактирования первичных данных при необходимости;</a:t>
+            </a:r>
+          </a:p>
+          <a:p>
+            <a:pPr marL="342900" indent="-342900" algn="just">
               <a:lnSpc>
                 <a:spcPct val="150000"/>
               </a:lnSpc>
+              <a:spcAft>
+                <a:spcPts val="600"/>
+              </a:spcAft>
+              <a:buFont typeface="Arial" panose="020B0604020202020204" pitchFamily="34" charset="0"/>
+              <a:buChar char="•"/>
               <a:defRPr/>
             </a:pPr>
             <a:r>
@@ -7855,20 +7107,52 @@
                 <a:ea typeface="Calibri" panose="020F0502020204030204" pitchFamily="34" charset="0"/>
                 <a:cs typeface="Times New Roman" panose="02020603050405020304" pitchFamily="18" charset="0"/>
               </a:rPr>
-              <a:t> </a:t>
-            </a:r>
-            <a:endParaRPr lang="ru-RU" altLang="ru-RU" sz="2000" dirty="0" smtClean="0">
-              <a:latin typeface="Century Gothic" panose="020B0502020202020204" pitchFamily="34" charset="0"/>
-              <a:ea typeface="Calibri" panose="020F0502020204030204" pitchFamily="34" charset="0"/>
-              <a:cs typeface="Times New Roman" panose="02020603050405020304" pitchFamily="18" charset="0"/>
-            </a:endParaRPr>
+              <a:t>Возможность редактирования уставных значение и состояний агрегатов прокатного стана;</a:t>
+            </a:r>
+          </a:p>
+          <a:p>
+            <a:pPr marL="342900" indent="-342900" algn="just">
+              <a:lnSpc>
+                <a:spcPct val="150000"/>
+              </a:lnSpc>
+              <a:spcAft>
+                <a:spcPts val="600"/>
+              </a:spcAft>
+              <a:buFont typeface="Arial" panose="020B0604020202020204" pitchFamily="34" charset="0"/>
+              <a:buChar char="•"/>
+              <a:defRPr/>
+            </a:pPr>
+            <a:r>
+              <a:rPr lang="ru-RU" altLang="ru-RU" sz="2000" dirty="0" smtClean="0">
+                <a:latin typeface="Century Gothic" panose="020B0502020202020204" pitchFamily="34" charset="0"/>
+                <a:ea typeface="Calibri" panose="020F0502020204030204" pitchFamily="34" charset="0"/>
+                <a:cs typeface="Times New Roman" panose="02020603050405020304" pitchFamily="18" charset="0"/>
+              </a:rPr>
+              <a:t>Повышение эффективности работы стана за счет контроля перемещения </a:t>
+            </a:r>
+            <a:r>
+              <a:rPr lang="ru-RU" altLang="ru-RU" sz="2000" dirty="0">
+                <a:latin typeface="Century Gothic" panose="020B0502020202020204" pitchFamily="34" charset="0"/>
+                <a:ea typeface="Calibri" panose="020F0502020204030204" pitchFamily="34" charset="0"/>
+                <a:cs typeface="Times New Roman" panose="02020603050405020304" pitchFamily="18" charset="0"/>
+              </a:rPr>
+              <a:t>слябов по линиям </a:t>
+            </a:r>
+            <a:r>
+              <a:rPr lang="ru-RU" altLang="ru-RU" sz="2000" dirty="0" smtClean="0">
+                <a:latin typeface="Century Gothic" panose="020B0502020202020204" pitchFamily="34" charset="0"/>
+                <a:ea typeface="Calibri" panose="020F0502020204030204" pitchFamily="34" charset="0"/>
+                <a:cs typeface="Times New Roman" panose="02020603050405020304" pitchFamily="18" charset="0"/>
+              </a:rPr>
+              <a:t>загрузки, состояния карты печей и связи со всеми системами автоматизации;</a:t>
+            </a:r>
           </a:p>
         </p:txBody>
       </p:sp>
     </p:spTree>
     <p:extLst>
       <p:ext uri="{BB962C8B-B14F-4D97-AF65-F5344CB8AC3E}">
-        <p14:creationId xmlns:p14="http://schemas.microsoft.com/office/powerpoint/2010/main" val="628272190"/>
+        <p14:creationId xmlns:p14="http://schemas.microsoft.com/office/powerpoint/2010/main" val="3299038286"/>
       </p:ext>
     </p:extLst>
   </p:cSld>
@@ -7902,21 +7186,75 @@
           <a:chExt cx="0" cy="0"/>
         </a:xfrm>
       </p:grpSpPr>
-      <p:sp>
-        <p:nvSpPr>
-          <p:cNvPr id="2" name="TextBox 1"/>
-          <p:cNvSpPr txBox="1"/>
+      <p:pic>
+        <p:nvPicPr>
+          <p:cNvPr id="2" name="Picture 2" descr="C:\Users\Андрей\Desktop\1\Безымянный-1.png"/>
+          <p:cNvPicPr>
+            <a:picLocks noChangeAspect="1" noChangeArrowheads="1"/>
+          </p:cNvPicPr>
           <p:nvPr/>
-        </p:nvSpPr>
-        <p:spPr>
-          <a:xfrm>
-            <a:off x="2737633" y="1009934"/>
-            <a:ext cx="6835526" cy="4524315"/>
+        </p:nvPicPr>
+        <p:blipFill>
+          <a:blip r:embed="rId2">
+            <a:extLst>
+              <a:ext uri="{28A0092B-C50C-407E-A947-70E740481C1C}">
+                <a14:useLocalDpi xmlns:a14="http://schemas.microsoft.com/office/drawing/2010/main" val="0"/>
+              </a:ext>
+            </a:extLst>
+          </a:blip>
+          <a:srcRect/>
+          <a:stretch>
+            <a:fillRect/>
+          </a:stretch>
+        </p:blipFill>
+        <p:spPr bwMode="auto">
+          <a:xfrm>
+            <a:off x="0" y="0"/>
+            <a:ext cx="12192000" cy="982639"/>
           </a:xfrm>
           <a:prstGeom prst="rect">
             <a:avLst/>
           </a:prstGeom>
           <a:noFill/>
+          <a:ln>
+            <a:noFill/>
+          </a:ln>
+          <a:extLst>
+            <a:ext uri="{909E8E84-426E-40DD-AFC4-6F175D3DCCD1}">
+              <a14:hiddenFill xmlns:a14="http://schemas.microsoft.com/office/drawing/2010/main">
+                <a:solidFill>
+                  <a:srgbClr val="FFFFFF"/>
+                </a:solidFill>
+              </a14:hiddenFill>
+            </a:ext>
+            <a:ext uri="{91240B29-F687-4F45-9708-019B960494DF}">
+              <a14:hiddenLine xmlns:a14="http://schemas.microsoft.com/office/drawing/2010/main" w="9525">
+                <a:solidFill>
+                  <a:srgbClr val="000000"/>
+                </a:solidFill>
+                <a:miter lim="800000"/>
+                <a:headEnd/>
+                <a:tailEnd/>
+              </a14:hiddenLine>
+            </a:ext>
+          </a:extLst>
+        </p:spPr>
+      </p:pic>
+      <p:sp>
+        <p:nvSpPr>
+          <p:cNvPr id="5" name="TextBox 4"/>
+          <p:cNvSpPr txBox="1"/>
+          <p:nvPr/>
+        </p:nvSpPr>
+        <p:spPr>
+          <a:xfrm>
+            <a:off x="4612943" y="450376"/>
+            <a:ext cx="184731" cy="369332"/>
+          </a:xfrm>
+          <a:prstGeom prst="rect">
+            <a:avLst/>
+          </a:prstGeom>
+          <a:noFill/>
         </p:spPr>
         <p:txBody>
           <a:bodyPr wrap="none" rtlCol="0">
@@ -7924,59 +7262,357 @@
           </a:bodyPr>
           <a:lstStyle/>
           <a:p>
+            <a:endParaRPr lang="ru-RU" dirty="0"/>
+          </a:p>
+        </p:txBody>
+      </p:sp>
+      <p:sp>
+        <p:nvSpPr>
+          <p:cNvPr id="7" name="TextBox 6"/>
+          <p:cNvSpPr txBox="1"/>
+          <p:nvPr/>
+        </p:nvSpPr>
+        <p:spPr>
+          <a:xfrm>
+            <a:off x="1770145" y="82785"/>
+            <a:ext cx="8651728" cy="707886"/>
+          </a:xfrm>
+          <a:prstGeom prst="rect">
+            <a:avLst/>
+          </a:prstGeom>
+          <a:noFill/>
+        </p:spPr>
+        <p:txBody>
+          <a:bodyPr wrap="none" rtlCol="0">
+            <a:spAutoFit/>
+          </a:bodyPr>
+          <a:lstStyle/>
+          <a:p>
             <a:pPr algn="ctr"/>
             <a:r>
-              <a:rPr lang="ru-RU" sz="9600" dirty="0" smtClean="0">
-                <a:solidFill>
-                  <a:srgbClr val="002060"/>
-                </a:solidFill>
-                <a:latin typeface="Century Gothic" panose="020B0502020202020204" pitchFamily="34" charset="0"/>
-              </a:rPr>
-              <a:t>Спасибо </a:t>
-            </a:r>
-          </a:p>
-          <a:p>
-            <a:pPr algn="ctr"/>
-            <a:r>
-              <a:rPr lang="ru-RU" sz="9600" dirty="0" smtClean="0">
-                <a:solidFill>
-                  <a:srgbClr val="002060"/>
-                </a:solidFill>
-                <a:latin typeface="Century Gothic" panose="020B0502020202020204" pitchFamily="34" charset="0"/>
-              </a:rPr>
-              <a:t>за</a:t>
-            </a:r>
-          </a:p>
-          <a:p>
-            <a:pPr algn="ctr"/>
-            <a:r>
-              <a:rPr lang="ru-RU" sz="9600" dirty="0" smtClean="0">
-                <a:solidFill>
-                  <a:srgbClr val="002060"/>
-                </a:solidFill>
-                <a:latin typeface="Century Gothic" panose="020B0502020202020204" pitchFamily="34" charset="0"/>
-              </a:rPr>
-              <a:t>внимание!</a:t>
-            </a:r>
-            <a:endParaRPr lang="ru-RU" sz="9600" dirty="0">
+              <a:rPr lang="ru-RU" sz="4000" dirty="0" smtClean="0">
+                <a:solidFill>
+                  <a:schemeClr val="bg1">
+                    <a:lumMod val="95000"/>
+                  </a:schemeClr>
+                </a:solidFill>
+                <a:effectLst>
+                  <a:outerShdw blurRad="38100" dist="38100" dir="2700000" algn="tl">
+                    <a:srgbClr val="000000">
+                      <a:alpha val="43137"/>
+                    </a:srgbClr>
+                  </a:outerShdw>
+                </a:effectLst>
+                <a:latin typeface="Century Gothic" panose="020B0502020202020204" pitchFamily="34" charset="0"/>
+              </a:rPr>
+              <a:t>Публикации за период обучения</a:t>
+            </a:r>
+            <a:endParaRPr lang="ru-RU" sz="4000" dirty="0">
               <a:solidFill>
-                <a:srgbClr val="002060"/>
+                <a:schemeClr val="bg1">
+                  <a:lumMod val="95000"/>
+                </a:schemeClr>
               </a:solidFill>
+              <a:effectLst>
+                <a:outerShdw blurRad="38100" dist="38100" dir="2700000" algn="tl">
+                  <a:srgbClr val="000000">
+                    <a:alpha val="43137"/>
+                  </a:srgbClr>
+                </a:outerShdw>
+              </a:effectLst>
               <a:latin typeface="Century Gothic" panose="020B0502020202020204" pitchFamily="34" charset="0"/>
             </a:endParaRPr>
+          </a:p>
+        </p:txBody>
+      </p:sp>
+      <p:sp>
+        <p:nvSpPr>
+          <p:cNvPr id="8" name="Прямоугольник 7"/>
+          <p:cNvSpPr/>
+          <p:nvPr/>
+        </p:nvSpPr>
+        <p:spPr>
+          <a:xfrm>
+            <a:off x="354843" y="1187299"/>
+            <a:ext cx="11600596" cy="5632311"/>
+          </a:xfrm>
+          <a:prstGeom prst="rect">
+            <a:avLst/>
+          </a:prstGeom>
+        </p:spPr>
+        <p:txBody>
+          <a:bodyPr wrap="square">
+            <a:spAutoFit/>
+          </a:bodyPr>
+          <a:lstStyle/>
+          <a:p>
+            <a:pPr algn="just">
+              <a:lnSpc>
+                <a:spcPct val="150000"/>
+              </a:lnSpc>
+              <a:spcAft>
+                <a:spcPts val="1200"/>
+              </a:spcAft>
+              <a:defRPr/>
+            </a:pPr>
+            <a:r>
+              <a:rPr lang="en-US" altLang="ru-RU" sz="1700" dirty="0" smtClean="0">
+                <a:latin typeface="Century Gothic" panose="020B0502020202020204" pitchFamily="34" charset="0"/>
+                <a:ea typeface="Calibri" panose="020F0502020204030204" pitchFamily="34" charset="0"/>
+                <a:cs typeface="Times New Roman" panose="02020603050405020304" pitchFamily="18" charset="0"/>
+              </a:rPr>
+              <a:t>	</a:t>
+            </a:r>
+            <a:r>
+              <a:rPr lang="ru-RU" altLang="ru-RU" sz="2000" dirty="0">
+                <a:latin typeface="Century Gothic" panose="020B0502020202020204" pitchFamily="34" charset="0"/>
+                <a:ea typeface="Calibri" panose="020F0502020204030204" pitchFamily="34" charset="0"/>
+                <a:cs typeface="Times New Roman" panose="02020603050405020304" pitchFamily="18" charset="0"/>
+              </a:rPr>
+              <a:t>1.	Калюжная А. В. Мониторинг в непрерывном производстве / Калюжная А.В., Егорова Л. Г. // Передовые инновационные разработки. Перспективы и опыт использования, проблемы внедрения в производство – М.: «Конверт». – 2019. – </a:t>
+            </a:r>
+            <a:r>
+              <a:rPr lang="ru-RU" altLang="ru-RU" sz="2000" dirty="0" smtClean="0">
+                <a:latin typeface="Century Gothic" panose="020B0502020202020204" pitchFamily="34" charset="0"/>
+                <a:ea typeface="Calibri" panose="020F0502020204030204" pitchFamily="34" charset="0"/>
+                <a:cs typeface="Times New Roman" panose="02020603050405020304" pitchFamily="18" charset="0"/>
+              </a:rPr>
+              <a:t>100-101 с.</a:t>
+            </a:r>
+          </a:p>
+          <a:p>
+            <a:pPr algn="just">
+              <a:lnSpc>
+                <a:spcPct val="150000"/>
+              </a:lnSpc>
+              <a:spcAft>
+                <a:spcPts val="1200"/>
+              </a:spcAft>
+              <a:defRPr/>
+            </a:pPr>
+            <a:r>
+              <a:rPr lang="ru-RU" altLang="ru-RU" sz="2000" dirty="0">
+                <a:latin typeface="Century Gothic" panose="020B0502020202020204" pitchFamily="34" charset="0"/>
+                <a:ea typeface="Calibri" panose="020F0502020204030204" pitchFamily="34" charset="0"/>
+                <a:cs typeface="Times New Roman" panose="02020603050405020304" pitchFamily="18" charset="0"/>
+              </a:rPr>
+              <a:t>	</a:t>
+            </a:r>
+            <a:r>
+              <a:rPr lang="ru-RU" altLang="ru-RU" sz="2000" dirty="0" smtClean="0">
+                <a:latin typeface="Century Gothic" panose="020B0502020202020204" pitchFamily="34" charset="0"/>
+                <a:ea typeface="Calibri" panose="020F0502020204030204" pitchFamily="34" charset="0"/>
+                <a:cs typeface="Times New Roman" panose="02020603050405020304" pitchFamily="18" charset="0"/>
+              </a:rPr>
+              <a:t>2</a:t>
+            </a:r>
+            <a:r>
+              <a:rPr lang="ru-RU" altLang="ru-RU" sz="2000" dirty="0">
+                <a:latin typeface="Century Gothic" panose="020B0502020202020204" pitchFamily="34" charset="0"/>
+                <a:ea typeface="Calibri" panose="020F0502020204030204" pitchFamily="34" charset="0"/>
+                <a:cs typeface="Times New Roman" panose="02020603050405020304" pitchFamily="18" charset="0"/>
+              </a:rPr>
+              <a:t>. 	Калюжная А. В. Автоматизация мониторинга непрерывного производства / Калюжная А.В., Егорова Л. Г. // Тезисы 77-й международной научно-технической конференции «актуальные проблемы современной науки, техники и образования». – Мгн, 2019. – 354 с</a:t>
+            </a:r>
+            <a:r>
+              <a:rPr lang="ru-RU" altLang="ru-RU" sz="2000" dirty="0" smtClean="0">
+                <a:latin typeface="Century Gothic" panose="020B0502020202020204" pitchFamily="34" charset="0"/>
+                <a:ea typeface="Calibri" panose="020F0502020204030204" pitchFamily="34" charset="0"/>
+                <a:cs typeface="Times New Roman" panose="02020603050405020304" pitchFamily="18" charset="0"/>
+              </a:rPr>
+              <a:t>.</a:t>
+            </a:r>
+          </a:p>
+          <a:p>
+            <a:pPr algn="just">
+              <a:lnSpc>
+                <a:spcPct val="150000"/>
+              </a:lnSpc>
+              <a:spcAft>
+                <a:spcPts val="1200"/>
+              </a:spcAft>
+              <a:defRPr/>
+            </a:pPr>
+            <a:r>
+              <a:rPr lang="ru-RU" altLang="ru-RU" sz="2000" dirty="0">
+                <a:latin typeface="Century Gothic" panose="020B0502020202020204" pitchFamily="34" charset="0"/>
+                <a:ea typeface="Calibri" panose="020F0502020204030204" pitchFamily="34" charset="0"/>
+                <a:cs typeface="Times New Roman" panose="02020603050405020304" pitchFamily="18" charset="0"/>
+              </a:rPr>
+              <a:t>	</a:t>
+            </a:r>
+            <a:r>
+              <a:rPr lang="ru-RU" altLang="ru-RU" sz="2000" dirty="0" smtClean="0">
+                <a:latin typeface="Century Gothic" panose="020B0502020202020204" pitchFamily="34" charset="0"/>
+                <a:ea typeface="Calibri" panose="020F0502020204030204" pitchFamily="34" charset="0"/>
+                <a:cs typeface="Times New Roman" panose="02020603050405020304" pitchFamily="18" charset="0"/>
+              </a:rPr>
+              <a:t>3</a:t>
+            </a:r>
+            <a:r>
+              <a:rPr lang="ru-RU" altLang="ru-RU" sz="2000" dirty="0">
+                <a:latin typeface="Century Gothic" panose="020B0502020202020204" pitchFamily="34" charset="0"/>
+                <a:ea typeface="Calibri" panose="020F0502020204030204" pitchFamily="34" charset="0"/>
+                <a:cs typeface="Times New Roman" panose="02020603050405020304" pitchFamily="18" charset="0"/>
+              </a:rPr>
+              <a:t>. Калюжная А. В. Реинжиниринг </a:t>
+            </a:r>
+            <a:r>
+              <a:rPr lang="ru-RU" altLang="ru-RU" sz="2000" dirty="0" smtClean="0">
+                <a:latin typeface="Century Gothic" panose="020B0502020202020204" pitchFamily="34" charset="0"/>
+                <a:ea typeface="Calibri" panose="020F0502020204030204" pitchFamily="34" charset="0"/>
+                <a:cs typeface="Times New Roman" panose="02020603050405020304" pitchFamily="18" charset="0"/>
+              </a:rPr>
+              <a:t>бизнес-процессов </a:t>
+            </a:r>
+            <a:r>
+              <a:rPr lang="ru-RU" altLang="ru-RU" sz="2000" dirty="0">
+                <a:latin typeface="Century Gothic" panose="020B0502020202020204" pitchFamily="34" charset="0"/>
+                <a:ea typeface="Calibri" panose="020F0502020204030204" pitchFamily="34" charset="0"/>
+                <a:cs typeface="Times New Roman" panose="02020603050405020304" pitchFamily="18" charset="0"/>
+              </a:rPr>
+              <a:t>предприятия на </a:t>
+            </a:r>
+            <a:r>
+              <a:rPr lang="ru-RU" altLang="ru-RU" sz="2000" dirty="0" smtClean="0">
+                <a:latin typeface="Century Gothic" panose="020B0502020202020204" pitchFamily="34" charset="0"/>
+                <a:ea typeface="Calibri" panose="020F0502020204030204" pitchFamily="34" charset="0"/>
+                <a:cs typeface="Times New Roman" panose="02020603050405020304" pitchFamily="18" charset="0"/>
+              </a:rPr>
+              <a:t>основе </a:t>
+            </a:r>
+            <a:r>
+              <a:rPr lang="ru-RU" altLang="ru-RU" sz="2000" dirty="0">
+                <a:latin typeface="Century Gothic" panose="020B0502020202020204" pitchFamily="34" charset="0"/>
+                <a:ea typeface="Calibri" panose="020F0502020204030204" pitchFamily="34" charset="0"/>
+                <a:cs typeface="Times New Roman" panose="02020603050405020304" pitchFamily="18" charset="0"/>
+              </a:rPr>
+              <a:t>нотации </a:t>
+            </a:r>
+            <a:r>
+              <a:rPr lang="ru-RU" altLang="ru-RU" sz="2000" dirty="0" smtClean="0">
+                <a:latin typeface="Century Gothic" panose="020B0502020202020204" pitchFamily="34" charset="0"/>
+                <a:ea typeface="Calibri" panose="020F0502020204030204" pitchFamily="34" charset="0"/>
+                <a:cs typeface="Times New Roman" panose="02020603050405020304" pitchFamily="18" charset="0"/>
+              </a:rPr>
+              <a:t>BPMN // Сборник </a:t>
+            </a:r>
+            <a:r>
+              <a:rPr lang="ru-RU" altLang="ru-RU" sz="2000" dirty="0">
+                <a:latin typeface="Century Gothic" panose="020B0502020202020204" pitchFamily="34" charset="0"/>
+                <a:ea typeface="Calibri" panose="020F0502020204030204" pitchFamily="34" charset="0"/>
+                <a:cs typeface="Times New Roman" panose="02020603050405020304" pitchFamily="18" charset="0"/>
+              </a:rPr>
+              <a:t>научных трудов XXI-й Российской </a:t>
+            </a:r>
+            <a:r>
+              <a:rPr lang="ru-RU" altLang="ru-RU" sz="2000" dirty="0" smtClean="0">
+                <a:latin typeface="Century Gothic" panose="020B0502020202020204" pitchFamily="34" charset="0"/>
+                <a:ea typeface="Calibri" panose="020F0502020204030204" pitchFamily="34" charset="0"/>
+                <a:cs typeface="Times New Roman" panose="02020603050405020304" pitchFamily="18" charset="0"/>
+              </a:rPr>
+              <a:t>научной </a:t>
+            </a:r>
+            <a:r>
+              <a:rPr lang="ru-RU" altLang="ru-RU" sz="2000" dirty="0">
+                <a:latin typeface="Century Gothic" panose="020B0502020202020204" pitchFamily="34" charset="0"/>
+                <a:ea typeface="Calibri" panose="020F0502020204030204" pitchFamily="34" charset="0"/>
+                <a:cs typeface="Times New Roman" panose="02020603050405020304" pitchFamily="18" charset="0"/>
+              </a:rPr>
+              <a:t>конференции. Том 1. 26-28 апреля 2018 г</a:t>
+            </a:r>
+            <a:r>
+              <a:rPr lang="ru-RU" altLang="ru-RU" sz="2000" dirty="0" smtClean="0">
+                <a:latin typeface="Century Gothic" panose="020B0502020202020204" pitchFamily="34" charset="0"/>
+                <a:ea typeface="Calibri" panose="020F0502020204030204" pitchFamily="34" charset="0"/>
+                <a:cs typeface="Times New Roman" panose="02020603050405020304" pitchFamily="18" charset="0"/>
+              </a:rPr>
+              <a:t>. – М.: </a:t>
+            </a:r>
+            <a:r>
+              <a:rPr lang="ru-RU" altLang="ru-RU" sz="2000" dirty="0">
+                <a:latin typeface="Century Gothic" panose="020B0502020202020204" pitchFamily="34" charset="0"/>
+                <a:ea typeface="Calibri" panose="020F0502020204030204" pitchFamily="34" charset="0"/>
+                <a:cs typeface="Times New Roman" panose="02020603050405020304" pitchFamily="18" charset="0"/>
+              </a:rPr>
+              <a:t>ФГБОУ ВО «РЭУ им. Г. В. Плеханова».</a:t>
+            </a:r>
+            <a:r>
+              <a:rPr lang="ru-RU" altLang="ru-RU" sz="2000" dirty="0" smtClean="0">
+                <a:latin typeface="Century Gothic" panose="020B0502020202020204" pitchFamily="34" charset="0"/>
+                <a:ea typeface="Calibri" panose="020F0502020204030204" pitchFamily="34" charset="0"/>
+                <a:cs typeface="Times New Roman" panose="02020603050405020304" pitchFamily="18" charset="0"/>
+              </a:rPr>
+              <a:t> </a:t>
+            </a:r>
+            <a:r>
+              <a:rPr lang="ru-RU" altLang="ru-RU" sz="2000" dirty="0">
+                <a:latin typeface="Century Gothic" panose="020B0502020202020204" pitchFamily="34" charset="0"/>
+                <a:ea typeface="Calibri" panose="020F0502020204030204" pitchFamily="34" charset="0"/>
+                <a:cs typeface="Times New Roman" panose="02020603050405020304" pitchFamily="18" charset="0"/>
+              </a:rPr>
+              <a:t>– </a:t>
+            </a:r>
+            <a:r>
+              <a:rPr lang="ru-RU" altLang="ru-RU" sz="2000" dirty="0" smtClean="0">
+                <a:latin typeface="Century Gothic" panose="020B0502020202020204" pitchFamily="34" charset="0"/>
+                <a:ea typeface="Calibri" panose="020F0502020204030204" pitchFamily="34" charset="0"/>
+                <a:cs typeface="Times New Roman" panose="02020603050405020304" pitchFamily="18" charset="0"/>
+              </a:rPr>
+              <a:t>2018</a:t>
+            </a:r>
+            <a:r>
+              <a:rPr lang="ru-RU" altLang="ru-RU" sz="2000" dirty="0">
+                <a:latin typeface="Century Gothic" panose="020B0502020202020204" pitchFamily="34" charset="0"/>
+                <a:ea typeface="Calibri" panose="020F0502020204030204" pitchFamily="34" charset="0"/>
+                <a:cs typeface="Times New Roman" panose="02020603050405020304" pitchFamily="18" charset="0"/>
+              </a:rPr>
+              <a:t>. </a:t>
+            </a:r>
+            <a:r>
+              <a:rPr lang="ru-RU" altLang="ru-RU" sz="2000" dirty="0" smtClean="0">
+                <a:latin typeface="Century Gothic" panose="020B0502020202020204" pitchFamily="34" charset="0"/>
+                <a:ea typeface="Calibri" panose="020F0502020204030204" pitchFamily="34" charset="0"/>
+                <a:cs typeface="Times New Roman" panose="02020603050405020304" pitchFamily="18" charset="0"/>
+              </a:rPr>
+              <a:t>– 68-72 с.</a:t>
+            </a:r>
+          </a:p>
+          <a:p>
+            <a:pPr algn="just">
+              <a:lnSpc>
+                <a:spcPct val="150000"/>
+              </a:lnSpc>
+              <a:defRPr/>
+            </a:pPr>
+            <a:r>
+              <a:rPr lang="ru-RU" altLang="ru-RU" sz="2000" dirty="0" smtClean="0">
+                <a:latin typeface="Century Gothic" panose="020B0502020202020204" pitchFamily="34" charset="0"/>
+                <a:ea typeface="Calibri" panose="020F0502020204030204" pitchFamily="34" charset="0"/>
+                <a:cs typeface="Times New Roman" panose="02020603050405020304" pitchFamily="18" charset="0"/>
+              </a:rPr>
+              <a:t> </a:t>
+            </a:r>
           </a:p>
         </p:txBody>
       </p:sp>
     </p:spTree>
     <p:extLst>
       <p:ext uri="{BB962C8B-B14F-4D97-AF65-F5344CB8AC3E}">
-        <p14:creationId xmlns:p14="http://schemas.microsoft.com/office/powerpoint/2010/main" val="3364366597"/>
+        <p14:creationId xmlns:p14="http://schemas.microsoft.com/office/powerpoint/2010/main" val="628272190"/>
       </p:ext>
     </p:extLst>
   </p:cSld>
   <p:clrMapOvr>
     <a:masterClrMapping/>
   </p:clrMapOvr>
+  <p:timing>
+    <p:tnLst>
+      <p:par>
+        <p:cTn id="1" dur="indefinite" restart="never" nodeType="tmRoot"/>
+      </p:par>
+    </p:tnLst>
+  </p:timing>
 </p:sld>
 </file>
 

--- a/Presentation/NMSTU_Presentation.pptx
+++ b/Presentation/NMSTU_Presentation.pptx
@@ -12,9 +12,10 @@
     <p:sldId id="267" r:id="rId6"/>
     <p:sldId id="261" r:id="rId7"/>
     <p:sldId id="262" r:id="rId8"/>
-    <p:sldId id="266" r:id="rId9"/>
-    <p:sldId id="264" r:id="rId10"/>
-    <p:sldId id="265" r:id="rId11"/>
+    <p:sldId id="268" r:id="rId9"/>
+    <p:sldId id="266" r:id="rId10"/>
+    <p:sldId id="264" r:id="rId11"/>
+    <p:sldId id="265" r:id="rId12"/>
   </p:sldIdLst>
   <p:sldSz cx="12192000" cy="6858000"/>
   <p:notesSz cx="6888163" cy="10020300"/>
@@ -163,10 +164,9 @@
           </a:lstStyle>
           <a:p>
             <a:r>
-              <a:rPr lang="ru-RU" smtClean="0"/>
+              <a:rPr lang="ru-RU"/>
               <a:t>Образец заголовка</a:t>
             </a:r>
-            <a:endParaRPr lang="ru-RU"/>
           </a:p>
         </p:txBody>
       </p:sp>
@@ -228,10 +228,9 @@
           </a:lstStyle>
           <a:p>
             <a:r>
-              <a:rPr lang="ru-RU" smtClean="0"/>
+              <a:rPr lang="ru-RU"/>
               <a:t>Образец подзаголовка</a:t>
             </a:r>
-            <a:endParaRPr lang="ru-RU"/>
           </a:p>
         </p:txBody>
       </p:sp>
@@ -346,10 +345,9 @@
           <a:lstStyle/>
           <a:p>
             <a:r>
-              <a:rPr lang="ru-RU" smtClean="0"/>
+              <a:rPr lang="ru-RU"/>
               <a:t>Образец заголовка</a:t>
             </a:r>
-            <a:endParaRPr lang="ru-RU"/>
           </a:p>
         </p:txBody>
       </p:sp>
@@ -370,38 +368,37 @@
           <a:p>
             <a:pPr lvl="0"/>
             <a:r>
-              <a:rPr lang="ru-RU" smtClean="0"/>
+              <a:rPr lang="ru-RU"/>
               <a:t>Образец текста</a:t>
             </a:r>
           </a:p>
           <a:p>
             <a:pPr lvl="1"/>
             <a:r>
-              <a:rPr lang="ru-RU" smtClean="0"/>
+              <a:rPr lang="ru-RU"/>
               <a:t>Второй уровень</a:t>
             </a:r>
           </a:p>
           <a:p>
             <a:pPr lvl="2"/>
             <a:r>
-              <a:rPr lang="ru-RU" smtClean="0"/>
+              <a:rPr lang="ru-RU"/>
               <a:t>Третий уровень</a:t>
             </a:r>
           </a:p>
           <a:p>
             <a:pPr lvl="3"/>
             <a:r>
-              <a:rPr lang="ru-RU" smtClean="0"/>
+              <a:rPr lang="ru-RU"/>
               <a:t>Четвертый уровень</a:t>
             </a:r>
           </a:p>
           <a:p>
             <a:pPr lvl="4"/>
             <a:r>
-              <a:rPr lang="ru-RU" smtClean="0"/>
+              <a:rPr lang="ru-RU"/>
               <a:t>Пятый уровень</a:t>
             </a:r>
-            <a:endParaRPr lang="ru-RU"/>
           </a:p>
         </p:txBody>
       </p:sp>
@@ -521,10 +518,9 @@
           <a:lstStyle/>
           <a:p>
             <a:r>
-              <a:rPr lang="ru-RU" smtClean="0"/>
+              <a:rPr lang="ru-RU"/>
               <a:t>Образец заголовка</a:t>
             </a:r>
-            <a:endParaRPr lang="ru-RU"/>
           </a:p>
         </p:txBody>
       </p:sp>
@@ -550,38 +546,37 @@
           <a:p>
             <a:pPr lvl="0"/>
             <a:r>
-              <a:rPr lang="ru-RU" smtClean="0"/>
+              <a:rPr lang="ru-RU"/>
               <a:t>Образец текста</a:t>
             </a:r>
           </a:p>
           <a:p>
             <a:pPr lvl="1"/>
             <a:r>
-              <a:rPr lang="ru-RU" smtClean="0"/>
+              <a:rPr lang="ru-RU"/>
               <a:t>Второй уровень</a:t>
             </a:r>
           </a:p>
           <a:p>
             <a:pPr lvl="2"/>
             <a:r>
-              <a:rPr lang="ru-RU" smtClean="0"/>
+              <a:rPr lang="ru-RU"/>
               <a:t>Третий уровень</a:t>
             </a:r>
           </a:p>
           <a:p>
             <a:pPr lvl="3"/>
             <a:r>
-              <a:rPr lang="ru-RU" smtClean="0"/>
+              <a:rPr lang="ru-RU"/>
               <a:t>Четвертый уровень</a:t>
             </a:r>
           </a:p>
           <a:p>
             <a:pPr lvl="4"/>
             <a:r>
-              <a:rPr lang="ru-RU" smtClean="0"/>
+              <a:rPr lang="ru-RU"/>
               <a:t>Пятый уровень</a:t>
             </a:r>
-            <a:endParaRPr lang="ru-RU"/>
           </a:p>
         </p:txBody>
       </p:sp>
@@ -696,10 +691,9 @@
           <a:lstStyle/>
           <a:p>
             <a:r>
-              <a:rPr lang="ru-RU" smtClean="0"/>
+              <a:rPr lang="ru-RU"/>
               <a:t>Образец заголовка</a:t>
             </a:r>
-            <a:endParaRPr lang="ru-RU"/>
           </a:p>
         </p:txBody>
       </p:sp>
@@ -720,38 +714,37 @@
           <a:p>
             <a:pPr lvl="0"/>
             <a:r>
-              <a:rPr lang="ru-RU" smtClean="0"/>
+              <a:rPr lang="ru-RU"/>
               <a:t>Образец текста</a:t>
             </a:r>
           </a:p>
           <a:p>
             <a:pPr lvl="1"/>
             <a:r>
-              <a:rPr lang="ru-RU" smtClean="0"/>
+              <a:rPr lang="ru-RU"/>
               <a:t>Второй уровень</a:t>
             </a:r>
           </a:p>
           <a:p>
             <a:pPr lvl="2"/>
             <a:r>
-              <a:rPr lang="ru-RU" smtClean="0"/>
+              <a:rPr lang="ru-RU"/>
               <a:t>Третий уровень</a:t>
             </a:r>
           </a:p>
           <a:p>
             <a:pPr lvl="3"/>
             <a:r>
-              <a:rPr lang="ru-RU" smtClean="0"/>
+              <a:rPr lang="ru-RU"/>
               <a:t>Четвертый уровень</a:t>
             </a:r>
           </a:p>
           <a:p>
             <a:pPr lvl="4"/>
             <a:r>
-              <a:rPr lang="ru-RU" smtClean="0"/>
+              <a:rPr lang="ru-RU"/>
               <a:t>Пятый уровень</a:t>
             </a:r>
-            <a:endParaRPr lang="ru-RU"/>
           </a:p>
         </p:txBody>
       </p:sp>
@@ -875,10 +868,9 @@
           </a:lstStyle>
           <a:p>
             <a:r>
-              <a:rPr lang="ru-RU" smtClean="0"/>
+              <a:rPr lang="ru-RU"/>
               <a:t>Образец заголовка</a:t>
             </a:r>
-            <a:endParaRPr lang="ru-RU"/>
           </a:p>
         </p:txBody>
       </p:sp>
@@ -995,7 +987,7 @@
           <a:p>
             <a:pPr lvl="0"/>
             <a:r>
-              <a:rPr lang="ru-RU" smtClean="0"/>
+              <a:rPr lang="ru-RU"/>
               <a:t>Образец текста</a:t>
             </a:r>
           </a:p>
@@ -1112,10 +1104,9 @@
           <a:lstStyle/>
           <a:p>
             <a:r>
-              <a:rPr lang="ru-RU" smtClean="0"/>
+              <a:rPr lang="ru-RU"/>
               <a:t>Образец заголовка</a:t>
             </a:r>
-            <a:endParaRPr lang="ru-RU"/>
           </a:p>
         </p:txBody>
       </p:sp>
@@ -1141,38 +1132,37 @@
           <a:p>
             <a:pPr lvl="0"/>
             <a:r>
-              <a:rPr lang="ru-RU" smtClean="0"/>
+              <a:rPr lang="ru-RU"/>
               <a:t>Образец текста</a:t>
             </a:r>
           </a:p>
           <a:p>
             <a:pPr lvl="1"/>
             <a:r>
-              <a:rPr lang="ru-RU" smtClean="0"/>
+              <a:rPr lang="ru-RU"/>
               <a:t>Второй уровень</a:t>
             </a:r>
           </a:p>
           <a:p>
             <a:pPr lvl="2"/>
             <a:r>
-              <a:rPr lang="ru-RU" smtClean="0"/>
+              <a:rPr lang="ru-RU"/>
               <a:t>Третий уровень</a:t>
             </a:r>
           </a:p>
           <a:p>
             <a:pPr lvl="3"/>
             <a:r>
-              <a:rPr lang="ru-RU" smtClean="0"/>
+              <a:rPr lang="ru-RU"/>
               <a:t>Четвертый уровень</a:t>
             </a:r>
           </a:p>
           <a:p>
             <a:pPr lvl="4"/>
             <a:r>
-              <a:rPr lang="ru-RU" smtClean="0"/>
+              <a:rPr lang="ru-RU"/>
               <a:t>Пятый уровень</a:t>
             </a:r>
-            <a:endParaRPr lang="ru-RU"/>
           </a:p>
         </p:txBody>
       </p:sp>
@@ -1198,38 +1188,37 @@
           <a:p>
             <a:pPr lvl="0"/>
             <a:r>
-              <a:rPr lang="ru-RU" smtClean="0"/>
+              <a:rPr lang="ru-RU"/>
               <a:t>Образец текста</a:t>
             </a:r>
           </a:p>
           <a:p>
             <a:pPr lvl="1"/>
             <a:r>
-              <a:rPr lang="ru-RU" smtClean="0"/>
+              <a:rPr lang="ru-RU"/>
               <a:t>Второй уровень</a:t>
             </a:r>
           </a:p>
           <a:p>
             <a:pPr lvl="2"/>
             <a:r>
-              <a:rPr lang="ru-RU" smtClean="0"/>
+              <a:rPr lang="ru-RU"/>
               <a:t>Третий уровень</a:t>
             </a:r>
           </a:p>
           <a:p>
             <a:pPr lvl="3"/>
             <a:r>
-              <a:rPr lang="ru-RU" smtClean="0"/>
+              <a:rPr lang="ru-RU"/>
               <a:t>Четвертый уровень</a:t>
             </a:r>
           </a:p>
           <a:p>
             <a:pPr lvl="4"/>
             <a:r>
-              <a:rPr lang="ru-RU" smtClean="0"/>
+              <a:rPr lang="ru-RU"/>
               <a:t>Пятый уровень</a:t>
             </a:r>
-            <a:endParaRPr lang="ru-RU"/>
           </a:p>
         </p:txBody>
       </p:sp>
@@ -1349,10 +1338,9 @@
           <a:lstStyle/>
           <a:p>
             <a:r>
-              <a:rPr lang="ru-RU" smtClean="0"/>
+              <a:rPr lang="ru-RU"/>
               <a:t>Образец заголовка</a:t>
             </a:r>
-            <a:endParaRPr lang="ru-RU"/>
           </a:p>
         </p:txBody>
       </p:sp>
@@ -1415,7 +1403,7 @@
           <a:p>
             <a:pPr lvl="0"/>
             <a:r>
-              <a:rPr lang="ru-RU" smtClean="0"/>
+              <a:rPr lang="ru-RU"/>
               <a:t>Образец текста</a:t>
             </a:r>
           </a:p>
@@ -1443,38 +1431,37 @@
           <a:p>
             <a:pPr lvl="0"/>
             <a:r>
-              <a:rPr lang="ru-RU" smtClean="0"/>
+              <a:rPr lang="ru-RU"/>
               <a:t>Образец текста</a:t>
             </a:r>
           </a:p>
           <a:p>
             <a:pPr lvl="1"/>
             <a:r>
-              <a:rPr lang="ru-RU" smtClean="0"/>
+              <a:rPr lang="ru-RU"/>
               <a:t>Второй уровень</a:t>
             </a:r>
           </a:p>
           <a:p>
             <a:pPr lvl="2"/>
             <a:r>
-              <a:rPr lang="ru-RU" smtClean="0"/>
+              <a:rPr lang="ru-RU"/>
               <a:t>Третий уровень</a:t>
             </a:r>
           </a:p>
           <a:p>
             <a:pPr lvl="3"/>
             <a:r>
-              <a:rPr lang="ru-RU" smtClean="0"/>
+              <a:rPr lang="ru-RU"/>
               <a:t>Четвертый уровень</a:t>
             </a:r>
           </a:p>
           <a:p>
             <a:pPr lvl="4"/>
             <a:r>
-              <a:rPr lang="ru-RU" smtClean="0"/>
+              <a:rPr lang="ru-RU"/>
               <a:t>Пятый уровень</a:t>
             </a:r>
-            <a:endParaRPr lang="ru-RU"/>
           </a:p>
         </p:txBody>
       </p:sp>
@@ -1537,7 +1524,7 @@
           <a:p>
             <a:pPr lvl="0"/>
             <a:r>
-              <a:rPr lang="ru-RU" smtClean="0"/>
+              <a:rPr lang="ru-RU"/>
               <a:t>Образец текста</a:t>
             </a:r>
           </a:p>
@@ -1565,38 +1552,37 @@
           <a:p>
             <a:pPr lvl="0"/>
             <a:r>
-              <a:rPr lang="ru-RU" smtClean="0"/>
+              <a:rPr lang="ru-RU"/>
               <a:t>Образец текста</a:t>
             </a:r>
           </a:p>
           <a:p>
             <a:pPr lvl="1"/>
             <a:r>
-              <a:rPr lang="ru-RU" smtClean="0"/>
+              <a:rPr lang="ru-RU"/>
               <a:t>Второй уровень</a:t>
             </a:r>
           </a:p>
           <a:p>
             <a:pPr lvl="2"/>
             <a:r>
-              <a:rPr lang="ru-RU" smtClean="0"/>
+              <a:rPr lang="ru-RU"/>
               <a:t>Третий уровень</a:t>
             </a:r>
           </a:p>
           <a:p>
             <a:pPr lvl="3"/>
             <a:r>
-              <a:rPr lang="ru-RU" smtClean="0"/>
+              <a:rPr lang="ru-RU"/>
               <a:t>Четвертый уровень</a:t>
             </a:r>
           </a:p>
           <a:p>
             <a:pPr lvl="4"/>
             <a:r>
-              <a:rPr lang="ru-RU" smtClean="0"/>
+              <a:rPr lang="ru-RU"/>
               <a:t>Пятый уровень</a:t>
             </a:r>
-            <a:endParaRPr lang="ru-RU"/>
           </a:p>
         </p:txBody>
       </p:sp>
@@ -1711,10 +1697,9 @@
           <a:lstStyle/>
           <a:p>
             <a:r>
-              <a:rPr lang="ru-RU" smtClean="0"/>
+              <a:rPr lang="ru-RU"/>
               <a:t>Образец заголовка</a:t>
             </a:r>
-            <a:endParaRPr lang="ru-RU"/>
           </a:p>
         </p:txBody>
       </p:sp>
@@ -1933,10 +1918,9 @@
           </a:lstStyle>
           <a:p>
             <a:r>
-              <a:rPr lang="ru-RU" smtClean="0"/>
+              <a:rPr lang="ru-RU"/>
               <a:t>Образец заголовка</a:t>
             </a:r>
-            <a:endParaRPr lang="ru-RU"/>
           </a:p>
         </p:txBody>
       </p:sp>
@@ -1990,38 +1974,37 @@
           <a:p>
             <a:pPr lvl="0"/>
             <a:r>
-              <a:rPr lang="ru-RU" smtClean="0"/>
+              <a:rPr lang="ru-RU"/>
               <a:t>Образец текста</a:t>
             </a:r>
           </a:p>
           <a:p>
             <a:pPr lvl="1"/>
             <a:r>
-              <a:rPr lang="ru-RU" smtClean="0"/>
+              <a:rPr lang="ru-RU"/>
               <a:t>Второй уровень</a:t>
             </a:r>
           </a:p>
           <a:p>
             <a:pPr lvl="2"/>
             <a:r>
-              <a:rPr lang="ru-RU" smtClean="0"/>
+              <a:rPr lang="ru-RU"/>
               <a:t>Третий уровень</a:t>
             </a:r>
           </a:p>
           <a:p>
             <a:pPr lvl="3"/>
             <a:r>
-              <a:rPr lang="ru-RU" smtClean="0"/>
+              <a:rPr lang="ru-RU"/>
               <a:t>Четвертый уровень</a:t>
             </a:r>
           </a:p>
           <a:p>
             <a:pPr lvl="4"/>
             <a:r>
-              <a:rPr lang="ru-RU" smtClean="0"/>
+              <a:rPr lang="ru-RU"/>
               <a:t>Пятый уровень</a:t>
             </a:r>
-            <a:endParaRPr lang="ru-RU"/>
           </a:p>
         </p:txBody>
       </p:sp>
@@ -2084,7 +2067,7 @@
           <a:p>
             <a:pPr lvl="0"/>
             <a:r>
-              <a:rPr lang="ru-RU" smtClean="0"/>
+              <a:rPr lang="ru-RU"/>
               <a:t>Образец текста</a:t>
             </a:r>
           </a:p>
@@ -2210,10 +2193,9 @@
           </a:lstStyle>
           <a:p>
             <a:r>
-              <a:rPr lang="ru-RU" smtClean="0"/>
+              <a:rPr lang="ru-RU"/>
               <a:t>Образец заголовка</a:t>
             </a:r>
-            <a:endParaRPr lang="ru-RU"/>
           </a:p>
         </p:txBody>
       </p:sp>
@@ -2337,7 +2319,7 @@
           <a:p>
             <a:pPr lvl="0"/>
             <a:r>
-              <a:rPr lang="ru-RU" smtClean="0"/>
+              <a:rPr lang="ru-RU"/>
               <a:t>Образец текста</a:t>
             </a:r>
           </a:p>
@@ -2469,10 +2451,9 @@
           <a:lstStyle/>
           <a:p>
             <a:r>
-              <a:rPr lang="ru-RU" smtClean="0"/>
+              <a:rPr lang="ru-RU"/>
               <a:t>Образец заголовка</a:t>
             </a:r>
-            <a:endParaRPr lang="ru-RU"/>
           </a:p>
         </p:txBody>
       </p:sp>
@@ -2503,38 +2484,37 @@
           <a:p>
             <a:pPr lvl="0"/>
             <a:r>
-              <a:rPr lang="ru-RU" smtClean="0"/>
+              <a:rPr lang="ru-RU"/>
               <a:t>Образец текста</a:t>
             </a:r>
           </a:p>
           <a:p>
             <a:pPr lvl="1"/>
             <a:r>
-              <a:rPr lang="ru-RU" smtClean="0"/>
+              <a:rPr lang="ru-RU"/>
               <a:t>Второй уровень</a:t>
             </a:r>
           </a:p>
           <a:p>
             <a:pPr lvl="2"/>
             <a:r>
-              <a:rPr lang="ru-RU" smtClean="0"/>
+              <a:rPr lang="ru-RU"/>
               <a:t>Третий уровень</a:t>
             </a:r>
           </a:p>
           <a:p>
             <a:pPr lvl="3"/>
             <a:r>
-              <a:rPr lang="ru-RU" smtClean="0"/>
+              <a:rPr lang="ru-RU"/>
               <a:t>Четвертый уровень</a:t>
             </a:r>
           </a:p>
           <a:p>
             <a:pPr lvl="4"/>
             <a:r>
-              <a:rPr lang="ru-RU" smtClean="0"/>
+              <a:rPr lang="ru-RU"/>
               <a:t>Пятый уровень</a:t>
             </a:r>
-            <a:endParaRPr lang="ru-RU"/>
           </a:p>
         </p:txBody>
       </p:sp>
@@ -3332,58 +3312,22 @@
               </a:spcBef>
             </a:pPr>
             <a:r>
-              <a:rPr lang="ru-RU" altLang="ru-RU" dirty="0" smtClean="0">
-                <a:solidFill>
-                  <a:srgbClr val="323C8D"/>
-                </a:solidFill>
-                <a:latin typeface="Century Gothic" panose="020B0502020202020204" pitchFamily="34" charset="0"/>
-              </a:rPr>
-              <a:t>Выполнил: студент </a:t>
-            </a:r>
-            <a:r>
-              <a:rPr lang="ru-RU" altLang="ru-RU" dirty="0" smtClean="0">
-                <a:solidFill>
-                  <a:srgbClr val="323C8D"/>
-                </a:solidFill>
-                <a:latin typeface="Century Gothic" panose="020B0502020202020204" pitchFamily="34" charset="0"/>
-              </a:rPr>
-              <a:t>группы</a:t>
-            </a:r>
-            <a:r>
-              <a:rPr lang="en-US" altLang="ru-RU" dirty="0" smtClean="0">
-                <a:solidFill>
-                  <a:srgbClr val="323C8D"/>
-                </a:solidFill>
-                <a:latin typeface="Century Gothic" panose="020B0502020202020204" pitchFamily="34" charset="0"/>
-              </a:rPr>
-              <a:t> </a:t>
-            </a:r>
-            <a:r>
-              <a:rPr lang="ru-RU" altLang="ru-RU" dirty="0" smtClean="0">
-                <a:solidFill>
-                  <a:srgbClr val="323C8D"/>
-                </a:solidFill>
-                <a:latin typeface="Century Gothic" panose="020B0502020202020204" pitchFamily="34" charset="0"/>
-              </a:rPr>
-              <a:t>АВб-21-12                                       Шемякин </a:t>
-            </a:r>
-            <a:r>
               <a:rPr lang="ru-RU" altLang="ru-RU" dirty="0">
                 <a:solidFill>
                   <a:srgbClr val="323C8D"/>
                 </a:solidFill>
                 <a:latin typeface="Century Gothic" panose="020B0502020202020204" pitchFamily="34" charset="0"/>
               </a:rPr>
-              <a:t>К</a:t>
-            </a:r>
-            <a:r>
-              <a:rPr lang="ru-RU" altLang="ru-RU" dirty="0" smtClean="0">
+              <a:t>Выполнил: студент группы</a:t>
+            </a:r>
+            <a:r>
+              <a:rPr lang="en-US" altLang="ru-RU" dirty="0">
                 <a:solidFill>
                   <a:srgbClr val="323C8D"/>
                 </a:solidFill>
                 <a:latin typeface="Century Gothic" panose="020B0502020202020204" pitchFamily="34" charset="0"/>
               </a:rPr>
-              <a:t>. </a:t>
+              <a:t> </a:t>
             </a:r>
             <a:r>
               <a:rPr lang="ru-RU" altLang="ru-RU" dirty="0">
@@ -3392,23 +3336,8 @@
                 </a:solidFill>
                 <a:latin typeface="Century Gothic" panose="020B0502020202020204" pitchFamily="34" charset="0"/>
               </a:rPr>
-              <a:t>А</a:t>
-            </a:r>
-            <a:r>
-              <a:rPr lang="ru-RU" altLang="ru-RU" dirty="0" smtClean="0">
-                <a:solidFill>
-                  <a:srgbClr val="323C8D"/>
-                </a:solidFill>
-                <a:latin typeface="Century Gothic" panose="020B0502020202020204" pitchFamily="34" charset="0"/>
-              </a:rPr>
-              <a:t>.</a:t>
-            </a:r>
-            <a:endParaRPr lang="ru-RU" altLang="ru-RU" dirty="0" smtClean="0">
-              <a:solidFill>
-                <a:srgbClr val="323C8D"/>
-              </a:solidFill>
-              <a:latin typeface="Century Gothic" panose="020B0502020202020204" pitchFamily="34" charset="0"/>
-            </a:endParaRPr>
+              <a:t>АВб-21-12                                       Шемякин К. А.</a:t>
+            </a:r>
           </a:p>
           <a:p>
             <a:pPr>
@@ -3420,65 +3349,14 @@
               </a:spcBef>
             </a:pPr>
             <a:r>
-              <a:rPr lang="ru-RU" altLang="ru-RU" dirty="0" smtClean="0">
-                <a:solidFill>
-                  <a:srgbClr val="323C8D"/>
-                </a:solidFill>
-                <a:latin typeface="Century Gothic" panose="020B0502020202020204" pitchFamily="34" charset="0"/>
-              </a:rPr>
-              <a:t>Руководитель: доцент, к.т.н.                                                      </a:t>
-            </a:r>
-            <a:r>
-              <a:rPr lang="ru-RU" altLang="ru-RU" dirty="0" smtClean="0">
-                <a:solidFill>
-                  <a:srgbClr val="323C8D"/>
-                </a:solidFill>
-                <a:latin typeface="Century Gothic" panose="020B0502020202020204" pitchFamily="34" charset="0"/>
-              </a:rPr>
-              <a:t> Калитаев </a:t>
-            </a:r>
-            <a:r>
               <a:rPr lang="ru-RU" altLang="ru-RU" dirty="0">
                 <a:solidFill>
                   <a:srgbClr val="323C8D"/>
                 </a:solidFill>
                 <a:latin typeface="Century Gothic" panose="020B0502020202020204" pitchFamily="34" charset="0"/>
               </a:rPr>
-              <a:t>А</a:t>
-            </a:r>
-            <a:r>
-              <a:rPr lang="ru-RU" altLang="ru-RU" dirty="0" smtClean="0">
-                <a:solidFill>
-                  <a:srgbClr val="323C8D"/>
-                </a:solidFill>
-                <a:latin typeface="Century Gothic" panose="020B0502020202020204" pitchFamily="34" charset="0"/>
-              </a:rPr>
-              <a:t>. </a:t>
-            </a:r>
-            <a:r>
-              <a:rPr lang="ru-RU" altLang="ru-RU" dirty="0">
-                <a:solidFill>
-                  <a:srgbClr val="323C8D"/>
-                </a:solidFill>
-                <a:latin typeface="Century Gothic" panose="020B0502020202020204" pitchFamily="34" charset="0"/>
-              </a:rPr>
-              <a:t>Н</a:t>
-            </a:r>
-            <a:r>
-              <a:rPr lang="ru-RU" altLang="ru-RU" dirty="0" smtClean="0">
-                <a:solidFill>
-                  <a:srgbClr val="323C8D"/>
-                </a:solidFill>
-                <a:latin typeface="Century Gothic" panose="020B0502020202020204" pitchFamily="34" charset="0"/>
-              </a:rPr>
-              <a:t>.</a:t>
-            </a:r>
-            <a:endParaRPr lang="ru-RU" altLang="ru-RU" dirty="0">
-              <a:solidFill>
-                <a:srgbClr val="323C8D"/>
-              </a:solidFill>
-              <a:latin typeface="Century Gothic" panose="020B0502020202020204" pitchFamily="34" charset="0"/>
-            </a:endParaRPr>
+              <a:t>Руководитель: доцент, к.т.н.                                                       Калитаев А. Н.</a:t>
+            </a:r>
           </a:p>
         </p:txBody>
       </p:sp>
@@ -3677,7 +3555,7 @@
               <a:defRPr/>
             </a:pPr>
             <a:r>
-              <a:rPr lang="ru-RU" sz="4000" b="1" cap="all" dirty="0" smtClean="0">
+              <a:rPr lang="ru-RU" sz="4000" b="1" cap="all" dirty="0">
                 <a:solidFill>
                   <a:srgbClr val="323C8D"/>
                 </a:solidFill>
@@ -3693,7 +3571,7 @@
               <a:t>Разработка программной библиотеки для осуществления прямого управления эмбоссером </a:t>
             </a:r>
             <a:r>
-              <a:rPr lang="en-US" sz="4000" b="1" cap="all" dirty="0" smtClean="0">
+              <a:rPr lang="en-US" sz="4000" b="1" cap="all" dirty="0">
                 <a:solidFill>
                   <a:srgbClr val="323C8D"/>
                 </a:solidFill>
@@ -3722,13 +3600,6 @@
   <p:clrMapOvr>
     <a:masterClrMapping/>
   </p:clrMapOvr>
-  <p:timing>
-    <p:tnLst>
-      <p:par>
-        <p:cTn id="1" dur="indefinite" restart="never" nodeType="tmRoot"/>
-      </p:par>
-    </p:tnLst>
-  </p:timing>
 </p:sld>
 </file>
 
@@ -3749,16 +3620,70 @@
           <a:chExt cx="0" cy="0"/>
         </a:xfrm>
       </p:grpSpPr>
-      <p:sp>
-        <p:nvSpPr>
-          <p:cNvPr id="2" name="TextBox 1"/>
+      <p:pic>
+        <p:nvPicPr>
+          <p:cNvPr id="2" name="Picture 2" descr="C:\Users\Андрей\Desktop\1\Безымянный-1.png"/>
+          <p:cNvPicPr>
+            <a:picLocks noChangeAspect="1" noChangeArrowheads="1"/>
+          </p:cNvPicPr>
+          <p:nvPr/>
+        </p:nvPicPr>
+        <p:blipFill>
+          <a:blip r:embed="rId2">
+            <a:extLst>
+              <a:ext uri="{28A0092B-C50C-407E-A947-70E740481C1C}">
+                <a14:useLocalDpi xmlns:a14="http://schemas.microsoft.com/office/drawing/2010/main" val="0"/>
+              </a:ext>
+            </a:extLst>
+          </a:blip>
+          <a:srcRect/>
+          <a:stretch>
+            <a:fillRect/>
+          </a:stretch>
+        </p:blipFill>
+        <p:spPr bwMode="auto">
+          <a:xfrm>
+            <a:off x="0" y="0"/>
+            <a:ext cx="12192000" cy="982639"/>
+          </a:xfrm>
+          <a:prstGeom prst="rect">
+            <a:avLst/>
+          </a:prstGeom>
+          <a:noFill/>
+          <a:ln>
+            <a:noFill/>
+          </a:ln>
+          <a:extLst>
+            <a:ext uri="{909E8E84-426E-40DD-AFC4-6F175D3DCCD1}">
+              <a14:hiddenFill xmlns:a14="http://schemas.microsoft.com/office/drawing/2010/main">
+                <a:solidFill>
+                  <a:srgbClr val="FFFFFF"/>
+                </a:solidFill>
+              </a14:hiddenFill>
+            </a:ext>
+            <a:ext uri="{91240B29-F687-4F45-9708-019B960494DF}">
+              <a14:hiddenLine xmlns:a14="http://schemas.microsoft.com/office/drawing/2010/main" w="9525">
+                <a:solidFill>
+                  <a:srgbClr val="000000"/>
+                </a:solidFill>
+                <a:miter lim="800000"/>
+                <a:headEnd/>
+                <a:tailEnd/>
+              </a14:hiddenLine>
+            </a:ext>
+          </a:extLst>
+        </p:spPr>
+      </p:pic>
+      <p:sp>
+        <p:nvSpPr>
+          <p:cNvPr id="5" name="TextBox 4"/>
           <p:cNvSpPr txBox="1"/>
           <p:nvPr/>
         </p:nvSpPr>
         <p:spPr>
           <a:xfrm>
-            <a:off x="2737633" y="1009934"/>
-            <a:ext cx="6835526" cy="4524315"/>
+            <a:off x="4612943" y="450376"/>
+            <a:ext cx="184731" cy="369332"/>
           </a:xfrm>
           <a:prstGeom prst="rect">
             <a:avLst/>
@@ -3771,9 +3696,212 @@
           </a:bodyPr>
           <a:lstStyle/>
           <a:p>
+            <a:endParaRPr lang="ru-RU" dirty="0"/>
+          </a:p>
+        </p:txBody>
+      </p:sp>
+      <p:sp>
+        <p:nvSpPr>
+          <p:cNvPr id="7" name="TextBox 6"/>
+          <p:cNvSpPr txBox="1"/>
+          <p:nvPr/>
+        </p:nvSpPr>
+        <p:spPr>
+          <a:xfrm>
+            <a:off x="1770145" y="82785"/>
+            <a:ext cx="8651728" cy="707886"/>
+          </a:xfrm>
+          <a:prstGeom prst="rect">
+            <a:avLst/>
+          </a:prstGeom>
+          <a:noFill/>
+        </p:spPr>
+        <p:txBody>
+          <a:bodyPr wrap="none" rtlCol="0">
+            <a:spAutoFit/>
+          </a:bodyPr>
+          <a:lstStyle/>
+          <a:p>
             <a:pPr algn="ctr"/>
             <a:r>
-              <a:rPr lang="ru-RU" sz="9600" dirty="0" smtClean="0">
+              <a:rPr lang="ru-RU" sz="4000" dirty="0">
+                <a:solidFill>
+                  <a:schemeClr val="bg1">
+                    <a:lumMod val="95000"/>
+                  </a:schemeClr>
+                </a:solidFill>
+                <a:effectLst>
+                  <a:outerShdw blurRad="38100" dist="38100" dir="2700000" algn="tl">
+                    <a:srgbClr val="000000">
+                      <a:alpha val="43137"/>
+                    </a:srgbClr>
+                  </a:outerShdw>
+                </a:effectLst>
+                <a:latin typeface="Century Gothic" panose="020B0502020202020204" pitchFamily="34" charset="0"/>
+              </a:rPr>
+              <a:t>Публикации за период обучения</a:t>
+            </a:r>
+          </a:p>
+        </p:txBody>
+      </p:sp>
+      <p:sp>
+        <p:nvSpPr>
+          <p:cNvPr id="8" name="Прямоугольник 7"/>
+          <p:cNvSpPr/>
+          <p:nvPr/>
+        </p:nvSpPr>
+        <p:spPr>
+          <a:xfrm>
+            <a:off x="354843" y="1187299"/>
+            <a:ext cx="11600596" cy="5632311"/>
+          </a:xfrm>
+          <a:prstGeom prst="rect">
+            <a:avLst/>
+          </a:prstGeom>
+        </p:spPr>
+        <p:txBody>
+          <a:bodyPr wrap="square">
+            <a:spAutoFit/>
+          </a:bodyPr>
+          <a:lstStyle/>
+          <a:p>
+            <a:pPr algn="just">
+              <a:lnSpc>
+                <a:spcPct val="150000"/>
+              </a:lnSpc>
+              <a:spcAft>
+                <a:spcPts val="1200"/>
+              </a:spcAft>
+              <a:defRPr/>
+            </a:pPr>
+            <a:r>
+              <a:rPr lang="en-US" altLang="ru-RU" sz="1700" dirty="0">
+                <a:latin typeface="Century Gothic" panose="020B0502020202020204" pitchFamily="34" charset="0"/>
+                <a:ea typeface="Calibri" panose="020F0502020204030204" pitchFamily="34" charset="0"/>
+                <a:cs typeface="Times New Roman" panose="02020603050405020304" pitchFamily="18" charset="0"/>
+              </a:rPr>
+              <a:t>	</a:t>
+            </a:r>
+            <a:r>
+              <a:rPr lang="ru-RU" altLang="ru-RU" sz="2000" dirty="0">
+                <a:latin typeface="Century Gothic" panose="020B0502020202020204" pitchFamily="34" charset="0"/>
+                <a:ea typeface="Calibri" panose="020F0502020204030204" pitchFamily="34" charset="0"/>
+                <a:cs typeface="Times New Roman" panose="02020603050405020304" pitchFamily="18" charset="0"/>
+              </a:rPr>
+              <a:t>1.	Калюжная А. В. Мониторинг в непрерывном производстве / Калюжная А.В., Егорова Л. Г. // Передовые инновационные разработки. Перспективы и опыт использования, проблемы внедрения в производство – М.: «Конверт». – 2019. – 100-101 с.</a:t>
+            </a:r>
+          </a:p>
+          <a:p>
+            <a:pPr algn="just">
+              <a:lnSpc>
+                <a:spcPct val="150000"/>
+              </a:lnSpc>
+              <a:spcAft>
+                <a:spcPts val="1200"/>
+              </a:spcAft>
+              <a:defRPr/>
+            </a:pPr>
+            <a:r>
+              <a:rPr lang="ru-RU" altLang="ru-RU" sz="2000" dirty="0">
+                <a:latin typeface="Century Gothic" panose="020B0502020202020204" pitchFamily="34" charset="0"/>
+                <a:ea typeface="Calibri" panose="020F0502020204030204" pitchFamily="34" charset="0"/>
+                <a:cs typeface="Times New Roman" panose="02020603050405020304" pitchFamily="18" charset="0"/>
+              </a:rPr>
+              <a:t>	2. 	Калюжная А. В. Автоматизация мониторинга непрерывного производства / Калюжная А.В., Егорова Л. Г. // Тезисы 77-й международной научно-технической конференции «актуальные проблемы современной науки, техники и образования». – Мгн, 2019. – 354 с.</a:t>
+            </a:r>
+          </a:p>
+          <a:p>
+            <a:pPr algn="just">
+              <a:lnSpc>
+                <a:spcPct val="150000"/>
+              </a:lnSpc>
+              <a:spcAft>
+                <a:spcPts val="1200"/>
+              </a:spcAft>
+              <a:defRPr/>
+            </a:pPr>
+            <a:r>
+              <a:rPr lang="ru-RU" altLang="ru-RU" sz="2000" dirty="0">
+                <a:latin typeface="Century Gothic" panose="020B0502020202020204" pitchFamily="34" charset="0"/>
+                <a:ea typeface="Calibri" panose="020F0502020204030204" pitchFamily="34" charset="0"/>
+                <a:cs typeface="Times New Roman" panose="02020603050405020304" pitchFamily="18" charset="0"/>
+              </a:rPr>
+              <a:t>	3. Калюжная А. В. Реинжиниринг бизнес-процессов предприятия на основе нотации BPMN // Сборник научных трудов XXI-й Российской научной конференции. Том 1. 26-28 апреля 2018 г. – М.: ФГБОУ ВО «РЭУ им. Г. В. Плеханова». – 2018. – 68-72 с.</a:t>
+            </a:r>
+          </a:p>
+          <a:p>
+            <a:pPr algn="just">
+              <a:lnSpc>
+                <a:spcPct val="150000"/>
+              </a:lnSpc>
+              <a:defRPr/>
+            </a:pPr>
+            <a:r>
+              <a:rPr lang="ru-RU" altLang="ru-RU" sz="2000" dirty="0">
+                <a:latin typeface="Century Gothic" panose="020B0502020202020204" pitchFamily="34" charset="0"/>
+                <a:ea typeface="Calibri" panose="020F0502020204030204" pitchFamily="34" charset="0"/>
+                <a:cs typeface="Times New Roman" panose="02020603050405020304" pitchFamily="18" charset="0"/>
+              </a:rPr>
+              <a:t> </a:t>
+            </a:r>
+          </a:p>
+        </p:txBody>
+      </p:sp>
+    </p:spTree>
+    <p:extLst>
+      <p:ext uri="{BB962C8B-B14F-4D97-AF65-F5344CB8AC3E}">
+        <p14:creationId xmlns:p14="http://schemas.microsoft.com/office/powerpoint/2010/main" val="628272190"/>
+      </p:ext>
+    </p:extLst>
+  </p:cSld>
+  <p:clrMapOvr>
+    <a:masterClrMapping/>
+  </p:clrMapOvr>
+</p:sld>
+</file>
+
+<file path=ppt/slides/slide11.xml><?xml version="1.0" encoding="utf-8"?>
+<p:sld xmlns:a="http://schemas.openxmlformats.org/drawingml/2006/main" xmlns:r="http://schemas.openxmlformats.org/officeDocument/2006/relationships" xmlns:p="http://schemas.openxmlformats.org/presentationml/2006/main">
+  <p:cSld>
+    <p:spTree>
+      <p:nvGrpSpPr>
+        <p:cNvPr id="1" name=""/>
+        <p:cNvGrpSpPr/>
+        <p:nvPr/>
+      </p:nvGrpSpPr>
+      <p:grpSpPr>
+        <a:xfrm>
+          <a:off x="0" y="0"/>
+          <a:ext cx="0" cy="0"/>
+          <a:chOff x="0" y="0"/>
+          <a:chExt cx="0" cy="0"/>
+        </a:xfrm>
+      </p:grpSpPr>
+      <p:sp>
+        <p:nvSpPr>
+          <p:cNvPr id="2" name="TextBox 1"/>
+          <p:cNvSpPr txBox="1"/>
+          <p:nvPr/>
+        </p:nvSpPr>
+        <p:spPr>
+          <a:xfrm>
+            <a:off x="2737633" y="1009934"/>
+            <a:ext cx="6835526" cy="4524315"/>
+          </a:xfrm>
+          <a:prstGeom prst="rect">
+            <a:avLst/>
+          </a:prstGeom>
+          <a:noFill/>
+        </p:spPr>
+        <p:txBody>
+          <a:bodyPr wrap="none" rtlCol="0">
+            <a:spAutoFit/>
+          </a:bodyPr>
+          <a:lstStyle/>
+          <a:p>
+            <a:pPr algn="ctr"/>
+            <a:r>
+              <a:rPr lang="ru-RU" sz="9600" dirty="0">
                 <a:solidFill>
                   <a:srgbClr val="002060"/>
                 </a:solidFill>
@@ -3785,7 +3913,7 @@
           <a:p>
             <a:pPr algn="ctr"/>
             <a:r>
-              <a:rPr lang="ru-RU" sz="9600" dirty="0" smtClean="0">
+              <a:rPr lang="ru-RU" sz="9600" dirty="0">
                 <a:solidFill>
                   <a:srgbClr val="002060"/>
                 </a:solidFill>
@@ -3797,7 +3925,7 @@
           <a:p>
             <a:pPr algn="ctr"/>
             <a:r>
-              <a:rPr lang="ru-RU" sz="9600" dirty="0" smtClean="0">
+              <a:rPr lang="ru-RU" sz="9600" dirty="0">
                 <a:solidFill>
                   <a:srgbClr val="002060"/>
                 </a:solidFill>
@@ -3805,12 +3933,6 @@
               </a:rPr>
               <a:t>внимание!</a:t>
             </a:r>
-            <a:endParaRPr lang="ru-RU" sz="9600" dirty="0">
-              <a:solidFill>
-                <a:srgbClr val="002060"/>
-              </a:solidFill>
-              <a:latin typeface="Century Gothic" panose="020B0502020202020204" pitchFamily="34" charset="0"/>
-            </a:endParaRPr>
           </a:p>
         </p:txBody>
       </p:sp>
@@ -3926,7 +4048,7 @@
               <a:defRPr/>
             </a:pPr>
             <a:r>
-              <a:rPr lang="ru-RU" altLang="ru-RU" sz="2400" b="1" dirty="0" smtClean="0">
+              <a:rPr lang="ru-RU" altLang="ru-RU" sz="2400" b="1" dirty="0">
                 <a:latin typeface="Century Gothic" panose="020B0502020202020204" pitchFamily="34" charset="0"/>
                 <a:ea typeface="Calibri" panose="020F0502020204030204" pitchFamily="34" charset="0"/>
                 <a:cs typeface="Times New Roman" panose="02020603050405020304" pitchFamily="18" charset="0"/>
@@ -3934,18 +4056,13 @@
               <a:t>Объект</a:t>
             </a:r>
             <a:r>
-              <a:rPr lang="ru-RU" altLang="ru-RU" sz="2000" b="1" dirty="0" smtClean="0">
+              <a:rPr lang="ru-RU" altLang="ru-RU" sz="2000" b="1" dirty="0">
                 <a:latin typeface="Century Gothic" panose="020B0502020202020204" pitchFamily="34" charset="0"/>
                 <a:ea typeface="Calibri" panose="020F0502020204030204" pitchFamily="34" charset="0"/>
                 <a:cs typeface="Times New Roman" panose="02020603050405020304" pitchFamily="18" charset="0"/>
               </a:rPr>
               <a:t>:</a:t>
             </a:r>
-            <a:endParaRPr lang="ru-RU" altLang="ru-RU" sz="2000" b="1" dirty="0" smtClean="0">
-              <a:latin typeface="Century Gothic" panose="020B0502020202020204" pitchFamily="34" charset="0"/>
-              <a:ea typeface="Calibri" panose="020F0502020204030204" pitchFamily="34" charset="0"/>
-              <a:cs typeface="Times New Roman" panose="02020603050405020304" pitchFamily="18" charset="0"/>
-            </a:endParaRPr>
           </a:p>
           <a:p>
             <a:pPr algn="just">
@@ -3955,7 +4072,7 @@
               <a:defRPr/>
             </a:pPr>
             <a:r>
-              <a:rPr lang="ru-RU" altLang="ru-RU" sz="2000" dirty="0" smtClean="0">
+              <a:rPr lang="ru-RU" altLang="ru-RU" sz="2000" dirty="0">
                 <a:latin typeface="Century Gothic" panose="020B0502020202020204" pitchFamily="34" charset="0"/>
                 <a:ea typeface="Calibri" panose="020F0502020204030204" pitchFamily="34" charset="0"/>
                 <a:cs typeface="Times New Roman" panose="02020603050405020304" pitchFamily="18" charset="0"/>
@@ -3963,7 +4080,7 @@
               <a:t>Процесс записи информации о клиенте банка на чип пластиковой карты через кардридерный модуль эмбоссера </a:t>
             </a:r>
             <a:r>
-              <a:rPr lang="en-US" altLang="ru-RU" sz="2000" dirty="0" smtClean="0">
+              <a:rPr lang="en-US" altLang="ru-RU" sz="2000" dirty="0">
                 <a:latin typeface="Century Gothic" panose="020B0502020202020204" pitchFamily="34" charset="0"/>
                 <a:ea typeface="Calibri" panose="020F0502020204030204" pitchFamily="34" charset="0"/>
                 <a:cs typeface="Times New Roman" panose="02020603050405020304" pitchFamily="18" charset="0"/>
@@ -3971,14 +4088,14 @@
               <a:t>MATICA.</a:t>
             </a:r>
             <a:r>
-              <a:rPr lang="ru-RU" altLang="ru-RU" sz="2000" dirty="0" smtClean="0">
+              <a:rPr lang="ru-RU" altLang="ru-RU" sz="2000" dirty="0">
                 <a:latin typeface="Century Gothic" panose="020B0502020202020204" pitchFamily="34" charset="0"/>
                 <a:ea typeface="Calibri" panose="020F0502020204030204" pitchFamily="34" charset="0"/>
                 <a:cs typeface="Times New Roman" panose="02020603050405020304" pitchFamily="18" charset="0"/>
               </a:rPr>
               <a:t> </a:t>
             </a:r>
-            <a:endParaRPr lang="en-US" altLang="ru-RU" sz="2000" dirty="0" smtClean="0">
+            <a:endParaRPr lang="en-US" altLang="ru-RU" sz="2000" dirty="0">
               <a:latin typeface="Century Gothic" panose="020B0502020202020204" pitchFamily="34" charset="0"/>
               <a:ea typeface="Calibri" panose="020F0502020204030204" pitchFamily="34" charset="0"/>
               <a:cs typeface="Times New Roman" panose="02020603050405020304" pitchFamily="18" charset="0"/>
@@ -3992,18 +4109,13 @@
               <a:defRPr/>
             </a:pPr>
             <a:r>
-              <a:rPr lang="ru-RU" altLang="ru-RU" sz="2400" b="1" dirty="0" smtClean="0">
+              <a:rPr lang="ru-RU" altLang="ru-RU" sz="2400" b="1" dirty="0">
                 <a:latin typeface="Century Gothic" panose="020B0502020202020204" pitchFamily="34" charset="0"/>
                 <a:ea typeface="Calibri" panose="020F0502020204030204" pitchFamily="34" charset="0"/>
                 <a:cs typeface="Times New Roman" panose="02020603050405020304" pitchFamily="18" charset="0"/>
               </a:rPr>
               <a:t>Предмет:</a:t>
             </a:r>
-            <a:endParaRPr lang="ru-RU" altLang="ru-RU" sz="2400" b="1" dirty="0" smtClean="0">
-              <a:latin typeface="Century Gothic" panose="020B0502020202020204" pitchFamily="34" charset="0"/>
-              <a:ea typeface="Calibri" panose="020F0502020204030204" pitchFamily="34" charset="0"/>
-              <a:cs typeface="Times New Roman" panose="02020603050405020304" pitchFamily="18" charset="0"/>
-            </a:endParaRPr>
           </a:p>
           <a:p>
             <a:pPr algn="just">
@@ -4013,7 +4125,7 @@
               <a:defRPr/>
             </a:pPr>
             <a:r>
-              <a:rPr lang="ru-RU" altLang="ru-RU" sz="2000" dirty="0" smtClean="0">
+              <a:rPr lang="ru-RU" altLang="ru-RU" sz="2000" dirty="0">
                 <a:latin typeface="Century Gothic" panose="020B0502020202020204" pitchFamily="34" charset="0"/>
                 <a:ea typeface="Calibri" panose="020F0502020204030204" pitchFamily="34" charset="0"/>
                 <a:cs typeface="Times New Roman" panose="02020603050405020304" pitchFamily="18" charset="0"/>
@@ -4021,14 +4133,14 @@
               <a:t>Информационное и программное обеспечение для настройки и хранения карточных продуктов и обработки банковских карт средствами эмбоссеров и кардридеров. Информационное и программное обеспечение управления модулями эмбоссера </a:t>
             </a:r>
             <a:r>
-              <a:rPr lang="en-US" altLang="ru-RU" sz="2000" dirty="0" smtClean="0">
+              <a:rPr lang="en-US" altLang="ru-RU" sz="2000" dirty="0">
                 <a:latin typeface="Century Gothic" panose="020B0502020202020204" pitchFamily="34" charset="0"/>
                 <a:ea typeface="Calibri" panose="020F0502020204030204" pitchFamily="34" charset="0"/>
                 <a:cs typeface="Times New Roman" panose="02020603050405020304" pitchFamily="18" charset="0"/>
               </a:rPr>
               <a:t>MATICA.</a:t>
             </a:r>
-            <a:endParaRPr lang="ru-RU" altLang="ru-RU" sz="2000" dirty="0" smtClean="0">
+            <a:endParaRPr lang="ru-RU" altLang="ru-RU" sz="2000" dirty="0">
               <a:latin typeface="Century Gothic" panose="020B0502020202020204" pitchFamily="34" charset="0"/>
               <a:ea typeface="Calibri" panose="020F0502020204030204" pitchFamily="34" charset="0"/>
               <a:cs typeface="Times New Roman" panose="02020603050405020304" pitchFamily="18" charset="0"/>
@@ -4042,20 +4154,12 @@
               <a:defRPr/>
             </a:pPr>
             <a:r>
-              <a:rPr lang="ru-RU" altLang="ru-RU" sz="2400" b="1" dirty="0" smtClean="0">
+              <a:rPr lang="ru-RU" altLang="ru-RU" sz="2400" b="1" dirty="0">
                 <a:latin typeface="Century Gothic" panose="020B0502020202020204" pitchFamily="34" charset="0"/>
                 <a:ea typeface="Calibri" panose="020F0502020204030204" pitchFamily="34" charset="0"/>
                 <a:cs typeface="Times New Roman" panose="02020603050405020304" pitchFamily="18" charset="0"/>
               </a:rPr>
-              <a:t>Цель</a:t>
-            </a:r>
-            <a:r>
-              <a:rPr lang="ru-RU" altLang="ru-RU" sz="2400" b="1" dirty="0" smtClean="0">
-                <a:latin typeface="Century Gothic" panose="020B0502020202020204" pitchFamily="34" charset="0"/>
-                <a:ea typeface="Calibri" panose="020F0502020204030204" pitchFamily="34" charset="0"/>
-                <a:cs typeface="Times New Roman" panose="02020603050405020304" pitchFamily="18" charset="0"/>
-              </a:rPr>
-              <a:t>: </a:t>
+              <a:t>Цель: </a:t>
             </a:r>
           </a:p>
           <a:p>
@@ -4066,7 +4170,7 @@
               <a:defRPr/>
             </a:pPr>
             <a:r>
-              <a:rPr lang="ru-RU" altLang="ru-RU" sz="2000" dirty="0" smtClean="0">
+              <a:rPr lang="ru-RU" altLang="ru-RU" sz="2000" dirty="0">
                 <a:latin typeface="Century Gothic" panose="020B0502020202020204" pitchFamily="34" charset="0"/>
                 <a:ea typeface="Calibri" panose="020F0502020204030204" pitchFamily="34" charset="0"/>
                 <a:cs typeface="Times New Roman" panose="02020603050405020304" pitchFamily="18" charset="0"/>
@@ -4074,7 +4178,7 @@
               <a:t>Разработка драйвера</a:t>
             </a:r>
             <a:r>
-              <a:rPr lang="en-US" altLang="ru-RU" sz="2000" dirty="0" smtClean="0">
+              <a:rPr lang="en-US" altLang="ru-RU" sz="2000" dirty="0">
                 <a:latin typeface="Century Gothic" panose="020B0502020202020204" pitchFamily="34" charset="0"/>
                 <a:ea typeface="Calibri" panose="020F0502020204030204" pitchFamily="34" charset="0"/>
                 <a:cs typeface="Times New Roman" panose="02020603050405020304" pitchFamily="18" charset="0"/>
@@ -4082,7 +4186,7 @@
               <a:t> </a:t>
             </a:r>
             <a:r>
-              <a:rPr lang="ru-RU" altLang="ru-RU" sz="2000" dirty="0" smtClean="0">
+              <a:rPr lang="ru-RU" altLang="ru-RU" sz="2000" dirty="0">
                 <a:latin typeface="Century Gothic" panose="020B0502020202020204" pitchFamily="34" charset="0"/>
                 <a:ea typeface="Calibri" panose="020F0502020204030204" pitchFamily="34" charset="0"/>
                 <a:cs typeface="Times New Roman" panose="02020603050405020304" pitchFamily="18" charset="0"/>
@@ -4090,7 +4194,7 @@
               <a:t>для программного продукта </a:t>
             </a:r>
             <a:r>
-              <a:rPr lang="en-US" altLang="ru-RU" sz="2000" dirty="0" err="1" smtClean="0">
+              <a:rPr lang="en-US" altLang="ru-RU" sz="2000" dirty="0" err="1">
                 <a:latin typeface="Century Gothic" panose="020B0502020202020204" pitchFamily="34" charset="0"/>
                 <a:ea typeface="Calibri" panose="020F0502020204030204" pitchFamily="34" charset="0"/>
                 <a:cs typeface="Times New Roman" panose="02020603050405020304" pitchFamily="18" charset="0"/>
@@ -4098,7 +4202,7 @@
               <a:t>TranzWare</a:t>
             </a:r>
             <a:r>
-              <a:rPr lang="en-US" altLang="ru-RU" sz="2000" dirty="0" smtClean="0">
+              <a:rPr lang="en-US" altLang="ru-RU" sz="2000" dirty="0">
                 <a:latin typeface="Century Gothic" panose="020B0502020202020204" pitchFamily="34" charset="0"/>
                 <a:ea typeface="Calibri" panose="020F0502020204030204" pitchFamily="34" charset="0"/>
                 <a:cs typeface="Times New Roman" panose="02020603050405020304" pitchFamily="18" charset="0"/>
@@ -4106,7 +4210,7 @@
               <a:t> </a:t>
             </a:r>
             <a:r>
-              <a:rPr lang="en-US" altLang="ru-RU" sz="2000" dirty="0" err="1" smtClean="0">
+              <a:rPr lang="en-US" altLang="ru-RU" sz="2000" dirty="0" err="1">
                 <a:latin typeface="Century Gothic" panose="020B0502020202020204" pitchFamily="34" charset="0"/>
                 <a:ea typeface="Calibri" panose="020F0502020204030204" pitchFamily="34" charset="0"/>
                 <a:cs typeface="Times New Roman" panose="02020603050405020304" pitchFamily="18" charset="0"/>
@@ -4114,7 +4218,7 @@
               <a:t>CardFactory</a:t>
             </a:r>
             <a:r>
-              <a:rPr lang="ru-RU" altLang="ru-RU" sz="2000" dirty="0" smtClean="0">
+              <a:rPr lang="ru-RU" altLang="ru-RU" sz="2000" dirty="0">
                 <a:latin typeface="Century Gothic" panose="020B0502020202020204" pitchFamily="34" charset="0"/>
                 <a:ea typeface="Calibri" panose="020F0502020204030204" pitchFamily="34" charset="0"/>
                 <a:cs typeface="Times New Roman" panose="02020603050405020304" pitchFamily="18" charset="0"/>
@@ -4122,7 +4226,7 @@
               <a:t> осуществляющего записи информации о клиенте банка на чип пластиковой карты через кардридерный модуль эмбоссера </a:t>
             </a:r>
             <a:r>
-              <a:rPr lang="en-US" altLang="ru-RU" sz="2000" dirty="0" smtClean="0">
+              <a:rPr lang="en-US" altLang="ru-RU" sz="2000" dirty="0">
                 <a:latin typeface="Century Gothic" panose="020B0502020202020204" pitchFamily="34" charset="0"/>
                 <a:ea typeface="Calibri" panose="020F0502020204030204" pitchFamily="34" charset="0"/>
                 <a:cs typeface="Times New Roman" panose="02020603050405020304" pitchFamily="18" charset="0"/>
@@ -4130,18 +4234,13 @@
               <a:t>MATICA</a:t>
             </a:r>
             <a:r>
-              <a:rPr lang="ru-RU" altLang="ru-RU" sz="2000" dirty="0" smtClean="0">
+              <a:rPr lang="ru-RU" altLang="ru-RU" sz="2000" dirty="0">
                 <a:latin typeface="Century Gothic" panose="020B0502020202020204" pitchFamily="34" charset="0"/>
                 <a:ea typeface="Calibri" panose="020F0502020204030204" pitchFamily="34" charset="0"/>
                 <a:cs typeface="Times New Roman" panose="02020603050405020304" pitchFamily="18" charset="0"/>
               </a:rPr>
               <a:t>.</a:t>
             </a:r>
-            <a:endParaRPr lang="ru-RU" altLang="ru-RU" sz="2000" dirty="0" smtClean="0">
-              <a:latin typeface="Century Gothic" panose="020B0502020202020204" pitchFamily="34" charset="0"/>
-              <a:ea typeface="Calibri" panose="020F0502020204030204" pitchFamily="34" charset="0"/>
-              <a:cs typeface="Times New Roman" panose="02020603050405020304" pitchFamily="18" charset="0"/>
-            </a:endParaRPr>
           </a:p>
         </p:txBody>
       </p:sp>
@@ -4205,13 +4304,6 @@
   <p:clrMapOvr>
     <a:masterClrMapping/>
   </p:clrMapOvr>
-  <p:timing>
-    <p:tnLst>
-      <p:par>
-        <p:cTn id="1" dur="indefinite" restart="never" nodeType="tmRoot"/>
-      </p:par>
-    </p:tnLst>
-  </p:timing>
 </p:sld>
 </file>
 
@@ -4314,7 +4406,7 @@
               <a:defRPr/>
             </a:pPr>
             <a:r>
-              <a:rPr lang="en-US" altLang="ru-RU" sz="2400" dirty="0" smtClean="0">
+              <a:rPr lang="en-US" altLang="ru-RU" sz="2400" dirty="0">
                 <a:latin typeface="Century Gothic" panose="020B0502020202020204" pitchFamily="34" charset="0"/>
                 <a:ea typeface="Calibri" panose="020F0502020204030204" pitchFamily="34" charset="0"/>
                 <a:cs typeface="Times New Roman" panose="02020603050405020304" pitchFamily="18" charset="0"/>
@@ -4322,34 +4414,13 @@
               <a:t>	</a:t>
             </a:r>
             <a:r>
-              <a:rPr lang="ru-RU" altLang="ru-RU" sz="2100" dirty="0" smtClean="0">
+              <a:rPr lang="ru-RU" altLang="ru-RU" sz="2100" dirty="0">
                 <a:latin typeface="Century Gothic" panose="020B0502020202020204" pitchFamily="34" charset="0"/>
                 <a:ea typeface="Calibri" panose="020F0502020204030204" pitchFamily="34" charset="0"/>
                 <a:cs typeface="Times New Roman" panose="02020603050405020304" pitchFamily="18" charset="0"/>
               </a:rPr>
-              <a:t>Для </a:t>
-            </a:r>
-            <a:r>
-              <a:rPr lang="ru-RU" altLang="ru-RU" sz="2100" dirty="0">
-                <a:latin typeface="Century Gothic" panose="020B0502020202020204" pitchFamily="34" charset="0"/>
-                <a:ea typeface="Calibri" panose="020F0502020204030204" pitchFamily="34" charset="0"/>
-                <a:cs typeface="Times New Roman" panose="02020603050405020304" pitchFamily="18" charset="0"/>
-              </a:rPr>
-              <a:t>достижения поставленной цели необходимо выполнить следующие задачи</a:t>
-            </a:r>
-            <a:r>
-              <a:rPr lang="ru-RU" altLang="ru-RU" sz="2100" dirty="0" smtClean="0">
-                <a:latin typeface="Century Gothic" panose="020B0502020202020204" pitchFamily="34" charset="0"/>
-                <a:ea typeface="Calibri" panose="020F0502020204030204" pitchFamily="34" charset="0"/>
-                <a:cs typeface="Times New Roman" panose="02020603050405020304" pitchFamily="18" charset="0"/>
-              </a:rPr>
-              <a:t>:</a:t>
-            </a:r>
-            <a:endParaRPr lang="ru-RU" altLang="ru-RU" sz="2100" dirty="0">
-              <a:latin typeface="Century Gothic" panose="020B0502020202020204" pitchFamily="34" charset="0"/>
-              <a:ea typeface="Calibri" panose="020F0502020204030204" pitchFamily="34" charset="0"/>
-              <a:cs typeface="Times New Roman" panose="02020603050405020304" pitchFamily="18" charset="0"/>
-            </a:endParaRPr>
+              <a:t>Для достижения поставленной цели необходимо выполнить следующие задачи:</a:t>
+            </a:r>
           </a:p>
           <a:p>
             <a:pPr marL="457200" indent="-457200" algn="just">
@@ -4360,24 +4431,24 @@
               <a:buAutoNum type="arabicPeriod"/>
             </a:pPr>
             <a:r>
-              <a:rPr lang="ru-RU" sz="2100" dirty="0" smtClean="0">
+              <a:rPr lang="ru-RU" sz="2100" dirty="0">
                 <a:latin typeface="Century Gothic" panose="020B0502020202020204" pitchFamily="34" charset="0"/>
               </a:rPr>
               <a:t>Выполнить анализ работы эмбоссера </a:t>
             </a:r>
             <a:r>
-              <a:rPr lang="en-US" sz="2100" dirty="0" smtClean="0">
+              <a:rPr lang="en-US" sz="2100" dirty="0">
                 <a:latin typeface="Century Gothic" panose="020B0502020202020204" pitchFamily="34" charset="0"/>
               </a:rPr>
               <a:t>MATICA </a:t>
             </a:r>
             <a:r>
-              <a:rPr lang="ru-RU" sz="2100" dirty="0" smtClean="0">
+              <a:rPr lang="ru-RU" sz="2100" dirty="0">
                 <a:latin typeface="Century Gothic" panose="020B0502020202020204" pitchFamily="34" charset="0"/>
               </a:rPr>
               <a:t>и методов аппаратного и программного взаимодействия с его кардридерным модулем;</a:t>
             </a:r>
-            <a:endParaRPr lang="en-US" sz="2100" dirty="0" smtClean="0">
+            <a:endParaRPr lang="en-US" sz="2100" dirty="0">
               <a:latin typeface="Century Gothic" panose="020B0502020202020204" pitchFamily="34" charset="0"/>
             </a:endParaRPr>
           </a:p>
@@ -4390,24 +4461,24 @@
               <a:buAutoNum type="arabicPeriod"/>
             </a:pPr>
             <a:r>
-              <a:rPr lang="ru-RU" sz="2100" dirty="0" smtClean="0">
+              <a:rPr lang="ru-RU" sz="2100" dirty="0">
                 <a:latin typeface="Century Gothic" panose="020B0502020202020204" pitchFamily="34" charset="0"/>
               </a:rPr>
               <a:t>Провести теоретический анализ возможностей программной платформы </a:t>
             </a:r>
             <a:r>
-              <a:rPr lang="en-US" sz="2100" dirty="0" err="1" smtClean="0">
+              <a:rPr lang="en-US" sz="2100" dirty="0" err="1">
                 <a:latin typeface="Century Gothic" panose="020B0502020202020204" pitchFamily="34" charset="0"/>
               </a:rPr>
               <a:t>FloraWare</a:t>
             </a:r>
             <a:r>
-              <a:rPr lang="ru-RU" sz="2100" dirty="0" smtClean="0">
+              <a:rPr lang="ru-RU" sz="2100" dirty="0">
                 <a:latin typeface="Century Gothic" panose="020B0502020202020204" pitchFamily="34" charset="0"/>
               </a:rPr>
               <a:t>, использующихся для осуществления сетевого взаимодействия;</a:t>
             </a:r>
-            <a:endParaRPr lang="en-US" sz="2100" dirty="0" smtClean="0">
+            <a:endParaRPr lang="en-US" sz="2100" dirty="0">
               <a:latin typeface="Century Gothic" panose="020B0502020202020204" pitchFamily="34" charset="0"/>
             </a:endParaRPr>
           </a:p>
@@ -4420,25 +4491,25 @@
               <a:buAutoNum type="arabicPeriod"/>
             </a:pPr>
             <a:r>
-              <a:rPr lang="ru-RU" sz="2100" dirty="0" smtClean="0">
+              <a:rPr lang="ru-RU" sz="2100" dirty="0">
                 <a:latin typeface="Century Gothic" panose="020B0502020202020204" pitchFamily="34" charset="0"/>
               </a:rPr>
               <a:t>Провести анализ структуры программного продукта </a:t>
             </a:r>
             <a:r>
-              <a:rPr lang="en-US" sz="2100" dirty="0" err="1" smtClean="0">
+              <a:rPr lang="en-US" sz="2100" dirty="0" err="1">
                 <a:latin typeface="Century Gothic" panose="020B0502020202020204" pitchFamily="34" charset="0"/>
               </a:rPr>
               <a:t>TranzWare</a:t>
             </a:r>
             <a:r>
-              <a:rPr lang="en-US" sz="2100" dirty="0" smtClean="0">
+              <a:rPr lang="en-US" sz="2100" dirty="0">
                 <a:latin typeface="Century Gothic" panose="020B0502020202020204" pitchFamily="34" charset="0"/>
               </a:rPr>
               <a:t> </a:t>
             </a:r>
             <a:r>
-              <a:rPr lang="en-US" sz="2100" dirty="0" err="1" smtClean="0">
+              <a:rPr lang="en-US" sz="2100" dirty="0" err="1">
                 <a:latin typeface="Century Gothic" panose="020B0502020202020204" pitchFamily="34" charset="0"/>
               </a:rPr>
               <a:t>CardFactory</a:t>
@@ -4450,12 +4521,12 @@
               <a:t> </a:t>
             </a:r>
             <a:r>
-              <a:rPr lang="ru-RU" sz="2100" dirty="0" smtClean="0">
+              <a:rPr lang="ru-RU" sz="2100" dirty="0">
                 <a:latin typeface="Century Gothic" panose="020B0502020202020204" pitchFamily="34" charset="0"/>
               </a:rPr>
               <a:t>и структуры существующих драйверов кардридеров; </a:t>
             </a:r>
-            <a:endParaRPr lang="en-US" sz="2100" dirty="0" smtClean="0">
+            <a:endParaRPr lang="en-US" sz="2100" dirty="0">
               <a:latin typeface="Century Gothic" panose="020B0502020202020204" pitchFamily="34" charset="0"/>
             </a:endParaRPr>
           </a:p>
@@ -4468,13 +4539,13 @@
               <a:buAutoNum type="arabicPeriod"/>
             </a:pPr>
             <a:r>
-              <a:rPr lang="ru-RU" sz="2100" dirty="0" smtClean="0">
+              <a:rPr lang="ru-RU" sz="2100" dirty="0">
                 <a:latin typeface="Century Gothic" panose="020B0502020202020204" pitchFamily="34" charset="0"/>
               </a:rPr>
               <a:t>Описать проектное решение для управления кардридерным модулем эмбоссера </a:t>
             </a:r>
             <a:r>
-              <a:rPr lang="en-US" sz="2100" dirty="0" smtClean="0">
+              <a:rPr lang="en-US" sz="2100" dirty="0">
                 <a:latin typeface="Century Gothic" panose="020B0502020202020204" pitchFamily="34" charset="0"/>
               </a:rPr>
               <a:t>MATICA;</a:t>
@@ -4489,14 +4560,11 @@
               <a:buAutoNum type="arabicPeriod"/>
             </a:pPr>
             <a:r>
-              <a:rPr lang="ru-RU" sz="2100" dirty="0" smtClean="0">
+              <a:rPr lang="ru-RU" sz="2100" dirty="0">
                 <a:latin typeface="Century Gothic" panose="020B0502020202020204" pitchFamily="34" charset="0"/>
               </a:rPr>
               <a:t>Получить результаты опытной эксплуатации разработанной программной библиотеки. </a:t>
             </a:r>
-            <a:endParaRPr lang="ru-RU" sz="2100" dirty="0" smtClean="0">
-              <a:latin typeface="Century Gothic" panose="020B0502020202020204" pitchFamily="34" charset="0"/>
-            </a:endParaRPr>
           </a:p>
         </p:txBody>
       </p:sp>
@@ -4560,13 +4628,6 @@
   <p:clrMapOvr>
     <a:masterClrMapping/>
   </p:clrMapOvr>
-  <p:timing>
-    <p:tnLst>
-      <p:par>
-        <p:cTn id="1" dur="indefinite" restart="never" nodeType="tmRoot"/>
-      </p:par>
-    </p:tnLst>
-  </p:timing>
 </p:sld>
 </file>
 
@@ -4690,7 +4751,7 @@
           <a:lstStyle/>
           <a:p>
             <a:r>
-              <a:rPr lang="ru-RU" sz="3600" dirty="0" smtClean="0">
+              <a:rPr lang="ru-RU" sz="3600" dirty="0">
                 <a:solidFill>
                   <a:schemeClr val="bg1">
                     <a:lumMod val="95000"/>
@@ -4708,7 +4769,7 @@
               <a:t>Результаты</a:t>
             </a:r>
             <a:r>
-              <a:rPr lang="ru-RU" sz="4000" dirty="0" smtClean="0">
+              <a:rPr lang="ru-RU" sz="4000" dirty="0">
                 <a:solidFill>
                   <a:schemeClr val="bg1">
                     <a:lumMod val="95000"/>
@@ -4726,7 +4787,7 @@
               <a:t> </a:t>
             </a:r>
             <a:r>
-              <a:rPr lang="ru-RU" sz="3600" dirty="0" smtClean="0">
+              <a:rPr lang="ru-RU" sz="3600" dirty="0">
                 <a:solidFill>
                   <a:schemeClr val="bg1">
                     <a:lumMod val="95000"/>
@@ -4744,7 +4805,7 @@
               <a:t>исследования</a:t>
             </a:r>
             <a:r>
-              <a:rPr lang="en-US" sz="3600" dirty="0" smtClean="0">
+              <a:rPr lang="en-US" sz="3600" dirty="0">
                 <a:solidFill>
                   <a:schemeClr val="bg1">
                     <a:lumMod val="95000"/>
@@ -4762,7 +4823,7 @@
               <a:t> </a:t>
             </a:r>
             <a:r>
-              <a:rPr lang="ru-RU" sz="3600" dirty="0" smtClean="0">
+              <a:rPr lang="ru-RU" sz="3600" dirty="0">
                 <a:solidFill>
                   <a:schemeClr val="bg1">
                     <a:lumMod val="95000"/>
@@ -4779,21 +4840,6 @@
               </a:rPr>
               <a:t>эмбоссера</a:t>
             </a:r>
-            <a:endParaRPr lang="ru-RU" sz="3600" dirty="0">
-              <a:solidFill>
-                <a:schemeClr val="bg1">
-                  <a:lumMod val="95000"/>
-                </a:schemeClr>
-              </a:solidFill>
-              <a:effectLst>
-                <a:outerShdw blurRad="38100" dist="38100" dir="2700000" algn="tl">
-                  <a:srgbClr val="000000">
-                    <a:alpha val="43137"/>
-                  </a:srgbClr>
-                </a:outerShdw>
-              </a:effectLst>
-              <a:latin typeface="Century Gothic" panose="020B0502020202020204" pitchFamily="34" charset="0"/>
-            </a:endParaRPr>
           </a:p>
         </p:txBody>
       </p:sp>
@@ -4881,7 +4927,7 @@
           <a:p>
             <a:pPr algn="ctr"/>
             <a:r>
-              <a:rPr lang="ru-RU" dirty="0" smtClean="0">
+              <a:rPr lang="ru-RU" dirty="0">
                 <a:latin typeface="Century Gothic" panose="020B0502020202020204" pitchFamily="34" charset="0"/>
               </a:rPr>
               <a:t>Полный набор компонентов кардридерного модуля</a:t>
@@ -4916,7 +4962,7 @@
           <a:p>
             <a:pPr algn="ctr"/>
             <a:r>
-              <a:rPr lang="ru-RU" dirty="0" smtClean="0">
+              <a:rPr lang="ru-RU" dirty="0">
                 <a:latin typeface="Century Gothic" panose="020B0502020202020204" pitchFamily="34" charset="0"/>
               </a:rPr>
               <a:t>Управляющая плата модуля</a:t>
@@ -4937,13 +4983,6 @@
   <p:clrMapOvr>
     <a:masterClrMapping/>
   </p:clrMapOvr>
-  <p:timing>
-    <p:tnLst>
-      <p:par>
-        <p:cTn id="1" dur="indefinite" restart="never" nodeType="tmRoot"/>
-      </p:par>
-    </p:tnLst>
-  </p:timing>
 </p:sld>
 </file>
 
@@ -5067,7 +5106,7 @@
           <a:lstStyle/>
           <a:p>
             <a:r>
-              <a:rPr lang="ru-RU" sz="3600" dirty="0" smtClean="0">
+              <a:rPr lang="ru-RU" sz="3600" dirty="0">
                 <a:solidFill>
                   <a:schemeClr val="bg1">
                     <a:lumMod val="95000"/>
@@ -5084,21 +5123,6 @@
               </a:rPr>
               <a:t>Схема сетевого подключения к модулю</a:t>
             </a:r>
-            <a:endParaRPr lang="ru-RU" sz="3600" dirty="0">
-              <a:solidFill>
-                <a:schemeClr val="bg1">
-                  <a:lumMod val="95000"/>
-                </a:schemeClr>
-              </a:solidFill>
-              <a:effectLst>
-                <a:outerShdw blurRad="38100" dist="38100" dir="2700000" algn="tl">
-                  <a:srgbClr val="000000">
-                    <a:alpha val="43137"/>
-                  </a:srgbClr>
-                </a:outerShdw>
-              </a:effectLst>
-              <a:latin typeface="Century Gothic" panose="020B0502020202020204" pitchFamily="34" charset="0"/>
-            </a:endParaRPr>
           </a:p>
         </p:txBody>
       </p:sp>
@@ -5169,7 +5193,7 @@
           <a:lstStyle/>
           <a:p>
             <a:r>
-              <a:rPr lang="ru-RU" dirty="0" smtClean="0">
+              <a:rPr lang="ru-RU" dirty="0">
                 <a:latin typeface="Century Gothic" panose="020B0502020202020204" pitchFamily="34" charset="0"/>
               </a:rPr>
               <a:t>Внутренняя сеть</a:t>
@@ -5268,7 +5292,7 @@
           <a:p>
             <a:pPr algn="ctr"/>
             <a:r>
-              <a:rPr lang="ru-RU" sz="1600" dirty="0" smtClean="0">
+              <a:rPr lang="ru-RU" sz="1600" dirty="0">
                 <a:latin typeface="Century Gothic" panose="020B0502020202020204" pitchFamily="34" charset="0"/>
               </a:rPr>
               <a:t>Управляющая ЭВМ</a:t>
@@ -5378,7 +5402,7 @@
           <a:p>
             <a:pPr algn="ctr"/>
             <a:r>
-              <a:rPr lang="ru-RU" sz="1600" dirty="0" smtClean="0">
+              <a:rPr lang="ru-RU" sz="1600" dirty="0">
                 <a:latin typeface="Century Gothic" panose="020B0502020202020204" pitchFamily="34" charset="0"/>
               </a:rPr>
               <a:t>Кардридерный модуль</a:t>
@@ -5512,7 +5536,7 @@
           <a:p>
             <a:pPr algn="ctr"/>
             <a:r>
-              <a:rPr lang="ru-RU" sz="1600" dirty="0" smtClean="0">
+              <a:rPr lang="ru-RU" sz="1600" dirty="0">
                 <a:latin typeface="Century Gothic" panose="020B0502020202020204" pitchFamily="34" charset="0"/>
               </a:rPr>
               <a:t>Управляющая ЭВМ</a:t>
@@ -5547,7 +5571,7 @@
           <a:p>
             <a:pPr algn="ctr"/>
             <a:r>
-              <a:rPr lang="ru-RU" sz="1600" dirty="0" smtClean="0">
+              <a:rPr lang="ru-RU" sz="1600" dirty="0">
                 <a:latin typeface="Century Gothic" panose="020B0502020202020204" pitchFamily="34" charset="0"/>
               </a:rPr>
               <a:t>Кардридерный модуль</a:t>
@@ -5921,7 +5945,7 @@
           <a:p>
             <a:pPr algn="ctr"/>
             <a:r>
-              <a:rPr lang="ru-RU" sz="1400" dirty="0" smtClean="0">
+              <a:rPr lang="ru-RU" sz="1400" dirty="0">
                 <a:latin typeface="Century Gothic" panose="020B0502020202020204" pitchFamily="34" charset="0"/>
               </a:rPr>
               <a:t>192.168.0.80</a:t>
@@ -5956,7 +5980,7 @@
           <a:p>
             <a:pPr algn="ctr"/>
             <a:r>
-              <a:rPr lang="ru-RU" sz="1400" dirty="0" smtClean="0">
+              <a:rPr lang="ru-RU" sz="1400" dirty="0">
                 <a:latin typeface="Century Gothic" panose="020B0502020202020204" pitchFamily="34" charset="0"/>
               </a:rPr>
               <a:t>192.168.0.81</a:t>
@@ -5991,7 +6015,7 @@
           <a:p>
             <a:pPr algn="ctr"/>
             <a:r>
-              <a:rPr lang="ru-RU" sz="1400" dirty="0" smtClean="0">
+              <a:rPr lang="ru-RU" sz="1400" dirty="0">
                 <a:latin typeface="Century Gothic" panose="020B0502020202020204" pitchFamily="34" charset="0"/>
               </a:rPr>
               <a:t>192.168.0.82</a:t>
@@ -6029,13 +6053,7 @@
               <a:rPr lang="ru-RU" sz="1600" dirty="0">
                 <a:latin typeface="Century Gothic" panose="020B0502020202020204" pitchFamily="34" charset="0"/>
               </a:rPr>
-              <a:t>р</a:t>
-            </a:r>
-            <a:r>
-              <a:rPr lang="ru-RU" sz="1600" dirty="0" smtClean="0">
-                <a:latin typeface="Century Gothic" panose="020B0502020202020204" pitchFamily="34" charset="0"/>
-              </a:rPr>
-              <a:t>идер 1</a:t>
+              <a:t>ридер 1</a:t>
             </a:r>
             <a:endParaRPr lang="en-US" sz="1600" dirty="0">
               <a:latin typeface="Century Gothic" panose="020B0502020202020204" pitchFamily="34" charset="0"/>
@@ -6070,13 +6088,7 @@
               <a:rPr lang="ru-RU" sz="1600" dirty="0">
                 <a:latin typeface="Century Gothic" panose="020B0502020202020204" pitchFamily="34" charset="0"/>
               </a:rPr>
-              <a:t>р</a:t>
-            </a:r>
-            <a:r>
-              <a:rPr lang="ru-RU" sz="1600" dirty="0" smtClean="0">
-                <a:latin typeface="Century Gothic" panose="020B0502020202020204" pitchFamily="34" charset="0"/>
-              </a:rPr>
-              <a:t>идер 2</a:t>
+              <a:t>ридер 2</a:t>
             </a:r>
             <a:endParaRPr lang="en-US" sz="1600" dirty="0">
               <a:latin typeface="Century Gothic" panose="020B0502020202020204" pitchFamily="34" charset="0"/>
@@ -6108,20 +6120,17 @@
           <a:p>
             <a:pPr algn="ctr"/>
             <a:r>
-              <a:rPr lang="ru-RU" sz="1400" dirty="0" smtClean="0">
+              <a:rPr lang="ru-RU" sz="1400" dirty="0">
                 <a:latin typeface="Century Gothic" panose="020B0502020202020204" pitchFamily="34" charset="0"/>
               </a:rPr>
               <a:t>192.168.0.(80+</a:t>
             </a:r>
             <a:r>
-              <a:rPr lang="en-US" sz="1400" dirty="0" smtClean="0">
+              <a:rPr lang="en-US" sz="1400" dirty="0">
                 <a:latin typeface="Century Gothic" panose="020B0502020202020204" pitchFamily="34" charset="0"/>
               </a:rPr>
               <a:t>n)</a:t>
             </a:r>
-            <a:endParaRPr lang="en-US" sz="1400" dirty="0">
-              <a:latin typeface="Century Gothic" panose="020B0502020202020204" pitchFamily="34" charset="0"/>
-            </a:endParaRPr>
           </a:p>
         </p:txBody>
       </p:sp>
@@ -6152,23 +6161,14 @@
               <a:rPr lang="ru-RU" sz="1600" dirty="0">
                 <a:latin typeface="Century Gothic" panose="020B0502020202020204" pitchFamily="34" charset="0"/>
               </a:rPr>
-              <a:t>р</a:t>
-            </a:r>
-            <a:r>
-              <a:rPr lang="ru-RU" sz="1600" dirty="0" smtClean="0">
-                <a:latin typeface="Century Gothic" panose="020B0502020202020204" pitchFamily="34" charset="0"/>
-              </a:rPr>
-              <a:t>идер </a:t>
-            </a:r>
-            <a:r>
-              <a:rPr lang="en-US" sz="1600" dirty="0" smtClean="0">
+              <a:t>ридер </a:t>
+            </a:r>
+            <a:r>
+              <a:rPr lang="en-US" sz="1600" dirty="0">
                 <a:latin typeface="Century Gothic" panose="020B0502020202020204" pitchFamily="34" charset="0"/>
               </a:rPr>
               <a:t>n</a:t>
             </a:r>
-            <a:endParaRPr lang="en-US" sz="1600" dirty="0">
-              <a:latin typeface="Century Gothic" panose="020B0502020202020204" pitchFamily="34" charset="0"/>
-            </a:endParaRPr>
           </a:p>
         </p:txBody>
       </p:sp>
@@ -6182,13 +6182,6 @@
   <p:clrMapOvr>
     <a:masterClrMapping/>
   </p:clrMapOvr>
-  <p:timing>
-    <p:tnLst>
-      <p:par>
-        <p:cTn id="1" dur="indefinite" restart="never" nodeType="tmRoot"/>
-      </p:par>
-    </p:tnLst>
-  </p:timing>
 </p:sld>
 </file>
 
@@ -6313,7 +6306,7 @@
           <a:p>
             <a:pPr algn="ctr"/>
             <a:r>
-              <a:rPr lang="ru-RU" sz="3600" dirty="0" smtClean="0">
+              <a:rPr lang="ru-RU" sz="3600" dirty="0">
                 <a:solidFill>
                   <a:schemeClr val="bg1">
                     <a:lumMod val="95000"/>
@@ -6330,21 +6323,6 @@
               </a:rPr>
               <a:t>Схема взаимодействия с эмбоссером</a:t>
             </a:r>
-            <a:endParaRPr lang="ru-RU" sz="3600" dirty="0">
-              <a:solidFill>
-                <a:schemeClr val="bg1">
-                  <a:lumMod val="95000"/>
-                </a:schemeClr>
-              </a:solidFill>
-              <a:effectLst>
-                <a:outerShdw blurRad="38100" dist="38100" dir="2700000" algn="tl">
-                  <a:srgbClr val="000000">
-                    <a:alpha val="43137"/>
-                  </a:srgbClr>
-                </a:outerShdw>
-              </a:effectLst>
-              <a:latin typeface="Century Gothic" panose="020B0502020202020204" pitchFamily="34" charset="0"/>
-            </a:endParaRPr>
           </a:p>
         </p:txBody>
       </p:sp>
@@ -6375,7 +6353,7 @@
               </a:lnSpc>
             </a:pPr>
             <a:r>
-              <a:rPr lang="ru-RU" sz="2400" dirty="0" smtClean="0"/>
+              <a:rPr lang="ru-RU" sz="2400" dirty="0"/>
               <a:t>	</a:t>
             </a:r>
             <a:endParaRPr lang="ru-RU" sz="2000" dirty="0">
@@ -6412,7 +6390,7 @@
         </p:blipFill>
         <p:spPr>
           <a:xfrm>
-            <a:off x="974866" y="2857499"/>
+            <a:off x="1045986" y="2125557"/>
             <a:ext cx="1496533" cy="1562459"/>
           </a:xfrm>
           <a:prstGeom prst="rect">
@@ -6428,8 +6406,8 @@
         </p:nvSpPr>
         <p:spPr>
           <a:xfrm>
-            <a:off x="109183" y="4419958"/>
-            <a:ext cx="3227900" cy="646331"/>
+            <a:off x="180302" y="3719437"/>
+            <a:ext cx="3227900" cy="369332"/>
           </a:xfrm>
           <a:prstGeom prst="rect">
             <a:avLst/>
@@ -6443,23 +6421,11 @@
           <a:lstStyle/>
           <a:p>
             <a:r>
-              <a:rPr lang="ru-RU" dirty="0" smtClean="0">
+              <a:rPr lang="ru-RU" dirty="0">
                 <a:latin typeface="Century Gothic" panose="020B0502020202020204" pitchFamily="34" charset="0"/>
               </a:rPr>
               <a:t>Вызывающее приложение </a:t>
             </a:r>
-          </a:p>
-          <a:p>
-            <a:pPr algn="ctr"/>
-            <a:r>
-              <a:rPr lang="ru-RU" dirty="0" smtClean="0">
-                <a:latin typeface="Century Gothic" panose="020B0502020202020204" pitchFamily="34" charset="0"/>
-              </a:rPr>
-              <a:t>с драйвером</a:t>
-            </a:r>
-            <a:endParaRPr lang="en-US" dirty="0">
-              <a:latin typeface="Century Gothic" panose="020B0502020202020204" pitchFamily="34" charset="0"/>
-            </a:endParaRPr>
           </a:p>
         </p:txBody>
       </p:sp>
@@ -6493,6 +6459,1110 @@
           <a:xfrm>
             <a:off x="5333342" y="1531013"/>
             <a:ext cx="1525315" cy="1170285"/>
+          </a:xfrm>
+          <a:prstGeom prst="rect">
+            <a:avLst/>
+          </a:prstGeom>
+        </p:spPr>
+      </p:pic>
+      <p:sp>
+        <p:nvSpPr>
+          <p:cNvPr id="3" name="TextBox 2">
+            <a:extLst>
+              <a:ext uri="{FF2B5EF4-FFF2-40B4-BE49-F238E27FC236}">
+                <a16:creationId xmlns:a16="http://schemas.microsoft.com/office/drawing/2014/main" id="{5B6B90C0-A00A-63D2-36CB-536B62992C28}"/>
+              </a:ext>
+            </a:extLst>
+          </p:cNvPr>
+          <p:cNvSpPr txBox="1"/>
+          <p:nvPr/>
+        </p:nvSpPr>
+        <p:spPr>
+          <a:xfrm>
+            <a:off x="4343022" y="1060233"/>
+            <a:ext cx="3615138" cy="369332"/>
+          </a:xfrm>
+          <a:prstGeom prst="rect">
+            <a:avLst/>
+          </a:prstGeom>
+          <a:noFill/>
+        </p:spPr>
+        <p:txBody>
+          <a:bodyPr wrap="square" rtlCol="0">
+            <a:spAutoFit/>
+          </a:bodyPr>
+          <a:lstStyle/>
+          <a:p>
+            <a:r>
+              <a:rPr lang="ru-RU" dirty="0">
+                <a:latin typeface="Century Gothic" panose="020B0502020202020204" pitchFamily="34" charset="0"/>
+              </a:rPr>
+              <a:t>База с таблицей данных карт</a:t>
+            </a:r>
+            <a:endParaRPr lang="en-US" dirty="0">
+              <a:latin typeface="Century Gothic" panose="020B0502020202020204" pitchFamily="34" charset="0"/>
+            </a:endParaRPr>
+          </a:p>
+        </p:txBody>
+      </p:sp>
+      <p:pic>
+        <p:nvPicPr>
+          <p:cNvPr id="4" name="Picture 3">
+            <a:extLst>
+              <a:ext uri="{FF2B5EF4-FFF2-40B4-BE49-F238E27FC236}">
+                <a16:creationId xmlns:a16="http://schemas.microsoft.com/office/drawing/2014/main" id="{0D601E62-BCE4-D040-93B7-241008D654F1}"/>
+              </a:ext>
+            </a:extLst>
+          </p:cNvPr>
+          <p:cNvPicPr>
+            <a:picLocks noChangeAspect="1"/>
+          </p:cNvPicPr>
+          <p:nvPr/>
+        </p:nvPicPr>
+        <p:blipFill>
+          <a:blip r:embed="rId5"/>
+          <a:stretch>
+            <a:fillRect/>
+          </a:stretch>
+        </p:blipFill>
+        <p:spPr>
+          <a:xfrm rot="20904662">
+            <a:off x="2931806" y="1989086"/>
+            <a:ext cx="2264101" cy="612791"/>
+          </a:xfrm>
+          <a:prstGeom prst="rect">
+            <a:avLst/>
+          </a:prstGeom>
+        </p:spPr>
+      </p:pic>
+      <p:pic>
+        <p:nvPicPr>
+          <p:cNvPr id="6" name="Picture 5">
+            <a:extLst>
+              <a:ext uri="{FF2B5EF4-FFF2-40B4-BE49-F238E27FC236}">
+                <a16:creationId xmlns:a16="http://schemas.microsoft.com/office/drawing/2014/main" id="{E10DEAB0-BBE4-182D-293A-943C9728AB42}"/>
+              </a:ext>
+            </a:extLst>
+          </p:cNvPr>
+          <p:cNvPicPr>
+            <a:picLocks noChangeAspect="1"/>
+          </p:cNvPicPr>
+          <p:nvPr/>
+        </p:nvPicPr>
+        <p:blipFill>
+          <a:blip r:embed="rId5"/>
+          <a:stretch>
+            <a:fillRect/>
+          </a:stretch>
+        </p:blipFill>
+        <p:spPr>
+          <a:xfrm rot="892196">
+            <a:off x="6967421" y="2025146"/>
+            <a:ext cx="2264101" cy="612791"/>
+          </a:xfrm>
+          <a:prstGeom prst="rect">
+            <a:avLst/>
+          </a:prstGeom>
+        </p:spPr>
+      </p:pic>
+      <p:pic>
+        <p:nvPicPr>
+          <p:cNvPr id="13" name="Picture 12">
+            <a:extLst>
+              <a:ext uri="{FF2B5EF4-FFF2-40B4-BE49-F238E27FC236}">
+                <a16:creationId xmlns:a16="http://schemas.microsoft.com/office/drawing/2014/main" id="{EA6BCD99-EF0F-BB81-6E5D-841B9F66F47F}"/>
+              </a:ext>
+            </a:extLst>
+          </p:cNvPr>
+          <p:cNvPicPr>
+            <a:picLocks noChangeAspect="1"/>
+          </p:cNvPicPr>
+          <p:nvPr/>
+        </p:nvPicPr>
+        <p:blipFill>
+          <a:blip r:embed="rId6">
+            <a:extLst>
+              <a:ext uri="{28A0092B-C50C-407E-A947-70E740481C1C}">
+                <a14:useLocalDpi xmlns:a14="http://schemas.microsoft.com/office/drawing/2010/main" val="0"/>
+              </a:ext>
+            </a:extLst>
+          </a:blip>
+          <a:stretch>
+            <a:fillRect/>
+          </a:stretch>
+        </p:blipFill>
+        <p:spPr>
+          <a:xfrm>
+            <a:off x="9355402" y="2946927"/>
+            <a:ext cx="2144831" cy="1562459"/>
+          </a:xfrm>
+          <a:prstGeom prst="rect">
+            <a:avLst/>
+          </a:prstGeom>
+        </p:spPr>
+      </p:pic>
+      <p:sp>
+        <p:nvSpPr>
+          <p:cNvPr id="15" name="TextBox 14">
+            <a:extLst>
+              <a:ext uri="{FF2B5EF4-FFF2-40B4-BE49-F238E27FC236}">
+                <a16:creationId xmlns:a16="http://schemas.microsoft.com/office/drawing/2014/main" id="{5DF8824C-45BD-E329-E70B-AF2E073C3BF6}"/>
+              </a:ext>
+            </a:extLst>
+          </p:cNvPr>
+          <p:cNvSpPr txBox="1"/>
+          <p:nvPr/>
+        </p:nvSpPr>
+        <p:spPr>
+          <a:xfrm>
+            <a:off x="9540257" y="4509386"/>
+            <a:ext cx="1775120" cy="369332"/>
+          </a:xfrm>
+          <a:prstGeom prst="rect">
+            <a:avLst/>
+          </a:prstGeom>
+          <a:noFill/>
+        </p:spPr>
+        <p:txBody>
+          <a:bodyPr wrap="square" rtlCol="0">
+            <a:spAutoFit/>
+          </a:bodyPr>
+          <a:lstStyle/>
+          <a:p>
+            <a:r>
+              <a:rPr lang="en-US" dirty="0" err="1">
+                <a:latin typeface="Century Gothic" panose="020B0502020202020204" pitchFamily="34" charset="0"/>
+              </a:rPr>
+              <a:t>Maticard</a:t>
+            </a:r>
+            <a:r>
+              <a:rPr lang="en-US" dirty="0">
+                <a:latin typeface="Century Gothic" panose="020B0502020202020204" pitchFamily="34" charset="0"/>
+              </a:rPr>
+              <a:t> PRO</a:t>
+            </a:r>
+          </a:p>
+        </p:txBody>
+      </p:sp>
+      <p:pic>
+        <p:nvPicPr>
+          <p:cNvPr id="17" name="Picture 16">
+            <a:extLst>
+              <a:ext uri="{FF2B5EF4-FFF2-40B4-BE49-F238E27FC236}">
+                <a16:creationId xmlns:a16="http://schemas.microsoft.com/office/drawing/2014/main" id="{E0F9B1DF-C0D3-5F68-7E9B-BF5685B16513}"/>
+              </a:ext>
+            </a:extLst>
+          </p:cNvPr>
+          <p:cNvPicPr>
+            <a:picLocks noChangeAspect="1"/>
+          </p:cNvPicPr>
+          <p:nvPr/>
+        </p:nvPicPr>
+        <p:blipFill>
+          <a:blip r:embed="rId7">
+            <a:extLst>
+              <a:ext uri="{28A0092B-C50C-407E-A947-70E740481C1C}">
+                <a14:useLocalDpi xmlns:a14="http://schemas.microsoft.com/office/drawing/2010/main" val="0"/>
+              </a:ext>
+            </a:extLst>
+          </a:blip>
+          <a:stretch>
+            <a:fillRect/>
+          </a:stretch>
+        </p:blipFill>
+        <p:spPr>
+          <a:xfrm>
+            <a:off x="4831571" y="2946928"/>
+            <a:ext cx="1164942" cy="1562459"/>
+          </a:xfrm>
+          <a:prstGeom prst="rect">
+            <a:avLst/>
+          </a:prstGeom>
+        </p:spPr>
+      </p:pic>
+      <p:pic>
+        <p:nvPicPr>
+          <p:cNvPr id="19" name="Picture 18">
+            <a:extLst>
+              <a:ext uri="{FF2B5EF4-FFF2-40B4-BE49-F238E27FC236}">
+                <a16:creationId xmlns:a16="http://schemas.microsoft.com/office/drawing/2014/main" id="{F613C2B3-EFE0-C4C0-711F-B2EE0EB25390}"/>
+              </a:ext>
+            </a:extLst>
+          </p:cNvPr>
+          <p:cNvPicPr>
+            <a:picLocks noChangeAspect="1"/>
+          </p:cNvPicPr>
+          <p:nvPr/>
+        </p:nvPicPr>
+        <p:blipFill>
+          <a:blip r:embed="rId5"/>
+          <a:stretch>
+            <a:fillRect/>
+          </a:stretch>
+        </p:blipFill>
+        <p:spPr>
+          <a:xfrm rot="10800000">
+            <a:off x="8433459" y="3513385"/>
+            <a:ext cx="907316" cy="342842"/>
+          </a:xfrm>
+          <a:prstGeom prst="rect">
+            <a:avLst/>
+          </a:prstGeom>
+        </p:spPr>
+      </p:pic>
+      <p:pic>
+        <p:nvPicPr>
+          <p:cNvPr id="20" name="Picture 19">
+            <a:extLst>
+              <a:ext uri="{FF2B5EF4-FFF2-40B4-BE49-F238E27FC236}">
+                <a16:creationId xmlns:a16="http://schemas.microsoft.com/office/drawing/2014/main" id="{E3491331-5420-4D91-B017-712E5A6C1573}"/>
+              </a:ext>
+            </a:extLst>
+          </p:cNvPr>
+          <p:cNvPicPr>
+            <a:picLocks noChangeAspect="1"/>
+          </p:cNvPicPr>
+          <p:nvPr/>
+        </p:nvPicPr>
+        <p:blipFill>
+          <a:blip r:embed="rId7">
+            <a:extLst>
+              <a:ext uri="{28A0092B-C50C-407E-A947-70E740481C1C}">
+                <a14:useLocalDpi xmlns:a14="http://schemas.microsoft.com/office/drawing/2010/main" val="0"/>
+              </a:ext>
+            </a:extLst>
+          </a:blip>
+          <a:stretch>
+            <a:fillRect/>
+          </a:stretch>
+        </p:blipFill>
+        <p:spPr>
+          <a:xfrm>
+            <a:off x="7253890" y="2967187"/>
+            <a:ext cx="1164942" cy="1562459"/>
+          </a:xfrm>
+          <a:prstGeom prst="rect">
+            <a:avLst/>
+          </a:prstGeom>
+        </p:spPr>
+      </p:pic>
+      <p:pic>
+        <p:nvPicPr>
+          <p:cNvPr id="22" name="Picture 21">
+            <a:extLst>
+              <a:ext uri="{FF2B5EF4-FFF2-40B4-BE49-F238E27FC236}">
+                <a16:creationId xmlns:a16="http://schemas.microsoft.com/office/drawing/2014/main" id="{0E20CE0C-66E3-073B-E6D6-DD7E83255D76}"/>
+              </a:ext>
+            </a:extLst>
+          </p:cNvPr>
+          <p:cNvPicPr>
+            <a:picLocks noChangeAspect="1"/>
+          </p:cNvPicPr>
+          <p:nvPr/>
+        </p:nvPicPr>
+        <p:blipFill>
+          <a:blip r:embed="rId6" cstate="print">
+            <a:extLst>
+              <a:ext uri="{28A0092B-C50C-407E-A947-70E740481C1C}">
+                <a14:useLocalDpi xmlns:a14="http://schemas.microsoft.com/office/drawing/2010/main" val="0"/>
+              </a:ext>
+            </a:extLst>
+          </a:blip>
+          <a:stretch>
+            <a:fillRect/>
+          </a:stretch>
+        </p:blipFill>
+        <p:spPr>
+          <a:xfrm>
+            <a:off x="7410581" y="3266531"/>
+            <a:ext cx="851560" cy="620342"/>
+          </a:xfrm>
+          <a:prstGeom prst="rect">
+            <a:avLst/>
+          </a:prstGeom>
+        </p:spPr>
+      </p:pic>
+      <p:sp>
+        <p:nvSpPr>
+          <p:cNvPr id="23" name="TextBox 22">
+            <a:extLst>
+              <a:ext uri="{FF2B5EF4-FFF2-40B4-BE49-F238E27FC236}">
+                <a16:creationId xmlns:a16="http://schemas.microsoft.com/office/drawing/2014/main" id="{6C0A6251-3A3B-06AD-FFB2-18AD25A5A38C}"/>
+              </a:ext>
+            </a:extLst>
+          </p:cNvPr>
+          <p:cNvSpPr txBox="1"/>
+          <p:nvPr/>
+        </p:nvSpPr>
+        <p:spPr>
+          <a:xfrm>
+            <a:off x="7551892" y="3923527"/>
+            <a:ext cx="568938" cy="369332"/>
+          </a:xfrm>
+          <a:prstGeom prst="rect">
+            <a:avLst/>
+          </a:prstGeom>
+          <a:noFill/>
+        </p:spPr>
+        <p:txBody>
+          <a:bodyPr wrap="square" rtlCol="0">
+            <a:spAutoFit/>
+          </a:bodyPr>
+          <a:lstStyle/>
+          <a:p>
+            <a:r>
+              <a:rPr lang="en-US" dirty="0">
+                <a:latin typeface="Century Gothic" panose="020B0502020202020204" pitchFamily="34" charset="0"/>
+              </a:rPr>
+              <a:t>DLL</a:t>
+            </a:r>
+          </a:p>
+        </p:txBody>
+      </p:sp>
+      <p:sp>
+        <p:nvSpPr>
+          <p:cNvPr id="24" name="TextBox 23">
+            <a:extLst>
+              <a:ext uri="{FF2B5EF4-FFF2-40B4-BE49-F238E27FC236}">
+                <a16:creationId xmlns:a16="http://schemas.microsoft.com/office/drawing/2014/main" id="{2A7903FB-3E51-F02C-AC3F-FCD788A4A299}"/>
+              </a:ext>
+            </a:extLst>
+          </p:cNvPr>
+          <p:cNvSpPr txBox="1"/>
+          <p:nvPr/>
+        </p:nvSpPr>
+        <p:spPr>
+          <a:xfrm>
+            <a:off x="4979944" y="3426424"/>
+            <a:ext cx="868196" cy="646331"/>
+          </a:xfrm>
+          <a:prstGeom prst="rect">
+            <a:avLst/>
+          </a:prstGeom>
+          <a:noFill/>
+        </p:spPr>
+        <p:txBody>
+          <a:bodyPr wrap="square" rtlCol="0">
+            <a:spAutoFit/>
+          </a:bodyPr>
+          <a:lstStyle/>
+          <a:p>
+            <a:pPr algn="ctr"/>
+            <a:r>
+              <a:rPr lang="en-US" dirty="0">
+                <a:latin typeface="Century Gothic" panose="020B0502020202020204" pitchFamily="34" charset="0"/>
+              </a:rPr>
+              <a:t>XML</a:t>
+            </a:r>
+          </a:p>
+          <a:p>
+            <a:pPr algn="ctr"/>
+            <a:r>
+              <a:rPr lang="ru-RU" dirty="0">
+                <a:latin typeface="Century Gothic" panose="020B0502020202020204" pitchFamily="34" charset="0"/>
+              </a:rPr>
+              <a:t>файл</a:t>
+            </a:r>
+            <a:endParaRPr lang="en-US" dirty="0">
+              <a:latin typeface="Century Gothic" panose="020B0502020202020204" pitchFamily="34" charset="0"/>
+            </a:endParaRPr>
+          </a:p>
+        </p:txBody>
+      </p:sp>
+      <p:pic>
+        <p:nvPicPr>
+          <p:cNvPr id="25" name="Picture 24">
+            <a:extLst>
+              <a:ext uri="{FF2B5EF4-FFF2-40B4-BE49-F238E27FC236}">
+                <a16:creationId xmlns:a16="http://schemas.microsoft.com/office/drawing/2014/main" id="{6504B162-CF02-36B5-2EA6-E9F167D481B7}"/>
+              </a:ext>
+            </a:extLst>
+          </p:cNvPr>
+          <p:cNvPicPr>
+            <a:picLocks noChangeAspect="1"/>
+          </p:cNvPicPr>
+          <p:nvPr/>
+        </p:nvPicPr>
+        <p:blipFill>
+          <a:blip r:embed="rId5"/>
+          <a:stretch>
+            <a:fillRect/>
+          </a:stretch>
+        </p:blipFill>
+        <p:spPr>
+          <a:xfrm rot="10800000">
+            <a:off x="6037294" y="3271238"/>
+            <a:ext cx="1164943" cy="440190"/>
+          </a:xfrm>
+          <a:prstGeom prst="rect">
+            <a:avLst/>
+          </a:prstGeom>
+        </p:spPr>
+      </p:pic>
+      <p:pic>
+        <p:nvPicPr>
+          <p:cNvPr id="26" name="Picture 25">
+            <a:extLst>
+              <a:ext uri="{FF2B5EF4-FFF2-40B4-BE49-F238E27FC236}">
+                <a16:creationId xmlns:a16="http://schemas.microsoft.com/office/drawing/2014/main" id="{3D746418-6434-17EA-0818-0C02EC9C0C4D}"/>
+              </a:ext>
+            </a:extLst>
+          </p:cNvPr>
+          <p:cNvPicPr>
+            <a:picLocks noChangeAspect="1"/>
+          </p:cNvPicPr>
+          <p:nvPr/>
+        </p:nvPicPr>
+        <p:blipFill>
+          <a:blip r:embed="rId5"/>
+          <a:stretch>
+            <a:fillRect/>
+          </a:stretch>
+        </p:blipFill>
+        <p:spPr>
+          <a:xfrm rot="10800000" flipH="1">
+            <a:off x="6048167" y="3716513"/>
+            <a:ext cx="1164943" cy="440190"/>
+          </a:xfrm>
+          <a:prstGeom prst="rect">
+            <a:avLst/>
+          </a:prstGeom>
+        </p:spPr>
+      </p:pic>
+      <p:pic>
+        <p:nvPicPr>
+          <p:cNvPr id="27" name="Picture 26">
+            <a:extLst>
+              <a:ext uri="{FF2B5EF4-FFF2-40B4-BE49-F238E27FC236}">
+                <a16:creationId xmlns:a16="http://schemas.microsoft.com/office/drawing/2014/main" id="{6223D05A-6CC1-3BB0-56EC-E48ED1372BC1}"/>
+              </a:ext>
+            </a:extLst>
+          </p:cNvPr>
+          <p:cNvPicPr>
+            <a:picLocks noChangeAspect="1"/>
+          </p:cNvPicPr>
+          <p:nvPr/>
+        </p:nvPicPr>
+        <p:blipFill>
+          <a:blip r:embed="rId5"/>
+          <a:stretch>
+            <a:fillRect/>
+          </a:stretch>
+        </p:blipFill>
+        <p:spPr>
+          <a:xfrm rot="10800000">
+            <a:off x="3304619" y="3063250"/>
+            <a:ext cx="1475297" cy="440190"/>
+          </a:xfrm>
+          <a:prstGeom prst="rect">
+            <a:avLst/>
+          </a:prstGeom>
+        </p:spPr>
+      </p:pic>
+      <p:pic>
+        <p:nvPicPr>
+          <p:cNvPr id="28" name="Picture 27">
+            <a:extLst>
+              <a:ext uri="{FF2B5EF4-FFF2-40B4-BE49-F238E27FC236}">
+                <a16:creationId xmlns:a16="http://schemas.microsoft.com/office/drawing/2014/main" id="{23FE7613-C3BD-ED6E-0B2C-B1B4C6E9DCA4}"/>
+              </a:ext>
+            </a:extLst>
+          </p:cNvPr>
+          <p:cNvPicPr>
+            <a:picLocks noChangeAspect="1"/>
+          </p:cNvPicPr>
+          <p:nvPr/>
+        </p:nvPicPr>
+        <p:blipFill>
+          <a:blip r:embed="rId5"/>
+          <a:stretch>
+            <a:fillRect/>
+          </a:stretch>
+        </p:blipFill>
+        <p:spPr>
+          <a:xfrm rot="10800000" flipH="1">
+            <a:off x="3315493" y="3508525"/>
+            <a:ext cx="1475297" cy="440190"/>
+          </a:xfrm>
+          <a:prstGeom prst="rect">
+            <a:avLst/>
+          </a:prstGeom>
+        </p:spPr>
+      </p:pic>
+      <p:pic>
+        <p:nvPicPr>
+          <p:cNvPr id="31" name="Picture 30">
+            <a:extLst>
+              <a:ext uri="{FF2B5EF4-FFF2-40B4-BE49-F238E27FC236}">
+                <a16:creationId xmlns:a16="http://schemas.microsoft.com/office/drawing/2014/main" id="{06E1A829-2303-5A86-E303-6A3C1FD0789D}"/>
+              </a:ext>
+            </a:extLst>
+          </p:cNvPr>
+          <p:cNvPicPr>
+            <a:picLocks noChangeAspect="1"/>
+          </p:cNvPicPr>
+          <p:nvPr/>
+        </p:nvPicPr>
+        <p:blipFill>
+          <a:blip r:embed="rId5"/>
+          <a:stretch>
+            <a:fillRect/>
+          </a:stretch>
+        </p:blipFill>
+        <p:spPr>
+          <a:xfrm rot="13429665" flipH="1">
+            <a:off x="1556116" y="4249418"/>
+            <a:ext cx="822685" cy="317391"/>
+          </a:xfrm>
+          <a:prstGeom prst="rect">
+            <a:avLst/>
+          </a:prstGeom>
+        </p:spPr>
+      </p:pic>
+      <p:pic>
+        <p:nvPicPr>
+          <p:cNvPr id="32" name="Picture 31">
+            <a:extLst>
+              <a:ext uri="{FF2B5EF4-FFF2-40B4-BE49-F238E27FC236}">
+                <a16:creationId xmlns:a16="http://schemas.microsoft.com/office/drawing/2014/main" id="{8F54CE67-D52E-7E47-20F6-FEA4C453374D}"/>
+              </a:ext>
+            </a:extLst>
+          </p:cNvPr>
+          <p:cNvPicPr>
+            <a:picLocks noChangeAspect="1"/>
+          </p:cNvPicPr>
+          <p:nvPr/>
+        </p:nvPicPr>
+        <p:blipFill>
+          <a:blip r:embed="rId7">
+            <a:extLst>
+              <a:ext uri="{28A0092B-C50C-407E-A947-70E740481C1C}">
+                <a14:useLocalDpi xmlns:a14="http://schemas.microsoft.com/office/drawing/2010/main" val="0"/>
+              </a:ext>
+            </a:extLst>
+          </a:blip>
+          <a:stretch>
+            <a:fillRect/>
+          </a:stretch>
+        </p:blipFill>
+        <p:spPr>
+          <a:xfrm>
+            <a:off x="2008240" y="4756940"/>
+            <a:ext cx="1164942" cy="1562459"/>
+          </a:xfrm>
+          <a:prstGeom prst="rect">
+            <a:avLst/>
+          </a:prstGeom>
+        </p:spPr>
+      </p:pic>
+      <p:pic>
+        <p:nvPicPr>
+          <p:cNvPr id="33" name="Picture 32">
+            <a:extLst>
+              <a:ext uri="{FF2B5EF4-FFF2-40B4-BE49-F238E27FC236}">
+                <a16:creationId xmlns:a16="http://schemas.microsoft.com/office/drawing/2014/main" id="{9ADE3DDC-B221-10DA-2E5D-64365C49D6F3}"/>
+              </a:ext>
+            </a:extLst>
+          </p:cNvPr>
+          <p:cNvPicPr>
+            <a:picLocks noChangeAspect="1"/>
+          </p:cNvPicPr>
+          <p:nvPr/>
+        </p:nvPicPr>
+        <p:blipFill>
+          <a:blip r:embed="rId6" cstate="print">
+            <a:extLst>
+              <a:ext uri="{28A0092B-C50C-407E-A947-70E740481C1C}">
+                <a14:useLocalDpi xmlns:a14="http://schemas.microsoft.com/office/drawing/2010/main" val="0"/>
+              </a:ext>
+            </a:extLst>
+          </a:blip>
+          <a:stretch>
+            <a:fillRect/>
+          </a:stretch>
+        </p:blipFill>
+        <p:spPr>
+          <a:xfrm>
+            <a:off x="2164931" y="4892762"/>
+            <a:ext cx="851560" cy="620342"/>
+          </a:xfrm>
+          <a:prstGeom prst="rect">
+            <a:avLst/>
+          </a:prstGeom>
+        </p:spPr>
+      </p:pic>
+      <p:sp>
+        <p:nvSpPr>
+          <p:cNvPr id="34" name="TextBox 33">
+            <a:extLst>
+              <a:ext uri="{FF2B5EF4-FFF2-40B4-BE49-F238E27FC236}">
+                <a16:creationId xmlns:a16="http://schemas.microsoft.com/office/drawing/2014/main" id="{358BBECC-6C15-992F-2037-2C2455C6AF93}"/>
+              </a:ext>
+            </a:extLst>
+          </p:cNvPr>
+          <p:cNvSpPr txBox="1"/>
+          <p:nvPr/>
+        </p:nvSpPr>
+        <p:spPr>
+          <a:xfrm>
+            <a:off x="2041424" y="5444237"/>
+            <a:ext cx="1274068" cy="830997"/>
+          </a:xfrm>
+          <a:prstGeom prst="rect">
+            <a:avLst/>
+          </a:prstGeom>
+          <a:noFill/>
+        </p:spPr>
+        <p:txBody>
+          <a:bodyPr wrap="square" rtlCol="0">
+            <a:spAutoFit/>
+          </a:bodyPr>
+          <a:lstStyle/>
+          <a:p>
+            <a:r>
+              <a:rPr lang="ru-RU" sz="1600" dirty="0">
+                <a:latin typeface="Century Gothic" panose="020B0502020202020204" pitchFamily="34" charset="0"/>
+              </a:rPr>
+              <a:t>Драйвер записи карты</a:t>
+            </a:r>
+            <a:endParaRPr lang="en-US" sz="1600" dirty="0">
+              <a:latin typeface="Century Gothic" panose="020B0502020202020204" pitchFamily="34" charset="0"/>
+            </a:endParaRPr>
+          </a:p>
+        </p:txBody>
+      </p:sp>
+      <p:pic>
+        <p:nvPicPr>
+          <p:cNvPr id="35" name="Picture 34">
+            <a:extLst>
+              <a:ext uri="{FF2B5EF4-FFF2-40B4-BE49-F238E27FC236}">
+                <a16:creationId xmlns:a16="http://schemas.microsoft.com/office/drawing/2014/main" id="{9794B69E-09D4-23A3-CDBB-6C6AFAD7B7B0}"/>
+              </a:ext>
+            </a:extLst>
+          </p:cNvPr>
+          <p:cNvPicPr>
+            <a:picLocks noChangeAspect="1"/>
+          </p:cNvPicPr>
+          <p:nvPr/>
+        </p:nvPicPr>
+        <p:blipFill>
+          <a:blip r:embed="rId7">
+            <a:extLst>
+              <a:ext uri="{28A0092B-C50C-407E-A947-70E740481C1C}">
+                <a14:useLocalDpi xmlns:a14="http://schemas.microsoft.com/office/drawing/2010/main" val="0"/>
+              </a:ext>
+            </a:extLst>
+          </a:blip>
+          <a:stretch>
+            <a:fillRect/>
+          </a:stretch>
+        </p:blipFill>
+        <p:spPr>
+          <a:xfrm>
+            <a:off x="4459057" y="4756940"/>
+            <a:ext cx="1164942" cy="1562459"/>
+          </a:xfrm>
+          <a:prstGeom prst="rect">
+            <a:avLst/>
+          </a:prstGeom>
+        </p:spPr>
+      </p:pic>
+      <p:pic>
+        <p:nvPicPr>
+          <p:cNvPr id="36" name="Picture 35">
+            <a:extLst>
+              <a:ext uri="{FF2B5EF4-FFF2-40B4-BE49-F238E27FC236}">
+                <a16:creationId xmlns:a16="http://schemas.microsoft.com/office/drawing/2014/main" id="{54FD0773-E414-71C1-CD4F-11915174B592}"/>
+              </a:ext>
+            </a:extLst>
+          </p:cNvPr>
+          <p:cNvPicPr>
+            <a:picLocks noChangeAspect="1"/>
+          </p:cNvPicPr>
+          <p:nvPr/>
+        </p:nvPicPr>
+        <p:blipFill>
+          <a:blip r:embed="rId6" cstate="print">
+            <a:extLst>
+              <a:ext uri="{28A0092B-C50C-407E-A947-70E740481C1C}">
+                <a14:useLocalDpi xmlns:a14="http://schemas.microsoft.com/office/drawing/2010/main" val="0"/>
+              </a:ext>
+            </a:extLst>
+          </a:blip>
+          <a:stretch>
+            <a:fillRect/>
+          </a:stretch>
+        </p:blipFill>
+        <p:spPr>
+          <a:xfrm>
+            <a:off x="4615748" y="4892762"/>
+            <a:ext cx="851560" cy="620342"/>
+          </a:xfrm>
+          <a:prstGeom prst="rect">
+            <a:avLst/>
+          </a:prstGeom>
+        </p:spPr>
+      </p:pic>
+      <p:sp>
+        <p:nvSpPr>
+          <p:cNvPr id="37" name="TextBox 36">
+            <a:extLst>
+              <a:ext uri="{FF2B5EF4-FFF2-40B4-BE49-F238E27FC236}">
+                <a16:creationId xmlns:a16="http://schemas.microsoft.com/office/drawing/2014/main" id="{40814F84-C5CB-7495-FDB8-4594AD13574B}"/>
+              </a:ext>
+            </a:extLst>
+          </p:cNvPr>
+          <p:cNvSpPr txBox="1"/>
+          <p:nvPr/>
+        </p:nvSpPr>
+        <p:spPr>
+          <a:xfrm>
+            <a:off x="4506434" y="5560633"/>
+            <a:ext cx="1274068" cy="584775"/>
+          </a:xfrm>
+          <a:prstGeom prst="rect">
+            <a:avLst/>
+          </a:prstGeom>
+          <a:noFill/>
+        </p:spPr>
+        <p:txBody>
+          <a:bodyPr wrap="square" rtlCol="0">
+            <a:spAutoFit/>
+          </a:bodyPr>
+          <a:lstStyle/>
+          <a:p>
+            <a:r>
+              <a:rPr lang="ru-RU" sz="1600" dirty="0">
+                <a:latin typeface="Century Gothic" panose="020B0502020202020204" pitchFamily="34" charset="0"/>
+              </a:rPr>
+              <a:t>Драйвер </a:t>
+            </a:r>
+          </a:p>
+          <a:p>
+            <a:r>
+              <a:rPr lang="en-US" sz="1600" dirty="0">
+                <a:latin typeface="Century Gothic" panose="020B0502020202020204" pitchFamily="34" charset="0"/>
+              </a:rPr>
+              <a:t>MATICA</a:t>
+            </a:r>
+            <a:endParaRPr lang="ru-RU" sz="1600" dirty="0">
+              <a:latin typeface="Century Gothic" panose="020B0502020202020204" pitchFamily="34" charset="0"/>
+            </a:endParaRPr>
+          </a:p>
+        </p:txBody>
+      </p:sp>
+      <p:pic>
+        <p:nvPicPr>
+          <p:cNvPr id="38" name="Picture 37">
+            <a:extLst>
+              <a:ext uri="{FF2B5EF4-FFF2-40B4-BE49-F238E27FC236}">
+                <a16:creationId xmlns:a16="http://schemas.microsoft.com/office/drawing/2014/main" id="{5CF948E3-F603-3BD2-4FE5-C6E744E14E68}"/>
+              </a:ext>
+            </a:extLst>
+          </p:cNvPr>
+          <p:cNvPicPr>
+            <a:picLocks noChangeAspect="1"/>
+          </p:cNvPicPr>
+          <p:nvPr/>
+        </p:nvPicPr>
+        <p:blipFill>
+          <a:blip r:embed="rId5"/>
+          <a:stretch>
+            <a:fillRect/>
+          </a:stretch>
+        </p:blipFill>
+        <p:spPr>
+          <a:xfrm rot="10800000">
+            <a:off x="3220559" y="5121600"/>
+            <a:ext cx="1164943" cy="440190"/>
+          </a:xfrm>
+          <a:prstGeom prst="rect">
+            <a:avLst/>
+          </a:prstGeom>
+        </p:spPr>
+      </p:pic>
+      <p:pic>
+        <p:nvPicPr>
+          <p:cNvPr id="39" name="Picture 38">
+            <a:extLst>
+              <a:ext uri="{FF2B5EF4-FFF2-40B4-BE49-F238E27FC236}">
+                <a16:creationId xmlns:a16="http://schemas.microsoft.com/office/drawing/2014/main" id="{AF237C14-B49F-7065-4724-1010BDCA965B}"/>
+              </a:ext>
+            </a:extLst>
+          </p:cNvPr>
+          <p:cNvPicPr>
+            <a:picLocks noChangeAspect="1"/>
+          </p:cNvPicPr>
+          <p:nvPr/>
+        </p:nvPicPr>
+        <p:blipFill>
+          <a:blip r:embed="rId5"/>
+          <a:stretch>
+            <a:fillRect/>
+          </a:stretch>
+        </p:blipFill>
+        <p:spPr>
+          <a:xfrm rot="10800000" flipH="1">
+            <a:off x="3231432" y="5566875"/>
+            <a:ext cx="1164943" cy="440190"/>
+          </a:xfrm>
+          <a:prstGeom prst="rect">
+            <a:avLst/>
+          </a:prstGeom>
+        </p:spPr>
+      </p:pic>
+      <p:pic>
+        <p:nvPicPr>
+          <p:cNvPr id="40" name="Picture 39">
+            <a:extLst>
+              <a:ext uri="{FF2B5EF4-FFF2-40B4-BE49-F238E27FC236}">
+                <a16:creationId xmlns:a16="http://schemas.microsoft.com/office/drawing/2014/main" id="{C4DD3128-F762-F64F-974F-AF6ADA3E0438}"/>
+              </a:ext>
+            </a:extLst>
+          </p:cNvPr>
+          <p:cNvPicPr>
+            <a:picLocks noChangeAspect="1"/>
+          </p:cNvPicPr>
+          <p:nvPr/>
+        </p:nvPicPr>
+        <p:blipFill>
+          <a:blip r:embed="rId5"/>
+          <a:stretch>
+            <a:fillRect/>
+          </a:stretch>
+        </p:blipFill>
+        <p:spPr>
+          <a:xfrm rot="10800000" flipH="1">
+            <a:off x="8433459" y="3901334"/>
+            <a:ext cx="907316" cy="342842"/>
+          </a:xfrm>
+          <a:prstGeom prst="rect">
+            <a:avLst/>
+          </a:prstGeom>
+        </p:spPr>
+      </p:pic>
+      <p:pic>
+        <p:nvPicPr>
+          <p:cNvPr id="41" name="Picture 40">
+            <a:extLst>
+              <a:ext uri="{FF2B5EF4-FFF2-40B4-BE49-F238E27FC236}">
+                <a16:creationId xmlns:a16="http://schemas.microsoft.com/office/drawing/2014/main" id="{B0FA053D-C9B4-8788-553B-6FA475531D1E}"/>
+              </a:ext>
+            </a:extLst>
+          </p:cNvPr>
+          <p:cNvPicPr>
+            <a:picLocks noChangeAspect="1"/>
+          </p:cNvPicPr>
+          <p:nvPr/>
+        </p:nvPicPr>
+        <p:blipFill>
+          <a:blip r:embed="rId5"/>
+          <a:stretch>
+            <a:fillRect/>
+          </a:stretch>
+        </p:blipFill>
+        <p:spPr>
+          <a:xfrm rot="10800000">
+            <a:off x="5693714" y="5121600"/>
+            <a:ext cx="1164943" cy="440190"/>
+          </a:xfrm>
+          <a:prstGeom prst="rect">
+            <a:avLst/>
+          </a:prstGeom>
+        </p:spPr>
+      </p:pic>
+      <p:pic>
+        <p:nvPicPr>
+          <p:cNvPr id="42" name="Picture 41">
+            <a:extLst>
+              <a:ext uri="{FF2B5EF4-FFF2-40B4-BE49-F238E27FC236}">
+                <a16:creationId xmlns:a16="http://schemas.microsoft.com/office/drawing/2014/main" id="{B4763D50-8704-0C2E-88D6-6B0174AEF085}"/>
+              </a:ext>
+            </a:extLst>
+          </p:cNvPr>
+          <p:cNvPicPr>
+            <a:picLocks noChangeAspect="1"/>
+          </p:cNvPicPr>
+          <p:nvPr/>
+        </p:nvPicPr>
+        <p:blipFill>
+          <a:blip r:embed="rId5"/>
+          <a:stretch>
+            <a:fillRect/>
+          </a:stretch>
+        </p:blipFill>
+        <p:spPr>
+          <a:xfrm rot="10800000" flipH="1">
+            <a:off x="5704587" y="5566875"/>
+            <a:ext cx="1164943" cy="440190"/>
+          </a:xfrm>
+          <a:prstGeom prst="rect">
+            <a:avLst/>
+          </a:prstGeom>
+        </p:spPr>
+      </p:pic>
+      <p:pic>
+        <p:nvPicPr>
+          <p:cNvPr id="43" name="Picture 42">
+            <a:extLst>
+              <a:ext uri="{FF2B5EF4-FFF2-40B4-BE49-F238E27FC236}">
+                <a16:creationId xmlns:a16="http://schemas.microsoft.com/office/drawing/2014/main" id="{B9E5AD87-765D-6D83-EFF7-328CE7F0BB53}"/>
+              </a:ext>
+            </a:extLst>
+          </p:cNvPr>
+          <p:cNvPicPr>
+            <a:picLocks noChangeAspect="1"/>
+          </p:cNvPicPr>
+          <p:nvPr/>
+        </p:nvPicPr>
+        <p:blipFill>
+          <a:blip r:embed="rId8">
+            <a:extLst>
+              <a:ext uri="{28A0092B-C50C-407E-A947-70E740481C1C}">
+                <a14:useLocalDpi xmlns:a14="http://schemas.microsoft.com/office/drawing/2010/main" val="0"/>
+              </a:ext>
+            </a:extLst>
+          </a:blip>
+          <a:stretch>
+            <a:fillRect/>
+          </a:stretch>
+        </p:blipFill>
+        <p:spPr>
+          <a:xfrm>
+            <a:off x="6979279" y="4651401"/>
+            <a:ext cx="2000266" cy="886768"/>
+          </a:xfrm>
+          <a:prstGeom prst="rect">
+            <a:avLst/>
+          </a:prstGeom>
+        </p:spPr>
+      </p:pic>
+      <p:pic>
+        <p:nvPicPr>
+          <p:cNvPr id="44" name="Picture 43">
+            <a:extLst>
+              <a:ext uri="{FF2B5EF4-FFF2-40B4-BE49-F238E27FC236}">
+                <a16:creationId xmlns:a16="http://schemas.microsoft.com/office/drawing/2014/main" id="{C83D7F1F-5F26-C8F7-48AA-9808EE173ECD}"/>
+              </a:ext>
+            </a:extLst>
+          </p:cNvPr>
+          <p:cNvPicPr>
+            <a:picLocks noChangeAspect="1"/>
+          </p:cNvPicPr>
+          <p:nvPr/>
+        </p:nvPicPr>
+        <p:blipFill>
+          <a:blip r:embed="rId9" cstate="print">
+            <a:extLst>
+              <a:ext uri="{28A0092B-C50C-407E-A947-70E740481C1C}">
+                <a14:useLocalDpi xmlns:a14="http://schemas.microsoft.com/office/drawing/2010/main" val="0"/>
+              </a:ext>
+            </a:extLst>
+          </a:blip>
+          <a:stretch>
+            <a:fillRect/>
+          </a:stretch>
+        </p:blipFill>
+        <p:spPr>
+          <a:xfrm>
+            <a:off x="7676329" y="5444237"/>
+            <a:ext cx="641650" cy="1276546"/>
+          </a:xfrm>
+          <a:prstGeom prst="rect">
+            <a:avLst/>
+          </a:prstGeom>
+        </p:spPr>
+      </p:pic>
+      <p:pic>
+        <p:nvPicPr>
+          <p:cNvPr id="45" name="Picture 44">
+            <a:extLst>
+              <a:ext uri="{FF2B5EF4-FFF2-40B4-BE49-F238E27FC236}">
+                <a16:creationId xmlns:a16="http://schemas.microsoft.com/office/drawing/2014/main" id="{872B8CBA-1FE8-450E-1183-4DF1802B2AF2}"/>
+              </a:ext>
+            </a:extLst>
+          </p:cNvPr>
+          <p:cNvPicPr>
+            <a:picLocks noChangeAspect="1"/>
+          </p:cNvPicPr>
+          <p:nvPr/>
+        </p:nvPicPr>
+        <p:blipFill>
+          <a:blip r:embed="rId10">
+            <a:extLst>
+              <a:ext uri="{28A0092B-C50C-407E-A947-70E740481C1C}">
+                <a14:useLocalDpi xmlns:a14="http://schemas.microsoft.com/office/drawing/2010/main" val="0"/>
+              </a:ext>
+            </a:extLst>
+          </a:blip>
+          <a:stretch>
+            <a:fillRect/>
+          </a:stretch>
+        </p:blipFill>
+        <p:spPr>
+          <a:xfrm>
+            <a:off x="9952295" y="5094785"/>
+            <a:ext cx="1810669" cy="1085182"/>
+          </a:xfrm>
+          <a:prstGeom prst="rect">
+            <a:avLst/>
+          </a:prstGeom>
+        </p:spPr>
+      </p:pic>
+      <p:pic>
+        <p:nvPicPr>
+          <p:cNvPr id="46" name="Picture 45">
+            <a:extLst>
+              <a:ext uri="{FF2B5EF4-FFF2-40B4-BE49-F238E27FC236}">
+                <a16:creationId xmlns:a16="http://schemas.microsoft.com/office/drawing/2014/main" id="{274888F7-423D-EB63-A2AE-F8A43FAEB540}"/>
+              </a:ext>
+            </a:extLst>
+          </p:cNvPr>
+          <p:cNvPicPr>
+            <a:picLocks noChangeAspect="1"/>
+          </p:cNvPicPr>
+          <p:nvPr/>
+        </p:nvPicPr>
+        <p:blipFill>
+          <a:blip r:embed="rId5"/>
+          <a:stretch>
+            <a:fillRect/>
+          </a:stretch>
+        </p:blipFill>
+        <p:spPr>
+          <a:xfrm rot="10800000">
+            <a:off x="9012262" y="5247265"/>
+            <a:ext cx="907316" cy="342842"/>
+          </a:xfrm>
+          <a:prstGeom prst="rect">
+            <a:avLst/>
+          </a:prstGeom>
+        </p:spPr>
+      </p:pic>
+      <p:pic>
+        <p:nvPicPr>
+          <p:cNvPr id="47" name="Picture 46">
+            <a:extLst>
+              <a:ext uri="{FF2B5EF4-FFF2-40B4-BE49-F238E27FC236}">
+                <a16:creationId xmlns:a16="http://schemas.microsoft.com/office/drawing/2014/main" id="{E126C811-3986-20C8-E66F-B02E8117C9AB}"/>
+              </a:ext>
+            </a:extLst>
+          </p:cNvPr>
+          <p:cNvPicPr>
+            <a:picLocks noChangeAspect="1"/>
+          </p:cNvPicPr>
+          <p:nvPr/>
+        </p:nvPicPr>
+        <p:blipFill>
+          <a:blip r:embed="rId5"/>
+          <a:stretch>
+            <a:fillRect/>
+          </a:stretch>
+        </p:blipFill>
+        <p:spPr>
+          <a:xfrm rot="10800000" flipH="1">
+            <a:off x="9012262" y="5635214"/>
+            <a:ext cx="907316" cy="342842"/>
           </a:xfrm>
           <a:prstGeom prst="rect">
             <a:avLst/>
@@ -6544,6 +7614,591 @@
                                         </p:cTn>
                                         <p:tgtEl>
                                           <p:spTgt spid="12"/>
+                                        </p:tgtEl>
+                                        <p:attrNameLst>
+                                          <p:attrName>style.visibility</p:attrName>
+                                        </p:attrNameLst>
+                                      </p:cBhvr>
+                                      <p:to>
+                                        <p:strVal val="visible"/>
+                                      </p:to>
+                                    </p:set>
+                                  </p:childTnLst>
+                                </p:cTn>
+                              </p:par>
+                            </p:childTnLst>
+                          </p:cTn>
+                        </p:par>
+                      </p:childTnLst>
+                    </p:cTn>
+                  </p:par>
+                  <p:par>
+                    <p:cTn id="7" fill="hold">
+                      <p:stCondLst>
+                        <p:cond delay="indefinite"/>
+                      </p:stCondLst>
+                      <p:childTnLst>
+                        <p:par>
+                          <p:cTn id="8" fill="hold">
+                            <p:stCondLst>
+                              <p:cond delay="0"/>
+                            </p:stCondLst>
+                            <p:childTnLst>
+                              <p:par>
+                                <p:cTn id="9" presetID="1" presetClass="entr" presetSubtype="0" fill="hold" nodeType="clickEffect">
+                                  <p:stCondLst>
+                                    <p:cond delay="0"/>
+                                  </p:stCondLst>
+                                  <p:childTnLst>
+                                    <p:set>
+                                      <p:cBhvr>
+                                        <p:cTn id="10" dur="1" fill="hold">
+                                          <p:stCondLst>
+                                            <p:cond delay="0"/>
+                                          </p:stCondLst>
+                                        </p:cTn>
+                                        <p:tgtEl>
+                                          <p:spTgt spid="19"/>
+                                        </p:tgtEl>
+                                        <p:attrNameLst>
+                                          <p:attrName>style.visibility</p:attrName>
+                                        </p:attrNameLst>
+                                      </p:cBhvr>
+                                      <p:to>
+                                        <p:strVal val="visible"/>
+                                      </p:to>
+                                    </p:set>
+                                  </p:childTnLst>
+                                </p:cTn>
+                              </p:par>
+                            </p:childTnLst>
+                          </p:cTn>
+                        </p:par>
+                      </p:childTnLst>
+                    </p:cTn>
+                  </p:par>
+                  <p:par>
+                    <p:cTn id="11" fill="hold">
+                      <p:stCondLst>
+                        <p:cond delay="indefinite"/>
+                      </p:stCondLst>
+                      <p:childTnLst>
+                        <p:par>
+                          <p:cTn id="12" fill="hold">
+                            <p:stCondLst>
+                              <p:cond delay="0"/>
+                            </p:stCondLst>
+                            <p:childTnLst>
+                              <p:par>
+                                <p:cTn id="13" presetID="1" presetClass="entr" presetSubtype="0" fill="hold" nodeType="clickEffect">
+                                  <p:stCondLst>
+                                    <p:cond delay="0"/>
+                                  </p:stCondLst>
+                                  <p:childTnLst>
+                                    <p:set>
+                                      <p:cBhvr>
+                                        <p:cTn id="14" dur="1" fill="hold">
+                                          <p:stCondLst>
+                                            <p:cond delay="0"/>
+                                          </p:stCondLst>
+                                        </p:cTn>
+                                        <p:tgtEl>
+                                          <p:spTgt spid="25"/>
+                                        </p:tgtEl>
+                                        <p:attrNameLst>
+                                          <p:attrName>style.visibility</p:attrName>
+                                        </p:attrNameLst>
+                                      </p:cBhvr>
+                                      <p:to>
+                                        <p:strVal val="visible"/>
+                                      </p:to>
+                                    </p:set>
+                                  </p:childTnLst>
+                                </p:cTn>
+                              </p:par>
+                            </p:childTnLst>
+                          </p:cTn>
+                        </p:par>
+                      </p:childTnLst>
+                    </p:cTn>
+                  </p:par>
+                  <p:par>
+                    <p:cTn id="15" fill="hold">
+                      <p:stCondLst>
+                        <p:cond delay="indefinite"/>
+                      </p:stCondLst>
+                      <p:childTnLst>
+                        <p:par>
+                          <p:cTn id="16" fill="hold">
+                            <p:stCondLst>
+                              <p:cond delay="0"/>
+                            </p:stCondLst>
+                            <p:childTnLst>
+                              <p:par>
+                                <p:cTn id="17" presetID="1" presetClass="entr" presetSubtype="0" fill="hold" nodeType="clickEffect">
+                                  <p:stCondLst>
+                                    <p:cond delay="0"/>
+                                  </p:stCondLst>
+                                  <p:childTnLst>
+                                    <p:set>
+                                      <p:cBhvr>
+                                        <p:cTn id="18" dur="1" fill="hold">
+                                          <p:stCondLst>
+                                            <p:cond delay="0"/>
+                                          </p:stCondLst>
+                                        </p:cTn>
+                                        <p:tgtEl>
+                                          <p:spTgt spid="26"/>
+                                        </p:tgtEl>
+                                        <p:attrNameLst>
+                                          <p:attrName>style.visibility</p:attrName>
+                                        </p:attrNameLst>
+                                      </p:cBhvr>
+                                      <p:to>
+                                        <p:strVal val="visible"/>
+                                      </p:to>
+                                    </p:set>
+                                  </p:childTnLst>
+                                </p:cTn>
+                              </p:par>
+                            </p:childTnLst>
+                          </p:cTn>
+                        </p:par>
+                      </p:childTnLst>
+                    </p:cTn>
+                  </p:par>
+                  <p:par>
+                    <p:cTn id="19" fill="hold">
+                      <p:stCondLst>
+                        <p:cond delay="indefinite"/>
+                      </p:stCondLst>
+                      <p:childTnLst>
+                        <p:par>
+                          <p:cTn id="20" fill="hold">
+                            <p:stCondLst>
+                              <p:cond delay="0"/>
+                            </p:stCondLst>
+                            <p:childTnLst>
+                              <p:par>
+                                <p:cTn id="21" presetID="1" presetClass="entr" presetSubtype="0" fill="hold" nodeType="clickEffect">
+                                  <p:stCondLst>
+                                    <p:cond delay="0"/>
+                                  </p:stCondLst>
+                                  <p:childTnLst>
+                                    <p:set>
+                                      <p:cBhvr>
+                                        <p:cTn id="22" dur="1" fill="hold">
+                                          <p:stCondLst>
+                                            <p:cond delay="0"/>
+                                          </p:stCondLst>
+                                        </p:cTn>
+                                        <p:tgtEl>
+                                          <p:spTgt spid="27"/>
+                                        </p:tgtEl>
+                                        <p:attrNameLst>
+                                          <p:attrName>style.visibility</p:attrName>
+                                        </p:attrNameLst>
+                                      </p:cBhvr>
+                                      <p:to>
+                                        <p:strVal val="visible"/>
+                                      </p:to>
+                                    </p:set>
+                                  </p:childTnLst>
+                                </p:cTn>
+                              </p:par>
+                            </p:childTnLst>
+                          </p:cTn>
+                        </p:par>
+                      </p:childTnLst>
+                    </p:cTn>
+                  </p:par>
+                  <p:par>
+                    <p:cTn id="23" fill="hold">
+                      <p:stCondLst>
+                        <p:cond delay="indefinite"/>
+                      </p:stCondLst>
+                      <p:childTnLst>
+                        <p:par>
+                          <p:cTn id="24" fill="hold">
+                            <p:stCondLst>
+                              <p:cond delay="0"/>
+                            </p:stCondLst>
+                            <p:childTnLst>
+                              <p:par>
+                                <p:cTn id="25" presetID="1" presetClass="entr" presetSubtype="0" fill="hold" nodeType="clickEffect">
+                                  <p:stCondLst>
+                                    <p:cond delay="0"/>
+                                  </p:stCondLst>
+                                  <p:childTnLst>
+                                    <p:set>
+                                      <p:cBhvr>
+                                        <p:cTn id="26" dur="1" fill="hold">
+                                          <p:stCondLst>
+                                            <p:cond delay="0"/>
+                                          </p:stCondLst>
+                                        </p:cTn>
+                                        <p:tgtEl>
+                                          <p:spTgt spid="28"/>
+                                        </p:tgtEl>
+                                        <p:attrNameLst>
+                                          <p:attrName>style.visibility</p:attrName>
+                                        </p:attrNameLst>
+                                      </p:cBhvr>
+                                      <p:to>
+                                        <p:strVal val="visible"/>
+                                      </p:to>
+                                    </p:set>
+                                  </p:childTnLst>
+                                </p:cTn>
+                              </p:par>
+                            </p:childTnLst>
+                          </p:cTn>
+                        </p:par>
+                      </p:childTnLst>
+                    </p:cTn>
+                  </p:par>
+                  <p:par>
+                    <p:cTn id="27" fill="hold">
+                      <p:stCondLst>
+                        <p:cond delay="indefinite"/>
+                      </p:stCondLst>
+                      <p:childTnLst>
+                        <p:par>
+                          <p:cTn id="28" fill="hold">
+                            <p:stCondLst>
+                              <p:cond delay="0"/>
+                            </p:stCondLst>
+                            <p:childTnLst>
+                              <p:par>
+                                <p:cTn id="29" presetID="1" presetClass="entr" presetSubtype="0" fill="hold" nodeType="clickEffect">
+                                  <p:stCondLst>
+                                    <p:cond delay="0"/>
+                                  </p:stCondLst>
+                                  <p:childTnLst>
+                                    <p:set>
+                                      <p:cBhvr>
+                                        <p:cTn id="30" dur="1" fill="hold">
+                                          <p:stCondLst>
+                                            <p:cond delay="0"/>
+                                          </p:stCondLst>
+                                        </p:cTn>
+                                        <p:tgtEl>
+                                          <p:spTgt spid="31"/>
+                                        </p:tgtEl>
+                                        <p:attrNameLst>
+                                          <p:attrName>style.visibility</p:attrName>
+                                        </p:attrNameLst>
+                                      </p:cBhvr>
+                                      <p:to>
+                                        <p:strVal val="visible"/>
+                                      </p:to>
+                                    </p:set>
+                                  </p:childTnLst>
+                                </p:cTn>
+                              </p:par>
+                            </p:childTnLst>
+                          </p:cTn>
+                        </p:par>
+                      </p:childTnLst>
+                    </p:cTn>
+                  </p:par>
+                  <p:par>
+                    <p:cTn id="31" fill="hold">
+                      <p:stCondLst>
+                        <p:cond delay="indefinite"/>
+                      </p:stCondLst>
+                      <p:childTnLst>
+                        <p:par>
+                          <p:cTn id="32" fill="hold">
+                            <p:stCondLst>
+                              <p:cond delay="0"/>
+                            </p:stCondLst>
+                            <p:childTnLst>
+                              <p:par>
+                                <p:cTn id="33" presetID="1" presetClass="entr" presetSubtype="0" fill="hold" nodeType="clickEffect">
+                                  <p:stCondLst>
+                                    <p:cond delay="0"/>
+                                  </p:stCondLst>
+                                  <p:childTnLst>
+                                    <p:set>
+                                      <p:cBhvr>
+                                        <p:cTn id="34" dur="1" fill="hold">
+                                          <p:stCondLst>
+                                            <p:cond delay="0"/>
+                                          </p:stCondLst>
+                                        </p:cTn>
+                                        <p:tgtEl>
+                                          <p:spTgt spid="38"/>
+                                        </p:tgtEl>
+                                        <p:attrNameLst>
+                                          <p:attrName>style.visibility</p:attrName>
+                                        </p:attrNameLst>
+                                      </p:cBhvr>
+                                      <p:to>
+                                        <p:strVal val="visible"/>
+                                      </p:to>
+                                    </p:set>
+                                  </p:childTnLst>
+                                </p:cTn>
+                              </p:par>
+                            </p:childTnLst>
+                          </p:cTn>
+                        </p:par>
+                      </p:childTnLst>
+                    </p:cTn>
+                  </p:par>
+                  <p:par>
+                    <p:cTn id="35" fill="hold">
+                      <p:stCondLst>
+                        <p:cond delay="indefinite"/>
+                      </p:stCondLst>
+                      <p:childTnLst>
+                        <p:par>
+                          <p:cTn id="36" fill="hold">
+                            <p:stCondLst>
+                              <p:cond delay="0"/>
+                            </p:stCondLst>
+                            <p:childTnLst>
+                              <p:par>
+                                <p:cTn id="37" presetID="1" presetClass="entr" presetSubtype="0" fill="hold" nodeType="clickEffect">
+                                  <p:stCondLst>
+                                    <p:cond delay="0"/>
+                                  </p:stCondLst>
+                                  <p:childTnLst>
+                                    <p:set>
+                                      <p:cBhvr>
+                                        <p:cTn id="38" dur="1" fill="hold">
+                                          <p:stCondLst>
+                                            <p:cond delay="0"/>
+                                          </p:stCondLst>
+                                        </p:cTn>
+                                        <p:tgtEl>
+                                          <p:spTgt spid="39"/>
+                                        </p:tgtEl>
+                                        <p:attrNameLst>
+                                          <p:attrName>style.visibility</p:attrName>
+                                        </p:attrNameLst>
+                                      </p:cBhvr>
+                                      <p:to>
+                                        <p:strVal val="visible"/>
+                                      </p:to>
+                                    </p:set>
+                                  </p:childTnLst>
+                                </p:cTn>
+                              </p:par>
+                            </p:childTnLst>
+                          </p:cTn>
+                        </p:par>
+                      </p:childTnLst>
+                    </p:cTn>
+                  </p:par>
+                  <p:par>
+                    <p:cTn id="39" fill="hold">
+                      <p:stCondLst>
+                        <p:cond delay="indefinite"/>
+                      </p:stCondLst>
+                      <p:childTnLst>
+                        <p:par>
+                          <p:cTn id="40" fill="hold">
+                            <p:stCondLst>
+                              <p:cond delay="0"/>
+                            </p:stCondLst>
+                            <p:childTnLst>
+                              <p:par>
+                                <p:cTn id="41" presetID="1" presetClass="entr" presetSubtype="0" fill="hold" nodeType="clickEffect">
+                                  <p:stCondLst>
+                                    <p:cond delay="0"/>
+                                  </p:stCondLst>
+                                  <p:childTnLst>
+                                    <p:set>
+                                      <p:cBhvr>
+                                        <p:cTn id="42" dur="1" fill="hold">
+                                          <p:stCondLst>
+                                            <p:cond delay="0"/>
+                                          </p:stCondLst>
+                                        </p:cTn>
+                                        <p:tgtEl>
+                                          <p:spTgt spid="40"/>
+                                        </p:tgtEl>
+                                        <p:attrNameLst>
+                                          <p:attrName>style.visibility</p:attrName>
+                                        </p:attrNameLst>
+                                      </p:cBhvr>
+                                      <p:to>
+                                        <p:strVal val="visible"/>
+                                      </p:to>
+                                    </p:set>
+                                  </p:childTnLst>
+                                </p:cTn>
+                              </p:par>
+                            </p:childTnLst>
+                          </p:cTn>
+                        </p:par>
+                      </p:childTnLst>
+                    </p:cTn>
+                  </p:par>
+                  <p:par>
+                    <p:cTn id="43" fill="hold">
+                      <p:stCondLst>
+                        <p:cond delay="indefinite"/>
+                      </p:stCondLst>
+                      <p:childTnLst>
+                        <p:par>
+                          <p:cTn id="44" fill="hold">
+                            <p:stCondLst>
+                              <p:cond delay="0"/>
+                            </p:stCondLst>
+                            <p:childTnLst>
+                              <p:par>
+                                <p:cTn id="45" presetID="1" presetClass="entr" presetSubtype="0" fill="hold" nodeType="clickEffect">
+                                  <p:stCondLst>
+                                    <p:cond delay="0"/>
+                                  </p:stCondLst>
+                                  <p:childTnLst>
+                                    <p:set>
+                                      <p:cBhvr>
+                                        <p:cTn id="46" dur="1" fill="hold">
+                                          <p:stCondLst>
+                                            <p:cond delay="0"/>
+                                          </p:stCondLst>
+                                        </p:cTn>
+                                        <p:tgtEl>
+                                          <p:spTgt spid="41"/>
+                                        </p:tgtEl>
+                                        <p:attrNameLst>
+                                          <p:attrName>style.visibility</p:attrName>
+                                        </p:attrNameLst>
+                                      </p:cBhvr>
+                                      <p:to>
+                                        <p:strVal val="visible"/>
+                                      </p:to>
+                                    </p:set>
+                                  </p:childTnLst>
+                                </p:cTn>
+                              </p:par>
+                            </p:childTnLst>
+                          </p:cTn>
+                        </p:par>
+                      </p:childTnLst>
+                    </p:cTn>
+                  </p:par>
+                  <p:par>
+                    <p:cTn id="47" fill="hold">
+                      <p:stCondLst>
+                        <p:cond delay="indefinite"/>
+                      </p:stCondLst>
+                      <p:childTnLst>
+                        <p:par>
+                          <p:cTn id="48" fill="hold">
+                            <p:stCondLst>
+                              <p:cond delay="0"/>
+                            </p:stCondLst>
+                            <p:childTnLst>
+                              <p:par>
+                                <p:cTn id="49" presetID="1" presetClass="entr" presetSubtype="0" fill="hold" nodeType="clickEffect">
+                                  <p:stCondLst>
+                                    <p:cond delay="0"/>
+                                  </p:stCondLst>
+                                  <p:childTnLst>
+                                    <p:set>
+                                      <p:cBhvr>
+                                        <p:cTn id="50" dur="1" fill="hold">
+                                          <p:stCondLst>
+                                            <p:cond delay="0"/>
+                                          </p:stCondLst>
+                                        </p:cTn>
+                                        <p:tgtEl>
+                                          <p:spTgt spid="42"/>
+                                        </p:tgtEl>
+                                        <p:attrNameLst>
+                                          <p:attrName>style.visibility</p:attrName>
+                                        </p:attrNameLst>
+                                      </p:cBhvr>
+                                      <p:to>
+                                        <p:strVal val="visible"/>
+                                      </p:to>
+                                    </p:set>
+                                  </p:childTnLst>
+                                </p:cTn>
+                              </p:par>
+                            </p:childTnLst>
+                          </p:cTn>
+                        </p:par>
+                      </p:childTnLst>
+                    </p:cTn>
+                  </p:par>
+                  <p:par>
+                    <p:cTn id="51" fill="hold">
+                      <p:stCondLst>
+                        <p:cond delay="indefinite"/>
+                      </p:stCondLst>
+                      <p:childTnLst>
+                        <p:par>
+                          <p:cTn id="52" fill="hold">
+                            <p:stCondLst>
+                              <p:cond delay="0"/>
+                            </p:stCondLst>
+                            <p:childTnLst>
+                              <p:par>
+                                <p:cTn id="53" presetID="1" presetClass="entr" presetSubtype="0" fill="hold" nodeType="clickEffect">
+                                  <p:stCondLst>
+                                    <p:cond delay="0"/>
+                                  </p:stCondLst>
+                                  <p:childTnLst>
+                                    <p:set>
+                                      <p:cBhvr>
+                                        <p:cTn id="54" dur="1" fill="hold">
+                                          <p:stCondLst>
+                                            <p:cond delay="0"/>
+                                          </p:stCondLst>
+                                        </p:cTn>
+                                        <p:tgtEl>
+                                          <p:spTgt spid="46"/>
+                                        </p:tgtEl>
+                                        <p:attrNameLst>
+                                          <p:attrName>style.visibility</p:attrName>
+                                        </p:attrNameLst>
+                                      </p:cBhvr>
+                                      <p:to>
+                                        <p:strVal val="visible"/>
+                                      </p:to>
+                                    </p:set>
+                                  </p:childTnLst>
+                                </p:cTn>
+                              </p:par>
+                            </p:childTnLst>
+                          </p:cTn>
+                        </p:par>
+                      </p:childTnLst>
+                    </p:cTn>
+                  </p:par>
+                  <p:par>
+                    <p:cTn id="55" fill="hold">
+                      <p:stCondLst>
+                        <p:cond delay="indefinite"/>
+                      </p:stCondLst>
+                      <p:childTnLst>
+                        <p:par>
+                          <p:cTn id="56" fill="hold">
+                            <p:stCondLst>
+                              <p:cond delay="0"/>
+                            </p:stCondLst>
+                            <p:childTnLst>
+                              <p:par>
+                                <p:cTn id="57" presetID="1" presetClass="entr" presetSubtype="0" fill="hold" nodeType="clickEffect">
+                                  <p:stCondLst>
+                                    <p:cond delay="0"/>
+                                  </p:stCondLst>
+                                  <p:childTnLst>
+                                    <p:set>
+                                      <p:cBhvr>
+                                        <p:cTn id="58" dur="1" fill="hold">
+                                          <p:stCondLst>
+                                            <p:cond delay="0"/>
+                                          </p:stCondLst>
+                                        </p:cTn>
+                                        <p:tgtEl>
+                                          <p:spTgt spid="47"/>
                                         </p:tgtEl>
                                         <p:attrNameLst>
                                           <p:attrName>style.visibility</p:attrName>
@@ -6692,8 +8347,8 @@
         </p:nvSpPr>
         <p:spPr>
           <a:xfrm>
-            <a:off x="3351507" y="82785"/>
-            <a:ext cx="5489002" cy="707886"/>
+            <a:off x="2139628" y="111822"/>
+            <a:ext cx="7912744" cy="707886"/>
           </a:xfrm>
           <a:prstGeom prst="rect">
             <a:avLst/>
@@ -6708,7 +8363,7 @@
           <a:p>
             <a:pPr algn="ctr"/>
             <a:r>
-              <a:rPr lang="ru-RU" sz="4000" dirty="0" smtClean="0">
+              <a:rPr lang="ru-RU" sz="4000" dirty="0">
                 <a:solidFill>
                   <a:schemeClr val="bg1">
                     <a:lumMod val="95000"/>
@@ -6723,7 +8378,25 @@
                 </a:effectLst>
                 <a:latin typeface="Century Gothic" panose="020B0502020202020204" pitchFamily="34" charset="0"/>
               </a:rPr>
-              <a:t>Структурная модель</a:t>
+              <a:t>Результаты анализа </a:t>
+            </a:r>
+            <a:r>
+              <a:rPr lang="en-US" sz="4000" dirty="0" err="1">
+                <a:solidFill>
+                  <a:schemeClr val="bg1">
+                    <a:lumMod val="95000"/>
+                  </a:schemeClr>
+                </a:solidFill>
+                <a:effectLst>
+                  <a:outerShdw blurRad="38100" dist="38100" dir="2700000" algn="tl">
+                    <a:srgbClr val="000000">
+                      <a:alpha val="43137"/>
+                    </a:srgbClr>
+                  </a:outerShdw>
+                </a:effectLst>
+                <a:latin typeface="Century Gothic" panose="020B0502020202020204" pitchFamily="34" charset="0"/>
+              </a:rPr>
+              <a:t>FloraWare</a:t>
             </a:r>
             <a:endParaRPr lang="ru-RU" sz="4000" dirty="0">
               <a:solidFill>
@@ -6745,12 +8418,297 @@
       </p:sp>
       <p:pic>
         <p:nvPicPr>
-          <p:cNvPr id="8" name="Рисунок 7" descr="F:\Магистратура\Диплом\GE_модули.jpg"/>
-          <p:cNvPicPr/>
+          <p:cNvPr id="3" name="Picture 2">
+            <a:extLst>
+              <a:ext uri="{FF2B5EF4-FFF2-40B4-BE49-F238E27FC236}">
+                <a16:creationId xmlns:a16="http://schemas.microsoft.com/office/drawing/2014/main" id="{CF1DBCE9-7EDD-C8A1-1C96-7712C196D26C}"/>
+              </a:ext>
+            </a:extLst>
+          </p:cNvPr>
+          <p:cNvPicPr>
+            <a:picLocks noChangeAspect="1"/>
+          </p:cNvPicPr>
           <p:nvPr/>
         </p:nvPicPr>
         <p:blipFill>
-          <a:blip r:embed="rId3">
+          <a:blip r:embed="rId3" cstate="print">
+            <a:extLst>
+              <a:ext uri="{28A0092B-C50C-407E-A947-70E740481C1C}">
+                <a14:useLocalDpi xmlns:a14="http://schemas.microsoft.com/office/drawing/2010/main" val="0"/>
+              </a:ext>
+            </a:extLst>
+          </a:blip>
+          <a:stretch>
+            <a:fillRect/>
+          </a:stretch>
+        </p:blipFill>
+        <p:spPr>
+          <a:xfrm>
+            <a:off x="925596" y="3079121"/>
+            <a:ext cx="1665203" cy="1465377"/>
+          </a:xfrm>
+          <a:prstGeom prst="rect">
+            <a:avLst/>
+          </a:prstGeom>
+        </p:spPr>
+      </p:pic>
+      <p:sp>
+        <p:nvSpPr>
+          <p:cNvPr id="4" name="TextBox 3">
+            <a:extLst>
+              <a:ext uri="{FF2B5EF4-FFF2-40B4-BE49-F238E27FC236}">
+                <a16:creationId xmlns:a16="http://schemas.microsoft.com/office/drawing/2014/main" id="{9B45C4F2-83F8-7E63-5A7F-55DCF21B4F67}"/>
+              </a:ext>
+            </a:extLst>
+          </p:cNvPr>
+          <p:cNvSpPr txBox="1"/>
+          <p:nvPr/>
+        </p:nvSpPr>
+        <p:spPr>
+          <a:xfrm>
+            <a:off x="1011051" y="4544498"/>
+            <a:ext cx="1494291" cy="400110"/>
+          </a:xfrm>
+          <a:prstGeom prst="rect">
+            <a:avLst/>
+          </a:prstGeom>
+          <a:noFill/>
+        </p:spPr>
+        <p:txBody>
+          <a:bodyPr wrap="square" rtlCol="0">
+            <a:spAutoFit/>
+          </a:bodyPr>
+          <a:lstStyle/>
+          <a:p>
+            <a:pPr algn="ctr"/>
+            <a:r>
+              <a:rPr lang="en-US" sz="2000" dirty="0" err="1">
+                <a:latin typeface="Century Gothic" panose="020B0502020202020204" pitchFamily="34" charset="0"/>
+              </a:rPr>
+              <a:t>FloraWare</a:t>
+            </a:r>
+            <a:endParaRPr lang="ru-RU" sz="2000" dirty="0">
+              <a:latin typeface="Century Gothic" panose="020B0502020202020204" pitchFamily="34" charset="0"/>
+            </a:endParaRPr>
+          </a:p>
+        </p:txBody>
+      </p:sp>
+      <p:sp>
+        <p:nvSpPr>
+          <p:cNvPr id="6" name="Rectangle 5">
+            <a:extLst>
+              <a:ext uri="{FF2B5EF4-FFF2-40B4-BE49-F238E27FC236}">
+                <a16:creationId xmlns:a16="http://schemas.microsoft.com/office/drawing/2014/main" id="{826F21BF-4FFB-C471-BD15-5D78796E9C17}"/>
+              </a:ext>
+            </a:extLst>
+          </p:cNvPr>
+          <p:cNvSpPr/>
+          <p:nvPr/>
+        </p:nvSpPr>
+        <p:spPr>
+          <a:xfrm>
+            <a:off x="3281681" y="1158262"/>
+            <a:ext cx="8696960" cy="5486378"/>
+          </a:xfrm>
+          <a:prstGeom prst="rect">
+            <a:avLst/>
+          </a:prstGeom>
+          <a:noFill/>
+          <a:ln w="76200">
+            <a:solidFill>
+              <a:schemeClr val="accent1">
+                <a:lumMod val="50000"/>
+              </a:schemeClr>
+            </a:solidFill>
+          </a:ln>
+        </p:spPr>
+        <p:style>
+          <a:lnRef idx="2">
+            <a:schemeClr val="accent6"/>
+          </a:lnRef>
+          <a:fillRef idx="1">
+            <a:schemeClr val="lt1"/>
+          </a:fillRef>
+          <a:effectRef idx="0">
+            <a:schemeClr val="accent6"/>
+          </a:effectRef>
+          <a:fontRef idx="minor">
+            <a:schemeClr val="dk1"/>
+          </a:fontRef>
+        </p:style>
+        <p:txBody>
+          <a:bodyPr rtlCol="0" anchor="ctr"/>
+          <a:lstStyle/>
+          <a:p>
+            <a:pPr algn="ctr"/>
+            <a:endParaRPr lang="en-US"/>
+          </a:p>
+        </p:txBody>
+      </p:sp>
+      <p:sp>
+        <p:nvSpPr>
+          <p:cNvPr id="10" name="TextBox 9">
+            <a:extLst>
+              <a:ext uri="{FF2B5EF4-FFF2-40B4-BE49-F238E27FC236}">
+                <a16:creationId xmlns:a16="http://schemas.microsoft.com/office/drawing/2014/main" id="{9DDC8573-D78C-B14C-4507-D4DABFFBE1AC}"/>
+              </a:ext>
+            </a:extLst>
+          </p:cNvPr>
+          <p:cNvSpPr txBox="1"/>
+          <p:nvPr/>
+        </p:nvSpPr>
+        <p:spPr>
+          <a:xfrm>
+            <a:off x="8244718" y="2831367"/>
+            <a:ext cx="3615309" cy="707886"/>
+          </a:xfrm>
+          <a:prstGeom prst="rect">
+            <a:avLst/>
+          </a:prstGeom>
+          <a:noFill/>
+        </p:spPr>
+        <p:txBody>
+          <a:bodyPr wrap="square" rtlCol="0">
+            <a:spAutoFit/>
+          </a:bodyPr>
+          <a:lstStyle/>
+          <a:p>
+            <a:pPr algn="ctr"/>
+            <a:r>
+              <a:rPr lang="ru-RU" sz="2000" dirty="0">
+                <a:latin typeface="Century Gothic" panose="020B0502020202020204" pitchFamily="34" charset="0"/>
+              </a:rPr>
+              <a:t>Инструменты разработки/тестирования</a:t>
+            </a:r>
+          </a:p>
+        </p:txBody>
+      </p:sp>
+      <p:pic>
+        <p:nvPicPr>
+          <p:cNvPr id="11" name="Picture 10">
+            <a:extLst>
+              <a:ext uri="{FF2B5EF4-FFF2-40B4-BE49-F238E27FC236}">
+                <a16:creationId xmlns:a16="http://schemas.microsoft.com/office/drawing/2014/main" id="{16F5385B-82BF-9994-60D6-96CEF66D4EA7}"/>
+              </a:ext>
+            </a:extLst>
+          </p:cNvPr>
+          <p:cNvPicPr>
+            <a:picLocks noChangeAspect="1"/>
+          </p:cNvPicPr>
+          <p:nvPr/>
+        </p:nvPicPr>
+        <p:blipFill>
+          <a:blip r:embed="rId4">
+            <a:extLst>
+              <a:ext uri="{28A0092B-C50C-407E-A947-70E740481C1C}">
+                <a14:useLocalDpi xmlns:a14="http://schemas.microsoft.com/office/drawing/2010/main" val="0"/>
+              </a:ext>
+            </a:extLst>
+          </a:blip>
+          <a:stretch>
+            <a:fillRect/>
+          </a:stretch>
+        </p:blipFill>
+        <p:spPr>
+          <a:xfrm>
+            <a:off x="4163040" y="1729465"/>
+            <a:ext cx="1841152" cy="1341236"/>
+          </a:xfrm>
+          <a:prstGeom prst="rect">
+            <a:avLst/>
+          </a:prstGeom>
+        </p:spPr>
+      </p:pic>
+      <p:sp>
+        <p:nvSpPr>
+          <p:cNvPr id="12" name="TextBox 11">
+            <a:extLst>
+              <a:ext uri="{FF2B5EF4-FFF2-40B4-BE49-F238E27FC236}">
+                <a16:creationId xmlns:a16="http://schemas.microsoft.com/office/drawing/2014/main" id="{787E0851-078A-9C9C-AE72-EE0675FFE32A}"/>
+              </a:ext>
+            </a:extLst>
+          </p:cNvPr>
+          <p:cNvSpPr txBox="1"/>
+          <p:nvPr/>
+        </p:nvSpPr>
+        <p:spPr>
+          <a:xfrm>
+            <a:off x="3719501" y="3045898"/>
+            <a:ext cx="2728230" cy="400110"/>
+          </a:xfrm>
+          <a:prstGeom prst="rect">
+            <a:avLst/>
+          </a:prstGeom>
+          <a:noFill/>
+        </p:spPr>
+        <p:txBody>
+          <a:bodyPr wrap="square" rtlCol="0">
+            <a:spAutoFit/>
+          </a:bodyPr>
+          <a:lstStyle/>
+          <a:p>
+            <a:pPr algn="ctr"/>
+            <a:r>
+              <a:rPr lang="ru-RU" sz="2000" dirty="0">
+                <a:latin typeface="Century Gothic" panose="020B0502020202020204" pitchFamily="34" charset="0"/>
+              </a:rPr>
+              <a:t>Объектная машина</a:t>
+            </a:r>
+          </a:p>
+        </p:txBody>
+      </p:sp>
+      <p:pic>
+        <p:nvPicPr>
+          <p:cNvPr id="13" name="Picture 12">
+            <a:extLst>
+              <a:ext uri="{FF2B5EF4-FFF2-40B4-BE49-F238E27FC236}">
+                <a16:creationId xmlns:a16="http://schemas.microsoft.com/office/drawing/2014/main" id="{99D6B4F5-4F08-09C3-BAAB-6BC31A2A46C3}"/>
+              </a:ext>
+            </a:extLst>
+          </p:cNvPr>
+          <p:cNvPicPr>
+            <a:picLocks noChangeAspect="1"/>
+          </p:cNvPicPr>
+          <p:nvPr/>
+        </p:nvPicPr>
+        <p:blipFill>
+          <a:blip r:embed="rId3" cstate="print">
+            <a:extLst>
+              <a:ext uri="{28A0092B-C50C-407E-A947-70E740481C1C}">
+                <a14:useLocalDpi xmlns:a14="http://schemas.microsoft.com/office/drawing/2010/main" val="0"/>
+              </a:ext>
+            </a:extLst>
+          </a:blip>
+          <a:stretch>
+            <a:fillRect/>
+          </a:stretch>
+        </p:blipFill>
+        <p:spPr>
+          <a:xfrm>
+            <a:off x="9219770" y="1278178"/>
+            <a:ext cx="1665203" cy="1465377"/>
+          </a:xfrm>
+          <a:prstGeom prst="rect">
+            <a:avLst/>
+          </a:prstGeom>
+        </p:spPr>
+      </p:pic>
+      <p:pic>
+        <p:nvPicPr>
+          <p:cNvPr id="1026" name="Picture 2" descr="Picture background">
+            <a:extLst>
+              <a:ext uri="{FF2B5EF4-FFF2-40B4-BE49-F238E27FC236}">
+                <a16:creationId xmlns:a16="http://schemas.microsoft.com/office/drawing/2014/main" id="{AC7C7E95-9F35-B009-929F-0A28478BF563}"/>
+              </a:ext>
+            </a:extLst>
+          </p:cNvPr>
+          <p:cNvPicPr>
+            <a:picLocks noChangeAspect="1" noChangeArrowheads="1"/>
+          </p:cNvPicPr>
+          <p:nvPr/>
+        </p:nvPicPr>
+        <p:blipFill>
+          <a:blip r:embed="rId5" cstate="print">
             <a:extLst>
               <a:ext uri="{28A0092B-C50C-407E-A947-70E740481C1C}">
                 <a14:useLocalDpi xmlns:a14="http://schemas.microsoft.com/office/drawing/2010/main" val="0"/>
@@ -6764,18 +8722,430 @@
         </p:blipFill>
         <p:spPr bwMode="auto">
           <a:xfrm>
-            <a:off x="2941932" y="982639"/>
-            <a:ext cx="6662466" cy="5792576"/>
+            <a:off x="3572821" y="4339959"/>
+            <a:ext cx="1482419" cy="1449208"/>
           </a:xfrm>
           <a:prstGeom prst="rect">
             <a:avLst/>
           </a:prstGeom>
           <a:noFill/>
-          <a:ln>
-            <a:noFill/>
+          <a:extLst>
+            <a:ext uri="{909E8E84-426E-40DD-AFC4-6F175D3DCCD1}">
+              <a14:hiddenFill xmlns:a14="http://schemas.microsoft.com/office/drawing/2010/main">
+                <a:solidFill>
+                  <a:srgbClr val="FFFFFF"/>
+                </a:solidFill>
+              </a14:hiddenFill>
+            </a:ext>
+          </a:extLst>
+        </p:spPr>
+      </p:pic>
+      <p:sp>
+        <p:nvSpPr>
+          <p:cNvPr id="15" name="TextBox 14">
+            <a:extLst>
+              <a:ext uri="{FF2B5EF4-FFF2-40B4-BE49-F238E27FC236}">
+                <a16:creationId xmlns:a16="http://schemas.microsoft.com/office/drawing/2014/main" id="{1F688B33-993A-A778-16F7-6315C19BA62A}"/>
+              </a:ext>
+            </a:extLst>
+          </p:cNvPr>
+          <p:cNvSpPr txBox="1"/>
+          <p:nvPr/>
+        </p:nvSpPr>
+        <p:spPr>
+          <a:xfrm>
+            <a:off x="3393455" y="5876978"/>
+            <a:ext cx="1841152" cy="400110"/>
+          </a:xfrm>
+          <a:prstGeom prst="rect">
+            <a:avLst/>
+          </a:prstGeom>
+          <a:noFill/>
+        </p:spPr>
+        <p:txBody>
+          <a:bodyPr wrap="square" rtlCol="0">
+            <a:spAutoFit/>
+          </a:bodyPr>
+          <a:lstStyle/>
+          <a:p>
+            <a:pPr algn="ctr"/>
+            <a:r>
+              <a:rPr lang="ru-RU" sz="2000" dirty="0">
+                <a:latin typeface="Century Gothic" panose="020B0502020202020204" pitchFamily="34" charset="0"/>
+              </a:rPr>
+              <a:t>Приложение</a:t>
+            </a:r>
+          </a:p>
+        </p:txBody>
+      </p:sp>
+      <p:sp>
+        <p:nvSpPr>
+          <p:cNvPr id="17" name="Rectangle 16">
+            <a:extLst>
+              <a:ext uri="{FF2B5EF4-FFF2-40B4-BE49-F238E27FC236}">
+                <a16:creationId xmlns:a16="http://schemas.microsoft.com/office/drawing/2014/main" id="{529C2627-CD5F-A902-B215-21B7C19F6F64}"/>
+              </a:ext>
+            </a:extLst>
+          </p:cNvPr>
+          <p:cNvSpPr/>
+          <p:nvPr/>
+        </p:nvSpPr>
+        <p:spPr>
+          <a:xfrm>
+            <a:off x="5979802" y="3659386"/>
+            <a:ext cx="5880225" cy="2865120"/>
+          </a:xfrm>
+          <a:prstGeom prst="rect">
+            <a:avLst/>
+          </a:prstGeom>
+          <a:noFill/>
+          <a:ln w="76200">
+            <a:solidFill>
+              <a:schemeClr val="accent1">
+                <a:lumMod val="50000"/>
+              </a:schemeClr>
+            </a:solidFill>
           </a:ln>
         </p:spPr>
+        <p:style>
+          <a:lnRef idx="2">
+            <a:schemeClr val="accent6"/>
+          </a:lnRef>
+          <a:fillRef idx="1">
+            <a:schemeClr val="lt1"/>
+          </a:fillRef>
+          <a:effectRef idx="0">
+            <a:schemeClr val="accent6"/>
+          </a:effectRef>
+          <a:fontRef idx="minor">
+            <a:schemeClr val="dk1"/>
+          </a:fontRef>
+        </p:style>
+        <p:txBody>
+          <a:bodyPr rtlCol="0" anchor="ctr"/>
+          <a:lstStyle/>
+          <a:p>
+            <a:pPr algn="ctr"/>
+            <a:endParaRPr lang="en-US"/>
+          </a:p>
+        </p:txBody>
+      </p:sp>
+      <p:pic>
+        <p:nvPicPr>
+          <p:cNvPr id="18" name="Picture 17">
+            <a:extLst>
+              <a:ext uri="{FF2B5EF4-FFF2-40B4-BE49-F238E27FC236}">
+                <a16:creationId xmlns:a16="http://schemas.microsoft.com/office/drawing/2014/main" id="{FBD19A52-A01E-A71F-A86F-63EC36BE5E89}"/>
+              </a:ext>
+            </a:extLst>
+          </p:cNvPr>
+          <p:cNvPicPr>
+            <a:picLocks noChangeAspect="1"/>
+          </p:cNvPicPr>
+          <p:nvPr/>
+        </p:nvPicPr>
+        <p:blipFill>
+          <a:blip r:embed="rId6"/>
+          <a:stretch>
+            <a:fillRect/>
+          </a:stretch>
+        </p:blipFill>
+        <p:spPr>
+          <a:xfrm rot="10800000" flipH="1">
+            <a:off x="5109818" y="5025532"/>
+            <a:ext cx="815405" cy="308112"/>
+          </a:xfrm>
+          <a:prstGeom prst="rect">
+            <a:avLst/>
+          </a:prstGeom>
+        </p:spPr>
       </p:pic>
+      <p:pic>
+        <p:nvPicPr>
+          <p:cNvPr id="19" name="Picture 18">
+            <a:extLst>
+              <a:ext uri="{FF2B5EF4-FFF2-40B4-BE49-F238E27FC236}">
+                <a16:creationId xmlns:a16="http://schemas.microsoft.com/office/drawing/2014/main" id="{C8AF9E84-9983-8330-64F7-2A0E560EB87A}"/>
+              </a:ext>
+            </a:extLst>
+          </p:cNvPr>
+          <p:cNvPicPr>
+            <a:picLocks noChangeAspect="1"/>
+          </p:cNvPicPr>
+          <p:nvPr/>
+        </p:nvPicPr>
+        <p:blipFill>
+          <a:blip r:embed="rId7"/>
+          <a:stretch>
+            <a:fillRect/>
+          </a:stretch>
+        </p:blipFill>
+        <p:spPr>
+          <a:xfrm>
+            <a:off x="6004192" y="4339959"/>
+            <a:ext cx="1669528" cy="1669528"/>
+          </a:xfrm>
+          <a:prstGeom prst="rect">
+            <a:avLst/>
+          </a:prstGeom>
+        </p:spPr>
+      </p:pic>
+      <p:pic>
+        <p:nvPicPr>
+          <p:cNvPr id="20" name="Picture 19">
+            <a:extLst>
+              <a:ext uri="{FF2B5EF4-FFF2-40B4-BE49-F238E27FC236}">
+                <a16:creationId xmlns:a16="http://schemas.microsoft.com/office/drawing/2014/main" id="{F4C83E37-90D7-C377-6624-E555648A8E0C}"/>
+              </a:ext>
+            </a:extLst>
+          </p:cNvPr>
+          <p:cNvPicPr>
+            <a:picLocks noChangeAspect="1"/>
+          </p:cNvPicPr>
+          <p:nvPr/>
+        </p:nvPicPr>
+        <p:blipFill>
+          <a:blip r:embed="rId6"/>
+          <a:stretch>
+            <a:fillRect/>
+          </a:stretch>
+        </p:blipFill>
+        <p:spPr>
+          <a:xfrm rot="9592064" flipH="1">
+            <a:off x="7517868" y="4390442"/>
+            <a:ext cx="1059766" cy="308112"/>
+          </a:xfrm>
+          <a:prstGeom prst="rect">
+            <a:avLst/>
+          </a:prstGeom>
+        </p:spPr>
+      </p:pic>
+      <p:pic>
+        <p:nvPicPr>
+          <p:cNvPr id="21" name="Picture 20">
+            <a:extLst>
+              <a:ext uri="{FF2B5EF4-FFF2-40B4-BE49-F238E27FC236}">
+                <a16:creationId xmlns:a16="http://schemas.microsoft.com/office/drawing/2014/main" id="{B86577F3-4CC3-19A8-55D7-8A0E035500C3}"/>
+              </a:ext>
+            </a:extLst>
+          </p:cNvPr>
+          <p:cNvPicPr>
+            <a:picLocks noChangeAspect="1"/>
+          </p:cNvPicPr>
+          <p:nvPr/>
+        </p:nvPicPr>
+        <p:blipFill>
+          <a:blip r:embed="rId8"/>
+          <a:stretch>
+            <a:fillRect/>
+          </a:stretch>
+        </p:blipFill>
+        <p:spPr>
+          <a:xfrm>
+            <a:off x="8716897" y="3849601"/>
+            <a:ext cx="1005746" cy="735748"/>
+          </a:xfrm>
+          <a:prstGeom prst="rect">
+            <a:avLst/>
+          </a:prstGeom>
+        </p:spPr>
+      </p:pic>
+      <p:pic>
+        <p:nvPicPr>
+          <p:cNvPr id="22" name="Picture 21">
+            <a:extLst>
+              <a:ext uri="{FF2B5EF4-FFF2-40B4-BE49-F238E27FC236}">
+                <a16:creationId xmlns:a16="http://schemas.microsoft.com/office/drawing/2014/main" id="{51DBA387-5662-335F-AA03-FD852A3E2C20}"/>
+              </a:ext>
+            </a:extLst>
+          </p:cNvPr>
+          <p:cNvPicPr>
+            <a:picLocks noChangeAspect="1"/>
+          </p:cNvPicPr>
+          <p:nvPr/>
+        </p:nvPicPr>
+        <p:blipFill>
+          <a:blip r:embed="rId6"/>
+          <a:stretch>
+            <a:fillRect/>
+          </a:stretch>
+        </p:blipFill>
+        <p:spPr>
+          <a:xfrm rot="10800000" flipH="1">
+            <a:off x="9841257" y="4031847"/>
+            <a:ext cx="854529" cy="308112"/>
+          </a:xfrm>
+          <a:prstGeom prst="rect">
+            <a:avLst/>
+          </a:prstGeom>
+        </p:spPr>
+      </p:pic>
+      <p:sp>
+        <p:nvSpPr>
+          <p:cNvPr id="23" name="TextBox 22">
+            <a:extLst>
+              <a:ext uri="{FF2B5EF4-FFF2-40B4-BE49-F238E27FC236}">
+                <a16:creationId xmlns:a16="http://schemas.microsoft.com/office/drawing/2014/main" id="{300927BD-963C-6B41-2286-55D7E5EC7DF9}"/>
+              </a:ext>
+            </a:extLst>
+          </p:cNvPr>
+          <p:cNvSpPr txBox="1"/>
+          <p:nvPr/>
+        </p:nvSpPr>
+        <p:spPr>
+          <a:xfrm>
+            <a:off x="8786078" y="5462143"/>
+            <a:ext cx="867383" cy="769441"/>
+          </a:xfrm>
+          <a:prstGeom prst="rect">
+            <a:avLst/>
+          </a:prstGeom>
+          <a:noFill/>
+        </p:spPr>
+        <p:txBody>
+          <a:bodyPr wrap="square" rtlCol="0">
+            <a:spAutoFit/>
+          </a:bodyPr>
+          <a:lstStyle/>
+          <a:p>
+            <a:pPr algn="ctr"/>
+            <a:r>
+              <a:rPr lang="ru-RU" sz="4400" dirty="0">
+                <a:latin typeface="Century Gothic" panose="020B0502020202020204" pitchFamily="34" charset="0"/>
+              </a:rPr>
+              <a:t>...</a:t>
+            </a:r>
+          </a:p>
+        </p:txBody>
+      </p:sp>
+      <p:pic>
+        <p:nvPicPr>
+          <p:cNvPr id="24" name="Picture 23">
+            <a:extLst>
+              <a:ext uri="{FF2B5EF4-FFF2-40B4-BE49-F238E27FC236}">
+                <a16:creationId xmlns:a16="http://schemas.microsoft.com/office/drawing/2014/main" id="{AE9F6B3D-4334-45C1-DC3A-EACDB100442C}"/>
+              </a:ext>
+            </a:extLst>
+          </p:cNvPr>
+          <p:cNvPicPr>
+            <a:picLocks noChangeAspect="1"/>
+          </p:cNvPicPr>
+          <p:nvPr/>
+        </p:nvPicPr>
+        <p:blipFill>
+          <a:blip r:embed="rId6"/>
+          <a:stretch>
+            <a:fillRect/>
+          </a:stretch>
+        </p:blipFill>
+        <p:spPr>
+          <a:xfrm rot="10800000" flipH="1">
+            <a:off x="7538516" y="4991654"/>
+            <a:ext cx="1059766" cy="308112"/>
+          </a:xfrm>
+          <a:prstGeom prst="rect">
+            <a:avLst/>
+          </a:prstGeom>
+        </p:spPr>
+      </p:pic>
+      <p:pic>
+        <p:nvPicPr>
+          <p:cNvPr id="26" name="Picture 25">
+            <a:extLst>
+              <a:ext uri="{FF2B5EF4-FFF2-40B4-BE49-F238E27FC236}">
+                <a16:creationId xmlns:a16="http://schemas.microsoft.com/office/drawing/2014/main" id="{B79D213F-AE7A-7D2E-A7F1-B04FB8295929}"/>
+              </a:ext>
+            </a:extLst>
+          </p:cNvPr>
+          <p:cNvPicPr>
+            <a:picLocks noChangeAspect="1"/>
+          </p:cNvPicPr>
+          <p:nvPr/>
+        </p:nvPicPr>
+        <p:blipFill>
+          <a:blip r:embed="rId6"/>
+          <a:stretch>
+            <a:fillRect/>
+          </a:stretch>
+        </p:blipFill>
+        <p:spPr>
+          <a:xfrm rot="12007936" flipH="1" flipV="1">
+            <a:off x="7517867" y="5635110"/>
+            <a:ext cx="1059766" cy="308112"/>
+          </a:xfrm>
+          <a:prstGeom prst="rect">
+            <a:avLst/>
+          </a:prstGeom>
+        </p:spPr>
+      </p:pic>
+      <p:pic>
+        <p:nvPicPr>
+          <p:cNvPr id="27" name="Picture 26">
+            <a:extLst>
+              <a:ext uri="{FF2B5EF4-FFF2-40B4-BE49-F238E27FC236}">
+                <a16:creationId xmlns:a16="http://schemas.microsoft.com/office/drawing/2014/main" id="{E25386FE-E8B7-1759-A3B7-3CFD1C721106}"/>
+              </a:ext>
+            </a:extLst>
+          </p:cNvPr>
+          <p:cNvPicPr>
+            <a:picLocks noChangeAspect="1"/>
+          </p:cNvPicPr>
+          <p:nvPr/>
+        </p:nvPicPr>
+        <p:blipFill>
+          <a:blip r:embed="rId9"/>
+          <a:stretch>
+            <a:fillRect/>
+          </a:stretch>
+        </p:blipFill>
+        <p:spPr>
+          <a:xfrm>
+            <a:off x="8690656" y="4616596"/>
+            <a:ext cx="1058228" cy="1058228"/>
+          </a:xfrm>
+          <a:prstGeom prst="rect">
+            <a:avLst/>
+          </a:prstGeom>
+        </p:spPr>
+      </p:pic>
+      <p:sp>
+        <p:nvSpPr>
+          <p:cNvPr id="28" name="TextBox 27">
+            <a:extLst>
+              <a:ext uri="{FF2B5EF4-FFF2-40B4-BE49-F238E27FC236}">
+                <a16:creationId xmlns:a16="http://schemas.microsoft.com/office/drawing/2014/main" id="{F6E18158-733D-547D-27F2-2322D429F79C}"/>
+              </a:ext>
+            </a:extLst>
+          </p:cNvPr>
+          <p:cNvSpPr txBox="1"/>
+          <p:nvPr/>
+        </p:nvSpPr>
+        <p:spPr>
+          <a:xfrm>
+            <a:off x="10848186" y="3779465"/>
+            <a:ext cx="867383" cy="769441"/>
+          </a:xfrm>
+          <a:prstGeom prst="rect">
+            <a:avLst/>
+          </a:prstGeom>
+          <a:noFill/>
+        </p:spPr>
+        <p:txBody>
+          <a:bodyPr wrap="square" rtlCol="0">
+            <a:spAutoFit/>
+          </a:bodyPr>
+          <a:lstStyle/>
+          <a:p>
+            <a:pPr algn="ctr"/>
+            <a:r>
+              <a:rPr lang="ru-RU" sz="4400" dirty="0">
+                <a:latin typeface="Century Gothic" panose="020B0502020202020204" pitchFamily="34" charset="0"/>
+              </a:rPr>
+              <a:t>...</a:t>
+            </a:r>
+          </a:p>
+        </p:txBody>
+      </p:sp>
     </p:spTree>
     <p:extLst>
       <p:ext uri="{BB962C8B-B14F-4D97-AF65-F5344CB8AC3E}">
@@ -6789,7 +9159,255 @@
   <p:timing>
     <p:tnLst>
       <p:par>
-        <p:cTn id="1" dur="indefinite" restart="never" nodeType="tmRoot"/>
+        <p:cTn id="1" dur="indefinite" restart="never" nodeType="tmRoot">
+          <p:childTnLst>
+            <p:seq concurrent="1" nextAc="seek">
+              <p:cTn id="2" dur="indefinite" nodeType="mainSeq">
+                <p:childTnLst>
+                  <p:par>
+                    <p:cTn id="3" fill="hold">
+                      <p:stCondLst>
+                        <p:cond delay="indefinite"/>
+                      </p:stCondLst>
+                      <p:childTnLst>
+                        <p:par>
+                          <p:cTn id="4" fill="hold">
+                            <p:stCondLst>
+                              <p:cond delay="0"/>
+                            </p:stCondLst>
+                            <p:childTnLst>
+                              <p:par>
+                                <p:cTn id="5" presetID="1" presetClass="entr" presetSubtype="0" fill="hold" nodeType="clickEffect">
+                                  <p:stCondLst>
+                                    <p:cond delay="0"/>
+                                  </p:stCondLst>
+                                  <p:childTnLst>
+                                    <p:set>
+                                      <p:cBhvr>
+                                        <p:cTn id="6" dur="1" fill="hold">
+                                          <p:stCondLst>
+                                            <p:cond delay="0"/>
+                                          </p:stCondLst>
+                                        </p:cTn>
+                                        <p:tgtEl>
+                                          <p:spTgt spid="18"/>
+                                        </p:tgtEl>
+                                        <p:attrNameLst>
+                                          <p:attrName>style.visibility</p:attrName>
+                                        </p:attrNameLst>
+                                      </p:cBhvr>
+                                      <p:to>
+                                        <p:strVal val="visible"/>
+                                      </p:to>
+                                    </p:set>
+                                  </p:childTnLst>
+                                </p:cTn>
+                              </p:par>
+                            </p:childTnLst>
+                          </p:cTn>
+                        </p:par>
+                      </p:childTnLst>
+                    </p:cTn>
+                  </p:par>
+                  <p:par>
+                    <p:cTn id="7" fill="hold">
+                      <p:stCondLst>
+                        <p:cond delay="indefinite"/>
+                      </p:stCondLst>
+                      <p:childTnLst>
+                        <p:par>
+                          <p:cTn id="8" fill="hold">
+                            <p:stCondLst>
+                              <p:cond delay="0"/>
+                            </p:stCondLst>
+                            <p:childTnLst>
+                              <p:par>
+                                <p:cTn id="9" presetID="1" presetClass="entr" presetSubtype="0" fill="hold" nodeType="clickEffect">
+                                  <p:stCondLst>
+                                    <p:cond delay="0"/>
+                                  </p:stCondLst>
+                                  <p:childTnLst>
+                                    <p:set>
+                                      <p:cBhvr>
+                                        <p:cTn id="10" dur="1" fill="hold">
+                                          <p:stCondLst>
+                                            <p:cond delay="0"/>
+                                          </p:stCondLst>
+                                        </p:cTn>
+                                        <p:tgtEl>
+                                          <p:spTgt spid="20"/>
+                                        </p:tgtEl>
+                                        <p:attrNameLst>
+                                          <p:attrName>style.visibility</p:attrName>
+                                        </p:attrNameLst>
+                                      </p:cBhvr>
+                                      <p:to>
+                                        <p:strVal val="visible"/>
+                                      </p:to>
+                                    </p:set>
+                                  </p:childTnLst>
+                                </p:cTn>
+                              </p:par>
+                            </p:childTnLst>
+                          </p:cTn>
+                        </p:par>
+                      </p:childTnLst>
+                    </p:cTn>
+                  </p:par>
+                  <p:par>
+                    <p:cTn id="11" fill="hold">
+                      <p:stCondLst>
+                        <p:cond delay="indefinite"/>
+                      </p:stCondLst>
+                      <p:childTnLst>
+                        <p:par>
+                          <p:cTn id="12" fill="hold">
+                            <p:stCondLst>
+                              <p:cond delay="0"/>
+                            </p:stCondLst>
+                            <p:childTnLst>
+                              <p:par>
+                                <p:cTn id="13" presetID="1" presetClass="entr" presetSubtype="0" fill="hold" nodeType="clickEffect">
+                                  <p:stCondLst>
+                                    <p:cond delay="0"/>
+                                  </p:stCondLst>
+                                  <p:childTnLst>
+                                    <p:set>
+                                      <p:cBhvr>
+                                        <p:cTn id="14" dur="1" fill="hold">
+                                          <p:stCondLst>
+                                            <p:cond delay="0"/>
+                                          </p:stCondLst>
+                                        </p:cTn>
+                                        <p:tgtEl>
+                                          <p:spTgt spid="22"/>
+                                        </p:tgtEl>
+                                        <p:attrNameLst>
+                                          <p:attrName>style.visibility</p:attrName>
+                                        </p:attrNameLst>
+                                      </p:cBhvr>
+                                      <p:to>
+                                        <p:strVal val="visible"/>
+                                      </p:to>
+                                    </p:set>
+                                  </p:childTnLst>
+                                </p:cTn>
+                              </p:par>
+                            </p:childTnLst>
+                          </p:cTn>
+                        </p:par>
+                      </p:childTnLst>
+                    </p:cTn>
+                  </p:par>
+                  <p:par>
+                    <p:cTn id="15" fill="hold">
+                      <p:stCondLst>
+                        <p:cond delay="indefinite"/>
+                      </p:stCondLst>
+                      <p:childTnLst>
+                        <p:par>
+                          <p:cTn id="16" fill="hold">
+                            <p:stCondLst>
+                              <p:cond delay="0"/>
+                            </p:stCondLst>
+                            <p:childTnLst>
+                              <p:par>
+                                <p:cTn id="17" presetID="1" presetClass="entr" presetSubtype="0" fill="hold" nodeType="clickEffect">
+                                  <p:stCondLst>
+                                    <p:cond delay="0"/>
+                                  </p:stCondLst>
+                                  <p:childTnLst>
+                                    <p:set>
+                                      <p:cBhvr>
+                                        <p:cTn id="18" dur="1" fill="hold">
+                                          <p:stCondLst>
+                                            <p:cond delay="0"/>
+                                          </p:stCondLst>
+                                        </p:cTn>
+                                        <p:tgtEl>
+                                          <p:spTgt spid="24"/>
+                                        </p:tgtEl>
+                                        <p:attrNameLst>
+                                          <p:attrName>style.visibility</p:attrName>
+                                        </p:attrNameLst>
+                                      </p:cBhvr>
+                                      <p:to>
+                                        <p:strVal val="visible"/>
+                                      </p:to>
+                                    </p:set>
+                                  </p:childTnLst>
+                                </p:cTn>
+                              </p:par>
+                            </p:childTnLst>
+                          </p:cTn>
+                        </p:par>
+                      </p:childTnLst>
+                    </p:cTn>
+                  </p:par>
+                  <p:par>
+                    <p:cTn id="19" fill="hold">
+                      <p:stCondLst>
+                        <p:cond delay="indefinite"/>
+                      </p:stCondLst>
+                      <p:childTnLst>
+                        <p:par>
+                          <p:cTn id="20" fill="hold">
+                            <p:stCondLst>
+                              <p:cond delay="0"/>
+                            </p:stCondLst>
+                            <p:childTnLst>
+                              <p:par>
+                                <p:cTn id="21" presetID="1" presetClass="entr" presetSubtype="0" fill="hold" nodeType="clickEffect">
+                                  <p:stCondLst>
+                                    <p:cond delay="0"/>
+                                  </p:stCondLst>
+                                  <p:childTnLst>
+                                    <p:set>
+                                      <p:cBhvr>
+                                        <p:cTn id="22" dur="1" fill="hold">
+                                          <p:stCondLst>
+                                            <p:cond delay="0"/>
+                                          </p:stCondLst>
+                                        </p:cTn>
+                                        <p:tgtEl>
+                                          <p:spTgt spid="26"/>
+                                        </p:tgtEl>
+                                        <p:attrNameLst>
+                                          <p:attrName>style.visibility</p:attrName>
+                                        </p:attrNameLst>
+                                      </p:cBhvr>
+                                      <p:to>
+                                        <p:strVal val="visible"/>
+                                      </p:to>
+                                    </p:set>
+                                  </p:childTnLst>
+                                </p:cTn>
+                              </p:par>
+                            </p:childTnLst>
+                          </p:cTn>
+                        </p:par>
+                      </p:childTnLst>
+                    </p:cTn>
+                  </p:par>
+                </p:childTnLst>
+              </p:cTn>
+              <p:prevCondLst>
+                <p:cond evt="onPrev" delay="0">
+                  <p:tgtEl>
+                    <p:sldTgt/>
+                  </p:tgtEl>
+                </p:cond>
+              </p:prevCondLst>
+              <p:nextCondLst>
+                <p:cond evt="onNext" delay="0">
+                  <p:tgtEl>
+                    <p:sldTgt/>
+                  </p:tgtEl>
+                </p:cond>
+              </p:nextCondLst>
+            </p:seq>
+          </p:childTnLst>
+        </p:cTn>
       </p:par>
     </p:tnLst>
   </p:timing>
@@ -6801,7 +9419,13 @@
   <p:cSld>
     <p:spTree>
       <p:nvGrpSpPr>
-        <p:cNvPr id="1" name=""/>
+        <p:cNvPr id="1" name="">
+          <a:extLst>
+            <a:ext uri="{FF2B5EF4-FFF2-40B4-BE49-F238E27FC236}">
+              <a16:creationId xmlns:a16="http://schemas.microsoft.com/office/drawing/2014/main" id="{B8F0442B-81D0-2CC2-2C93-1F8DD98A2E76}"/>
+            </a:ext>
+          </a:extLst>
+        </p:cNvPr>
         <p:cNvGrpSpPr/>
         <p:nvPr/>
       </p:nvGrpSpPr>
@@ -6815,7 +9439,13 @@
       </p:grpSpPr>
       <p:pic>
         <p:nvPicPr>
-          <p:cNvPr id="2" name="Picture 2" descr="C:\Users\Андрей\Desktop\1\Безымянный-1.png"/>
+          <p:cNvPr id="2" name="Picture 2" descr="C:\Users\Андрей\Desktop\1\Безымянный-1.png">
+            <a:extLst>
+              <a:ext uri="{FF2B5EF4-FFF2-40B4-BE49-F238E27FC236}">
+                <a16:creationId xmlns:a16="http://schemas.microsoft.com/office/drawing/2014/main" id="{E803902E-49A7-2FBD-5D9C-0949DC18BCD6}"/>
+              </a:ext>
+            </a:extLst>
+          </p:cNvPr>
           <p:cNvPicPr>
             <a:picLocks noChangeAspect="1" noChangeArrowheads="1"/>
           </p:cNvPicPr>
@@ -6869,39 +9499,13 @@
       </p:pic>
       <p:sp>
         <p:nvSpPr>
-          <p:cNvPr id="4" name="Прямоугольник 3"/>
-          <p:cNvSpPr/>
-          <p:nvPr/>
-        </p:nvSpPr>
-        <p:spPr>
-          <a:xfrm>
-            <a:off x="354843" y="1187299"/>
-            <a:ext cx="11600596" cy="495457"/>
-          </a:xfrm>
-          <a:prstGeom prst="rect">
-            <a:avLst/>
-          </a:prstGeom>
-        </p:spPr>
-        <p:txBody>
-          <a:bodyPr wrap="square">
-            <a:spAutoFit/>
-          </a:bodyPr>
-          <a:lstStyle/>
-          <a:p>
-            <a:pPr algn="just">
-              <a:lnSpc>
-                <a:spcPct val="150000"/>
-              </a:lnSpc>
-            </a:pPr>
-            <a:endParaRPr lang="en-US" sz="2000" dirty="0">
-              <a:latin typeface="Century Gothic" panose="020B0502020202020204" pitchFamily="34" charset="0"/>
-            </a:endParaRPr>
-          </a:p>
-        </p:txBody>
-      </p:sp>
-      <p:sp>
-        <p:nvSpPr>
-          <p:cNvPr id="5" name="TextBox 4"/>
+          <p:cNvPr id="5" name="TextBox 4">
+            <a:extLst>
+              <a:ext uri="{FF2B5EF4-FFF2-40B4-BE49-F238E27FC236}">
+                <a16:creationId xmlns:a16="http://schemas.microsoft.com/office/drawing/2014/main" id="{0971653D-E9BB-89C3-69DA-1561D491E805}"/>
+              </a:ext>
+            </a:extLst>
+          </p:cNvPr>
           <p:cNvSpPr txBox="1"/>
           <p:nvPr/>
         </p:nvSpPr>
@@ -6927,14 +9531,20 @@
       </p:sp>
       <p:sp>
         <p:nvSpPr>
-          <p:cNvPr id="7" name="TextBox 6"/>
+          <p:cNvPr id="7" name="TextBox 6">
+            <a:extLst>
+              <a:ext uri="{FF2B5EF4-FFF2-40B4-BE49-F238E27FC236}">
+                <a16:creationId xmlns:a16="http://schemas.microsoft.com/office/drawing/2014/main" id="{49360129-C4CE-D333-BA85-69C53682DF73}"/>
+              </a:ext>
+            </a:extLst>
+          </p:cNvPr>
           <p:cNvSpPr txBox="1"/>
           <p:nvPr/>
         </p:nvSpPr>
         <p:spPr>
           <a:xfrm>
-            <a:off x="2983615" y="82785"/>
-            <a:ext cx="6224781" cy="707886"/>
+            <a:off x="466093" y="202740"/>
+            <a:ext cx="11259814" cy="707886"/>
           </a:xfrm>
           <a:prstGeom prst="rect">
             <a:avLst/>
@@ -6949,7 +9559,7 @@
           <a:p>
             <a:pPr algn="ctr"/>
             <a:r>
-              <a:rPr lang="ru-RU" sz="4000" dirty="0" smtClean="0">
+              <a:rPr lang="ru-RU" sz="4000" dirty="0">
                 <a:solidFill>
                   <a:schemeClr val="bg1">
                     <a:lumMod val="95000"/>
@@ -6964,7 +9574,61 @@
                 </a:effectLst>
                 <a:latin typeface="Century Gothic" panose="020B0502020202020204" pitchFamily="34" charset="0"/>
               </a:rPr>
-              <a:t>Полученные результаты</a:t>
+              <a:t>Результаты анализа </a:t>
+            </a:r>
+            <a:r>
+              <a:rPr lang="en-US" sz="4000" dirty="0" err="1">
+                <a:solidFill>
+                  <a:schemeClr val="bg1">
+                    <a:lumMod val="95000"/>
+                  </a:schemeClr>
+                </a:solidFill>
+                <a:effectLst>
+                  <a:outerShdw blurRad="38100" dist="38100" dir="2700000" algn="tl">
+                    <a:srgbClr val="000000">
+                      <a:alpha val="43137"/>
+                    </a:srgbClr>
+                  </a:outerShdw>
+                </a:effectLst>
+                <a:latin typeface="Century Gothic" panose="020B0502020202020204" pitchFamily="34" charset="0"/>
+              </a:rPr>
+              <a:t>TranzWare</a:t>
+            </a:r>
+            <a:r>
+              <a:rPr lang="en-US" sz="4000" dirty="0">
+                <a:solidFill>
+                  <a:schemeClr val="bg1">
+                    <a:lumMod val="95000"/>
+                  </a:schemeClr>
+                </a:solidFill>
+                <a:effectLst>
+                  <a:outerShdw blurRad="38100" dist="38100" dir="2700000" algn="tl">
+                    <a:srgbClr val="000000">
+                      <a:alpha val="43137"/>
+                    </a:srgbClr>
+                  </a:outerShdw>
+                </a:effectLst>
+                <a:latin typeface="Century Gothic" panose="020B0502020202020204" pitchFamily="34" charset="0"/>
+              </a:rPr>
+              <a:t> </a:t>
+            </a:r>
+            <a:r>
+              <a:rPr lang="en-US" sz="4000" dirty="0" err="1">
+                <a:solidFill>
+                  <a:schemeClr val="bg1">
+                    <a:lumMod val="95000"/>
+                  </a:schemeClr>
+                </a:solidFill>
+                <a:effectLst>
+                  <a:outerShdw blurRad="38100" dist="38100" dir="2700000" algn="tl">
+                    <a:srgbClr val="000000">
+                      <a:alpha val="43137"/>
+                    </a:srgbClr>
+                  </a:outerShdw>
+                </a:effectLst>
+                <a:latin typeface="Century Gothic" panose="020B0502020202020204" pitchFamily="34" charset="0"/>
+              </a:rPr>
+              <a:t>CardFactory</a:t>
             </a:r>
             <a:endParaRPr lang="ru-RU" sz="4000" dirty="0">
               <a:solidFill>
@@ -6986,186 +9650,155 @@
       </p:sp>
       <p:sp>
         <p:nvSpPr>
-          <p:cNvPr id="6" name="Прямоугольник 5"/>
-          <p:cNvSpPr/>
-          <p:nvPr/>
-        </p:nvSpPr>
-        <p:spPr>
-          <a:xfrm>
-            <a:off x="295702" y="1065424"/>
-            <a:ext cx="11600596" cy="5478423"/>
-          </a:xfrm>
-          <a:prstGeom prst="rect">
-            <a:avLst/>
-          </a:prstGeom>
-        </p:spPr>
-        <p:txBody>
-          <a:bodyPr wrap="square">
+          <p:cNvPr id="4" name="TextBox 3">
+            <a:extLst>
+              <a:ext uri="{FF2B5EF4-FFF2-40B4-BE49-F238E27FC236}">
+                <a16:creationId xmlns:a16="http://schemas.microsoft.com/office/drawing/2014/main" id="{68C815F1-FBB0-AD9F-28E7-EBBFBCD17690}"/>
+              </a:ext>
+            </a:extLst>
+          </p:cNvPr>
+          <p:cNvSpPr txBox="1"/>
+          <p:nvPr/>
+        </p:nvSpPr>
+        <p:spPr>
+          <a:xfrm>
+            <a:off x="848488" y="4557636"/>
+            <a:ext cx="1785431" cy="707886"/>
+          </a:xfrm>
+          <a:prstGeom prst="rect">
+            <a:avLst/>
+          </a:prstGeom>
+          <a:noFill/>
+        </p:spPr>
+        <p:txBody>
+          <a:bodyPr wrap="square" rtlCol="0">
             <a:spAutoFit/>
           </a:bodyPr>
           <a:lstStyle/>
           <a:p>
-            <a:pPr algn="just">
-              <a:lnSpc>
-                <a:spcPct val="150000"/>
-              </a:lnSpc>
-              <a:spcAft>
-                <a:spcPts val="600"/>
-              </a:spcAft>
-              <a:defRPr/>
-            </a:pPr>
-            <a:r>
-              <a:rPr lang="en-US" altLang="ru-RU" sz="1700" dirty="0" smtClean="0">
-                <a:latin typeface="Century Gothic" panose="020B0502020202020204" pitchFamily="34" charset="0"/>
-                <a:ea typeface="Calibri" panose="020F0502020204030204" pitchFamily="34" charset="0"/>
-                <a:cs typeface="Times New Roman" panose="02020603050405020304" pitchFamily="18" charset="0"/>
-              </a:rPr>
-              <a:t>	</a:t>
-            </a:r>
-            <a:r>
-              <a:rPr lang="ru-RU" altLang="ru-RU" sz="2000" dirty="0" smtClean="0">
-                <a:latin typeface="Century Gothic" panose="020B0502020202020204" pitchFamily="34" charset="0"/>
-                <a:ea typeface="Calibri" panose="020F0502020204030204" pitchFamily="34" charset="0"/>
-                <a:cs typeface="Times New Roman" panose="02020603050405020304" pitchFamily="18" charset="0"/>
-              </a:rPr>
-              <a:t>Использование автоматизированной системы мониторинга и управления технологическим процессом на ЛПЦ-4 ПАО «ММК» даст предприятию такие возможности как: </a:t>
-            </a:r>
-          </a:p>
-          <a:p>
-            <a:pPr marL="342900" indent="-342900" algn="just">
-              <a:lnSpc>
-                <a:spcPct val="150000"/>
-              </a:lnSpc>
-              <a:spcAft>
-                <a:spcPts val="600"/>
-              </a:spcAft>
-              <a:buFont typeface="Arial" panose="020B0604020202020204" pitchFamily="34" charset="0"/>
-              <a:buChar char="•"/>
-              <a:defRPr/>
-            </a:pPr>
-            <a:r>
-              <a:rPr lang="ru-RU" altLang="ru-RU" sz="2000" dirty="0" smtClean="0">
-                <a:latin typeface="Century Gothic" panose="020B0502020202020204" pitchFamily="34" charset="0"/>
-                <a:ea typeface="Calibri" panose="020F0502020204030204" pitchFamily="34" charset="0"/>
-                <a:cs typeface="Times New Roman" panose="02020603050405020304" pitchFamily="18" charset="0"/>
-              </a:rPr>
-              <a:t>Обеспечение </a:t>
-            </a:r>
-            <a:r>
-              <a:rPr lang="ru-RU" altLang="ru-RU" sz="2000" dirty="0">
-                <a:latin typeface="Century Gothic" panose="020B0502020202020204" pitchFamily="34" charset="0"/>
-                <a:ea typeface="Calibri" panose="020F0502020204030204" pitchFamily="34" charset="0"/>
-                <a:cs typeface="Times New Roman" panose="02020603050405020304" pitchFamily="18" charset="0"/>
-              </a:rPr>
-              <a:t>пользователей непрерывной, актуальной и оперативной </a:t>
-            </a:r>
-            <a:r>
-              <a:rPr lang="ru-RU" altLang="ru-RU" sz="2000" dirty="0" smtClean="0">
-                <a:latin typeface="Century Gothic" panose="020B0502020202020204" pitchFamily="34" charset="0"/>
-                <a:ea typeface="Calibri" panose="020F0502020204030204" pitchFamily="34" charset="0"/>
-                <a:cs typeface="Times New Roman" panose="02020603050405020304" pitchFamily="18" charset="0"/>
-              </a:rPr>
-              <a:t>информацией о данных технологического процесса производства;</a:t>
-            </a:r>
-          </a:p>
-          <a:p>
-            <a:pPr marL="342900" indent="-342900" algn="just">
-              <a:lnSpc>
-                <a:spcPct val="150000"/>
-              </a:lnSpc>
-              <a:spcAft>
-                <a:spcPts val="600"/>
-              </a:spcAft>
-              <a:buFont typeface="Arial" panose="020B0604020202020204" pitchFamily="34" charset="0"/>
-              <a:buChar char="•"/>
-              <a:defRPr/>
-            </a:pPr>
-            <a:r>
-              <a:rPr lang="ru-RU" altLang="ru-RU" sz="2000" dirty="0" smtClean="0">
-                <a:latin typeface="Century Gothic" panose="020B0502020202020204" pitchFamily="34" charset="0"/>
-                <a:ea typeface="Calibri" panose="020F0502020204030204" pitchFamily="34" charset="0"/>
-                <a:cs typeface="Times New Roman" panose="02020603050405020304" pitchFamily="18" charset="0"/>
-              </a:rPr>
-              <a:t>Возможность ввода и редактирования первичных данных при необходимости;</a:t>
-            </a:r>
-          </a:p>
-          <a:p>
-            <a:pPr marL="342900" indent="-342900" algn="just">
-              <a:lnSpc>
-                <a:spcPct val="150000"/>
-              </a:lnSpc>
-              <a:spcAft>
-                <a:spcPts val="600"/>
-              </a:spcAft>
-              <a:buFont typeface="Arial" panose="020B0604020202020204" pitchFamily="34" charset="0"/>
-              <a:buChar char="•"/>
-              <a:defRPr/>
-            </a:pPr>
-            <a:r>
-              <a:rPr lang="ru-RU" altLang="ru-RU" sz="2000" dirty="0" smtClean="0">
-                <a:latin typeface="Century Gothic" panose="020B0502020202020204" pitchFamily="34" charset="0"/>
-                <a:ea typeface="Calibri" panose="020F0502020204030204" pitchFamily="34" charset="0"/>
-                <a:cs typeface="Times New Roman" panose="02020603050405020304" pitchFamily="18" charset="0"/>
-              </a:rPr>
-              <a:t>Возможность редактирования уставных значение и состояний агрегатов прокатного стана;</a:t>
-            </a:r>
-          </a:p>
-          <a:p>
-            <a:pPr marL="342900" indent="-342900" algn="just">
-              <a:lnSpc>
-                <a:spcPct val="150000"/>
-              </a:lnSpc>
-              <a:spcAft>
-                <a:spcPts val="600"/>
-              </a:spcAft>
-              <a:buFont typeface="Arial" panose="020B0604020202020204" pitchFamily="34" charset="0"/>
-              <a:buChar char="•"/>
-              <a:defRPr/>
-            </a:pPr>
-            <a:r>
-              <a:rPr lang="ru-RU" altLang="ru-RU" sz="2000" dirty="0" smtClean="0">
-                <a:latin typeface="Century Gothic" panose="020B0502020202020204" pitchFamily="34" charset="0"/>
-                <a:ea typeface="Calibri" panose="020F0502020204030204" pitchFamily="34" charset="0"/>
-                <a:cs typeface="Times New Roman" panose="02020603050405020304" pitchFamily="18" charset="0"/>
-              </a:rPr>
-              <a:t>Повышение эффективности работы стана за счет контроля перемещения </a:t>
-            </a:r>
-            <a:r>
-              <a:rPr lang="ru-RU" altLang="ru-RU" sz="2000" dirty="0">
-                <a:latin typeface="Century Gothic" panose="020B0502020202020204" pitchFamily="34" charset="0"/>
-                <a:ea typeface="Calibri" panose="020F0502020204030204" pitchFamily="34" charset="0"/>
-                <a:cs typeface="Times New Roman" panose="02020603050405020304" pitchFamily="18" charset="0"/>
-              </a:rPr>
-              <a:t>слябов по линиям </a:t>
-            </a:r>
-            <a:r>
-              <a:rPr lang="ru-RU" altLang="ru-RU" sz="2000" dirty="0" smtClean="0">
-                <a:latin typeface="Century Gothic" panose="020B0502020202020204" pitchFamily="34" charset="0"/>
-                <a:ea typeface="Calibri" panose="020F0502020204030204" pitchFamily="34" charset="0"/>
-                <a:cs typeface="Times New Roman" panose="02020603050405020304" pitchFamily="18" charset="0"/>
-              </a:rPr>
-              <a:t>загрузки, состояния карты печей и связи со всеми системами автоматизации;</a:t>
-            </a:r>
-          </a:p>
-        </p:txBody>
-      </p:sp>
+            <a:pPr algn="ctr"/>
+            <a:r>
+              <a:rPr lang="en-US" sz="2000" dirty="0" err="1">
+                <a:latin typeface="Century Gothic" panose="020B0502020202020204" pitchFamily="34" charset="0"/>
+              </a:rPr>
+              <a:t>TranzWare</a:t>
+            </a:r>
+            <a:r>
+              <a:rPr lang="en-US" sz="2000" dirty="0">
+                <a:latin typeface="Century Gothic" panose="020B0502020202020204" pitchFamily="34" charset="0"/>
+              </a:rPr>
+              <a:t> </a:t>
+            </a:r>
+            <a:r>
+              <a:rPr lang="en-US" sz="2000" dirty="0" err="1">
+                <a:latin typeface="Century Gothic" panose="020B0502020202020204" pitchFamily="34" charset="0"/>
+              </a:rPr>
+              <a:t>CardFactory</a:t>
+            </a:r>
+            <a:endParaRPr lang="ru-RU" sz="2000" dirty="0">
+              <a:latin typeface="Century Gothic" panose="020B0502020202020204" pitchFamily="34" charset="0"/>
+            </a:endParaRPr>
+          </a:p>
+        </p:txBody>
+      </p:sp>
+      <p:sp>
+        <p:nvSpPr>
+          <p:cNvPr id="6" name="Rectangle 5">
+            <a:extLst>
+              <a:ext uri="{FF2B5EF4-FFF2-40B4-BE49-F238E27FC236}">
+                <a16:creationId xmlns:a16="http://schemas.microsoft.com/office/drawing/2014/main" id="{A922DFC1-2A46-794C-69A1-1717CEF2A71D}"/>
+              </a:ext>
+            </a:extLst>
+          </p:cNvPr>
+          <p:cNvSpPr/>
+          <p:nvPr/>
+        </p:nvSpPr>
+        <p:spPr>
+          <a:xfrm>
+            <a:off x="3281681" y="1158262"/>
+            <a:ext cx="8696960" cy="5486378"/>
+          </a:xfrm>
+          <a:prstGeom prst="rect">
+            <a:avLst/>
+          </a:prstGeom>
+          <a:noFill/>
+          <a:ln w="76200">
+            <a:solidFill>
+              <a:schemeClr val="accent1">
+                <a:lumMod val="50000"/>
+              </a:schemeClr>
+            </a:solidFill>
+          </a:ln>
+        </p:spPr>
+        <p:style>
+          <a:lnRef idx="2">
+            <a:schemeClr val="accent6"/>
+          </a:lnRef>
+          <a:fillRef idx="1">
+            <a:schemeClr val="lt1"/>
+          </a:fillRef>
+          <a:effectRef idx="0">
+            <a:schemeClr val="accent6"/>
+          </a:effectRef>
+          <a:fontRef idx="minor">
+            <a:schemeClr val="dk1"/>
+          </a:fontRef>
+        </p:style>
+        <p:txBody>
+          <a:bodyPr rtlCol="0" anchor="ctr"/>
+          <a:lstStyle/>
+          <a:p>
+            <a:pPr algn="ctr"/>
+            <a:endParaRPr lang="en-US"/>
+          </a:p>
+        </p:txBody>
+      </p:sp>
+      <p:pic>
+        <p:nvPicPr>
+          <p:cNvPr id="8" name="Picture 7">
+            <a:extLst>
+              <a:ext uri="{FF2B5EF4-FFF2-40B4-BE49-F238E27FC236}">
+                <a16:creationId xmlns:a16="http://schemas.microsoft.com/office/drawing/2014/main" id="{093C95EF-83CE-0DAD-3681-7C34EA3DFA56}"/>
+              </a:ext>
+            </a:extLst>
+          </p:cNvPr>
+          <p:cNvPicPr>
+            <a:picLocks noChangeAspect="1"/>
+          </p:cNvPicPr>
+          <p:nvPr/>
+        </p:nvPicPr>
+        <p:blipFill>
+          <a:blip r:embed="rId3">
+            <a:extLst>
+              <a:ext uri="{28A0092B-C50C-407E-A947-70E740481C1C}">
+                <a14:useLocalDpi xmlns:a14="http://schemas.microsoft.com/office/drawing/2010/main" val="0"/>
+              </a:ext>
+            </a:extLst>
+          </a:blip>
+          <a:stretch>
+            <a:fillRect/>
+          </a:stretch>
+        </p:blipFill>
+        <p:spPr>
+          <a:xfrm>
+            <a:off x="1008809" y="2982039"/>
+            <a:ext cx="1496533" cy="1562459"/>
+          </a:xfrm>
+          <a:prstGeom prst="rect">
+            <a:avLst/>
+          </a:prstGeom>
+        </p:spPr>
+      </p:pic>
     </p:spTree>
     <p:extLst>
       <p:ext uri="{BB962C8B-B14F-4D97-AF65-F5344CB8AC3E}">
-        <p14:creationId xmlns:p14="http://schemas.microsoft.com/office/powerpoint/2010/main" val="3299038286"/>
+        <p14:creationId xmlns:p14="http://schemas.microsoft.com/office/powerpoint/2010/main" val="2495438523"/>
       </p:ext>
     </p:extLst>
   </p:cSld>
   <p:clrMapOvr>
     <a:masterClrMapping/>
   </p:clrMapOvr>
-  <p:timing>
-    <p:tnLst>
-      <p:par>
-        <p:cTn id="1" dur="indefinite" restart="never" nodeType="tmRoot"/>
-      </p:par>
-    </p:tnLst>
-  </p:timing>
 </p:sld>
 </file>
 
@@ -7242,13 +9875,45 @@
       </p:pic>
       <p:sp>
         <p:nvSpPr>
+          <p:cNvPr id="4" name="Прямоугольник 3"/>
+          <p:cNvSpPr/>
+          <p:nvPr/>
+        </p:nvSpPr>
+        <p:spPr>
+          <a:xfrm>
+            <a:off x="354843" y="1187299"/>
+            <a:ext cx="11600596" cy="495457"/>
+          </a:xfrm>
+          <a:prstGeom prst="rect">
+            <a:avLst/>
+          </a:prstGeom>
+        </p:spPr>
+        <p:txBody>
+          <a:bodyPr wrap="square">
+            <a:spAutoFit/>
+          </a:bodyPr>
+          <a:lstStyle/>
+          <a:p>
+            <a:pPr algn="just">
+              <a:lnSpc>
+                <a:spcPct val="150000"/>
+              </a:lnSpc>
+            </a:pPr>
+            <a:endParaRPr lang="en-US" sz="2000" dirty="0">
+              <a:latin typeface="Century Gothic" panose="020B0502020202020204" pitchFamily="34" charset="0"/>
+            </a:endParaRPr>
+          </a:p>
+        </p:txBody>
+      </p:sp>
+      <p:sp>
+        <p:nvSpPr>
           <p:cNvPr id="5" name="TextBox 4"/>
           <p:cNvSpPr txBox="1"/>
           <p:nvPr/>
         </p:nvSpPr>
         <p:spPr>
           <a:xfrm>
-            <a:off x="4612943" y="450376"/>
+            <a:off x="3534770" y="450376"/>
             <a:ext cx="184731" cy="369332"/>
           </a:xfrm>
           <a:prstGeom prst="rect">
@@ -7274,8 +9939,8 @@
         </p:nvSpPr>
         <p:spPr>
           <a:xfrm>
-            <a:off x="1770145" y="82785"/>
-            <a:ext cx="8651728" cy="707886"/>
+            <a:off x="2983615" y="82785"/>
+            <a:ext cx="6224781" cy="707886"/>
           </a:xfrm>
           <a:prstGeom prst="rect">
             <a:avLst/>
@@ -7290,7 +9955,7 @@
           <a:p>
             <a:pPr algn="ctr"/>
             <a:r>
-              <a:rPr lang="ru-RU" sz="4000" dirty="0" smtClean="0">
+              <a:rPr lang="ru-RU" sz="4000" dirty="0">
                 <a:solidFill>
                   <a:schemeClr val="bg1">
                     <a:lumMod val="95000"/>
@@ -7305,36 +9970,21 @@
                 </a:effectLst>
                 <a:latin typeface="Century Gothic" panose="020B0502020202020204" pitchFamily="34" charset="0"/>
               </a:rPr>
-              <a:t>Публикации за период обучения</a:t>
-            </a:r>
-            <a:endParaRPr lang="ru-RU" sz="4000" dirty="0">
-              <a:solidFill>
-                <a:schemeClr val="bg1">
-                  <a:lumMod val="95000"/>
-                </a:schemeClr>
-              </a:solidFill>
-              <a:effectLst>
-                <a:outerShdw blurRad="38100" dist="38100" dir="2700000" algn="tl">
-                  <a:srgbClr val="000000">
-                    <a:alpha val="43137"/>
-                  </a:srgbClr>
-                </a:outerShdw>
-              </a:effectLst>
-              <a:latin typeface="Century Gothic" panose="020B0502020202020204" pitchFamily="34" charset="0"/>
-            </a:endParaRPr>
-          </a:p>
-        </p:txBody>
-      </p:sp>
-      <p:sp>
-        <p:nvSpPr>
-          <p:cNvPr id="8" name="Прямоугольник 7"/>
+              <a:t>Полученные результаты</a:t>
+            </a:r>
+          </a:p>
+        </p:txBody>
+      </p:sp>
+      <p:sp>
+        <p:nvSpPr>
+          <p:cNvPr id="6" name="Прямоугольник 5"/>
           <p:cNvSpPr/>
           <p:nvPr/>
         </p:nvSpPr>
         <p:spPr>
           <a:xfrm>
-            <a:off x="354843" y="1187299"/>
-            <a:ext cx="11600596" cy="5632311"/>
+            <a:off x="295702" y="1065424"/>
+            <a:ext cx="11600596" cy="5478423"/>
           </a:xfrm>
           <a:prstGeom prst="rect">
             <a:avLst/>
@@ -7351,12 +10001,12 @@
                 <a:spcPct val="150000"/>
               </a:lnSpc>
               <a:spcAft>
-                <a:spcPts val="1200"/>
+                <a:spcPts val="600"/>
               </a:spcAft>
               <a:defRPr/>
             </a:pPr>
             <a:r>
-              <a:rPr lang="en-US" altLang="ru-RU" sz="1700" dirty="0" smtClean="0">
+              <a:rPr lang="en-US" altLang="ru-RU" sz="1700" dirty="0">
                 <a:latin typeface="Century Gothic" panose="020B0502020202020204" pitchFamily="34" charset="0"/>
                 <a:ea typeface="Calibri" panose="020F0502020204030204" pitchFamily="34" charset="0"/>
                 <a:cs typeface="Times New Roman" panose="02020603050405020304" pitchFamily="18" charset="0"/>
@@ -7369,25 +10019,19 @@
                 <a:ea typeface="Calibri" panose="020F0502020204030204" pitchFamily="34" charset="0"/>
                 <a:cs typeface="Times New Roman" panose="02020603050405020304" pitchFamily="18" charset="0"/>
               </a:rPr>
-              <a:t>1.	Калюжная А. В. Мониторинг в непрерывном производстве / Калюжная А.В., Егорова Л. Г. // Передовые инновационные разработки. Перспективы и опыт использования, проблемы внедрения в производство – М.: «Конверт». – 2019. – </a:t>
-            </a:r>
-            <a:r>
-              <a:rPr lang="ru-RU" altLang="ru-RU" sz="2000" dirty="0" smtClean="0">
-                <a:latin typeface="Century Gothic" panose="020B0502020202020204" pitchFamily="34" charset="0"/>
-                <a:ea typeface="Calibri" panose="020F0502020204030204" pitchFamily="34" charset="0"/>
-                <a:cs typeface="Times New Roman" panose="02020603050405020304" pitchFamily="18" charset="0"/>
-              </a:rPr>
-              <a:t>100-101 с.</a:t>
-            </a:r>
-          </a:p>
-          <a:p>
-            <a:pPr algn="just">
+              <a:t>Использование автоматизированной системы мониторинга и управления технологическим процессом на ЛПЦ-4 ПАО «ММК» даст предприятию такие возможности как: </a:t>
+            </a:r>
+          </a:p>
+          <a:p>
+            <a:pPr marL="342900" indent="-342900" algn="just">
               <a:lnSpc>
                 <a:spcPct val="150000"/>
               </a:lnSpc>
               <a:spcAft>
-                <a:spcPts val="1200"/>
+                <a:spcPts val="600"/>
               </a:spcAft>
+              <a:buFont typeface="Arial" panose="020B0604020202020204" pitchFamily="34" charset="0"/>
+              <a:buChar char="•"/>
               <a:defRPr/>
             </a:pPr>
             <a:r>
@@ -7396,41 +10040,19 @@
                 <a:ea typeface="Calibri" panose="020F0502020204030204" pitchFamily="34" charset="0"/>
                 <a:cs typeface="Times New Roman" panose="02020603050405020304" pitchFamily="18" charset="0"/>
               </a:rPr>
-              <a:t>	</a:t>
-            </a:r>
-            <a:r>
-              <a:rPr lang="ru-RU" altLang="ru-RU" sz="2000" dirty="0" smtClean="0">
-                <a:latin typeface="Century Gothic" panose="020B0502020202020204" pitchFamily="34" charset="0"/>
-                <a:ea typeface="Calibri" panose="020F0502020204030204" pitchFamily="34" charset="0"/>
-                <a:cs typeface="Times New Roman" panose="02020603050405020304" pitchFamily="18" charset="0"/>
-              </a:rPr>
-              <a:t>2</a:t>
-            </a:r>
-            <a:r>
-              <a:rPr lang="ru-RU" altLang="ru-RU" sz="2000" dirty="0">
-                <a:latin typeface="Century Gothic" panose="020B0502020202020204" pitchFamily="34" charset="0"/>
-                <a:ea typeface="Calibri" panose="020F0502020204030204" pitchFamily="34" charset="0"/>
-                <a:cs typeface="Times New Roman" panose="02020603050405020304" pitchFamily="18" charset="0"/>
-              </a:rPr>
-              <a:t>. 	Калюжная А. В. Автоматизация мониторинга непрерывного производства / Калюжная А.В., Егорова Л. Г. // Тезисы 77-й международной научно-технической конференции «актуальные проблемы современной науки, техники и образования». – Мгн, 2019. – 354 с</a:t>
-            </a:r>
-            <a:r>
-              <a:rPr lang="ru-RU" altLang="ru-RU" sz="2000" dirty="0" smtClean="0">
-                <a:latin typeface="Century Gothic" panose="020B0502020202020204" pitchFamily="34" charset="0"/>
-                <a:ea typeface="Calibri" panose="020F0502020204030204" pitchFamily="34" charset="0"/>
-                <a:cs typeface="Times New Roman" panose="02020603050405020304" pitchFamily="18" charset="0"/>
-              </a:rPr>
-              <a:t>.</a:t>
-            </a:r>
-          </a:p>
-          <a:p>
-            <a:pPr algn="just">
+              <a:t>Обеспечение пользователей непрерывной, актуальной и оперативной информацией о данных технологического процесса производства;</a:t>
+            </a:r>
+          </a:p>
+          <a:p>
+            <a:pPr marL="342900" indent="-342900" algn="just">
               <a:lnSpc>
                 <a:spcPct val="150000"/>
               </a:lnSpc>
               <a:spcAft>
-                <a:spcPts val="1200"/>
+                <a:spcPts val="600"/>
               </a:spcAft>
+              <a:buFont typeface="Arial" panose="020B0604020202020204" pitchFamily="34" charset="0"/>
+              <a:buChar char="•"/>
               <a:defRPr/>
             </a:pPr>
             <a:r>
@@ -7439,159 +10061,49 @@
                 <a:ea typeface="Calibri" panose="020F0502020204030204" pitchFamily="34" charset="0"/>
                 <a:cs typeface="Times New Roman" panose="02020603050405020304" pitchFamily="18" charset="0"/>
               </a:rPr>
-              <a:t>	</a:t>
-            </a:r>
-            <a:r>
-              <a:rPr lang="ru-RU" altLang="ru-RU" sz="2000" dirty="0" smtClean="0">
-                <a:latin typeface="Century Gothic" panose="020B0502020202020204" pitchFamily="34" charset="0"/>
-                <a:ea typeface="Calibri" panose="020F0502020204030204" pitchFamily="34" charset="0"/>
-                <a:cs typeface="Times New Roman" panose="02020603050405020304" pitchFamily="18" charset="0"/>
-              </a:rPr>
-              <a:t>3</a:t>
-            </a:r>
-            <a:r>
-              <a:rPr lang="ru-RU" altLang="ru-RU" sz="2000" dirty="0">
-                <a:latin typeface="Century Gothic" panose="020B0502020202020204" pitchFamily="34" charset="0"/>
-                <a:ea typeface="Calibri" panose="020F0502020204030204" pitchFamily="34" charset="0"/>
-                <a:cs typeface="Times New Roman" panose="02020603050405020304" pitchFamily="18" charset="0"/>
-              </a:rPr>
-              <a:t>. Калюжная А. В. Реинжиниринг </a:t>
-            </a:r>
-            <a:r>
-              <a:rPr lang="ru-RU" altLang="ru-RU" sz="2000" dirty="0" smtClean="0">
-                <a:latin typeface="Century Gothic" panose="020B0502020202020204" pitchFamily="34" charset="0"/>
-                <a:ea typeface="Calibri" panose="020F0502020204030204" pitchFamily="34" charset="0"/>
-                <a:cs typeface="Times New Roman" panose="02020603050405020304" pitchFamily="18" charset="0"/>
-              </a:rPr>
-              <a:t>бизнес-процессов </a:t>
-            </a:r>
-            <a:r>
-              <a:rPr lang="ru-RU" altLang="ru-RU" sz="2000" dirty="0">
-                <a:latin typeface="Century Gothic" panose="020B0502020202020204" pitchFamily="34" charset="0"/>
-                <a:ea typeface="Calibri" panose="020F0502020204030204" pitchFamily="34" charset="0"/>
-                <a:cs typeface="Times New Roman" panose="02020603050405020304" pitchFamily="18" charset="0"/>
-              </a:rPr>
-              <a:t>предприятия на </a:t>
-            </a:r>
-            <a:r>
-              <a:rPr lang="ru-RU" altLang="ru-RU" sz="2000" dirty="0" smtClean="0">
-                <a:latin typeface="Century Gothic" panose="020B0502020202020204" pitchFamily="34" charset="0"/>
-                <a:ea typeface="Calibri" panose="020F0502020204030204" pitchFamily="34" charset="0"/>
-                <a:cs typeface="Times New Roman" panose="02020603050405020304" pitchFamily="18" charset="0"/>
-              </a:rPr>
-              <a:t>основе </a:t>
-            </a:r>
-            <a:r>
-              <a:rPr lang="ru-RU" altLang="ru-RU" sz="2000" dirty="0">
-                <a:latin typeface="Century Gothic" panose="020B0502020202020204" pitchFamily="34" charset="0"/>
-                <a:ea typeface="Calibri" panose="020F0502020204030204" pitchFamily="34" charset="0"/>
-                <a:cs typeface="Times New Roman" panose="02020603050405020304" pitchFamily="18" charset="0"/>
-              </a:rPr>
-              <a:t>нотации </a:t>
-            </a:r>
-            <a:r>
-              <a:rPr lang="ru-RU" altLang="ru-RU" sz="2000" dirty="0" smtClean="0">
-                <a:latin typeface="Century Gothic" panose="020B0502020202020204" pitchFamily="34" charset="0"/>
-                <a:ea typeface="Calibri" panose="020F0502020204030204" pitchFamily="34" charset="0"/>
-                <a:cs typeface="Times New Roman" panose="02020603050405020304" pitchFamily="18" charset="0"/>
-              </a:rPr>
-              <a:t>BPMN // Сборник </a:t>
-            </a:r>
-            <a:r>
-              <a:rPr lang="ru-RU" altLang="ru-RU" sz="2000" dirty="0">
-                <a:latin typeface="Century Gothic" panose="020B0502020202020204" pitchFamily="34" charset="0"/>
-                <a:ea typeface="Calibri" panose="020F0502020204030204" pitchFamily="34" charset="0"/>
-                <a:cs typeface="Times New Roman" panose="02020603050405020304" pitchFamily="18" charset="0"/>
-              </a:rPr>
-              <a:t>научных трудов XXI-й Российской </a:t>
-            </a:r>
-            <a:r>
-              <a:rPr lang="ru-RU" altLang="ru-RU" sz="2000" dirty="0" smtClean="0">
-                <a:latin typeface="Century Gothic" panose="020B0502020202020204" pitchFamily="34" charset="0"/>
-                <a:ea typeface="Calibri" panose="020F0502020204030204" pitchFamily="34" charset="0"/>
-                <a:cs typeface="Times New Roman" panose="02020603050405020304" pitchFamily="18" charset="0"/>
-              </a:rPr>
-              <a:t>научной </a:t>
-            </a:r>
-            <a:r>
-              <a:rPr lang="ru-RU" altLang="ru-RU" sz="2000" dirty="0">
-                <a:latin typeface="Century Gothic" panose="020B0502020202020204" pitchFamily="34" charset="0"/>
-                <a:ea typeface="Calibri" panose="020F0502020204030204" pitchFamily="34" charset="0"/>
-                <a:cs typeface="Times New Roman" panose="02020603050405020304" pitchFamily="18" charset="0"/>
-              </a:rPr>
-              <a:t>конференции. Том 1. 26-28 апреля 2018 г</a:t>
-            </a:r>
-            <a:r>
-              <a:rPr lang="ru-RU" altLang="ru-RU" sz="2000" dirty="0" smtClean="0">
-                <a:latin typeface="Century Gothic" panose="020B0502020202020204" pitchFamily="34" charset="0"/>
-                <a:ea typeface="Calibri" panose="020F0502020204030204" pitchFamily="34" charset="0"/>
-                <a:cs typeface="Times New Roman" panose="02020603050405020304" pitchFamily="18" charset="0"/>
-              </a:rPr>
-              <a:t>. – М.: </a:t>
-            </a:r>
-            <a:r>
-              <a:rPr lang="ru-RU" altLang="ru-RU" sz="2000" dirty="0">
-                <a:latin typeface="Century Gothic" panose="020B0502020202020204" pitchFamily="34" charset="0"/>
-                <a:ea typeface="Calibri" panose="020F0502020204030204" pitchFamily="34" charset="0"/>
-                <a:cs typeface="Times New Roman" panose="02020603050405020304" pitchFamily="18" charset="0"/>
-              </a:rPr>
-              <a:t>ФГБОУ ВО «РЭУ им. Г. В. Плеханова».</a:t>
-            </a:r>
-            <a:r>
-              <a:rPr lang="ru-RU" altLang="ru-RU" sz="2000" dirty="0" smtClean="0">
-                <a:latin typeface="Century Gothic" panose="020B0502020202020204" pitchFamily="34" charset="0"/>
-                <a:ea typeface="Calibri" panose="020F0502020204030204" pitchFamily="34" charset="0"/>
-                <a:cs typeface="Times New Roman" panose="02020603050405020304" pitchFamily="18" charset="0"/>
-              </a:rPr>
-              <a:t> </a:t>
-            </a:r>
-            <a:r>
-              <a:rPr lang="ru-RU" altLang="ru-RU" sz="2000" dirty="0">
-                <a:latin typeface="Century Gothic" panose="020B0502020202020204" pitchFamily="34" charset="0"/>
-                <a:ea typeface="Calibri" panose="020F0502020204030204" pitchFamily="34" charset="0"/>
-                <a:cs typeface="Times New Roman" panose="02020603050405020304" pitchFamily="18" charset="0"/>
-              </a:rPr>
-              <a:t>– </a:t>
-            </a:r>
-            <a:r>
-              <a:rPr lang="ru-RU" altLang="ru-RU" sz="2000" dirty="0" smtClean="0">
-                <a:latin typeface="Century Gothic" panose="020B0502020202020204" pitchFamily="34" charset="0"/>
-                <a:ea typeface="Calibri" panose="020F0502020204030204" pitchFamily="34" charset="0"/>
-                <a:cs typeface="Times New Roman" panose="02020603050405020304" pitchFamily="18" charset="0"/>
-              </a:rPr>
-              <a:t>2018</a:t>
-            </a:r>
-            <a:r>
-              <a:rPr lang="ru-RU" altLang="ru-RU" sz="2000" dirty="0">
-                <a:latin typeface="Century Gothic" panose="020B0502020202020204" pitchFamily="34" charset="0"/>
-                <a:ea typeface="Calibri" panose="020F0502020204030204" pitchFamily="34" charset="0"/>
-                <a:cs typeface="Times New Roman" panose="02020603050405020304" pitchFamily="18" charset="0"/>
-              </a:rPr>
-              <a:t>. </a:t>
-            </a:r>
-            <a:r>
-              <a:rPr lang="ru-RU" altLang="ru-RU" sz="2000" dirty="0" smtClean="0">
-                <a:latin typeface="Century Gothic" panose="020B0502020202020204" pitchFamily="34" charset="0"/>
-                <a:ea typeface="Calibri" panose="020F0502020204030204" pitchFamily="34" charset="0"/>
-                <a:cs typeface="Times New Roman" panose="02020603050405020304" pitchFamily="18" charset="0"/>
-              </a:rPr>
-              <a:t>– 68-72 с.</a:t>
-            </a:r>
-          </a:p>
-          <a:p>
-            <a:pPr algn="just">
+              <a:t>Возможность ввода и редактирования первичных данных при необходимости;</a:t>
+            </a:r>
+          </a:p>
+          <a:p>
+            <a:pPr marL="342900" indent="-342900" algn="just">
               <a:lnSpc>
                 <a:spcPct val="150000"/>
               </a:lnSpc>
+              <a:spcAft>
+                <a:spcPts val="600"/>
+              </a:spcAft>
+              <a:buFont typeface="Arial" panose="020B0604020202020204" pitchFamily="34" charset="0"/>
+              <a:buChar char="•"/>
               <a:defRPr/>
             </a:pPr>
             <a:r>
-              <a:rPr lang="ru-RU" altLang="ru-RU" sz="2000" dirty="0" smtClean="0">
+              <a:rPr lang="ru-RU" altLang="ru-RU" sz="2000" dirty="0">
                 <a:latin typeface="Century Gothic" panose="020B0502020202020204" pitchFamily="34" charset="0"/>
                 <a:ea typeface="Calibri" panose="020F0502020204030204" pitchFamily="34" charset="0"/>
                 <a:cs typeface="Times New Roman" panose="02020603050405020304" pitchFamily="18" charset="0"/>
               </a:rPr>
-              <a:t> </a:t>
+              <a:t>Возможность редактирования уставных значение и состояний агрегатов прокатного стана;</a:t>
+            </a:r>
+          </a:p>
+          <a:p>
+            <a:pPr marL="342900" indent="-342900" algn="just">
+              <a:lnSpc>
+                <a:spcPct val="150000"/>
+              </a:lnSpc>
+              <a:spcAft>
+                <a:spcPts val="600"/>
+              </a:spcAft>
+              <a:buFont typeface="Arial" panose="020B0604020202020204" pitchFamily="34" charset="0"/>
+              <a:buChar char="•"/>
+              <a:defRPr/>
+            </a:pPr>
+            <a:r>
+              <a:rPr lang="ru-RU" altLang="ru-RU" sz="2000" dirty="0">
+                <a:latin typeface="Century Gothic" panose="020B0502020202020204" pitchFamily="34" charset="0"/>
+                <a:ea typeface="Calibri" panose="020F0502020204030204" pitchFamily="34" charset="0"/>
+                <a:cs typeface="Times New Roman" panose="02020603050405020304" pitchFamily="18" charset="0"/>
+              </a:rPr>
+              <a:t>Повышение эффективности работы стана за счет контроля перемещения слябов по линиям загрузки, состояния карты печей и связи со всеми системами автоматизации;</a:t>
             </a:r>
           </a:p>
         </p:txBody>
@@ -7599,20 +10111,13 @@
     </p:spTree>
     <p:extLst>
       <p:ext uri="{BB962C8B-B14F-4D97-AF65-F5344CB8AC3E}">
-        <p14:creationId xmlns:p14="http://schemas.microsoft.com/office/powerpoint/2010/main" val="628272190"/>
+        <p14:creationId xmlns:p14="http://schemas.microsoft.com/office/powerpoint/2010/main" val="3299038286"/>
       </p:ext>
     </p:extLst>
   </p:cSld>
   <p:clrMapOvr>
     <a:masterClrMapping/>
   </p:clrMapOvr>
-  <p:timing>
-    <p:tnLst>
-      <p:par>
-        <p:cTn id="1" dur="indefinite" restart="never" nodeType="tmRoot"/>
-      </p:par>
-    </p:tnLst>
-  </p:timing>
 </p:sld>
 </file>
 

--- a/Presentation/NMSTU_Presentation.pptx
+++ b/Presentation/NMSTU_Presentation.pptx
@@ -6,16 +6,17 @@
   </p:sldMasterIdLst>
   <p:sldIdLst>
     <p:sldId id="256" r:id="rId2"/>
-    <p:sldId id="258" r:id="rId3"/>
-    <p:sldId id="260" r:id="rId4"/>
-    <p:sldId id="263" r:id="rId5"/>
-    <p:sldId id="267" r:id="rId6"/>
-    <p:sldId id="261" r:id="rId7"/>
-    <p:sldId id="262" r:id="rId8"/>
-    <p:sldId id="268" r:id="rId9"/>
-    <p:sldId id="266" r:id="rId10"/>
-    <p:sldId id="264" r:id="rId11"/>
-    <p:sldId id="265" r:id="rId12"/>
+    <p:sldId id="263" r:id="rId3"/>
+    <p:sldId id="269" r:id="rId4"/>
+    <p:sldId id="258" r:id="rId5"/>
+    <p:sldId id="260" r:id="rId6"/>
+    <p:sldId id="262" r:id="rId7"/>
+    <p:sldId id="268" r:id="rId8"/>
+    <p:sldId id="267" r:id="rId9"/>
+    <p:sldId id="261" r:id="rId10"/>
+    <p:sldId id="266" r:id="rId11"/>
+    <p:sldId id="264" r:id="rId12"/>
+    <p:sldId id="265" r:id="rId13"/>
   </p:sldIdLst>
   <p:sldSz cx="12192000" cy="6858000"/>
   <p:notesSz cx="6888163" cy="10020300"/>
@@ -251,7 +252,7 @@
           <a:p>
             <a:fld id="{1F6E986D-4B21-4B91-B1D2-5CFC0D3D8AEF}" type="datetimeFigureOut">
               <a:rPr lang="ru-RU" smtClean="0"/>
-              <a:t>21.05.2025</a:t>
+              <a:t>22.05.2025</a:t>
             </a:fld>
             <a:endParaRPr lang="ru-RU"/>
           </a:p>
@@ -419,7 +420,7 @@
           <a:p>
             <a:fld id="{1F6E986D-4B21-4B91-B1D2-5CFC0D3D8AEF}" type="datetimeFigureOut">
               <a:rPr lang="ru-RU" smtClean="0"/>
-              <a:t>21.05.2025</a:t>
+              <a:t>22.05.2025</a:t>
             </a:fld>
             <a:endParaRPr lang="ru-RU"/>
           </a:p>
@@ -597,7 +598,7 @@
           <a:p>
             <a:fld id="{1F6E986D-4B21-4B91-B1D2-5CFC0D3D8AEF}" type="datetimeFigureOut">
               <a:rPr lang="ru-RU" smtClean="0"/>
-              <a:t>21.05.2025</a:t>
+              <a:t>22.05.2025</a:t>
             </a:fld>
             <a:endParaRPr lang="ru-RU"/>
           </a:p>
@@ -765,7 +766,7 @@
           <a:p>
             <a:fld id="{1F6E986D-4B21-4B91-B1D2-5CFC0D3D8AEF}" type="datetimeFigureOut">
               <a:rPr lang="ru-RU" smtClean="0"/>
-              <a:t>21.05.2025</a:t>
+              <a:t>22.05.2025</a:t>
             </a:fld>
             <a:endParaRPr lang="ru-RU"/>
           </a:p>
@@ -1010,7 +1011,7 @@
           <a:p>
             <a:fld id="{1F6E986D-4B21-4B91-B1D2-5CFC0D3D8AEF}" type="datetimeFigureOut">
               <a:rPr lang="ru-RU" smtClean="0"/>
-              <a:t>21.05.2025</a:t>
+              <a:t>22.05.2025</a:t>
             </a:fld>
             <a:endParaRPr lang="ru-RU"/>
           </a:p>
@@ -1239,7 +1240,7 @@
           <a:p>
             <a:fld id="{1F6E986D-4B21-4B91-B1D2-5CFC0D3D8AEF}" type="datetimeFigureOut">
               <a:rPr lang="ru-RU" smtClean="0"/>
-              <a:t>21.05.2025</a:t>
+              <a:t>22.05.2025</a:t>
             </a:fld>
             <a:endParaRPr lang="ru-RU"/>
           </a:p>
@@ -1603,7 +1604,7 @@
           <a:p>
             <a:fld id="{1F6E986D-4B21-4B91-B1D2-5CFC0D3D8AEF}" type="datetimeFigureOut">
               <a:rPr lang="ru-RU" smtClean="0"/>
-              <a:t>21.05.2025</a:t>
+              <a:t>22.05.2025</a:t>
             </a:fld>
             <a:endParaRPr lang="ru-RU"/>
           </a:p>
@@ -1720,7 +1721,7 @@
           <a:p>
             <a:fld id="{1F6E986D-4B21-4B91-B1D2-5CFC0D3D8AEF}" type="datetimeFigureOut">
               <a:rPr lang="ru-RU" smtClean="0"/>
-              <a:t>21.05.2025</a:t>
+              <a:t>22.05.2025</a:t>
             </a:fld>
             <a:endParaRPr lang="ru-RU"/>
           </a:p>
@@ -1815,7 +1816,7 @@
           <a:p>
             <a:fld id="{1F6E986D-4B21-4B91-B1D2-5CFC0D3D8AEF}" type="datetimeFigureOut">
               <a:rPr lang="ru-RU" smtClean="0"/>
-              <a:t>21.05.2025</a:t>
+              <a:t>22.05.2025</a:t>
             </a:fld>
             <a:endParaRPr lang="ru-RU"/>
           </a:p>
@@ -2090,7 +2091,7 @@
           <a:p>
             <a:fld id="{1F6E986D-4B21-4B91-B1D2-5CFC0D3D8AEF}" type="datetimeFigureOut">
               <a:rPr lang="ru-RU" smtClean="0"/>
-              <a:t>21.05.2025</a:t>
+              <a:t>22.05.2025</a:t>
             </a:fld>
             <a:endParaRPr lang="ru-RU"/>
           </a:p>
@@ -2342,7 +2343,7 @@
           <a:p>
             <a:fld id="{1F6E986D-4B21-4B91-B1D2-5CFC0D3D8AEF}" type="datetimeFigureOut">
               <a:rPr lang="ru-RU" smtClean="0"/>
-              <a:t>21.05.2025</a:t>
+              <a:t>22.05.2025</a:t>
             </a:fld>
             <a:endParaRPr lang="ru-RU"/>
           </a:p>
@@ -2553,7 +2554,7 @@
           <a:p>
             <a:fld id="{1F6E986D-4B21-4B91-B1D2-5CFC0D3D8AEF}" type="datetimeFigureOut">
               <a:rPr lang="ru-RU" smtClean="0"/>
-              <a:t>21.05.2025</a:t>
+              <a:t>22.05.2025</a:t>
             </a:fld>
             <a:endParaRPr lang="ru-RU"/>
           </a:p>
@@ -3676,13 +3677,45 @@
       </p:pic>
       <p:sp>
         <p:nvSpPr>
+          <p:cNvPr id="4" name="Прямоугольник 3"/>
+          <p:cNvSpPr/>
+          <p:nvPr/>
+        </p:nvSpPr>
+        <p:spPr>
+          <a:xfrm>
+            <a:off x="354843" y="1187299"/>
+            <a:ext cx="11600596" cy="495457"/>
+          </a:xfrm>
+          <a:prstGeom prst="rect">
+            <a:avLst/>
+          </a:prstGeom>
+        </p:spPr>
+        <p:txBody>
+          <a:bodyPr wrap="square">
+            <a:spAutoFit/>
+          </a:bodyPr>
+          <a:lstStyle/>
+          <a:p>
+            <a:pPr algn="just">
+              <a:lnSpc>
+                <a:spcPct val="150000"/>
+              </a:lnSpc>
+            </a:pPr>
+            <a:endParaRPr lang="en-US" sz="2000" dirty="0">
+              <a:latin typeface="Century Gothic" panose="020B0502020202020204" pitchFamily="34" charset="0"/>
+            </a:endParaRPr>
+          </a:p>
+        </p:txBody>
+      </p:sp>
+      <p:sp>
+        <p:nvSpPr>
           <p:cNvPr id="5" name="TextBox 4"/>
           <p:cNvSpPr txBox="1"/>
           <p:nvPr/>
         </p:nvSpPr>
         <p:spPr>
           <a:xfrm>
-            <a:off x="4612943" y="450376"/>
+            <a:off x="3534770" y="450376"/>
             <a:ext cx="184731" cy="369332"/>
           </a:xfrm>
           <a:prstGeom prst="rect">
@@ -3708,8 +3741,8 @@
         </p:nvSpPr>
         <p:spPr>
           <a:xfrm>
-            <a:off x="1770145" y="82785"/>
-            <a:ext cx="8651728" cy="707886"/>
+            <a:off x="2983615" y="82785"/>
+            <a:ext cx="6224781" cy="707886"/>
           </a:xfrm>
           <a:prstGeom prst="rect">
             <a:avLst/>
@@ -3739,6 +3772,293 @@
                 </a:effectLst>
                 <a:latin typeface="Century Gothic" panose="020B0502020202020204" pitchFamily="34" charset="0"/>
               </a:rPr>
+              <a:t>Полученные результаты</a:t>
+            </a:r>
+          </a:p>
+        </p:txBody>
+      </p:sp>
+      <p:sp>
+        <p:nvSpPr>
+          <p:cNvPr id="6" name="Прямоугольник 5"/>
+          <p:cNvSpPr/>
+          <p:nvPr/>
+        </p:nvSpPr>
+        <p:spPr>
+          <a:xfrm>
+            <a:off x="295702" y="1065424"/>
+            <a:ext cx="11600596" cy="5478423"/>
+          </a:xfrm>
+          <a:prstGeom prst="rect">
+            <a:avLst/>
+          </a:prstGeom>
+        </p:spPr>
+        <p:txBody>
+          <a:bodyPr wrap="square">
+            <a:spAutoFit/>
+          </a:bodyPr>
+          <a:lstStyle/>
+          <a:p>
+            <a:pPr algn="just">
+              <a:lnSpc>
+                <a:spcPct val="150000"/>
+              </a:lnSpc>
+              <a:spcAft>
+                <a:spcPts val="600"/>
+              </a:spcAft>
+              <a:defRPr/>
+            </a:pPr>
+            <a:r>
+              <a:rPr lang="en-US" altLang="ru-RU" sz="1700" dirty="0">
+                <a:latin typeface="Century Gothic" panose="020B0502020202020204" pitchFamily="34" charset="0"/>
+                <a:ea typeface="Calibri" panose="020F0502020204030204" pitchFamily="34" charset="0"/>
+                <a:cs typeface="Times New Roman" panose="02020603050405020304" pitchFamily="18" charset="0"/>
+              </a:rPr>
+              <a:t>	</a:t>
+            </a:r>
+            <a:r>
+              <a:rPr lang="ru-RU" altLang="ru-RU" sz="2000" dirty="0">
+                <a:latin typeface="Century Gothic" panose="020B0502020202020204" pitchFamily="34" charset="0"/>
+                <a:ea typeface="Calibri" panose="020F0502020204030204" pitchFamily="34" charset="0"/>
+                <a:cs typeface="Times New Roman" panose="02020603050405020304" pitchFamily="18" charset="0"/>
+              </a:rPr>
+              <a:t>Использование автоматизированной системы мониторинга и управления технологическим процессом на ЛПЦ-4 ПАО «ММК» даст предприятию такие возможности как: </a:t>
+            </a:r>
+          </a:p>
+          <a:p>
+            <a:pPr marL="342900" indent="-342900" algn="just">
+              <a:lnSpc>
+                <a:spcPct val="150000"/>
+              </a:lnSpc>
+              <a:spcAft>
+                <a:spcPts val="600"/>
+              </a:spcAft>
+              <a:buFont typeface="Arial" panose="020B0604020202020204" pitchFamily="34" charset="0"/>
+              <a:buChar char="•"/>
+              <a:defRPr/>
+            </a:pPr>
+            <a:r>
+              <a:rPr lang="ru-RU" altLang="ru-RU" sz="2000" dirty="0">
+                <a:latin typeface="Century Gothic" panose="020B0502020202020204" pitchFamily="34" charset="0"/>
+                <a:ea typeface="Calibri" panose="020F0502020204030204" pitchFamily="34" charset="0"/>
+                <a:cs typeface="Times New Roman" panose="02020603050405020304" pitchFamily="18" charset="0"/>
+              </a:rPr>
+              <a:t>Обеспечение пользователей непрерывной, актуальной и оперативной информацией о данных технологического процесса производства;</a:t>
+            </a:r>
+          </a:p>
+          <a:p>
+            <a:pPr marL="342900" indent="-342900" algn="just">
+              <a:lnSpc>
+                <a:spcPct val="150000"/>
+              </a:lnSpc>
+              <a:spcAft>
+                <a:spcPts val="600"/>
+              </a:spcAft>
+              <a:buFont typeface="Arial" panose="020B0604020202020204" pitchFamily="34" charset="0"/>
+              <a:buChar char="•"/>
+              <a:defRPr/>
+            </a:pPr>
+            <a:r>
+              <a:rPr lang="ru-RU" altLang="ru-RU" sz="2000" dirty="0">
+                <a:latin typeface="Century Gothic" panose="020B0502020202020204" pitchFamily="34" charset="0"/>
+                <a:ea typeface="Calibri" panose="020F0502020204030204" pitchFamily="34" charset="0"/>
+                <a:cs typeface="Times New Roman" panose="02020603050405020304" pitchFamily="18" charset="0"/>
+              </a:rPr>
+              <a:t>Возможность ввода и редактирования первичных данных при необходимости;</a:t>
+            </a:r>
+          </a:p>
+          <a:p>
+            <a:pPr marL="342900" indent="-342900" algn="just">
+              <a:lnSpc>
+                <a:spcPct val="150000"/>
+              </a:lnSpc>
+              <a:spcAft>
+                <a:spcPts val="600"/>
+              </a:spcAft>
+              <a:buFont typeface="Arial" panose="020B0604020202020204" pitchFamily="34" charset="0"/>
+              <a:buChar char="•"/>
+              <a:defRPr/>
+            </a:pPr>
+            <a:r>
+              <a:rPr lang="ru-RU" altLang="ru-RU" sz="2000" dirty="0">
+                <a:latin typeface="Century Gothic" panose="020B0502020202020204" pitchFamily="34" charset="0"/>
+                <a:ea typeface="Calibri" panose="020F0502020204030204" pitchFamily="34" charset="0"/>
+                <a:cs typeface="Times New Roman" panose="02020603050405020304" pitchFamily="18" charset="0"/>
+              </a:rPr>
+              <a:t>Возможность редактирования уставных значение и состояний агрегатов прокатного стана;</a:t>
+            </a:r>
+          </a:p>
+          <a:p>
+            <a:pPr marL="342900" indent="-342900" algn="just">
+              <a:lnSpc>
+                <a:spcPct val="150000"/>
+              </a:lnSpc>
+              <a:spcAft>
+                <a:spcPts val="600"/>
+              </a:spcAft>
+              <a:buFont typeface="Arial" panose="020B0604020202020204" pitchFamily="34" charset="0"/>
+              <a:buChar char="•"/>
+              <a:defRPr/>
+            </a:pPr>
+            <a:r>
+              <a:rPr lang="ru-RU" altLang="ru-RU" sz="2000" dirty="0">
+                <a:latin typeface="Century Gothic" panose="020B0502020202020204" pitchFamily="34" charset="0"/>
+                <a:ea typeface="Calibri" panose="020F0502020204030204" pitchFamily="34" charset="0"/>
+                <a:cs typeface="Times New Roman" panose="02020603050405020304" pitchFamily="18" charset="0"/>
+              </a:rPr>
+              <a:t>Повышение эффективности работы стана за счет контроля перемещения слябов по линиям загрузки, состояния карты печей и связи со всеми системами автоматизации;</a:t>
+            </a:r>
+          </a:p>
+        </p:txBody>
+      </p:sp>
+    </p:spTree>
+    <p:extLst>
+      <p:ext uri="{BB962C8B-B14F-4D97-AF65-F5344CB8AC3E}">
+        <p14:creationId xmlns:p14="http://schemas.microsoft.com/office/powerpoint/2010/main" val="3299038286"/>
+      </p:ext>
+    </p:extLst>
+  </p:cSld>
+  <p:clrMapOvr>
+    <a:masterClrMapping/>
+  </p:clrMapOvr>
+</p:sld>
+</file>
+
+<file path=ppt/slides/slide11.xml><?xml version="1.0" encoding="utf-8"?>
+<p:sld xmlns:a="http://schemas.openxmlformats.org/drawingml/2006/main" xmlns:r="http://schemas.openxmlformats.org/officeDocument/2006/relationships" xmlns:p="http://schemas.openxmlformats.org/presentationml/2006/main">
+  <p:cSld>
+    <p:spTree>
+      <p:nvGrpSpPr>
+        <p:cNvPr id="1" name=""/>
+        <p:cNvGrpSpPr/>
+        <p:nvPr/>
+      </p:nvGrpSpPr>
+      <p:grpSpPr>
+        <a:xfrm>
+          <a:off x="0" y="0"/>
+          <a:ext cx="0" cy="0"/>
+          <a:chOff x="0" y="0"/>
+          <a:chExt cx="0" cy="0"/>
+        </a:xfrm>
+      </p:grpSpPr>
+      <p:pic>
+        <p:nvPicPr>
+          <p:cNvPr id="2" name="Picture 2" descr="C:\Users\Андрей\Desktop\1\Безымянный-1.png"/>
+          <p:cNvPicPr>
+            <a:picLocks noChangeAspect="1" noChangeArrowheads="1"/>
+          </p:cNvPicPr>
+          <p:nvPr/>
+        </p:nvPicPr>
+        <p:blipFill>
+          <a:blip r:embed="rId2">
+            <a:extLst>
+              <a:ext uri="{28A0092B-C50C-407E-A947-70E740481C1C}">
+                <a14:useLocalDpi xmlns:a14="http://schemas.microsoft.com/office/drawing/2010/main" val="0"/>
+              </a:ext>
+            </a:extLst>
+          </a:blip>
+          <a:srcRect/>
+          <a:stretch>
+            <a:fillRect/>
+          </a:stretch>
+        </p:blipFill>
+        <p:spPr bwMode="auto">
+          <a:xfrm>
+            <a:off x="0" y="0"/>
+            <a:ext cx="12192000" cy="982639"/>
+          </a:xfrm>
+          <a:prstGeom prst="rect">
+            <a:avLst/>
+          </a:prstGeom>
+          <a:noFill/>
+          <a:ln>
+            <a:noFill/>
+          </a:ln>
+          <a:extLst>
+            <a:ext uri="{909E8E84-426E-40DD-AFC4-6F175D3DCCD1}">
+              <a14:hiddenFill xmlns:a14="http://schemas.microsoft.com/office/drawing/2010/main">
+                <a:solidFill>
+                  <a:srgbClr val="FFFFFF"/>
+                </a:solidFill>
+              </a14:hiddenFill>
+            </a:ext>
+            <a:ext uri="{91240B29-F687-4F45-9708-019B960494DF}">
+              <a14:hiddenLine xmlns:a14="http://schemas.microsoft.com/office/drawing/2010/main" w="9525">
+                <a:solidFill>
+                  <a:srgbClr val="000000"/>
+                </a:solidFill>
+                <a:miter lim="800000"/>
+                <a:headEnd/>
+                <a:tailEnd/>
+              </a14:hiddenLine>
+            </a:ext>
+          </a:extLst>
+        </p:spPr>
+      </p:pic>
+      <p:sp>
+        <p:nvSpPr>
+          <p:cNvPr id="5" name="TextBox 4"/>
+          <p:cNvSpPr txBox="1"/>
+          <p:nvPr/>
+        </p:nvSpPr>
+        <p:spPr>
+          <a:xfrm>
+            <a:off x="4612943" y="450376"/>
+            <a:ext cx="184731" cy="369332"/>
+          </a:xfrm>
+          <a:prstGeom prst="rect">
+            <a:avLst/>
+          </a:prstGeom>
+          <a:noFill/>
+        </p:spPr>
+        <p:txBody>
+          <a:bodyPr wrap="none" rtlCol="0">
+            <a:spAutoFit/>
+          </a:bodyPr>
+          <a:lstStyle/>
+          <a:p>
+            <a:endParaRPr lang="ru-RU" dirty="0"/>
+          </a:p>
+        </p:txBody>
+      </p:sp>
+      <p:sp>
+        <p:nvSpPr>
+          <p:cNvPr id="7" name="TextBox 6"/>
+          <p:cNvSpPr txBox="1"/>
+          <p:nvPr/>
+        </p:nvSpPr>
+        <p:spPr>
+          <a:xfrm>
+            <a:off x="1770145" y="82785"/>
+            <a:ext cx="8651728" cy="707886"/>
+          </a:xfrm>
+          <a:prstGeom prst="rect">
+            <a:avLst/>
+          </a:prstGeom>
+          <a:noFill/>
+        </p:spPr>
+        <p:txBody>
+          <a:bodyPr wrap="none" rtlCol="0">
+            <a:spAutoFit/>
+          </a:bodyPr>
+          <a:lstStyle/>
+          <a:p>
+            <a:pPr algn="ctr"/>
+            <a:r>
+              <a:rPr lang="ru-RU" sz="4000" dirty="0">
+                <a:solidFill>
+                  <a:schemeClr val="bg1">
+                    <a:lumMod val="95000"/>
+                  </a:schemeClr>
+                </a:solidFill>
+                <a:effectLst>
+                  <a:outerShdw blurRad="38100" dist="38100" dir="2700000" algn="tl">
+                    <a:srgbClr val="000000">
+                      <a:alpha val="43137"/>
+                    </a:srgbClr>
+                  </a:outerShdw>
+                </a:effectLst>
+                <a:latin typeface="Century Gothic" panose="020B0502020202020204" pitchFamily="34" charset="0"/>
+              </a:rPr>
               <a:t>Публикации за период обучения</a:t>
             </a:r>
           </a:p>
@@ -3860,7 +4180,7 @@
 </p:sld>
 </file>
 
-<file path=ppt/slides/slide11.xml><?xml version="1.0" encoding="utf-8"?>
+<file path=ppt/slides/slide12.xml><?xml version="1.0" encoding="utf-8"?>
 <p:sld xmlns:a="http://schemas.openxmlformats.org/drawingml/2006/main" xmlns:r="http://schemas.openxmlformats.org/officeDocument/2006/relationships" xmlns:p="http://schemas.openxmlformats.org/presentationml/2006/main">
   <p:cSld>
     <p:spTree>
@@ -4022,237 +4342,13 @@
       </p:pic>
       <p:sp>
         <p:nvSpPr>
-          <p:cNvPr id="4" name="Прямоугольник 3"/>
-          <p:cNvSpPr/>
-          <p:nvPr/>
-        </p:nvSpPr>
-        <p:spPr>
-          <a:xfrm>
-            <a:off x="682385" y="1474047"/>
-            <a:ext cx="10849972" cy="4745915"/>
-          </a:xfrm>
-          <a:prstGeom prst="rect">
-            <a:avLst/>
-          </a:prstGeom>
-        </p:spPr>
-        <p:txBody>
-          <a:bodyPr wrap="square">
-            <a:spAutoFit/>
-          </a:bodyPr>
-          <a:lstStyle/>
-          <a:p>
-            <a:pPr algn="ctr">
-              <a:lnSpc>
-                <a:spcPct val="120000"/>
-              </a:lnSpc>
-              <a:defRPr/>
-            </a:pPr>
-            <a:r>
-              <a:rPr lang="ru-RU" altLang="ru-RU" sz="2400" b="1" dirty="0">
-                <a:latin typeface="Century Gothic" panose="020B0502020202020204" pitchFamily="34" charset="0"/>
-                <a:ea typeface="Calibri" panose="020F0502020204030204" pitchFamily="34" charset="0"/>
-                <a:cs typeface="Times New Roman" panose="02020603050405020304" pitchFamily="18" charset="0"/>
-              </a:rPr>
-              <a:t>Объект</a:t>
-            </a:r>
-            <a:r>
-              <a:rPr lang="ru-RU" altLang="ru-RU" sz="2000" b="1" dirty="0">
-                <a:latin typeface="Century Gothic" panose="020B0502020202020204" pitchFamily="34" charset="0"/>
-                <a:ea typeface="Calibri" panose="020F0502020204030204" pitchFamily="34" charset="0"/>
-                <a:cs typeface="Times New Roman" panose="02020603050405020304" pitchFamily="18" charset="0"/>
-              </a:rPr>
-              <a:t>:</a:t>
-            </a:r>
-          </a:p>
-          <a:p>
-            <a:pPr algn="just">
-              <a:lnSpc>
-                <a:spcPct val="120000"/>
-              </a:lnSpc>
-              <a:defRPr/>
-            </a:pPr>
-            <a:r>
-              <a:rPr lang="ru-RU" altLang="ru-RU" sz="2000" dirty="0">
-                <a:latin typeface="Century Gothic" panose="020B0502020202020204" pitchFamily="34" charset="0"/>
-                <a:ea typeface="Calibri" panose="020F0502020204030204" pitchFamily="34" charset="0"/>
-                <a:cs typeface="Times New Roman" panose="02020603050405020304" pitchFamily="18" charset="0"/>
-              </a:rPr>
-              <a:t>Процесс записи информации о клиенте банка на чип пластиковой карты через кардридерный модуль эмбоссера </a:t>
-            </a:r>
-            <a:r>
-              <a:rPr lang="en-US" altLang="ru-RU" sz="2000" dirty="0">
-                <a:latin typeface="Century Gothic" panose="020B0502020202020204" pitchFamily="34" charset="0"/>
-                <a:ea typeface="Calibri" panose="020F0502020204030204" pitchFamily="34" charset="0"/>
-                <a:cs typeface="Times New Roman" panose="02020603050405020304" pitchFamily="18" charset="0"/>
-              </a:rPr>
-              <a:t>MATICA.</a:t>
-            </a:r>
-            <a:r>
-              <a:rPr lang="ru-RU" altLang="ru-RU" sz="2000" dirty="0">
-                <a:latin typeface="Century Gothic" panose="020B0502020202020204" pitchFamily="34" charset="0"/>
-                <a:ea typeface="Calibri" panose="020F0502020204030204" pitchFamily="34" charset="0"/>
-                <a:cs typeface="Times New Roman" panose="02020603050405020304" pitchFamily="18" charset="0"/>
-              </a:rPr>
-              <a:t> </a:t>
-            </a:r>
-            <a:endParaRPr lang="en-US" altLang="ru-RU" sz="2000" dirty="0">
-              <a:latin typeface="Century Gothic" panose="020B0502020202020204" pitchFamily="34" charset="0"/>
-              <a:ea typeface="Calibri" panose="020F0502020204030204" pitchFamily="34" charset="0"/>
-              <a:cs typeface="Times New Roman" panose="02020603050405020304" pitchFamily="18" charset="0"/>
-            </a:endParaRPr>
-          </a:p>
-          <a:p>
-            <a:pPr algn="ctr">
-              <a:lnSpc>
-                <a:spcPct val="120000"/>
-              </a:lnSpc>
-              <a:defRPr/>
-            </a:pPr>
-            <a:r>
-              <a:rPr lang="ru-RU" altLang="ru-RU" sz="2400" b="1" dirty="0">
-                <a:latin typeface="Century Gothic" panose="020B0502020202020204" pitchFamily="34" charset="0"/>
-                <a:ea typeface="Calibri" panose="020F0502020204030204" pitchFamily="34" charset="0"/>
-                <a:cs typeface="Times New Roman" panose="02020603050405020304" pitchFamily="18" charset="0"/>
-              </a:rPr>
-              <a:t>Предмет:</a:t>
-            </a:r>
-          </a:p>
-          <a:p>
-            <a:pPr algn="just">
-              <a:lnSpc>
-                <a:spcPct val="120000"/>
-              </a:lnSpc>
-              <a:defRPr/>
-            </a:pPr>
-            <a:r>
-              <a:rPr lang="ru-RU" altLang="ru-RU" sz="2000" dirty="0">
-                <a:latin typeface="Century Gothic" panose="020B0502020202020204" pitchFamily="34" charset="0"/>
-                <a:ea typeface="Calibri" panose="020F0502020204030204" pitchFamily="34" charset="0"/>
-                <a:cs typeface="Times New Roman" panose="02020603050405020304" pitchFamily="18" charset="0"/>
-              </a:rPr>
-              <a:t>Информационное и программное обеспечение для настройки и хранения карточных продуктов и обработки банковских карт средствами эмбоссеров и кардридеров. Информационное и программное обеспечение управления модулями эмбоссера </a:t>
-            </a:r>
-            <a:r>
-              <a:rPr lang="en-US" altLang="ru-RU" sz="2000" dirty="0">
-                <a:latin typeface="Century Gothic" panose="020B0502020202020204" pitchFamily="34" charset="0"/>
-                <a:ea typeface="Calibri" panose="020F0502020204030204" pitchFamily="34" charset="0"/>
-                <a:cs typeface="Times New Roman" panose="02020603050405020304" pitchFamily="18" charset="0"/>
-              </a:rPr>
-              <a:t>MATICA.</a:t>
-            </a:r>
-            <a:endParaRPr lang="ru-RU" altLang="ru-RU" sz="2000" dirty="0">
-              <a:latin typeface="Century Gothic" panose="020B0502020202020204" pitchFamily="34" charset="0"/>
-              <a:ea typeface="Calibri" panose="020F0502020204030204" pitchFamily="34" charset="0"/>
-              <a:cs typeface="Times New Roman" panose="02020603050405020304" pitchFamily="18" charset="0"/>
-            </a:endParaRPr>
-          </a:p>
-          <a:p>
-            <a:pPr algn="ctr">
-              <a:lnSpc>
-                <a:spcPct val="120000"/>
-              </a:lnSpc>
-              <a:defRPr/>
-            </a:pPr>
-            <a:r>
-              <a:rPr lang="ru-RU" altLang="ru-RU" sz="2400" b="1" dirty="0">
-                <a:latin typeface="Century Gothic" panose="020B0502020202020204" pitchFamily="34" charset="0"/>
-                <a:ea typeface="Calibri" panose="020F0502020204030204" pitchFamily="34" charset="0"/>
-                <a:cs typeface="Times New Roman" panose="02020603050405020304" pitchFamily="18" charset="0"/>
-              </a:rPr>
-              <a:t>Цель: </a:t>
-            </a:r>
-          </a:p>
-          <a:p>
-            <a:pPr algn="just">
-              <a:lnSpc>
-                <a:spcPct val="120000"/>
-              </a:lnSpc>
-              <a:defRPr/>
-            </a:pPr>
-            <a:r>
-              <a:rPr lang="ru-RU" altLang="ru-RU" sz="2000" dirty="0">
-                <a:latin typeface="Century Gothic" panose="020B0502020202020204" pitchFamily="34" charset="0"/>
-                <a:ea typeface="Calibri" panose="020F0502020204030204" pitchFamily="34" charset="0"/>
-                <a:cs typeface="Times New Roman" panose="02020603050405020304" pitchFamily="18" charset="0"/>
-              </a:rPr>
-              <a:t>Разработка драйвера</a:t>
-            </a:r>
-            <a:r>
-              <a:rPr lang="en-US" altLang="ru-RU" sz="2000" dirty="0">
-                <a:latin typeface="Century Gothic" panose="020B0502020202020204" pitchFamily="34" charset="0"/>
-                <a:ea typeface="Calibri" panose="020F0502020204030204" pitchFamily="34" charset="0"/>
-                <a:cs typeface="Times New Roman" panose="02020603050405020304" pitchFamily="18" charset="0"/>
-              </a:rPr>
-              <a:t> </a:t>
-            </a:r>
-            <a:r>
-              <a:rPr lang="ru-RU" altLang="ru-RU" sz="2000" dirty="0">
-                <a:latin typeface="Century Gothic" panose="020B0502020202020204" pitchFamily="34" charset="0"/>
-                <a:ea typeface="Calibri" panose="020F0502020204030204" pitchFamily="34" charset="0"/>
-                <a:cs typeface="Times New Roman" panose="02020603050405020304" pitchFamily="18" charset="0"/>
-              </a:rPr>
-              <a:t>для программного продукта </a:t>
-            </a:r>
-            <a:r>
-              <a:rPr lang="en-US" altLang="ru-RU" sz="2000" dirty="0" err="1">
-                <a:latin typeface="Century Gothic" panose="020B0502020202020204" pitchFamily="34" charset="0"/>
-                <a:ea typeface="Calibri" panose="020F0502020204030204" pitchFamily="34" charset="0"/>
-                <a:cs typeface="Times New Roman" panose="02020603050405020304" pitchFamily="18" charset="0"/>
-              </a:rPr>
-              <a:t>TranzWare</a:t>
-            </a:r>
-            <a:r>
-              <a:rPr lang="en-US" altLang="ru-RU" sz="2000" dirty="0">
-                <a:latin typeface="Century Gothic" panose="020B0502020202020204" pitchFamily="34" charset="0"/>
-                <a:ea typeface="Calibri" panose="020F0502020204030204" pitchFamily="34" charset="0"/>
-                <a:cs typeface="Times New Roman" panose="02020603050405020304" pitchFamily="18" charset="0"/>
-              </a:rPr>
-              <a:t> </a:t>
-            </a:r>
-            <a:r>
-              <a:rPr lang="en-US" altLang="ru-RU" sz="2000" dirty="0" err="1">
-                <a:latin typeface="Century Gothic" panose="020B0502020202020204" pitchFamily="34" charset="0"/>
-                <a:ea typeface="Calibri" panose="020F0502020204030204" pitchFamily="34" charset="0"/>
-                <a:cs typeface="Times New Roman" panose="02020603050405020304" pitchFamily="18" charset="0"/>
-              </a:rPr>
-              <a:t>CardFactory</a:t>
-            </a:r>
-            <a:r>
-              <a:rPr lang="ru-RU" altLang="ru-RU" sz="2000" dirty="0">
-                <a:latin typeface="Century Gothic" panose="020B0502020202020204" pitchFamily="34" charset="0"/>
-                <a:ea typeface="Calibri" panose="020F0502020204030204" pitchFamily="34" charset="0"/>
-                <a:cs typeface="Times New Roman" panose="02020603050405020304" pitchFamily="18" charset="0"/>
-              </a:rPr>
-              <a:t> осуществляющего записи информации о клиенте банка на чип пластиковой карты через кардридерный модуль эмбоссера </a:t>
-            </a:r>
-            <a:r>
-              <a:rPr lang="en-US" altLang="ru-RU" sz="2000" dirty="0">
-                <a:latin typeface="Century Gothic" panose="020B0502020202020204" pitchFamily="34" charset="0"/>
-                <a:ea typeface="Calibri" panose="020F0502020204030204" pitchFamily="34" charset="0"/>
-                <a:cs typeface="Times New Roman" panose="02020603050405020304" pitchFamily="18" charset="0"/>
-              </a:rPr>
-              <a:t>MATICA</a:t>
-            </a:r>
-            <a:r>
-              <a:rPr lang="ru-RU" altLang="ru-RU" sz="2000" dirty="0">
-                <a:latin typeface="Century Gothic" panose="020B0502020202020204" pitchFamily="34" charset="0"/>
-                <a:ea typeface="Calibri" panose="020F0502020204030204" pitchFamily="34" charset="0"/>
-                <a:cs typeface="Times New Roman" panose="02020603050405020304" pitchFamily="18" charset="0"/>
-              </a:rPr>
-              <a:t>.</a:t>
-            </a:r>
-          </a:p>
-        </p:txBody>
-      </p:sp>
-      <p:sp>
-        <p:nvSpPr>
           <p:cNvPr id="5" name="TextBox 4"/>
           <p:cNvSpPr txBox="1"/>
           <p:nvPr/>
         </p:nvSpPr>
         <p:spPr>
           <a:xfrm>
-            <a:off x="3370997" y="532263"/>
+            <a:off x="1351128" y="614149"/>
             <a:ext cx="184731" cy="369332"/>
           </a:xfrm>
           <a:prstGeom prst="rect">
@@ -4270,34 +4366,216 @@
           </a:p>
         </p:txBody>
       </p:sp>
+      <p:sp>
+        <p:nvSpPr>
+          <p:cNvPr id="7" name="TextBox 6"/>
+          <p:cNvSpPr txBox="1"/>
+          <p:nvPr/>
+        </p:nvSpPr>
+        <p:spPr>
+          <a:xfrm>
+            <a:off x="3460502" y="168153"/>
+            <a:ext cx="5270995" cy="646331"/>
+          </a:xfrm>
+          <a:prstGeom prst="rect">
+            <a:avLst/>
+          </a:prstGeom>
+          <a:noFill/>
+        </p:spPr>
+        <p:txBody>
+          <a:bodyPr wrap="none" rtlCol="0">
+            <a:spAutoFit/>
+          </a:bodyPr>
+          <a:lstStyle/>
+          <a:p>
+            <a:r>
+              <a:rPr lang="ru-RU" sz="3600" dirty="0" smtClean="0">
+                <a:solidFill>
+                  <a:schemeClr val="bg1">
+                    <a:lumMod val="95000"/>
+                  </a:schemeClr>
+                </a:solidFill>
+                <a:effectLst>
+                  <a:outerShdw blurRad="38100" dist="38100" dir="2700000" algn="tl">
+                    <a:srgbClr val="000000">
+                      <a:alpha val="43137"/>
+                    </a:srgbClr>
+                  </a:outerShdw>
+                </a:effectLst>
+                <a:latin typeface="Century Gothic" panose="020B0502020202020204" pitchFamily="34" charset="0"/>
+              </a:rPr>
+              <a:t>Описние </a:t>
+            </a:r>
+            <a:r>
+              <a:rPr lang="ru-RU" sz="3600" dirty="0" smtClean="0">
+                <a:solidFill>
+                  <a:schemeClr val="bg1">
+                    <a:lumMod val="95000"/>
+                  </a:schemeClr>
+                </a:solidFill>
+                <a:effectLst>
+                  <a:outerShdw blurRad="38100" dist="38100" dir="2700000" algn="tl">
+                    <a:srgbClr val="000000">
+                      <a:alpha val="43137"/>
+                    </a:srgbClr>
+                  </a:outerShdw>
+                </a:effectLst>
+                <a:latin typeface="Century Gothic" panose="020B0502020202020204" pitchFamily="34" charset="0"/>
+              </a:rPr>
+              <a:t>эмбоссера</a:t>
+            </a:r>
+            <a:endParaRPr lang="ru-RU" sz="3600" dirty="0">
+              <a:solidFill>
+                <a:schemeClr val="bg1">
+                  <a:lumMod val="95000"/>
+                </a:schemeClr>
+              </a:solidFill>
+              <a:effectLst>
+                <a:outerShdw blurRad="38100" dist="38100" dir="2700000" algn="tl">
+                  <a:srgbClr val="000000">
+                    <a:alpha val="43137"/>
+                  </a:srgbClr>
+                </a:outerShdw>
+              </a:effectLst>
+              <a:latin typeface="Century Gothic" panose="020B0502020202020204" pitchFamily="34" charset="0"/>
+            </a:endParaRPr>
+          </a:p>
+        </p:txBody>
+      </p:sp>
       <p:pic>
         <p:nvPicPr>
-          <p:cNvPr id="6" name="Рисунок 5"/>
+          <p:cNvPr id="4" name="Picture 3"/>
           <p:cNvPicPr>
             <a:picLocks noChangeAspect="1"/>
           </p:cNvPicPr>
           <p:nvPr/>
         </p:nvPicPr>
         <p:blipFill>
-          <a:blip r:embed="rId3"/>
+          <a:blip r:embed="rId3" cstate="print">
+            <a:extLst>
+              <a:ext uri="{28A0092B-C50C-407E-A947-70E740481C1C}">
+                <a14:useLocalDpi xmlns:a14="http://schemas.microsoft.com/office/drawing/2010/main" val="0"/>
+              </a:ext>
+            </a:extLst>
+          </a:blip>
           <a:stretch>
             <a:fillRect/>
           </a:stretch>
         </p:blipFill>
         <p:spPr>
           <a:xfrm>
-            <a:off x="1356721" y="26251"/>
-            <a:ext cx="9474005" cy="1012024"/>
+            <a:off x="1081675" y="1696995"/>
+            <a:ext cx="3790949" cy="5054599"/>
           </a:xfrm>
           <a:prstGeom prst="rect">
             <a:avLst/>
           </a:prstGeom>
         </p:spPr>
       </p:pic>
+      <p:pic>
+        <p:nvPicPr>
+          <p:cNvPr id="6" name="Picture 5"/>
+          <p:cNvPicPr>
+            <a:picLocks noChangeAspect="1"/>
+          </p:cNvPicPr>
+          <p:nvPr/>
+        </p:nvPicPr>
+        <p:blipFill>
+          <a:blip r:embed="rId4" cstate="print">
+            <a:extLst>
+              <a:ext uri="{28A0092B-C50C-407E-A947-70E740481C1C}">
+                <a14:useLocalDpi xmlns:a14="http://schemas.microsoft.com/office/drawing/2010/main" val="0"/>
+              </a:ext>
+            </a:extLst>
+          </a:blip>
+          <a:stretch>
+            <a:fillRect/>
+          </a:stretch>
+        </p:blipFill>
+        <p:spPr>
+          <a:xfrm>
+            <a:off x="7040933" y="1696994"/>
+            <a:ext cx="3790950" cy="5054599"/>
+          </a:xfrm>
+          <a:prstGeom prst="rect">
+            <a:avLst/>
+          </a:prstGeom>
+        </p:spPr>
+      </p:pic>
+      <p:sp>
+        <p:nvSpPr>
+          <p:cNvPr id="9" name="TextBox 8"/>
+          <p:cNvSpPr txBox="1"/>
+          <p:nvPr/>
+        </p:nvSpPr>
+        <p:spPr>
+          <a:xfrm>
+            <a:off x="837416" y="1016230"/>
+            <a:ext cx="4279465" cy="646331"/>
+          </a:xfrm>
+          <a:prstGeom prst="rect">
+            <a:avLst/>
+          </a:prstGeom>
+          <a:noFill/>
+        </p:spPr>
+        <p:txBody>
+          <a:bodyPr wrap="square" rtlCol="0">
+            <a:spAutoFit/>
+          </a:bodyPr>
+          <a:lstStyle/>
+          <a:p>
+            <a:pPr algn="ctr"/>
+            <a:r>
+              <a:rPr lang="ru-RU" dirty="0">
+                <a:latin typeface="Century Gothic" panose="020B0502020202020204" pitchFamily="34" charset="0"/>
+              </a:rPr>
+              <a:t>Полный набор компонентов кардридерного модуля</a:t>
+            </a:r>
+            <a:endParaRPr lang="en-US" dirty="0">
+              <a:latin typeface="Century Gothic" panose="020B0502020202020204" pitchFamily="34" charset="0"/>
+            </a:endParaRPr>
+          </a:p>
+        </p:txBody>
+      </p:sp>
+      <p:sp>
+        <p:nvSpPr>
+          <p:cNvPr id="12" name="TextBox 11"/>
+          <p:cNvSpPr txBox="1"/>
+          <p:nvPr/>
+        </p:nvSpPr>
+        <p:spPr>
+          <a:xfrm>
+            <a:off x="6796675" y="1156772"/>
+            <a:ext cx="4279465" cy="369332"/>
+          </a:xfrm>
+          <a:prstGeom prst="rect">
+            <a:avLst/>
+          </a:prstGeom>
+          <a:noFill/>
+        </p:spPr>
+        <p:txBody>
+          <a:bodyPr wrap="square" rtlCol="0">
+            <a:spAutoFit/>
+          </a:bodyPr>
+          <a:lstStyle/>
+          <a:p>
+            <a:pPr algn="ctr"/>
+            <a:r>
+              <a:rPr lang="ru-RU" dirty="0">
+                <a:latin typeface="Century Gothic" panose="020B0502020202020204" pitchFamily="34" charset="0"/>
+              </a:rPr>
+              <a:t>Управляющая плата модуля</a:t>
+            </a:r>
+            <a:endParaRPr lang="en-US" dirty="0">
+              <a:latin typeface="Century Gothic" panose="020B0502020202020204" pitchFamily="34" charset="0"/>
+            </a:endParaRPr>
+          </a:p>
+        </p:txBody>
+      </p:sp>
     </p:spTree>
     <p:extLst>
       <p:ext uri="{BB962C8B-B14F-4D97-AF65-F5344CB8AC3E}">
-        <p14:creationId xmlns:p14="http://schemas.microsoft.com/office/powerpoint/2010/main" val="1311178619"/>
+        <p14:creationId xmlns:p14="http://schemas.microsoft.com/office/powerpoint/2010/main" val="248749406"/>
       </p:ext>
     </p:extLst>
   </p:cSld>
@@ -4312,7 +4590,13 @@
   <p:cSld>
     <p:spTree>
       <p:nvGrpSpPr>
-        <p:cNvPr id="1" name=""/>
+        <p:cNvPr id="1" name="">
+          <a:extLst>
+            <a:ext uri="{FF2B5EF4-FFF2-40B4-BE49-F238E27FC236}">
+              <a16:creationId xmlns:a16="http://schemas.microsoft.com/office/drawing/2014/main" id="{B8F0442B-81D0-2CC2-2C93-1F8DD98A2E76}"/>
+            </a:ext>
+          </a:extLst>
+        </p:cNvPr>
         <p:cNvGrpSpPr/>
         <p:nvPr/>
       </p:nvGrpSpPr>
@@ -4326,7 +4610,13 @@
       </p:grpSpPr>
       <p:pic>
         <p:nvPicPr>
-          <p:cNvPr id="2" name="Picture 2" descr="C:\Users\Андрей\Desktop\1\Безымянный-1.png"/>
+          <p:cNvPr id="2" name="Picture 2" descr="C:\Users\Андрей\Desktop\1\Безымянный-1.png">
+            <a:extLst>
+              <a:ext uri="{FF2B5EF4-FFF2-40B4-BE49-F238E27FC236}">
+                <a16:creationId xmlns:a16="http://schemas.microsoft.com/office/drawing/2014/main" id="{E803902E-49A7-2FBD-5D9C-0949DC18BCD6}"/>
+              </a:ext>
+            </a:extLst>
+          </p:cNvPr>
           <p:cNvPicPr>
             <a:picLocks noChangeAspect="1" noChangeArrowheads="1"/>
           </p:cNvPicPr>
@@ -4380,203 +4670,19 @@
       </p:pic>
       <p:sp>
         <p:nvSpPr>
-          <p:cNvPr id="3" name="Прямоугольник 2"/>
-          <p:cNvSpPr/>
-          <p:nvPr/>
-        </p:nvSpPr>
-        <p:spPr>
-          <a:xfrm>
-            <a:off x="181689" y="860650"/>
-            <a:ext cx="11808823" cy="5978560"/>
-          </a:xfrm>
-          <a:prstGeom prst="rect">
-            <a:avLst/>
-          </a:prstGeom>
-        </p:spPr>
-        <p:txBody>
-          <a:bodyPr wrap="square">
-            <a:spAutoFit/>
-          </a:bodyPr>
-          <a:lstStyle/>
-          <a:p>
-            <a:pPr algn="just">
-              <a:lnSpc>
-                <a:spcPct val="150000"/>
-              </a:lnSpc>
-              <a:defRPr/>
-            </a:pPr>
-            <a:r>
-              <a:rPr lang="en-US" altLang="ru-RU" sz="2400" dirty="0">
-                <a:latin typeface="Century Gothic" panose="020B0502020202020204" pitchFamily="34" charset="0"/>
-                <a:ea typeface="Calibri" panose="020F0502020204030204" pitchFamily="34" charset="0"/>
-                <a:cs typeface="Times New Roman" panose="02020603050405020304" pitchFamily="18" charset="0"/>
-              </a:rPr>
-              <a:t>	</a:t>
-            </a:r>
-            <a:r>
-              <a:rPr lang="ru-RU" altLang="ru-RU" sz="2100" dirty="0">
-                <a:latin typeface="Century Gothic" panose="020B0502020202020204" pitchFamily="34" charset="0"/>
-                <a:ea typeface="Calibri" panose="020F0502020204030204" pitchFamily="34" charset="0"/>
-                <a:cs typeface="Times New Roman" panose="02020603050405020304" pitchFamily="18" charset="0"/>
-              </a:rPr>
-              <a:t>Для достижения поставленной цели необходимо выполнить следующие задачи:</a:t>
-            </a:r>
-          </a:p>
-          <a:p>
-            <a:pPr marL="457200" indent="-457200" algn="just">
-              <a:lnSpc>
-                <a:spcPct val="150000"/>
-              </a:lnSpc>
-              <a:buFont typeface="+mj-lt"/>
-              <a:buAutoNum type="arabicPeriod"/>
-            </a:pPr>
-            <a:r>
-              <a:rPr lang="ru-RU" sz="2100" dirty="0">
-                <a:latin typeface="Century Gothic" panose="020B0502020202020204" pitchFamily="34" charset="0"/>
-              </a:rPr>
-              <a:t>Выполнить анализ работы эмбоссера </a:t>
-            </a:r>
-            <a:r>
-              <a:rPr lang="en-US" sz="2100" dirty="0">
-                <a:latin typeface="Century Gothic" panose="020B0502020202020204" pitchFamily="34" charset="0"/>
-              </a:rPr>
-              <a:t>MATICA </a:t>
-            </a:r>
-            <a:r>
-              <a:rPr lang="ru-RU" sz="2100" dirty="0">
-                <a:latin typeface="Century Gothic" panose="020B0502020202020204" pitchFamily="34" charset="0"/>
-              </a:rPr>
-              <a:t>и методов аппаратного и программного взаимодействия с его кардридерным модулем;</a:t>
-            </a:r>
-            <a:endParaRPr lang="en-US" sz="2100" dirty="0">
-              <a:latin typeface="Century Gothic" panose="020B0502020202020204" pitchFamily="34" charset="0"/>
-            </a:endParaRPr>
-          </a:p>
-          <a:p>
-            <a:pPr marL="457200" indent="-457200" algn="just">
-              <a:lnSpc>
-                <a:spcPct val="150000"/>
-              </a:lnSpc>
-              <a:buFont typeface="+mj-lt"/>
-              <a:buAutoNum type="arabicPeriod"/>
-            </a:pPr>
-            <a:r>
-              <a:rPr lang="ru-RU" sz="2100" dirty="0">
-                <a:latin typeface="Century Gothic" panose="020B0502020202020204" pitchFamily="34" charset="0"/>
-              </a:rPr>
-              <a:t>Провести теоретический анализ возможностей программной платформы </a:t>
-            </a:r>
-            <a:r>
-              <a:rPr lang="en-US" sz="2100" dirty="0" err="1">
-                <a:latin typeface="Century Gothic" panose="020B0502020202020204" pitchFamily="34" charset="0"/>
-              </a:rPr>
-              <a:t>FloraWare</a:t>
-            </a:r>
-            <a:r>
-              <a:rPr lang="ru-RU" sz="2100" dirty="0">
-                <a:latin typeface="Century Gothic" panose="020B0502020202020204" pitchFamily="34" charset="0"/>
-              </a:rPr>
-              <a:t>, использующихся для осуществления сетевого взаимодействия;</a:t>
-            </a:r>
-            <a:endParaRPr lang="en-US" sz="2100" dirty="0">
-              <a:latin typeface="Century Gothic" panose="020B0502020202020204" pitchFamily="34" charset="0"/>
-            </a:endParaRPr>
-          </a:p>
-          <a:p>
-            <a:pPr marL="457200" indent="-457200" algn="just">
-              <a:lnSpc>
-                <a:spcPct val="150000"/>
-              </a:lnSpc>
-              <a:buFont typeface="+mj-lt"/>
-              <a:buAutoNum type="arabicPeriod"/>
-            </a:pPr>
-            <a:r>
-              <a:rPr lang="ru-RU" sz="2100" dirty="0">
-                <a:latin typeface="Century Gothic" panose="020B0502020202020204" pitchFamily="34" charset="0"/>
-              </a:rPr>
-              <a:t>Провести анализ структуры программного продукта </a:t>
-            </a:r>
-            <a:r>
-              <a:rPr lang="en-US" sz="2100" dirty="0" err="1">
-                <a:latin typeface="Century Gothic" panose="020B0502020202020204" pitchFamily="34" charset="0"/>
-              </a:rPr>
-              <a:t>TranzWare</a:t>
-            </a:r>
-            <a:r>
-              <a:rPr lang="en-US" sz="2100" dirty="0">
-                <a:latin typeface="Century Gothic" panose="020B0502020202020204" pitchFamily="34" charset="0"/>
-              </a:rPr>
-              <a:t> </a:t>
-            </a:r>
-            <a:r>
-              <a:rPr lang="en-US" sz="2100" dirty="0" err="1">
-                <a:latin typeface="Century Gothic" panose="020B0502020202020204" pitchFamily="34" charset="0"/>
-              </a:rPr>
-              <a:t>CardFactory</a:t>
-            </a:r>
-            <a:r>
-              <a:rPr lang="en-US" sz="2100" dirty="0">
-                <a:latin typeface="Century Gothic" panose="020B0502020202020204" pitchFamily="34" charset="0"/>
-              </a:rPr>
-              <a:t> </a:t>
-            </a:r>
-            <a:r>
-              <a:rPr lang="ru-RU" sz="2100" dirty="0">
-                <a:latin typeface="Century Gothic" panose="020B0502020202020204" pitchFamily="34" charset="0"/>
-              </a:rPr>
-              <a:t>и структуры существующих драйверов кардридеров; </a:t>
-            </a:r>
-            <a:endParaRPr lang="en-US" sz="2100" dirty="0">
-              <a:latin typeface="Century Gothic" panose="020B0502020202020204" pitchFamily="34" charset="0"/>
-            </a:endParaRPr>
-          </a:p>
-          <a:p>
-            <a:pPr marL="457200" indent="-457200" algn="just">
-              <a:lnSpc>
-                <a:spcPct val="150000"/>
-              </a:lnSpc>
-              <a:buFont typeface="+mj-lt"/>
-              <a:buAutoNum type="arabicPeriod"/>
-            </a:pPr>
-            <a:r>
-              <a:rPr lang="ru-RU" sz="2100" dirty="0">
-                <a:latin typeface="Century Gothic" panose="020B0502020202020204" pitchFamily="34" charset="0"/>
-              </a:rPr>
-              <a:t>Описать проектное решение для управления кардридерным модулем эмбоссера </a:t>
-            </a:r>
-            <a:r>
-              <a:rPr lang="en-US" sz="2100" dirty="0">
-                <a:latin typeface="Century Gothic" panose="020B0502020202020204" pitchFamily="34" charset="0"/>
-              </a:rPr>
-              <a:t>MATICA;</a:t>
-            </a:r>
-          </a:p>
-          <a:p>
-            <a:pPr marL="457200" indent="-457200" algn="just">
-              <a:lnSpc>
-                <a:spcPct val="150000"/>
-              </a:lnSpc>
-              <a:buFont typeface="+mj-lt"/>
-              <a:buAutoNum type="arabicPeriod"/>
-            </a:pPr>
-            <a:r>
-              <a:rPr lang="ru-RU" sz="2100" dirty="0">
-                <a:latin typeface="Century Gothic" panose="020B0502020202020204" pitchFamily="34" charset="0"/>
-              </a:rPr>
-              <a:t>Получить результаты опытной эксплуатации разработанной программной библиотеки. </a:t>
-            </a:r>
-          </a:p>
-        </p:txBody>
-      </p:sp>
-      <p:sp>
-        <p:nvSpPr>
-          <p:cNvPr id="5" name="TextBox 4"/>
+          <p:cNvPr id="5" name="TextBox 4">
+            <a:extLst>
+              <a:ext uri="{FF2B5EF4-FFF2-40B4-BE49-F238E27FC236}">
+                <a16:creationId xmlns:a16="http://schemas.microsoft.com/office/drawing/2014/main" id="{0971653D-E9BB-89C3-69DA-1561D491E805}"/>
+              </a:ext>
+            </a:extLst>
+          </p:cNvPr>
           <p:cNvSpPr txBox="1"/>
           <p:nvPr/>
         </p:nvSpPr>
         <p:spPr>
           <a:xfrm>
-            <a:off x="3248167" y="382137"/>
+            <a:off x="3534770" y="450376"/>
             <a:ext cx="184731" cy="369332"/>
           </a:xfrm>
           <a:prstGeom prst="rect">
@@ -4594,24 +4700,810 @@
           </a:p>
         </p:txBody>
       </p:sp>
+      <p:sp>
+        <p:nvSpPr>
+          <p:cNvPr id="7" name="TextBox 6">
+            <a:extLst>
+              <a:ext uri="{FF2B5EF4-FFF2-40B4-BE49-F238E27FC236}">
+                <a16:creationId xmlns:a16="http://schemas.microsoft.com/office/drawing/2014/main" id="{49360129-C4CE-D333-BA85-69C53682DF73}"/>
+              </a:ext>
+            </a:extLst>
+          </p:cNvPr>
+          <p:cNvSpPr txBox="1"/>
+          <p:nvPr/>
+        </p:nvSpPr>
+        <p:spPr>
+          <a:xfrm>
+            <a:off x="2644574" y="137376"/>
+            <a:ext cx="6902852" cy="707886"/>
+          </a:xfrm>
+          <a:prstGeom prst="rect">
+            <a:avLst/>
+          </a:prstGeom>
+          <a:noFill/>
+        </p:spPr>
+        <p:txBody>
+          <a:bodyPr wrap="none" rtlCol="0">
+            <a:spAutoFit/>
+          </a:bodyPr>
+          <a:lstStyle/>
+          <a:p>
+            <a:pPr algn="ctr"/>
+            <a:r>
+              <a:rPr lang="ru-RU" sz="4000" dirty="0" smtClean="0">
+                <a:solidFill>
+                  <a:schemeClr val="bg1">
+                    <a:lumMod val="95000"/>
+                  </a:schemeClr>
+                </a:solidFill>
+                <a:effectLst>
+                  <a:outerShdw blurRad="38100" dist="38100" dir="2700000" algn="tl">
+                    <a:srgbClr val="000000">
+                      <a:alpha val="43137"/>
+                    </a:srgbClr>
+                  </a:outerShdw>
+                </a:effectLst>
+                <a:latin typeface="Century Gothic" panose="020B0502020202020204" pitchFamily="34" charset="0"/>
+              </a:rPr>
+              <a:t>Анализ текущих решений</a:t>
+            </a:r>
+            <a:endParaRPr lang="ru-RU" sz="4000" dirty="0">
+              <a:solidFill>
+                <a:schemeClr val="bg1">
+                  <a:lumMod val="95000"/>
+                </a:schemeClr>
+              </a:solidFill>
+              <a:effectLst>
+                <a:outerShdw blurRad="38100" dist="38100" dir="2700000" algn="tl">
+                  <a:srgbClr val="000000">
+                    <a:alpha val="43137"/>
+                  </a:srgbClr>
+                </a:outerShdw>
+              </a:effectLst>
+              <a:latin typeface="Century Gothic" panose="020B0502020202020204" pitchFamily="34" charset="0"/>
+            </a:endParaRPr>
+          </a:p>
+        </p:txBody>
+      </p:sp>
+      <p:grpSp>
+        <p:nvGrpSpPr>
+          <p:cNvPr id="3" name="Group 2"/>
+          <p:cNvGrpSpPr/>
+          <p:nvPr/>
+        </p:nvGrpSpPr>
+        <p:grpSpPr>
+          <a:xfrm>
+            <a:off x="1184595" y="2396714"/>
+            <a:ext cx="1785431" cy="2270345"/>
+            <a:chOff x="848488" y="2995177"/>
+            <a:chExt cx="1785431" cy="2270345"/>
+          </a:xfrm>
+        </p:grpSpPr>
+        <p:sp>
+          <p:nvSpPr>
+            <p:cNvPr id="4" name="TextBox 3">
+              <a:extLst>
+                <a:ext uri="{FF2B5EF4-FFF2-40B4-BE49-F238E27FC236}">
+                  <a16:creationId xmlns:a16="http://schemas.microsoft.com/office/drawing/2014/main" id="{68C815F1-FBB0-AD9F-28E7-EBBFBCD17690}"/>
+                </a:ext>
+              </a:extLst>
+            </p:cNvPr>
+            <p:cNvSpPr txBox="1"/>
+            <p:nvPr/>
+          </p:nvSpPr>
+          <p:spPr>
+            <a:xfrm>
+              <a:off x="848488" y="4557636"/>
+              <a:ext cx="1785431" cy="707886"/>
+            </a:xfrm>
+            <a:prstGeom prst="rect">
+              <a:avLst/>
+            </a:prstGeom>
+            <a:noFill/>
+          </p:spPr>
+          <p:txBody>
+            <a:bodyPr wrap="square" rtlCol="0">
+              <a:spAutoFit/>
+            </a:bodyPr>
+            <a:lstStyle/>
+            <a:p>
+              <a:pPr algn="ctr"/>
+              <a:r>
+                <a:rPr lang="en-US" sz="2000" dirty="0" err="1">
+                  <a:latin typeface="Century Gothic" panose="020B0502020202020204" pitchFamily="34" charset="0"/>
+                </a:rPr>
+                <a:t>TranzWare</a:t>
+              </a:r>
+              <a:r>
+                <a:rPr lang="en-US" sz="2000" dirty="0">
+                  <a:latin typeface="Century Gothic" panose="020B0502020202020204" pitchFamily="34" charset="0"/>
+                </a:rPr>
+                <a:t> </a:t>
+              </a:r>
+              <a:r>
+                <a:rPr lang="en-US" sz="2000" dirty="0" err="1">
+                  <a:latin typeface="Century Gothic" panose="020B0502020202020204" pitchFamily="34" charset="0"/>
+                </a:rPr>
+                <a:t>CardFactory</a:t>
+              </a:r>
+              <a:endParaRPr lang="ru-RU" sz="2000" dirty="0">
+                <a:latin typeface="Century Gothic" panose="020B0502020202020204" pitchFamily="34" charset="0"/>
+              </a:endParaRPr>
+            </a:p>
+          </p:txBody>
+        </p:sp>
+        <p:pic>
+          <p:nvPicPr>
+            <p:cNvPr id="8" name="Picture 7">
+              <a:extLst>
+                <a:ext uri="{FF2B5EF4-FFF2-40B4-BE49-F238E27FC236}">
+                  <a16:creationId xmlns:a16="http://schemas.microsoft.com/office/drawing/2014/main" id="{093C95EF-83CE-0DAD-3681-7C34EA3DFA56}"/>
+                </a:ext>
+              </a:extLst>
+            </p:cNvPr>
+            <p:cNvPicPr>
+              <a:picLocks noChangeAspect="1"/>
+            </p:cNvPicPr>
+            <p:nvPr/>
+          </p:nvPicPr>
+          <p:blipFill>
+            <a:blip r:embed="rId3">
+              <a:extLst>
+                <a:ext uri="{28A0092B-C50C-407E-A947-70E740481C1C}">
+                  <a14:useLocalDpi xmlns:a14="http://schemas.microsoft.com/office/drawing/2010/main" val="0"/>
+                </a:ext>
+              </a:extLst>
+            </a:blip>
+            <a:stretch>
+              <a:fillRect/>
+            </a:stretch>
+          </p:blipFill>
+          <p:spPr>
+            <a:xfrm>
+              <a:off x="992936" y="2995177"/>
+              <a:ext cx="1496533" cy="1562459"/>
+            </a:xfrm>
+            <a:prstGeom prst="rect">
+              <a:avLst/>
+            </a:prstGeom>
+          </p:spPr>
+        </p:pic>
+      </p:grpSp>
+      <p:grpSp>
+        <p:nvGrpSpPr>
+          <p:cNvPr id="11" name="Group 10"/>
+          <p:cNvGrpSpPr/>
+          <p:nvPr/>
+        </p:nvGrpSpPr>
+        <p:grpSpPr>
+          <a:xfrm>
+            <a:off x="8845842" y="2957974"/>
+            <a:ext cx="1959959" cy="1849381"/>
+            <a:chOff x="8567446" y="2815761"/>
+            <a:chExt cx="1959959" cy="1849381"/>
+          </a:xfrm>
+        </p:grpSpPr>
+        <p:pic>
+          <p:nvPicPr>
+            <p:cNvPr id="9" name="Picture 8">
+              <a:extLst>
+                <a:ext uri="{FF2B5EF4-FFF2-40B4-BE49-F238E27FC236}">
+                  <a16:creationId xmlns:a16="http://schemas.microsoft.com/office/drawing/2014/main" id="{9EE87BB1-2774-44E0-9E86-AF7136B2D810}"/>
+                </a:ext>
+              </a:extLst>
+            </p:cNvPr>
+            <p:cNvPicPr>
+              <a:picLocks noChangeAspect="1"/>
+            </p:cNvPicPr>
+            <p:nvPr/>
+          </p:nvPicPr>
+          <p:blipFill>
+            <a:blip r:embed="rId4">
+              <a:extLst>
+                <a:ext uri="{28A0092B-C50C-407E-A947-70E740481C1C}">
+                  <a14:useLocalDpi xmlns:a14="http://schemas.microsoft.com/office/drawing/2010/main" val="0"/>
+                </a:ext>
+              </a:extLst>
+            </a:blip>
+            <a:stretch>
+              <a:fillRect/>
+            </a:stretch>
+          </p:blipFill>
+          <p:spPr>
+            <a:xfrm>
+              <a:off x="8567446" y="2815761"/>
+              <a:ext cx="1959959" cy="1068152"/>
+            </a:xfrm>
+            <a:prstGeom prst="rect">
+              <a:avLst/>
+            </a:prstGeom>
+          </p:spPr>
+        </p:pic>
+        <p:sp>
+          <p:nvSpPr>
+            <p:cNvPr id="10" name="TextBox 9">
+              <a:extLst>
+                <a:ext uri="{FF2B5EF4-FFF2-40B4-BE49-F238E27FC236}">
+                  <a16:creationId xmlns:a16="http://schemas.microsoft.com/office/drawing/2014/main" id="{68C815F1-FBB0-AD9F-28E7-EBBFBCD17690}"/>
+                </a:ext>
+              </a:extLst>
+            </p:cNvPr>
+            <p:cNvSpPr txBox="1"/>
+            <p:nvPr/>
+          </p:nvSpPr>
+          <p:spPr>
+            <a:xfrm>
+              <a:off x="8654709" y="3957256"/>
+              <a:ext cx="1785431" cy="707886"/>
+            </a:xfrm>
+            <a:prstGeom prst="rect">
+              <a:avLst/>
+            </a:prstGeom>
+            <a:noFill/>
+          </p:spPr>
+          <p:txBody>
+            <a:bodyPr wrap="square" rtlCol="0">
+              <a:spAutoFit/>
+            </a:bodyPr>
+            <a:lstStyle/>
+            <a:p>
+              <a:pPr algn="ctr"/>
+              <a:r>
+                <a:rPr lang="ru-RU" sz="2000" dirty="0" smtClean="0">
+                  <a:latin typeface="Century Gothic" panose="020B0502020202020204" pitchFamily="34" charset="0"/>
+                </a:rPr>
+                <a:t>Эмбоссер </a:t>
+              </a:r>
+              <a:r>
+                <a:rPr lang="en-US" sz="2000" dirty="0" err="1" smtClean="0">
+                  <a:latin typeface="Century Gothic" panose="020B0502020202020204" pitchFamily="34" charset="0"/>
+                </a:rPr>
+                <a:t>SmartWare</a:t>
+              </a:r>
+              <a:endParaRPr lang="ru-RU" sz="2000" dirty="0">
+                <a:latin typeface="Century Gothic" panose="020B0502020202020204" pitchFamily="34" charset="0"/>
+              </a:endParaRPr>
+            </a:p>
+          </p:txBody>
+        </p:sp>
+      </p:grpSp>
+      <p:grpSp>
+        <p:nvGrpSpPr>
+          <p:cNvPr id="12" name="Group 11"/>
+          <p:cNvGrpSpPr/>
+          <p:nvPr/>
+        </p:nvGrpSpPr>
+        <p:grpSpPr>
+          <a:xfrm>
+            <a:off x="4763449" y="2445364"/>
+            <a:ext cx="2144831" cy="1931791"/>
+            <a:chOff x="9355402" y="2946927"/>
+            <a:chExt cx="2144831" cy="1931791"/>
+          </a:xfrm>
+        </p:grpSpPr>
+        <p:pic>
+          <p:nvPicPr>
+            <p:cNvPr id="13" name="Picture 12">
+              <a:extLst>
+                <a:ext uri="{FF2B5EF4-FFF2-40B4-BE49-F238E27FC236}">
+                  <a16:creationId xmlns:a16="http://schemas.microsoft.com/office/drawing/2014/main" id="{EA6BCD99-EF0F-BB81-6E5D-841B9F66F47F}"/>
+                </a:ext>
+              </a:extLst>
+            </p:cNvPr>
+            <p:cNvPicPr>
+              <a:picLocks noChangeAspect="1"/>
+            </p:cNvPicPr>
+            <p:nvPr/>
+          </p:nvPicPr>
+          <p:blipFill>
+            <a:blip r:embed="rId5">
+              <a:extLst>
+                <a:ext uri="{28A0092B-C50C-407E-A947-70E740481C1C}">
+                  <a14:useLocalDpi xmlns:a14="http://schemas.microsoft.com/office/drawing/2010/main" val="0"/>
+                </a:ext>
+              </a:extLst>
+            </a:blip>
+            <a:stretch>
+              <a:fillRect/>
+            </a:stretch>
+          </p:blipFill>
+          <p:spPr>
+            <a:xfrm>
+              <a:off x="9355402" y="2946927"/>
+              <a:ext cx="2144831" cy="1562459"/>
+            </a:xfrm>
+            <a:prstGeom prst="rect">
+              <a:avLst/>
+            </a:prstGeom>
+          </p:spPr>
+        </p:pic>
+        <p:sp>
+          <p:nvSpPr>
+            <p:cNvPr id="14" name="TextBox 13">
+              <a:extLst>
+                <a:ext uri="{FF2B5EF4-FFF2-40B4-BE49-F238E27FC236}">
+                  <a16:creationId xmlns:a16="http://schemas.microsoft.com/office/drawing/2014/main" id="{5DF8824C-45BD-E329-E70B-AF2E073C3BF6}"/>
+                </a:ext>
+              </a:extLst>
+            </p:cNvPr>
+            <p:cNvSpPr txBox="1"/>
+            <p:nvPr/>
+          </p:nvSpPr>
+          <p:spPr>
+            <a:xfrm>
+              <a:off x="9540257" y="4509386"/>
+              <a:ext cx="1775120" cy="369332"/>
+            </a:xfrm>
+            <a:prstGeom prst="rect">
+              <a:avLst/>
+            </a:prstGeom>
+            <a:noFill/>
+          </p:spPr>
+          <p:txBody>
+            <a:bodyPr wrap="square" rtlCol="0">
+              <a:spAutoFit/>
+            </a:bodyPr>
+            <a:lstStyle/>
+            <a:p>
+              <a:r>
+                <a:rPr lang="en-US" dirty="0" err="1">
+                  <a:latin typeface="Century Gothic" panose="020B0502020202020204" pitchFamily="34" charset="0"/>
+                </a:rPr>
+                <a:t>Maticard</a:t>
+              </a:r>
+              <a:r>
+                <a:rPr lang="en-US" dirty="0">
+                  <a:latin typeface="Century Gothic" panose="020B0502020202020204" pitchFamily="34" charset="0"/>
+                </a:rPr>
+                <a:t> PRO</a:t>
+              </a:r>
+            </a:p>
+          </p:txBody>
+        </p:sp>
+      </p:grpSp>
       <p:pic>
         <p:nvPicPr>
-          <p:cNvPr id="6" name="Рисунок 5"/>
+          <p:cNvPr id="15" name="Picture 14">
+            <a:extLst>
+              <a:ext uri="{FF2B5EF4-FFF2-40B4-BE49-F238E27FC236}">
+                <a16:creationId xmlns:a16="http://schemas.microsoft.com/office/drawing/2014/main" id="{6223D05A-6CC1-3BB0-56EC-E48ED1372BC1}"/>
+              </a:ext>
+            </a:extLst>
+          </p:cNvPr>
           <p:cNvPicPr>
             <a:picLocks noChangeAspect="1"/>
           </p:cNvPicPr>
           <p:nvPr/>
         </p:nvPicPr>
         <p:blipFill>
-          <a:blip r:embed="rId3"/>
+          <a:blip r:embed="rId6"/>
           <a:stretch>
             <a:fillRect/>
           </a:stretch>
         </p:blipFill>
         <p:spPr>
-          <a:xfrm>
-            <a:off x="3248167" y="60791"/>
-            <a:ext cx="5675868" cy="1012024"/>
+          <a:xfrm rot="10800000">
+            <a:off x="3051580" y="2997200"/>
+            <a:ext cx="1475297" cy="440190"/>
+          </a:xfrm>
+          <a:prstGeom prst="rect">
+            <a:avLst/>
+          </a:prstGeom>
+        </p:spPr>
+      </p:pic>
+      <p:pic>
+        <p:nvPicPr>
+          <p:cNvPr id="16" name="Picture 15">
+            <a:extLst>
+              <a:ext uri="{FF2B5EF4-FFF2-40B4-BE49-F238E27FC236}">
+                <a16:creationId xmlns:a16="http://schemas.microsoft.com/office/drawing/2014/main" id="{23FE7613-C3BD-ED6E-0B2C-B1B4C6E9DCA4}"/>
+              </a:ext>
+            </a:extLst>
+          </p:cNvPr>
+          <p:cNvPicPr>
+            <a:picLocks noChangeAspect="1"/>
+          </p:cNvPicPr>
+          <p:nvPr/>
+        </p:nvPicPr>
+        <p:blipFill>
+          <a:blip r:embed="rId6"/>
+          <a:stretch>
+            <a:fillRect/>
+          </a:stretch>
+        </p:blipFill>
+        <p:spPr>
+          <a:xfrm rot="10800000" flipH="1">
+            <a:off x="3062454" y="3442475"/>
+            <a:ext cx="1475297" cy="440190"/>
+          </a:xfrm>
+          <a:prstGeom prst="rect">
+            <a:avLst/>
+          </a:prstGeom>
+        </p:spPr>
+      </p:pic>
+      <p:pic>
+        <p:nvPicPr>
+          <p:cNvPr id="17" name="Picture 16">
+            <a:extLst>
+              <a:ext uri="{FF2B5EF4-FFF2-40B4-BE49-F238E27FC236}">
+                <a16:creationId xmlns:a16="http://schemas.microsoft.com/office/drawing/2014/main" id="{6223D05A-6CC1-3BB0-56EC-E48ED1372BC1}"/>
+              </a:ext>
+            </a:extLst>
+          </p:cNvPr>
+          <p:cNvPicPr>
+            <a:picLocks noChangeAspect="1"/>
+          </p:cNvPicPr>
+          <p:nvPr/>
+        </p:nvPicPr>
+        <p:blipFill>
+          <a:blip r:embed="rId6"/>
+          <a:stretch>
+            <a:fillRect/>
+          </a:stretch>
+        </p:blipFill>
+        <p:spPr>
+          <a:xfrm rot="10800000">
+            <a:off x="7133976" y="2997200"/>
+            <a:ext cx="1475297" cy="440190"/>
+          </a:xfrm>
+          <a:prstGeom prst="rect">
+            <a:avLst/>
+          </a:prstGeom>
+        </p:spPr>
+      </p:pic>
+      <p:pic>
+        <p:nvPicPr>
+          <p:cNvPr id="18" name="Picture 17">
+            <a:extLst>
+              <a:ext uri="{FF2B5EF4-FFF2-40B4-BE49-F238E27FC236}">
+                <a16:creationId xmlns:a16="http://schemas.microsoft.com/office/drawing/2014/main" id="{23FE7613-C3BD-ED6E-0B2C-B1B4C6E9DCA4}"/>
+              </a:ext>
+            </a:extLst>
+          </p:cNvPr>
+          <p:cNvPicPr>
+            <a:picLocks noChangeAspect="1"/>
+          </p:cNvPicPr>
+          <p:nvPr/>
+        </p:nvPicPr>
+        <p:blipFill>
+          <a:blip r:embed="rId6"/>
+          <a:stretch>
+            <a:fillRect/>
+          </a:stretch>
+        </p:blipFill>
+        <p:spPr>
+          <a:xfrm rot="10800000" flipH="1">
+            <a:off x="7144850" y="3442475"/>
+            <a:ext cx="1475297" cy="440190"/>
+          </a:xfrm>
+          <a:prstGeom prst="rect">
+            <a:avLst/>
+          </a:prstGeom>
+        </p:spPr>
+      </p:pic>
+      <p:pic>
+        <p:nvPicPr>
+          <p:cNvPr id="19" name="Picture 18">
+            <a:extLst>
+              <a:ext uri="{FF2B5EF4-FFF2-40B4-BE49-F238E27FC236}">
+                <a16:creationId xmlns:a16="http://schemas.microsoft.com/office/drawing/2014/main" id="{872B8CBA-1FE8-450E-1183-4DF1802B2AF2}"/>
+              </a:ext>
+            </a:extLst>
+          </p:cNvPr>
+          <p:cNvPicPr>
+            <a:picLocks noChangeAspect="1"/>
+          </p:cNvPicPr>
+          <p:nvPr/>
+        </p:nvPicPr>
+        <p:blipFill>
+          <a:blip r:embed="rId7">
+            <a:extLst>
+              <a:ext uri="{28A0092B-C50C-407E-A947-70E740481C1C}">
+                <a14:useLocalDpi xmlns:a14="http://schemas.microsoft.com/office/drawing/2010/main" val="0"/>
+              </a:ext>
+            </a:extLst>
+          </a:blip>
+          <a:stretch>
+            <a:fillRect/>
+          </a:stretch>
+        </p:blipFill>
+        <p:spPr>
+          <a:xfrm>
+            <a:off x="8920485" y="1120015"/>
+            <a:ext cx="1810669" cy="1085182"/>
+          </a:xfrm>
+          <a:prstGeom prst="rect">
+            <a:avLst/>
+          </a:prstGeom>
+        </p:spPr>
+      </p:pic>
+      <p:pic>
+        <p:nvPicPr>
+          <p:cNvPr id="20" name="Picture 19">
+            <a:extLst>
+              <a:ext uri="{FF2B5EF4-FFF2-40B4-BE49-F238E27FC236}">
+                <a16:creationId xmlns:a16="http://schemas.microsoft.com/office/drawing/2014/main" id="{6223D05A-6CC1-3BB0-56EC-E48ED1372BC1}"/>
+              </a:ext>
+            </a:extLst>
+          </p:cNvPr>
+          <p:cNvPicPr>
+            <a:picLocks noChangeAspect="1"/>
+          </p:cNvPicPr>
+          <p:nvPr/>
+        </p:nvPicPr>
+        <p:blipFill>
+          <a:blip r:embed="rId6"/>
+          <a:stretch>
+            <a:fillRect/>
+          </a:stretch>
+        </p:blipFill>
+        <p:spPr>
+          <a:xfrm rot="5400000">
+            <a:off x="9449618" y="2490841"/>
+            <a:ext cx="752404" cy="278702"/>
+          </a:xfrm>
+          <a:prstGeom prst="rect">
+            <a:avLst/>
+          </a:prstGeom>
+        </p:spPr>
+      </p:pic>
+      <p:pic>
+        <p:nvPicPr>
+          <p:cNvPr id="21" name="Picture 20">
+            <a:extLst>
+              <a:ext uri="{FF2B5EF4-FFF2-40B4-BE49-F238E27FC236}">
+                <a16:creationId xmlns:a16="http://schemas.microsoft.com/office/drawing/2014/main" id="{6223D05A-6CC1-3BB0-56EC-E48ED1372BC1}"/>
+              </a:ext>
+            </a:extLst>
+          </p:cNvPr>
+          <p:cNvPicPr>
+            <a:picLocks noChangeAspect="1"/>
+          </p:cNvPicPr>
+          <p:nvPr/>
+        </p:nvPicPr>
+        <p:blipFill>
+          <a:blip r:embed="rId6"/>
+          <a:stretch>
+            <a:fillRect/>
+          </a:stretch>
+        </p:blipFill>
+        <p:spPr>
+          <a:xfrm rot="9308927">
+            <a:off x="6798500" y="4505633"/>
+            <a:ext cx="1584729" cy="428898"/>
+          </a:xfrm>
+          <a:prstGeom prst="rect">
+            <a:avLst/>
+          </a:prstGeom>
+        </p:spPr>
+      </p:pic>
+      <p:grpSp>
+        <p:nvGrpSpPr>
+          <p:cNvPr id="24" name="Group 23"/>
+          <p:cNvGrpSpPr/>
+          <p:nvPr/>
+        </p:nvGrpSpPr>
+        <p:grpSpPr>
+          <a:xfrm>
+            <a:off x="4936870" y="4516335"/>
+            <a:ext cx="1785431" cy="2128878"/>
+            <a:chOff x="5808303" y="4460011"/>
+            <a:chExt cx="1785431" cy="2128878"/>
+          </a:xfrm>
+        </p:grpSpPr>
+        <p:pic>
+          <p:nvPicPr>
+            <p:cNvPr id="22" name="Picture 21">
+              <a:extLst>
+                <a:ext uri="{FF2B5EF4-FFF2-40B4-BE49-F238E27FC236}">
+                  <a16:creationId xmlns:a16="http://schemas.microsoft.com/office/drawing/2014/main" id="{723E8D1F-D839-4A4B-B861-F9F72C4136AF}"/>
+                </a:ext>
+              </a:extLst>
+            </p:cNvPr>
+            <p:cNvPicPr>
+              <a:picLocks noChangeAspect="1"/>
+            </p:cNvPicPr>
+            <p:nvPr/>
+          </p:nvPicPr>
+          <p:blipFill>
+            <a:blip r:embed="rId8" cstate="print">
+              <a:extLst>
+                <a:ext uri="{28A0092B-C50C-407E-A947-70E740481C1C}">
+                  <a14:useLocalDpi xmlns:a14="http://schemas.microsoft.com/office/drawing/2010/main" val="0"/>
+                </a:ext>
+              </a:extLst>
+            </a:blip>
+            <a:stretch>
+              <a:fillRect/>
+            </a:stretch>
+          </p:blipFill>
+          <p:spPr>
+            <a:xfrm>
+              <a:off x="6281979" y="4460011"/>
+              <a:ext cx="838080" cy="1667339"/>
+            </a:xfrm>
+            <a:prstGeom prst="rect">
+              <a:avLst/>
+            </a:prstGeom>
+          </p:spPr>
+        </p:pic>
+        <p:sp>
+          <p:nvSpPr>
+            <p:cNvPr id="23" name="TextBox 22">
+              <a:extLst>
+                <a:ext uri="{FF2B5EF4-FFF2-40B4-BE49-F238E27FC236}">
+                  <a16:creationId xmlns:a16="http://schemas.microsoft.com/office/drawing/2014/main" id="{68C815F1-FBB0-AD9F-28E7-EBBFBCD17690}"/>
+                </a:ext>
+              </a:extLst>
+            </p:cNvPr>
+            <p:cNvSpPr txBox="1"/>
+            <p:nvPr/>
+          </p:nvSpPr>
+          <p:spPr>
+            <a:xfrm>
+              <a:off x="5808303" y="6188779"/>
+              <a:ext cx="1785431" cy="400110"/>
+            </a:xfrm>
+            <a:prstGeom prst="rect">
+              <a:avLst/>
+            </a:prstGeom>
+            <a:noFill/>
+          </p:spPr>
+          <p:txBody>
+            <a:bodyPr wrap="square" rtlCol="0">
+              <a:spAutoFit/>
+            </a:bodyPr>
+            <a:lstStyle/>
+            <a:p>
+              <a:pPr algn="ctr"/>
+              <a:r>
+                <a:rPr lang="ru-RU" sz="2000" dirty="0" smtClean="0">
+                  <a:latin typeface="Century Gothic" panose="020B0502020202020204" pitchFamily="34" charset="0"/>
+                </a:rPr>
+                <a:t>Кардридер</a:t>
+              </a:r>
+              <a:endParaRPr lang="ru-RU" sz="2000" dirty="0">
+                <a:latin typeface="Century Gothic" panose="020B0502020202020204" pitchFamily="34" charset="0"/>
+              </a:endParaRPr>
+            </a:p>
+          </p:txBody>
+        </p:sp>
+      </p:grpSp>
+      <p:grpSp>
+        <p:nvGrpSpPr>
+          <p:cNvPr id="27" name="Group 26"/>
+          <p:cNvGrpSpPr/>
+          <p:nvPr/>
+        </p:nvGrpSpPr>
+        <p:grpSpPr>
+          <a:xfrm rot="1277470">
+            <a:off x="3208653" y="4635912"/>
+            <a:ext cx="1575686" cy="800421"/>
+            <a:chOff x="2071940" y="4941171"/>
+            <a:chExt cx="1486171" cy="885465"/>
+          </a:xfrm>
+        </p:grpSpPr>
+        <p:pic>
+          <p:nvPicPr>
+            <p:cNvPr id="25" name="Picture 24">
+              <a:extLst>
+                <a:ext uri="{FF2B5EF4-FFF2-40B4-BE49-F238E27FC236}">
+                  <a16:creationId xmlns:a16="http://schemas.microsoft.com/office/drawing/2014/main" id="{6223D05A-6CC1-3BB0-56EC-E48ED1372BC1}"/>
+                </a:ext>
+              </a:extLst>
+            </p:cNvPr>
+            <p:cNvPicPr>
+              <a:picLocks noChangeAspect="1"/>
+            </p:cNvPicPr>
+            <p:nvPr/>
+          </p:nvPicPr>
+          <p:blipFill>
+            <a:blip r:embed="rId6"/>
+            <a:stretch>
+              <a:fillRect/>
+            </a:stretch>
+          </p:blipFill>
+          <p:spPr>
+            <a:xfrm rot="10800000">
+              <a:off x="2071940" y="4941171"/>
+              <a:ext cx="1475297" cy="440190"/>
+            </a:xfrm>
+            <a:prstGeom prst="rect">
+              <a:avLst/>
+            </a:prstGeom>
+          </p:spPr>
+        </p:pic>
+        <p:pic>
+          <p:nvPicPr>
+            <p:cNvPr id="26" name="Picture 25">
+              <a:extLst>
+                <a:ext uri="{FF2B5EF4-FFF2-40B4-BE49-F238E27FC236}">
+                  <a16:creationId xmlns:a16="http://schemas.microsoft.com/office/drawing/2014/main" id="{23FE7613-C3BD-ED6E-0B2C-B1B4C6E9DCA4}"/>
+                </a:ext>
+              </a:extLst>
+            </p:cNvPr>
+            <p:cNvPicPr>
+              <a:picLocks noChangeAspect="1"/>
+            </p:cNvPicPr>
+            <p:nvPr/>
+          </p:nvPicPr>
+          <p:blipFill>
+            <a:blip r:embed="rId6"/>
+            <a:stretch>
+              <a:fillRect/>
+            </a:stretch>
+          </p:blipFill>
+          <p:spPr>
+            <a:xfrm rot="10800000" flipH="1">
+              <a:off x="2082814" y="5386446"/>
+              <a:ext cx="1475297" cy="440190"/>
+            </a:xfrm>
+            <a:prstGeom prst="rect">
+              <a:avLst/>
+            </a:prstGeom>
+          </p:spPr>
+        </p:pic>
+      </p:grpSp>
+      <p:pic>
+        <p:nvPicPr>
+          <p:cNvPr id="28" name="Picture 27">
+            <a:extLst>
+              <a:ext uri="{FF2B5EF4-FFF2-40B4-BE49-F238E27FC236}">
+                <a16:creationId xmlns:a16="http://schemas.microsoft.com/office/drawing/2014/main" id="{6223D05A-6CC1-3BB0-56EC-E48ED1372BC1}"/>
+              </a:ext>
+            </a:extLst>
+          </p:cNvPr>
+          <p:cNvPicPr>
+            <a:picLocks noChangeAspect="1"/>
+          </p:cNvPicPr>
+          <p:nvPr/>
+        </p:nvPicPr>
+        <p:blipFill>
+          <a:blip r:embed="rId6"/>
+          <a:stretch>
+            <a:fillRect/>
+          </a:stretch>
+        </p:blipFill>
+        <p:spPr>
+          <a:xfrm>
+            <a:off x="6815254" y="5353805"/>
+            <a:ext cx="1584729" cy="428898"/>
+          </a:xfrm>
+          <a:prstGeom prst="rect">
+            <a:avLst/>
+          </a:prstGeom>
+        </p:spPr>
+      </p:pic>
+      <p:pic>
+        <p:nvPicPr>
+          <p:cNvPr id="29" name="Picture 28">
+            <a:extLst>
+              <a:ext uri="{FF2B5EF4-FFF2-40B4-BE49-F238E27FC236}">
+                <a16:creationId xmlns:a16="http://schemas.microsoft.com/office/drawing/2014/main" id="{59133C89-31B9-47E1-A76D-E40CE3A781D3}"/>
+              </a:ext>
+            </a:extLst>
+          </p:cNvPr>
+          <p:cNvPicPr>
+            <a:picLocks noChangeAspect="1"/>
+          </p:cNvPicPr>
+          <p:nvPr/>
+        </p:nvPicPr>
+        <p:blipFill>
+          <a:blip r:embed="rId9">
+            <a:extLst>
+              <a:ext uri="{28A0092B-C50C-407E-A947-70E740481C1C}">
+                <a14:useLocalDpi xmlns:a14="http://schemas.microsoft.com/office/drawing/2010/main" val="0"/>
+              </a:ext>
+            </a:extLst>
+          </a:blip>
+          <a:stretch>
+            <a:fillRect/>
+          </a:stretch>
+        </p:blipFill>
+        <p:spPr>
+          <a:xfrm>
+            <a:off x="8620147" y="5247676"/>
+            <a:ext cx="2206943" cy="865707"/>
           </a:xfrm>
           <a:prstGeom prst="rect">
             <a:avLst/>
@@ -4621,13 +5513,358 @@
     </p:spTree>
     <p:extLst>
       <p:ext uri="{BB962C8B-B14F-4D97-AF65-F5344CB8AC3E}">
-        <p14:creationId xmlns:p14="http://schemas.microsoft.com/office/powerpoint/2010/main" val="1207261339"/>
+        <p14:creationId xmlns:p14="http://schemas.microsoft.com/office/powerpoint/2010/main" val="349422171"/>
       </p:ext>
     </p:extLst>
   </p:cSld>
   <p:clrMapOvr>
     <a:masterClrMapping/>
   </p:clrMapOvr>
+  <p:timing>
+    <p:tnLst>
+      <p:par>
+        <p:cTn id="1" dur="indefinite" restart="never" nodeType="tmRoot">
+          <p:childTnLst>
+            <p:seq concurrent="1" nextAc="seek">
+              <p:cTn id="2" dur="indefinite" nodeType="mainSeq">
+                <p:childTnLst>
+                  <p:par>
+                    <p:cTn id="3" fill="hold">
+                      <p:stCondLst>
+                        <p:cond delay="indefinite"/>
+                      </p:stCondLst>
+                      <p:childTnLst>
+                        <p:par>
+                          <p:cTn id="4" fill="hold">
+                            <p:stCondLst>
+                              <p:cond delay="0"/>
+                            </p:stCondLst>
+                            <p:childTnLst>
+                              <p:par>
+                                <p:cTn id="5" presetID="1" presetClass="entr" presetSubtype="0" fill="hold" nodeType="clickEffect">
+                                  <p:stCondLst>
+                                    <p:cond delay="0"/>
+                                  </p:stCondLst>
+                                  <p:childTnLst>
+                                    <p:set>
+                                      <p:cBhvr>
+                                        <p:cTn id="6" dur="1" fill="hold">
+                                          <p:stCondLst>
+                                            <p:cond delay="0"/>
+                                          </p:stCondLst>
+                                        </p:cTn>
+                                        <p:tgtEl>
+                                          <p:spTgt spid="15"/>
+                                        </p:tgtEl>
+                                        <p:attrNameLst>
+                                          <p:attrName>style.visibility</p:attrName>
+                                        </p:attrNameLst>
+                                      </p:cBhvr>
+                                      <p:to>
+                                        <p:strVal val="visible"/>
+                                      </p:to>
+                                    </p:set>
+                                  </p:childTnLst>
+                                </p:cTn>
+                              </p:par>
+                            </p:childTnLst>
+                          </p:cTn>
+                        </p:par>
+                      </p:childTnLst>
+                    </p:cTn>
+                  </p:par>
+                  <p:par>
+                    <p:cTn id="7" fill="hold">
+                      <p:stCondLst>
+                        <p:cond delay="indefinite"/>
+                      </p:stCondLst>
+                      <p:childTnLst>
+                        <p:par>
+                          <p:cTn id="8" fill="hold">
+                            <p:stCondLst>
+                              <p:cond delay="0"/>
+                            </p:stCondLst>
+                            <p:childTnLst>
+                              <p:par>
+                                <p:cTn id="9" presetID="1" presetClass="entr" presetSubtype="0" fill="hold" nodeType="clickEffect">
+                                  <p:stCondLst>
+                                    <p:cond delay="0"/>
+                                  </p:stCondLst>
+                                  <p:childTnLst>
+                                    <p:set>
+                                      <p:cBhvr>
+                                        <p:cTn id="10" dur="1" fill="hold">
+                                          <p:stCondLst>
+                                            <p:cond delay="0"/>
+                                          </p:stCondLst>
+                                        </p:cTn>
+                                        <p:tgtEl>
+                                          <p:spTgt spid="16"/>
+                                        </p:tgtEl>
+                                        <p:attrNameLst>
+                                          <p:attrName>style.visibility</p:attrName>
+                                        </p:attrNameLst>
+                                      </p:cBhvr>
+                                      <p:to>
+                                        <p:strVal val="visible"/>
+                                      </p:to>
+                                    </p:set>
+                                  </p:childTnLst>
+                                </p:cTn>
+                              </p:par>
+                            </p:childTnLst>
+                          </p:cTn>
+                        </p:par>
+                      </p:childTnLst>
+                    </p:cTn>
+                  </p:par>
+                  <p:par>
+                    <p:cTn id="11" fill="hold">
+                      <p:stCondLst>
+                        <p:cond delay="indefinite"/>
+                      </p:stCondLst>
+                      <p:childTnLst>
+                        <p:par>
+                          <p:cTn id="12" fill="hold">
+                            <p:stCondLst>
+                              <p:cond delay="0"/>
+                            </p:stCondLst>
+                            <p:childTnLst>
+                              <p:par>
+                                <p:cTn id="13" presetID="1" presetClass="entr" presetSubtype="0" fill="hold" nodeType="clickEffect">
+                                  <p:stCondLst>
+                                    <p:cond delay="0"/>
+                                  </p:stCondLst>
+                                  <p:childTnLst>
+                                    <p:set>
+                                      <p:cBhvr>
+                                        <p:cTn id="14" dur="1" fill="hold">
+                                          <p:stCondLst>
+                                            <p:cond delay="0"/>
+                                          </p:stCondLst>
+                                        </p:cTn>
+                                        <p:tgtEl>
+                                          <p:spTgt spid="17"/>
+                                        </p:tgtEl>
+                                        <p:attrNameLst>
+                                          <p:attrName>style.visibility</p:attrName>
+                                        </p:attrNameLst>
+                                      </p:cBhvr>
+                                      <p:to>
+                                        <p:strVal val="visible"/>
+                                      </p:to>
+                                    </p:set>
+                                  </p:childTnLst>
+                                </p:cTn>
+                              </p:par>
+                            </p:childTnLst>
+                          </p:cTn>
+                        </p:par>
+                      </p:childTnLst>
+                    </p:cTn>
+                  </p:par>
+                  <p:par>
+                    <p:cTn id="15" fill="hold">
+                      <p:stCondLst>
+                        <p:cond delay="indefinite"/>
+                      </p:stCondLst>
+                      <p:childTnLst>
+                        <p:par>
+                          <p:cTn id="16" fill="hold">
+                            <p:stCondLst>
+                              <p:cond delay="0"/>
+                            </p:stCondLst>
+                            <p:childTnLst>
+                              <p:par>
+                                <p:cTn id="17" presetID="1" presetClass="entr" presetSubtype="0" fill="hold" nodeType="clickEffect">
+                                  <p:stCondLst>
+                                    <p:cond delay="0"/>
+                                  </p:stCondLst>
+                                  <p:childTnLst>
+                                    <p:set>
+                                      <p:cBhvr>
+                                        <p:cTn id="18" dur="1" fill="hold">
+                                          <p:stCondLst>
+                                            <p:cond delay="0"/>
+                                          </p:stCondLst>
+                                        </p:cTn>
+                                        <p:tgtEl>
+                                          <p:spTgt spid="18"/>
+                                        </p:tgtEl>
+                                        <p:attrNameLst>
+                                          <p:attrName>style.visibility</p:attrName>
+                                        </p:attrNameLst>
+                                      </p:cBhvr>
+                                      <p:to>
+                                        <p:strVal val="visible"/>
+                                      </p:to>
+                                    </p:set>
+                                  </p:childTnLst>
+                                </p:cTn>
+                              </p:par>
+                            </p:childTnLst>
+                          </p:cTn>
+                        </p:par>
+                      </p:childTnLst>
+                    </p:cTn>
+                  </p:par>
+                  <p:par>
+                    <p:cTn id="19" fill="hold">
+                      <p:stCondLst>
+                        <p:cond delay="indefinite"/>
+                      </p:stCondLst>
+                      <p:childTnLst>
+                        <p:par>
+                          <p:cTn id="20" fill="hold">
+                            <p:stCondLst>
+                              <p:cond delay="0"/>
+                            </p:stCondLst>
+                            <p:childTnLst>
+                              <p:par>
+                                <p:cTn id="21" presetID="1" presetClass="entr" presetSubtype="0" fill="hold" nodeType="clickEffect">
+                                  <p:stCondLst>
+                                    <p:cond delay="0"/>
+                                  </p:stCondLst>
+                                  <p:childTnLst>
+                                    <p:set>
+                                      <p:cBhvr>
+                                        <p:cTn id="22" dur="1" fill="hold">
+                                          <p:stCondLst>
+                                            <p:cond delay="0"/>
+                                          </p:stCondLst>
+                                        </p:cTn>
+                                        <p:tgtEl>
+                                          <p:spTgt spid="20"/>
+                                        </p:tgtEl>
+                                        <p:attrNameLst>
+                                          <p:attrName>style.visibility</p:attrName>
+                                        </p:attrNameLst>
+                                      </p:cBhvr>
+                                      <p:to>
+                                        <p:strVal val="visible"/>
+                                      </p:to>
+                                    </p:set>
+                                  </p:childTnLst>
+                                </p:cTn>
+                              </p:par>
+                            </p:childTnLst>
+                          </p:cTn>
+                        </p:par>
+                      </p:childTnLst>
+                    </p:cTn>
+                  </p:par>
+                  <p:par>
+                    <p:cTn id="23" fill="hold">
+                      <p:stCondLst>
+                        <p:cond delay="indefinite"/>
+                      </p:stCondLst>
+                      <p:childTnLst>
+                        <p:par>
+                          <p:cTn id="24" fill="hold">
+                            <p:stCondLst>
+                              <p:cond delay="0"/>
+                            </p:stCondLst>
+                            <p:childTnLst>
+                              <p:par>
+                                <p:cTn id="25" presetID="1" presetClass="entr" presetSubtype="0" fill="hold" nodeType="clickEffect">
+                                  <p:stCondLst>
+                                    <p:cond delay="0"/>
+                                  </p:stCondLst>
+                                  <p:childTnLst>
+                                    <p:set>
+                                      <p:cBhvr>
+                                        <p:cTn id="26" dur="1" fill="hold">
+                                          <p:stCondLst>
+                                            <p:cond delay="0"/>
+                                          </p:stCondLst>
+                                        </p:cTn>
+                                        <p:tgtEl>
+                                          <p:spTgt spid="21"/>
+                                        </p:tgtEl>
+                                        <p:attrNameLst>
+                                          <p:attrName>style.visibility</p:attrName>
+                                        </p:attrNameLst>
+                                      </p:cBhvr>
+                                      <p:to>
+                                        <p:strVal val="visible"/>
+                                      </p:to>
+                                    </p:set>
+                                  </p:childTnLst>
+                                </p:cTn>
+                              </p:par>
+                            </p:childTnLst>
+                          </p:cTn>
+                        </p:par>
+                      </p:childTnLst>
+                    </p:cTn>
+                  </p:par>
+                  <p:par>
+                    <p:cTn id="27" fill="hold">
+                      <p:stCondLst>
+                        <p:cond delay="indefinite"/>
+                      </p:stCondLst>
+                      <p:childTnLst>
+                        <p:par>
+                          <p:cTn id="28" fill="hold">
+                            <p:stCondLst>
+                              <p:cond delay="0"/>
+                            </p:stCondLst>
+                            <p:childTnLst>
+                              <p:par>
+                                <p:cTn id="29" presetID="1" presetClass="entr" presetSubtype="0" fill="hold" nodeType="clickEffect">
+                                  <p:stCondLst>
+                                    <p:cond delay="0"/>
+                                  </p:stCondLst>
+                                  <p:childTnLst>
+                                    <p:set>
+                                      <p:cBhvr>
+                                        <p:cTn id="30" dur="1" fill="hold">
+                                          <p:stCondLst>
+                                            <p:cond delay="0"/>
+                                          </p:stCondLst>
+                                        </p:cTn>
+                                        <p:tgtEl>
+                                          <p:spTgt spid="28"/>
+                                        </p:tgtEl>
+                                        <p:attrNameLst>
+                                          <p:attrName>style.visibility</p:attrName>
+                                        </p:attrNameLst>
+                                      </p:cBhvr>
+                                      <p:to>
+                                        <p:strVal val="visible"/>
+                                      </p:to>
+                                    </p:set>
+                                  </p:childTnLst>
+                                </p:cTn>
+                              </p:par>
+                            </p:childTnLst>
+                          </p:cTn>
+                        </p:par>
+                      </p:childTnLst>
+                    </p:cTn>
+                  </p:par>
+                </p:childTnLst>
+              </p:cTn>
+              <p:prevCondLst>
+                <p:cond evt="onPrev" delay="0">
+                  <p:tgtEl>
+                    <p:sldTgt/>
+                  </p:tgtEl>
+                </p:cond>
+              </p:prevCondLst>
+              <p:nextCondLst>
+                <p:cond evt="onNext" delay="0">
+                  <p:tgtEl>
+                    <p:sldTgt/>
+                  </p:tgtEl>
+                </p:cond>
+              </p:nextCondLst>
+            </p:seq>
+          </p:childTnLst>
+        </p:cTn>
+      </p:par>
+    </p:tnLst>
+  </p:timing>
 </p:sld>
 </file>
 
@@ -4704,13 +5941,285 @@
       </p:pic>
       <p:sp>
         <p:nvSpPr>
+          <p:cNvPr id="4" name="Прямоугольник 3"/>
+          <p:cNvSpPr/>
+          <p:nvPr/>
+        </p:nvSpPr>
+        <p:spPr>
+          <a:xfrm>
+            <a:off x="668737" y="1544287"/>
+            <a:ext cx="10849972" cy="4745915"/>
+          </a:xfrm>
+          <a:prstGeom prst="rect">
+            <a:avLst/>
+          </a:prstGeom>
+        </p:spPr>
+        <p:txBody>
+          <a:bodyPr wrap="square">
+            <a:spAutoFit/>
+          </a:bodyPr>
+          <a:lstStyle/>
+          <a:p>
+            <a:pPr algn="ctr">
+              <a:lnSpc>
+                <a:spcPct val="120000"/>
+              </a:lnSpc>
+              <a:defRPr/>
+            </a:pPr>
+            <a:r>
+              <a:rPr lang="ru-RU" altLang="ru-RU" sz="2400" b="1" dirty="0">
+                <a:latin typeface="Century Gothic" panose="020B0502020202020204" pitchFamily="34" charset="0"/>
+                <a:ea typeface="Calibri" panose="020F0502020204030204" pitchFamily="34" charset="0"/>
+                <a:cs typeface="Times New Roman" panose="02020603050405020304" pitchFamily="18" charset="0"/>
+              </a:rPr>
+              <a:t>Объект</a:t>
+            </a:r>
+            <a:r>
+              <a:rPr lang="ru-RU" altLang="ru-RU" sz="2000" b="1" dirty="0">
+                <a:latin typeface="Century Gothic" panose="020B0502020202020204" pitchFamily="34" charset="0"/>
+                <a:ea typeface="Calibri" panose="020F0502020204030204" pitchFamily="34" charset="0"/>
+                <a:cs typeface="Times New Roman" panose="02020603050405020304" pitchFamily="18" charset="0"/>
+              </a:rPr>
+              <a:t>:</a:t>
+            </a:r>
+          </a:p>
+          <a:p>
+            <a:pPr algn="just">
+              <a:lnSpc>
+                <a:spcPct val="120000"/>
+              </a:lnSpc>
+              <a:defRPr/>
+            </a:pPr>
+            <a:r>
+              <a:rPr lang="ru-RU" altLang="ru-RU" sz="2000" dirty="0">
+                <a:latin typeface="Century Gothic" panose="020B0502020202020204" pitchFamily="34" charset="0"/>
+                <a:ea typeface="Calibri" panose="020F0502020204030204" pitchFamily="34" charset="0"/>
+                <a:cs typeface="Times New Roman" panose="02020603050405020304" pitchFamily="18" charset="0"/>
+              </a:rPr>
+              <a:t>Процесс записи информации о клиенте банка на чип пластиковой карты через кардридерный модуль эмбоссера </a:t>
+            </a:r>
+            <a:r>
+              <a:rPr lang="en-US" altLang="ru-RU" sz="2000" dirty="0">
+                <a:latin typeface="Century Gothic" panose="020B0502020202020204" pitchFamily="34" charset="0"/>
+                <a:ea typeface="Calibri" panose="020F0502020204030204" pitchFamily="34" charset="0"/>
+                <a:cs typeface="Times New Roman" panose="02020603050405020304" pitchFamily="18" charset="0"/>
+              </a:rPr>
+              <a:t>MATICA.</a:t>
+            </a:r>
+            <a:r>
+              <a:rPr lang="ru-RU" altLang="ru-RU" sz="2000" dirty="0">
+                <a:latin typeface="Century Gothic" panose="020B0502020202020204" pitchFamily="34" charset="0"/>
+                <a:ea typeface="Calibri" panose="020F0502020204030204" pitchFamily="34" charset="0"/>
+                <a:cs typeface="Times New Roman" panose="02020603050405020304" pitchFamily="18" charset="0"/>
+              </a:rPr>
+              <a:t> </a:t>
+            </a:r>
+            <a:endParaRPr lang="en-US" altLang="ru-RU" sz="2000" dirty="0">
+              <a:latin typeface="Century Gothic" panose="020B0502020202020204" pitchFamily="34" charset="0"/>
+              <a:ea typeface="Calibri" panose="020F0502020204030204" pitchFamily="34" charset="0"/>
+              <a:cs typeface="Times New Roman" panose="02020603050405020304" pitchFamily="18" charset="0"/>
+            </a:endParaRPr>
+          </a:p>
+          <a:p>
+            <a:pPr algn="ctr">
+              <a:lnSpc>
+                <a:spcPct val="120000"/>
+              </a:lnSpc>
+              <a:defRPr/>
+            </a:pPr>
+            <a:r>
+              <a:rPr lang="ru-RU" altLang="ru-RU" sz="2400" b="1" dirty="0">
+                <a:latin typeface="Century Gothic" panose="020B0502020202020204" pitchFamily="34" charset="0"/>
+                <a:ea typeface="Calibri" panose="020F0502020204030204" pitchFamily="34" charset="0"/>
+                <a:cs typeface="Times New Roman" panose="02020603050405020304" pitchFamily="18" charset="0"/>
+              </a:rPr>
+              <a:t>Предмет:</a:t>
+            </a:r>
+          </a:p>
+          <a:p>
+            <a:pPr algn="just">
+              <a:lnSpc>
+                <a:spcPct val="120000"/>
+              </a:lnSpc>
+              <a:defRPr/>
+            </a:pPr>
+            <a:r>
+              <a:rPr lang="ru-RU" altLang="ru-RU" sz="2000" dirty="0">
+                <a:latin typeface="Century Gothic" panose="020B0502020202020204" pitchFamily="34" charset="0"/>
+                <a:ea typeface="Calibri" panose="020F0502020204030204" pitchFamily="34" charset="0"/>
+                <a:cs typeface="Times New Roman" panose="02020603050405020304" pitchFamily="18" charset="0"/>
+              </a:rPr>
+              <a:t>Информационное и программное обеспечение для настройки и хранения карточных продуктов и обработки банковских карт средствами эмбоссеров и </a:t>
+            </a:r>
+            <a:r>
+              <a:rPr lang="ru-RU" altLang="ru-RU" sz="2000" dirty="0" smtClean="0">
+                <a:latin typeface="Century Gothic" panose="020B0502020202020204" pitchFamily="34" charset="0"/>
+                <a:ea typeface="Calibri" panose="020F0502020204030204" pitchFamily="34" charset="0"/>
+                <a:cs typeface="Times New Roman" panose="02020603050405020304" pitchFamily="18" charset="0"/>
+              </a:rPr>
+              <a:t>кардридеров и средства аппаратного и программного взаимодействия с кардридерным модулем эмбоссера </a:t>
+            </a:r>
+            <a:r>
+              <a:rPr lang="en-US" altLang="ru-RU" sz="2000" dirty="0" smtClean="0">
+                <a:latin typeface="Century Gothic" panose="020B0502020202020204" pitchFamily="34" charset="0"/>
+                <a:ea typeface="Calibri" panose="020F0502020204030204" pitchFamily="34" charset="0"/>
+                <a:cs typeface="Times New Roman" panose="02020603050405020304" pitchFamily="18" charset="0"/>
+              </a:rPr>
+              <a:t>MATICA</a:t>
+            </a:r>
+            <a:r>
+              <a:rPr lang="ru-RU" altLang="ru-RU" sz="2000" dirty="0" smtClean="0">
+                <a:latin typeface="Century Gothic" panose="020B0502020202020204" pitchFamily="34" charset="0"/>
+                <a:ea typeface="Calibri" panose="020F0502020204030204" pitchFamily="34" charset="0"/>
+                <a:cs typeface="Times New Roman" panose="02020603050405020304" pitchFamily="18" charset="0"/>
+              </a:rPr>
+              <a:t>. </a:t>
+            </a:r>
+          </a:p>
+          <a:p>
+            <a:pPr algn="ctr">
+              <a:lnSpc>
+                <a:spcPct val="120000"/>
+              </a:lnSpc>
+              <a:defRPr/>
+            </a:pPr>
+            <a:r>
+              <a:rPr lang="ru-RU" altLang="ru-RU" sz="2400" b="1" dirty="0" smtClean="0">
+                <a:latin typeface="Century Gothic" panose="020B0502020202020204" pitchFamily="34" charset="0"/>
+                <a:ea typeface="Calibri" panose="020F0502020204030204" pitchFamily="34" charset="0"/>
+                <a:cs typeface="Times New Roman" panose="02020603050405020304" pitchFamily="18" charset="0"/>
+              </a:rPr>
+              <a:t>Цель</a:t>
+            </a:r>
+            <a:r>
+              <a:rPr lang="ru-RU" altLang="ru-RU" sz="2400" b="1" dirty="0">
+                <a:latin typeface="Century Gothic" panose="020B0502020202020204" pitchFamily="34" charset="0"/>
+                <a:ea typeface="Calibri" panose="020F0502020204030204" pitchFamily="34" charset="0"/>
+                <a:cs typeface="Times New Roman" panose="02020603050405020304" pitchFamily="18" charset="0"/>
+              </a:rPr>
+              <a:t>: </a:t>
+            </a:r>
+          </a:p>
+          <a:p>
+            <a:pPr algn="just">
+              <a:lnSpc>
+                <a:spcPct val="120000"/>
+              </a:lnSpc>
+              <a:defRPr/>
+            </a:pPr>
+            <a:r>
+              <a:rPr lang="ru-RU" altLang="ru-RU" sz="2000" dirty="0" smtClean="0">
+                <a:latin typeface="Century Gothic" panose="020B0502020202020204" pitchFamily="34" charset="0"/>
+                <a:ea typeface="Calibri" panose="020F0502020204030204" pitchFamily="34" charset="0"/>
+                <a:cs typeface="Times New Roman" panose="02020603050405020304" pitchFamily="18" charset="0"/>
+              </a:rPr>
+              <a:t>Автоматизация работы </a:t>
+            </a:r>
+            <a:r>
+              <a:rPr lang="ru-RU" altLang="ru-RU" sz="2000" dirty="0" smtClean="0">
+                <a:latin typeface="Century Gothic" panose="020B0502020202020204" pitchFamily="34" charset="0"/>
+                <a:ea typeface="Calibri" panose="020F0502020204030204" pitchFamily="34" charset="0"/>
+                <a:cs typeface="Times New Roman" panose="02020603050405020304" pitchFamily="18" charset="0"/>
+              </a:rPr>
+              <a:t>программного </a:t>
+            </a:r>
+            <a:r>
+              <a:rPr lang="ru-RU" altLang="ru-RU" sz="2000" dirty="0">
+                <a:latin typeface="Century Gothic" panose="020B0502020202020204" pitchFamily="34" charset="0"/>
+                <a:ea typeface="Calibri" panose="020F0502020204030204" pitchFamily="34" charset="0"/>
+                <a:cs typeface="Times New Roman" panose="02020603050405020304" pitchFamily="18" charset="0"/>
+              </a:rPr>
+              <a:t>продукта </a:t>
+            </a:r>
+            <a:r>
+              <a:rPr lang="en-US" altLang="ru-RU" sz="2000" dirty="0" err="1">
+                <a:latin typeface="Century Gothic" panose="020B0502020202020204" pitchFamily="34" charset="0"/>
+                <a:ea typeface="Calibri" panose="020F0502020204030204" pitchFamily="34" charset="0"/>
+                <a:cs typeface="Times New Roman" panose="02020603050405020304" pitchFamily="18" charset="0"/>
+              </a:rPr>
+              <a:t>TranzWare</a:t>
+            </a:r>
+            <a:r>
+              <a:rPr lang="en-US" altLang="ru-RU" sz="2000" dirty="0">
+                <a:latin typeface="Century Gothic" panose="020B0502020202020204" pitchFamily="34" charset="0"/>
+                <a:ea typeface="Calibri" panose="020F0502020204030204" pitchFamily="34" charset="0"/>
+                <a:cs typeface="Times New Roman" panose="02020603050405020304" pitchFamily="18" charset="0"/>
+              </a:rPr>
+              <a:t> </a:t>
+            </a:r>
+            <a:r>
+              <a:rPr lang="en-US" altLang="ru-RU" sz="2000" dirty="0" err="1">
+                <a:latin typeface="Century Gothic" panose="020B0502020202020204" pitchFamily="34" charset="0"/>
+                <a:ea typeface="Calibri" panose="020F0502020204030204" pitchFamily="34" charset="0"/>
+                <a:cs typeface="Times New Roman" panose="02020603050405020304" pitchFamily="18" charset="0"/>
+              </a:rPr>
+              <a:t>CardFactory</a:t>
+            </a:r>
+            <a:r>
+              <a:rPr lang="ru-RU" altLang="ru-RU" sz="2000" dirty="0">
+                <a:latin typeface="Century Gothic" panose="020B0502020202020204" pitchFamily="34" charset="0"/>
+                <a:ea typeface="Calibri" panose="020F0502020204030204" pitchFamily="34" charset="0"/>
+                <a:cs typeface="Times New Roman" panose="02020603050405020304" pitchFamily="18" charset="0"/>
+              </a:rPr>
+              <a:t> </a:t>
+            </a:r>
+            <a:r>
+              <a:rPr lang="ru-RU" altLang="ru-RU" sz="2000" dirty="0" smtClean="0">
+                <a:latin typeface="Century Gothic" panose="020B0502020202020204" pitchFamily="34" charset="0"/>
+                <a:ea typeface="Calibri" panose="020F0502020204030204" pitchFamily="34" charset="0"/>
+                <a:cs typeface="Times New Roman" panose="02020603050405020304" pitchFamily="18" charset="0"/>
+              </a:rPr>
+              <a:t>с кардридерным модулем эмбоссера </a:t>
+            </a:r>
+            <a:r>
+              <a:rPr lang="en-US" altLang="ru-RU" sz="2000" dirty="0" smtClean="0">
+                <a:latin typeface="Century Gothic" panose="020B0502020202020204" pitchFamily="34" charset="0"/>
+                <a:ea typeface="Calibri" panose="020F0502020204030204" pitchFamily="34" charset="0"/>
+                <a:cs typeface="Times New Roman" panose="02020603050405020304" pitchFamily="18" charset="0"/>
+              </a:rPr>
+              <a:t>MATICA </a:t>
+            </a:r>
+            <a:r>
+              <a:rPr lang="ru-RU" altLang="ru-RU" sz="2000" dirty="0" smtClean="0">
+                <a:latin typeface="Century Gothic" panose="020B0502020202020204" pitchFamily="34" charset="0"/>
+                <a:ea typeface="Calibri" panose="020F0502020204030204" pitchFamily="34" charset="0"/>
+                <a:cs typeface="Times New Roman" panose="02020603050405020304" pitchFamily="18" charset="0"/>
+              </a:rPr>
+              <a:t>для осуществления </a:t>
+            </a:r>
+            <a:r>
+              <a:rPr lang="ru-RU" altLang="ru-RU" sz="2000" dirty="0">
+                <a:latin typeface="Century Gothic" panose="020B0502020202020204" pitchFamily="34" charset="0"/>
+                <a:ea typeface="Calibri" panose="020F0502020204030204" pitchFamily="34" charset="0"/>
+                <a:cs typeface="Times New Roman" panose="02020603050405020304" pitchFamily="18" charset="0"/>
+              </a:rPr>
+              <a:t>записи информации о клиенте банка на чип пластиковой </a:t>
+            </a:r>
+            <a:r>
+              <a:rPr lang="ru-RU" altLang="ru-RU" sz="2000" dirty="0" smtClean="0">
+                <a:latin typeface="Century Gothic" panose="020B0502020202020204" pitchFamily="34" charset="0"/>
+                <a:ea typeface="Calibri" panose="020F0502020204030204" pitchFamily="34" charset="0"/>
+                <a:cs typeface="Times New Roman" panose="02020603050405020304" pitchFamily="18" charset="0"/>
+              </a:rPr>
+              <a:t>карты.</a:t>
+            </a:r>
+            <a:endParaRPr lang="ru-RU" altLang="ru-RU" sz="2000" dirty="0">
+              <a:latin typeface="Century Gothic" panose="020B0502020202020204" pitchFamily="34" charset="0"/>
+              <a:ea typeface="Calibri" panose="020F0502020204030204" pitchFamily="34" charset="0"/>
+              <a:cs typeface="Times New Roman" panose="02020603050405020304" pitchFamily="18" charset="0"/>
+            </a:endParaRPr>
+          </a:p>
+        </p:txBody>
+      </p:sp>
+      <p:sp>
+        <p:nvSpPr>
           <p:cNvPr id="5" name="TextBox 4"/>
           <p:cNvSpPr txBox="1"/>
           <p:nvPr/>
         </p:nvSpPr>
         <p:spPr>
           <a:xfrm>
-            <a:off x="1351128" y="614149"/>
+            <a:off x="3370997" y="532263"/>
             <a:ext cx="184731" cy="369332"/>
           </a:xfrm>
           <a:prstGeom prst="rect">
@@ -4728,255 +6237,34 @@
           </a:p>
         </p:txBody>
       </p:sp>
-      <p:sp>
-        <p:nvSpPr>
-          <p:cNvPr id="7" name="TextBox 6"/>
-          <p:cNvSpPr txBox="1"/>
-          <p:nvPr/>
-        </p:nvSpPr>
-        <p:spPr>
-          <a:xfrm>
-            <a:off x="1556937" y="90929"/>
-            <a:ext cx="9078126" cy="707886"/>
-          </a:xfrm>
-          <a:prstGeom prst="rect">
-            <a:avLst/>
-          </a:prstGeom>
-          <a:noFill/>
-        </p:spPr>
-        <p:txBody>
-          <a:bodyPr wrap="none" rtlCol="0">
-            <a:spAutoFit/>
-          </a:bodyPr>
-          <a:lstStyle/>
-          <a:p>
-            <a:r>
-              <a:rPr lang="ru-RU" sz="3600" dirty="0">
-                <a:solidFill>
-                  <a:schemeClr val="bg1">
-                    <a:lumMod val="95000"/>
-                  </a:schemeClr>
-                </a:solidFill>
-                <a:effectLst>
-                  <a:outerShdw blurRad="38100" dist="38100" dir="2700000" algn="tl">
-                    <a:srgbClr val="000000">
-                      <a:alpha val="43137"/>
-                    </a:srgbClr>
-                  </a:outerShdw>
-                </a:effectLst>
-                <a:latin typeface="Century Gothic" panose="020B0502020202020204" pitchFamily="34" charset="0"/>
-              </a:rPr>
-              <a:t>Результаты</a:t>
-            </a:r>
-            <a:r>
-              <a:rPr lang="ru-RU" sz="4000" dirty="0">
-                <a:solidFill>
-                  <a:schemeClr val="bg1">
-                    <a:lumMod val="95000"/>
-                  </a:schemeClr>
-                </a:solidFill>
-                <a:effectLst>
-                  <a:outerShdw blurRad="38100" dist="38100" dir="2700000" algn="tl">
-                    <a:srgbClr val="000000">
-                      <a:alpha val="43137"/>
-                    </a:srgbClr>
-                  </a:outerShdw>
-                </a:effectLst>
-                <a:latin typeface="Century Gothic" panose="020B0502020202020204" pitchFamily="34" charset="0"/>
-              </a:rPr>
-              <a:t> </a:t>
-            </a:r>
-            <a:r>
-              <a:rPr lang="ru-RU" sz="3600" dirty="0">
-                <a:solidFill>
-                  <a:schemeClr val="bg1">
-                    <a:lumMod val="95000"/>
-                  </a:schemeClr>
-                </a:solidFill>
-                <a:effectLst>
-                  <a:outerShdw blurRad="38100" dist="38100" dir="2700000" algn="tl">
-                    <a:srgbClr val="000000">
-                      <a:alpha val="43137"/>
-                    </a:srgbClr>
-                  </a:outerShdw>
-                </a:effectLst>
-                <a:latin typeface="Century Gothic" panose="020B0502020202020204" pitchFamily="34" charset="0"/>
-              </a:rPr>
-              <a:t>исследования</a:t>
-            </a:r>
-            <a:r>
-              <a:rPr lang="en-US" sz="3600" dirty="0">
-                <a:solidFill>
-                  <a:schemeClr val="bg1">
-                    <a:lumMod val="95000"/>
-                  </a:schemeClr>
-                </a:solidFill>
-                <a:effectLst>
-                  <a:outerShdw blurRad="38100" dist="38100" dir="2700000" algn="tl">
-                    <a:srgbClr val="000000">
-                      <a:alpha val="43137"/>
-                    </a:srgbClr>
-                  </a:outerShdw>
-                </a:effectLst>
-                <a:latin typeface="Century Gothic" panose="020B0502020202020204" pitchFamily="34" charset="0"/>
-              </a:rPr>
-              <a:t> </a:t>
-            </a:r>
-            <a:r>
-              <a:rPr lang="ru-RU" sz="3600" dirty="0">
-                <a:solidFill>
-                  <a:schemeClr val="bg1">
-                    <a:lumMod val="95000"/>
-                  </a:schemeClr>
-                </a:solidFill>
-                <a:effectLst>
-                  <a:outerShdw blurRad="38100" dist="38100" dir="2700000" algn="tl">
-                    <a:srgbClr val="000000">
-                      <a:alpha val="43137"/>
-                    </a:srgbClr>
-                  </a:outerShdw>
-                </a:effectLst>
-                <a:latin typeface="Century Gothic" panose="020B0502020202020204" pitchFamily="34" charset="0"/>
-              </a:rPr>
-              <a:t>эмбоссера</a:t>
-            </a:r>
-          </a:p>
-        </p:txBody>
-      </p:sp>
       <p:pic>
         <p:nvPicPr>
-          <p:cNvPr id="4" name="Picture 3"/>
+          <p:cNvPr id="6" name="Рисунок 5"/>
           <p:cNvPicPr>
             <a:picLocks noChangeAspect="1"/>
           </p:cNvPicPr>
           <p:nvPr/>
         </p:nvPicPr>
         <p:blipFill>
-          <a:blip r:embed="rId3" cstate="print">
-            <a:extLst>
-              <a:ext uri="{28A0092B-C50C-407E-A947-70E740481C1C}">
-                <a14:useLocalDpi xmlns:a14="http://schemas.microsoft.com/office/drawing/2010/main" val="0"/>
-              </a:ext>
-            </a:extLst>
-          </a:blip>
+          <a:blip r:embed="rId3"/>
           <a:stretch>
             <a:fillRect/>
           </a:stretch>
         </p:blipFill>
         <p:spPr>
           <a:xfrm>
-            <a:off x="1081675" y="1696995"/>
-            <a:ext cx="3790949" cy="5054599"/>
+            <a:off x="1356721" y="26251"/>
+            <a:ext cx="9474005" cy="1012024"/>
           </a:xfrm>
           <a:prstGeom prst="rect">
             <a:avLst/>
           </a:prstGeom>
         </p:spPr>
       </p:pic>
-      <p:pic>
-        <p:nvPicPr>
-          <p:cNvPr id="6" name="Picture 5"/>
-          <p:cNvPicPr>
-            <a:picLocks noChangeAspect="1"/>
-          </p:cNvPicPr>
-          <p:nvPr/>
-        </p:nvPicPr>
-        <p:blipFill>
-          <a:blip r:embed="rId4" cstate="print">
-            <a:extLst>
-              <a:ext uri="{28A0092B-C50C-407E-A947-70E740481C1C}">
-                <a14:useLocalDpi xmlns:a14="http://schemas.microsoft.com/office/drawing/2010/main" val="0"/>
-              </a:ext>
-            </a:extLst>
-          </a:blip>
-          <a:stretch>
-            <a:fillRect/>
-          </a:stretch>
-        </p:blipFill>
-        <p:spPr>
-          <a:xfrm>
-            <a:off x="7040933" y="1696994"/>
-            <a:ext cx="3790950" cy="5054599"/>
-          </a:xfrm>
-          <a:prstGeom prst="rect">
-            <a:avLst/>
-          </a:prstGeom>
-        </p:spPr>
-      </p:pic>
-      <p:sp>
-        <p:nvSpPr>
-          <p:cNvPr id="9" name="TextBox 8"/>
-          <p:cNvSpPr txBox="1"/>
-          <p:nvPr/>
-        </p:nvSpPr>
-        <p:spPr>
-          <a:xfrm>
-            <a:off x="837416" y="1016230"/>
-            <a:ext cx="4279465" cy="646331"/>
-          </a:xfrm>
-          <a:prstGeom prst="rect">
-            <a:avLst/>
-          </a:prstGeom>
-          <a:noFill/>
-        </p:spPr>
-        <p:txBody>
-          <a:bodyPr wrap="square" rtlCol="0">
-            <a:spAutoFit/>
-          </a:bodyPr>
-          <a:lstStyle/>
-          <a:p>
-            <a:pPr algn="ctr"/>
-            <a:r>
-              <a:rPr lang="ru-RU" dirty="0">
-                <a:latin typeface="Century Gothic" panose="020B0502020202020204" pitchFamily="34" charset="0"/>
-              </a:rPr>
-              <a:t>Полный набор компонентов кардридерного модуля</a:t>
-            </a:r>
-            <a:endParaRPr lang="en-US" dirty="0">
-              <a:latin typeface="Century Gothic" panose="020B0502020202020204" pitchFamily="34" charset="0"/>
-            </a:endParaRPr>
-          </a:p>
-        </p:txBody>
-      </p:sp>
-      <p:sp>
-        <p:nvSpPr>
-          <p:cNvPr id="12" name="TextBox 11"/>
-          <p:cNvSpPr txBox="1"/>
-          <p:nvPr/>
-        </p:nvSpPr>
-        <p:spPr>
-          <a:xfrm>
-            <a:off x="6796675" y="1156772"/>
-            <a:ext cx="4279465" cy="369332"/>
-          </a:xfrm>
-          <a:prstGeom prst="rect">
-            <a:avLst/>
-          </a:prstGeom>
-          <a:noFill/>
-        </p:spPr>
-        <p:txBody>
-          <a:bodyPr wrap="square" rtlCol="0">
-            <a:spAutoFit/>
-          </a:bodyPr>
-          <a:lstStyle/>
-          <a:p>
-            <a:pPr algn="ctr"/>
-            <a:r>
-              <a:rPr lang="ru-RU" dirty="0">
-                <a:latin typeface="Century Gothic" panose="020B0502020202020204" pitchFamily="34" charset="0"/>
-              </a:rPr>
-              <a:t>Управляющая плата модуля</a:t>
-            </a:r>
-            <a:endParaRPr lang="en-US" dirty="0">
-              <a:latin typeface="Century Gothic" panose="020B0502020202020204" pitchFamily="34" charset="0"/>
-            </a:endParaRPr>
-          </a:p>
-        </p:txBody>
-      </p:sp>
     </p:spTree>
     <p:extLst>
       <p:ext uri="{BB962C8B-B14F-4D97-AF65-F5344CB8AC3E}">
-        <p14:creationId xmlns:p14="http://schemas.microsoft.com/office/powerpoint/2010/main" val="248749406"/>
+        <p14:creationId xmlns:p14="http://schemas.microsoft.com/office/powerpoint/2010/main" val="1311178619"/>
       </p:ext>
     </p:extLst>
   </p:cSld>
@@ -5059,13 +6347,203 @@
       </p:pic>
       <p:sp>
         <p:nvSpPr>
+          <p:cNvPr id="3" name="Прямоугольник 2"/>
+          <p:cNvSpPr/>
+          <p:nvPr/>
+        </p:nvSpPr>
+        <p:spPr>
+          <a:xfrm>
+            <a:off x="181689" y="860650"/>
+            <a:ext cx="11808823" cy="5978560"/>
+          </a:xfrm>
+          <a:prstGeom prst="rect">
+            <a:avLst/>
+          </a:prstGeom>
+        </p:spPr>
+        <p:txBody>
+          <a:bodyPr wrap="square">
+            <a:spAutoFit/>
+          </a:bodyPr>
+          <a:lstStyle/>
+          <a:p>
+            <a:pPr algn="just">
+              <a:lnSpc>
+                <a:spcPct val="150000"/>
+              </a:lnSpc>
+              <a:defRPr/>
+            </a:pPr>
+            <a:r>
+              <a:rPr lang="en-US" altLang="ru-RU" sz="2400" dirty="0">
+                <a:latin typeface="Century Gothic" panose="020B0502020202020204" pitchFamily="34" charset="0"/>
+                <a:ea typeface="Calibri" panose="020F0502020204030204" pitchFamily="34" charset="0"/>
+                <a:cs typeface="Times New Roman" panose="02020603050405020304" pitchFamily="18" charset="0"/>
+              </a:rPr>
+              <a:t>	</a:t>
+            </a:r>
+            <a:r>
+              <a:rPr lang="ru-RU" altLang="ru-RU" sz="2100" dirty="0">
+                <a:latin typeface="Century Gothic" panose="020B0502020202020204" pitchFamily="34" charset="0"/>
+                <a:ea typeface="Calibri" panose="020F0502020204030204" pitchFamily="34" charset="0"/>
+                <a:cs typeface="Times New Roman" panose="02020603050405020304" pitchFamily="18" charset="0"/>
+              </a:rPr>
+              <a:t>Для достижения поставленной цели необходимо выполнить следующие задачи:</a:t>
+            </a:r>
+          </a:p>
+          <a:p>
+            <a:pPr marL="457200" indent="-457200" algn="just">
+              <a:lnSpc>
+                <a:spcPct val="150000"/>
+              </a:lnSpc>
+              <a:buFont typeface="+mj-lt"/>
+              <a:buAutoNum type="arabicPeriod"/>
+            </a:pPr>
+            <a:r>
+              <a:rPr lang="ru-RU" sz="2100" dirty="0">
+                <a:latin typeface="Century Gothic" panose="020B0502020202020204" pitchFamily="34" charset="0"/>
+              </a:rPr>
+              <a:t>Выполнить анализ работы эмбоссера </a:t>
+            </a:r>
+            <a:r>
+              <a:rPr lang="en-US" sz="2100" dirty="0">
+                <a:latin typeface="Century Gothic" panose="020B0502020202020204" pitchFamily="34" charset="0"/>
+              </a:rPr>
+              <a:t>MATICA </a:t>
+            </a:r>
+            <a:r>
+              <a:rPr lang="ru-RU" sz="2100" dirty="0">
+                <a:latin typeface="Century Gothic" panose="020B0502020202020204" pitchFamily="34" charset="0"/>
+              </a:rPr>
+              <a:t>и методов аппаратного и программного взаимодействия с его кардридерным модулем;</a:t>
+            </a:r>
+            <a:endParaRPr lang="en-US" sz="2100" dirty="0">
+              <a:latin typeface="Century Gothic" panose="020B0502020202020204" pitchFamily="34" charset="0"/>
+            </a:endParaRPr>
+          </a:p>
+          <a:p>
+            <a:pPr marL="457200" indent="-457200" algn="just">
+              <a:lnSpc>
+                <a:spcPct val="150000"/>
+              </a:lnSpc>
+              <a:buFont typeface="+mj-lt"/>
+              <a:buAutoNum type="arabicPeriod"/>
+            </a:pPr>
+            <a:r>
+              <a:rPr lang="ru-RU" sz="2100" dirty="0">
+                <a:latin typeface="Century Gothic" panose="020B0502020202020204" pitchFamily="34" charset="0"/>
+              </a:rPr>
+              <a:t>Провести теоретический анализ возможностей программной платформы </a:t>
+            </a:r>
+            <a:r>
+              <a:rPr lang="en-US" sz="2100" dirty="0" err="1">
+                <a:latin typeface="Century Gothic" panose="020B0502020202020204" pitchFamily="34" charset="0"/>
+              </a:rPr>
+              <a:t>FloraWare</a:t>
+            </a:r>
+            <a:r>
+              <a:rPr lang="ru-RU" sz="2100" dirty="0">
+                <a:latin typeface="Century Gothic" panose="020B0502020202020204" pitchFamily="34" charset="0"/>
+              </a:rPr>
+              <a:t>, использующихся для осуществления сетевого взаимодействия;</a:t>
+            </a:r>
+            <a:endParaRPr lang="en-US" sz="2100" dirty="0">
+              <a:latin typeface="Century Gothic" panose="020B0502020202020204" pitchFamily="34" charset="0"/>
+            </a:endParaRPr>
+          </a:p>
+          <a:p>
+            <a:pPr marL="457200" indent="-457200" algn="just">
+              <a:lnSpc>
+                <a:spcPct val="150000"/>
+              </a:lnSpc>
+              <a:buFont typeface="+mj-lt"/>
+              <a:buAutoNum type="arabicPeriod"/>
+            </a:pPr>
+            <a:r>
+              <a:rPr lang="ru-RU" sz="2100" dirty="0">
+                <a:latin typeface="Century Gothic" panose="020B0502020202020204" pitchFamily="34" charset="0"/>
+              </a:rPr>
+              <a:t>Провести анализ структуры программного продукта </a:t>
+            </a:r>
+            <a:r>
+              <a:rPr lang="en-US" sz="2100" dirty="0" err="1">
+                <a:latin typeface="Century Gothic" panose="020B0502020202020204" pitchFamily="34" charset="0"/>
+              </a:rPr>
+              <a:t>TranzWare</a:t>
+            </a:r>
+            <a:r>
+              <a:rPr lang="en-US" sz="2100" dirty="0">
+                <a:latin typeface="Century Gothic" panose="020B0502020202020204" pitchFamily="34" charset="0"/>
+              </a:rPr>
+              <a:t> </a:t>
+            </a:r>
+            <a:r>
+              <a:rPr lang="en-US" sz="2100" dirty="0" err="1">
+                <a:latin typeface="Century Gothic" panose="020B0502020202020204" pitchFamily="34" charset="0"/>
+              </a:rPr>
+              <a:t>CardFactory</a:t>
+            </a:r>
+            <a:r>
+              <a:rPr lang="en-US" sz="2100" dirty="0">
+                <a:latin typeface="Century Gothic" panose="020B0502020202020204" pitchFamily="34" charset="0"/>
+              </a:rPr>
+              <a:t> </a:t>
+            </a:r>
+            <a:r>
+              <a:rPr lang="ru-RU" sz="2100" dirty="0">
+                <a:latin typeface="Century Gothic" panose="020B0502020202020204" pitchFamily="34" charset="0"/>
+              </a:rPr>
+              <a:t>и структуры существующих драйверов кардридеров; </a:t>
+            </a:r>
+            <a:endParaRPr lang="en-US" sz="2100" dirty="0">
+              <a:latin typeface="Century Gothic" panose="020B0502020202020204" pitchFamily="34" charset="0"/>
+            </a:endParaRPr>
+          </a:p>
+          <a:p>
+            <a:pPr marL="457200" indent="-457200" algn="just">
+              <a:lnSpc>
+                <a:spcPct val="150000"/>
+              </a:lnSpc>
+              <a:buFont typeface="+mj-lt"/>
+              <a:buAutoNum type="arabicPeriod"/>
+            </a:pPr>
+            <a:r>
+              <a:rPr lang="ru-RU" sz="2100" dirty="0">
+                <a:latin typeface="Century Gothic" panose="020B0502020202020204" pitchFamily="34" charset="0"/>
+              </a:rPr>
+              <a:t>Описать проектное решение для управления кардридерным модулем эмбоссера </a:t>
+            </a:r>
+            <a:r>
+              <a:rPr lang="en-US" sz="2100" dirty="0">
+                <a:latin typeface="Century Gothic" panose="020B0502020202020204" pitchFamily="34" charset="0"/>
+              </a:rPr>
+              <a:t>MATICA;</a:t>
+            </a:r>
+          </a:p>
+          <a:p>
+            <a:pPr marL="457200" indent="-457200" algn="just">
+              <a:lnSpc>
+                <a:spcPct val="150000"/>
+              </a:lnSpc>
+              <a:buFont typeface="+mj-lt"/>
+              <a:buAutoNum type="arabicPeriod"/>
+            </a:pPr>
+            <a:r>
+              <a:rPr lang="ru-RU" sz="2100" dirty="0">
+                <a:latin typeface="Century Gothic" panose="020B0502020202020204" pitchFamily="34" charset="0"/>
+              </a:rPr>
+              <a:t>Получить результаты опытной эксплуатации разработанной программной библиотеки. </a:t>
+            </a:r>
+          </a:p>
+        </p:txBody>
+      </p:sp>
+      <p:sp>
+        <p:nvSpPr>
           <p:cNvPr id="5" name="TextBox 4"/>
           <p:cNvSpPr txBox="1"/>
           <p:nvPr/>
         </p:nvSpPr>
         <p:spPr>
           <a:xfrm>
-            <a:off x="1351128" y="614149"/>
+            <a:off x="3248167" y="382137"/>
             <a:ext cx="184731" cy="369332"/>
           </a:xfrm>
           <a:prstGeom prst="rect">
@@ -5083,130 +6561,9 @@
           </a:p>
         </p:txBody>
       </p:sp>
-      <p:sp>
-        <p:nvSpPr>
-          <p:cNvPr id="7" name="TextBox 6"/>
-          <p:cNvSpPr txBox="1"/>
-          <p:nvPr/>
-        </p:nvSpPr>
-        <p:spPr>
-          <a:xfrm>
-            <a:off x="1379112" y="162234"/>
-            <a:ext cx="9409948" cy="646331"/>
-          </a:xfrm>
-          <a:prstGeom prst="rect">
-            <a:avLst/>
-          </a:prstGeom>
-          <a:noFill/>
-        </p:spPr>
-        <p:txBody>
-          <a:bodyPr wrap="none" rtlCol="0">
-            <a:spAutoFit/>
-          </a:bodyPr>
-          <a:lstStyle/>
-          <a:p>
-            <a:r>
-              <a:rPr lang="ru-RU" sz="3600" dirty="0">
-                <a:solidFill>
-                  <a:schemeClr val="bg1">
-                    <a:lumMod val="95000"/>
-                  </a:schemeClr>
-                </a:solidFill>
-                <a:effectLst>
-                  <a:outerShdw blurRad="38100" dist="38100" dir="2700000" algn="tl">
-                    <a:srgbClr val="000000">
-                      <a:alpha val="43137"/>
-                    </a:srgbClr>
-                  </a:outerShdw>
-                </a:effectLst>
-                <a:latin typeface="Century Gothic" panose="020B0502020202020204" pitchFamily="34" charset="0"/>
-              </a:rPr>
-              <a:t>Схема сетевого подключения к модулю</a:t>
-            </a:r>
-          </a:p>
-        </p:txBody>
-      </p:sp>
-      <p:sp>
-        <p:nvSpPr>
-          <p:cNvPr id="3" name="Cloud 2"/>
-          <p:cNvSpPr/>
-          <p:nvPr/>
-        </p:nvSpPr>
-        <p:spPr>
-          <a:xfrm>
-            <a:off x="1063030" y="2893512"/>
-            <a:ext cx="3597342" cy="2091847"/>
-          </a:xfrm>
-          <a:prstGeom prst="cloud">
-            <a:avLst/>
-          </a:prstGeom>
-          <a:solidFill>
-            <a:schemeClr val="bg1"/>
-          </a:solidFill>
-          <a:ln w="19050"/>
-        </p:spPr>
-        <p:style>
-          <a:lnRef idx="2">
-            <a:schemeClr val="accent1">
-              <a:shade val="50000"/>
-            </a:schemeClr>
-          </a:lnRef>
-          <a:fillRef idx="1">
-            <a:schemeClr val="accent1"/>
-          </a:fillRef>
-          <a:effectRef idx="0">
-            <a:schemeClr val="accent1"/>
-          </a:effectRef>
-          <a:fontRef idx="minor">
-            <a:schemeClr val="lt1"/>
-          </a:fontRef>
-        </p:style>
-        <p:txBody>
-          <a:bodyPr rtlCol="0" anchor="ctr"/>
-          <a:lstStyle/>
-          <a:p>
-            <a:pPr algn="ctr"/>
-            <a:endParaRPr lang="en-US"/>
-          </a:p>
-        </p:txBody>
-      </p:sp>
-      <p:sp>
-        <p:nvSpPr>
-          <p:cNvPr id="8" name="TextBox 7"/>
-          <p:cNvSpPr txBox="1"/>
-          <p:nvPr/>
-        </p:nvSpPr>
-        <p:spPr>
-          <a:xfrm>
-            <a:off x="1853251" y="3754769"/>
-            <a:ext cx="2016899" cy="369332"/>
-          </a:xfrm>
-          <a:prstGeom prst="rect">
-            <a:avLst/>
-          </a:prstGeom>
-          <a:noFill/>
-        </p:spPr>
-        <p:txBody>
-          <a:bodyPr wrap="none" rtlCol="0">
-            <a:spAutoFit/>
-          </a:bodyPr>
-          <a:lstStyle/>
-          <a:p>
-            <a:r>
-              <a:rPr lang="ru-RU" dirty="0">
-                <a:latin typeface="Century Gothic" panose="020B0502020202020204" pitchFamily="34" charset="0"/>
-              </a:rPr>
-              <a:t>Внутренняя сеть</a:t>
-            </a:r>
-            <a:endParaRPr lang="en-US" dirty="0">
-              <a:latin typeface="Century Gothic" panose="020B0502020202020204" pitchFamily="34" charset="0"/>
-            </a:endParaRPr>
-          </a:p>
-        </p:txBody>
-      </p:sp>
       <p:pic>
         <p:nvPicPr>
-          <p:cNvPr id="10" name="Picture 9"/>
+          <p:cNvPr id="6" name="Рисунок 5"/>
           <p:cNvPicPr>
             <a:picLocks noChangeAspect="1"/>
           </p:cNvPicPr>
@@ -5220,962 +6577,18 @@
         </p:blipFill>
         <p:spPr>
           <a:xfrm>
-            <a:off x="2378951" y="1455586"/>
-            <a:ext cx="965498" cy="1020222"/>
+            <a:off x="3248167" y="60791"/>
+            <a:ext cx="5675868" cy="1012024"/>
           </a:xfrm>
           <a:prstGeom prst="rect">
             <a:avLst/>
           </a:prstGeom>
         </p:spPr>
       </p:pic>
-      <p:cxnSp>
-        <p:nvCxnSpPr>
-          <p:cNvPr id="13" name="Straight Connector 12"/>
-          <p:cNvCxnSpPr>
-            <a:stCxn id="3" idx="3"/>
-            <a:endCxn id="10" idx="2"/>
-          </p:cNvCxnSpPr>
-          <p:nvPr/>
-        </p:nvCxnSpPr>
-        <p:spPr>
-          <a:xfrm flipH="1" flipV="1">
-            <a:off x="2861700" y="2475808"/>
-            <a:ext cx="1" cy="537307"/>
-          </a:xfrm>
-          <a:prstGeom prst="line">
-            <a:avLst/>
-          </a:prstGeom>
-          <a:ln w="19050">
-            <a:solidFill>
-              <a:schemeClr val="accent1">
-                <a:lumMod val="75000"/>
-              </a:schemeClr>
-            </a:solidFill>
-          </a:ln>
-        </p:spPr>
-        <p:style>
-          <a:lnRef idx="1">
-            <a:schemeClr val="accent1"/>
-          </a:lnRef>
-          <a:fillRef idx="0">
-            <a:schemeClr val="accent1"/>
-          </a:fillRef>
-          <a:effectRef idx="0">
-            <a:schemeClr val="accent1"/>
-          </a:effectRef>
-          <a:fontRef idx="minor">
-            <a:schemeClr val="tx1"/>
-          </a:fontRef>
-        </p:style>
-      </p:cxnSp>
-      <p:sp>
-        <p:nvSpPr>
-          <p:cNvPr id="14" name="TextBox 13"/>
-          <p:cNvSpPr txBox="1"/>
-          <p:nvPr/>
-        </p:nvSpPr>
-        <p:spPr>
-          <a:xfrm>
-            <a:off x="1788075" y="1049835"/>
-            <a:ext cx="2147249" cy="338554"/>
-          </a:xfrm>
-          <a:prstGeom prst="rect">
-            <a:avLst/>
-          </a:prstGeom>
-          <a:noFill/>
-        </p:spPr>
-        <p:txBody>
-          <a:bodyPr wrap="square" rtlCol="0">
-            <a:spAutoFit/>
-          </a:bodyPr>
-          <a:lstStyle/>
-          <a:p>
-            <a:pPr algn="ctr"/>
-            <a:r>
-              <a:rPr lang="ru-RU" sz="1600" dirty="0">
-                <a:latin typeface="Century Gothic" panose="020B0502020202020204" pitchFamily="34" charset="0"/>
-              </a:rPr>
-              <a:t>Управляющая ЭВМ</a:t>
-            </a:r>
-            <a:endParaRPr lang="en-US" sz="1600" dirty="0">
-              <a:latin typeface="Century Gothic" panose="020B0502020202020204" pitchFamily="34" charset="0"/>
-            </a:endParaRPr>
-          </a:p>
-        </p:txBody>
-      </p:sp>
-      <p:pic>
-        <p:nvPicPr>
-          <p:cNvPr id="15" name="Picture 14">
-            <a:extLst>
-              <a:ext uri="{FF2B5EF4-FFF2-40B4-BE49-F238E27FC236}">
-                <a16:creationId xmlns:a16="http://schemas.microsoft.com/office/drawing/2014/main" id="{BD4D3E0E-E0E6-4F32-B612-650FDCFC76D0}"/>
-              </a:ext>
-            </a:extLst>
-          </p:cNvPr>
-          <p:cNvPicPr>
-            <a:picLocks noChangeAspect="1"/>
-          </p:cNvPicPr>
-          <p:nvPr/>
-        </p:nvPicPr>
-        <p:blipFill>
-          <a:blip r:embed="rId4">
-            <a:extLst>
-              <a:ext uri="{28A0092B-C50C-407E-A947-70E740481C1C}">
-                <a14:useLocalDpi xmlns:a14="http://schemas.microsoft.com/office/drawing/2010/main" val="0"/>
-              </a:ext>
-            </a:extLst>
-          </a:blip>
-          <a:stretch>
-            <a:fillRect/>
-          </a:stretch>
-        </p:blipFill>
-        <p:spPr>
-          <a:xfrm>
-            <a:off x="1861566" y="5403232"/>
-            <a:ext cx="2000266" cy="886768"/>
-          </a:xfrm>
-          <a:prstGeom prst="rect">
-            <a:avLst/>
-          </a:prstGeom>
-        </p:spPr>
-      </p:pic>
-      <p:cxnSp>
-        <p:nvCxnSpPr>
-          <p:cNvPr id="16" name="Straight Connector 15"/>
-          <p:cNvCxnSpPr>
-            <a:endCxn id="3" idx="1"/>
-          </p:cNvCxnSpPr>
-          <p:nvPr/>
-        </p:nvCxnSpPr>
-        <p:spPr>
-          <a:xfrm flipV="1">
-            <a:off x="2861701" y="4983132"/>
-            <a:ext cx="0" cy="419932"/>
-          </a:xfrm>
-          <a:prstGeom prst="line">
-            <a:avLst/>
-          </a:prstGeom>
-          <a:ln w="19050">
-            <a:solidFill>
-              <a:schemeClr val="accent1">
-                <a:lumMod val="75000"/>
-              </a:schemeClr>
-            </a:solidFill>
-          </a:ln>
-        </p:spPr>
-        <p:style>
-          <a:lnRef idx="1">
-            <a:schemeClr val="accent1"/>
-          </a:lnRef>
-          <a:fillRef idx="0">
-            <a:schemeClr val="accent1"/>
-          </a:fillRef>
-          <a:effectRef idx="0">
-            <a:schemeClr val="accent1"/>
-          </a:effectRef>
-          <a:fontRef idx="minor">
-            <a:schemeClr val="tx1"/>
-          </a:fontRef>
-        </p:style>
-      </p:cxnSp>
-      <p:sp>
-        <p:nvSpPr>
-          <p:cNvPr id="18" name="TextBox 17"/>
-          <p:cNvSpPr txBox="1"/>
-          <p:nvPr/>
-        </p:nvSpPr>
-        <p:spPr>
-          <a:xfrm>
-            <a:off x="1582470" y="6290000"/>
-            <a:ext cx="2558458" cy="338554"/>
-          </a:xfrm>
-          <a:prstGeom prst="rect">
-            <a:avLst/>
-          </a:prstGeom>
-          <a:noFill/>
-        </p:spPr>
-        <p:txBody>
-          <a:bodyPr wrap="square" rtlCol="0">
-            <a:spAutoFit/>
-          </a:bodyPr>
-          <a:lstStyle/>
-          <a:p>
-            <a:pPr algn="ctr"/>
-            <a:r>
-              <a:rPr lang="ru-RU" sz="1600" dirty="0">
-                <a:latin typeface="Century Gothic" panose="020B0502020202020204" pitchFamily="34" charset="0"/>
-              </a:rPr>
-              <a:t>Кардридерный модуль</a:t>
-            </a:r>
-            <a:endParaRPr lang="en-US" sz="1600" dirty="0">
-              <a:latin typeface="Century Gothic" panose="020B0502020202020204" pitchFamily="34" charset="0"/>
-            </a:endParaRPr>
-          </a:p>
-        </p:txBody>
-      </p:sp>
-      <p:pic>
-        <p:nvPicPr>
-          <p:cNvPr id="19" name="Picture 18"/>
-          <p:cNvPicPr>
-            <a:picLocks noChangeAspect="1"/>
-          </p:cNvPicPr>
-          <p:nvPr/>
-        </p:nvPicPr>
-        <p:blipFill>
-          <a:blip r:embed="rId3"/>
-          <a:stretch>
-            <a:fillRect/>
-          </a:stretch>
-        </p:blipFill>
-        <p:spPr>
-          <a:xfrm>
-            <a:off x="5601338" y="2590737"/>
-            <a:ext cx="965498" cy="1020222"/>
-          </a:xfrm>
-          <a:prstGeom prst="rect">
-            <a:avLst/>
-          </a:prstGeom>
-        </p:spPr>
-      </p:pic>
-      <p:cxnSp>
-        <p:nvCxnSpPr>
-          <p:cNvPr id="20" name="Straight Connector 19"/>
-          <p:cNvCxnSpPr>
-            <a:endCxn id="19" idx="2"/>
-          </p:cNvCxnSpPr>
-          <p:nvPr/>
-        </p:nvCxnSpPr>
-        <p:spPr>
-          <a:xfrm flipH="1" flipV="1">
-            <a:off x="6084087" y="3610959"/>
-            <a:ext cx="2" cy="540221"/>
-          </a:xfrm>
-          <a:prstGeom prst="line">
-            <a:avLst/>
-          </a:prstGeom>
-          <a:ln w="19050">
-            <a:solidFill>
-              <a:schemeClr val="accent1">
-                <a:lumMod val="75000"/>
-              </a:schemeClr>
-            </a:solidFill>
-          </a:ln>
-        </p:spPr>
-        <p:style>
-          <a:lnRef idx="1">
-            <a:schemeClr val="accent1"/>
-          </a:lnRef>
-          <a:fillRef idx="0">
-            <a:schemeClr val="accent1"/>
-          </a:fillRef>
-          <a:effectRef idx="0">
-            <a:schemeClr val="accent1"/>
-          </a:effectRef>
-          <a:fontRef idx="minor">
-            <a:schemeClr val="tx1"/>
-          </a:fontRef>
-        </p:style>
-      </p:cxnSp>
-      <p:pic>
-        <p:nvPicPr>
-          <p:cNvPr id="21" name="Picture 20">
-            <a:extLst>
-              <a:ext uri="{FF2B5EF4-FFF2-40B4-BE49-F238E27FC236}">
-                <a16:creationId xmlns:a16="http://schemas.microsoft.com/office/drawing/2014/main" id="{BD4D3E0E-E0E6-4F32-B612-650FDCFC76D0}"/>
-              </a:ext>
-            </a:extLst>
-          </p:cNvPr>
-          <p:cNvPicPr>
-            <a:picLocks noChangeAspect="1"/>
-          </p:cNvPicPr>
-          <p:nvPr/>
-        </p:nvPicPr>
-        <p:blipFill>
-          <a:blip r:embed="rId4">
-            <a:extLst>
-              <a:ext uri="{28A0092B-C50C-407E-A947-70E740481C1C}">
-                <a14:useLocalDpi xmlns:a14="http://schemas.microsoft.com/office/drawing/2010/main" val="0"/>
-              </a:ext>
-            </a:extLst>
-          </a:blip>
-          <a:stretch>
-            <a:fillRect/>
-          </a:stretch>
-        </p:blipFill>
-        <p:spPr>
-          <a:xfrm>
-            <a:off x="5083954" y="4148266"/>
-            <a:ext cx="2000266" cy="886768"/>
-          </a:xfrm>
-          <a:prstGeom prst="rect">
-            <a:avLst/>
-          </a:prstGeom>
-        </p:spPr>
-      </p:pic>
-      <p:sp>
-        <p:nvSpPr>
-          <p:cNvPr id="22" name="TextBox 21"/>
-          <p:cNvSpPr txBox="1"/>
-          <p:nvPr/>
-        </p:nvSpPr>
-        <p:spPr>
-          <a:xfrm>
-            <a:off x="5010462" y="2178706"/>
-            <a:ext cx="2147249" cy="338554"/>
-          </a:xfrm>
-          <a:prstGeom prst="rect">
-            <a:avLst/>
-          </a:prstGeom>
-          <a:noFill/>
-        </p:spPr>
-        <p:txBody>
-          <a:bodyPr wrap="square" rtlCol="0">
-            <a:spAutoFit/>
-          </a:bodyPr>
-          <a:lstStyle/>
-          <a:p>
-            <a:pPr algn="ctr"/>
-            <a:r>
-              <a:rPr lang="ru-RU" sz="1600" dirty="0">
-                <a:latin typeface="Century Gothic" panose="020B0502020202020204" pitchFamily="34" charset="0"/>
-              </a:rPr>
-              <a:t>Управляющая ЭВМ</a:t>
-            </a:r>
-            <a:endParaRPr lang="en-US" sz="1600" dirty="0">
-              <a:latin typeface="Century Gothic" panose="020B0502020202020204" pitchFamily="34" charset="0"/>
-            </a:endParaRPr>
-          </a:p>
-        </p:txBody>
-      </p:sp>
-      <p:sp>
-        <p:nvSpPr>
-          <p:cNvPr id="23" name="TextBox 22"/>
-          <p:cNvSpPr txBox="1"/>
-          <p:nvPr/>
-        </p:nvSpPr>
-        <p:spPr>
-          <a:xfrm>
-            <a:off x="4804857" y="5072688"/>
-            <a:ext cx="2558458" cy="338554"/>
-          </a:xfrm>
-          <a:prstGeom prst="rect">
-            <a:avLst/>
-          </a:prstGeom>
-          <a:noFill/>
-        </p:spPr>
-        <p:txBody>
-          <a:bodyPr wrap="square" rtlCol="0">
-            <a:spAutoFit/>
-          </a:bodyPr>
-          <a:lstStyle/>
-          <a:p>
-            <a:pPr algn="ctr"/>
-            <a:r>
-              <a:rPr lang="ru-RU" sz="1600" dirty="0">
-                <a:latin typeface="Century Gothic" panose="020B0502020202020204" pitchFamily="34" charset="0"/>
-              </a:rPr>
-              <a:t>Кардридерный модуль</a:t>
-            </a:r>
-            <a:endParaRPr lang="en-US" sz="1600" dirty="0">
-              <a:latin typeface="Century Gothic" panose="020B0502020202020204" pitchFamily="34" charset="0"/>
-            </a:endParaRPr>
-          </a:p>
-        </p:txBody>
-      </p:sp>
-      <p:pic>
-        <p:nvPicPr>
-          <p:cNvPr id="24" name="Picture 23">
-            <a:extLst>
-              <a:ext uri="{FF2B5EF4-FFF2-40B4-BE49-F238E27FC236}">
-                <a16:creationId xmlns:a16="http://schemas.microsoft.com/office/drawing/2014/main" id="{BD4D3E0E-E0E6-4F32-B612-650FDCFC76D0}"/>
-              </a:ext>
-            </a:extLst>
-          </p:cNvPr>
-          <p:cNvPicPr>
-            <a:picLocks noChangeAspect="1"/>
-          </p:cNvPicPr>
-          <p:nvPr/>
-        </p:nvPicPr>
-        <p:blipFill>
-          <a:blip r:embed="rId4">
-            <a:extLst>
-              <a:ext uri="{28A0092B-C50C-407E-A947-70E740481C1C}">
-                <a14:useLocalDpi xmlns:a14="http://schemas.microsoft.com/office/drawing/2010/main" val="0"/>
-              </a:ext>
-            </a:extLst>
-          </a:blip>
-          <a:stretch>
-            <a:fillRect/>
-          </a:stretch>
-        </p:blipFill>
-        <p:spPr>
-          <a:xfrm>
-            <a:off x="8697633" y="2716013"/>
-            <a:ext cx="2000266" cy="886768"/>
-          </a:xfrm>
-          <a:prstGeom prst="rect">
-            <a:avLst/>
-          </a:prstGeom>
-        </p:spPr>
-      </p:pic>
-      <p:cxnSp>
-        <p:nvCxnSpPr>
-          <p:cNvPr id="25" name="Straight Connector 24"/>
-          <p:cNvCxnSpPr/>
-          <p:nvPr/>
-        </p:nvCxnSpPr>
-        <p:spPr>
-          <a:xfrm flipH="1" flipV="1">
-            <a:off x="9749849" y="2178706"/>
-            <a:ext cx="1" cy="537307"/>
-          </a:xfrm>
-          <a:prstGeom prst="line">
-            <a:avLst/>
-          </a:prstGeom>
-          <a:ln w="19050">
-            <a:solidFill>
-              <a:schemeClr val="accent1">
-                <a:lumMod val="75000"/>
-              </a:schemeClr>
-            </a:solidFill>
-          </a:ln>
-        </p:spPr>
-        <p:style>
-          <a:lnRef idx="1">
-            <a:schemeClr val="accent1"/>
-          </a:lnRef>
-          <a:fillRef idx="0">
-            <a:schemeClr val="accent1"/>
-          </a:fillRef>
-          <a:effectRef idx="0">
-            <a:schemeClr val="accent1"/>
-          </a:effectRef>
-          <a:fontRef idx="minor">
-            <a:schemeClr val="tx1"/>
-          </a:fontRef>
-        </p:style>
-      </p:cxnSp>
-      <p:cxnSp>
-        <p:nvCxnSpPr>
-          <p:cNvPr id="26" name="Straight Connector 25"/>
-          <p:cNvCxnSpPr>
-            <a:stCxn id="29" idx="0"/>
-          </p:cNvCxnSpPr>
-          <p:nvPr/>
-        </p:nvCxnSpPr>
-        <p:spPr>
-          <a:xfrm flipV="1">
-            <a:off x="8535711" y="3591404"/>
-            <a:ext cx="562248" cy="526776"/>
-          </a:xfrm>
-          <a:prstGeom prst="line">
-            <a:avLst/>
-          </a:prstGeom>
-          <a:ln w="19050">
-            <a:solidFill>
-              <a:schemeClr val="accent1">
-                <a:lumMod val="75000"/>
-              </a:schemeClr>
-            </a:solidFill>
-          </a:ln>
-        </p:spPr>
-        <p:style>
-          <a:lnRef idx="1">
-            <a:schemeClr val="accent1"/>
-          </a:lnRef>
-          <a:fillRef idx="0">
-            <a:schemeClr val="accent1"/>
-          </a:fillRef>
-          <a:effectRef idx="0">
-            <a:schemeClr val="accent1"/>
-          </a:effectRef>
-          <a:fontRef idx="minor">
-            <a:schemeClr val="tx1"/>
-          </a:fontRef>
-        </p:style>
-      </p:cxnSp>
-      <p:cxnSp>
-        <p:nvCxnSpPr>
-          <p:cNvPr id="27" name="Straight Connector 26"/>
-          <p:cNvCxnSpPr/>
-          <p:nvPr/>
-        </p:nvCxnSpPr>
-        <p:spPr>
-          <a:xfrm flipH="1" flipV="1">
-            <a:off x="9706069" y="3591404"/>
-            <a:ext cx="1" cy="537307"/>
-          </a:xfrm>
-          <a:prstGeom prst="line">
-            <a:avLst/>
-          </a:prstGeom>
-          <a:ln w="19050">
-            <a:solidFill>
-              <a:schemeClr val="accent1">
-                <a:lumMod val="75000"/>
-              </a:schemeClr>
-            </a:solidFill>
-          </a:ln>
-        </p:spPr>
-        <p:style>
-          <a:lnRef idx="1">
-            <a:schemeClr val="accent1"/>
-          </a:lnRef>
-          <a:fillRef idx="0">
-            <a:schemeClr val="accent1"/>
-          </a:fillRef>
-          <a:effectRef idx="0">
-            <a:schemeClr val="accent1"/>
-          </a:effectRef>
-          <a:fontRef idx="minor">
-            <a:schemeClr val="tx1"/>
-          </a:fontRef>
-        </p:style>
-      </p:cxnSp>
-      <p:cxnSp>
-        <p:nvCxnSpPr>
-          <p:cNvPr id="28" name="Straight Connector 27"/>
-          <p:cNvCxnSpPr>
-            <a:stCxn id="37" idx="0"/>
-          </p:cNvCxnSpPr>
-          <p:nvPr/>
-        </p:nvCxnSpPr>
-        <p:spPr>
-          <a:xfrm flipH="1" flipV="1">
-            <a:off x="10314180" y="3591404"/>
-            <a:ext cx="562247" cy="526776"/>
-          </a:xfrm>
-          <a:prstGeom prst="line">
-            <a:avLst/>
-          </a:prstGeom>
-          <a:ln w="19050">
-            <a:solidFill>
-              <a:schemeClr val="accent1">
-                <a:lumMod val="75000"/>
-              </a:schemeClr>
-            </a:solidFill>
-          </a:ln>
-        </p:spPr>
-        <p:style>
-          <a:lnRef idx="1">
-            <a:schemeClr val="accent1"/>
-          </a:lnRef>
-          <a:fillRef idx="0">
-            <a:schemeClr val="accent1"/>
-          </a:fillRef>
-          <a:effectRef idx="0">
-            <a:schemeClr val="accent1"/>
-          </a:effectRef>
-          <a:fontRef idx="minor">
-            <a:schemeClr val="tx1"/>
-          </a:fontRef>
-        </p:style>
-      </p:cxnSp>
-      <p:pic>
-        <p:nvPicPr>
-          <p:cNvPr id="29" name="Picture 28">
-            <a:extLst>
-              <a:ext uri="{FF2B5EF4-FFF2-40B4-BE49-F238E27FC236}">
-                <a16:creationId xmlns:a16="http://schemas.microsoft.com/office/drawing/2014/main" id="{723E8D1F-D839-4A4B-B861-F9F72C4136AF}"/>
-              </a:ext>
-            </a:extLst>
-          </p:cNvPr>
-          <p:cNvPicPr>
-            <a:picLocks noChangeAspect="1"/>
-          </p:cNvPicPr>
-          <p:nvPr/>
-        </p:nvPicPr>
-        <p:blipFill>
-          <a:blip r:embed="rId5" cstate="print">
-            <a:extLst>
-              <a:ext uri="{28A0092B-C50C-407E-A947-70E740481C1C}">
-                <a14:useLocalDpi xmlns:a14="http://schemas.microsoft.com/office/drawing/2010/main" val="0"/>
-              </a:ext>
-            </a:extLst>
-          </a:blip>
-          <a:stretch>
-            <a:fillRect/>
-          </a:stretch>
-        </p:blipFill>
-        <p:spPr>
-          <a:xfrm>
-            <a:off x="8214886" y="4118180"/>
-            <a:ext cx="641650" cy="1276546"/>
-          </a:xfrm>
-          <a:prstGeom prst="rect">
-            <a:avLst/>
-          </a:prstGeom>
-        </p:spPr>
-      </p:pic>
-      <p:pic>
-        <p:nvPicPr>
-          <p:cNvPr id="31" name="Picture 30">
-            <a:extLst>
-              <a:ext uri="{FF2B5EF4-FFF2-40B4-BE49-F238E27FC236}">
-                <a16:creationId xmlns:a16="http://schemas.microsoft.com/office/drawing/2014/main" id="{723E8D1F-D839-4A4B-B861-F9F72C4136AF}"/>
-              </a:ext>
-            </a:extLst>
-          </p:cNvPr>
-          <p:cNvPicPr>
-            <a:picLocks noChangeAspect="1"/>
-          </p:cNvPicPr>
-          <p:nvPr/>
-        </p:nvPicPr>
-        <p:blipFill>
-          <a:blip r:embed="rId5" cstate="print">
-            <a:extLst>
-              <a:ext uri="{28A0092B-C50C-407E-A947-70E740481C1C}">
-                <a14:useLocalDpi xmlns:a14="http://schemas.microsoft.com/office/drawing/2010/main" val="0"/>
-              </a:ext>
-            </a:extLst>
-          </a:blip>
-          <a:stretch>
-            <a:fillRect/>
-          </a:stretch>
-        </p:blipFill>
-        <p:spPr>
-          <a:xfrm>
-            <a:off x="9385244" y="4125786"/>
-            <a:ext cx="641650" cy="1276546"/>
-          </a:xfrm>
-          <a:prstGeom prst="rect">
-            <a:avLst/>
-          </a:prstGeom>
-        </p:spPr>
-      </p:pic>
-      <p:pic>
-        <p:nvPicPr>
-          <p:cNvPr id="37" name="Picture 36">
-            <a:extLst>
-              <a:ext uri="{FF2B5EF4-FFF2-40B4-BE49-F238E27FC236}">
-                <a16:creationId xmlns:a16="http://schemas.microsoft.com/office/drawing/2014/main" id="{723E8D1F-D839-4A4B-B861-F9F72C4136AF}"/>
-              </a:ext>
-            </a:extLst>
-          </p:cNvPr>
-          <p:cNvPicPr>
-            <a:picLocks noChangeAspect="1"/>
-          </p:cNvPicPr>
-          <p:nvPr/>
-        </p:nvPicPr>
-        <p:blipFill>
-          <a:blip r:embed="rId5" cstate="print">
-            <a:extLst>
-              <a:ext uri="{28A0092B-C50C-407E-A947-70E740481C1C}">
-                <a14:useLocalDpi xmlns:a14="http://schemas.microsoft.com/office/drawing/2010/main" val="0"/>
-              </a:ext>
-            </a:extLst>
-          </a:blip>
-          <a:stretch>
-            <a:fillRect/>
-          </a:stretch>
-        </p:blipFill>
-        <p:spPr>
-          <a:xfrm>
-            <a:off x="10555602" y="4118180"/>
-            <a:ext cx="641650" cy="1276546"/>
-          </a:xfrm>
-          <a:prstGeom prst="rect">
-            <a:avLst/>
-          </a:prstGeom>
-        </p:spPr>
-      </p:pic>
-      <p:sp>
-        <p:nvSpPr>
-          <p:cNvPr id="51" name="Cloud 50"/>
-          <p:cNvSpPr/>
-          <p:nvPr/>
-        </p:nvSpPr>
-        <p:spPr>
-          <a:xfrm>
-            <a:off x="8535711" y="1049835"/>
-            <a:ext cx="2340716" cy="1128871"/>
-          </a:xfrm>
-          <a:prstGeom prst="cloud">
-            <a:avLst/>
-          </a:prstGeom>
-          <a:solidFill>
-            <a:schemeClr val="bg1"/>
-          </a:solidFill>
-        </p:spPr>
-        <p:style>
-          <a:lnRef idx="2">
-            <a:schemeClr val="accent1">
-              <a:shade val="50000"/>
-            </a:schemeClr>
-          </a:lnRef>
-          <a:fillRef idx="1">
-            <a:schemeClr val="accent1"/>
-          </a:fillRef>
-          <a:effectRef idx="0">
-            <a:schemeClr val="accent1"/>
-          </a:effectRef>
-          <a:fontRef idx="minor">
-            <a:schemeClr val="lt1"/>
-          </a:fontRef>
-        </p:style>
-        <p:txBody>
-          <a:bodyPr rtlCol="0" anchor="ctr"/>
-          <a:lstStyle/>
-          <a:p>
-            <a:pPr algn="ctr"/>
-            <a:endParaRPr lang="en-US"/>
-          </a:p>
-        </p:txBody>
-      </p:sp>
-      <p:sp>
-        <p:nvSpPr>
-          <p:cNvPr id="52" name="TextBox 51"/>
-          <p:cNvSpPr txBox="1"/>
-          <p:nvPr/>
-        </p:nvSpPr>
-        <p:spPr>
-          <a:xfrm>
-            <a:off x="9897348" y="2363371"/>
-            <a:ext cx="1455817" cy="307777"/>
-          </a:xfrm>
-          <a:prstGeom prst="rect">
-            <a:avLst/>
-          </a:prstGeom>
-          <a:noFill/>
-        </p:spPr>
-        <p:txBody>
-          <a:bodyPr wrap="square" rtlCol="0">
-            <a:spAutoFit/>
-          </a:bodyPr>
-          <a:lstStyle/>
-          <a:p>
-            <a:pPr algn="ctr"/>
-            <a:r>
-              <a:rPr lang="ru-RU" sz="1400" dirty="0">
-                <a:latin typeface="Century Gothic" panose="020B0502020202020204" pitchFamily="34" charset="0"/>
-              </a:rPr>
-              <a:t>192.168.0.80</a:t>
-            </a:r>
-            <a:endParaRPr lang="en-US" sz="1400" dirty="0">
-              <a:latin typeface="Century Gothic" panose="020B0502020202020204" pitchFamily="34" charset="0"/>
-            </a:endParaRPr>
-          </a:p>
-        </p:txBody>
-      </p:sp>
-      <p:sp>
-        <p:nvSpPr>
-          <p:cNvPr id="53" name="TextBox 52"/>
-          <p:cNvSpPr txBox="1"/>
-          <p:nvPr/>
-        </p:nvSpPr>
-        <p:spPr>
-          <a:xfrm>
-            <a:off x="7902706" y="5846616"/>
-            <a:ext cx="1244079" cy="307777"/>
-          </a:xfrm>
-          <a:prstGeom prst="rect">
-            <a:avLst/>
-          </a:prstGeom>
-          <a:noFill/>
-        </p:spPr>
-        <p:txBody>
-          <a:bodyPr wrap="square" rtlCol="0">
-            <a:spAutoFit/>
-          </a:bodyPr>
-          <a:lstStyle/>
-          <a:p>
-            <a:pPr algn="ctr"/>
-            <a:r>
-              <a:rPr lang="ru-RU" sz="1400" dirty="0">
-                <a:latin typeface="Century Gothic" panose="020B0502020202020204" pitchFamily="34" charset="0"/>
-              </a:rPr>
-              <a:t>192.168.0.81</a:t>
-            </a:r>
-            <a:endParaRPr lang="en-US" sz="1400" dirty="0">
-              <a:latin typeface="Century Gothic" panose="020B0502020202020204" pitchFamily="34" charset="0"/>
-            </a:endParaRPr>
-          </a:p>
-        </p:txBody>
-      </p:sp>
-      <p:sp>
-        <p:nvSpPr>
-          <p:cNvPr id="54" name="TextBox 53"/>
-          <p:cNvSpPr txBox="1"/>
-          <p:nvPr/>
-        </p:nvSpPr>
-        <p:spPr>
-          <a:xfrm>
-            <a:off x="9090241" y="5846616"/>
-            <a:ext cx="1231655" cy="307777"/>
-          </a:xfrm>
-          <a:prstGeom prst="rect">
-            <a:avLst/>
-          </a:prstGeom>
-          <a:noFill/>
-        </p:spPr>
-        <p:txBody>
-          <a:bodyPr wrap="square" rtlCol="0">
-            <a:spAutoFit/>
-          </a:bodyPr>
-          <a:lstStyle/>
-          <a:p>
-            <a:pPr algn="ctr"/>
-            <a:r>
-              <a:rPr lang="ru-RU" sz="1400" dirty="0">
-                <a:latin typeface="Century Gothic" panose="020B0502020202020204" pitchFamily="34" charset="0"/>
-              </a:rPr>
-              <a:t>192.168.0.82</a:t>
-            </a:r>
-            <a:endParaRPr lang="en-US" sz="1400" dirty="0">
-              <a:latin typeface="Century Gothic" panose="020B0502020202020204" pitchFamily="34" charset="0"/>
-            </a:endParaRPr>
-          </a:p>
-        </p:txBody>
-      </p:sp>
-      <p:sp>
-        <p:nvSpPr>
-          <p:cNvPr id="55" name="TextBox 54"/>
-          <p:cNvSpPr txBox="1"/>
-          <p:nvPr/>
-        </p:nvSpPr>
-        <p:spPr>
-          <a:xfrm>
-            <a:off x="8022300" y="5542255"/>
-            <a:ext cx="1025850" cy="338554"/>
-          </a:xfrm>
-          <a:prstGeom prst="rect">
-            <a:avLst/>
-          </a:prstGeom>
-          <a:noFill/>
-        </p:spPr>
-        <p:txBody>
-          <a:bodyPr wrap="square" rtlCol="0">
-            <a:spAutoFit/>
-          </a:bodyPr>
-          <a:lstStyle/>
-          <a:p>
-            <a:pPr algn="ctr"/>
-            <a:r>
-              <a:rPr lang="ru-RU" sz="1600" dirty="0">
-                <a:latin typeface="Century Gothic" panose="020B0502020202020204" pitchFamily="34" charset="0"/>
-              </a:rPr>
-              <a:t>ридер 1</a:t>
-            </a:r>
-            <a:endParaRPr lang="en-US" sz="1600" dirty="0">
-              <a:latin typeface="Century Gothic" panose="020B0502020202020204" pitchFamily="34" charset="0"/>
-            </a:endParaRPr>
-          </a:p>
-        </p:txBody>
-      </p:sp>
-      <p:sp>
-        <p:nvSpPr>
-          <p:cNvPr id="56" name="TextBox 55"/>
-          <p:cNvSpPr txBox="1"/>
-          <p:nvPr/>
-        </p:nvSpPr>
-        <p:spPr>
-          <a:xfrm>
-            <a:off x="9174423" y="5542255"/>
-            <a:ext cx="1063289" cy="338554"/>
-          </a:xfrm>
-          <a:prstGeom prst="rect">
-            <a:avLst/>
-          </a:prstGeom>
-          <a:noFill/>
-        </p:spPr>
-        <p:txBody>
-          <a:bodyPr wrap="square" rtlCol="0">
-            <a:spAutoFit/>
-          </a:bodyPr>
-          <a:lstStyle/>
-          <a:p>
-            <a:pPr algn="ctr"/>
-            <a:r>
-              <a:rPr lang="ru-RU" sz="1600" dirty="0">
-                <a:latin typeface="Century Gothic" panose="020B0502020202020204" pitchFamily="34" charset="0"/>
-              </a:rPr>
-              <a:t>ридер 2</a:t>
-            </a:r>
-            <a:endParaRPr lang="en-US" sz="1600" dirty="0">
-              <a:latin typeface="Century Gothic" panose="020B0502020202020204" pitchFamily="34" charset="0"/>
-            </a:endParaRPr>
-          </a:p>
-        </p:txBody>
-      </p:sp>
-      <p:sp>
-        <p:nvSpPr>
-          <p:cNvPr id="57" name="TextBox 56"/>
-          <p:cNvSpPr txBox="1"/>
-          <p:nvPr/>
-        </p:nvSpPr>
-        <p:spPr>
-          <a:xfrm>
-            <a:off x="10265350" y="5841072"/>
-            <a:ext cx="1571853" cy="307777"/>
-          </a:xfrm>
-          <a:prstGeom prst="rect">
-            <a:avLst/>
-          </a:prstGeom>
-          <a:noFill/>
-        </p:spPr>
-        <p:txBody>
-          <a:bodyPr wrap="square" rtlCol="0">
-            <a:spAutoFit/>
-          </a:bodyPr>
-          <a:lstStyle/>
-          <a:p>
-            <a:pPr algn="ctr"/>
-            <a:r>
-              <a:rPr lang="ru-RU" sz="1400" dirty="0">
-                <a:latin typeface="Century Gothic" panose="020B0502020202020204" pitchFamily="34" charset="0"/>
-              </a:rPr>
-              <a:t>192.168.0.(80+</a:t>
-            </a:r>
-            <a:r>
-              <a:rPr lang="en-US" sz="1400" dirty="0">
-                <a:latin typeface="Century Gothic" panose="020B0502020202020204" pitchFamily="34" charset="0"/>
-              </a:rPr>
-              <a:t>n)</a:t>
-            </a:r>
-          </a:p>
-        </p:txBody>
-      </p:sp>
-      <p:sp>
-        <p:nvSpPr>
-          <p:cNvPr id="58" name="TextBox 57"/>
-          <p:cNvSpPr txBox="1"/>
-          <p:nvPr/>
-        </p:nvSpPr>
-        <p:spPr>
-          <a:xfrm>
-            <a:off x="10367457" y="5542255"/>
-            <a:ext cx="1025850" cy="338554"/>
-          </a:xfrm>
-          <a:prstGeom prst="rect">
-            <a:avLst/>
-          </a:prstGeom>
-          <a:noFill/>
-        </p:spPr>
-        <p:txBody>
-          <a:bodyPr wrap="square" rtlCol="0">
-            <a:spAutoFit/>
-          </a:bodyPr>
-          <a:lstStyle/>
-          <a:p>
-            <a:pPr algn="ctr"/>
-            <a:r>
-              <a:rPr lang="ru-RU" sz="1600" dirty="0">
-                <a:latin typeface="Century Gothic" panose="020B0502020202020204" pitchFamily="34" charset="0"/>
-              </a:rPr>
-              <a:t>ридер </a:t>
-            </a:r>
-            <a:r>
-              <a:rPr lang="en-US" sz="1600" dirty="0">
-                <a:latin typeface="Century Gothic" panose="020B0502020202020204" pitchFamily="34" charset="0"/>
-              </a:rPr>
-              <a:t>n</a:t>
-            </a:r>
-          </a:p>
-        </p:txBody>
-      </p:sp>
     </p:spTree>
     <p:extLst>
       <p:ext uri="{BB962C8B-B14F-4D97-AF65-F5344CB8AC3E}">
-        <p14:creationId xmlns:p14="http://schemas.microsoft.com/office/powerpoint/2010/main" val="3082423207"/>
+        <p14:creationId xmlns:p14="http://schemas.microsoft.com/office/powerpoint/2010/main" val="1207261339"/>
       </p:ext>
     </p:extLst>
   </p:cSld>
@@ -6264,7 +6677,7 @@
         </p:nvSpPr>
         <p:spPr>
           <a:xfrm>
-            <a:off x="2906973" y="436728"/>
+            <a:off x="3534770" y="450376"/>
             <a:ext cx="184731" cy="369332"/>
           </a:xfrm>
           <a:prstGeom prst="rect">
@@ -6290,8 +6703,8 @@
         </p:nvSpPr>
         <p:spPr>
           <a:xfrm>
-            <a:off x="1355767" y="168153"/>
-            <a:ext cx="9480480" cy="646331"/>
+            <a:off x="2139628" y="111822"/>
+            <a:ext cx="7912744" cy="707886"/>
           </a:xfrm>
           <a:prstGeom prst="rect">
             <a:avLst/>
@@ -6305,6 +6718,1928 @@
           <a:lstStyle/>
           <a:p>
             <a:pPr algn="ctr"/>
+            <a:r>
+              <a:rPr lang="ru-RU" sz="4000" dirty="0">
+                <a:solidFill>
+                  <a:schemeClr val="bg1">
+                    <a:lumMod val="95000"/>
+                  </a:schemeClr>
+                </a:solidFill>
+                <a:effectLst>
+                  <a:outerShdw blurRad="38100" dist="38100" dir="2700000" algn="tl">
+                    <a:srgbClr val="000000">
+                      <a:alpha val="43137"/>
+                    </a:srgbClr>
+                  </a:outerShdw>
+                </a:effectLst>
+                <a:latin typeface="Century Gothic" panose="020B0502020202020204" pitchFamily="34" charset="0"/>
+              </a:rPr>
+              <a:t>Результаты анализа </a:t>
+            </a:r>
+            <a:r>
+              <a:rPr lang="en-US" sz="4000" dirty="0" err="1">
+                <a:solidFill>
+                  <a:schemeClr val="bg1">
+                    <a:lumMod val="95000"/>
+                  </a:schemeClr>
+                </a:solidFill>
+                <a:effectLst>
+                  <a:outerShdw blurRad="38100" dist="38100" dir="2700000" algn="tl">
+                    <a:srgbClr val="000000">
+                      <a:alpha val="43137"/>
+                    </a:srgbClr>
+                  </a:outerShdw>
+                </a:effectLst>
+                <a:latin typeface="Century Gothic" panose="020B0502020202020204" pitchFamily="34" charset="0"/>
+              </a:rPr>
+              <a:t>FloraWare</a:t>
+            </a:r>
+            <a:endParaRPr lang="ru-RU" sz="4000" dirty="0">
+              <a:solidFill>
+                <a:schemeClr val="bg1">
+                  <a:lumMod val="95000"/>
+                </a:schemeClr>
+              </a:solidFill>
+              <a:effectLst>
+                <a:outerShdw blurRad="38100" dist="38100" dir="2700000" algn="tl">
+                  <a:srgbClr val="000000">
+                    <a:alpha val="43137"/>
+                  </a:srgbClr>
+                </a:outerShdw>
+              </a:effectLst>
+              <a:latin typeface="Century Gothic" panose="020B0502020202020204" pitchFamily="34" charset="0"/>
+            </a:endParaRPr>
+          </a:p>
+        </p:txBody>
+      </p:sp>
+      <p:pic>
+        <p:nvPicPr>
+          <p:cNvPr id="3" name="Picture 2">
+            <a:extLst>
+              <a:ext uri="{FF2B5EF4-FFF2-40B4-BE49-F238E27FC236}">
+                <a16:creationId xmlns:a16="http://schemas.microsoft.com/office/drawing/2014/main" id="{CF1DBCE9-7EDD-C8A1-1C96-7712C196D26C}"/>
+              </a:ext>
+            </a:extLst>
+          </p:cNvPr>
+          <p:cNvPicPr>
+            <a:picLocks noChangeAspect="1"/>
+          </p:cNvPicPr>
+          <p:nvPr/>
+        </p:nvPicPr>
+        <p:blipFill>
+          <a:blip r:embed="rId3" cstate="print">
+            <a:extLst>
+              <a:ext uri="{28A0092B-C50C-407E-A947-70E740481C1C}">
+                <a14:useLocalDpi xmlns:a14="http://schemas.microsoft.com/office/drawing/2010/main" val="0"/>
+              </a:ext>
+            </a:extLst>
+          </a:blip>
+          <a:stretch>
+            <a:fillRect/>
+          </a:stretch>
+        </p:blipFill>
+        <p:spPr>
+          <a:xfrm>
+            <a:off x="925594" y="3168762"/>
+            <a:ext cx="1665203" cy="1465377"/>
+          </a:xfrm>
+          <a:prstGeom prst="rect">
+            <a:avLst/>
+          </a:prstGeom>
+        </p:spPr>
+      </p:pic>
+      <p:sp>
+        <p:nvSpPr>
+          <p:cNvPr id="4" name="TextBox 3">
+            <a:extLst>
+              <a:ext uri="{FF2B5EF4-FFF2-40B4-BE49-F238E27FC236}">
+                <a16:creationId xmlns:a16="http://schemas.microsoft.com/office/drawing/2014/main" id="{9B45C4F2-83F8-7E63-5A7F-55DCF21B4F67}"/>
+              </a:ext>
+            </a:extLst>
+          </p:cNvPr>
+          <p:cNvSpPr txBox="1"/>
+          <p:nvPr/>
+        </p:nvSpPr>
+        <p:spPr>
+          <a:xfrm>
+            <a:off x="1011051" y="4544498"/>
+            <a:ext cx="1494291" cy="400110"/>
+          </a:xfrm>
+          <a:prstGeom prst="rect">
+            <a:avLst/>
+          </a:prstGeom>
+          <a:noFill/>
+        </p:spPr>
+        <p:txBody>
+          <a:bodyPr wrap="square" rtlCol="0">
+            <a:spAutoFit/>
+          </a:bodyPr>
+          <a:lstStyle/>
+          <a:p>
+            <a:pPr algn="ctr"/>
+            <a:r>
+              <a:rPr lang="en-US" sz="2000" dirty="0" err="1">
+                <a:latin typeface="Century Gothic" panose="020B0502020202020204" pitchFamily="34" charset="0"/>
+              </a:rPr>
+              <a:t>FloraWare</a:t>
+            </a:r>
+            <a:endParaRPr lang="ru-RU" sz="2000" dirty="0">
+              <a:latin typeface="Century Gothic" panose="020B0502020202020204" pitchFamily="34" charset="0"/>
+            </a:endParaRPr>
+          </a:p>
+        </p:txBody>
+      </p:sp>
+      <p:sp>
+        <p:nvSpPr>
+          <p:cNvPr id="6" name="Rectangle 5">
+            <a:extLst>
+              <a:ext uri="{FF2B5EF4-FFF2-40B4-BE49-F238E27FC236}">
+                <a16:creationId xmlns:a16="http://schemas.microsoft.com/office/drawing/2014/main" id="{826F21BF-4FFB-C471-BD15-5D78796E9C17}"/>
+              </a:ext>
+            </a:extLst>
+          </p:cNvPr>
+          <p:cNvSpPr/>
+          <p:nvPr/>
+        </p:nvSpPr>
+        <p:spPr>
+          <a:xfrm>
+            <a:off x="3281681" y="1158262"/>
+            <a:ext cx="8696960" cy="5486378"/>
+          </a:xfrm>
+          <a:prstGeom prst="rect">
+            <a:avLst/>
+          </a:prstGeom>
+          <a:noFill/>
+          <a:ln w="76200">
+            <a:solidFill>
+              <a:schemeClr val="accent1">
+                <a:lumMod val="50000"/>
+              </a:schemeClr>
+            </a:solidFill>
+          </a:ln>
+        </p:spPr>
+        <p:style>
+          <a:lnRef idx="2">
+            <a:schemeClr val="accent6"/>
+          </a:lnRef>
+          <a:fillRef idx="1">
+            <a:schemeClr val="lt1"/>
+          </a:fillRef>
+          <a:effectRef idx="0">
+            <a:schemeClr val="accent6"/>
+          </a:effectRef>
+          <a:fontRef idx="minor">
+            <a:schemeClr val="dk1"/>
+          </a:fontRef>
+        </p:style>
+        <p:txBody>
+          <a:bodyPr rtlCol="0" anchor="ctr"/>
+          <a:lstStyle/>
+          <a:p>
+            <a:pPr algn="ctr"/>
+            <a:endParaRPr lang="en-US"/>
+          </a:p>
+        </p:txBody>
+      </p:sp>
+      <p:sp>
+        <p:nvSpPr>
+          <p:cNvPr id="10" name="TextBox 9">
+            <a:extLst>
+              <a:ext uri="{FF2B5EF4-FFF2-40B4-BE49-F238E27FC236}">
+                <a16:creationId xmlns:a16="http://schemas.microsoft.com/office/drawing/2014/main" id="{9DDC8573-D78C-B14C-4507-D4DABFFBE1AC}"/>
+              </a:ext>
+            </a:extLst>
+          </p:cNvPr>
+          <p:cNvSpPr txBox="1"/>
+          <p:nvPr/>
+        </p:nvSpPr>
+        <p:spPr>
+          <a:xfrm>
+            <a:off x="8244718" y="2831367"/>
+            <a:ext cx="3615309" cy="707886"/>
+          </a:xfrm>
+          <a:prstGeom prst="rect">
+            <a:avLst/>
+          </a:prstGeom>
+          <a:noFill/>
+        </p:spPr>
+        <p:txBody>
+          <a:bodyPr wrap="square" rtlCol="0">
+            <a:spAutoFit/>
+          </a:bodyPr>
+          <a:lstStyle/>
+          <a:p>
+            <a:pPr algn="ctr"/>
+            <a:r>
+              <a:rPr lang="ru-RU" sz="2000" dirty="0">
+                <a:latin typeface="Century Gothic" panose="020B0502020202020204" pitchFamily="34" charset="0"/>
+              </a:rPr>
+              <a:t>Инструменты разработки/тестирования</a:t>
+            </a:r>
+          </a:p>
+        </p:txBody>
+      </p:sp>
+      <p:pic>
+        <p:nvPicPr>
+          <p:cNvPr id="11" name="Picture 10">
+            <a:extLst>
+              <a:ext uri="{FF2B5EF4-FFF2-40B4-BE49-F238E27FC236}">
+                <a16:creationId xmlns:a16="http://schemas.microsoft.com/office/drawing/2014/main" id="{16F5385B-82BF-9994-60D6-96CEF66D4EA7}"/>
+              </a:ext>
+            </a:extLst>
+          </p:cNvPr>
+          <p:cNvPicPr>
+            <a:picLocks noChangeAspect="1"/>
+          </p:cNvPicPr>
+          <p:nvPr/>
+        </p:nvPicPr>
+        <p:blipFill>
+          <a:blip r:embed="rId4">
+            <a:extLst>
+              <a:ext uri="{28A0092B-C50C-407E-A947-70E740481C1C}">
+                <a14:useLocalDpi xmlns:a14="http://schemas.microsoft.com/office/drawing/2010/main" val="0"/>
+              </a:ext>
+            </a:extLst>
+          </a:blip>
+          <a:stretch>
+            <a:fillRect/>
+          </a:stretch>
+        </p:blipFill>
+        <p:spPr>
+          <a:xfrm>
+            <a:off x="4163040" y="1729465"/>
+            <a:ext cx="1841152" cy="1341236"/>
+          </a:xfrm>
+          <a:prstGeom prst="rect">
+            <a:avLst/>
+          </a:prstGeom>
+        </p:spPr>
+      </p:pic>
+      <p:sp>
+        <p:nvSpPr>
+          <p:cNvPr id="12" name="TextBox 11">
+            <a:extLst>
+              <a:ext uri="{FF2B5EF4-FFF2-40B4-BE49-F238E27FC236}">
+                <a16:creationId xmlns:a16="http://schemas.microsoft.com/office/drawing/2014/main" id="{787E0851-078A-9C9C-AE72-EE0675FFE32A}"/>
+              </a:ext>
+            </a:extLst>
+          </p:cNvPr>
+          <p:cNvSpPr txBox="1"/>
+          <p:nvPr/>
+        </p:nvSpPr>
+        <p:spPr>
+          <a:xfrm>
+            <a:off x="3719501" y="3045898"/>
+            <a:ext cx="2728230" cy="400110"/>
+          </a:xfrm>
+          <a:prstGeom prst="rect">
+            <a:avLst/>
+          </a:prstGeom>
+          <a:noFill/>
+        </p:spPr>
+        <p:txBody>
+          <a:bodyPr wrap="square" rtlCol="0">
+            <a:spAutoFit/>
+          </a:bodyPr>
+          <a:lstStyle/>
+          <a:p>
+            <a:pPr algn="ctr"/>
+            <a:r>
+              <a:rPr lang="ru-RU" sz="2000" dirty="0">
+                <a:latin typeface="Century Gothic" panose="020B0502020202020204" pitchFamily="34" charset="0"/>
+              </a:rPr>
+              <a:t>Объектная машина</a:t>
+            </a:r>
+          </a:p>
+        </p:txBody>
+      </p:sp>
+      <p:pic>
+        <p:nvPicPr>
+          <p:cNvPr id="13" name="Picture 12">
+            <a:extLst>
+              <a:ext uri="{FF2B5EF4-FFF2-40B4-BE49-F238E27FC236}">
+                <a16:creationId xmlns:a16="http://schemas.microsoft.com/office/drawing/2014/main" id="{99D6B4F5-4F08-09C3-BAAB-6BC31A2A46C3}"/>
+              </a:ext>
+            </a:extLst>
+          </p:cNvPr>
+          <p:cNvPicPr>
+            <a:picLocks noChangeAspect="1"/>
+          </p:cNvPicPr>
+          <p:nvPr/>
+        </p:nvPicPr>
+        <p:blipFill>
+          <a:blip r:embed="rId3" cstate="print">
+            <a:extLst>
+              <a:ext uri="{28A0092B-C50C-407E-A947-70E740481C1C}">
+                <a14:useLocalDpi xmlns:a14="http://schemas.microsoft.com/office/drawing/2010/main" val="0"/>
+              </a:ext>
+            </a:extLst>
+          </a:blip>
+          <a:stretch>
+            <a:fillRect/>
+          </a:stretch>
+        </p:blipFill>
+        <p:spPr>
+          <a:xfrm>
+            <a:off x="9219770" y="1278178"/>
+            <a:ext cx="1665203" cy="1465377"/>
+          </a:xfrm>
+          <a:prstGeom prst="rect">
+            <a:avLst/>
+          </a:prstGeom>
+        </p:spPr>
+      </p:pic>
+      <p:pic>
+        <p:nvPicPr>
+          <p:cNvPr id="1026" name="Picture 2" descr="Picture background">
+            <a:extLst>
+              <a:ext uri="{FF2B5EF4-FFF2-40B4-BE49-F238E27FC236}">
+                <a16:creationId xmlns:a16="http://schemas.microsoft.com/office/drawing/2014/main" id="{AC7C7E95-9F35-B009-929F-0A28478BF563}"/>
+              </a:ext>
+            </a:extLst>
+          </p:cNvPr>
+          <p:cNvPicPr>
+            <a:picLocks noChangeAspect="1" noChangeArrowheads="1"/>
+          </p:cNvPicPr>
+          <p:nvPr/>
+        </p:nvPicPr>
+        <p:blipFill>
+          <a:blip r:embed="rId5" cstate="print">
+            <a:extLst>
+              <a:ext uri="{28A0092B-C50C-407E-A947-70E740481C1C}">
+                <a14:useLocalDpi xmlns:a14="http://schemas.microsoft.com/office/drawing/2010/main" val="0"/>
+              </a:ext>
+            </a:extLst>
+          </a:blip>
+          <a:srcRect/>
+          <a:stretch>
+            <a:fillRect/>
+          </a:stretch>
+        </p:blipFill>
+        <p:spPr bwMode="auto">
+          <a:xfrm>
+            <a:off x="3903656" y="4367342"/>
+            <a:ext cx="1482419" cy="1449208"/>
+          </a:xfrm>
+          <a:prstGeom prst="rect">
+            <a:avLst/>
+          </a:prstGeom>
+          <a:noFill/>
+          <a:extLst>
+            <a:ext uri="{909E8E84-426E-40DD-AFC4-6F175D3DCCD1}">
+              <a14:hiddenFill xmlns:a14="http://schemas.microsoft.com/office/drawing/2010/main">
+                <a:solidFill>
+                  <a:srgbClr val="FFFFFF"/>
+                </a:solidFill>
+              </a14:hiddenFill>
+            </a:ext>
+          </a:extLst>
+        </p:spPr>
+      </p:pic>
+      <p:sp>
+        <p:nvSpPr>
+          <p:cNvPr id="17" name="Rectangle 16">
+            <a:extLst>
+              <a:ext uri="{FF2B5EF4-FFF2-40B4-BE49-F238E27FC236}">
+                <a16:creationId xmlns:a16="http://schemas.microsoft.com/office/drawing/2014/main" id="{529C2627-CD5F-A902-B215-21B7C19F6F64}"/>
+              </a:ext>
+            </a:extLst>
+          </p:cNvPr>
+          <p:cNvSpPr/>
+          <p:nvPr/>
+        </p:nvSpPr>
+        <p:spPr>
+          <a:xfrm>
+            <a:off x="5979802" y="3659386"/>
+            <a:ext cx="5880225" cy="2865120"/>
+          </a:xfrm>
+          <a:prstGeom prst="rect">
+            <a:avLst/>
+          </a:prstGeom>
+          <a:noFill/>
+          <a:ln w="76200">
+            <a:solidFill>
+              <a:schemeClr val="accent1">
+                <a:lumMod val="50000"/>
+              </a:schemeClr>
+            </a:solidFill>
+          </a:ln>
+        </p:spPr>
+        <p:style>
+          <a:lnRef idx="2">
+            <a:schemeClr val="accent6"/>
+          </a:lnRef>
+          <a:fillRef idx="1">
+            <a:schemeClr val="lt1"/>
+          </a:fillRef>
+          <a:effectRef idx="0">
+            <a:schemeClr val="accent6"/>
+          </a:effectRef>
+          <a:fontRef idx="minor">
+            <a:schemeClr val="dk1"/>
+          </a:fontRef>
+        </p:style>
+        <p:txBody>
+          <a:bodyPr rtlCol="0" anchor="ctr"/>
+          <a:lstStyle/>
+          <a:p>
+            <a:pPr algn="ctr"/>
+            <a:endParaRPr lang="en-US"/>
+          </a:p>
+        </p:txBody>
+      </p:sp>
+      <p:pic>
+        <p:nvPicPr>
+          <p:cNvPr id="19" name="Picture 18">
+            <a:extLst>
+              <a:ext uri="{FF2B5EF4-FFF2-40B4-BE49-F238E27FC236}">
+                <a16:creationId xmlns:a16="http://schemas.microsoft.com/office/drawing/2014/main" id="{C8AF9E84-9983-8330-64F7-2A0E560EB87A}"/>
+              </a:ext>
+            </a:extLst>
+          </p:cNvPr>
+          <p:cNvPicPr>
+            <a:picLocks noChangeAspect="1"/>
+          </p:cNvPicPr>
+          <p:nvPr/>
+        </p:nvPicPr>
+        <p:blipFill>
+          <a:blip r:embed="rId6"/>
+          <a:stretch>
+            <a:fillRect/>
+          </a:stretch>
+        </p:blipFill>
+        <p:spPr>
+          <a:xfrm>
+            <a:off x="6004192" y="4339959"/>
+            <a:ext cx="1669528" cy="1669528"/>
+          </a:xfrm>
+          <a:prstGeom prst="rect">
+            <a:avLst/>
+          </a:prstGeom>
+        </p:spPr>
+      </p:pic>
+      <p:pic>
+        <p:nvPicPr>
+          <p:cNvPr id="20" name="Picture 19">
+            <a:extLst>
+              <a:ext uri="{FF2B5EF4-FFF2-40B4-BE49-F238E27FC236}">
+                <a16:creationId xmlns:a16="http://schemas.microsoft.com/office/drawing/2014/main" id="{F4C83E37-90D7-C377-6624-E555648A8E0C}"/>
+              </a:ext>
+            </a:extLst>
+          </p:cNvPr>
+          <p:cNvPicPr>
+            <a:picLocks noChangeAspect="1"/>
+          </p:cNvPicPr>
+          <p:nvPr/>
+        </p:nvPicPr>
+        <p:blipFill>
+          <a:blip r:embed="rId7"/>
+          <a:stretch>
+            <a:fillRect/>
+          </a:stretch>
+        </p:blipFill>
+        <p:spPr>
+          <a:xfrm rot="9592064" flipH="1">
+            <a:off x="7517868" y="4390442"/>
+            <a:ext cx="1059766" cy="308112"/>
+          </a:xfrm>
+          <a:prstGeom prst="rect">
+            <a:avLst/>
+          </a:prstGeom>
+        </p:spPr>
+      </p:pic>
+      <p:pic>
+        <p:nvPicPr>
+          <p:cNvPr id="21" name="Picture 20">
+            <a:extLst>
+              <a:ext uri="{FF2B5EF4-FFF2-40B4-BE49-F238E27FC236}">
+                <a16:creationId xmlns:a16="http://schemas.microsoft.com/office/drawing/2014/main" id="{B86577F3-4CC3-19A8-55D7-8A0E035500C3}"/>
+              </a:ext>
+            </a:extLst>
+          </p:cNvPr>
+          <p:cNvPicPr>
+            <a:picLocks noChangeAspect="1"/>
+          </p:cNvPicPr>
+          <p:nvPr/>
+        </p:nvPicPr>
+        <p:blipFill>
+          <a:blip r:embed="rId8"/>
+          <a:stretch>
+            <a:fillRect/>
+          </a:stretch>
+        </p:blipFill>
+        <p:spPr>
+          <a:xfrm>
+            <a:off x="8716897" y="3849601"/>
+            <a:ext cx="1005746" cy="735748"/>
+          </a:xfrm>
+          <a:prstGeom prst="rect">
+            <a:avLst/>
+          </a:prstGeom>
+        </p:spPr>
+      </p:pic>
+      <p:pic>
+        <p:nvPicPr>
+          <p:cNvPr id="22" name="Picture 21">
+            <a:extLst>
+              <a:ext uri="{FF2B5EF4-FFF2-40B4-BE49-F238E27FC236}">
+                <a16:creationId xmlns:a16="http://schemas.microsoft.com/office/drawing/2014/main" id="{51DBA387-5662-335F-AA03-FD852A3E2C20}"/>
+              </a:ext>
+            </a:extLst>
+          </p:cNvPr>
+          <p:cNvPicPr>
+            <a:picLocks noChangeAspect="1"/>
+          </p:cNvPicPr>
+          <p:nvPr/>
+        </p:nvPicPr>
+        <p:blipFill>
+          <a:blip r:embed="rId7"/>
+          <a:stretch>
+            <a:fillRect/>
+          </a:stretch>
+        </p:blipFill>
+        <p:spPr>
+          <a:xfrm rot="10800000" flipH="1">
+            <a:off x="9841257" y="4031847"/>
+            <a:ext cx="854529" cy="308112"/>
+          </a:xfrm>
+          <a:prstGeom prst="rect">
+            <a:avLst/>
+          </a:prstGeom>
+        </p:spPr>
+      </p:pic>
+      <p:sp>
+        <p:nvSpPr>
+          <p:cNvPr id="23" name="TextBox 22">
+            <a:extLst>
+              <a:ext uri="{FF2B5EF4-FFF2-40B4-BE49-F238E27FC236}">
+                <a16:creationId xmlns:a16="http://schemas.microsoft.com/office/drawing/2014/main" id="{300927BD-963C-6B41-2286-55D7E5EC7DF9}"/>
+              </a:ext>
+            </a:extLst>
+          </p:cNvPr>
+          <p:cNvSpPr txBox="1"/>
+          <p:nvPr/>
+        </p:nvSpPr>
+        <p:spPr>
+          <a:xfrm>
+            <a:off x="8786078" y="5462143"/>
+            <a:ext cx="867383" cy="769441"/>
+          </a:xfrm>
+          <a:prstGeom prst="rect">
+            <a:avLst/>
+          </a:prstGeom>
+          <a:noFill/>
+        </p:spPr>
+        <p:txBody>
+          <a:bodyPr wrap="square" rtlCol="0">
+            <a:spAutoFit/>
+          </a:bodyPr>
+          <a:lstStyle/>
+          <a:p>
+            <a:pPr algn="ctr"/>
+            <a:r>
+              <a:rPr lang="ru-RU" sz="4400" dirty="0">
+                <a:latin typeface="Century Gothic" panose="020B0502020202020204" pitchFamily="34" charset="0"/>
+              </a:rPr>
+              <a:t>...</a:t>
+            </a:r>
+          </a:p>
+        </p:txBody>
+      </p:sp>
+      <p:pic>
+        <p:nvPicPr>
+          <p:cNvPr id="24" name="Picture 23">
+            <a:extLst>
+              <a:ext uri="{FF2B5EF4-FFF2-40B4-BE49-F238E27FC236}">
+                <a16:creationId xmlns:a16="http://schemas.microsoft.com/office/drawing/2014/main" id="{AE9F6B3D-4334-45C1-DC3A-EACDB100442C}"/>
+              </a:ext>
+            </a:extLst>
+          </p:cNvPr>
+          <p:cNvPicPr>
+            <a:picLocks noChangeAspect="1"/>
+          </p:cNvPicPr>
+          <p:nvPr/>
+        </p:nvPicPr>
+        <p:blipFill>
+          <a:blip r:embed="rId7"/>
+          <a:stretch>
+            <a:fillRect/>
+          </a:stretch>
+        </p:blipFill>
+        <p:spPr>
+          <a:xfrm rot="10800000" flipH="1">
+            <a:off x="7538516" y="4991654"/>
+            <a:ext cx="1059766" cy="308112"/>
+          </a:xfrm>
+          <a:prstGeom prst="rect">
+            <a:avLst/>
+          </a:prstGeom>
+        </p:spPr>
+      </p:pic>
+      <p:pic>
+        <p:nvPicPr>
+          <p:cNvPr id="26" name="Picture 25">
+            <a:extLst>
+              <a:ext uri="{FF2B5EF4-FFF2-40B4-BE49-F238E27FC236}">
+                <a16:creationId xmlns:a16="http://schemas.microsoft.com/office/drawing/2014/main" id="{B79D213F-AE7A-7D2E-A7F1-B04FB8295929}"/>
+              </a:ext>
+            </a:extLst>
+          </p:cNvPr>
+          <p:cNvPicPr>
+            <a:picLocks noChangeAspect="1"/>
+          </p:cNvPicPr>
+          <p:nvPr/>
+        </p:nvPicPr>
+        <p:blipFill>
+          <a:blip r:embed="rId7"/>
+          <a:stretch>
+            <a:fillRect/>
+          </a:stretch>
+        </p:blipFill>
+        <p:spPr>
+          <a:xfrm rot="12007936" flipH="1" flipV="1">
+            <a:off x="7517867" y="5635110"/>
+            <a:ext cx="1059766" cy="308112"/>
+          </a:xfrm>
+          <a:prstGeom prst="rect">
+            <a:avLst/>
+          </a:prstGeom>
+        </p:spPr>
+      </p:pic>
+      <p:pic>
+        <p:nvPicPr>
+          <p:cNvPr id="27" name="Picture 26">
+            <a:extLst>
+              <a:ext uri="{FF2B5EF4-FFF2-40B4-BE49-F238E27FC236}">
+                <a16:creationId xmlns:a16="http://schemas.microsoft.com/office/drawing/2014/main" id="{E25386FE-E8B7-1759-A3B7-3CFD1C721106}"/>
+              </a:ext>
+            </a:extLst>
+          </p:cNvPr>
+          <p:cNvPicPr>
+            <a:picLocks noChangeAspect="1"/>
+          </p:cNvPicPr>
+          <p:nvPr/>
+        </p:nvPicPr>
+        <p:blipFill>
+          <a:blip r:embed="rId9"/>
+          <a:stretch>
+            <a:fillRect/>
+          </a:stretch>
+        </p:blipFill>
+        <p:spPr>
+          <a:xfrm>
+            <a:off x="8690656" y="4616596"/>
+            <a:ext cx="1058228" cy="1058228"/>
+          </a:xfrm>
+          <a:prstGeom prst="rect">
+            <a:avLst/>
+          </a:prstGeom>
+        </p:spPr>
+      </p:pic>
+      <p:sp>
+        <p:nvSpPr>
+          <p:cNvPr id="28" name="TextBox 27">
+            <a:extLst>
+              <a:ext uri="{FF2B5EF4-FFF2-40B4-BE49-F238E27FC236}">
+                <a16:creationId xmlns:a16="http://schemas.microsoft.com/office/drawing/2014/main" id="{F6E18158-733D-547D-27F2-2322D429F79C}"/>
+              </a:ext>
+            </a:extLst>
+          </p:cNvPr>
+          <p:cNvSpPr txBox="1"/>
+          <p:nvPr/>
+        </p:nvSpPr>
+        <p:spPr>
+          <a:xfrm>
+            <a:off x="10848186" y="3779465"/>
+            <a:ext cx="867383" cy="769441"/>
+          </a:xfrm>
+          <a:prstGeom prst="rect">
+            <a:avLst/>
+          </a:prstGeom>
+          <a:noFill/>
+        </p:spPr>
+        <p:txBody>
+          <a:bodyPr wrap="square" rtlCol="0">
+            <a:spAutoFit/>
+          </a:bodyPr>
+          <a:lstStyle/>
+          <a:p>
+            <a:pPr algn="ctr"/>
+            <a:r>
+              <a:rPr lang="ru-RU" sz="4400" dirty="0">
+                <a:latin typeface="Century Gothic" panose="020B0502020202020204" pitchFamily="34" charset="0"/>
+              </a:rPr>
+              <a:t>...</a:t>
+            </a:r>
+          </a:p>
+        </p:txBody>
+      </p:sp>
+      <p:cxnSp>
+        <p:nvCxnSpPr>
+          <p:cNvPr id="16" name="Straight Connector 15"/>
+          <p:cNvCxnSpPr>
+            <a:stCxn id="1026" idx="3"/>
+            <a:endCxn id="17" idx="1"/>
+          </p:cNvCxnSpPr>
+          <p:nvPr/>
+        </p:nvCxnSpPr>
+        <p:spPr>
+          <a:xfrm>
+            <a:off x="5386075" y="5091946"/>
+            <a:ext cx="593727" cy="0"/>
+          </a:xfrm>
+          <a:prstGeom prst="line">
+            <a:avLst/>
+          </a:prstGeom>
+          <a:ln w="57150">
+            <a:solidFill>
+              <a:schemeClr val="accent1">
+                <a:lumMod val="50000"/>
+              </a:schemeClr>
+            </a:solidFill>
+          </a:ln>
+        </p:spPr>
+        <p:style>
+          <a:lnRef idx="1">
+            <a:schemeClr val="accent1"/>
+          </a:lnRef>
+          <a:fillRef idx="0">
+            <a:schemeClr val="accent1"/>
+          </a:fillRef>
+          <a:effectRef idx="0">
+            <a:schemeClr val="accent1"/>
+          </a:effectRef>
+          <a:fontRef idx="minor">
+            <a:schemeClr val="tx1"/>
+          </a:fontRef>
+        </p:style>
+      </p:cxnSp>
+      <p:sp>
+        <p:nvSpPr>
+          <p:cNvPr id="31" name="TextBox 30">
+            <a:extLst>
+              <a:ext uri="{FF2B5EF4-FFF2-40B4-BE49-F238E27FC236}">
+                <a16:creationId xmlns:a16="http://schemas.microsoft.com/office/drawing/2014/main" id="{9B45C4F2-83F8-7E63-5A7F-55DCF21B4F67}"/>
+              </a:ext>
+            </a:extLst>
+          </p:cNvPr>
+          <p:cNvSpPr txBox="1"/>
+          <p:nvPr/>
+        </p:nvSpPr>
+        <p:spPr>
+          <a:xfrm>
+            <a:off x="3536045" y="5803800"/>
+            <a:ext cx="1855967" cy="400110"/>
+          </a:xfrm>
+          <a:prstGeom prst="rect">
+            <a:avLst/>
+          </a:prstGeom>
+          <a:noFill/>
+        </p:spPr>
+        <p:txBody>
+          <a:bodyPr wrap="square" rtlCol="0">
+            <a:spAutoFit/>
+          </a:bodyPr>
+          <a:lstStyle/>
+          <a:p>
+            <a:pPr algn="ctr"/>
+            <a:r>
+              <a:rPr lang="ru-RU" sz="2000" dirty="0" smtClean="0">
+                <a:latin typeface="Century Gothic" panose="020B0502020202020204" pitchFamily="34" charset="0"/>
+              </a:rPr>
+              <a:t>Приложение</a:t>
+            </a:r>
+            <a:endParaRPr lang="ru-RU" sz="2000" dirty="0">
+              <a:latin typeface="Century Gothic" panose="020B0502020202020204" pitchFamily="34" charset="0"/>
+            </a:endParaRPr>
+          </a:p>
+        </p:txBody>
+      </p:sp>
+      <p:cxnSp>
+        <p:nvCxnSpPr>
+          <p:cNvPr id="32" name="Straight Connector 31"/>
+          <p:cNvCxnSpPr>
+            <a:stCxn id="3" idx="3"/>
+            <a:endCxn id="6" idx="1"/>
+          </p:cNvCxnSpPr>
+          <p:nvPr/>
+        </p:nvCxnSpPr>
+        <p:spPr>
+          <a:xfrm>
+            <a:off x="2590797" y="3901451"/>
+            <a:ext cx="690884" cy="0"/>
+          </a:xfrm>
+          <a:prstGeom prst="line">
+            <a:avLst/>
+          </a:prstGeom>
+          <a:ln w="57150">
+            <a:solidFill>
+              <a:schemeClr val="accent1">
+                <a:lumMod val="50000"/>
+              </a:schemeClr>
+            </a:solidFill>
+          </a:ln>
+        </p:spPr>
+        <p:style>
+          <a:lnRef idx="1">
+            <a:schemeClr val="accent1"/>
+          </a:lnRef>
+          <a:fillRef idx="0">
+            <a:schemeClr val="accent1"/>
+          </a:fillRef>
+          <a:effectRef idx="0">
+            <a:schemeClr val="accent1"/>
+          </a:effectRef>
+          <a:fontRef idx="minor">
+            <a:schemeClr val="tx1"/>
+          </a:fontRef>
+        </p:style>
+      </p:cxnSp>
+    </p:spTree>
+    <p:extLst>
+      <p:ext uri="{BB962C8B-B14F-4D97-AF65-F5344CB8AC3E}">
+        <p14:creationId xmlns:p14="http://schemas.microsoft.com/office/powerpoint/2010/main" val="2776416030"/>
+      </p:ext>
+    </p:extLst>
+  </p:cSld>
+  <p:clrMapOvr>
+    <a:masterClrMapping/>
+  </p:clrMapOvr>
+  <p:timing>
+    <p:tnLst>
+      <p:par>
+        <p:cTn id="1" dur="indefinite" restart="never" nodeType="tmRoot">
+          <p:childTnLst>
+            <p:seq concurrent="1" nextAc="seek">
+              <p:cTn id="2" dur="indefinite" nodeType="mainSeq">
+                <p:childTnLst>
+                  <p:par>
+                    <p:cTn id="3" fill="hold">
+                      <p:stCondLst>
+                        <p:cond delay="indefinite"/>
+                      </p:stCondLst>
+                      <p:childTnLst>
+                        <p:par>
+                          <p:cTn id="4" fill="hold">
+                            <p:stCondLst>
+                              <p:cond delay="0"/>
+                            </p:stCondLst>
+                            <p:childTnLst>
+                              <p:par>
+                                <p:cTn id="5" presetID="1" presetClass="entr" presetSubtype="0" fill="hold" nodeType="clickEffect">
+                                  <p:stCondLst>
+                                    <p:cond delay="0"/>
+                                  </p:stCondLst>
+                                  <p:childTnLst>
+                                    <p:set>
+                                      <p:cBhvr>
+                                        <p:cTn id="6" dur="1" fill="hold">
+                                          <p:stCondLst>
+                                            <p:cond delay="0"/>
+                                          </p:stCondLst>
+                                        </p:cTn>
+                                        <p:tgtEl>
+                                          <p:spTgt spid="20"/>
+                                        </p:tgtEl>
+                                        <p:attrNameLst>
+                                          <p:attrName>style.visibility</p:attrName>
+                                        </p:attrNameLst>
+                                      </p:cBhvr>
+                                      <p:to>
+                                        <p:strVal val="visible"/>
+                                      </p:to>
+                                    </p:set>
+                                  </p:childTnLst>
+                                </p:cTn>
+                              </p:par>
+                            </p:childTnLst>
+                          </p:cTn>
+                        </p:par>
+                      </p:childTnLst>
+                    </p:cTn>
+                  </p:par>
+                  <p:par>
+                    <p:cTn id="7" fill="hold">
+                      <p:stCondLst>
+                        <p:cond delay="indefinite"/>
+                      </p:stCondLst>
+                      <p:childTnLst>
+                        <p:par>
+                          <p:cTn id="8" fill="hold">
+                            <p:stCondLst>
+                              <p:cond delay="0"/>
+                            </p:stCondLst>
+                            <p:childTnLst>
+                              <p:par>
+                                <p:cTn id="9" presetID="1" presetClass="entr" presetSubtype="0" fill="hold" nodeType="clickEffect">
+                                  <p:stCondLst>
+                                    <p:cond delay="0"/>
+                                  </p:stCondLst>
+                                  <p:childTnLst>
+                                    <p:set>
+                                      <p:cBhvr>
+                                        <p:cTn id="10" dur="1" fill="hold">
+                                          <p:stCondLst>
+                                            <p:cond delay="0"/>
+                                          </p:stCondLst>
+                                        </p:cTn>
+                                        <p:tgtEl>
+                                          <p:spTgt spid="22"/>
+                                        </p:tgtEl>
+                                        <p:attrNameLst>
+                                          <p:attrName>style.visibility</p:attrName>
+                                        </p:attrNameLst>
+                                      </p:cBhvr>
+                                      <p:to>
+                                        <p:strVal val="visible"/>
+                                      </p:to>
+                                    </p:set>
+                                  </p:childTnLst>
+                                </p:cTn>
+                              </p:par>
+                            </p:childTnLst>
+                          </p:cTn>
+                        </p:par>
+                      </p:childTnLst>
+                    </p:cTn>
+                  </p:par>
+                  <p:par>
+                    <p:cTn id="11" fill="hold">
+                      <p:stCondLst>
+                        <p:cond delay="indefinite"/>
+                      </p:stCondLst>
+                      <p:childTnLst>
+                        <p:par>
+                          <p:cTn id="12" fill="hold">
+                            <p:stCondLst>
+                              <p:cond delay="0"/>
+                            </p:stCondLst>
+                            <p:childTnLst>
+                              <p:par>
+                                <p:cTn id="13" presetID="1" presetClass="entr" presetSubtype="0" fill="hold" nodeType="clickEffect">
+                                  <p:stCondLst>
+                                    <p:cond delay="0"/>
+                                  </p:stCondLst>
+                                  <p:childTnLst>
+                                    <p:set>
+                                      <p:cBhvr>
+                                        <p:cTn id="14" dur="1" fill="hold">
+                                          <p:stCondLst>
+                                            <p:cond delay="0"/>
+                                          </p:stCondLst>
+                                        </p:cTn>
+                                        <p:tgtEl>
+                                          <p:spTgt spid="24"/>
+                                        </p:tgtEl>
+                                        <p:attrNameLst>
+                                          <p:attrName>style.visibility</p:attrName>
+                                        </p:attrNameLst>
+                                      </p:cBhvr>
+                                      <p:to>
+                                        <p:strVal val="visible"/>
+                                      </p:to>
+                                    </p:set>
+                                  </p:childTnLst>
+                                </p:cTn>
+                              </p:par>
+                            </p:childTnLst>
+                          </p:cTn>
+                        </p:par>
+                      </p:childTnLst>
+                    </p:cTn>
+                  </p:par>
+                  <p:par>
+                    <p:cTn id="15" fill="hold">
+                      <p:stCondLst>
+                        <p:cond delay="indefinite"/>
+                      </p:stCondLst>
+                      <p:childTnLst>
+                        <p:par>
+                          <p:cTn id="16" fill="hold">
+                            <p:stCondLst>
+                              <p:cond delay="0"/>
+                            </p:stCondLst>
+                            <p:childTnLst>
+                              <p:par>
+                                <p:cTn id="17" presetID="1" presetClass="entr" presetSubtype="0" fill="hold" nodeType="clickEffect">
+                                  <p:stCondLst>
+                                    <p:cond delay="0"/>
+                                  </p:stCondLst>
+                                  <p:childTnLst>
+                                    <p:set>
+                                      <p:cBhvr>
+                                        <p:cTn id="18" dur="1" fill="hold">
+                                          <p:stCondLst>
+                                            <p:cond delay="0"/>
+                                          </p:stCondLst>
+                                        </p:cTn>
+                                        <p:tgtEl>
+                                          <p:spTgt spid="26"/>
+                                        </p:tgtEl>
+                                        <p:attrNameLst>
+                                          <p:attrName>style.visibility</p:attrName>
+                                        </p:attrNameLst>
+                                      </p:cBhvr>
+                                      <p:to>
+                                        <p:strVal val="visible"/>
+                                      </p:to>
+                                    </p:set>
+                                  </p:childTnLst>
+                                </p:cTn>
+                              </p:par>
+                            </p:childTnLst>
+                          </p:cTn>
+                        </p:par>
+                      </p:childTnLst>
+                    </p:cTn>
+                  </p:par>
+                </p:childTnLst>
+              </p:cTn>
+              <p:prevCondLst>
+                <p:cond evt="onPrev" delay="0">
+                  <p:tgtEl>
+                    <p:sldTgt/>
+                  </p:tgtEl>
+                </p:cond>
+              </p:prevCondLst>
+              <p:nextCondLst>
+                <p:cond evt="onNext" delay="0">
+                  <p:tgtEl>
+                    <p:sldTgt/>
+                  </p:tgtEl>
+                </p:cond>
+              </p:nextCondLst>
+            </p:seq>
+          </p:childTnLst>
+        </p:cTn>
+      </p:par>
+    </p:tnLst>
+  </p:timing>
+</p:sld>
+</file>
+
+<file path=ppt/slides/slide7.xml><?xml version="1.0" encoding="utf-8"?>
+<p:sld xmlns:a="http://schemas.openxmlformats.org/drawingml/2006/main" xmlns:r="http://schemas.openxmlformats.org/officeDocument/2006/relationships" xmlns:p="http://schemas.openxmlformats.org/presentationml/2006/main">
+  <p:cSld>
+    <p:spTree>
+      <p:nvGrpSpPr>
+        <p:cNvPr id="1" name="">
+          <a:extLst>
+            <a:ext uri="{FF2B5EF4-FFF2-40B4-BE49-F238E27FC236}">
+              <a16:creationId xmlns:a16="http://schemas.microsoft.com/office/drawing/2014/main" id="{B8F0442B-81D0-2CC2-2C93-1F8DD98A2E76}"/>
+            </a:ext>
+          </a:extLst>
+        </p:cNvPr>
+        <p:cNvGrpSpPr/>
+        <p:nvPr/>
+      </p:nvGrpSpPr>
+      <p:grpSpPr>
+        <a:xfrm>
+          <a:off x="0" y="0"/>
+          <a:ext cx="0" cy="0"/>
+          <a:chOff x="0" y="0"/>
+          <a:chExt cx="0" cy="0"/>
+        </a:xfrm>
+      </p:grpSpPr>
+      <p:pic>
+        <p:nvPicPr>
+          <p:cNvPr id="2" name="Picture 2" descr="C:\Users\Андрей\Desktop\1\Безымянный-1.png">
+            <a:extLst>
+              <a:ext uri="{FF2B5EF4-FFF2-40B4-BE49-F238E27FC236}">
+                <a16:creationId xmlns:a16="http://schemas.microsoft.com/office/drawing/2014/main" id="{E803902E-49A7-2FBD-5D9C-0949DC18BCD6}"/>
+              </a:ext>
+            </a:extLst>
+          </p:cNvPr>
+          <p:cNvPicPr>
+            <a:picLocks noChangeAspect="1" noChangeArrowheads="1"/>
+          </p:cNvPicPr>
+          <p:nvPr/>
+        </p:nvPicPr>
+        <p:blipFill>
+          <a:blip r:embed="rId2">
+            <a:extLst>
+              <a:ext uri="{28A0092B-C50C-407E-A947-70E740481C1C}">
+                <a14:useLocalDpi xmlns:a14="http://schemas.microsoft.com/office/drawing/2010/main" val="0"/>
+              </a:ext>
+            </a:extLst>
+          </a:blip>
+          <a:srcRect/>
+          <a:stretch>
+            <a:fillRect/>
+          </a:stretch>
+        </p:blipFill>
+        <p:spPr bwMode="auto">
+          <a:xfrm>
+            <a:off x="0" y="0"/>
+            <a:ext cx="12192000" cy="982639"/>
+          </a:xfrm>
+          <a:prstGeom prst="rect">
+            <a:avLst/>
+          </a:prstGeom>
+          <a:noFill/>
+          <a:ln>
+            <a:noFill/>
+          </a:ln>
+          <a:extLst>
+            <a:ext uri="{909E8E84-426E-40DD-AFC4-6F175D3DCCD1}">
+              <a14:hiddenFill xmlns:a14="http://schemas.microsoft.com/office/drawing/2010/main">
+                <a:solidFill>
+                  <a:srgbClr val="FFFFFF"/>
+                </a:solidFill>
+              </a14:hiddenFill>
+            </a:ext>
+            <a:ext uri="{91240B29-F687-4F45-9708-019B960494DF}">
+              <a14:hiddenLine xmlns:a14="http://schemas.microsoft.com/office/drawing/2010/main" w="9525">
+                <a:solidFill>
+                  <a:srgbClr val="000000"/>
+                </a:solidFill>
+                <a:miter lim="800000"/>
+                <a:headEnd/>
+                <a:tailEnd/>
+              </a14:hiddenLine>
+            </a:ext>
+          </a:extLst>
+        </p:spPr>
+      </p:pic>
+      <p:sp>
+        <p:nvSpPr>
+          <p:cNvPr id="5" name="TextBox 4">
+            <a:extLst>
+              <a:ext uri="{FF2B5EF4-FFF2-40B4-BE49-F238E27FC236}">
+                <a16:creationId xmlns:a16="http://schemas.microsoft.com/office/drawing/2014/main" id="{0971653D-E9BB-89C3-69DA-1561D491E805}"/>
+              </a:ext>
+            </a:extLst>
+          </p:cNvPr>
+          <p:cNvSpPr txBox="1"/>
+          <p:nvPr/>
+        </p:nvSpPr>
+        <p:spPr>
+          <a:xfrm>
+            <a:off x="3534770" y="450376"/>
+            <a:ext cx="184731" cy="369332"/>
+          </a:xfrm>
+          <a:prstGeom prst="rect">
+            <a:avLst/>
+          </a:prstGeom>
+          <a:noFill/>
+        </p:spPr>
+        <p:txBody>
+          <a:bodyPr wrap="none" rtlCol="0">
+            <a:spAutoFit/>
+          </a:bodyPr>
+          <a:lstStyle/>
+          <a:p>
+            <a:endParaRPr lang="ru-RU" dirty="0"/>
+          </a:p>
+        </p:txBody>
+      </p:sp>
+      <p:sp>
+        <p:nvSpPr>
+          <p:cNvPr id="7" name="TextBox 6">
+            <a:extLst>
+              <a:ext uri="{FF2B5EF4-FFF2-40B4-BE49-F238E27FC236}">
+                <a16:creationId xmlns:a16="http://schemas.microsoft.com/office/drawing/2014/main" id="{49360129-C4CE-D333-BA85-69C53682DF73}"/>
+              </a:ext>
+            </a:extLst>
+          </p:cNvPr>
+          <p:cNvSpPr txBox="1"/>
+          <p:nvPr/>
+        </p:nvSpPr>
+        <p:spPr>
+          <a:xfrm>
+            <a:off x="466093" y="202740"/>
+            <a:ext cx="11259814" cy="707886"/>
+          </a:xfrm>
+          <a:prstGeom prst="rect">
+            <a:avLst/>
+          </a:prstGeom>
+          <a:noFill/>
+        </p:spPr>
+        <p:txBody>
+          <a:bodyPr wrap="none" rtlCol="0">
+            <a:spAutoFit/>
+          </a:bodyPr>
+          <a:lstStyle/>
+          <a:p>
+            <a:pPr algn="ctr"/>
+            <a:r>
+              <a:rPr lang="ru-RU" sz="4000" dirty="0">
+                <a:solidFill>
+                  <a:schemeClr val="bg1">
+                    <a:lumMod val="95000"/>
+                  </a:schemeClr>
+                </a:solidFill>
+                <a:effectLst>
+                  <a:outerShdw blurRad="38100" dist="38100" dir="2700000" algn="tl">
+                    <a:srgbClr val="000000">
+                      <a:alpha val="43137"/>
+                    </a:srgbClr>
+                  </a:outerShdw>
+                </a:effectLst>
+                <a:latin typeface="Century Gothic" panose="020B0502020202020204" pitchFamily="34" charset="0"/>
+              </a:rPr>
+              <a:t>Результаты анализа </a:t>
+            </a:r>
+            <a:r>
+              <a:rPr lang="en-US" sz="4000" dirty="0" err="1">
+                <a:solidFill>
+                  <a:schemeClr val="bg1">
+                    <a:lumMod val="95000"/>
+                  </a:schemeClr>
+                </a:solidFill>
+                <a:effectLst>
+                  <a:outerShdw blurRad="38100" dist="38100" dir="2700000" algn="tl">
+                    <a:srgbClr val="000000">
+                      <a:alpha val="43137"/>
+                    </a:srgbClr>
+                  </a:outerShdw>
+                </a:effectLst>
+                <a:latin typeface="Century Gothic" panose="020B0502020202020204" pitchFamily="34" charset="0"/>
+              </a:rPr>
+              <a:t>TranzWare</a:t>
+            </a:r>
+            <a:r>
+              <a:rPr lang="en-US" sz="4000" dirty="0">
+                <a:solidFill>
+                  <a:schemeClr val="bg1">
+                    <a:lumMod val="95000"/>
+                  </a:schemeClr>
+                </a:solidFill>
+                <a:effectLst>
+                  <a:outerShdw blurRad="38100" dist="38100" dir="2700000" algn="tl">
+                    <a:srgbClr val="000000">
+                      <a:alpha val="43137"/>
+                    </a:srgbClr>
+                  </a:outerShdw>
+                </a:effectLst>
+                <a:latin typeface="Century Gothic" panose="020B0502020202020204" pitchFamily="34" charset="0"/>
+              </a:rPr>
+              <a:t> </a:t>
+            </a:r>
+            <a:r>
+              <a:rPr lang="en-US" sz="4000" dirty="0" err="1">
+                <a:solidFill>
+                  <a:schemeClr val="bg1">
+                    <a:lumMod val="95000"/>
+                  </a:schemeClr>
+                </a:solidFill>
+                <a:effectLst>
+                  <a:outerShdw blurRad="38100" dist="38100" dir="2700000" algn="tl">
+                    <a:srgbClr val="000000">
+                      <a:alpha val="43137"/>
+                    </a:srgbClr>
+                  </a:outerShdw>
+                </a:effectLst>
+                <a:latin typeface="Century Gothic" panose="020B0502020202020204" pitchFamily="34" charset="0"/>
+              </a:rPr>
+              <a:t>CardFactory</a:t>
+            </a:r>
+            <a:endParaRPr lang="ru-RU" sz="4000" dirty="0">
+              <a:solidFill>
+                <a:schemeClr val="bg1">
+                  <a:lumMod val="95000"/>
+                </a:schemeClr>
+              </a:solidFill>
+              <a:effectLst>
+                <a:outerShdw blurRad="38100" dist="38100" dir="2700000" algn="tl">
+                  <a:srgbClr val="000000">
+                    <a:alpha val="43137"/>
+                  </a:srgbClr>
+                </a:outerShdw>
+              </a:effectLst>
+              <a:latin typeface="Century Gothic" panose="020B0502020202020204" pitchFamily="34" charset="0"/>
+            </a:endParaRPr>
+          </a:p>
+        </p:txBody>
+      </p:sp>
+      <p:sp>
+        <p:nvSpPr>
+          <p:cNvPr id="6" name="Rectangle 5">
+            <a:extLst>
+              <a:ext uri="{FF2B5EF4-FFF2-40B4-BE49-F238E27FC236}">
+                <a16:creationId xmlns:a16="http://schemas.microsoft.com/office/drawing/2014/main" id="{A922DFC1-2A46-794C-69A1-1717CEF2A71D}"/>
+              </a:ext>
+            </a:extLst>
+          </p:cNvPr>
+          <p:cNvSpPr/>
+          <p:nvPr/>
+        </p:nvSpPr>
+        <p:spPr>
+          <a:xfrm>
+            <a:off x="3281681" y="1158262"/>
+            <a:ext cx="8696960" cy="5486378"/>
+          </a:xfrm>
+          <a:prstGeom prst="rect">
+            <a:avLst/>
+          </a:prstGeom>
+          <a:noFill/>
+          <a:ln w="76200">
+            <a:solidFill>
+              <a:schemeClr val="accent1">
+                <a:lumMod val="50000"/>
+              </a:schemeClr>
+            </a:solidFill>
+          </a:ln>
+        </p:spPr>
+        <p:style>
+          <a:lnRef idx="2">
+            <a:schemeClr val="accent6"/>
+          </a:lnRef>
+          <a:fillRef idx="1">
+            <a:schemeClr val="lt1"/>
+          </a:fillRef>
+          <a:effectRef idx="0">
+            <a:schemeClr val="accent6"/>
+          </a:effectRef>
+          <a:fontRef idx="minor">
+            <a:schemeClr val="dk1"/>
+          </a:fontRef>
+        </p:style>
+        <p:txBody>
+          <a:bodyPr rtlCol="0" anchor="ctr"/>
+          <a:lstStyle/>
+          <a:p>
+            <a:pPr algn="ctr"/>
+            <a:endParaRPr lang="en-US"/>
+          </a:p>
+        </p:txBody>
+      </p:sp>
+      <p:sp>
+        <p:nvSpPr>
+          <p:cNvPr id="4" name="TextBox 3">
+            <a:extLst>
+              <a:ext uri="{FF2B5EF4-FFF2-40B4-BE49-F238E27FC236}">
+                <a16:creationId xmlns:a16="http://schemas.microsoft.com/office/drawing/2014/main" id="{68C815F1-FBB0-AD9F-28E7-EBBFBCD17690}"/>
+              </a:ext>
+            </a:extLst>
+          </p:cNvPr>
+          <p:cNvSpPr txBox="1"/>
+          <p:nvPr/>
+        </p:nvSpPr>
+        <p:spPr>
+          <a:xfrm>
+            <a:off x="800067" y="4682680"/>
+            <a:ext cx="1785431" cy="707886"/>
+          </a:xfrm>
+          <a:prstGeom prst="rect">
+            <a:avLst/>
+          </a:prstGeom>
+          <a:noFill/>
+        </p:spPr>
+        <p:txBody>
+          <a:bodyPr wrap="square" rtlCol="0">
+            <a:spAutoFit/>
+          </a:bodyPr>
+          <a:lstStyle/>
+          <a:p>
+            <a:pPr algn="ctr"/>
+            <a:r>
+              <a:rPr lang="en-US" sz="2000" dirty="0" err="1">
+                <a:latin typeface="Century Gothic" panose="020B0502020202020204" pitchFamily="34" charset="0"/>
+              </a:rPr>
+              <a:t>TranzWare</a:t>
+            </a:r>
+            <a:r>
+              <a:rPr lang="en-US" sz="2000" dirty="0">
+                <a:latin typeface="Century Gothic" panose="020B0502020202020204" pitchFamily="34" charset="0"/>
+              </a:rPr>
+              <a:t> </a:t>
+            </a:r>
+            <a:r>
+              <a:rPr lang="en-US" sz="2000" dirty="0" err="1">
+                <a:latin typeface="Century Gothic" panose="020B0502020202020204" pitchFamily="34" charset="0"/>
+              </a:rPr>
+              <a:t>CardFactory</a:t>
+            </a:r>
+            <a:endParaRPr lang="ru-RU" sz="2000" dirty="0">
+              <a:latin typeface="Century Gothic" panose="020B0502020202020204" pitchFamily="34" charset="0"/>
+            </a:endParaRPr>
+          </a:p>
+        </p:txBody>
+      </p:sp>
+      <p:pic>
+        <p:nvPicPr>
+          <p:cNvPr id="8" name="Picture 7">
+            <a:extLst>
+              <a:ext uri="{FF2B5EF4-FFF2-40B4-BE49-F238E27FC236}">
+                <a16:creationId xmlns:a16="http://schemas.microsoft.com/office/drawing/2014/main" id="{093C95EF-83CE-0DAD-3681-7C34EA3DFA56}"/>
+              </a:ext>
+            </a:extLst>
+          </p:cNvPr>
+          <p:cNvPicPr>
+            <a:picLocks noChangeAspect="1"/>
+          </p:cNvPicPr>
+          <p:nvPr/>
+        </p:nvPicPr>
+        <p:blipFill>
+          <a:blip r:embed="rId3">
+            <a:extLst>
+              <a:ext uri="{28A0092B-C50C-407E-A947-70E740481C1C}">
+                <a14:useLocalDpi xmlns:a14="http://schemas.microsoft.com/office/drawing/2010/main" val="0"/>
+              </a:ext>
+            </a:extLst>
+          </a:blip>
+          <a:stretch>
+            <a:fillRect/>
+          </a:stretch>
+        </p:blipFill>
+        <p:spPr>
+          <a:xfrm>
+            <a:off x="944517" y="3120221"/>
+            <a:ext cx="1496533" cy="1562459"/>
+          </a:xfrm>
+          <a:prstGeom prst="rect">
+            <a:avLst/>
+          </a:prstGeom>
+        </p:spPr>
+      </p:pic>
+      <p:grpSp>
+        <p:nvGrpSpPr>
+          <p:cNvPr id="3" name="Group 2"/>
+          <p:cNvGrpSpPr/>
+          <p:nvPr/>
+        </p:nvGrpSpPr>
+        <p:grpSpPr>
+          <a:xfrm>
+            <a:off x="3534770" y="1494327"/>
+            <a:ext cx="2828765" cy="1275810"/>
+            <a:chOff x="3316223" y="1549485"/>
+            <a:chExt cx="2828765" cy="1275810"/>
+          </a:xfrm>
+        </p:grpSpPr>
+        <p:pic>
+          <p:nvPicPr>
+            <p:cNvPr id="9" name="Picture 8">
+              <a:extLst>
+                <a:ext uri="{FF2B5EF4-FFF2-40B4-BE49-F238E27FC236}">
+                  <a16:creationId xmlns:a16="http://schemas.microsoft.com/office/drawing/2014/main" id="{59133C89-31B9-47E1-A76D-E40CE3A781D3}"/>
+                </a:ext>
+              </a:extLst>
+            </p:cNvPr>
+            <p:cNvPicPr>
+              <a:picLocks noChangeAspect="1"/>
+            </p:cNvPicPr>
+            <p:nvPr/>
+          </p:nvPicPr>
+          <p:blipFill>
+            <a:blip r:embed="rId4">
+              <a:extLst>
+                <a:ext uri="{28A0092B-C50C-407E-A947-70E740481C1C}">
+                  <a14:useLocalDpi xmlns:a14="http://schemas.microsoft.com/office/drawing/2010/main" val="0"/>
+                </a:ext>
+              </a:extLst>
+            </a:blip>
+            <a:stretch>
+              <a:fillRect/>
+            </a:stretch>
+          </p:blipFill>
+          <p:spPr>
+            <a:xfrm>
+              <a:off x="3627135" y="1549485"/>
+              <a:ext cx="2206943" cy="865707"/>
+            </a:xfrm>
+            <a:prstGeom prst="rect">
+              <a:avLst/>
+            </a:prstGeom>
+          </p:spPr>
+        </p:pic>
+        <p:sp>
+          <p:nvSpPr>
+            <p:cNvPr id="10" name="TextBox 9">
+              <a:extLst>
+                <a:ext uri="{FF2B5EF4-FFF2-40B4-BE49-F238E27FC236}">
+                  <a16:creationId xmlns:a16="http://schemas.microsoft.com/office/drawing/2014/main" id="{1F688B33-993A-A778-16F7-6315C19BA62A}"/>
+                </a:ext>
+              </a:extLst>
+            </p:cNvPr>
+            <p:cNvSpPr txBox="1"/>
+            <p:nvPr/>
+          </p:nvSpPr>
+          <p:spPr>
+            <a:xfrm>
+              <a:off x="3316223" y="2425185"/>
+              <a:ext cx="2828765" cy="400110"/>
+            </a:xfrm>
+            <a:prstGeom prst="rect">
+              <a:avLst/>
+            </a:prstGeom>
+            <a:noFill/>
+          </p:spPr>
+          <p:txBody>
+            <a:bodyPr wrap="square" rtlCol="0">
+              <a:spAutoFit/>
+            </a:bodyPr>
+            <a:lstStyle/>
+            <a:p>
+              <a:pPr algn="ctr"/>
+              <a:r>
+                <a:rPr lang="ru-RU" sz="2000" dirty="0" smtClean="0">
+                  <a:latin typeface="Century Gothic" panose="020B0502020202020204" pitchFamily="34" charset="0"/>
+                </a:rPr>
+                <a:t>Карточные продукты</a:t>
+              </a:r>
+              <a:endParaRPr lang="ru-RU" sz="2000" dirty="0">
+                <a:latin typeface="Century Gothic" panose="020B0502020202020204" pitchFamily="34" charset="0"/>
+              </a:endParaRPr>
+            </a:p>
+          </p:txBody>
+        </p:sp>
+      </p:grpSp>
+      <p:sp>
+        <p:nvSpPr>
+          <p:cNvPr id="11" name="Rectangle 10">
+            <a:extLst>
+              <a:ext uri="{FF2B5EF4-FFF2-40B4-BE49-F238E27FC236}">
+                <a16:creationId xmlns:a16="http://schemas.microsoft.com/office/drawing/2014/main" id="{A922DFC1-2A46-794C-69A1-1717CEF2A71D}"/>
+              </a:ext>
+            </a:extLst>
+          </p:cNvPr>
+          <p:cNvSpPr/>
+          <p:nvPr/>
+        </p:nvSpPr>
+        <p:spPr>
+          <a:xfrm>
+            <a:off x="3534770" y="3168931"/>
+            <a:ext cx="2828765" cy="3294499"/>
+          </a:xfrm>
+          <a:prstGeom prst="rect">
+            <a:avLst/>
+          </a:prstGeom>
+          <a:noFill/>
+          <a:ln w="76200">
+            <a:solidFill>
+              <a:schemeClr val="accent1">
+                <a:lumMod val="50000"/>
+              </a:schemeClr>
+            </a:solidFill>
+          </a:ln>
+        </p:spPr>
+        <p:style>
+          <a:lnRef idx="2">
+            <a:schemeClr val="accent6"/>
+          </a:lnRef>
+          <a:fillRef idx="1">
+            <a:schemeClr val="lt1"/>
+          </a:fillRef>
+          <a:effectRef idx="0">
+            <a:schemeClr val="accent6"/>
+          </a:effectRef>
+          <a:fontRef idx="minor">
+            <a:schemeClr val="dk1"/>
+          </a:fontRef>
+        </p:style>
+        <p:txBody>
+          <a:bodyPr rtlCol="0" anchor="ctr"/>
+          <a:lstStyle/>
+          <a:p>
+            <a:pPr algn="ctr"/>
+            <a:endParaRPr lang="en-US"/>
+          </a:p>
+        </p:txBody>
+      </p:sp>
+      <p:cxnSp>
+        <p:nvCxnSpPr>
+          <p:cNvPr id="13" name="Straight Connector 12"/>
+          <p:cNvCxnSpPr>
+            <a:stCxn id="10" idx="2"/>
+            <a:endCxn id="11" idx="0"/>
+          </p:cNvCxnSpPr>
+          <p:nvPr/>
+        </p:nvCxnSpPr>
+        <p:spPr>
+          <a:xfrm>
+            <a:off x="4949153" y="2770137"/>
+            <a:ext cx="0" cy="398794"/>
+          </a:xfrm>
+          <a:prstGeom prst="line">
+            <a:avLst/>
+          </a:prstGeom>
+          <a:ln w="57150">
+            <a:solidFill>
+              <a:schemeClr val="accent1">
+                <a:lumMod val="50000"/>
+              </a:schemeClr>
+            </a:solidFill>
+          </a:ln>
+        </p:spPr>
+        <p:style>
+          <a:lnRef idx="1">
+            <a:schemeClr val="accent1"/>
+          </a:lnRef>
+          <a:fillRef idx="0">
+            <a:schemeClr val="accent1"/>
+          </a:fillRef>
+          <a:effectRef idx="0">
+            <a:schemeClr val="accent1"/>
+          </a:effectRef>
+          <a:fontRef idx="minor">
+            <a:schemeClr val="tx1"/>
+          </a:fontRef>
+        </p:style>
+      </p:cxnSp>
+      <p:sp>
+        <p:nvSpPr>
+          <p:cNvPr id="14" name="TextBox 13"/>
+          <p:cNvSpPr txBox="1"/>
+          <p:nvPr/>
+        </p:nvSpPr>
+        <p:spPr>
+          <a:xfrm>
+            <a:off x="3719500" y="3441700"/>
+            <a:ext cx="2465399" cy="2677656"/>
+          </a:xfrm>
+          <a:prstGeom prst="rect">
+            <a:avLst/>
+          </a:prstGeom>
+          <a:noFill/>
+        </p:spPr>
+        <p:txBody>
+          <a:bodyPr wrap="square" rtlCol="0">
+            <a:spAutoFit/>
+          </a:bodyPr>
+          <a:lstStyle/>
+          <a:p>
+            <a:pPr marL="457200" indent="-457200">
+              <a:buFont typeface="Century Gothic" panose="020B0502020202020204" pitchFamily="34" charset="0"/>
+              <a:buChar char="―"/>
+            </a:pPr>
+            <a:r>
+              <a:rPr lang="ru-RU" sz="2800" dirty="0" smtClean="0">
+                <a:latin typeface="Century Gothic" panose="020B0502020202020204" pitchFamily="34" charset="0"/>
+              </a:rPr>
+              <a:t>Модуль 1</a:t>
+            </a:r>
+          </a:p>
+          <a:p>
+            <a:pPr marL="457200" indent="-457200">
+              <a:buFont typeface="Century Gothic" panose="020B0502020202020204" pitchFamily="34" charset="0"/>
+              <a:buChar char="―"/>
+            </a:pPr>
+            <a:r>
+              <a:rPr lang="ru-RU" sz="2800" dirty="0">
+                <a:latin typeface="Century Gothic" panose="020B0502020202020204" pitchFamily="34" charset="0"/>
+              </a:rPr>
+              <a:t>Модуль </a:t>
+            </a:r>
+            <a:r>
+              <a:rPr lang="en-US" sz="2800" dirty="0">
+                <a:latin typeface="Century Gothic" panose="020B0502020202020204" pitchFamily="34" charset="0"/>
+              </a:rPr>
+              <a:t>2</a:t>
+            </a:r>
+            <a:endParaRPr lang="ru-RU" sz="2800" dirty="0" smtClean="0">
+              <a:latin typeface="Century Gothic" panose="020B0502020202020204" pitchFamily="34" charset="0"/>
+            </a:endParaRPr>
+          </a:p>
+          <a:p>
+            <a:pPr marL="457200" indent="-457200">
+              <a:buFont typeface="Century Gothic" panose="020B0502020202020204" pitchFamily="34" charset="0"/>
+              <a:buChar char="―"/>
+            </a:pPr>
+            <a:r>
+              <a:rPr lang="ru-RU" sz="2800" dirty="0">
+                <a:latin typeface="Century Gothic" panose="020B0502020202020204" pitchFamily="34" charset="0"/>
+              </a:rPr>
+              <a:t>Модуль </a:t>
+            </a:r>
+            <a:r>
+              <a:rPr lang="en-US" sz="2800" dirty="0">
+                <a:latin typeface="Century Gothic" panose="020B0502020202020204" pitchFamily="34" charset="0"/>
+              </a:rPr>
+              <a:t>3</a:t>
+            </a:r>
+            <a:endParaRPr lang="ru-RU" sz="2800" dirty="0" smtClean="0">
+              <a:latin typeface="Century Gothic" panose="020B0502020202020204" pitchFamily="34" charset="0"/>
+            </a:endParaRPr>
+          </a:p>
+          <a:p>
+            <a:pPr marL="457200" indent="-457200">
+              <a:buFont typeface="Century Gothic" panose="020B0502020202020204" pitchFamily="34" charset="0"/>
+              <a:buChar char="―"/>
+            </a:pPr>
+            <a:r>
+              <a:rPr lang="ru-RU" sz="2800" dirty="0">
+                <a:latin typeface="Century Gothic" panose="020B0502020202020204" pitchFamily="34" charset="0"/>
+              </a:rPr>
+              <a:t>Модуль </a:t>
+            </a:r>
+            <a:r>
+              <a:rPr lang="en-US" sz="2800" dirty="0" smtClean="0">
+                <a:latin typeface="Century Gothic" panose="020B0502020202020204" pitchFamily="34" charset="0"/>
+              </a:rPr>
+              <a:t>4</a:t>
+            </a:r>
+            <a:endParaRPr lang="ru-RU" sz="2800" dirty="0" smtClean="0">
+              <a:latin typeface="Century Gothic" panose="020B0502020202020204" pitchFamily="34" charset="0"/>
+            </a:endParaRPr>
+          </a:p>
+          <a:p>
+            <a:pPr marL="457200" indent="-457200">
+              <a:buFont typeface="Century Gothic" panose="020B0502020202020204" pitchFamily="34" charset="0"/>
+              <a:buChar char="―"/>
+            </a:pPr>
+            <a:r>
+              <a:rPr lang="ru-RU" sz="2800" dirty="0" smtClean="0">
+                <a:latin typeface="Century Gothic" panose="020B0502020202020204" pitchFamily="34" charset="0"/>
+              </a:rPr>
+              <a:t>...</a:t>
+            </a:r>
+          </a:p>
+          <a:p>
+            <a:pPr marL="457200" indent="-457200">
+              <a:buFont typeface="Century Gothic" panose="020B0502020202020204" pitchFamily="34" charset="0"/>
+              <a:buChar char="―"/>
+            </a:pPr>
+            <a:r>
+              <a:rPr lang="ru-RU" sz="2800" dirty="0">
+                <a:latin typeface="Century Gothic" panose="020B0502020202020204" pitchFamily="34" charset="0"/>
+              </a:rPr>
+              <a:t>Модуль </a:t>
+            </a:r>
+            <a:r>
+              <a:rPr lang="en-US" sz="2800" dirty="0" smtClean="0">
+                <a:latin typeface="Century Gothic" panose="020B0502020202020204" pitchFamily="34" charset="0"/>
+              </a:rPr>
+              <a:t>n</a:t>
+            </a:r>
+            <a:endParaRPr lang="en-US" sz="2800" dirty="0">
+              <a:latin typeface="Century Gothic" panose="020B0502020202020204" pitchFamily="34" charset="0"/>
+            </a:endParaRPr>
+          </a:p>
+        </p:txBody>
+      </p:sp>
+      <p:cxnSp>
+        <p:nvCxnSpPr>
+          <p:cNvPr id="17" name="Straight Connector 16"/>
+          <p:cNvCxnSpPr>
+            <a:stCxn id="6" idx="1"/>
+            <a:endCxn id="8" idx="3"/>
+          </p:cNvCxnSpPr>
+          <p:nvPr/>
+        </p:nvCxnSpPr>
+        <p:spPr>
+          <a:xfrm flipH="1">
+            <a:off x="2441050" y="3901451"/>
+            <a:ext cx="840631" cy="0"/>
+          </a:xfrm>
+          <a:prstGeom prst="line">
+            <a:avLst/>
+          </a:prstGeom>
+          <a:ln w="57150">
+            <a:solidFill>
+              <a:schemeClr val="accent1">
+                <a:lumMod val="50000"/>
+              </a:schemeClr>
+            </a:solidFill>
+          </a:ln>
+        </p:spPr>
+        <p:style>
+          <a:lnRef idx="1">
+            <a:schemeClr val="accent1"/>
+          </a:lnRef>
+          <a:fillRef idx="0">
+            <a:schemeClr val="accent1"/>
+          </a:fillRef>
+          <a:effectRef idx="0">
+            <a:schemeClr val="accent1"/>
+          </a:effectRef>
+          <a:fontRef idx="minor">
+            <a:schemeClr val="tx1"/>
+          </a:fontRef>
+        </p:style>
+      </p:cxnSp>
+    </p:spTree>
+    <p:extLst>
+      <p:ext uri="{BB962C8B-B14F-4D97-AF65-F5344CB8AC3E}">
+        <p14:creationId xmlns:p14="http://schemas.microsoft.com/office/powerpoint/2010/main" val="2495438523"/>
+      </p:ext>
+    </p:extLst>
+  </p:cSld>
+  <p:clrMapOvr>
+    <a:masterClrMapping/>
+  </p:clrMapOvr>
+</p:sld>
+</file>
+
+<file path=ppt/slides/slide8.xml><?xml version="1.0" encoding="utf-8"?>
+<p:sld xmlns:a="http://schemas.openxmlformats.org/drawingml/2006/main" xmlns:r="http://schemas.openxmlformats.org/officeDocument/2006/relationships" xmlns:p="http://schemas.openxmlformats.org/presentationml/2006/main">
+  <p:cSld>
+    <p:spTree>
+      <p:nvGrpSpPr>
+        <p:cNvPr id="1" name=""/>
+        <p:cNvGrpSpPr/>
+        <p:nvPr/>
+      </p:nvGrpSpPr>
+      <p:grpSpPr>
+        <a:xfrm>
+          <a:off x="0" y="0"/>
+          <a:ext cx="0" cy="0"/>
+          <a:chOff x="0" y="0"/>
+          <a:chExt cx="0" cy="0"/>
+        </a:xfrm>
+      </p:grpSpPr>
+      <p:pic>
+        <p:nvPicPr>
+          <p:cNvPr id="2" name="Picture 2" descr="C:\Users\Андрей\Desktop\1\Безымянный-1.png"/>
+          <p:cNvPicPr>
+            <a:picLocks noChangeAspect="1" noChangeArrowheads="1"/>
+          </p:cNvPicPr>
+          <p:nvPr/>
+        </p:nvPicPr>
+        <p:blipFill>
+          <a:blip r:embed="rId2">
+            <a:extLst>
+              <a:ext uri="{28A0092B-C50C-407E-A947-70E740481C1C}">
+                <a14:useLocalDpi xmlns:a14="http://schemas.microsoft.com/office/drawing/2010/main" val="0"/>
+              </a:ext>
+            </a:extLst>
+          </a:blip>
+          <a:srcRect/>
+          <a:stretch>
+            <a:fillRect/>
+          </a:stretch>
+        </p:blipFill>
+        <p:spPr bwMode="auto">
+          <a:xfrm>
+            <a:off x="0" y="0"/>
+            <a:ext cx="12192000" cy="982639"/>
+          </a:xfrm>
+          <a:prstGeom prst="rect">
+            <a:avLst/>
+          </a:prstGeom>
+          <a:noFill/>
+          <a:ln>
+            <a:noFill/>
+          </a:ln>
+          <a:extLst>
+            <a:ext uri="{909E8E84-426E-40DD-AFC4-6F175D3DCCD1}">
+              <a14:hiddenFill xmlns:a14="http://schemas.microsoft.com/office/drawing/2010/main">
+                <a:solidFill>
+                  <a:srgbClr val="FFFFFF"/>
+                </a:solidFill>
+              </a14:hiddenFill>
+            </a:ext>
+            <a:ext uri="{91240B29-F687-4F45-9708-019B960494DF}">
+              <a14:hiddenLine xmlns:a14="http://schemas.microsoft.com/office/drawing/2010/main" w="9525">
+                <a:solidFill>
+                  <a:srgbClr val="000000"/>
+                </a:solidFill>
+                <a:miter lim="800000"/>
+                <a:headEnd/>
+                <a:tailEnd/>
+              </a14:hiddenLine>
+            </a:ext>
+          </a:extLst>
+        </p:spPr>
+      </p:pic>
+      <p:sp>
+        <p:nvSpPr>
+          <p:cNvPr id="5" name="TextBox 4"/>
+          <p:cNvSpPr txBox="1"/>
+          <p:nvPr/>
+        </p:nvSpPr>
+        <p:spPr>
+          <a:xfrm>
+            <a:off x="1351128" y="614149"/>
+            <a:ext cx="184731" cy="369332"/>
+          </a:xfrm>
+          <a:prstGeom prst="rect">
+            <a:avLst/>
+          </a:prstGeom>
+          <a:noFill/>
+        </p:spPr>
+        <p:txBody>
+          <a:bodyPr wrap="none" rtlCol="0">
+            <a:spAutoFit/>
+          </a:bodyPr>
+          <a:lstStyle/>
+          <a:p>
+            <a:endParaRPr lang="ru-RU" dirty="0"/>
+          </a:p>
+        </p:txBody>
+      </p:sp>
+      <p:sp>
+        <p:nvSpPr>
+          <p:cNvPr id="7" name="TextBox 6"/>
+          <p:cNvSpPr txBox="1"/>
+          <p:nvPr/>
+        </p:nvSpPr>
+        <p:spPr>
+          <a:xfrm>
+            <a:off x="1379112" y="162234"/>
+            <a:ext cx="9409948" cy="646331"/>
+          </a:xfrm>
+          <a:prstGeom prst="rect">
+            <a:avLst/>
+          </a:prstGeom>
+          <a:noFill/>
+        </p:spPr>
+        <p:txBody>
+          <a:bodyPr wrap="none" rtlCol="0">
+            <a:spAutoFit/>
+          </a:bodyPr>
+          <a:lstStyle/>
+          <a:p>
             <a:r>
               <a:rPr lang="ru-RU" sz="3600" dirty="0">
                 <a:solidFill>
@@ -6321,6 +8656,1206 @@
                 </a:effectLst>
                 <a:latin typeface="Century Gothic" panose="020B0502020202020204" pitchFamily="34" charset="0"/>
               </a:rPr>
+              <a:t>Схема сетевого подключения к модулю</a:t>
+            </a:r>
+          </a:p>
+        </p:txBody>
+      </p:sp>
+      <p:sp>
+        <p:nvSpPr>
+          <p:cNvPr id="3" name="Cloud 2"/>
+          <p:cNvSpPr/>
+          <p:nvPr/>
+        </p:nvSpPr>
+        <p:spPr>
+          <a:xfrm>
+            <a:off x="1063030" y="2893512"/>
+            <a:ext cx="3597342" cy="2091847"/>
+          </a:xfrm>
+          <a:prstGeom prst="cloud">
+            <a:avLst/>
+          </a:prstGeom>
+          <a:solidFill>
+            <a:schemeClr val="bg1"/>
+          </a:solidFill>
+          <a:ln w="19050"/>
+        </p:spPr>
+        <p:style>
+          <a:lnRef idx="2">
+            <a:schemeClr val="accent1">
+              <a:shade val="50000"/>
+            </a:schemeClr>
+          </a:lnRef>
+          <a:fillRef idx="1">
+            <a:schemeClr val="accent1"/>
+          </a:fillRef>
+          <a:effectRef idx="0">
+            <a:schemeClr val="accent1"/>
+          </a:effectRef>
+          <a:fontRef idx="minor">
+            <a:schemeClr val="lt1"/>
+          </a:fontRef>
+        </p:style>
+        <p:txBody>
+          <a:bodyPr rtlCol="0" anchor="ctr"/>
+          <a:lstStyle/>
+          <a:p>
+            <a:pPr algn="ctr"/>
+            <a:endParaRPr lang="en-US"/>
+          </a:p>
+        </p:txBody>
+      </p:sp>
+      <p:sp>
+        <p:nvSpPr>
+          <p:cNvPr id="8" name="TextBox 7"/>
+          <p:cNvSpPr txBox="1"/>
+          <p:nvPr/>
+        </p:nvSpPr>
+        <p:spPr>
+          <a:xfrm>
+            <a:off x="1853251" y="3754769"/>
+            <a:ext cx="2016899" cy="369332"/>
+          </a:xfrm>
+          <a:prstGeom prst="rect">
+            <a:avLst/>
+          </a:prstGeom>
+          <a:noFill/>
+        </p:spPr>
+        <p:txBody>
+          <a:bodyPr wrap="none" rtlCol="0">
+            <a:spAutoFit/>
+          </a:bodyPr>
+          <a:lstStyle/>
+          <a:p>
+            <a:r>
+              <a:rPr lang="ru-RU" dirty="0">
+                <a:latin typeface="Century Gothic" panose="020B0502020202020204" pitchFamily="34" charset="0"/>
+              </a:rPr>
+              <a:t>Внутренняя сеть</a:t>
+            </a:r>
+            <a:endParaRPr lang="en-US" dirty="0">
+              <a:latin typeface="Century Gothic" panose="020B0502020202020204" pitchFamily="34" charset="0"/>
+            </a:endParaRPr>
+          </a:p>
+        </p:txBody>
+      </p:sp>
+      <p:pic>
+        <p:nvPicPr>
+          <p:cNvPr id="10" name="Picture 9"/>
+          <p:cNvPicPr>
+            <a:picLocks noChangeAspect="1"/>
+          </p:cNvPicPr>
+          <p:nvPr/>
+        </p:nvPicPr>
+        <p:blipFill>
+          <a:blip r:embed="rId3"/>
+          <a:stretch>
+            <a:fillRect/>
+          </a:stretch>
+        </p:blipFill>
+        <p:spPr>
+          <a:xfrm>
+            <a:off x="2378951" y="1455586"/>
+            <a:ext cx="965498" cy="1020222"/>
+          </a:xfrm>
+          <a:prstGeom prst="rect">
+            <a:avLst/>
+          </a:prstGeom>
+        </p:spPr>
+      </p:pic>
+      <p:cxnSp>
+        <p:nvCxnSpPr>
+          <p:cNvPr id="13" name="Straight Connector 12"/>
+          <p:cNvCxnSpPr>
+            <a:stCxn id="3" idx="3"/>
+            <a:endCxn id="10" idx="2"/>
+          </p:cNvCxnSpPr>
+          <p:nvPr/>
+        </p:nvCxnSpPr>
+        <p:spPr>
+          <a:xfrm flipH="1" flipV="1">
+            <a:off x="2861700" y="2475808"/>
+            <a:ext cx="1" cy="537307"/>
+          </a:xfrm>
+          <a:prstGeom prst="line">
+            <a:avLst/>
+          </a:prstGeom>
+          <a:ln w="19050">
+            <a:solidFill>
+              <a:schemeClr val="accent1">
+                <a:lumMod val="75000"/>
+              </a:schemeClr>
+            </a:solidFill>
+          </a:ln>
+        </p:spPr>
+        <p:style>
+          <a:lnRef idx="1">
+            <a:schemeClr val="accent1"/>
+          </a:lnRef>
+          <a:fillRef idx="0">
+            <a:schemeClr val="accent1"/>
+          </a:fillRef>
+          <a:effectRef idx="0">
+            <a:schemeClr val="accent1"/>
+          </a:effectRef>
+          <a:fontRef idx="minor">
+            <a:schemeClr val="tx1"/>
+          </a:fontRef>
+        </p:style>
+      </p:cxnSp>
+      <p:sp>
+        <p:nvSpPr>
+          <p:cNvPr id="14" name="TextBox 13"/>
+          <p:cNvSpPr txBox="1"/>
+          <p:nvPr/>
+        </p:nvSpPr>
+        <p:spPr>
+          <a:xfrm>
+            <a:off x="1788075" y="1049835"/>
+            <a:ext cx="2147249" cy="338554"/>
+          </a:xfrm>
+          <a:prstGeom prst="rect">
+            <a:avLst/>
+          </a:prstGeom>
+          <a:noFill/>
+        </p:spPr>
+        <p:txBody>
+          <a:bodyPr wrap="square" rtlCol="0">
+            <a:spAutoFit/>
+          </a:bodyPr>
+          <a:lstStyle/>
+          <a:p>
+            <a:pPr algn="ctr"/>
+            <a:r>
+              <a:rPr lang="ru-RU" sz="1600" dirty="0">
+                <a:latin typeface="Century Gothic" panose="020B0502020202020204" pitchFamily="34" charset="0"/>
+              </a:rPr>
+              <a:t>Управляющая ЭВМ</a:t>
+            </a:r>
+            <a:endParaRPr lang="en-US" sz="1600" dirty="0">
+              <a:latin typeface="Century Gothic" panose="020B0502020202020204" pitchFamily="34" charset="0"/>
+            </a:endParaRPr>
+          </a:p>
+        </p:txBody>
+      </p:sp>
+      <p:pic>
+        <p:nvPicPr>
+          <p:cNvPr id="15" name="Picture 14">
+            <a:extLst>
+              <a:ext uri="{FF2B5EF4-FFF2-40B4-BE49-F238E27FC236}">
+                <a16:creationId xmlns:a16="http://schemas.microsoft.com/office/drawing/2014/main" id="{BD4D3E0E-E0E6-4F32-B612-650FDCFC76D0}"/>
+              </a:ext>
+            </a:extLst>
+          </p:cNvPr>
+          <p:cNvPicPr>
+            <a:picLocks noChangeAspect="1"/>
+          </p:cNvPicPr>
+          <p:nvPr/>
+        </p:nvPicPr>
+        <p:blipFill>
+          <a:blip r:embed="rId4">
+            <a:extLst>
+              <a:ext uri="{28A0092B-C50C-407E-A947-70E740481C1C}">
+                <a14:useLocalDpi xmlns:a14="http://schemas.microsoft.com/office/drawing/2010/main" val="0"/>
+              </a:ext>
+            </a:extLst>
+          </a:blip>
+          <a:stretch>
+            <a:fillRect/>
+          </a:stretch>
+        </p:blipFill>
+        <p:spPr>
+          <a:xfrm>
+            <a:off x="1861566" y="5403232"/>
+            <a:ext cx="2000266" cy="886768"/>
+          </a:xfrm>
+          <a:prstGeom prst="rect">
+            <a:avLst/>
+          </a:prstGeom>
+        </p:spPr>
+      </p:pic>
+      <p:cxnSp>
+        <p:nvCxnSpPr>
+          <p:cNvPr id="16" name="Straight Connector 15"/>
+          <p:cNvCxnSpPr>
+            <a:endCxn id="3" idx="1"/>
+          </p:cNvCxnSpPr>
+          <p:nvPr/>
+        </p:nvCxnSpPr>
+        <p:spPr>
+          <a:xfrm flipV="1">
+            <a:off x="2861701" y="4983132"/>
+            <a:ext cx="0" cy="419932"/>
+          </a:xfrm>
+          <a:prstGeom prst="line">
+            <a:avLst/>
+          </a:prstGeom>
+          <a:ln w="19050">
+            <a:solidFill>
+              <a:schemeClr val="accent1">
+                <a:lumMod val="75000"/>
+              </a:schemeClr>
+            </a:solidFill>
+          </a:ln>
+        </p:spPr>
+        <p:style>
+          <a:lnRef idx="1">
+            <a:schemeClr val="accent1"/>
+          </a:lnRef>
+          <a:fillRef idx="0">
+            <a:schemeClr val="accent1"/>
+          </a:fillRef>
+          <a:effectRef idx="0">
+            <a:schemeClr val="accent1"/>
+          </a:effectRef>
+          <a:fontRef idx="minor">
+            <a:schemeClr val="tx1"/>
+          </a:fontRef>
+        </p:style>
+      </p:cxnSp>
+      <p:sp>
+        <p:nvSpPr>
+          <p:cNvPr id="18" name="TextBox 17"/>
+          <p:cNvSpPr txBox="1"/>
+          <p:nvPr/>
+        </p:nvSpPr>
+        <p:spPr>
+          <a:xfrm>
+            <a:off x="1582470" y="6290000"/>
+            <a:ext cx="2558458" cy="338554"/>
+          </a:xfrm>
+          <a:prstGeom prst="rect">
+            <a:avLst/>
+          </a:prstGeom>
+          <a:noFill/>
+        </p:spPr>
+        <p:txBody>
+          <a:bodyPr wrap="square" rtlCol="0">
+            <a:spAutoFit/>
+          </a:bodyPr>
+          <a:lstStyle/>
+          <a:p>
+            <a:pPr algn="ctr"/>
+            <a:r>
+              <a:rPr lang="ru-RU" sz="1600" dirty="0">
+                <a:latin typeface="Century Gothic" panose="020B0502020202020204" pitchFamily="34" charset="0"/>
+              </a:rPr>
+              <a:t>Кардридерный модуль</a:t>
+            </a:r>
+            <a:endParaRPr lang="en-US" sz="1600" dirty="0">
+              <a:latin typeface="Century Gothic" panose="020B0502020202020204" pitchFamily="34" charset="0"/>
+            </a:endParaRPr>
+          </a:p>
+        </p:txBody>
+      </p:sp>
+      <p:pic>
+        <p:nvPicPr>
+          <p:cNvPr id="19" name="Picture 18"/>
+          <p:cNvPicPr>
+            <a:picLocks noChangeAspect="1"/>
+          </p:cNvPicPr>
+          <p:nvPr/>
+        </p:nvPicPr>
+        <p:blipFill>
+          <a:blip r:embed="rId3"/>
+          <a:stretch>
+            <a:fillRect/>
+          </a:stretch>
+        </p:blipFill>
+        <p:spPr>
+          <a:xfrm>
+            <a:off x="5601338" y="2590737"/>
+            <a:ext cx="965498" cy="1020222"/>
+          </a:xfrm>
+          <a:prstGeom prst="rect">
+            <a:avLst/>
+          </a:prstGeom>
+        </p:spPr>
+      </p:pic>
+      <p:cxnSp>
+        <p:nvCxnSpPr>
+          <p:cNvPr id="20" name="Straight Connector 19"/>
+          <p:cNvCxnSpPr>
+            <a:endCxn id="19" idx="2"/>
+          </p:cNvCxnSpPr>
+          <p:nvPr/>
+        </p:nvCxnSpPr>
+        <p:spPr>
+          <a:xfrm flipH="1" flipV="1">
+            <a:off x="6084087" y="3610959"/>
+            <a:ext cx="2" cy="540221"/>
+          </a:xfrm>
+          <a:prstGeom prst="line">
+            <a:avLst/>
+          </a:prstGeom>
+          <a:ln w="19050">
+            <a:solidFill>
+              <a:schemeClr val="accent1">
+                <a:lumMod val="75000"/>
+              </a:schemeClr>
+            </a:solidFill>
+          </a:ln>
+        </p:spPr>
+        <p:style>
+          <a:lnRef idx="1">
+            <a:schemeClr val="accent1"/>
+          </a:lnRef>
+          <a:fillRef idx="0">
+            <a:schemeClr val="accent1"/>
+          </a:fillRef>
+          <a:effectRef idx="0">
+            <a:schemeClr val="accent1"/>
+          </a:effectRef>
+          <a:fontRef idx="minor">
+            <a:schemeClr val="tx1"/>
+          </a:fontRef>
+        </p:style>
+      </p:cxnSp>
+      <p:pic>
+        <p:nvPicPr>
+          <p:cNvPr id="21" name="Picture 20">
+            <a:extLst>
+              <a:ext uri="{FF2B5EF4-FFF2-40B4-BE49-F238E27FC236}">
+                <a16:creationId xmlns:a16="http://schemas.microsoft.com/office/drawing/2014/main" id="{BD4D3E0E-E0E6-4F32-B612-650FDCFC76D0}"/>
+              </a:ext>
+            </a:extLst>
+          </p:cNvPr>
+          <p:cNvPicPr>
+            <a:picLocks noChangeAspect="1"/>
+          </p:cNvPicPr>
+          <p:nvPr/>
+        </p:nvPicPr>
+        <p:blipFill>
+          <a:blip r:embed="rId4">
+            <a:extLst>
+              <a:ext uri="{28A0092B-C50C-407E-A947-70E740481C1C}">
+                <a14:useLocalDpi xmlns:a14="http://schemas.microsoft.com/office/drawing/2010/main" val="0"/>
+              </a:ext>
+            </a:extLst>
+          </a:blip>
+          <a:stretch>
+            <a:fillRect/>
+          </a:stretch>
+        </p:blipFill>
+        <p:spPr>
+          <a:xfrm>
+            <a:off x="5083954" y="4148266"/>
+            <a:ext cx="2000266" cy="886768"/>
+          </a:xfrm>
+          <a:prstGeom prst="rect">
+            <a:avLst/>
+          </a:prstGeom>
+        </p:spPr>
+      </p:pic>
+      <p:sp>
+        <p:nvSpPr>
+          <p:cNvPr id="22" name="TextBox 21"/>
+          <p:cNvSpPr txBox="1"/>
+          <p:nvPr/>
+        </p:nvSpPr>
+        <p:spPr>
+          <a:xfrm>
+            <a:off x="5010462" y="2178706"/>
+            <a:ext cx="2147249" cy="338554"/>
+          </a:xfrm>
+          <a:prstGeom prst="rect">
+            <a:avLst/>
+          </a:prstGeom>
+          <a:noFill/>
+        </p:spPr>
+        <p:txBody>
+          <a:bodyPr wrap="square" rtlCol="0">
+            <a:spAutoFit/>
+          </a:bodyPr>
+          <a:lstStyle/>
+          <a:p>
+            <a:pPr algn="ctr"/>
+            <a:r>
+              <a:rPr lang="ru-RU" sz="1600" dirty="0">
+                <a:latin typeface="Century Gothic" panose="020B0502020202020204" pitchFamily="34" charset="0"/>
+              </a:rPr>
+              <a:t>Управляющая ЭВМ</a:t>
+            </a:r>
+            <a:endParaRPr lang="en-US" sz="1600" dirty="0">
+              <a:latin typeface="Century Gothic" panose="020B0502020202020204" pitchFamily="34" charset="0"/>
+            </a:endParaRPr>
+          </a:p>
+        </p:txBody>
+      </p:sp>
+      <p:sp>
+        <p:nvSpPr>
+          <p:cNvPr id="23" name="TextBox 22"/>
+          <p:cNvSpPr txBox="1"/>
+          <p:nvPr/>
+        </p:nvSpPr>
+        <p:spPr>
+          <a:xfrm>
+            <a:off x="4804857" y="5072688"/>
+            <a:ext cx="2558458" cy="338554"/>
+          </a:xfrm>
+          <a:prstGeom prst="rect">
+            <a:avLst/>
+          </a:prstGeom>
+          <a:noFill/>
+        </p:spPr>
+        <p:txBody>
+          <a:bodyPr wrap="square" rtlCol="0">
+            <a:spAutoFit/>
+          </a:bodyPr>
+          <a:lstStyle/>
+          <a:p>
+            <a:pPr algn="ctr"/>
+            <a:r>
+              <a:rPr lang="ru-RU" sz="1600" dirty="0">
+                <a:latin typeface="Century Gothic" panose="020B0502020202020204" pitchFamily="34" charset="0"/>
+              </a:rPr>
+              <a:t>Кардридерный модуль</a:t>
+            </a:r>
+            <a:endParaRPr lang="en-US" sz="1600" dirty="0">
+              <a:latin typeface="Century Gothic" panose="020B0502020202020204" pitchFamily="34" charset="0"/>
+            </a:endParaRPr>
+          </a:p>
+        </p:txBody>
+      </p:sp>
+      <p:pic>
+        <p:nvPicPr>
+          <p:cNvPr id="24" name="Picture 23">
+            <a:extLst>
+              <a:ext uri="{FF2B5EF4-FFF2-40B4-BE49-F238E27FC236}">
+                <a16:creationId xmlns:a16="http://schemas.microsoft.com/office/drawing/2014/main" id="{BD4D3E0E-E0E6-4F32-B612-650FDCFC76D0}"/>
+              </a:ext>
+            </a:extLst>
+          </p:cNvPr>
+          <p:cNvPicPr>
+            <a:picLocks noChangeAspect="1"/>
+          </p:cNvPicPr>
+          <p:nvPr/>
+        </p:nvPicPr>
+        <p:blipFill>
+          <a:blip r:embed="rId4">
+            <a:extLst>
+              <a:ext uri="{28A0092B-C50C-407E-A947-70E740481C1C}">
+                <a14:useLocalDpi xmlns:a14="http://schemas.microsoft.com/office/drawing/2010/main" val="0"/>
+              </a:ext>
+            </a:extLst>
+          </a:blip>
+          <a:stretch>
+            <a:fillRect/>
+          </a:stretch>
+        </p:blipFill>
+        <p:spPr>
+          <a:xfrm>
+            <a:off x="8697633" y="2716013"/>
+            <a:ext cx="2000266" cy="886768"/>
+          </a:xfrm>
+          <a:prstGeom prst="rect">
+            <a:avLst/>
+          </a:prstGeom>
+        </p:spPr>
+      </p:pic>
+      <p:cxnSp>
+        <p:nvCxnSpPr>
+          <p:cNvPr id="25" name="Straight Connector 24"/>
+          <p:cNvCxnSpPr/>
+          <p:nvPr/>
+        </p:nvCxnSpPr>
+        <p:spPr>
+          <a:xfrm flipH="1" flipV="1">
+            <a:off x="9749849" y="2178706"/>
+            <a:ext cx="1" cy="537307"/>
+          </a:xfrm>
+          <a:prstGeom prst="line">
+            <a:avLst/>
+          </a:prstGeom>
+          <a:ln w="19050">
+            <a:solidFill>
+              <a:schemeClr val="accent1">
+                <a:lumMod val="75000"/>
+              </a:schemeClr>
+            </a:solidFill>
+          </a:ln>
+        </p:spPr>
+        <p:style>
+          <a:lnRef idx="1">
+            <a:schemeClr val="accent1"/>
+          </a:lnRef>
+          <a:fillRef idx="0">
+            <a:schemeClr val="accent1"/>
+          </a:fillRef>
+          <a:effectRef idx="0">
+            <a:schemeClr val="accent1"/>
+          </a:effectRef>
+          <a:fontRef idx="minor">
+            <a:schemeClr val="tx1"/>
+          </a:fontRef>
+        </p:style>
+      </p:cxnSp>
+      <p:cxnSp>
+        <p:nvCxnSpPr>
+          <p:cNvPr id="26" name="Straight Connector 25"/>
+          <p:cNvCxnSpPr>
+            <a:stCxn id="29" idx="0"/>
+          </p:cNvCxnSpPr>
+          <p:nvPr/>
+        </p:nvCxnSpPr>
+        <p:spPr>
+          <a:xfrm flipV="1">
+            <a:off x="8535711" y="3591404"/>
+            <a:ext cx="562248" cy="526776"/>
+          </a:xfrm>
+          <a:prstGeom prst="line">
+            <a:avLst/>
+          </a:prstGeom>
+          <a:ln w="19050">
+            <a:solidFill>
+              <a:schemeClr val="accent1">
+                <a:lumMod val="75000"/>
+              </a:schemeClr>
+            </a:solidFill>
+          </a:ln>
+        </p:spPr>
+        <p:style>
+          <a:lnRef idx="1">
+            <a:schemeClr val="accent1"/>
+          </a:lnRef>
+          <a:fillRef idx="0">
+            <a:schemeClr val="accent1"/>
+          </a:fillRef>
+          <a:effectRef idx="0">
+            <a:schemeClr val="accent1"/>
+          </a:effectRef>
+          <a:fontRef idx="minor">
+            <a:schemeClr val="tx1"/>
+          </a:fontRef>
+        </p:style>
+      </p:cxnSp>
+      <p:cxnSp>
+        <p:nvCxnSpPr>
+          <p:cNvPr id="27" name="Straight Connector 26"/>
+          <p:cNvCxnSpPr/>
+          <p:nvPr/>
+        </p:nvCxnSpPr>
+        <p:spPr>
+          <a:xfrm flipH="1" flipV="1">
+            <a:off x="9706069" y="3591404"/>
+            <a:ext cx="1" cy="537307"/>
+          </a:xfrm>
+          <a:prstGeom prst="line">
+            <a:avLst/>
+          </a:prstGeom>
+          <a:ln w="19050">
+            <a:solidFill>
+              <a:schemeClr val="accent1">
+                <a:lumMod val="75000"/>
+              </a:schemeClr>
+            </a:solidFill>
+          </a:ln>
+        </p:spPr>
+        <p:style>
+          <a:lnRef idx="1">
+            <a:schemeClr val="accent1"/>
+          </a:lnRef>
+          <a:fillRef idx="0">
+            <a:schemeClr val="accent1"/>
+          </a:fillRef>
+          <a:effectRef idx="0">
+            <a:schemeClr val="accent1"/>
+          </a:effectRef>
+          <a:fontRef idx="minor">
+            <a:schemeClr val="tx1"/>
+          </a:fontRef>
+        </p:style>
+      </p:cxnSp>
+      <p:cxnSp>
+        <p:nvCxnSpPr>
+          <p:cNvPr id="28" name="Straight Connector 27"/>
+          <p:cNvCxnSpPr>
+            <a:stCxn id="37" idx="0"/>
+          </p:cNvCxnSpPr>
+          <p:nvPr/>
+        </p:nvCxnSpPr>
+        <p:spPr>
+          <a:xfrm flipH="1" flipV="1">
+            <a:off x="10314180" y="3591404"/>
+            <a:ext cx="562247" cy="526776"/>
+          </a:xfrm>
+          <a:prstGeom prst="line">
+            <a:avLst/>
+          </a:prstGeom>
+          <a:ln w="19050">
+            <a:solidFill>
+              <a:schemeClr val="accent1">
+                <a:lumMod val="75000"/>
+              </a:schemeClr>
+            </a:solidFill>
+          </a:ln>
+        </p:spPr>
+        <p:style>
+          <a:lnRef idx="1">
+            <a:schemeClr val="accent1"/>
+          </a:lnRef>
+          <a:fillRef idx="0">
+            <a:schemeClr val="accent1"/>
+          </a:fillRef>
+          <a:effectRef idx="0">
+            <a:schemeClr val="accent1"/>
+          </a:effectRef>
+          <a:fontRef idx="minor">
+            <a:schemeClr val="tx1"/>
+          </a:fontRef>
+        </p:style>
+      </p:cxnSp>
+      <p:pic>
+        <p:nvPicPr>
+          <p:cNvPr id="29" name="Picture 28">
+            <a:extLst>
+              <a:ext uri="{FF2B5EF4-FFF2-40B4-BE49-F238E27FC236}">
+                <a16:creationId xmlns:a16="http://schemas.microsoft.com/office/drawing/2014/main" id="{723E8D1F-D839-4A4B-B861-F9F72C4136AF}"/>
+              </a:ext>
+            </a:extLst>
+          </p:cNvPr>
+          <p:cNvPicPr>
+            <a:picLocks noChangeAspect="1"/>
+          </p:cNvPicPr>
+          <p:nvPr/>
+        </p:nvPicPr>
+        <p:blipFill>
+          <a:blip r:embed="rId5" cstate="print">
+            <a:extLst>
+              <a:ext uri="{28A0092B-C50C-407E-A947-70E740481C1C}">
+                <a14:useLocalDpi xmlns:a14="http://schemas.microsoft.com/office/drawing/2010/main" val="0"/>
+              </a:ext>
+            </a:extLst>
+          </a:blip>
+          <a:stretch>
+            <a:fillRect/>
+          </a:stretch>
+        </p:blipFill>
+        <p:spPr>
+          <a:xfrm>
+            <a:off x="8214886" y="4118180"/>
+            <a:ext cx="641650" cy="1276546"/>
+          </a:xfrm>
+          <a:prstGeom prst="rect">
+            <a:avLst/>
+          </a:prstGeom>
+        </p:spPr>
+      </p:pic>
+      <p:pic>
+        <p:nvPicPr>
+          <p:cNvPr id="31" name="Picture 30">
+            <a:extLst>
+              <a:ext uri="{FF2B5EF4-FFF2-40B4-BE49-F238E27FC236}">
+                <a16:creationId xmlns:a16="http://schemas.microsoft.com/office/drawing/2014/main" id="{723E8D1F-D839-4A4B-B861-F9F72C4136AF}"/>
+              </a:ext>
+            </a:extLst>
+          </p:cNvPr>
+          <p:cNvPicPr>
+            <a:picLocks noChangeAspect="1"/>
+          </p:cNvPicPr>
+          <p:nvPr/>
+        </p:nvPicPr>
+        <p:blipFill>
+          <a:blip r:embed="rId5" cstate="print">
+            <a:extLst>
+              <a:ext uri="{28A0092B-C50C-407E-A947-70E740481C1C}">
+                <a14:useLocalDpi xmlns:a14="http://schemas.microsoft.com/office/drawing/2010/main" val="0"/>
+              </a:ext>
+            </a:extLst>
+          </a:blip>
+          <a:stretch>
+            <a:fillRect/>
+          </a:stretch>
+        </p:blipFill>
+        <p:spPr>
+          <a:xfrm>
+            <a:off x="9385244" y="4125786"/>
+            <a:ext cx="641650" cy="1276546"/>
+          </a:xfrm>
+          <a:prstGeom prst="rect">
+            <a:avLst/>
+          </a:prstGeom>
+        </p:spPr>
+      </p:pic>
+      <p:pic>
+        <p:nvPicPr>
+          <p:cNvPr id="37" name="Picture 36">
+            <a:extLst>
+              <a:ext uri="{FF2B5EF4-FFF2-40B4-BE49-F238E27FC236}">
+                <a16:creationId xmlns:a16="http://schemas.microsoft.com/office/drawing/2014/main" id="{723E8D1F-D839-4A4B-B861-F9F72C4136AF}"/>
+              </a:ext>
+            </a:extLst>
+          </p:cNvPr>
+          <p:cNvPicPr>
+            <a:picLocks noChangeAspect="1"/>
+          </p:cNvPicPr>
+          <p:nvPr/>
+        </p:nvPicPr>
+        <p:blipFill>
+          <a:blip r:embed="rId5" cstate="print">
+            <a:extLst>
+              <a:ext uri="{28A0092B-C50C-407E-A947-70E740481C1C}">
+                <a14:useLocalDpi xmlns:a14="http://schemas.microsoft.com/office/drawing/2010/main" val="0"/>
+              </a:ext>
+            </a:extLst>
+          </a:blip>
+          <a:stretch>
+            <a:fillRect/>
+          </a:stretch>
+        </p:blipFill>
+        <p:spPr>
+          <a:xfrm>
+            <a:off x="10555602" y="4118180"/>
+            <a:ext cx="641650" cy="1276546"/>
+          </a:xfrm>
+          <a:prstGeom prst="rect">
+            <a:avLst/>
+          </a:prstGeom>
+        </p:spPr>
+      </p:pic>
+      <p:sp>
+        <p:nvSpPr>
+          <p:cNvPr id="51" name="Cloud 50"/>
+          <p:cNvSpPr/>
+          <p:nvPr/>
+        </p:nvSpPr>
+        <p:spPr>
+          <a:xfrm>
+            <a:off x="8535711" y="1049835"/>
+            <a:ext cx="2340716" cy="1128871"/>
+          </a:xfrm>
+          <a:prstGeom prst="cloud">
+            <a:avLst/>
+          </a:prstGeom>
+          <a:solidFill>
+            <a:schemeClr val="bg1"/>
+          </a:solidFill>
+        </p:spPr>
+        <p:style>
+          <a:lnRef idx="2">
+            <a:schemeClr val="accent1">
+              <a:shade val="50000"/>
+            </a:schemeClr>
+          </a:lnRef>
+          <a:fillRef idx="1">
+            <a:schemeClr val="accent1"/>
+          </a:fillRef>
+          <a:effectRef idx="0">
+            <a:schemeClr val="accent1"/>
+          </a:effectRef>
+          <a:fontRef idx="minor">
+            <a:schemeClr val="lt1"/>
+          </a:fontRef>
+        </p:style>
+        <p:txBody>
+          <a:bodyPr rtlCol="0" anchor="ctr"/>
+          <a:lstStyle/>
+          <a:p>
+            <a:pPr algn="ctr"/>
+            <a:endParaRPr lang="en-US"/>
+          </a:p>
+        </p:txBody>
+      </p:sp>
+      <p:sp>
+        <p:nvSpPr>
+          <p:cNvPr id="52" name="TextBox 51"/>
+          <p:cNvSpPr txBox="1"/>
+          <p:nvPr/>
+        </p:nvSpPr>
+        <p:spPr>
+          <a:xfrm>
+            <a:off x="9897348" y="2363371"/>
+            <a:ext cx="1455817" cy="307777"/>
+          </a:xfrm>
+          <a:prstGeom prst="rect">
+            <a:avLst/>
+          </a:prstGeom>
+          <a:noFill/>
+        </p:spPr>
+        <p:txBody>
+          <a:bodyPr wrap="square" rtlCol="0">
+            <a:spAutoFit/>
+          </a:bodyPr>
+          <a:lstStyle/>
+          <a:p>
+            <a:pPr algn="ctr"/>
+            <a:r>
+              <a:rPr lang="ru-RU" sz="1400" dirty="0">
+                <a:latin typeface="Century Gothic" panose="020B0502020202020204" pitchFamily="34" charset="0"/>
+              </a:rPr>
+              <a:t>192.168.0.80</a:t>
+            </a:r>
+            <a:endParaRPr lang="en-US" sz="1400" dirty="0">
+              <a:latin typeface="Century Gothic" panose="020B0502020202020204" pitchFamily="34" charset="0"/>
+            </a:endParaRPr>
+          </a:p>
+        </p:txBody>
+      </p:sp>
+      <p:sp>
+        <p:nvSpPr>
+          <p:cNvPr id="53" name="TextBox 52"/>
+          <p:cNvSpPr txBox="1"/>
+          <p:nvPr/>
+        </p:nvSpPr>
+        <p:spPr>
+          <a:xfrm>
+            <a:off x="7902706" y="5846616"/>
+            <a:ext cx="1244079" cy="307777"/>
+          </a:xfrm>
+          <a:prstGeom prst="rect">
+            <a:avLst/>
+          </a:prstGeom>
+          <a:noFill/>
+        </p:spPr>
+        <p:txBody>
+          <a:bodyPr wrap="square" rtlCol="0">
+            <a:spAutoFit/>
+          </a:bodyPr>
+          <a:lstStyle/>
+          <a:p>
+            <a:pPr algn="ctr"/>
+            <a:r>
+              <a:rPr lang="ru-RU" sz="1400" dirty="0">
+                <a:latin typeface="Century Gothic" panose="020B0502020202020204" pitchFamily="34" charset="0"/>
+              </a:rPr>
+              <a:t>192.168.0.81</a:t>
+            </a:r>
+            <a:endParaRPr lang="en-US" sz="1400" dirty="0">
+              <a:latin typeface="Century Gothic" panose="020B0502020202020204" pitchFamily="34" charset="0"/>
+            </a:endParaRPr>
+          </a:p>
+        </p:txBody>
+      </p:sp>
+      <p:sp>
+        <p:nvSpPr>
+          <p:cNvPr id="54" name="TextBox 53"/>
+          <p:cNvSpPr txBox="1"/>
+          <p:nvPr/>
+        </p:nvSpPr>
+        <p:spPr>
+          <a:xfrm>
+            <a:off x="9090241" y="5846616"/>
+            <a:ext cx="1231655" cy="307777"/>
+          </a:xfrm>
+          <a:prstGeom prst="rect">
+            <a:avLst/>
+          </a:prstGeom>
+          <a:noFill/>
+        </p:spPr>
+        <p:txBody>
+          <a:bodyPr wrap="square" rtlCol="0">
+            <a:spAutoFit/>
+          </a:bodyPr>
+          <a:lstStyle/>
+          <a:p>
+            <a:pPr algn="ctr"/>
+            <a:r>
+              <a:rPr lang="ru-RU" sz="1400" dirty="0">
+                <a:latin typeface="Century Gothic" panose="020B0502020202020204" pitchFamily="34" charset="0"/>
+              </a:rPr>
+              <a:t>192.168.0.82</a:t>
+            </a:r>
+            <a:endParaRPr lang="en-US" sz="1400" dirty="0">
+              <a:latin typeface="Century Gothic" panose="020B0502020202020204" pitchFamily="34" charset="0"/>
+            </a:endParaRPr>
+          </a:p>
+        </p:txBody>
+      </p:sp>
+      <p:sp>
+        <p:nvSpPr>
+          <p:cNvPr id="55" name="TextBox 54"/>
+          <p:cNvSpPr txBox="1"/>
+          <p:nvPr/>
+        </p:nvSpPr>
+        <p:spPr>
+          <a:xfrm>
+            <a:off x="8022300" y="5542255"/>
+            <a:ext cx="1025850" cy="338554"/>
+          </a:xfrm>
+          <a:prstGeom prst="rect">
+            <a:avLst/>
+          </a:prstGeom>
+          <a:noFill/>
+        </p:spPr>
+        <p:txBody>
+          <a:bodyPr wrap="square" rtlCol="0">
+            <a:spAutoFit/>
+          </a:bodyPr>
+          <a:lstStyle/>
+          <a:p>
+            <a:pPr algn="ctr"/>
+            <a:r>
+              <a:rPr lang="ru-RU" sz="1600" dirty="0">
+                <a:latin typeface="Century Gothic" panose="020B0502020202020204" pitchFamily="34" charset="0"/>
+              </a:rPr>
+              <a:t>ридер 1</a:t>
+            </a:r>
+            <a:endParaRPr lang="en-US" sz="1600" dirty="0">
+              <a:latin typeface="Century Gothic" panose="020B0502020202020204" pitchFamily="34" charset="0"/>
+            </a:endParaRPr>
+          </a:p>
+        </p:txBody>
+      </p:sp>
+      <p:sp>
+        <p:nvSpPr>
+          <p:cNvPr id="56" name="TextBox 55"/>
+          <p:cNvSpPr txBox="1"/>
+          <p:nvPr/>
+        </p:nvSpPr>
+        <p:spPr>
+          <a:xfrm>
+            <a:off x="9174423" y="5542255"/>
+            <a:ext cx="1063289" cy="338554"/>
+          </a:xfrm>
+          <a:prstGeom prst="rect">
+            <a:avLst/>
+          </a:prstGeom>
+          <a:noFill/>
+        </p:spPr>
+        <p:txBody>
+          <a:bodyPr wrap="square" rtlCol="0">
+            <a:spAutoFit/>
+          </a:bodyPr>
+          <a:lstStyle/>
+          <a:p>
+            <a:pPr algn="ctr"/>
+            <a:r>
+              <a:rPr lang="ru-RU" sz="1600" dirty="0">
+                <a:latin typeface="Century Gothic" panose="020B0502020202020204" pitchFamily="34" charset="0"/>
+              </a:rPr>
+              <a:t>ридер 2</a:t>
+            </a:r>
+            <a:endParaRPr lang="en-US" sz="1600" dirty="0">
+              <a:latin typeface="Century Gothic" panose="020B0502020202020204" pitchFamily="34" charset="0"/>
+            </a:endParaRPr>
+          </a:p>
+        </p:txBody>
+      </p:sp>
+      <p:sp>
+        <p:nvSpPr>
+          <p:cNvPr id="57" name="TextBox 56"/>
+          <p:cNvSpPr txBox="1"/>
+          <p:nvPr/>
+        </p:nvSpPr>
+        <p:spPr>
+          <a:xfrm>
+            <a:off x="10265350" y="5841072"/>
+            <a:ext cx="1571853" cy="307777"/>
+          </a:xfrm>
+          <a:prstGeom prst="rect">
+            <a:avLst/>
+          </a:prstGeom>
+          <a:noFill/>
+        </p:spPr>
+        <p:txBody>
+          <a:bodyPr wrap="square" rtlCol="0">
+            <a:spAutoFit/>
+          </a:bodyPr>
+          <a:lstStyle/>
+          <a:p>
+            <a:pPr algn="ctr"/>
+            <a:r>
+              <a:rPr lang="ru-RU" sz="1400" dirty="0">
+                <a:latin typeface="Century Gothic" panose="020B0502020202020204" pitchFamily="34" charset="0"/>
+              </a:rPr>
+              <a:t>192.168.0.(80+</a:t>
+            </a:r>
+            <a:r>
+              <a:rPr lang="en-US" sz="1400" dirty="0">
+                <a:latin typeface="Century Gothic" panose="020B0502020202020204" pitchFamily="34" charset="0"/>
+              </a:rPr>
+              <a:t>n)</a:t>
+            </a:r>
+          </a:p>
+        </p:txBody>
+      </p:sp>
+      <p:sp>
+        <p:nvSpPr>
+          <p:cNvPr id="58" name="TextBox 57"/>
+          <p:cNvSpPr txBox="1"/>
+          <p:nvPr/>
+        </p:nvSpPr>
+        <p:spPr>
+          <a:xfrm>
+            <a:off x="10367457" y="5542255"/>
+            <a:ext cx="1025850" cy="338554"/>
+          </a:xfrm>
+          <a:prstGeom prst="rect">
+            <a:avLst/>
+          </a:prstGeom>
+          <a:noFill/>
+        </p:spPr>
+        <p:txBody>
+          <a:bodyPr wrap="square" rtlCol="0">
+            <a:spAutoFit/>
+          </a:bodyPr>
+          <a:lstStyle/>
+          <a:p>
+            <a:pPr algn="ctr"/>
+            <a:r>
+              <a:rPr lang="ru-RU" sz="1600" dirty="0">
+                <a:latin typeface="Century Gothic" panose="020B0502020202020204" pitchFamily="34" charset="0"/>
+              </a:rPr>
+              <a:t>ридер </a:t>
+            </a:r>
+            <a:r>
+              <a:rPr lang="en-US" sz="1600" dirty="0">
+                <a:latin typeface="Century Gothic" panose="020B0502020202020204" pitchFamily="34" charset="0"/>
+              </a:rPr>
+              <a:t>n</a:t>
+            </a:r>
+          </a:p>
+        </p:txBody>
+      </p:sp>
+    </p:spTree>
+    <p:extLst>
+      <p:ext uri="{BB962C8B-B14F-4D97-AF65-F5344CB8AC3E}">
+        <p14:creationId xmlns:p14="http://schemas.microsoft.com/office/powerpoint/2010/main" val="3082423207"/>
+      </p:ext>
+    </p:extLst>
+  </p:cSld>
+  <p:clrMapOvr>
+    <a:masterClrMapping/>
+  </p:clrMapOvr>
+</p:sld>
+</file>
+
+<file path=ppt/slides/slide9.xml><?xml version="1.0" encoding="utf-8"?>
+<p:sld xmlns:a="http://schemas.openxmlformats.org/drawingml/2006/main" xmlns:r="http://schemas.openxmlformats.org/officeDocument/2006/relationships" xmlns:p="http://schemas.openxmlformats.org/presentationml/2006/main">
+  <p:cSld>
+    <p:spTree>
+      <p:nvGrpSpPr>
+        <p:cNvPr id="1" name=""/>
+        <p:cNvGrpSpPr/>
+        <p:nvPr/>
+      </p:nvGrpSpPr>
+      <p:grpSpPr>
+        <a:xfrm>
+          <a:off x="0" y="0"/>
+          <a:ext cx="0" cy="0"/>
+          <a:chOff x="0" y="0"/>
+          <a:chExt cx="0" cy="0"/>
+        </a:xfrm>
+      </p:grpSpPr>
+      <p:pic>
+        <p:nvPicPr>
+          <p:cNvPr id="2" name="Picture 2" descr="C:\Users\Андрей\Desktop\1\Безымянный-1.png"/>
+          <p:cNvPicPr>
+            <a:picLocks noChangeAspect="1" noChangeArrowheads="1"/>
+          </p:cNvPicPr>
+          <p:nvPr/>
+        </p:nvPicPr>
+        <p:blipFill>
+          <a:blip r:embed="rId2">
+            <a:extLst>
+              <a:ext uri="{28A0092B-C50C-407E-A947-70E740481C1C}">
+                <a14:useLocalDpi xmlns:a14="http://schemas.microsoft.com/office/drawing/2010/main" val="0"/>
+              </a:ext>
+            </a:extLst>
+          </a:blip>
+          <a:srcRect/>
+          <a:stretch>
+            <a:fillRect/>
+          </a:stretch>
+        </p:blipFill>
+        <p:spPr bwMode="auto">
+          <a:xfrm>
+            <a:off x="0" y="0"/>
+            <a:ext cx="12192000" cy="982639"/>
+          </a:xfrm>
+          <a:prstGeom prst="rect">
+            <a:avLst/>
+          </a:prstGeom>
+          <a:noFill/>
+          <a:ln>
+            <a:noFill/>
+          </a:ln>
+          <a:extLst>
+            <a:ext uri="{909E8E84-426E-40DD-AFC4-6F175D3DCCD1}">
+              <a14:hiddenFill xmlns:a14="http://schemas.microsoft.com/office/drawing/2010/main">
+                <a:solidFill>
+                  <a:srgbClr val="FFFFFF"/>
+                </a:solidFill>
+              </a14:hiddenFill>
+            </a:ext>
+            <a:ext uri="{91240B29-F687-4F45-9708-019B960494DF}">
+              <a14:hiddenLine xmlns:a14="http://schemas.microsoft.com/office/drawing/2010/main" w="9525">
+                <a:solidFill>
+                  <a:srgbClr val="000000"/>
+                </a:solidFill>
+                <a:miter lim="800000"/>
+                <a:headEnd/>
+                <a:tailEnd/>
+              </a14:hiddenLine>
+            </a:ext>
+          </a:extLst>
+        </p:spPr>
+      </p:pic>
+      <p:sp>
+        <p:nvSpPr>
+          <p:cNvPr id="5" name="TextBox 4"/>
+          <p:cNvSpPr txBox="1"/>
+          <p:nvPr/>
+        </p:nvSpPr>
+        <p:spPr>
+          <a:xfrm>
+            <a:off x="2906973" y="436728"/>
+            <a:ext cx="184731" cy="369332"/>
+          </a:xfrm>
+          <a:prstGeom prst="rect">
+            <a:avLst/>
+          </a:prstGeom>
+          <a:noFill/>
+        </p:spPr>
+        <p:txBody>
+          <a:bodyPr wrap="none" rtlCol="0">
+            <a:spAutoFit/>
+          </a:bodyPr>
+          <a:lstStyle/>
+          <a:p>
+            <a:endParaRPr lang="ru-RU" dirty="0"/>
+          </a:p>
+        </p:txBody>
+      </p:sp>
+      <p:sp>
+        <p:nvSpPr>
+          <p:cNvPr id="7" name="TextBox 6"/>
+          <p:cNvSpPr txBox="1"/>
+          <p:nvPr/>
+        </p:nvSpPr>
+        <p:spPr>
+          <a:xfrm>
+            <a:off x="1355767" y="168153"/>
+            <a:ext cx="9480480" cy="646331"/>
+          </a:xfrm>
+          <a:prstGeom prst="rect">
+            <a:avLst/>
+          </a:prstGeom>
+          <a:noFill/>
+        </p:spPr>
+        <p:txBody>
+          <a:bodyPr wrap="none" rtlCol="0">
+            <a:spAutoFit/>
+          </a:bodyPr>
+          <a:lstStyle/>
+          <a:p>
+            <a:pPr algn="ctr"/>
+            <a:r>
+              <a:rPr lang="ru-RU" sz="3600" dirty="0">
+                <a:solidFill>
+                  <a:schemeClr val="bg1">
+                    <a:lumMod val="95000"/>
+                  </a:schemeClr>
+                </a:solidFill>
+                <a:effectLst>
+                  <a:outerShdw blurRad="38100" dist="38100" dir="2700000" algn="tl">
+                    <a:srgbClr val="000000">
+                      <a:alpha val="43137"/>
+                    </a:srgbClr>
+                  </a:outerShdw>
+                </a:effectLst>
+                <a:latin typeface="Century Gothic" panose="020B0502020202020204" pitchFamily="34" charset="0"/>
+              </a:rPr>
               <a:t>Схема взаимодействия с эмбоссером</a:t>
             </a:r>
           </a:p>
@@ -6565,85 +10100,100 @@
           </a:prstGeom>
         </p:spPr>
       </p:pic>
-      <p:pic>
-        <p:nvPicPr>
-          <p:cNvPr id="13" name="Picture 12">
-            <a:extLst>
-              <a:ext uri="{FF2B5EF4-FFF2-40B4-BE49-F238E27FC236}">
-                <a16:creationId xmlns:a16="http://schemas.microsoft.com/office/drawing/2014/main" id="{EA6BCD99-EF0F-BB81-6E5D-841B9F66F47F}"/>
-              </a:ext>
-            </a:extLst>
-          </p:cNvPr>
-          <p:cNvPicPr>
-            <a:picLocks noChangeAspect="1"/>
-          </p:cNvPicPr>
-          <p:nvPr/>
-        </p:nvPicPr>
-        <p:blipFill>
-          <a:blip r:embed="rId6">
-            <a:extLst>
-              <a:ext uri="{28A0092B-C50C-407E-A947-70E740481C1C}">
-                <a14:useLocalDpi xmlns:a14="http://schemas.microsoft.com/office/drawing/2010/main" val="0"/>
-              </a:ext>
-            </a:extLst>
-          </a:blip>
-          <a:stretch>
-            <a:fillRect/>
-          </a:stretch>
-        </p:blipFill>
-        <p:spPr>
+      <p:grpSp>
+        <p:nvGrpSpPr>
+          <p:cNvPr id="10" name="Group 9"/>
+          <p:cNvGrpSpPr/>
+          <p:nvPr/>
+        </p:nvGrpSpPr>
+        <p:grpSpPr>
           <a:xfrm>
             <a:off x="9355402" y="2946927"/>
-            <a:ext cx="2144831" cy="1562459"/>
-          </a:xfrm>
-          <a:prstGeom prst="rect">
-            <a:avLst/>
-          </a:prstGeom>
-        </p:spPr>
-      </p:pic>
-      <p:sp>
-        <p:nvSpPr>
-          <p:cNvPr id="15" name="TextBox 14">
-            <a:extLst>
-              <a:ext uri="{FF2B5EF4-FFF2-40B4-BE49-F238E27FC236}">
-                <a16:creationId xmlns:a16="http://schemas.microsoft.com/office/drawing/2014/main" id="{5DF8824C-45BD-E329-E70B-AF2E073C3BF6}"/>
-              </a:ext>
-            </a:extLst>
-          </p:cNvPr>
-          <p:cNvSpPr txBox="1"/>
-          <p:nvPr/>
-        </p:nvSpPr>
-        <p:spPr>
-          <a:xfrm>
-            <a:off x="9540257" y="4509386"/>
-            <a:ext cx="1775120" cy="369332"/>
-          </a:xfrm>
-          <a:prstGeom prst="rect">
-            <a:avLst/>
-          </a:prstGeom>
-          <a:noFill/>
-        </p:spPr>
-        <p:txBody>
-          <a:bodyPr wrap="square" rtlCol="0">
-            <a:spAutoFit/>
-          </a:bodyPr>
-          <a:lstStyle/>
-          <a:p>
-            <a:r>
-              <a:rPr lang="en-US" dirty="0" err="1">
-                <a:latin typeface="Century Gothic" panose="020B0502020202020204" pitchFamily="34" charset="0"/>
-              </a:rPr>
-              <a:t>Maticard</a:t>
-            </a:r>
-            <a:r>
-              <a:rPr lang="en-US" dirty="0">
-                <a:latin typeface="Century Gothic" panose="020B0502020202020204" pitchFamily="34" charset="0"/>
-              </a:rPr>
-              <a:t> PRO</a:t>
-            </a:r>
-          </a:p>
-        </p:txBody>
-      </p:sp>
+            <a:ext cx="2144831" cy="1931791"/>
+            <a:chOff x="9355402" y="2946927"/>
+            <a:chExt cx="2144831" cy="1931791"/>
+          </a:xfrm>
+        </p:grpSpPr>
+        <p:pic>
+          <p:nvPicPr>
+            <p:cNvPr id="13" name="Picture 12">
+              <a:extLst>
+                <a:ext uri="{FF2B5EF4-FFF2-40B4-BE49-F238E27FC236}">
+                  <a16:creationId xmlns:a16="http://schemas.microsoft.com/office/drawing/2014/main" id="{EA6BCD99-EF0F-BB81-6E5D-841B9F66F47F}"/>
+                </a:ext>
+              </a:extLst>
+            </p:cNvPr>
+            <p:cNvPicPr>
+              <a:picLocks noChangeAspect="1"/>
+            </p:cNvPicPr>
+            <p:nvPr/>
+          </p:nvPicPr>
+          <p:blipFill>
+            <a:blip r:embed="rId6">
+              <a:extLst>
+                <a:ext uri="{28A0092B-C50C-407E-A947-70E740481C1C}">
+                  <a14:useLocalDpi xmlns:a14="http://schemas.microsoft.com/office/drawing/2010/main" val="0"/>
+                </a:ext>
+              </a:extLst>
+            </a:blip>
+            <a:stretch>
+              <a:fillRect/>
+            </a:stretch>
+          </p:blipFill>
+          <p:spPr>
+            <a:xfrm>
+              <a:off x="9355402" y="2946927"/>
+              <a:ext cx="2144831" cy="1562459"/>
+            </a:xfrm>
+            <a:prstGeom prst="rect">
+              <a:avLst/>
+            </a:prstGeom>
+          </p:spPr>
+        </p:pic>
+        <p:sp>
+          <p:nvSpPr>
+            <p:cNvPr id="15" name="TextBox 14">
+              <a:extLst>
+                <a:ext uri="{FF2B5EF4-FFF2-40B4-BE49-F238E27FC236}">
+                  <a16:creationId xmlns:a16="http://schemas.microsoft.com/office/drawing/2014/main" id="{5DF8824C-45BD-E329-E70B-AF2E073C3BF6}"/>
+                </a:ext>
+              </a:extLst>
+            </p:cNvPr>
+            <p:cNvSpPr txBox="1"/>
+            <p:nvPr/>
+          </p:nvSpPr>
+          <p:spPr>
+            <a:xfrm>
+              <a:off x="9540257" y="4509386"/>
+              <a:ext cx="1775120" cy="369332"/>
+            </a:xfrm>
+            <a:prstGeom prst="rect">
+              <a:avLst/>
+            </a:prstGeom>
+            <a:noFill/>
+          </p:spPr>
+          <p:txBody>
+            <a:bodyPr wrap="square" rtlCol="0">
+              <a:spAutoFit/>
+            </a:bodyPr>
+            <a:lstStyle/>
+            <a:p>
+              <a:r>
+                <a:rPr lang="en-US" dirty="0" err="1">
+                  <a:latin typeface="Century Gothic" panose="020B0502020202020204" pitchFamily="34" charset="0"/>
+                </a:rPr>
+                <a:t>Maticard</a:t>
+              </a:r>
+              <a:r>
+                <a:rPr lang="en-US" dirty="0">
+                  <a:latin typeface="Century Gothic" panose="020B0502020202020204" pitchFamily="34" charset="0"/>
+                </a:rPr>
+                <a:t> PRO</a:t>
+              </a:r>
+            </a:p>
+          </p:txBody>
+        </p:sp>
+      </p:grpSp>
       <p:pic>
         <p:nvPicPr>
           <p:cNvPr id="17" name="Picture 16">
@@ -8242,1885 +11792,6 @@
 </p:sld>
 </file>
 
-<file path=ppt/slides/slide7.xml><?xml version="1.0" encoding="utf-8"?>
-<p:sld xmlns:a="http://schemas.openxmlformats.org/drawingml/2006/main" xmlns:r="http://schemas.openxmlformats.org/officeDocument/2006/relationships" xmlns:p="http://schemas.openxmlformats.org/presentationml/2006/main">
-  <p:cSld>
-    <p:spTree>
-      <p:nvGrpSpPr>
-        <p:cNvPr id="1" name=""/>
-        <p:cNvGrpSpPr/>
-        <p:nvPr/>
-      </p:nvGrpSpPr>
-      <p:grpSpPr>
-        <a:xfrm>
-          <a:off x="0" y="0"/>
-          <a:ext cx="0" cy="0"/>
-          <a:chOff x="0" y="0"/>
-          <a:chExt cx="0" cy="0"/>
-        </a:xfrm>
-      </p:grpSpPr>
-      <p:pic>
-        <p:nvPicPr>
-          <p:cNvPr id="2" name="Picture 2" descr="C:\Users\Андрей\Desktop\1\Безымянный-1.png"/>
-          <p:cNvPicPr>
-            <a:picLocks noChangeAspect="1" noChangeArrowheads="1"/>
-          </p:cNvPicPr>
-          <p:nvPr/>
-        </p:nvPicPr>
-        <p:blipFill>
-          <a:blip r:embed="rId2">
-            <a:extLst>
-              <a:ext uri="{28A0092B-C50C-407E-A947-70E740481C1C}">
-                <a14:useLocalDpi xmlns:a14="http://schemas.microsoft.com/office/drawing/2010/main" val="0"/>
-              </a:ext>
-            </a:extLst>
-          </a:blip>
-          <a:srcRect/>
-          <a:stretch>
-            <a:fillRect/>
-          </a:stretch>
-        </p:blipFill>
-        <p:spPr bwMode="auto">
-          <a:xfrm>
-            <a:off x="0" y="0"/>
-            <a:ext cx="12192000" cy="982639"/>
-          </a:xfrm>
-          <a:prstGeom prst="rect">
-            <a:avLst/>
-          </a:prstGeom>
-          <a:noFill/>
-          <a:ln>
-            <a:noFill/>
-          </a:ln>
-          <a:extLst>
-            <a:ext uri="{909E8E84-426E-40DD-AFC4-6F175D3DCCD1}">
-              <a14:hiddenFill xmlns:a14="http://schemas.microsoft.com/office/drawing/2010/main">
-                <a:solidFill>
-                  <a:srgbClr val="FFFFFF"/>
-                </a:solidFill>
-              </a14:hiddenFill>
-            </a:ext>
-            <a:ext uri="{91240B29-F687-4F45-9708-019B960494DF}">
-              <a14:hiddenLine xmlns:a14="http://schemas.microsoft.com/office/drawing/2010/main" w="9525">
-                <a:solidFill>
-                  <a:srgbClr val="000000"/>
-                </a:solidFill>
-                <a:miter lim="800000"/>
-                <a:headEnd/>
-                <a:tailEnd/>
-              </a14:hiddenLine>
-            </a:ext>
-          </a:extLst>
-        </p:spPr>
-      </p:pic>
-      <p:sp>
-        <p:nvSpPr>
-          <p:cNvPr id="5" name="TextBox 4"/>
-          <p:cNvSpPr txBox="1"/>
-          <p:nvPr/>
-        </p:nvSpPr>
-        <p:spPr>
-          <a:xfrm>
-            <a:off x="3534770" y="450376"/>
-            <a:ext cx="184731" cy="369332"/>
-          </a:xfrm>
-          <a:prstGeom prst="rect">
-            <a:avLst/>
-          </a:prstGeom>
-          <a:noFill/>
-        </p:spPr>
-        <p:txBody>
-          <a:bodyPr wrap="none" rtlCol="0">
-            <a:spAutoFit/>
-          </a:bodyPr>
-          <a:lstStyle/>
-          <a:p>
-            <a:endParaRPr lang="ru-RU" dirty="0"/>
-          </a:p>
-        </p:txBody>
-      </p:sp>
-      <p:sp>
-        <p:nvSpPr>
-          <p:cNvPr id="7" name="TextBox 6"/>
-          <p:cNvSpPr txBox="1"/>
-          <p:nvPr/>
-        </p:nvSpPr>
-        <p:spPr>
-          <a:xfrm>
-            <a:off x="2139628" y="111822"/>
-            <a:ext cx="7912744" cy="707886"/>
-          </a:xfrm>
-          <a:prstGeom prst="rect">
-            <a:avLst/>
-          </a:prstGeom>
-          <a:noFill/>
-        </p:spPr>
-        <p:txBody>
-          <a:bodyPr wrap="none" rtlCol="0">
-            <a:spAutoFit/>
-          </a:bodyPr>
-          <a:lstStyle/>
-          <a:p>
-            <a:pPr algn="ctr"/>
-            <a:r>
-              <a:rPr lang="ru-RU" sz="4000" dirty="0">
-                <a:solidFill>
-                  <a:schemeClr val="bg1">
-                    <a:lumMod val="95000"/>
-                  </a:schemeClr>
-                </a:solidFill>
-                <a:effectLst>
-                  <a:outerShdw blurRad="38100" dist="38100" dir="2700000" algn="tl">
-                    <a:srgbClr val="000000">
-                      <a:alpha val="43137"/>
-                    </a:srgbClr>
-                  </a:outerShdw>
-                </a:effectLst>
-                <a:latin typeface="Century Gothic" panose="020B0502020202020204" pitchFamily="34" charset="0"/>
-              </a:rPr>
-              <a:t>Результаты анализа </a:t>
-            </a:r>
-            <a:r>
-              <a:rPr lang="en-US" sz="4000" dirty="0" err="1">
-                <a:solidFill>
-                  <a:schemeClr val="bg1">
-                    <a:lumMod val="95000"/>
-                  </a:schemeClr>
-                </a:solidFill>
-                <a:effectLst>
-                  <a:outerShdw blurRad="38100" dist="38100" dir="2700000" algn="tl">
-                    <a:srgbClr val="000000">
-                      <a:alpha val="43137"/>
-                    </a:srgbClr>
-                  </a:outerShdw>
-                </a:effectLst>
-                <a:latin typeface="Century Gothic" panose="020B0502020202020204" pitchFamily="34" charset="0"/>
-              </a:rPr>
-              <a:t>FloraWare</a:t>
-            </a:r>
-            <a:endParaRPr lang="ru-RU" sz="4000" dirty="0">
-              <a:solidFill>
-                <a:schemeClr val="bg1">
-                  <a:lumMod val="95000"/>
-                </a:schemeClr>
-              </a:solidFill>
-              <a:effectLst>
-                <a:outerShdw blurRad="38100" dist="38100" dir="2700000" algn="tl">
-                  <a:srgbClr val="000000">
-                    <a:alpha val="43137"/>
-                  </a:srgbClr>
-                </a:outerShdw>
-              </a:effectLst>
-              <a:latin typeface="Century Gothic" panose="020B0502020202020204" pitchFamily="34" charset="0"/>
-            </a:endParaRPr>
-          </a:p>
-        </p:txBody>
-      </p:sp>
-      <p:pic>
-        <p:nvPicPr>
-          <p:cNvPr id="3" name="Picture 2">
-            <a:extLst>
-              <a:ext uri="{FF2B5EF4-FFF2-40B4-BE49-F238E27FC236}">
-                <a16:creationId xmlns:a16="http://schemas.microsoft.com/office/drawing/2014/main" id="{CF1DBCE9-7EDD-C8A1-1C96-7712C196D26C}"/>
-              </a:ext>
-            </a:extLst>
-          </p:cNvPr>
-          <p:cNvPicPr>
-            <a:picLocks noChangeAspect="1"/>
-          </p:cNvPicPr>
-          <p:nvPr/>
-        </p:nvPicPr>
-        <p:blipFill>
-          <a:blip r:embed="rId3" cstate="print">
-            <a:extLst>
-              <a:ext uri="{28A0092B-C50C-407E-A947-70E740481C1C}">
-                <a14:useLocalDpi xmlns:a14="http://schemas.microsoft.com/office/drawing/2010/main" val="0"/>
-              </a:ext>
-            </a:extLst>
-          </a:blip>
-          <a:stretch>
-            <a:fillRect/>
-          </a:stretch>
-        </p:blipFill>
-        <p:spPr>
-          <a:xfrm>
-            <a:off x="925596" y="3079121"/>
-            <a:ext cx="1665203" cy="1465377"/>
-          </a:xfrm>
-          <a:prstGeom prst="rect">
-            <a:avLst/>
-          </a:prstGeom>
-        </p:spPr>
-      </p:pic>
-      <p:sp>
-        <p:nvSpPr>
-          <p:cNvPr id="4" name="TextBox 3">
-            <a:extLst>
-              <a:ext uri="{FF2B5EF4-FFF2-40B4-BE49-F238E27FC236}">
-                <a16:creationId xmlns:a16="http://schemas.microsoft.com/office/drawing/2014/main" id="{9B45C4F2-83F8-7E63-5A7F-55DCF21B4F67}"/>
-              </a:ext>
-            </a:extLst>
-          </p:cNvPr>
-          <p:cNvSpPr txBox="1"/>
-          <p:nvPr/>
-        </p:nvSpPr>
-        <p:spPr>
-          <a:xfrm>
-            <a:off x="1011051" y="4544498"/>
-            <a:ext cx="1494291" cy="400110"/>
-          </a:xfrm>
-          <a:prstGeom prst="rect">
-            <a:avLst/>
-          </a:prstGeom>
-          <a:noFill/>
-        </p:spPr>
-        <p:txBody>
-          <a:bodyPr wrap="square" rtlCol="0">
-            <a:spAutoFit/>
-          </a:bodyPr>
-          <a:lstStyle/>
-          <a:p>
-            <a:pPr algn="ctr"/>
-            <a:r>
-              <a:rPr lang="en-US" sz="2000" dirty="0" err="1">
-                <a:latin typeface="Century Gothic" panose="020B0502020202020204" pitchFamily="34" charset="0"/>
-              </a:rPr>
-              <a:t>FloraWare</a:t>
-            </a:r>
-            <a:endParaRPr lang="ru-RU" sz="2000" dirty="0">
-              <a:latin typeface="Century Gothic" panose="020B0502020202020204" pitchFamily="34" charset="0"/>
-            </a:endParaRPr>
-          </a:p>
-        </p:txBody>
-      </p:sp>
-      <p:sp>
-        <p:nvSpPr>
-          <p:cNvPr id="6" name="Rectangle 5">
-            <a:extLst>
-              <a:ext uri="{FF2B5EF4-FFF2-40B4-BE49-F238E27FC236}">
-                <a16:creationId xmlns:a16="http://schemas.microsoft.com/office/drawing/2014/main" id="{826F21BF-4FFB-C471-BD15-5D78796E9C17}"/>
-              </a:ext>
-            </a:extLst>
-          </p:cNvPr>
-          <p:cNvSpPr/>
-          <p:nvPr/>
-        </p:nvSpPr>
-        <p:spPr>
-          <a:xfrm>
-            <a:off x="3281681" y="1158262"/>
-            <a:ext cx="8696960" cy="5486378"/>
-          </a:xfrm>
-          <a:prstGeom prst="rect">
-            <a:avLst/>
-          </a:prstGeom>
-          <a:noFill/>
-          <a:ln w="76200">
-            <a:solidFill>
-              <a:schemeClr val="accent1">
-                <a:lumMod val="50000"/>
-              </a:schemeClr>
-            </a:solidFill>
-          </a:ln>
-        </p:spPr>
-        <p:style>
-          <a:lnRef idx="2">
-            <a:schemeClr val="accent6"/>
-          </a:lnRef>
-          <a:fillRef idx="1">
-            <a:schemeClr val="lt1"/>
-          </a:fillRef>
-          <a:effectRef idx="0">
-            <a:schemeClr val="accent6"/>
-          </a:effectRef>
-          <a:fontRef idx="minor">
-            <a:schemeClr val="dk1"/>
-          </a:fontRef>
-        </p:style>
-        <p:txBody>
-          <a:bodyPr rtlCol="0" anchor="ctr"/>
-          <a:lstStyle/>
-          <a:p>
-            <a:pPr algn="ctr"/>
-            <a:endParaRPr lang="en-US"/>
-          </a:p>
-        </p:txBody>
-      </p:sp>
-      <p:sp>
-        <p:nvSpPr>
-          <p:cNvPr id="10" name="TextBox 9">
-            <a:extLst>
-              <a:ext uri="{FF2B5EF4-FFF2-40B4-BE49-F238E27FC236}">
-                <a16:creationId xmlns:a16="http://schemas.microsoft.com/office/drawing/2014/main" id="{9DDC8573-D78C-B14C-4507-D4DABFFBE1AC}"/>
-              </a:ext>
-            </a:extLst>
-          </p:cNvPr>
-          <p:cNvSpPr txBox="1"/>
-          <p:nvPr/>
-        </p:nvSpPr>
-        <p:spPr>
-          <a:xfrm>
-            <a:off x="8244718" y="2831367"/>
-            <a:ext cx="3615309" cy="707886"/>
-          </a:xfrm>
-          <a:prstGeom prst="rect">
-            <a:avLst/>
-          </a:prstGeom>
-          <a:noFill/>
-        </p:spPr>
-        <p:txBody>
-          <a:bodyPr wrap="square" rtlCol="0">
-            <a:spAutoFit/>
-          </a:bodyPr>
-          <a:lstStyle/>
-          <a:p>
-            <a:pPr algn="ctr"/>
-            <a:r>
-              <a:rPr lang="ru-RU" sz="2000" dirty="0">
-                <a:latin typeface="Century Gothic" panose="020B0502020202020204" pitchFamily="34" charset="0"/>
-              </a:rPr>
-              <a:t>Инструменты разработки/тестирования</a:t>
-            </a:r>
-          </a:p>
-        </p:txBody>
-      </p:sp>
-      <p:pic>
-        <p:nvPicPr>
-          <p:cNvPr id="11" name="Picture 10">
-            <a:extLst>
-              <a:ext uri="{FF2B5EF4-FFF2-40B4-BE49-F238E27FC236}">
-                <a16:creationId xmlns:a16="http://schemas.microsoft.com/office/drawing/2014/main" id="{16F5385B-82BF-9994-60D6-96CEF66D4EA7}"/>
-              </a:ext>
-            </a:extLst>
-          </p:cNvPr>
-          <p:cNvPicPr>
-            <a:picLocks noChangeAspect="1"/>
-          </p:cNvPicPr>
-          <p:nvPr/>
-        </p:nvPicPr>
-        <p:blipFill>
-          <a:blip r:embed="rId4">
-            <a:extLst>
-              <a:ext uri="{28A0092B-C50C-407E-A947-70E740481C1C}">
-                <a14:useLocalDpi xmlns:a14="http://schemas.microsoft.com/office/drawing/2010/main" val="0"/>
-              </a:ext>
-            </a:extLst>
-          </a:blip>
-          <a:stretch>
-            <a:fillRect/>
-          </a:stretch>
-        </p:blipFill>
-        <p:spPr>
-          <a:xfrm>
-            <a:off x="4163040" y="1729465"/>
-            <a:ext cx="1841152" cy="1341236"/>
-          </a:xfrm>
-          <a:prstGeom prst="rect">
-            <a:avLst/>
-          </a:prstGeom>
-        </p:spPr>
-      </p:pic>
-      <p:sp>
-        <p:nvSpPr>
-          <p:cNvPr id="12" name="TextBox 11">
-            <a:extLst>
-              <a:ext uri="{FF2B5EF4-FFF2-40B4-BE49-F238E27FC236}">
-                <a16:creationId xmlns:a16="http://schemas.microsoft.com/office/drawing/2014/main" id="{787E0851-078A-9C9C-AE72-EE0675FFE32A}"/>
-              </a:ext>
-            </a:extLst>
-          </p:cNvPr>
-          <p:cNvSpPr txBox="1"/>
-          <p:nvPr/>
-        </p:nvSpPr>
-        <p:spPr>
-          <a:xfrm>
-            <a:off x="3719501" y="3045898"/>
-            <a:ext cx="2728230" cy="400110"/>
-          </a:xfrm>
-          <a:prstGeom prst="rect">
-            <a:avLst/>
-          </a:prstGeom>
-          <a:noFill/>
-        </p:spPr>
-        <p:txBody>
-          <a:bodyPr wrap="square" rtlCol="0">
-            <a:spAutoFit/>
-          </a:bodyPr>
-          <a:lstStyle/>
-          <a:p>
-            <a:pPr algn="ctr"/>
-            <a:r>
-              <a:rPr lang="ru-RU" sz="2000" dirty="0">
-                <a:latin typeface="Century Gothic" panose="020B0502020202020204" pitchFamily="34" charset="0"/>
-              </a:rPr>
-              <a:t>Объектная машина</a:t>
-            </a:r>
-          </a:p>
-        </p:txBody>
-      </p:sp>
-      <p:pic>
-        <p:nvPicPr>
-          <p:cNvPr id="13" name="Picture 12">
-            <a:extLst>
-              <a:ext uri="{FF2B5EF4-FFF2-40B4-BE49-F238E27FC236}">
-                <a16:creationId xmlns:a16="http://schemas.microsoft.com/office/drawing/2014/main" id="{99D6B4F5-4F08-09C3-BAAB-6BC31A2A46C3}"/>
-              </a:ext>
-            </a:extLst>
-          </p:cNvPr>
-          <p:cNvPicPr>
-            <a:picLocks noChangeAspect="1"/>
-          </p:cNvPicPr>
-          <p:nvPr/>
-        </p:nvPicPr>
-        <p:blipFill>
-          <a:blip r:embed="rId3" cstate="print">
-            <a:extLst>
-              <a:ext uri="{28A0092B-C50C-407E-A947-70E740481C1C}">
-                <a14:useLocalDpi xmlns:a14="http://schemas.microsoft.com/office/drawing/2010/main" val="0"/>
-              </a:ext>
-            </a:extLst>
-          </a:blip>
-          <a:stretch>
-            <a:fillRect/>
-          </a:stretch>
-        </p:blipFill>
-        <p:spPr>
-          <a:xfrm>
-            <a:off x="9219770" y="1278178"/>
-            <a:ext cx="1665203" cy="1465377"/>
-          </a:xfrm>
-          <a:prstGeom prst="rect">
-            <a:avLst/>
-          </a:prstGeom>
-        </p:spPr>
-      </p:pic>
-      <p:pic>
-        <p:nvPicPr>
-          <p:cNvPr id="1026" name="Picture 2" descr="Picture background">
-            <a:extLst>
-              <a:ext uri="{FF2B5EF4-FFF2-40B4-BE49-F238E27FC236}">
-                <a16:creationId xmlns:a16="http://schemas.microsoft.com/office/drawing/2014/main" id="{AC7C7E95-9F35-B009-929F-0A28478BF563}"/>
-              </a:ext>
-            </a:extLst>
-          </p:cNvPr>
-          <p:cNvPicPr>
-            <a:picLocks noChangeAspect="1" noChangeArrowheads="1"/>
-          </p:cNvPicPr>
-          <p:nvPr/>
-        </p:nvPicPr>
-        <p:blipFill>
-          <a:blip r:embed="rId5" cstate="print">
-            <a:extLst>
-              <a:ext uri="{28A0092B-C50C-407E-A947-70E740481C1C}">
-                <a14:useLocalDpi xmlns:a14="http://schemas.microsoft.com/office/drawing/2010/main" val="0"/>
-              </a:ext>
-            </a:extLst>
-          </a:blip>
-          <a:srcRect/>
-          <a:stretch>
-            <a:fillRect/>
-          </a:stretch>
-        </p:blipFill>
-        <p:spPr bwMode="auto">
-          <a:xfrm>
-            <a:off x="3572821" y="4339959"/>
-            <a:ext cx="1482419" cy="1449208"/>
-          </a:xfrm>
-          <a:prstGeom prst="rect">
-            <a:avLst/>
-          </a:prstGeom>
-          <a:noFill/>
-          <a:extLst>
-            <a:ext uri="{909E8E84-426E-40DD-AFC4-6F175D3DCCD1}">
-              <a14:hiddenFill xmlns:a14="http://schemas.microsoft.com/office/drawing/2010/main">
-                <a:solidFill>
-                  <a:srgbClr val="FFFFFF"/>
-                </a:solidFill>
-              </a14:hiddenFill>
-            </a:ext>
-          </a:extLst>
-        </p:spPr>
-      </p:pic>
-      <p:sp>
-        <p:nvSpPr>
-          <p:cNvPr id="15" name="TextBox 14">
-            <a:extLst>
-              <a:ext uri="{FF2B5EF4-FFF2-40B4-BE49-F238E27FC236}">
-                <a16:creationId xmlns:a16="http://schemas.microsoft.com/office/drawing/2014/main" id="{1F688B33-993A-A778-16F7-6315C19BA62A}"/>
-              </a:ext>
-            </a:extLst>
-          </p:cNvPr>
-          <p:cNvSpPr txBox="1"/>
-          <p:nvPr/>
-        </p:nvSpPr>
-        <p:spPr>
-          <a:xfrm>
-            <a:off x="3393455" y="5876978"/>
-            <a:ext cx="1841152" cy="400110"/>
-          </a:xfrm>
-          <a:prstGeom prst="rect">
-            <a:avLst/>
-          </a:prstGeom>
-          <a:noFill/>
-        </p:spPr>
-        <p:txBody>
-          <a:bodyPr wrap="square" rtlCol="0">
-            <a:spAutoFit/>
-          </a:bodyPr>
-          <a:lstStyle/>
-          <a:p>
-            <a:pPr algn="ctr"/>
-            <a:r>
-              <a:rPr lang="ru-RU" sz="2000" dirty="0">
-                <a:latin typeface="Century Gothic" panose="020B0502020202020204" pitchFamily="34" charset="0"/>
-              </a:rPr>
-              <a:t>Приложение</a:t>
-            </a:r>
-          </a:p>
-        </p:txBody>
-      </p:sp>
-      <p:sp>
-        <p:nvSpPr>
-          <p:cNvPr id="17" name="Rectangle 16">
-            <a:extLst>
-              <a:ext uri="{FF2B5EF4-FFF2-40B4-BE49-F238E27FC236}">
-                <a16:creationId xmlns:a16="http://schemas.microsoft.com/office/drawing/2014/main" id="{529C2627-CD5F-A902-B215-21B7C19F6F64}"/>
-              </a:ext>
-            </a:extLst>
-          </p:cNvPr>
-          <p:cNvSpPr/>
-          <p:nvPr/>
-        </p:nvSpPr>
-        <p:spPr>
-          <a:xfrm>
-            <a:off x="5979802" y="3659386"/>
-            <a:ext cx="5880225" cy="2865120"/>
-          </a:xfrm>
-          <a:prstGeom prst="rect">
-            <a:avLst/>
-          </a:prstGeom>
-          <a:noFill/>
-          <a:ln w="76200">
-            <a:solidFill>
-              <a:schemeClr val="accent1">
-                <a:lumMod val="50000"/>
-              </a:schemeClr>
-            </a:solidFill>
-          </a:ln>
-        </p:spPr>
-        <p:style>
-          <a:lnRef idx="2">
-            <a:schemeClr val="accent6"/>
-          </a:lnRef>
-          <a:fillRef idx="1">
-            <a:schemeClr val="lt1"/>
-          </a:fillRef>
-          <a:effectRef idx="0">
-            <a:schemeClr val="accent6"/>
-          </a:effectRef>
-          <a:fontRef idx="minor">
-            <a:schemeClr val="dk1"/>
-          </a:fontRef>
-        </p:style>
-        <p:txBody>
-          <a:bodyPr rtlCol="0" anchor="ctr"/>
-          <a:lstStyle/>
-          <a:p>
-            <a:pPr algn="ctr"/>
-            <a:endParaRPr lang="en-US"/>
-          </a:p>
-        </p:txBody>
-      </p:sp>
-      <p:pic>
-        <p:nvPicPr>
-          <p:cNvPr id="18" name="Picture 17">
-            <a:extLst>
-              <a:ext uri="{FF2B5EF4-FFF2-40B4-BE49-F238E27FC236}">
-                <a16:creationId xmlns:a16="http://schemas.microsoft.com/office/drawing/2014/main" id="{FBD19A52-A01E-A71F-A86F-63EC36BE5E89}"/>
-              </a:ext>
-            </a:extLst>
-          </p:cNvPr>
-          <p:cNvPicPr>
-            <a:picLocks noChangeAspect="1"/>
-          </p:cNvPicPr>
-          <p:nvPr/>
-        </p:nvPicPr>
-        <p:blipFill>
-          <a:blip r:embed="rId6"/>
-          <a:stretch>
-            <a:fillRect/>
-          </a:stretch>
-        </p:blipFill>
-        <p:spPr>
-          <a:xfrm rot="10800000" flipH="1">
-            <a:off x="5109818" y="5025532"/>
-            <a:ext cx="815405" cy="308112"/>
-          </a:xfrm>
-          <a:prstGeom prst="rect">
-            <a:avLst/>
-          </a:prstGeom>
-        </p:spPr>
-      </p:pic>
-      <p:pic>
-        <p:nvPicPr>
-          <p:cNvPr id="19" name="Picture 18">
-            <a:extLst>
-              <a:ext uri="{FF2B5EF4-FFF2-40B4-BE49-F238E27FC236}">
-                <a16:creationId xmlns:a16="http://schemas.microsoft.com/office/drawing/2014/main" id="{C8AF9E84-9983-8330-64F7-2A0E560EB87A}"/>
-              </a:ext>
-            </a:extLst>
-          </p:cNvPr>
-          <p:cNvPicPr>
-            <a:picLocks noChangeAspect="1"/>
-          </p:cNvPicPr>
-          <p:nvPr/>
-        </p:nvPicPr>
-        <p:blipFill>
-          <a:blip r:embed="rId7"/>
-          <a:stretch>
-            <a:fillRect/>
-          </a:stretch>
-        </p:blipFill>
-        <p:spPr>
-          <a:xfrm>
-            <a:off x="6004192" y="4339959"/>
-            <a:ext cx="1669528" cy="1669528"/>
-          </a:xfrm>
-          <a:prstGeom prst="rect">
-            <a:avLst/>
-          </a:prstGeom>
-        </p:spPr>
-      </p:pic>
-      <p:pic>
-        <p:nvPicPr>
-          <p:cNvPr id="20" name="Picture 19">
-            <a:extLst>
-              <a:ext uri="{FF2B5EF4-FFF2-40B4-BE49-F238E27FC236}">
-                <a16:creationId xmlns:a16="http://schemas.microsoft.com/office/drawing/2014/main" id="{F4C83E37-90D7-C377-6624-E555648A8E0C}"/>
-              </a:ext>
-            </a:extLst>
-          </p:cNvPr>
-          <p:cNvPicPr>
-            <a:picLocks noChangeAspect="1"/>
-          </p:cNvPicPr>
-          <p:nvPr/>
-        </p:nvPicPr>
-        <p:blipFill>
-          <a:blip r:embed="rId6"/>
-          <a:stretch>
-            <a:fillRect/>
-          </a:stretch>
-        </p:blipFill>
-        <p:spPr>
-          <a:xfrm rot="9592064" flipH="1">
-            <a:off x="7517868" y="4390442"/>
-            <a:ext cx="1059766" cy="308112"/>
-          </a:xfrm>
-          <a:prstGeom prst="rect">
-            <a:avLst/>
-          </a:prstGeom>
-        </p:spPr>
-      </p:pic>
-      <p:pic>
-        <p:nvPicPr>
-          <p:cNvPr id="21" name="Picture 20">
-            <a:extLst>
-              <a:ext uri="{FF2B5EF4-FFF2-40B4-BE49-F238E27FC236}">
-                <a16:creationId xmlns:a16="http://schemas.microsoft.com/office/drawing/2014/main" id="{B86577F3-4CC3-19A8-55D7-8A0E035500C3}"/>
-              </a:ext>
-            </a:extLst>
-          </p:cNvPr>
-          <p:cNvPicPr>
-            <a:picLocks noChangeAspect="1"/>
-          </p:cNvPicPr>
-          <p:nvPr/>
-        </p:nvPicPr>
-        <p:blipFill>
-          <a:blip r:embed="rId8"/>
-          <a:stretch>
-            <a:fillRect/>
-          </a:stretch>
-        </p:blipFill>
-        <p:spPr>
-          <a:xfrm>
-            <a:off x="8716897" y="3849601"/>
-            <a:ext cx="1005746" cy="735748"/>
-          </a:xfrm>
-          <a:prstGeom prst="rect">
-            <a:avLst/>
-          </a:prstGeom>
-        </p:spPr>
-      </p:pic>
-      <p:pic>
-        <p:nvPicPr>
-          <p:cNvPr id="22" name="Picture 21">
-            <a:extLst>
-              <a:ext uri="{FF2B5EF4-FFF2-40B4-BE49-F238E27FC236}">
-                <a16:creationId xmlns:a16="http://schemas.microsoft.com/office/drawing/2014/main" id="{51DBA387-5662-335F-AA03-FD852A3E2C20}"/>
-              </a:ext>
-            </a:extLst>
-          </p:cNvPr>
-          <p:cNvPicPr>
-            <a:picLocks noChangeAspect="1"/>
-          </p:cNvPicPr>
-          <p:nvPr/>
-        </p:nvPicPr>
-        <p:blipFill>
-          <a:blip r:embed="rId6"/>
-          <a:stretch>
-            <a:fillRect/>
-          </a:stretch>
-        </p:blipFill>
-        <p:spPr>
-          <a:xfrm rot="10800000" flipH="1">
-            <a:off x="9841257" y="4031847"/>
-            <a:ext cx="854529" cy="308112"/>
-          </a:xfrm>
-          <a:prstGeom prst="rect">
-            <a:avLst/>
-          </a:prstGeom>
-        </p:spPr>
-      </p:pic>
-      <p:sp>
-        <p:nvSpPr>
-          <p:cNvPr id="23" name="TextBox 22">
-            <a:extLst>
-              <a:ext uri="{FF2B5EF4-FFF2-40B4-BE49-F238E27FC236}">
-                <a16:creationId xmlns:a16="http://schemas.microsoft.com/office/drawing/2014/main" id="{300927BD-963C-6B41-2286-55D7E5EC7DF9}"/>
-              </a:ext>
-            </a:extLst>
-          </p:cNvPr>
-          <p:cNvSpPr txBox="1"/>
-          <p:nvPr/>
-        </p:nvSpPr>
-        <p:spPr>
-          <a:xfrm>
-            <a:off x="8786078" y="5462143"/>
-            <a:ext cx="867383" cy="769441"/>
-          </a:xfrm>
-          <a:prstGeom prst="rect">
-            <a:avLst/>
-          </a:prstGeom>
-          <a:noFill/>
-        </p:spPr>
-        <p:txBody>
-          <a:bodyPr wrap="square" rtlCol="0">
-            <a:spAutoFit/>
-          </a:bodyPr>
-          <a:lstStyle/>
-          <a:p>
-            <a:pPr algn="ctr"/>
-            <a:r>
-              <a:rPr lang="ru-RU" sz="4400" dirty="0">
-                <a:latin typeface="Century Gothic" panose="020B0502020202020204" pitchFamily="34" charset="0"/>
-              </a:rPr>
-              <a:t>...</a:t>
-            </a:r>
-          </a:p>
-        </p:txBody>
-      </p:sp>
-      <p:pic>
-        <p:nvPicPr>
-          <p:cNvPr id="24" name="Picture 23">
-            <a:extLst>
-              <a:ext uri="{FF2B5EF4-FFF2-40B4-BE49-F238E27FC236}">
-                <a16:creationId xmlns:a16="http://schemas.microsoft.com/office/drawing/2014/main" id="{AE9F6B3D-4334-45C1-DC3A-EACDB100442C}"/>
-              </a:ext>
-            </a:extLst>
-          </p:cNvPr>
-          <p:cNvPicPr>
-            <a:picLocks noChangeAspect="1"/>
-          </p:cNvPicPr>
-          <p:nvPr/>
-        </p:nvPicPr>
-        <p:blipFill>
-          <a:blip r:embed="rId6"/>
-          <a:stretch>
-            <a:fillRect/>
-          </a:stretch>
-        </p:blipFill>
-        <p:spPr>
-          <a:xfrm rot="10800000" flipH="1">
-            <a:off x="7538516" y="4991654"/>
-            <a:ext cx="1059766" cy="308112"/>
-          </a:xfrm>
-          <a:prstGeom prst="rect">
-            <a:avLst/>
-          </a:prstGeom>
-        </p:spPr>
-      </p:pic>
-      <p:pic>
-        <p:nvPicPr>
-          <p:cNvPr id="26" name="Picture 25">
-            <a:extLst>
-              <a:ext uri="{FF2B5EF4-FFF2-40B4-BE49-F238E27FC236}">
-                <a16:creationId xmlns:a16="http://schemas.microsoft.com/office/drawing/2014/main" id="{B79D213F-AE7A-7D2E-A7F1-B04FB8295929}"/>
-              </a:ext>
-            </a:extLst>
-          </p:cNvPr>
-          <p:cNvPicPr>
-            <a:picLocks noChangeAspect="1"/>
-          </p:cNvPicPr>
-          <p:nvPr/>
-        </p:nvPicPr>
-        <p:blipFill>
-          <a:blip r:embed="rId6"/>
-          <a:stretch>
-            <a:fillRect/>
-          </a:stretch>
-        </p:blipFill>
-        <p:spPr>
-          <a:xfrm rot="12007936" flipH="1" flipV="1">
-            <a:off x="7517867" y="5635110"/>
-            <a:ext cx="1059766" cy="308112"/>
-          </a:xfrm>
-          <a:prstGeom prst="rect">
-            <a:avLst/>
-          </a:prstGeom>
-        </p:spPr>
-      </p:pic>
-      <p:pic>
-        <p:nvPicPr>
-          <p:cNvPr id="27" name="Picture 26">
-            <a:extLst>
-              <a:ext uri="{FF2B5EF4-FFF2-40B4-BE49-F238E27FC236}">
-                <a16:creationId xmlns:a16="http://schemas.microsoft.com/office/drawing/2014/main" id="{E25386FE-E8B7-1759-A3B7-3CFD1C721106}"/>
-              </a:ext>
-            </a:extLst>
-          </p:cNvPr>
-          <p:cNvPicPr>
-            <a:picLocks noChangeAspect="1"/>
-          </p:cNvPicPr>
-          <p:nvPr/>
-        </p:nvPicPr>
-        <p:blipFill>
-          <a:blip r:embed="rId9"/>
-          <a:stretch>
-            <a:fillRect/>
-          </a:stretch>
-        </p:blipFill>
-        <p:spPr>
-          <a:xfrm>
-            <a:off x="8690656" y="4616596"/>
-            <a:ext cx="1058228" cy="1058228"/>
-          </a:xfrm>
-          <a:prstGeom prst="rect">
-            <a:avLst/>
-          </a:prstGeom>
-        </p:spPr>
-      </p:pic>
-      <p:sp>
-        <p:nvSpPr>
-          <p:cNvPr id="28" name="TextBox 27">
-            <a:extLst>
-              <a:ext uri="{FF2B5EF4-FFF2-40B4-BE49-F238E27FC236}">
-                <a16:creationId xmlns:a16="http://schemas.microsoft.com/office/drawing/2014/main" id="{F6E18158-733D-547D-27F2-2322D429F79C}"/>
-              </a:ext>
-            </a:extLst>
-          </p:cNvPr>
-          <p:cNvSpPr txBox="1"/>
-          <p:nvPr/>
-        </p:nvSpPr>
-        <p:spPr>
-          <a:xfrm>
-            <a:off x="10848186" y="3779465"/>
-            <a:ext cx="867383" cy="769441"/>
-          </a:xfrm>
-          <a:prstGeom prst="rect">
-            <a:avLst/>
-          </a:prstGeom>
-          <a:noFill/>
-        </p:spPr>
-        <p:txBody>
-          <a:bodyPr wrap="square" rtlCol="0">
-            <a:spAutoFit/>
-          </a:bodyPr>
-          <a:lstStyle/>
-          <a:p>
-            <a:pPr algn="ctr"/>
-            <a:r>
-              <a:rPr lang="ru-RU" sz="4400" dirty="0">
-                <a:latin typeface="Century Gothic" panose="020B0502020202020204" pitchFamily="34" charset="0"/>
-              </a:rPr>
-              <a:t>...</a:t>
-            </a:r>
-          </a:p>
-        </p:txBody>
-      </p:sp>
-    </p:spTree>
-    <p:extLst>
-      <p:ext uri="{BB962C8B-B14F-4D97-AF65-F5344CB8AC3E}">
-        <p14:creationId xmlns:p14="http://schemas.microsoft.com/office/powerpoint/2010/main" val="2776416030"/>
-      </p:ext>
-    </p:extLst>
-  </p:cSld>
-  <p:clrMapOvr>
-    <a:masterClrMapping/>
-  </p:clrMapOvr>
-  <p:timing>
-    <p:tnLst>
-      <p:par>
-        <p:cTn id="1" dur="indefinite" restart="never" nodeType="tmRoot">
-          <p:childTnLst>
-            <p:seq concurrent="1" nextAc="seek">
-              <p:cTn id="2" dur="indefinite" nodeType="mainSeq">
-                <p:childTnLst>
-                  <p:par>
-                    <p:cTn id="3" fill="hold">
-                      <p:stCondLst>
-                        <p:cond delay="indefinite"/>
-                      </p:stCondLst>
-                      <p:childTnLst>
-                        <p:par>
-                          <p:cTn id="4" fill="hold">
-                            <p:stCondLst>
-                              <p:cond delay="0"/>
-                            </p:stCondLst>
-                            <p:childTnLst>
-                              <p:par>
-                                <p:cTn id="5" presetID="1" presetClass="entr" presetSubtype="0" fill="hold" nodeType="clickEffect">
-                                  <p:stCondLst>
-                                    <p:cond delay="0"/>
-                                  </p:stCondLst>
-                                  <p:childTnLst>
-                                    <p:set>
-                                      <p:cBhvr>
-                                        <p:cTn id="6" dur="1" fill="hold">
-                                          <p:stCondLst>
-                                            <p:cond delay="0"/>
-                                          </p:stCondLst>
-                                        </p:cTn>
-                                        <p:tgtEl>
-                                          <p:spTgt spid="18"/>
-                                        </p:tgtEl>
-                                        <p:attrNameLst>
-                                          <p:attrName>style.visibility</p:attrName>
-                                        </p:attrNameLst>
-                                      </p:cBhvr>
-                                      <p:to>
-                                        <p:strVal val="visible"/>
-                                      </p:to>
-                                    </p:set>
-                                  </p:childTnLst>
-                                </p:cTn>
-                              </p:par>
-                            </p:childTnLst>
-                          </p:cTn>
-                        </p:par>
-                      </p:childTnLst>
-                    </p:cTn>
-                  </p:par>
-                  <p:par>
-                    <p:cTn id="7" fill="hold">
-                      <p:stCondLst>
-                        <p:cond delay="indefinite"/>
-                      </p:stCondLst>
-                      <p:childTnLst>
-                        <p:par>
-                          <p:cTn id="8" fill="hold">
-                            <p:stCondLst>
-                              <p:cond delay="0"/>
-                            </p:stCondLst>
-                            <p:childTnLst>
-                              <p:par>
-                                <p:cTn id="9" presetID="1" presetClass="entr" presetSubtype="0" fill="hold" nodeType="clickEffect">
-                                  <p:stCondLst>
-                                    <p:cond delay="0"/>
-                                  </p:stCondLst>
-                                  <p:childTnLst>
-                                    <p:set>
-                                      <p:cBhvr>
-                                        <p:cTn id="10" dur="1" fill="hold">
-                                          <p:stCondLst>
-                                            <p:cond delay="0"/>
-                                          </p:stCondLst>
-                                        </p:cTn>
-                                        <p:tgtEl>
-                                          <p:spTgt spid="20"/>
-                                        </p:tgtEl>
-                                        <p:attrNameLst>
-                                          <p:attrName>style.visibility</p:attrName>
-                                        </p:attrNameLst>
-                                      </p:cBhvr>
-                                      <p:to>
-                                        <p:strVal val="visible"/>
-                                      </p:to>
-                                    </p:set>
-                                  </p:childTnLst>
-                                </p:cTn>
-                              </p:par>
-                            </p:childTnLst>
-                          </p:cTn>
-                        </p:par>
-                      </p:childTnLst>
-                    </p:cTn>
-                  </p:par>
-                  <p:par>
-                    <p:cTn id="11" fill="hold">
-                      <p:stCondLst>
-                        <p:cond delay="indefinite"/>
-                      </p:stCondLst>
-                      <p:childTnLst>
-                        <p:par>
-                          <p:cTn id="12" fill="hold">
-                            <p:stCondLst>
-                              <p:cond delay="0"/>
-                            </p:stCondLst>
-                            <p:childTnLst>
-                              <p:par>
-                                <p:cTn id="13" presetID="1" presetClass="entr" presetSubtype="0" fill="hold" nodeType="clickEffect">
-                                  <p:stCondLst>
-                                    <p:cond delay="0"/>
-                                  </p:stCondLst>
-                                  <p:childTnLst>
-                                    <p:set>
-                                      <p:cBhvr>
-                                        <p:cTn id="14" dur="1" fill="hold">
-                                          <p:stCondLst>
-                                            <p:cond delay="0"/>
-                                          </p:stCondLst>
-                                        </p:cTn>
-                                        <p:tgtEl>
-                                          <p:spTgt spid="22"/>
-                                        </p:tgtEl>
-                                        <p:attrNameLst>
-                                          <p:attrName>style.visibility</p:attrName>
-                                        </p:attrNameLst>
-                                      </p:cBhvr>
-                                      <p:to>
-                                        <p:strVal val="visible"/>
-                                      </p:to>
-                                    </p:set>
-                                  </p:childTnLst>
-                                </p:cTn>
-                              </p:par>
-                            </p:childTnLst>
-                          </p:cTn>
-                        </p:par>
-                      </p:childTnLst>
-                    </p:cTn>
-                  </p:par>
-                  <p:par>
-                    <p:cTn id="15" fill="hold">
-                      <p:stCondLst>
-                        <p:cond delay="indefinite"/>
-                      </p:stCondLst>
-                      <p:childTnLst>
-                        <p:par>
-                          <p:cTn id="16" fill="hold">
-                            <p:stCondLst>
-                              <p:cond delay="0"/>
-                            </p:stCondLst>
-                            <p:childTnLst>
-                              <p:par>
-                                <p:cTn id="17" presetID="1" presetClass="entr" presetSubtype="0" fill="hold" nodeType="clickEffect">
-                                  <p:stCondLst>
-                                    <p:cond delay="0"/>
-                                  </p:stCondLst>
-                                  <p:childTnLst>
-                                    <p:set>
-                                      <p:cBhvr>
-                                        <p:cTn id="18" dur="1" fill="hold">
-                                          <p:stCondLst>
-                                            <p:cond delay="0"/>
-                                          </p:stCondLst>
-                                        </p:cTn>
-                                        <p:tgtEl>
-                                          <p:spTgt spid="24"/>
-                                        </p:tgtEl>
-                                        <p:attrNameLst>
-                                          <p:attrName>style.visibility</p:attrName>
-                                        </p:attrNameLst>
-                                      </p:cBhvr>
-                                      <p:to>
-                                        <p:strVal val="visible"/>
-                                      </p:to>
-                                    </p:set>
-                                  </p:childTnLst>
-                                </p:cTn>
-                              </p:par>
-                            </p:childTnLst>
-                          </p:cTn>
-                        </p:par>
-                      </p:childTnLst>
-                    </p:cTn>
-                  </p:par>
-                  <p:par>
-                    <p:cTn id="19" fill="hold">
-                      <p:stCondLst>
-                        <p:cond delay="indefinite"/>
-                      </p:stCondLst>
-                      <p:childTnLst>
-                        <p:par>
-                          <p:cTn id="20" fill="hold">
-                            <p:stCondLst>
-                              <p:cond delay="0"/>
-                            </p:stCondLst>
-                            <p:childTnLst>
-                              <p:par>
-                                <p:cTn id="21" presetID="1" presetClass="entr" presetSubtype="0" fill="hold" nodeType="clickEffect">
-                                  <p:stCondLst>
-                                    <p:cond delay="0"/>
-                                  </p:stCondLst>
-                                  <p:childTnLst>
-                                    <p:set>
-                                      <p:cBhvr>
-                                        <p:cTn id="22" dur="1" fill="hold">
-                                          <p:stCondLst>
-                                            <p:cond delay="0"/>
-                                          </p:stCondLst>
-                                        </p:cTn>
-                                        <p:tgtEl>
-                                          <p:spTgt spid="26"/>
-                                        </p:tgtEl>
-                                        <p:attrNameLst>
-                                          <p:attrName>style.visibility</p:attrName>
-                                        </p:attrNameLst>
-                                      </p:cBhvr>
-                                      <p:to>
-                                        <p:strVal val="visible"/>
-                                      </p:to>
-                                    </p:set>
-                                  </p:childTnLst>
-                                </p:cTn>
-                              </p:par>
-                            </p:childTnLst>
-                          </p:cTn>
-                        </p:par>
-                      </p:childTnLst>
-                    </p:cTn>
-                  </p:par>
-                </p:childTnLst>
-              </p:cTn>
-              <p:prevCondLst>
-                <p:cond evt="onPrev" delay="0">
-                  <p:tgtEl>
-                    <p:sldTgt/>
-                  </p:tgtEl>
-                </p:cond>
-              </p:prevCondLst>
-              <p:nextCondLst>
-                <p:cond evt="onNext" delay="0">
-                  <p:tgtEl>
-                    <p:sldTgt/>
-                  </p:tgtEl>
-                </p:cond>
-              </p:nextCondLst>
-            </p:seq>
-          </p:childTnLst>
-        </p:cTn>
-      </p:par>
-    </p:tnLst>
-  </p:timing>
-</p:sld>
-</file>
-
-<file path=ppt/slides/slide8.xml><?xml version="1.0" encoding="utf-8"?>
-<p:sld xmlns:a="http://schemas.openxmlformats.org/drawingml/2006/main" xmlns:r="http://schemas.openxmlformats.org/officeDocument/2006/relationships" xmlns:p="http://schemas.openxmlformats.org/presentationml/2006/main">
-  <p:cSld>
-    <p:spTree>
-      <p:nvGrpSpPr>
-        <p:cNvPr id="1" name="">
-          <a:extLst>
-            <a:ext uri="{FF2B5EF4-FFF2-40B4-BE49-F238E27FC236}">
-              <a16:creationId xmlns:a16="http://schemas.microsoft.com/office/drawing/2014/main" id="{B8F0442B-81D0-2CC2-2C93-1F8DD98A2E76}"/>
-            </a:ext>
-          </a:extLst>
-        </p:cNvPr>
-        <p:cNvGrpSpPr/>
-        <p:nvPr/>
-      </p:nvGrpSpPr>
-      <p:grpSpPr>
-        <a:xfrm>
-          <a:off x="0" y="0"/>
-          <a:ext cx="0" cy="0"/>
-          <a:chOff x="0" y="0"/>
-          <a:chExt cx="0" cy="0"/>
-        </a:xfrm>
-      </p:grpSpPr>
-      <p:pic>
-        <p:nvPicPr>
-          <p:cNvPr id="2" name="Picture 2" descr="C:\Users\Андрей\Desktop\1\Безымянный-1.png">
-            <a:extLst>
-              <a:ext uri="{FF2B5EF4-FFF2-40B4-BE49-F238E27FC236}">
-                <a16:creationId xmlns:a16="http://schemas.microsoft.com/office/drawing/2014/main" id="{E803902E-49A7-2FBD-5D9C-0949DC18BCD6}"/>
-              </a:ext>
-            </a:extLst>
-          </p:cNvPr>
-          <p:cNvPicPr>
-            <a:picLocks noChangeAspect="1" noChangeArrowheads="1"/>
-          </p:cNvPicPr>
-          <p:nvPr/>
-        </p:nvPicPr>
-        <p:blipFill>
-          <a:blip r:embed="rId2">
-            <a:extLst>
-              <a:ext uri="{28A0092B-C50C-407E-A947-70E740481C1C}">
-                <a14:useLocalDpi xmlns:a14="http://schemas.microsoft.com/office/drawing/2010/main" val="0"/>
-              </a:ext>
-            </a:extLst>
-          </a:blip>
-          <a:srcRect/>
-          <a:stretch>
-            <a:fillRect/>
-          </a:stretch>
-        </p:blipFill>
-        <p:spPr bwMode="auto">
-          <a:xfrm>
-            <a:off x="0" y="0"/>
-            <a:ext cx="12192000" cy="982639"/>
-          </a:xfrm>
-          <a:prstGeom prst="rect">
-            <a:avLst/>
-          </a:prstGeom>
-          <a:noFill/>
-          <a:ln>
-            <a:noFill/>
-          </a:ln>
-          <a:extLst>
-            <a:ext uri="{909E8E84-426E-40DD-AFC4-6F175D3DCCD1}">
-              <a14:hiddenFill xmlns:a14="http://schemas.microsoft.com/office/drawing/2010/main">
-                <a:solidFill>
-                  <a:srgbClr val="FFFFFF"/>
-                </a:solidFill>
-              </a14:hiddenFill>
-            </a:ext>
-            <a:ext uri="{91240B29-F687-4F45-9708-019B960494DF}">
-              <a14:hiddenLine xmlns:a14="http://schemas.microsoft.com/office/drawing/2010/main" w="9525">
-                <a:solidFill>
-                  <a:srgbClr val="000000"/>
-                </a:solidFill>
-                <a:miter lim="800000"/>
-                <a:headEnd/>
-                <a:tailEnd/>
-              </a14:hiddenLine>
-            </a:ext>
-          </a:extLst>
-        </p:spPr>
-      </p:pic>
-      <p:sp>
-        <p:nvSpPr>
-          <p:cNvPr id="5" name="TextBox 4">
-            <a:extLst>
-              <a:ext uri="{FF2B5EF4-FFF2-40B4-BE49-F238E27FC236}">
-                <a16:creationId xmlns:a16="http://schemas.microsoft.com/office/drawing/2014/main" id="{0971653D-E9BB-89C3-69DA-1561D491E805}"/>
-              </a:ext>
-            </a:extLst>
-          </p:cNvPr>
-          <p:cNvSpPr txBox="1"/>
-          <p:nvPr/>
-        </p:nvSpPr>
-        <p:spPr>
-          <a:xfrm>
-            <a:off x="3534770" y="450376"/>
-            <a:ext cx="184731" cy="369332"/>
-          </a:xfrm>
-          <a:prstGeom prst="rect">
-            <a:avLst/>
-          </a:prstGeom>
-          <a:noFill/>
-        </p:spPr>
-        <p:txBody>
-          <a:bodyPr wrap="none" rtlCol="0">
-            <a:spAutoFit/>
-          </a:bodyPr>
-          <a:lstStyle/>
-          <a:p>
-            <a:endParaRPr lang="ru-RU" dirty="0"/>
-          </a:p>
-        </p:txBody>
-      </p:sp>
-      <p:sp>
-        <p:nvSpPr>
-          <p:cNvPr id="7" name="TextBox 6">
-            <a:extLst>
-              <a:ext uri="{FF2B5EF4-FFF2-40B4-BE49-F238E27FC236}">
-                <a16:creationId xmlns:a16="http://schemas.microsoft.com/office/drawing/2014/main" id="{49360129-C4CE-D333-BA85-69C53682DF73}"/>
-              </a:ext>
-            </a:extLst>
-          </p:cNvPr>
-          <p:cNvSpPr txBox="1"/>
-          <p:nvPr/>
-        </p:nvSpPr>
-        <p:spPr>
-          <a:xfrm>
-            <a:off x="466093" y="202740"/>
-            <a:ext cx="11259814" cy="707886"/>
-          </a:xfrm>
-          <a:prstGeom prst="rect">
-            <a:avLst/>
-          </a:prstGeom>
-          <a:noFill/>
-        </p:spPr>
-        <p:txBody>
-          <a:bodyPr wrap="none" rtlCol="0">
-            <a:spAutoFit/>
-          </a:bodyPr>
-          <a:lstStyle/>
-          <a:p>
-            <a:pPr algn="ctr"/>
-            <a:r>
-              <a:rPr lang="ru-RU" sz="4000" dirty="0">
-                <a:solidFill>
-                  <a:schemeClr val="bg1">
-                    <a:lumMod val="95000"/>
-                  </a:schemeClr>
-                </a:solidFill>
-                <a:effectLst>
-                  <a:outerShdw blurRad="38100" dist="38100" dir="2700000" algn="tl">
-                    <a:srgbClr val="000000">
-                      <a:alpha val="43137"/>
-                    </a:srgbClr>
-                  </a:outerShdw>
-                </a:effectLst>
-                <a:latin typeface="Century Gothic" panose="020B0502020202020204" pitchFamily="34" charset="0"/>
-              </a:rPr>
-              <a:t>Результаты анализа </a:t>
-            </a:r>
-            <a:r>
-              <a:rPr lang="en-US" sz="4000" dirty="0" err="1">
-                <a:solidFill>
-                  <a:schemeClr val="bg1">
-                    <a:lumMod val="95000"/>
-                  </a:schemeClr>
-                </a:solidFill>
-                <a:effectLst>
-                  <a:outerShdw blurRad="38100" dist="38100" dir="2700000" algn="tl">
-                    <a:srgbClr val="000000">
-                      <a:alpha val="43137"/>
-                    </a:srgbClr>
-                  </a:outerShdw>
-                </a:effectLst>
-                <a:latin typeface="Century Gothic" panose="020B0502020202020204" pitchFamily="34" charset="0"/>
-              </a:rPr>
-              <a:t>TranzWare</a:t>
-            </a:r>
-            <a:r>
-              <a:rPr lang="en-US" sz="4000" dirty="0">
-                <a:solidFill>
-                  <a:schemeClr val="bg1">
-                    <a:lumMod val="95000"/>
-                  </a:schemeClr>
-                </a:solidFill>
-                <a:effectLst>
-                  <a:outerShdw blurRad="38100" dist="38100" dir="2700000" algn="tl">
-                    <a:srgbClr val="000000">
-                      <a:alpha val="43137"/>
-                    </a:srgbClr>
-                  </a:outerShdw>
-                </a:effectLst>
-                <a:latin typeface="Century Gothic" panose="020B0502020202020204" pitchFamily="34" charset="0"/>
-              </a:rPr>
-              <a:t> </a:t>
-            </a:r>
-            <a:r>
-              <a:rPr lang="en-US" sz="4000" dirty="0" err="1">
-                <a:solidFill>
-                  <a:schemeClr val="bg1">
-                    <a:lumMod val="95000"/>
-                  </a:schemeClr>
-                </a:solidFill>
-                <a:effectLst>
-                  <a:outerShdw blurRad="38100" dist="38100" dir="2700000" algn="tl">
-                    <a:srgbClr val="000000">
-                      <a:alpha val="43137"/>
-                    </a:srgbClr>
-                  </a:outerShdw>
-                </a:effectLst>
-                <a:latin typeface="Century Gothic" panose="020B0502020202020204" pitchFamily="34" charset="0"/>
-              </a:rPr>
-              <a:t>CardFactory</a:t>
-            </a:r>
-            <a:endParaRPr lang="ru-RU" sz="4000" dirty="0">
-              <a:solidFill>
-                <a:schemeClr val="bg1">
-                  <a:lumMod val="95000"/>
-                </a:schemeClr>
-              </a:solidFill>
-              <a:effectLst>
-                <a:outerShdw blurRad="38100" dist="38100" dir="2700000" algn="tl">
-                  <a:srgbClr val="000000">
-                    <a:alpha val="43137"/>
-                  </a:srgbClr>
-                </a:outerShdw>
-              </a:effectLst>
-              <a:latin typeface="Century Gothic" panose="020B0502020202020204" pitchFamily="34" charset="0"/>
-            </a:endParaRPr>
-          </a:p>
-        </p:txBody>
-      </p:sp>
-      <p:sp>
-        <p:nvSpPr>
-          <p:cNvPr id="4" name="TextBox 3">
-            <a:extLst>
-              <a:ext uri="{FF2B5EF4-FFF2-40B4-BE49-F238E27FC236}">
-                <a16:creationId xmlns:a16="http://schemas.microsoft.com/office/drawing/2014/main" id="{68C815F1-FBB0-AD9F-28E7-EBBFBCD17690}"/>
-              </a:ext>
-            </a:extLst>
-          </p:cNvPr>
-          <p:cNvSpPr txBox="1"/>
-          <p:nvPr/>
-        </p:nvSpPr>
-        <p:spPr>
-          <a:xfrm>
-            <a:off x="848488" y="4557636"/>
-            <a:ext cx="1785431" cy="707886"/>
-          </a:xfrm>
-          <a:prstGeom prst="rect">
-            <a:avLst/>
-          </a:prstGeom>
-          <a:noFill/>
-        </p:spPr>
-        <p:txBody>
-          <a:bodyPr wrap="square" rtlCol="0">
-            <a:spAutoFit/>
-          </a:bodyPr>
-          <a:lstStyle/>
-          <a:p>
-            <a:pPr algn="ctr"/>
-            <a:r>
-              <a:rPr lang="en-US" sz="2000" dirty="0" err="1">
-                <a:latin typeface="Century Gothic" panose="020B0502020202020204" pitchFamily="34" charset="0"/>
-              </a:rPr>
-              <a:t>TranzWare</a:t>
-            </a:r>
-            <a:r>
-              <a:rPr lang="en-US" sz="2000" dirty="0">
-                <a:latin typeface="Century Gothic" panose="020B0502020202020204" pitchFamily="34" charset="0"/>
-              </a:rPr>
-              <a:t> </a:t>
-            </a:r>
-            <a:r>
-              <a:rPr lang="en-US" sz="2000" dirty="0" err="1">
-                <a:latin typeface="Century Gothic" panose="020B0502020202020204" pitchFamily="34" charset="0"/>
-              </a:rPr>
-              <a:t>CardFactory</a:t>
-            </a:r>
-            <a:endParaRPr lang="ru-RU" sz="2000" dirty="0">
-              <a:latin typeface="Century Gothic" panose="020B0502020202020204" pitchFamily="34" charset="0"/>
-            </a:endParaRPr>
-          </a:p>
-        </p:txBody>
-      </p:sp>
-      <p:sp>
-        <p:nvSpPr>
-          <p:cNvPr id="6" name="Rectangle 5">
-            <a:extLst>
-              <a:ext uri="{FF2B5EF4-FFF2-40B4-BE49-F238E27FC236}">
-                <a16:creationId xmlns:a16="http://schemas.microsoft.com/office/drawing/2014/main" id="{A922DFC1-2A46-794C-69A1-1717CEF2A71D}"/>
-              </a:ext>
-            </a:extLst>
-          </p:cNvPr>
-          <p:cNvSpPr/>
-          <p:nvPr/>
-        </p:nvSpPr>
-        <p:spPr>
-          <a:xfrm>
-            <a:off x="3281681" y="1158262"/>
-            <a:ext cx="8696960" cy="5486378"/>
-          </a:xfrm>
-          <a:prstGeom prst="rect">
-            <a:avLst/>
-          </a:prstGeom>
-          <a:noFill/>
-          <a:ln w="76200">
-            <a:solidFill>
-              <a:schemeClr val="accent1">
-                <a:lumMod val="50000"/>
-              </a:schemeClr>
-            </a:solidFill>
-          </a:ln>
-        </p:spPr>
-        <p:style>
-          <a:lnRef idx="2">
-            <a:schemeClr val="accent6"/>
-          </a:lnRef>
-          <a:fillRef idx="1">
-            <a:schemeClr val="lt1"/>
-          </a:fillRef>
-          <a:effectRef idx="0">
-            <a:schemeClr val="accent6"/>
-          </a:effectRef>
-          <a:fontRef idx="minor">
-            <a:schemeClr val="dk1"/>
-          </a:fontRef>
-        </p:style>
-        <p:txBody>
-          <a:bodyPr rtlCol="0" anchor="ctr"/>
-          <a:lstStyle/>
-          <a:p>
-            <a:pPr algn="ctr"/>
-            <a:endParaRPr lang="en-US"/>
-          </a:p>
-        </p:txBody>
-      </p:sp>
-      <p:pic>
-        <p:nvPicPr>
-          <p:cNvPr id="8" name="Picture 7">
-            <a:extLst>
-              <a:ext uri="{FF2B5EF4-FFF2-40B4-BE49-F238E27FC236}">
-                <a16:creationId xmlns:a16="http://schemas.microsoft.com/office/drawing/2014/main" id="{093C95EF-83CE-0DAD-3681-7C34EA3DFA56}"/>
-              </a:ext>
-            </a:extLst>
-          </p:cNvPr>
-          <p:cNvPicPr>
-            <a:picLocks noChangeAspect="1"/>
-          </p:cNvPicPr>
-          <p:nvPr/>
-        </p:nvPicPr>
-        <p:blipFill>
-          <a:blip r:embed="rId3">
-            <a:extLst>
-              <a:ext uri="{28A0092B-C50C-407E-A947-70E740481C1C}">
-                <a14:useLocalDpi xmlns:a14="http://schemas.microsoft.com/office/drawing/2010/main" val="0"/>
-              </a:ext>
-            </a:extLst>
-          </a:blip>
-          <a:stretch>
-            <a:fillRect/>
-          </a:stretch>
-        </p:blipFill>
-        <p:spPr>
-          <a:xfrm>
-            <a:off x="1008809" y="2982039"/>
-            <a:ext cx="1496533" cy="1562459"/>
-          </a:xfrm>
-          <a:prstGeom prst="rect">
-            <a:avLst/>
-          </a:prstGeom>
-        </p:spPr>
-      </p:pic>
-    </p:spTree>
-    <p:extLst>
-      <p:ext uri="{BB962C8B-B14F-4D97-AF65-F5344CB8AC3E}">
-        <p14:creationId xmlns:p14="http://schemas.microsoft.com/office/powerpoint/2010/main" val="2495438523"/>
-      </p:ext>
-    </p:extLst>
-  </p:cSld>
-  <p:clrMapOvr>
-    <a:masterClrMapping/>
-  </p:clrMapOvr>
-</p:sld>
-</file>
-
-<file path=ppt/slides/slide9.xml><?xml version="1.0" encoding="utf-8"?>
-<p:sld xmlns:a="http://schemas.openxmlformats.org/drawingml/2006/main" xmlns:r="http://schemas.openxmlformats.org/officeDocument/2006/relationships" xmlns:p="http://schemas.openxmlformats.org/presentationml/2006/main">
-  <p:cSld>
-    <p:spTree>
-      <p:nvGrpSpPr>
-        <p:cNvPr id="1" name=""/>
-        <p:cNvGrpSpPr/>
-        <p:nvPr/>
-      </p:nvGrpSpPr>
-      <p:grpSpPr>
-        <a:xfrm>
-          <a:off x="0" y="0"/>
-          <a:ext cx="0" cy="0"/>
-          <a:chOff x="0" y="0"/>
-          <a:chExt cx="0" cy="0"/>
-        </a:xfrm>
-      </p:grpSpPr>
-      <p:pic>
-        <p:nvPicPr>
-          <p:cNvPr id="2" name="Picture 2" descr="C:\Users\Андрей\Desktop\1\Безымянный-1.png"/>
-          <p:cNvPicPr>
-            <a:picLocks noChangeAspect="1" noChangeArrowheads="1"/>
-          </p:cNvPicPr>
-          <p:nvPr/>
-        </p:nvPicPr>
-        <p:blipFill>
-          <a:blip r:embed="rId2">
-            <a:extLst>
-              <a:ext uri="{28A0092B-C50C-407E-A947-70E740481C1C}">
-                <a14:useLocalDpi xmlns:a14="http://schemas.microsoft.com/office/drawing/2010/main" val="0"/>
-              </a:ext>
-            </a:extLst>
-          </a:blip>
-          <a:srcRect/>
-          <a:stretch>
-            <a:fillRect/>
-          </a:stretch>
-        </p:blipFill>
-        <p:spPr bwMode="auto">
-          <a:xfrm>
-            <a:off x="0" y="0"/>
-            <a:ext cx="12192000" cy="982639"/>
-          </a:xfrm>
-          <a:prstGeom prst="rect">
-            <a:avLst/>
-          </a:prstGeom>
-          <a:noFill/>
-          <a:ln>
-            <a:noFill/>
-          </a:ln>
-          <a:extLst>
-            <a:ext uri="{909E8E84-426E-40DD-AFC4-6F175D3DCCD1}">
-              <a14:hiddenFill xmlns:a14="http://schemas.microsoft.com/office/drawing/2010/main">
-                <a:solidFill>
-                  <a:srgbClr val="FFFFFF"/>
-                </a:solidFill>
-              </a14:hiddenFill>
-            </a:ext>
-            <a:ext uri="{91240B29-F687-4F45-9708-019B960494DF}">
-              <a14:hiddenLine xmlns:a14="http://schemas.microsoft.com/office/drawing/2010/main" w="9525">
-                <a:solidFill>
-                  <a:srgbClr val="000000"/>
-                </a:solidFill>
-                <a:miter lim="800000"/>
-                <a:headEnd/>
-                <a:tailEnd/>
-              </a14:hiddenLine>
-            </a:ext>
-          </a:extLst>
-        </p:spPr>
-      </p:pic>
-      <p:sp>
-        <p:nvSpPr>
-          <p:cNvPr id="4" name="Прямоугольник 3"/>
-          <p:cNvSpPr/>
-          <p:nvPr/>
-        </p:nvSpPr>
-        <p:spPr>
-          <a:xfrm>
-            <a:off x="354843" y="1187299"/>
-            <a:ext cx="11600596" cy="495457"/>
-          </a:xfrm>
-          <a:prstGeom prst="rect">
-            <a:avLst/>
-          </a:prstGeom>
-        </p:spPr>
-        <p:txBody>
-          <a:bodyPr wrap="square">
-            <a:spAutoFit/>
-          </a:bodyPr>
-          <a:lstStyle/>
-          <a:p>
-            <a:pPr algn="just">
-              <a:lnSpc>
-                <a:spcPct val="150000"/>
-              </a:lnSpc>
-            </a:pPr>
-            <a:endParaRPr lang="en-US" sz="2000" dirty="0">
-              <a:latin typeface="Century Gothic" panose="020B0502020202020204" pitchFamily="34" charset="0"/>
-            </a:endParaRPr>
-          </a:p>
-        </p:txBody>
-      </p:sp>
-      <p:sp>
-        <p:nvSpPr>
-          <p:cNvPr id="5" name="TextBox 4"/>
-          <p:cNvSpPr txBox="1"/>
-          <p:nvPr/>
-        </p:nvSpPr>
-        <p:spPr>
-          <a:xfrm>
-            <a:off x="3534770" y="450376"/>
-            <a:ext cx="184731" cy="369332"/>
-          </a:xfrm>
-          <a:prstGeom prst="rect">
-            <a:avLst/>
-          </a:prstGeom>
-          <a:noFill/>
-        </p:spPr>
-        <p:txBody>
-          <a:bodyPr wrap="none" rtlCol="0">
-            <a:spAutoFit/>
-          </a:bodyPr>
-          <a:lstStyle/>
-          <a:p>
-            <a:endParaRPr lang="ru-RU" dirty="0"/>
-          </a:p>
-        </p:txBody>
-      </p:sp>
-      <p:sp>
-        <p:nvSpPr>
-          <p:cNvPr id="7" name="TextBox 6"/>
-          <p:cNvSpPr txBox="1"/>
-          <p:nvPr/>
-        </p:nvSpPr>
-        <p:spPr>
-          <a:xfrm>
-            <a:off x="2983615" y="82785"/>
-            <a:ext cx="6224781" cy="707886"/>
-          </a:xfrm>
-          <a:prstGeom prst="rect">
-            <a:avLst/>
-          </a:prstGeom>
-          <a:noFill/>
-        </p:spPr>
-        <p:txBody>
-          <a:bodyPr wrap="none" rtlCol="0">
-            <a:spAutoFit/>
-          </a:bodyPr>
-          <a:lstStyle/>
-          <a:p>
-            <a:pPr algn="ctr"/>
-            <a:r>
-              <a:rPr lang="ru-RU" sz="4000" dirty="0">
-                <a:solidFill>
-                  <a:schemeClr val="bg1">
-                    <a:lumMod val="95000"/>
-                  </a:schemeClr>
-                </a:solidFill>
-                <a:effectLst>
-                  <a:outerShdw blurRad="38100" dist="38100" dir="2700000" algn="tl">
-                    <a:srgbClr val="000000">
-                      <a:alpha val="43137"/>
-                    </a:srgbClr>
-                  </a:outerShdw>
-                </a:effectLst>
-                <a:latin typeface="Century Gothic" panose="020B0502020202020204" pitchFamily="34" charset="0"/>
-              </a:rPr>
-              <a:t>Полученные результаты</a:t>
-            </a:r>
-          </a:p>
-        </p:txBody>
-      </p:sp>
-      <p:sp>
-        <p:nvSpPr>
-          <p:cNvPr id="6" name="Прямоугольник 5"/>
-          <p:cNvSpPr/>
-          <p:nvPr/>
-        </p:nvSpPr>
-        <p:spPr>
-          <a:xfrm>
-            <a:off x="295702" y="1065424"/>
-            <a:ext cx="11600596" cy="5478423"/>
-          </a:xfrm>
-          <a:prstGeom prst="rect">
-            <a:avLst/>
-          </a:prstGeom>
-        </p:spPr>
-        <p:txBody>
-          <a:bodyPr wrap="square">
-            <a:spAutoFit/>
-          </a:bodyPr>
-          <a:lstStyle/>
-          <a:p>
-            <a:pPr algn="just">
-              <a:lnSpc>
-                <a:spcPct val="150000"/>
-              </a:lnSpc>
-              <a:spcAft>
-                <a:spcPts val="600"/>
-              </a:spcAft>
-              <a:defRPr/>
-            </a:pPr>
-            <a:r>
-              <a:rPr lang="en-US" altLang="ru-RU" sz="1700" dirty="0">
-                <a:latin typeface="Century Gothic" panose="020B0502020202020204" pitchFamily="34" charset="0"/>
-                <a:ea typeface="Calibri" panose="020F0502020204030204" pitchFamily="34" charset="0"/>
-                <a:cs typeface="Times New Roman" panose="02020603050405020304" pitchFamily="18" charset="0"/>
-              </a:rPr>
-              <a:t>	</a:t>
-            </a:r>
-            <a:r>
-              <a:rPr lang="ru-RU" altLang="ru-RU" sz="2000" dirty="0">
-                <a:latin typeface="Century Gothic" panose="020B0502020202020204" pitchFamily="34" charset="0"/>
-                <a:ea typeface="Calibri" panose="020F0502020204030204" pitchFamily="34" charset="0"/>
-                <a:cs typeface="Times New Roman" panose="02020603050405020304" pitchFamily="18" charset="0"/>
-              </a:rPr>
-              <a:t>Использование автоматизированной системы мониторинга и управления технологическим процессом на ЛПЦ-4 ПАО «ММК» даст предприятию такие возможности как: </a:t>
-            </a:r>
-          </a:p>
-          <a:p>
-            <a:pPr marL="342900" indent="-342900" algn="just">
-              <a:lnSpc>
-                <a:spcPct val="150000"/>
-              </a:lnSpc>
-              <a:spcAft>
-                <a:spcPts val="600"/>
-              </a:spcAft>
-              <a:buFont typeface="Arial" panose="020B0604020202020204" pitchFamily="34" charset="0"/>
-              <a:buChar char="•"/>
-              <a:defRPr/>
-            </a:pPr>
-            <a:r>
-              <a:rPr lang="ru-RU" altLang="ru-RU" sz="2000" dirty="0">
-                <a:latin typeface="Century Gothic" panose="020B0502020202020204" pitchFamily="34" charset="0"/>
-                <a:ea typeface="Calibri" panose="020F0502020204030204" pitchFamily="34" charset="0"/>
-                <a:cs typeface="Times New Roman" panose="02020603050405020304" pitchFamily="18" charset="0"/>
-              </a:rPr>
-              <a:t>Обеспечение пользователей непрерывной, актуальной и оперативной информацией о данных технологического процесса производства;</a:t>
-            </a:r>
-          </a:p>
-          <a:p>
-            <a:pPr marL="342900" indent="-342900" algn="just">
-              <a:lnSpc>
-                <a:spcPct val="150000"/>
-              </a:lnSpc>
-              <a:spcAft>
-                <a:spcPts val="600"/>
-              </a:spcAft>
-              <a:buFont typeface="Arial" panose="020B0604020202020204" pitchFamily="34" charset="0"/>
-              <a:buChar char="•"/>
-              <a:defRPr/>
-            </a:pPr>
-            <a:r>
-              <a:rPr lang="ru-RU" altLang="ru-RU" sz="2000" dirty="0">
-                <a:latin typeface="Century Gothic" panose="020B0502020202020204" pitchFamily="34" charset="0"/>
-                <a:ea typeface="Calibri" panose="020F0502020204030204" pitchFamily="34" charset="0"/>
-                <a:cs typeface="Times New Roman" panose="02020603050405020304" pitchFamily="18" charset="0"/>
-              </a:rPr>
-              <a:t>Возможность ввода и редактирования первичных данных при необходимости;</a:t>
-            </a:r>
-          </a:p>
-          <a:p>
-            <a:pPr marL="342900" indent="-342900" algn="just">
-              <a:lnSpc>
-                <a:spcPct val="150000"/>
-              </a:lnSpc>
-              <a:spcAft>
-                <a:spcPts val="600"/>
-              </a:spcAft>
-              <a:buFont typeface="Arial" panose="020B0604020202020204" pitchFamily="34" charset="0"/>
-              <a:buChar char="•"/>
-              <a:defRPr/>
-            </a:pPr>
-            <a:r>
-              <a:rPr lang="ru-RU" altLang="ru-RU" sz="2000" dirty="0">
-                <a:latin typeface="Century Gothic" panose="020B0502020202020204" pitchFamily="34" charset="0"/>
-                <a:ea typeface="Calibri" panose="020F0502020204030204" pitchFamily="34" charset="0"/>
-                <a:cs typeface="Times New Roman" panose="02020603050405020304" pitchFamily="18" charset="0"/>
-              </a:rPr>
-              <a:t>Возможность редактирования уставных значение и состояний агрегатов прокатного стана;</a:t>
-            </a:r>
-          </a:p>
-          <a:p>
-            <a:pPr marL="342900" indent="-342900" algn="just">
-              <a:lnSpc>
-                <a:spcPct val="150000"/>
-              </a:lnSpc>
-              <a:spcAft>
-                <a:spcPts val="600"/>
-              </a:spcAft>
-              <a:buFont typeface="Arial" panose="020B0604020202020204" pitchFamily="34" charset="0"/>
-              <a:buChar char="•"/>
-              <a:defRPr/>
-            </a:pPr>
-            <a:r>
-              <a:rPr lang="ru-RU" altLang="ru-RU" sz="2000" dirty="0">
-                <a:latin typeface="Century Gothic" panose="020B0502020202020204" pitchFamily="34" charset="0"/>
-                <a:ea typeface="Calibri" panose="020F0502020204030204" pitchFamily="34" charset="0"/>
-                <a:cs typeface="Times New Roman" panose="02020603050405020304" pitchFamily="18" charset="0"/>
-              </a:rPr>
-              <a:t>Повышение эффективности работы стана за счет контроля перемещения слябов по линиям загрузки, состояния карты печей и связи со всеми системами автоматизации;</a:t>
-            </a:r>
-          </a:p>
-        </p:txBody>
-      </p:sp>
-    </p:spTree>
-    <p:extLst>
-      <p:ext uri="{BB962C8B-B14F-4D97-AF65-F5344CB8AC3E}">
-        <p14:creationId xmlns:p14="http://schemas.microsoft.com/office/powerpoint/2010/main" val="3299038286"/>
-      </p:ext>
-    </p:extLst>
-  </p:cSld>
-  <p:clrMapOvr>
-    <a:masterClrMapping/>
-  </p:clrMapOvr>
-</p:sld>
-</file>
-
 <file path=ppt/theme/theme1.xml><?xml version="1.0" encoding="utf-8"?>
 <a:theme xmlns:a="http://schemas.openxmlformats.org/drawingml/2006/main" name="Тема Office">
   <a:themeElements>

--- a/Presentation/NMSTU_Presentation.pptx
+++ b/Presentation/NMSTU_Presentation.pptx
@@ -14,9 +14,10 @@
     <p:sldId id="268" r:id="rId8"/>
     <p:sldId id="267" r:id="rId9"/>
     <p:sldId id="261" r:id="rId10"/>
-    <p:sldId id="266" r:id="rId11"/>
-    <p:sldId id="264" r:id="rId12"/>
-    <p:sldId id="265" r:id="rId13"/>
+    <p:sldId id="270" r:id="rId11"/>
+    <p:sldId id="266" r:id="rId12"/>
+    <p:sldId id="264" r:id="rId13"/>
+    <p:sldId id="265" r:id="rId14"/>
   </p:sldIdLst>
   <p:sldSz cx="12192000" cy="6858000"/>
   <p:notesSz cx="6888163" cy="10020300"/>
@@ -3677,45 +3678,13 @@
       </p:pic>
       <p:sp>
         <p:nvSpPr>
-          <p:cNvPr id="4" name="Прямоугольник 3"/>
-          <p:cNvSpPr/>
-          <p:nvPr/>
-        </p:nvSpPr>
-        <p:spPr>
-          <a:xfrm>
-            <a:off x="354843" y="1187299"/>
-            <a:ext cx="11600596" cy="495457"/>
-          </a:xfrm>
-          <a:prstGeom prst="rect">
-            <a:avLst/>
-          </a:prstGeom>
-        </p:spPr>
-        <p:txBody>
-          <a:bodyPr wrap="square">
-            <a:spAutoFit/>
-          </a:bodyPr>
-          <a:lstStyle/>
-          <a:p>
-            <a:pPr algn="just">
-              <a:lnSpc>
-                <a:spcPct val="150000"/>
-              </a:lnSpc>
-            </a:pPr>
-            <a:endParaRPr lang="en-US" sz="2000" dirty="0">
-              <a:latin typeface="Century Gothic" panose="020B0502020202020204" pitchFamily="34" charset="0"/>
-            </a:endParaRPr>
-          </a:p>
-        </p:txBody>
-      </p:sp>
-      <p:sp>
-        <p:nvSpPr>
           <p:cNvPr id="5" name="TextBox 4"/>
           <p:cNvSpPr txBox="1"/>
           <p:nvPr/>
         </p:nvSpPr>
         <p:spPr>
           <a:xfrm>
-            <a:off x="3534770" y="450376"/>
+            <a:off x="2906973" y="436728"/>
             <a:ext cx="184731" cy="369332"/>
           </a:xfrm>
           <a:prstGeom prst="rect">
@@ -3741,8 +3710,8 @@
         </p:nvSpPr>
         <p:spPr>
           <a:xfrm>
-            <a:off x="2983615" y="82785"/>
-            <a:ext cx="6224781" cy="707886"/>
+            <a:off x="2396197" y="168153"/>
+            <a:ext cx="7508787" cy="646331"/>
           </a:xfrm>
           <a:prstGeom prst="rect">
             <a:avLst/>
@@ -3757,7 +3726,7 @@
           <a:p>
             <a:pPr algn="ctr"/>
             <a:r>
-              <a:rPr lang="ru-RU" sz="4000" dirty="0">
+              <a:rPr lang="ru-RU" sz="3600" dirty="0" smtClean="0">
                 <a:solidFill>
                   <a:schemeClr val="bg1">
                     <a:lumMod val="95000"/>
@@ -3772,21 +3741,36 @@
                 </a:effectLst>
                 <a:latin typeface="Century Gothic" panose="020B0502020202020204" pitchFamily="34" charset="0"/>
               </a:rPr>
-              <a:t>Полученные результаты</a:t>
-            </a:r>
+              <a:t>Проектное решение драйвера</a:t>
+            </a:r>
+            <a:endParaRPr lang="ru-RU" sz="3600" dirty="0">
+              <a:solidFill>
+                <a:schemeClr val="bg1">
+                  <a:lumMod val="95000"/>
+                </a:schemeClr>
+              </a:solidFill>
+              <a:effectLst>
+                <a:outerShdw blurRad="38100" dist="38100" dir="2700000" algn="tl">
+                  <a:srgbClr val="000000">
+                    <a:alpha val="43137"/>
+                  </a:srgbClr>
+                </a:outerShdw>
+              </a:effectLst>
+              <a:latin typeface="Century Gothic" panose="020B0502020202020204" pitchFamily="34" charset="0"/>
+            </a:endParaRPr>
           </a:p>
         </p:txBody>
       </p:sp>
       <p:sp>
         <p:nvSpPr>
-          <p:cNvPr id="6" name="Прямоугольник 5"/>
+          <p:cNvPr id="8" name="Прямоугольник 7"/>
           <p:cNvSpPr/>
           <p:nvPr/>
         </p:nvSpPr>
         <p:spPr>
           <a:xfrm>
-            <a:off x="295702" y="1065424"/>
-            <a:ext cx="11600596" cy="5478423"/>
+            <a:off x="109183" y="1041023"/>
+            <a:ext cx="12082817" cy="586314"/>
           </a:xfrm>
           <a:prstGeom prst="rect">
             <a:avLst/>
@@ -3802,124 +3786,442 @@
               <a:lnSpc>
                 <a:spcPct val="150000"/>
               </a:lnSpc>
-              <a:spcAft>
-                <a:spcPts val="600"/>
-              </a:spcAft>
-              <a:defRPr/>
             </a:pPr>
             <a:r>
-              <a:rPr lang="en-US" altLang="ru-RU" sz="1700" dirty="0">
-                <a:latin typeface="Century Gothic" panose="020B0502020202020204" pitchFamily="34" charset="0"/>
-                <a:ea typeface="Calibri" panose="020F0502020204030204" pitchFamily="34" charset="0"/>
-                <a:cs typeface="Times New Roman" panose="02020603050405020304" pitchFamily="18" charset="0"/>
-              </a:rPr>
+              <a:rPr lang="ru-RU" sz="2400" dirty="0"/>
               <a:t>	</a:t>
             </a:r>
-            <a:r>
-              <a:rPr lang="ru-RU" altLang="ru-RU" sz="2000" dirty="0">
-                <a:latin typeface="Century Gothic" panose="020B0502020202020204" pitchFamily="34" charset="0"/>
-                <a:ea typeface="Calibri" panose="020F0502020204030204" pitchFamily="34" charset="0"/>
-                <a:cs typeface="Times New Roman" panose="02020603050405020304" pitchFamily="18" charset="0"/>
-              </a:rPr>
-              <a:t>Использование автоматизированной системы мониторинга и управления технологическим процессом на ЛПЦ-4 ПАО «ММК» даст предприятию такие возможности как: </a:t>
-            </a:r>
-          </a:p>
-          <a:p>
-            <a:pPr marL="342900" indent="-342900" algn="just">
-              <a:lnSpc>
-                <a:spcPct val="150000"/>
-              </a:lnSpc>
-              <a:spcAft>
-                <a:spcPts val="600"/>
-              </a:spcAft>
-              <a:buFont typeface="Arial" panose="020B0604020202020204" pitchFamily="34" charset="0"/>
-              <a:buChar char="•"/>
-              <a:defRPr/>
-            </a:pPr>
-            <a:r>
-              <a:rPr lang="ru-RU" altLang="ru-RU" sz="2000" dirty="0">
-                <a:latin typeface="Century Gothic" panose="020B0502020202020204" pitchFamily="34" charset="0"/>
-                <a:ea typeface="Calibri" panose="020F0502020204030204" pitchFamily="34" charset="0"/>
-                <a:cs typeface="Times New Roman" panose="02020603050405020304" pitchFamily="18" charset="0"/>
-              </a:rPr>
-              <a:t>Обеспечение пользователей непрерывной, актуальной и оперативной информацией о данных технологического процесса производства;</a:t>
-            </a:r>
-          </a:p>
-          <a:p>
-            <a:pPr marL="342900" indent="-342900" algn="just">
-              <a:lnSpc>
-                <a:spcPct val="150000"/>
-              </a:lnSpc>
-              <a:spcAft>
-                <a:spcPts val="600"/>
-              </a:spcAft>
-              <a:buFont typeface="Arial" panose="020B0604020202020204" pitchFamily="34" charset="0"/>
-              <a:buChar char="•"/>
-              <a:defRPr/>
-            </a:pPr>
-            <a:r>
-              <a:rPr lang="ru-RU" altLang="ru-RU" sz="2000" dirty="0">
-                <a:latin typeface="Century Gothic" panose="020B0502020202020204" pitchFamily="34" charset="0"/>
-                <a:ea typeface="Calibri" panose="020F0502020204030204" pitchFamily="34" charset="0"/>
-                <a:cs typeface="Times New Roman" panose="02020603050405020304" pitchFamily="18" charset="0"/>
-              </a:rPr>
-              <a:t>Возможность ввода и редактирования первичных данных при необходимости;</a:t>
-            </a:r>
-          </a:p>
-          <a:p>
-            <a:pPr marL="342900" indent="-342900" algn="just">
-              <a:lnSpc>
-                <a:spcPct val="150000"/>
-              </a:lnSpc>
-              <a:spcAft>
-                <a:spcPts val="600"/>
-              </a:spcAft>
-              <a:buFont typeface="Arial" panose="020B0604020202020204" pitchFamily="34" charset="0"/>
-              <a:buChar char="•"/>
-              <a:defRPr/>
-            </a:pPr>
-            <a:r>
-              <a:rPr lang="ru-RU" altLang="ru-RU" sz="2000" dirty="0">
-                <a:latin typeface="Century Gothic" panose="020B0502020202020204" pitchFamily="34" charset="0"/>
-                <a:ea typeface="Calibri" panose="020F0502020204030204" pitchFamily="34" charset="0"/>
-                <a:cs typeface="Times New Roman" panose="02020603050405020304" pitchFamily="18" charset="0"/>
-              </a:rPr>
-              <a:t>Возможность редактирования уставных значение и состояний агрегатов прокатного стана;</a:t>
-            </a:r>
-          </a:p>
-          <a:p>
-            <a:pPr marL="342900" indent="-342900" algn="just">
-              <a:lnSpc>
-                <a:spcPct val="150000"/>
-              </a:lnSpc>
-              <a:spcAft>
-                <a:spcPts val="600"/>
-              </a:spcAft>
-              <a:buFont typeface="Arial" panose="020B0604020202020204" pitchFamily="34" charset="0"/>
-              <a:buChar char="•"/>
-              <a:defRPr/>
-            </a:pPr>
-            <a:r>
-              <a:rPr lang="ru-RU" altLang="ru-RU" sz="2000" dirty="0">
-                <a:latin typeface="Century Gothic" panose="020B0502020202020204" pitchFamily="34" charset="0"/>
-                <a:ea typeface="Calibri" panose="020F0502020204030204" pitchFamily="34" charset="0"/>
-                <a:cs typeface="Times New Roman" panose="02020603050405020304" pitchFamily="18" charset="0"/>
-              </a:rPr>
-              <a:t>Повышение эффективности работы стана за счет контроля перемещения слябов по линиям загрузки, состояния карты печей и связи со всеми системами автоматизации;</a:t>
-            </a:r>
+            <a:endParaRPr lang="ru-RU" sz="2000" dirty="0">
+              <a:latin typeface="Century Gothic" panose="020B0502020202020204" pitchFamily="34" charset="0"/>
+            </a:endParaRPr>
           </a:p>
         </p:txBody>
       </p:sp>
+      <p:grpSp>
+        <p:nvGrpSpPr>
+          <p:cNvPr id="53" name="Group 52"/>
+          <p:cNvGrpSpPr/>
+          <p:nvPr/>
+        </p:nvGrpSpPr>
+        <p:grpSpPr>
+          <a:xfrm>
+            <a:off x="6384761" y="3096158"/>
+            <a:ext cx="1321445" cy="1562459"/>
+            <a:chOff x="4459057" y="4591624"/>
+            <a:chExt cx="1321445" cy="1562459"/>
+          </a:xfrm>
+        </p:grpSpPr>
+        <p:pic>
+          <p:nvPicPr>
+            <p:cNvPr id="54" name="Picture 53">
+              <a:extLst>
+                <a:ext uri="{FF2B5EF4-FFF2-40B4-BE49-F238E27FC236}">
+                  <a16:creationId xmlns:a16="http://schemas.microsoft.com/office/drawing/2014/main" id="{9794B69E-09D4-23A3-CDBB-6C6AFAD7B7B0}"/>
+                </a:ext>
+              </a:extLst>
+            </p:cNvPr>
+            <p:cNvPicPr>
+              <a:picLocks noChangeAspect="1"/>
+            </p:cNvPicPr>
+            <p:nvPr/>
+          </p:nvPicPr>
+          <p:blipFill>
+            <a:blip r:embed="rId3">
+              <a:extLst>
+                <a:ext uri="{28A0092B-C50C-407E-A947-70E740481C1C}">
+                  <a14:useLocalDpi xmlns:a14="http://schemas.microsoft.com/office/drawing/2010/main" val="0"/>
+                </a:ext>
+              </a:extLst>
+            </a:blip>
+            <a:stretch>
+              <a:fillRect/>
+            </a:stretch>
+          </p:blipFill>
+          <p:spPr>
+            <a:xfrm>
+              <a:off x="4459057" y="4591624"/>
+              <a:ext cx="1164942" cy="1562459"/>
+            </a:xfrm>
+            <a:prstGeom prst="rect">
+              <a:avLst/>
+            </a:prstGeom>
+          </p:spPr>
+        </p:pic>
+        <p:pic>
+          <p:nvPicPr>
+            <p:cNvPr id="55" name="Picture 54">
+              <a:extLst>
+                <a:ext uri="{FF2B5EF4-FFF2-40B4-BE49-F238E27FC236}">
+                  <a16:creationId xmlns:a16="http://schemas.microsoft.com/office/drawing/2014/main" id="{54FD0773-E414-71C1-CD4F-11915174B592}"/>
+                </a:ext>
+              </a:extLst>
+            </p:cNvPr>
+            <p:cNvPicPr>
+              <a:picLocks noChangeAspect="1"/>
+            </p:cNvPicPr>
+            <p:nvPr/>
+          </p:nvPicPr>
+          <p:blipFill>
+            <a:blip r:embed="rId4" cstate="print">
+              <a:extLst>
+                <a:ext uri="{28A0092B-C50C-407E-A947-70E740481C1C}">
+                  <a14:useLocalDpi xmlns:a14="http://schemas.microsoft.com/office/drawing/2010/main" val="0"/>
+                </a:ext>
+              </a:extLst>
+            </a:blip>
+            <a:stretch>
+              <a:fillRect/>
+            </a:stretch>
+          </p:blipFill>
+          <p:spPr>
+            <a:xfrm>
+              <a:off x="4615748" y="4727446"/>
+              <a:ext cx="851560" cy="620342"/>
+            </a:xfrm>
+            <a:prstGeom prst="rect">
+              <a:avLst/>
+            </a:prstGeom>
+          </p:spPr>
+        </p:pic>
+        <p:sp>
+          <p:nvSpPr>
+            <p:cNvPr id="56" name="TextBox 55">
+              <a:extLst>
+                <a:ext uri="{FF2B5EF4-FFF2-40B4-BE49-F238E27FC236}">
+                  <a16:creationId xmlns:a16="http://schemas.microsoft.com/office/drawing/2014/main" id="{40814F84-C5CB-7495-FDB8-4594AD13574B}"/>
+                </a:ext>
+              </a:extLst>
+            </p:cNvPr>
+            <p:cNvSpPr txBox="1"/>
+            <p:nvPr/>
+          </p:nvSpPr>
+          <p:spPr>
+            <a:xfrm>
+              <a:off x="4506434" y="5395317"/>
+              <a:ext cx="1274068" cy="584775"/>
+            </a:xfrm>
+            <a:prstGeom prst="rect">
+              <a:avLst/>
+            </a:prstGeom>
+            <a:noFill/>
+          </p:spPr>
+          <p:txBody>
+            <a:bodyPr wrap="square" rtlCol="0">
+              <a:spAutoFit/>
+            </a:bodyPr>
+            <a:lstStyle/>
+            <a:p>
+              <a:r>
+                <a:rPr lang="ru-RU" sz="1600" dirty="0">
+                  <a:latin typeface="Century Gothic" panose="020B0502020202020204" pitchFamily="34" charset="0"/>
+                </a:rPr>
+                <a:t>Драйвер </a:t>
+              </a:r>
+            </a:p>
+            <a:p>
+              <a:r>
+                <a:rPr lang="en-US" sz="1600" dirty="0">
+                  <a:latin typeface="Century Gothic" panose="020B0502020202020204" pitchFamily="34" charset="0"/>
+                </a:rPr>
+                <a:t>MATICA</a:t>
+              </a:r>
+              <a:endParaRPr lang="ru-RU" sz="1600" dirty="0">
+                <a:latin typeface="Century Gothic" panose="020B0502020202020204" pitchFamily="34" charset="0"/>
+              </a:endParaRPr>
+            </a:p>
+          </p:txBody>
+        </p:sp>
+      </p:grpSp>
+      <p:grpSp>
+        <p:nvGrpSpPr>
+          <p:cNvPr id="61" name="Group 60"/>
+          <p:cNvGrpSpPr/>
+          <p:nvPr/>
+        </p:nvGrpSpPr>
+        <p:grpSpPr>
+          <a:xfrm>
+            <a:off x="6384761" y="1224903"/>
+            <a:ext cx="1307252" cy="1562459"/>
+            <a:chOff x="2008240" y="4591624"/>
+            <a:chExt cx="1307252" cy="1562459"/>
+          </a:xfrm>
+        </p:grpSpPr>
+        <p:pic>
+          <p:nvPicPr>
+            <p:cNvPr id="62" name="Picture 61">
+              <a:extLst>
+                <a:ext uri="{FF2B5EF4-FFF2-40B4-BE49-F238E27FC236}">
+                  <a16:creationId xmlns:a16="http://schemas.microsoft.com/office/drawing/2014/main" id="{8F54CE67-D52E-7E47-20F6-FEA4C453374D}"/>
+                </a:ext>
+              </a:extLst>
+            </p:cNvPr>
+            <p:cNvPicPr>
+              <a:picLocks noChangeAspect="1"/>
+            </p:cNvPicPr>
+            <p:nvPr/>
+          </p:nvPicPr>
+          <p:blipFill>
+            <a:blip r:embed="rId3">
+              <a:extLst>
+                <a:ext uri="{28A0092B-C50C-407E-A947-70E740481C1C}">
+                  <a14:useLocalDpi xmlns:a14="http://schemas.microsoft.com/office/drawing/2010/main" val="0"/>
+                </a:ext>
+              </a:extLst>
+            </a:blip>
+            <a:stretch>
+              <a:fillRect/>
+            </a:stretch>
+          </p:blipFill>
+          <p:spPr>
+            <a:xfrm>
+              <a:off x="2008240" y="4591624"/>
+              <a:ext cx="1164942" cy="1562459"/>
+            </a:xfrm>
+            <a:prstGeom prst="rect">
+              <a:avLst/>
+            </a:prstGeom>
+          </p:spPr>
+        </p:pic>
+        <p:sp>
+          <p:nvSpPr>
+            <p:cNvPr id="63" name="TextBox 62">
+              <a:extLst>
+                <a:ext uri="{FF2B5EF4-FFF2-40B4-BE49-F238E27FC236}">
+                  <a16:creationId xmlns:a16="http://schemas.microsoft.com/office/drawing/2014/main" id="{358BBECC-6C15-992F-2037-2C2455C6AF93}"/>
+                </a:ext>
+              </a:extLst>
+            </p:cNvPr>
+            <p:cNvSpPr txBox="1"/>
+            <p:nvPr/>
+          </p:nvSpPr>
+          <p:spPr>
+            <a:xfrm>
+              <a:off x="2041424" y="5278921"/>
+              <a:ext cx="1274068" cy="830997"/>
+            </a:xfrm>
+            <a:prstGeom prst="rect">
+              <a:avLst/>
+            </a:prstGeom>
+            <a:noFill/>
+          </p:spPr>
+          <p:txBody>
+            <a:bodyPr wrap="square" rtlCol="0">
+              <a:spAutoFit/>
+            </a:bodyPr>
+            <a:lstStyle/>
+            <a:p>
+              <a:r>
+                <a:rPr lang="ru-RU" sz="1600" dirty="0">
+                  <a:latin typeface="Century Gothic" panose="020B0502020202020204" pitchFamily="34" charset="0"/>
+                </a:rPr>
+                <a:t>Драйвер записи карты</a:t>
+              </a:r>
+              <a:endParaRPr lang="en-US" sz="1600" dirty="0">
+                <a:latin typeface="Century Gothic" panose="020B0502020202020204" pitchFamily="34" charset="0"/>
+              </a:endParaRPr>
+            </a:p>
+          </p:txBody>
+        </p:sp>
+        <p:pic>
+          <p:nvPicPr>
+            <p:cNvPr id="64" name="Picture 63">
+              <a:extLst>
+                <a:ext uri="{FF2B5EF4-FFF2-40B4-BE49-F238E27FC236}">
+                  <a16:creationId xmlns:a16="http://schemas.microsoft.com/office/drawing/2014/main" id="{872B8CBA-1FE8-450E-1183-4DF1802B2AF2}"/>
+                </a:ext>
+              </a:extLst>
+            </p:cNvPr>
+            <p:cNvPicPr>
+              <a:picLocks noChangeAspect="1"/>
+            </p:cNvPicPr>
+            <p:nvPr/>
+          </p:nvPicPr>
+          <p:blipFill>
+            <a:blip r:embed="rId5" cstate="print">
+              <a:extLst>
+                <a:ext uri="{28A0092B-C50C-407E-A947-70E740481C1C}">
+                  <a14:useLocalDpi xmlns:a14="http://schemas.microsoft.com/office/drawing/2010/main" val="0"/>
+                </a:ext>
+              </a:extLst>
+            </a:blip>
+            <a:stretch>
+              <a:fillRect/>
+            </a:stretch>
+          </p:blipFill>
+          <p:spPr>
+            <a:xfrm>
+              <a:off x="2162261" y="4863507"/>
+              <a:ext cx="728960" cy="436884"/>
+            </a:xfrm>
+            <a:prstGeom prst="rect">
+              <a:avLst/>
+            </a:prstGeom>
+          </p:spPr>
+        </p:pic>
+      </p:grpSp>
+      <p:grpSp>
+        <p:nvGrpSpPr>
+          <p:cNvPr id="65" name="Group 64"/>
+          <p:cNvGrpSpPr/>
+          <p:nvPr/>
+        </p:nvGrpSpPr>
+        <p:grpSpPr>
+          <a:xfrm>
+            <a:off x="292790" y="2578593"/>
+            <a:ext cx="2103407" cy="2597590"/>
+            <a:chOff x="6698461" y="1494327"/>
+            <a:chExt cx="1265206" cy="1562459"/>
+          </a:xfrm>
+        </p:grpSpPr>
+        <p:pic>
+          <p:nvPicPr>
+            <p:cNvPr id="66" name="Picture 65">
+              <a:extLst>
+                <a:ext uri="{FF2B5EF4-FFF2-40B4-BE49-F238E27FC236}">
+                  <a16:creationId xmlns:a16="http://schemas.microsoft.com/office/drawing/2014/main" id="{E3491331-5420-4D91-B017-712E5A6C1573}"/>
+                </a:ext>
+              </a:extLst>
+            </p:cNvPr>
+            <p:cNvPicPr>
+              <a:picLocks noChangeAspect="1"/>
+            </p:cNvPicPr>
+            <p:nvPr/>
+          </p:nvPicPr>
+          <p:blipFill>
+            <a:blip r:embed="rId3">
+              <a:extLst>
+                <a:ext uri="{28A0092B-C50C-407E-A947-70E740481C1C}">
+                  <a14:useLocalDpi xmlns:a14="http://schemas.microsoft.com/office/drawing/2010/main" val="0"/>
+                </a:ext>
+              </a:extLst>
+            </a:blip>
+            <a:stretch>
+              <a:fillRect/>
+            </a:stretch>
+          </p:blipFill>
+          <p:spPr>
+            <a:xfrm>
+              <a:off x="6748808" y="1494327"/>
+              <a:ext cx="1164942" cy="1562459"/>
+            </a:xfrm>
+            <a:prstGeom prst="rect">
+              <a:avLst/>
+            </a:prstGeom>
+          </p:spPr>
+        </p:pic>
+        <p:pic>
+          <p:nvPicPr>
+            <p:cNvPr id="67" name="Picture 66">
+              <a:extLst>
+                <a:ext uri="{FF2B5EF4-FFF2-40B4-BE49-F238E27FC236}">
+                  <a16:creationId xmlns:a16="http://schemas.microsoft.com/office/drawing/2014/main" id="{0E20CE0C-66E3-073B-E6D6-DD7E83255D76}"/>
+                </a:ext>
+              </a:extLst>
+            </p:cNvPr>
+            <p:cNvPicPr>
+              <a:picLocks noChangeAspect="1"/>
+            </p:cNvPicPr>
+            <p:nvPr/>
+          </p:nvPicPr>
+          <p:blipFill>
+            <a:blip r:embed="rId4" cstate="print">
+              <a:extLst>
+                <a:ext uri="{28A0092B-C50C-407E-A947-70E740481C1C}">
+                  <a14:useLocalDpi xmlns:a14="http://schemas.microsoft.com/office/drawing/2010/main" val="0"/>
+                </a:ext>
+              </a:extLst>
+            </a:blip>
+            <a:stretch>
+              <a:fillRect/>
+            </a:stretch>
+          </p:blipFill>
+          <p:spPr>
+            <a:xfrm>
+              <a:off x="6905284" y="1619902"/>
+              <a:ext cx="851560" cy="620342"/>
+            </a:xfrm>
+            <a:prstGeom prst="rect">
+              <a:avLst/>
+            </a:prstGeom>
+          </p:spPr>
+        </p:pic>
+        <p:sp>
+          <p:nvSpPr>
+            <p:cNvPr id="68" name="TextBox 67">
+              <a:extLst>
+                <a:ext uri="{FF2B5EF4-FFF2-40B4-BE49-F238E27FC236}">
+                  <a16:creationId xmlns:a16="http://schemas.microsoft.com/office/drawing/2014/main" id="{6C0A6251-3A3B-06AD-FFB2-18AD25A5A38C}"/>
+                </a:ext>
+              </a:extLst>
+            </p:cNvPr>
+            <p:cNvSpPr txBox="1"/>
+            <p:nvPr/>
+          </p:nvSpPr>
+          <p:spPr>
+            <a:xfrm>
+              <a:off x="6698461" y="2243686"/>
+              <a:ext cx="1265206" cy="722002"/>
+            </a:xfrm>
+            <a:prstGeom prst="rect">
+              <a:avLst/>
+            </a:prstGeom>
+            <a:noFill/>
+          </p:spPr>
+          <p:txBody>
+            <a:bodyPr wrap="square" rtlCol="0">
+              <a:spAutoFit/>
+            </a:bodyPr>
+            <a:lstStyle/>
+            <a:p>
+              <a:pPr algn="ctr"/>
+              <a:r>
+                <a:rPr lang="en-US" sz="2400" dirty="0" smtClean="0">
+                  <a:latin typeface="Century Gothic" panose="020B0502020202020204" pitchFamily="34" charset="0"/>
+                </a:rPr>
+                <a:t>Chip</a:t>
+              </a:r>
+            </a:p>
+            <a:p>
+              <a:pPr algn="ctr"/>
+              <a:r>
+                <a:rPr lang="en-US" sz="2400" dirty="0" smtClean="0">
+                  <a:latin typeface="Century Gothic" panose="020B0502020202020204" pitchFamily="34" charset="0"/>
+                </a:rPr>
+                <a:t>Writer</a:t>
+              </a:r>
+            </a:p>
+            <a:p>
+              <a:pPr algn="ctr"/>
+              <a:r>
+                <a:rPr lang="en-US" sz="2400" dirty="0" smtClean="0">
+                  <a:latin typeface="Century Gothic" panose="020B0502020202020204" pitchFamily="34" charset="0"/>
+                </a:rPr>
+                <a:t>Driver</a:t>
+              </a:r>
+              <a:endParaRPr lang="en-US" sz="2400" dirty="0">
+                <a:latin typeface="Century Gothic" panose="020B0502020202020204" pitchFamily="34" charset="0"/>
+              </a:endParaRPr>
+            </a:p>
+          </p:txBody>
+        </p:sp>
+      </p:grpSp>
     </p:spTree>
     <p:extLst>
       <p:ext uri="{BB962C8B-B14F-4D97-AF65-F5344CB8AC3E}">
-        <p14:creationId xmlns:p14="http://schemas.microsoft.com/office/powerpoint/2010/main" val="3299038286"/>
+        <p14:creationId xmlns:p14="http://schemas.microsoft.com/office/powerpoint/2010/main" val="3599092916"/>
       </p:ext>
     </p:extLst>
   </p:cSld>
   <p:clrMapOvr>
     <a:masterClrMapping/>
   </p:clrMapOvr>
+  <p:timing>
+    <p:tnLst>
+      <p:par>
+        <p:cTn id="1" dur="indefinite" restart="never" nodeType="tmRoot"/>
+      </p:par>
+    </p:tnLst>
+  </p:timing>
 </p:sld>
 </file>
 
@@ -3996,6 +4298,332 @@
       </p:pic>
       <p:sp>
         <p:nvSpPr>
+          <p:cNvPr id="4" name="Прямоугольник 3"/>
+          <p:cNvSpPr/>
+          <p:nvPr/>
+        </p:nvSpPr>
+        <p:spPr>
+          <a:xfrm>
+            <a:off x="354843" y="1187299"/>
+            <a:ext cx="11600596" cy="495457"/>
+          </a:xfrm>
+          <a:prstGeom prst="rect">
+            <a:avLst/>
+          </a:prstGeom>
+        </p:spPr>
+        <p:txBody>
+          <a:bodyPr wrap="square">
+            <a:spAutoFit/>
+          </a:bodyPr>
+          <a:lstStyle/>
+          <a:p>
+            <a:pPr algn="just">
+              <a:lnSpc>
+                <a:spcPct val="150000"/>
+              </a:lnSpc>
+            </a:pPr>
+            <a:endParaRPr lang="en-US" sz="2000" dirty="0">
+              <a:latin typeface="Century Gothic" panose="020B0502020202020204" pitchFamily="34" charset="0"/>
+            </a:endParaRPr>
+          </a:p>
+        </p:txBody>
+      </p:sp>
+      <p:sp>
+        <p:nvSpPr>
+          <p:cNvPr id="5" name="TextBox 4"/>
+          <p:cNvSpPr txBox="1"/>
+          <p:nvPr/>
+        </p:nvSpPr>
+        <p:spPr>
+          <a:xfrm>
+            <a:off x="3534770" y="450376"/>
+            <a:ext cx="184731" cy="369332"/>
+          </a:xfrm>
+          <a:prstGeom prst="rect">
+            <a:avLst/>
+          </a:prstGeom>
+          <a:noFill/>
+        </p:spPr>
+        <p:txBody>
+          <a:bodyPr wrap="none" rtlCol="0">
+            <a:spAutoFit/>
+          </a:bodyPr>
+          <a:lstStyle/>
+          <a:p>
+            <a:endParaRPr lang="ru-RU" dirty="0"/>
+          </a:p>
+        </p:txBody>
+      </p:sp>
+      <p:sp>
+        <p:nvSpPr>
+          <p:cNvPr id="7" name="TextBox 6"/>
+          <p:cNvSpPr txBox="1"/>
+          <p:nvPr/>
+        </p:nvSpPr>
+        <p:spPr>
+          <a:xfrm>
+            <a:off x="2983615" y="82785"/>
+            <a:ext cx="6224781" cy="707886"/>
+          </a:xfrm>
+          <a:prstGeom prst="rect">
+            <a:avLst/>
+          </a:prstGeom>
+          <a:noFill/>
+        </p:spPr>
+        <p:txBody>
+          <a:bodyPr wrap="none" rtlCol="0">
+            <a:spAutoFit/>
+          </a:bodyPr>
+          <a:lstStyle/>
+          <a:p>
+            <a:pPr algn="ctr"/>
+            <a:r>
+              <a:rPr lang="ru-RU" sz="4000" dirty="0">
+                <a:solidFill>
+                  <a:schemeClr val="bg1">
+                    <a:lumMod val="95000"/>
+                  </a:schemeClr>
+                </a:solidFill>
+                <a:effectLst>
+                  <a:outerShdw blurRad="38100" dist="38100" dir="2700000" algn="tl">
+                    <a:srgbClr val="000000">
+                      <a:alpha val="43137"/>
+                    </a:srgbClr>
+                  </a:outerShdw>
+                </a:effectLst>
+                <a:latin typeface="Century Gothic" panose="020B0502020202020204" pitchFamily="34" charset="0"/>
+              </a:rPr>
+              <a:t>Полученные результаты</a:t>
+            </a:r>
+          </a:p>
+        </p:txBody>
+      </p:sp>
+      <p:sp>
+        <p:nvSpPr>
+          <p:cNvPr id="6" name="Прямоугольник 5"/>
+          <p:cNvSpPr/>
+          <p:nvPr/>
+        </p:nvSpPr>
+        <p:spPr>
+          <a:xfrm>
+            <a:off x="295702" y="1065424"/>
+            <a:ext cx="11600596" cy="5478423"/>
+          </a:xfrm>
+          <a:prstGeom prst="rect">
+            <a:avLst/>
+          </a:prstGeom>
+        </p:spPr>
+        <p:txBody>
+          <a:bodyPr wrap="square">
+            <a:spAutoFit/>
+          </a:bodyPr>
+          <a:lstStyle/>
+          <a:p>
+            <a:pPr algn="just">
+              <a:lnSpc>
+                <a:spcPct val="150000"/>
+              </a:lnSpc>
+              <a:spcAft>
+                <a:spcPts val="600"/>
+              </a:spcAft>
+              <a:defRPr/>
+            </a:pPr>
+            <a:r>
+              <a:rPr lang="en-US" altLang="ru-RU" sz="1700" dirty="0">
+                <a:latin typeface="Century Gothic" panose="020B0502020202020204" pitchFamily="34" charset="0"/>
+                <a:ea typeface="Calibri" panose="020F0502020204030204" pitchFamily="34" charset="0"/>
+                <a:cs typeface="Times New Roman" panose="02020603050405020304" pitchFamily="18" charset="0"/>
+              </a:rPr>
+              <a:t>	</a:t>
+            </a:r>
+            <a:r>
+              <a:rPr lang="ru-RU" altLang="ru-RU" sz="2000" dirty="0">
+                <a:latin typeface="Century Gothic" panose="020B0502020202020204" pitchFamily="34" charset="0"/>
+                <a:ea typeface="Calibri" panose="020F0502020204030204" pitchFamily="34" charset="0"/>
+                <a:cs typeface="Times New Roman" panose="02020603050405020304" pitchFamily="18" charset="0"/>
+              </a:rPr>
+              <a:t>Использование автоматизированной системы мониторинга и управления технологическим процессом на ЛПЦ-4 ПАО «ММК» даст предприятию такие возможности как: </a:t>
+            </a:r>
+          </a:p>
+          <a:p>
+            <a:pPr marL="342900" indent="-342900" algn="just">
+              <a:lnSpc>
+                <a:spcPct val="150000"/>
+              </a:lnSpc>
+              <a:spcAft>
+                <a:spcPts val="600"/>
+              </a:spcAft>
+              <a:buFont typeface="Arial" panose="020B0604020202020204" pitchFamily="34" charset="0"/>
+              <a:buChar char="•"/>
+              <a:defRPr/>
+            </a:pPr>
+            <a:r>
+              <a:rPr lang="ru-RU" altLang="ru-RU" sz="2000" dirty="0">
+                <a:latin typeface="Century Gothic" panose="020B0502020202020204" pitchFamily="34" charset="0"/>
+                <a:ea typeface="Calibri" panose="020F0502020204030204" pitchFamily="34" charset="0"/>
+                <a:cs typeface="Times New Roman" panose="02020603050405020304" pitchFamily="18" charset="0"/>
+              </a:rPr>
+              <a:t>Обеспечение пользователей непрерывной, актуальной и оперативной информацией о данных технологического процесса производства;</a:t>
+            </a:r>
+          </a:p>
+          <a:p>
+            <a:pPr marL="342900" indent="-342900" algn="just">
+              <a:lnSpc>
+                <a:spcPct val="150000"/>
+              </a:lnSpc>
+              <a:spcAft>
+                <a:spcPts val="600"/>
+              </a:spcAft>
+              <a:buFont typeface="Arial" panose="020B0604020202020204" pitchFamily="34" charset="0"/>
+              <a:buChar char="•"/>
+              <a:defRPr/>
+            </a:pPr>
+            <a:r>
+              <a:rPr lang="ru-RU" altLang="ru-RU" sz="2000" dirty="0">
+                <a:latin typeface="Century Gothic" panose="020B0502020202020204" pitchFamily="34" charset="0"/>
+                <a:ea typeface="Calibri" panose="020F0502020204030204" pitchFamily="34" charset="0"/>
+                <a:cs typeface="Times New Roman" panose="02020603050405020304" pitchFamily="18" charset="0"/>
+              </a:rPr>
+              <a:t>Возможность ввода и редактирования первичных данных при необходимости;</a:t>
+            </a:r>
+          </a:p>
+          <a:p>
+            <a:pPr marL="342900" indent="-342900" algn="just">
+              <a:lnSpc>
+                <a:spcPct val="150000"/>
+              </a:lnSpc>
+              <a:spcAft>
+                <a:spcPts val="600"/>
+              </a:spcAft>
+              <a:buFont typeface="Arial" panose="020B0604020202020204" pitchFamily="34" charset="0"/>
+              <a:buChar char="•"/>
+              <a:defRPr/>
+            </a:pPr>
+            <a:r>
+              <a:rPr lang="ru-RU" altLang="ru-RU" sz="2000" dirty="0">
+                <a:latin typeface="Century Gothic" panose="020B0502020202020204" pitchFamily="34" charset="0"/>
+                <a:ea typeface="Calibri" panose="020F0502020204030204" pitchFamily="34" charset="0"/>
+                <a:cs typeface="Times New Roman" panose="02020603050405020304" pitchFamily="18" charset="0"/>
+              </a:rPr>
+              <a:t>Возможность редактирования уставных значение и состояний агрегатов прокатного стана;</a:t>
+            </a:r>
+          </a:p>
+          <a:p>
+            <a:pPr marL="342900" indent="-342900" algn="just">
+              <a:lnSpc>
+                <a:spcPct val="150000"/>
+              </a:lnSpc>
+              <a:spcAft>
+                <a:spcPts val="600"/>
+              </a:spcAft>
+              <a:buFont typeface="Arial" panose="020B0604020202020204" pitchFamily="34" charset="0"/>
+              <a:buChar char="•"/>
+              <a:defRPr/>
+            </a:pPr>
+            <a:r>
+              <a:rPr lang="ru-RU" altLang="ru-RU" sz="2000" dirty="0">
+                <a:latin typeface="Century Gothic" panose="020B0502020202020204" pitchFamily="34" charset="0"/>
+                <a:ea typeface="Calibri" panose="020F0502020204030204" pitchFamily="34" charset="0"/>
+                <a:cs typeface="Times New Roman" panose="02020603050405020304" pitchFamily="18" charset="0"/>
+              </a:rPr>
+              <a:t>Повышение эффективности работы стана за счет контроля перемещения слябов по линиям загрузки, состояния карты печей и связи со всеми системами автоматизации;</a:t>
+            </a:r>
+          </a:p>
+        </p:txBody>
+      </p:sp>
+    </p:spTree>
+    <p:extLst>
+      <p:ext uri="{BB962C8B-B14F-4D97-AF65-F5344CB8AC3E}">
+        <p14:creationId xmlns:p14="http://schemas.microsoft.com/office/powerpoint/2010/main" val="3299038286"/>
+      </p:ext>
+    </p:extLst>
+  </p:cSld>
+  <p:clrMapOvr>
+    <a:masterClrMapping/>
+  </p:clrMapOvr>
+  <p:timing>
+    <p:tnLst>
+      <p:par>
+        <p:cTn id="1" dur="indefinite" restart="never" nodeType="tmRoot"/>
+      </p:par>
+    </p:tnLst>
+  </p:timing>
+</p:sld>
+</file>
+
+<file path=ppt/slides/slide12.xml><?xml version="1.0" encoding="utf-8"?>
+<p:sld xmlns:a="http://schemas.openxmlformats.org/drawingml/2006/main" xmlns:r="http://schemas.openxmlformats.org/officeDocument/2006/relationships" xmlns:p="http://schemas.openxmlformats.org/presentationml/2006/main">
+  <p:cSld>
+    <p:spTree>
+      <p:nvGrpSpPr>
+        <p:cNvPr id="1" name=""/>
+        <p:cNvGrpSpPr/>
+        <p:nvPr/>
+      </p:nvGrpSpPr>
+      <p:grpSpPr>
+        <a:xfrm>
+          <a:off x="0" y="0"/>
+          <a:ext cx="0" cy="0"/>
+          <a:chOff x="0" y="0"/>
+          <a:chExt cx="0" cy="0"/>
+        </a:xfrm>
+      </p:grpSpPr>
+      <p:pic>
+        <p:nvPicPr>
+          <p:cNvPr id="2" name="Picture 2" descr="C:\Users\Андрей\Desktop\1\Безымянный-1.png"/>
+          <p:cNvPicPr>
+            <a:picLocks noChangeAspect="1" noChangeArrowheads="1"/>
+          </p:cNvPicPr>
+          <p:nvPr/>
+        </p:nvPicPr>
+        <p:blipFill>
+          <a:blip r:embed="rId2">
+            <a:extLst>
+              <a:ext uri="{28A0092B-C50C-407E-A947-70E740481C1C}">
+                <a14:useLocalDpi xmlns:a14="http://schemas.microsoft.com/office/drawing/2010/main" val="0"/>
+              </a:ext>
+            </a:extLst>
+          </a:blip>
+          <a:srcRect/>
+          <a:stretch>
+            <a:fillRect/>
+          </a:stretch>
+        </p:blipFill>
+        <p:spPr bwMode="auto">
+          <a:xfrm>
+            <a:off x="0" y="0"/>
+            <a:ext cx="12192000" cy="982639"/>
+          </a:xfrm>
+          <a:prstGeom prst="rect">
+            <a:avLst/>
+          </a:prstGeom>
+          <a:noFill/>
+          <a:ln>
+            <a:noFill/>
+          </a:ln>
+          <a:extLst>
+            <a:ext uri="{909E8E84-426E-40DD-AFC4-6F175D3DCCD1}">
+              <a14:hiddenFill xmlns:a14="http://schemas.microsoft.com/office/drawing/2010/main">
+                <a:solidFill>
+                  <a:srgbClr val="FFFFFF"/>
+                </a:solidFill>
+              </a14:hiddenFill>
+            </a:ext>
+            <a:ext uri="{91240B29-F687-4F45-9708-019B960494DF}">
+              <a14:hiddenLine xmlns:a14="http://schemas.microsoft.com/office/drawing/2010/main" w="9525">
+                <a:solidFill>
+                  <a:srgbClr val="000000"/>
+                </a:solidFill>
+                <a:miter lim="800000"/>
+                <a:headEnd/>
+                <a:tailEnd/>
+              </a14:hiddenLine>
+            </a:ext>
+          </a:extLst>
+        </p:spPr>
+      </p:pic>
+      <p:sp>
+        <p:nvSpPr>
           <p:cNvPr id="5" name="TextBox 4"/>
           <p:cNvSpPr txBox="1"/>
           <p:nvPr/>
@@ -4180,7 +4808,7 @@
 </p:sld>
 </file>
 
-<file path=ppt/slides/slide12.xml><?xml version="1.0" encoding="utf-8"?>
+<file path=ppt/slides/slide13.xml><?xml version="1.0" encoding="utf-8"?>
 <p:sld xmlns:a="http://schemas.openxmlformats.org/drawingml/2006/main" xmlns:r="http://schemas.openxmlformats.org/officeDocument/2006/relationships" xmlns:p="http://schemas.openxmlformats.org/presentationml/2006/main">
   <p:cSld>
     <p:spTree>
@@ -4404,25 +5032,7 @@
                 </a:effectLst>
                 <a:latin typeface="Century Gothic" panose="020B0502020202020204" pitchFamily="34" charset="0"/>
               </a:rPr>
-              <a:t>Описние </a:t>
-            </a:r>
-            <a:r>
-              <a:rPr lang="ru-RU" sz="3600" dirty="0" smtClean="0">
-                <a:solidFill>
-                  <a:schemeClr val="bg1">
-                    <a:lumMod val="95000"/>
-                  </a:schemeClr>
-                </a:solidFill>
-                <a:effectLst>
-                  <a:outerShdw blurRad="38100" dist="38100" dir="2700000" algn="tl">
-                    <a:srgbClr val="000000">
-                      <a:alpha val="43137"/>
-                    </a:srgbClr>
-                  </a:outerShdw>
-                </a:effectLst>
-                <a:latin typeface="Century Gothic" panose="020B0502020202020204" pitchFamily="34" charset="0"/>
-              </a:rPr>
-              <a:t>эмбоссера</a:t>
+              <a:t>Описние эмбоссера</a:t>
             </a:r>
             <a:endParaRPr lang="ru-RU" sz="3600" dirty="0">
               <a:solidFill>
@@ -4582,6 +5192,13 @@
   <p:clrMapOvr>
     <a:masterClrMapping/>
   </p:clrMapOvr>
+  <p:timing>
+    <p:tnLst>
+      <p:par>
+        <p:cTn id="1" dur="indefinite" restart="never" nodeType="tmRoot"/>
+      </p:par>
+    </p:tnLst>
+  </p:timing>
 </p:sld>
 </file>
 
@@ -5947,7 +6564,7 @@
         </p:nvSpPr>
         <p:spPr>
           <a:xfrm>
-            <a:off x="668737" y="1544287"/>
+            <a:off x="668737" y="1407607"/>
             <a:ext cx="10849972" cy="4745915"/>
           </a:xfrm>
           <a:prstGeom prst="rect">
@@ -6057,7 +6674,23 @@
                 <a:ea typeface="Calibri" panose="020F0502020204030204" pitchFamily="34" charset="0"/>
                 <a:cs typeface="Times New Roman" panose="02020603050405020304" pitchFamily="18" charset="0"/>
               </a:rPr>
-              <a:t>кардридеров и средства аппаратного и программного взаимодействия с кардридерным модулем эмбоссера </a:t>
+              <a:t>кардридеров и </a:t>
+            </a:r>
+            <a:r>
+              <a:rPr lang="ru-RU" altLang="ru-RU" sz="2000" dirty="0" smtClean="0">
+                <a:latin typeface="Century Gothic" panose="020B0502020202020204" pitchFamily="34" charset="0"/>
+                <a:ea typeface="Calibri" panose="020F0502020204030204" pitchFamily="34" charset="0"/>
+                <a:cs typeface="Times New Roman" panose="02020603050405020304" pitchFamily="18" charset="0"/>
+              </a:rPr>
+              <a:t>имеющиеся в нем средства </a:t>
+            </a:r>
+            <a:r>
+              <a:rPr lang="ru-RU" altLang="ru-RU" sz="2000" dirty="0" smtClean="0">
+                <a:latin typeface="Century Gothic" panose="020B0502020202020204" pitchFamily="34" charset="0"/>
+                <a:ea typeface="Calibri" panose="020F0502020204030204" pitchFamily="34" charset="0"/>
+                <a:cs typeface="Times New Roman" panose="02020603050405020304" pitchFamily="18" charset="0"/>
+              </a:rPr>
+              <a:t>аппаратного и программного взаимодействия с кардридерным модулем эмбоссера </a:t>
             </a:r>
             <a:r>
               <a:rPr lang="en-US" altLang="ru-RU" sz="2000" dirty="0" smtClean="0">
@@ -6113,15 +6746,7 @@
                 <a:ea typeface="Calibri" panose="020F0502020204030204" pitchFamily="34" charset="0"/>
                 <a:cs typeface="Times New Roman" panose="02020603050405020304" pitchFamily="18" charset="0"/>
               </a:rPr>
-              <a:t>Автоматизация работы </a:t>
-            </a:r>
-            <a:r>
-              <a:rPr lang="ru-RU" altLang="ru-RU" sz="2000" dirty="0" smtClean="0">
-                <a:latin typeface="Century Gothic" panose="020B0502020202020204" pitchFamily="34" charset="0"/>
-                <a:ea typeface="Calibri" panose="020F0502020204030204" pitchFamily="34" charset="0"/>
-                <a:cs typeface="Times New Roman" panose="02020603050405020304" pitchFamily="18" charset="0"/>
-              </a:rPr>
-              <a:t>программного </a:t>
+              <a:t>Автоматизация работы программного </a:t>
             </a:r>
             <a:r>
               <a:rPr lang="ru-RU" altLang="ru-RU" sz="2000" dirty="0">
@@ -6271,6 +6896,13 @@
   <p:clrMapOvr>
     <a:masterClrMapping/>
   </p:clrMapOvr>
+  <p:timing>
+    <p:tnLst>
+      <p:par>
+        <p:cTn id="1" dur="indefinite" restart="never" nodeType="tmRoot"/>
+      </p:par>
+    </p:tnLst>
+  </p:timing>
 </p:sld>
 </file>
 
@@ -6595,6 +7227,13 @@
   <p:clrMapOvr>
     <a:masterClrMapping/>
   </p:clrMapOvr>
+  <p:timing>
+    <p:tnLst>
+      <p:par>
+        <p:cTn id="1" dur="indefinite" restart="never" nodeType="tmRoot"/>
+      </p:par>
+    </p:tnLst>
+  </p:timing>
 </p:sld>
 </file>
 
@@ -7180,36 +7819,6 @@
       </p:pic>
       <p:pic>
         <p:nvPicPr>
-          <p:cNvPr id="20" name="Picture 19">
-            <a:extLst>
-              <a:ext uri="{FF2B5EF4-FFF2-40B4-BE49-F238E27FC236}">
-                <a16:creationId xmlns:a16="http://schemas.microsoft.com/office/drawing/2014/main" id="{F4C83E37-90D7-C377-6624-E555648A8E0C}"/>
-              </a:ext>
-            </a:extLst>
-          </p:cNvPr>
-          <p:cNvPicPr>
-            <a:picLocks noChangeAspect="1"/>
-          </p:cNvPicPr>
-          <p:nvPr/>
-        </p:nvPicPr>
-        <p:blipFill>
-          <a:blip r:embed="rId7"/>
-          <a:stretch>
-            <a:fillRect/>
-          </a:stretch>
-        </p:blipFill>
-        <p:spPr>
-          <a:xfrm rot="9592064" flipH="1">
-            <a:off x="7517868" y="4390442"/>
-            <a:ext cx="1059766" cy="308112"/>
-          </a:xfrm>
-          <a:prstGeom prst="rect">
-            <a:avLst/>
-          </a:prstGeom>
-        </p:spPr>
-      </p:pic>
-      <p:pic>
-        <p:nvPicPr>
           <p:cNvPr id="21" name="Picture 20">
             <a:extLst>
               <a:ext uri="{FF2B5EF4-FFF2-40B4-BE49-F238E27FC236}">
@@ -7223,45 +7832,15 @@
           <p:nvPr/>
         </p:nvPicPr>
         <p:blipFill>
-          <a:blip r:embed="rId8"/>
-          <a:stretch>
-            <a:fillRect/>
-          </a:stretch>
-        </p:blipFill>
-        <p:spPr>
-          <a:xfrm>
-            <a:off x="8716897" y="3849601"/>
-            <a:ext cx="1005746" cy="735748"/>
-          </a:xfrm>
-          <a:prstGeom prst="rect">
-            <a:avLst/>
-          </a:prstGeom>
-        </p:spPr>
-      </p:pic>
-      <p:pic>
-        <p:nvPicPr>
-          <p:cNvPr id="22" name="Picture 21">
-            <a:extLst>
-              <a:ext uri="{FF2B5EF4-FFF2-40B4-BE49-F238E27FC236}">
-                <a16:creationId xmlns:a16="http://schemas.microsoft.com/office/drawing/2014/main" id="{51DBA387-5662-335F-AA03-FD852A3E2C20}"/>
-              </a:ext>
-            </a:extLst>
-          </p:cNvPr>
-          <p:cNvPicPr>
-            <a:picLocks noChangeAspect="1"/>
-          </p:cNvPicPr>
-          <p:nvPr/>
-        </p:nvPicPr>
-        <p:blipFill>
           <a:blip r:embed="rId7"/>
           <a:stretch>
             <a:fillRect/>
           </a:stretch>
         </p:blipFill>
         <p:spPr>
-          <a:xfrm rot="10800000" flipH="1">
-            <a:off x="9841257" y="4031847"/>
-            <a:ext cx="854529" cy="308112"/>
+          <a:xfrm>
+            <a:off x="8716897" y="3849601"/>
+            <a:ext cx="1005746" cy="735748"/>
           </a:xfrm>
           <a:prstGeom prst="rect">
             <a:avLst/>
@@ -7282,7 +7861,7 @@
         </p:nvSpPr>
         <p:spPr>
           <a:xfrm>
-            <a:off x="8786078" y="5462143"/>
+            <a:off x="8716897" y="5644189"/>
             <a:ext cx="867383" cy="769441"/>
           </a:xfrm>
           <a:prstGeom prst="rect">
@@ -7306,66 +7885,6 @@
           </a:p>
         </p:txBody>
       </p:sp>
-      <p:pic>
-        <p:nvPicPr>
-          <p:cNvPr id="24" name="Picture 23">
-            <a:extLst>
-              <a:ext uri="{FF2B5EF4-FFF2-40B4-BE49-F238E27FC236}">
-                <a16:creationId xmlns:a16="http://schemas.microsoft.com/office/drawing/2014/main" id="{AE9F6B3D-4334-45C1-DC3A-EACDB100442C}"/>
-              </a:ext>
-            </a:extLst>
-          </p:cNvPr>
-          <p:cNvPicPr>
-            <a:picLocks noChangeAspect="1"/>
-          </p:cNvPicPr>
-          <p:nvPr/>
-        </p:nvPicPr>
-        <p:blipFill>
-          <a:blip r:embed="rId7"/>
-          <a:stretch>
-            <a:fillRect/>
-          </a:stretch>
-        </p:blipFill>
-        <p:spPr>
-          <a:xfrm rot="10800000" flipH="1">
-            <a:off x="7538516" y="4991654"/>
-            <a:ext cx="1059766" cy="308112"/>
-          </a:xfrm>
-          <a:prstGeom prst="rect">
-            <a:avLst/>
-          </a:prstGeom>
-        </p:spPr>
-      </p:pic>
-      <p:pic>
-        <p:nvPicPr>
-          <p:cNvPr id="26" name="Picture 25">
-            <a:extLst>
-              <a:ext uri="{FF2B5EF4-FFF2-40B4-BE49-F238E27FC236}">
-                <a16:creationId xmlns:a16="http://schemas.microsoft.com/office/drawing/2014/main" id="{B79D213F-AE7A-7D2E-A7F1-B04FB8295929}"/>
-              </a:ext>
-            </a:extLst>
-          </p:cNvPr>
-          <p:cNvPicPr>
-            <a:picLocks noChangeAspect="1"/>
-          </p:cNvPicPr>
-          <p:nvPr/>
-        </p:nvPicPr>
-        <p:blipFill>
-          <a:blip r:embed="rId7"/>
-          <a:stretch>
-            <a:fillRect/>
-          </a:stretch>
-        </p:blipFill>
-        <p:spPr>
-          <a:xfrm rot="12007936" flipH="1" flipV="1">
-            <a:off x="7517867" y="5635110"/>
-            <a:ext cx="1059766" cy="308112"/>
-          </a:xfrm>
-          <a:prstGeom prst="rect">
-            <a:avLst/>
-          </a:prstGeom>
-        </p:spPr>
-      </p:pic>
       <p:pic>
         <p:nvPicPr>
           <p:cNvPr id="27" name="Picture 26">
@@ -7381,14 +7900,14 @@
           <p:nvPr/>
         </p:nvPicPr>
         <p:blipFill>
-          <a:blip r:embed="rId9"/>
+          <a:blip r:embed="rId8"/>
           <a:stretch>
             <a:fillRect/>
           </a:stretch>
         </p:blipFill>
         <p:spPr>
           <a:xfrm>
-            <a:off x="8690656" y="4616596"/>
+            <a:off x="8690656" y="4648430"/>
             <a:ext cx="1058228" cy="1058228"/>
           </a:xfrm>
           <a:prstGeom prst="rect">
@@ -7410,7 +7929,7 @@
         </p:nvSpPr>
         <p:spPr>
           <a:xfrm>
-            <a:off x="10848186" y="3779465"/>
+            <a:off x="10884973" y="3843032"/>
             <a:ext cx="867383" cy="769441"/>
           </a:xfrm>
           <a:prstGeom prst="rect">
@@ -7533,6 +8052,166 @@
             <a:avLst/>
           </a:prstGeom>
           <a:ln w="57150">
+            <a:solidFill>
+              <a:schemeClr val="accent1">
+                <a:lumMod val="50000"/>
+              </a:schemeClr>
+            </a:solidFill>
+          </a:ln>
+        </p:spPr>
+        <p:style>
+          <a:lnRef idx="1">
+            <a:schemeClr val="accent1"/>
+          </a:lnRef>
+          <a:fillRef idx="0">
+            <a:schemeClr val="accent1"/>
+          </a:fillRef>
+          <a:effectRef idx="0">
+            <a:schemeClr val="accent1"/>
+          </a:effectRef>
+          <a:fontRef idx="minor">
+            <a:schemeClr val="tx1"/>
+          </a:fontRef>
+        </p:style>
+      </p:cxnSp>
+      <p:cxnSp>
+        <p:nvCxnSpPr>
+          <p:cNvPr id="9" name="Curved Connector 8"/>
+          <p:cNvCxnSpPr>
+            <a:stCxn id="19" idx="3"/>
+            <a:endCxn id="21" idx="1"/>
+          </p:cNvCxnSpPr>
+          <p:nvPr/>
+        </p:nvCxnSpPr>
+        <p:spPr>
+          <a:xfrm flipV="1">
+            <a:off x="7673720" y="4217475"/>
+            <a:ext cx="1043177" cy="957248"/>
+          </a:xfrm>
+          <a:prstGeom prst="curvedConnector3">
+            <a:avLst/>
+          </a:prstGeom>
+          <a:ln w="38100">
+            <a:solidFill>
+              <a:schemeClr val="accent1">
+                <a:lumMod val="50000"/>
+              </a:schemeClr>
+            </a:solidFill>
+          </a:ln>
+        </p:spPr>
+        <p:style>
+          <a:lnRef idx="1">
+            <a:schemeClr val="accent1"/>
+          </a:lnRef>
+          <a:fillRef idx="0">
+            <a:schemeClr val="accent1"/>
+          </a:fillRef>
+          <a:effectRef idx="0">
+            <a:schemeClr val="accent1"/>
+          </a:effectRef>
+          <a:fontRef idx="minor">
+            <a:schemeClr val="tx1"/>
+          </a:fontRef>
+        </p:style>
+      </p:cxnSp>
+      <p:cxnSp>
+        <p:nvCxnSpPr>
+          <p:cNvPr id="18" name="Straight Connector 17"/>
+          <p:cNvCxnSpPr>
+            <a:stCxn id="19" idx="3"/>
+            <a:endCxn id="27" idx="1"/>
+          </p:cNvCxnSpPr>
+          <p:nvPr/>
+        </p:nvCxnSpPr>
+        <p:spPr>
+          <a:xfrm>
+            <a:off x="7673720" y="5174723"/>
+            <a:ext cx="1016936" cy="2821"/>
+          </a:xfrm>
+          <a:prstGeom prst="line">
+            <a:avLst/>
+          </a:prstGeom>
+          <a:ln w="38100">
+            <a:solidFill>
+              <a:schemeClr val="accent1">
+                <a:lumMod val="50000"/>
+              </a:schemeClr>
+            </a:solidFill>
+          </a:ln>
+        </p:spPr>
+        <p:style>
+          <a:lnRef idx="1">
+            <a:schemeClr val="accent1"/>
+          </a:lnRef>
+          <a:fillRef idx="0">
+            <a:schemeClr val="accent1"/>
+          </a:fillRef>
+          <a:effectRef idx="0">
+            <a:schemeClr val="accent1"/>
+          </a:effectRef>
+          <a:fontRef idx="minor">
+            <a:schemeClr val="tx1"/>
+          </a:fontRef>
+        </p:style>
+      </p:cxnSp>
+      <p:cxnSp>
+        <p:nvCxnSpPr>
+          <p:cNvPr id="30" name="Curved Connector 29"/>
+          <p:cNvCxnSpPr>
+            <a:stCxn id="19" idx="3"/>
+            <a:endCxn id="23" idx="1"/>
+          </p:cNvCxnSpPr>
+          <p:nvPr/>
+        </p:nvCxnSpPr>
+        <p:spPr>
+          <a:xfrm>
+            <a:off x="7673720" y="5174723"/>
+            <a:ext cx="1043177" cy="854187"/>
+          </a:xfrm>
+          <a:prstGeom prst="curvedConnector3">
+            <a:avLst/>
+          </a:prstGeom>
+          <a:ln w="38100">
+            <a:solidFill>
+              <a:schemeClr val="accent1">
+                <a:lumMod val="50000"/>
+              </a:schemeClr>
+            </a:solidFill>
+          </a:ln>
+        </p:spPr>
+        <p:style>
+          <a:lnRef idx="1">
+            <a:schemeClr val="accent1"/>
+          </a:lnRef>
+          <a:fillRef idx="0">
+            <a:schemeClr val="accent1"/>
+          </a:fillRef>
+          <a:effectRef idx="0">
+            <a:schemeClr val="accent1"/>
+          </a:effectRef>
+          <a:fontRef idx="minor">
+            <a:schemeClr val="tx1"/>
+          </a:fontRef>
+        </p:style>
+      </p:cxnSp>
+      <p:cxnSp>
+        <p:nvCxnSpPr>
+          <p:cNvPr id="38" name="Straight Connector 37"/>
+          <p:cNvCxnSpPr>
+            <a:stCxn id="21" idx="3"/>
+            <a:endCxn id="28" idx="1"/>
+          </p:cNvCxnSpPr>
+          <p:nvPr/>
+        </p:nvCxnSpPr>
+        <p:spPr>
+          <a:xfrm>
+            <a:off x="9722643" y="4217475"/>
+            <a:ext cx="1162330" cy="10278"/>
+          </a:xfrm>
+          <a:prstGeom prst="line">
+            <a:avLst/>
+          </a:prstGeom>
+          <a:ln w="38100">
             <a:solidFill>
               <a:schemeClr val="accent1">
                 <a:lumMod val="50000"/>
@@ -7568,210 +8247,7 @@
   <p:timing>
     <p:tnLst>
       <p:par>
-        <p:cTn id="1" dur="indefinite" restart="never" nodeType="tmRoot">
-          <p:childTnLst>
-            <p:seq concurrent="1" nextAc="seek">
-              <p:cTn id="2" dur="indefinite" nodeType="mainSeq">
-                <p:childTnLst>
-                  <p:par>
-                    <p:cTn id="3" fill="hold">
-                      <p:stCondLst>
-                        <p:cond delay="indefinite"/>
-                      </p:stCondLst>
-                      <p:childTnLst>
-                        <p:par>
-                          <p:cTn id="4" fill="hold">
-                            <p:stCondLst>
-                              <p:cond delay="0"/>
-                            </p:stCondLst>
-                            <p:childTnLst>
-                              <p:par>
-                                <p:cTn id="5" presetID="1" presetClass="entr" presetSubtype="0" fill="hold" nodeType="clickEffect">
-                                  <p:stCondLst>
-                                    <p:cond delay="0"/>
-                                  </p:stCondLst>
-                                  <p:childTnLst>
-                                    <p:set>
-                                      <p:cBhvr>
-                                        <p:cTn id="6" dur="1" fill="hold">
-                                          <p:stCondLst>
-                                            <p:cond delay="0"/>
-                                          </p:stCondLst>
-                                        </p:cTn>
-                                        <p:tgtEl>
-                                          <p:spTgt spid="20"/>
-                                        </p:tgtEl>
-                                        <p:attrNameLst>
-                                          <p:attrName>style.visibility</p:attrName>
-                                        </p:attrNameLst>
-                                      </p:cBhvr>
-                                      <p:to>
-                                        <p:strVal val="visible"/>
-                                      </p:to>
-                                    </p:set>
-                                  </p:childTnLst>
-                                </p:cTn>
-                              </p:par>
-                            </p:childTnLst>
-                          </p:cTn>
-                        </p:par>
-                      </p:childTnLst>
-                    </p:cTn>
-                  </p:par>
-                  <p:par>
-                    <p:cTn id="7" fill="hold">
-                      <p:stCondLst>
-                        <p:cond delay="indefinite"/>
-                      </p:stCondLst>
-                      <p:childTnLst>
-                        <p:par>
-                          <p:cTn id="8" fill="hold">
-                            <p:stCondLst>
-                              <p:cond delay="0"/>
-                            </p:stCondLst>
-                            <p:childTnLst>
-                              <p:par>
-                                <p:cTn id="9" presetID="1" presetClass="entr" presetSubtype="0" fill="hold" nodeType="clickEffect">
-                                  <p:stCondLst>
-                                    <p:cond delay="0"/>
-                                  </p:stCondLst>
-                                  <p:childTnLst>
-                                    <p:set>
-                                      <p:cBhvr>
-                                        <p:cTn id="10" dur="1" fill="hold">
-                                          <p:stCondLst>
-                                            <p:cond delay="0"/>
-                                          </p:stCondLst>
-                                        </p:cTn>
-                                        <p:tgtEl>
-                                          <p:spTgt spid="22"/>
-                                        </p:tgtEl>
-                                        <p:attrNameLst>
-                                          <p:attrName>style.visibility</p:attrName>
-                                        </p:attrNameLst>
-                                      </p:cBhvr>
-                                      <p:to>
-                                        <p:strVal val="visible"/>
-                                      </p:to>
-                                    </p:set>
-                                  </p:childTnLst>
-                                </p:cTn>
-                              </p:par>
-                            </p:childTnLst>
-                          </p:cTn>
-                        </p:par>
-                      </p:childTnLst>
-                    </p:cTn>
-                  </p:par>
-                  <p:par>
-                    <p:cTn id="11" fill="hold">
-                      <p:stCondLst>
-                        <p:cond delay="indefinite"/>
-                      </p:stCondLst>
-                      <p:childTnLst>
-                        <p:par>
-                          <p:cTn id="12" fill="hold">
-                            <p:stCondLst>
-                              <p:cond delay="0"/>
-                            </p:stCondLst>
-                            <p:childTnLst>
-                              <p:par>
-                                <p:cTn id="13" presetID="1" presetClass="entr" presetSubtype="0" fill="hold" nodeType="clickEffect">
-                                  <p:stCondLst>
-                                    <p:cond delay="0"/>
-                                  </p:stCondLst>
-                                  <p:childTnLst>
-                                    <p:set>
-                                      <p:cBhvr>
-                                        <p:cTn id="14" dur="1" fill="hold">
-                                          <p:stCondLst>
-                                            <p:cond delay="0"/>
-                                          </p:stCondLst>
-                                        </p:cTn>
-                                        <p:tgtEl>
-                                          <p:spTgt spid="24"/>
-                                        </p:tgtEl>
-                                        <p:attrNameLst>
-                                          <p:attrName>style.visibility</p:attrName>
-                                        </p:attrNameLst>
-                                      </p:cBhvr>
-                                      <p:to>
-                                        <p:strVal val="visible"/>
-                                      </p:to>
-                                    </p:set>
-                                  </p:childTnLst>
-                                </p:cTn>
-                              </p:par>
-                            </p:childTnLst>
-                          </p:cTn>
-                        </p:par>
-                      </p:childTnLst>
-                    </p:cTn>
-                  </p:par>
-                  <p:par>
-                    <p:cTn id="15" fill="hold">
-                      <p:stCondLst>
-                        <p:cond delay="indefinite"/>
-                      </p:stCondLst>
-                      <p:childTnLst>
-                        <p:par>
-                          <p:cTn id="16" fill="hold">
-                            <p:stCondLst>
-                              <p:cond delay="0"/>
-                            </p:stCondLst>
-                            <p:childTnLst>
-                              <p:par>
-                                <p:cTn id="17" presetID="1" presetClass="entr" presetSubtype="0" fill="hold" nodeType="clickEffect">
-                                  <p:stCondLst>
-                                    <p:cond delay="0"/>
-                                  </p:stCondLst>
-                                  <p:childTnLst>
-                                    <p:set>
-                                      <p:cBhvr>
-                                        <p:cTn id="18" dur="1" fill="hold">
-                                          <p:stCondLst>
-                                            <p:cond delay="0"/>
-                                          </p:stCondLst>
-                                        </p:cTn>
-                                        <p:tgtEl>
-                                          <p:spTgt spid="26"/>
-                                        </p:tgtEl>
-                                        <p:attrNameLst>
-                                          <p:attrName>style.visibility</p:attrName>
-                                        </p:attrNameLst>
-                                      </p:cBhvr>
-                                      <p:to>
-                                        <p:strVal val="visible"/>
-                                      </p:to>
-                                    </p:set>
-                                  </p:childTnLst>
-                                </p:cTn>
-                              </p:par>
-                            </p:childTnLst>
-                          </p:cTn>
-                        </p:par>
-                      </p:childTnLst>
-                    </p:cTn>
-                  </p:par>
-                </p:childTnLst>
-              </p:cTn>
-              <p:prevCondLst>
-                <p:cond evt="onPrev" delay="0">
-                  <p:tgtEl>
-                    <p:sldTgt/>
-                  </p:tgtEl>
-                </p:cond>
-              </p:prevCondLst>
-              <p:nextCondLst>
-                <p:cond evt="onNext" delay="0">
-                  <p:tgtEl>
-                    <p:sldTgt/>
-                  </p:tgtEl>
-                </p:cond>
-              </p:nextCondLst>
-            </p:seq>
-          </p:childTnLst>
-        </p:cTn>
+        <p:cTn id="1" dur="indefinite" restart="never" nodeType="tmRoot"/>
       </p:par>
     </p:tnLst>
   </p:timing>
@@ -8508,6 +8984,1294 @@
           </a:fontRef>
         </p:style>
       </p:cxnSp>
+      <p:grpSp>
+        <p:nvGrpSpPr>
+          <p:cNvPr id="27" name="Group 26"/>
+          <p:cNvGrpSpPr/>
+          <p:nvPr/>
+        </p:nvGrpSpPr>
+        <p:grpSpPr>
+          <a:xfrm>
+            <a:off x="8102627" y="1375492"/>
+            <a:ext cx="1269461" cy="1562459"/>
+            <a:chOff x="6691613" y="1494327"/>
+            <a:chExt cx="1269461" cy="1562459"/>
+          </a:xfrm>
+        </p:grpSpPr>
+        <p:pic>
+          <p:nvPicPr>
+            <p:cNvPr id="28" name="Picture 27">
+              <a:extLst>
+                <a:ext uri="{FF2B5EF4-FFF2-40B4-BE49-F238E27FC236}">
+                  <a16:creationId xmlns:a16="http://schemas.microsoft.com/office/drawing/2014/main" id="{E3491331-5420-4D91-B017-712E5A6C1573}"/>
+                </a:ext>
+              </a:extLst>
+            </p:cNvPr>
+            <p:cNvPicPr>
+              <a:picLocks noChangeAspect="1"/>
+            </p:cNvPicPr>
+            <p:nvPr/>
+          </p:nvPicPr>
+          <p:blipFill>
+            <a:blip r:embed="rId5">
+              <a:extLst>
+                <a:ext uri="{28A0092B-C50C-407E-A947-70E740481C1C}">
+                  <a14:useLocalDpi xmlns:a14="http://schemas.microsoft.com/office/drawing/2010/main" val="0"/>
+                </a:ext>
+              </a:extLst>
+            </a:blip>
+            <a:stretch>
+              <a:fillRect/>
+            </a:stretch>
+          </p:blipFill>
+          <p:spPr>
+            <a:xfrm>
+              <a:off x="6748808" y="1494327"/>
+              <a:ext cx="1164942" cy="1562459"/>
+            </a:xfrm>
+            <a:prstGeom prst="rect">
+              <a:avLst/>
+            </a:prstGeom>
+          </p:spPr>
+        </p:pic>
+        <p:sp>
+          <p:nvSpPr>
+            <p:cNvPr id="30" name="TextBox 29">
+              <a:extLst>
+                <a:ext uri="{FF2B5EF4-FFF2-40B4-BE49-F238E27FC236}">
+                  <a16:creationId xmlns:a16="http://schemas.microsoft.com/office/drawing/2014/main" id="{6C0A6251-3A3B-06AD-FFB2-18AD25A5A38C}"/>
+                </a:ext>
+              </a:extLst>
+            </p:cNvPr>
+            <p:cNvSpPr txBox="1"/>
+            <p:nvPr/>
+          </p:nvSpPr>
+          <p:spPr>
+            <a:xfrm>
+              <a:off x="6691613" y="2156168"/>
+              <a:ext cx="1269461" cy="830997"/>
+            </a:xfrm>
+            <a:prstGeom prst="rect">
+              <a:avLst/>
+            </a:prstGeom>
+            <a:noFill/>
+          </p:spPr>
+          <p:txBody>
+            <a:bodyPr wrap="square" rtlCol="0">
+              <a:spAutoFit/>
+            </a:bodyPr>
+            <a:lstStyle/>
+            <a:p>
+              <a:pPr algn="ctr"/>
+              <a:r>
+                <a:rPr lang="ru-RU" sz="1600" dirty="0" smtClean="0">
+                  <a:latin typeface="Century Gothic" panose="020B0502020202020204" pitchFamily="34" charset="0"/>
+                </a:rPr>
+                <a:t>Модуль </a:t>
+              </a:r>
+            </a:p>
+            <a:p>
+              <a:pPr algn="ctr"/>
+              <a:r>
+                <a:rPr lang="ru-RU" sz="1600" dirty="0">
+                  <a:latin typeface="Century Gothic" panose="020B0502020202020204" pitchFamily="34" charset="0"/>
+                </a:rPr>
+                <a:t>н</a:t>
+              </a:r>
+              <a:r>
+                <a:rPr lang="ru-RU" sz="1600" dirty="0" smtClean="0">
+                  <a:latin typeface="Century Gothic" panose="020B0502020202020204" pitchFamily="34" charset="0"/>
+                </a:rPr>
+                <a:t>астроек </a:t>
+              </a:r>
+              <a:r>
+                <a:rPr lang="ru-RU" sz="1600" dirty="0">
+                  <a:latin typeface="Century Gothic" panose="020B0502020202020204" pitchFamily="34" charset="0"/>
+                </a:rPr>
+                <a:t>2</a:t>
+              </a:r>
+              <a:endParaRPr lang="en-US" sz="1600" dirty="0">
+                <a:latin typeface="Century Gothic" panose="020B0502020202020204" pitchFamily="34" charset="0"/>
+              </a:endParaRPr>
+            </a:p>
+          </p:txBody>
+        </p:sp>
+      </p:grpSp>
+      <p:grpSp>
+        <p:nvGrpSpPr>
+          <p:cNvPr id="31" name="Group 30"/>
+          <p:cNvGrpSpPr/>
+          <p:nvPr/>
+        </p:nvGrpSpPr>
+        <p:grpSpPr>
+          <a:xfrm>
+            <a:off x="10258120" y="1375492"/>
+            <a:ext cx="1269461" cy="1562459"/>
+            <a:chOff x="6691613" y="1494327"/>
+            <a:chExt cx="1269461" cy="1562459"/>
+          </a:xfrm>
+        </p:grpSpPr>
+        <p:pic>
+          <p:nvPicPr>
+            <p:cNvPr id="32" name="Picture 31">
+              <a:extLst>
+                <a:ext uri="{FF2B5EF4-FFF2-40B4-BE49-F238E27FC236}">
+                  <a16:creationId xmlns:a16="http://schemas.microsoft.com/office/drawing/2014/main" id="{E3491331-5420-4D91-B017-712E5A6C1573}"/>
+                </a:ext>
+              </a:extLst>
+            </p:cNvPr>
+            <p:cNvPicPr>
+              <a:picLocks noChangeAspect="1"/>
+            </p:cNvPicPr>
+            <p:nvPr/>
+          </p:nvPicPr>
+          <p:blipFill>
+            <a:blip r:embed="rId5">
+              <a:extLst>
+                <a:ext uri="{28A0092B-C50C-407E-A947-70E740481C1C}">
+                  <a14:useLocalDpi xmlns:a14="http://schemas.microsoft.com/office/drawing/2010/main" val="0"/>
+                </a:ext>
+              </a:extLst>
+            </a:blip>
+            <a:stretch>
+              <a:fillRect/>
+            </a:stretch>
+          </p:blipFill>
+          <p:spPr>
+            <a:xfrm>
+              <a:off x="6748808" y="1494327"/>
+              <a:ext cx="1164942" cy="1562459"/>
+            </a:xfrm>
+            <a:prstGeom prst="rect">
+              <a:avLst/>
+            </a:prstGeom>
+          </p:spPr>
+        </p:pic>
+        <p:sp>
+          <p:nvSpPr>
+            <p:cNvPr id="34" name="TextBox 33">
+              <a:extLst>
+                <a:ext uri="{FF2B5EF4-FFF2-40B4-BE49-F238E27FC236}">
+                  <a16:creationId xmlns:a16="http://schemas.microsoft.com/office/drawing/2014/main" id="{6C0A6251-3A3B-06AD-FFB2-18AD25A5A38C}"/>
+                </a:ext>
+              </a:extLst>
+            </p:cNvPr>
+            <p:cNvSpPr txBox="1"/>
+            <p:nvPr/>
+          </p:nvSpPr>
+          <p:spPr>
+            <a:xfrm>
+              <a:off x="6691613" y="2156168"/>
+              <a:ext cx="1269461" cy="830997"/>
+            </a:xfrm>
+            <a:prstGeom prst="rect">
+              <a:avLst/>
+            </a:prstGeom>
+            <a:noFill/>
+          </p:spPr>
+          <p:txBody>
+            <a:bodyPr wrap="square" rtlCol="0">
+              <a:spAutoFit/>
+            </a:bodyPr>
+            <a:lstStyle/>
+            <a:p>
+              <a:pPr algn="ctr"/>
+              <a:r>
+                <a:rPr lang="ru-RU" sz="1600" dirty="0" smtClean="0">
+                  <a:latin typeface="Century Gothic" panose="020B0502020202020204" pitchFamily="34" charset="0"/>
+                </a:rPr>
+                <a:t>Модуль </a:t>
+              </a:r>
+            </a:p>
+            <a:p>
+              <a:pPr algn="ctr"/>
+              <a:r>
+                <a:rPr lang="ru-RU" sz="1600" dirty="0">
+                  <a:latin typeface="Century Gothic" panose="020B0502020202020204" pitchFamily="34" charset="0"/>
+                </a:rPr>
+                <a:t>н</a:t>
+              </a:r>
+              <a:r>
+                <a:rPr lang="ru-RU" sz="1600" dirty="0" smtClean="0">
+                  <a:latin typeface="Century Gothic" panose="020B0502020202020204" pitchFamily="34" charset="0"/>
+                </a:rPr>
+                <a:t>астроек </a:t>
+              </a:r>
+              <a:r>
+                <a:rPr lang="en-US" sz="1600" dirty="0" smtClean="0">
+                  <a:latin typeface="Century Gothic" panose="020B0502020202020204" pitchFamily="34" charset="0"/>
+                </a:rPr>
+                <a:t>n</a:t>
+              </a:r>
+              <a:endParaRPr lang="en-US" sz="1600" dirty="0">
+                <a:latin typeface="Century Gothic" panose="020B0502020202020204" pitchFamily="34" charset="0"/>
+              </a:endParaRPr>
+            </a:p>
+          </p:txBody>
+        </p:sp>
+      </p:grpSp>
+      <p:sp>
+        <p:nvSpPr>
+          <p:cNvPr id="35" name="Rectangle 34"/>
+          <p:cNvSpPr/>
+          <p:nvPr/>
+        </p:nvSpPr>
+        <p:spPr>
+          <a:xfrm>
+            <a:off x="9481454" y="1885269"/>
+            <a:ext cx="612668" cy="707886"/>
+          </a:xfrm>
+          <a:prstGeom prst="rect">
+            <a:avLst/>
+          </a:prstGeom>
+        </p:spPr>
+        <p:txBody>
+          <a:bodyPr wrap="none">
+            <a:spAutoFit/>
+          </a:bodyPr>
+          <a:lstStyle/>
+          <a:p>
+            <a:r>
+              <a:rPr lang="ru-RU" sz="4000" dirty="0">
+                <a:latin typeface="Century Gothic" panose="020B0502020202020204" pitchFamily="34" charset="0"/>
+              </a:rPr>
+              <a:t>...</a:t>
+            </a:r>
+          </a:p>
+        </p:txBody>
+      </p:sp>
+      <p:pic>
+        <p:nvPicPr>
+          <p:cNvPr id="36" name="Picture 35">
+            <a:extLst>
+              <a:ext uri="{FF2B5EF4-FFF2-40B4-BE49-F238E27FC236}">
+                <a16:creationId xmlns:a16="http://schemas.microsoft.com/office/drawing/2014/main" id="{F4C83E37-90D7-C377-6624-E555648A8E0C}"/>
+              </a:ext>
+            </a:extLst>
+          </p:cNvPr>
+          <p:cNvPicPr>
+            <a:picLocks noChangeAspect="1"/>
+          </p:cNvPicPr>
+          <p:nvPr/>
+        </p:nvPicPr>
+        <p:blipFill>
+          <a:blip r:embed="rId6"/>
+          <a:stretch>
+            <a:fillRect/>
+          </a:stretch>
+        </p:blipFill>
+        <p:spPr>
+          <a:xfrm rot="8321284" flipH="1">
+            <a:off x="6365630" y="3147921"/>
+            <a:ext cx="714428" cy="207710"/>
+          </a:xfrm>
+          <a:prstGeom prst="rect">
+            <a:avLst/>
+          </a:prstGeom>
+        </p:spPr>
+      </p:pic>
+      <p:pic>
+        <p:nvPicPr>
+          <p:cNvPr id="37" name="Picture 36">
+            <a:extLst>
+              <a:ext uri="{FF2B5EF4-FFF2-40B4-BE49-F238E27FC236}">
+                <a16:creationId xmlns:a16="http://schemas.microsoft.com/office/drawing/2014/main" id="{E0F9B1DF-C0D3-5F68-7E9B-BF5685B16513}"/>
+              </a:ext>
+            </a:extLst>
+          </p:cNvPr>
+          <p:cNvPicPr>
+            <a:picLocks noChangeAspect="1"/>
+          </p:cNvPicPr>
+          <p:nvPr/>
+        </p:nvPicPr>
+        <p:blipFill>
+          <a:blip r:embed="rId5" cstate="print">
+            <a:extLst>
+              <a:ext uri="{28A0092B-C50C-407E-A947-70E740481C1C}">
+                <a14:useLocalDpi xmlns:a14="http://schemas.microsoft.com/office/drawing/2010/main" val="0"/>
+              </a:ext>
+            </a:extLst>
+          </a:blip>
+          <a:stretch>
+            <a:fillRect/>
+          </a:stretch>
+        </p:blipFill>
+        <p:spPr>
+          <a:xfrm>
+            <a:off x="8102627" y="3547051"/>
+            <a:ext cx="645992" cy="866426"/>
+          </a:xfrm>
+          <a:prstGeom prst="rect">
+            <a:avLst/>
+          </a:prstGeom>
+        </p:spPr>
+      </p:pic>
+      <p:pic>
+        <p:nvPicPr>
+          <p:cNvPr id="38" name="Picture 37">
+            <a:extLst>
+              <a:ext uri="{FF2B5EF4-FFF2-40B4-BE49-F238E27FC236}">
+                <a16:creationId xmlns:a16="http://schemas.microsoft.com/office/drawing/2014/main" id="{496E22DE-4516-4074-B8C8-B7A50F6B2AED}"/>
+              </a:ext>
+            </a:extLst>
+          </p:cNvPr>
+          <p:cNvPicPr>
+            <a:picLocks noChangeAspect="1"/>
+          </p:cNvPicPr>
+          <p:nvPr/>
+        </p:nvPicPr>
+        <p:blipFill>
+          <a:blip r:embed="rId7">
+            <a:extLst>
+              <a:ext uri="{28A0092B-C50C-407E-A947-70E740481C1C}">
+                <a14:useLocalDpi xmlns:a14="http://schemas.microsoft.com/office/drawing/2010/main" val="0"/>
+              </a:ext>
+            </a:extLst>
+          </a:blip>
+          <a:stretch>
+            <a:fillRect/>
+          </a:stretch>
+        </p:blipFill>
+        <p:spPr>
+          <a:xfrm>
+            <a:off x="9094186" y="3596668"/>
+            <a:ext cx="999936" cy="767192"/>
+          </a:xfrm>
+          <a:prstGeom prst="rect">
+            <a:avLst/>
+          </a:prstGeom>
+        </p:spPr>
+      </p:pic>
+      <p:pic>
+        <p:nvPicPr>
+          <p:cNvPr id="39" name="Picture 38">
+            <a:extLst>
+              <a:ext uri="{FF2B5EF4-FFF2-40B4-BE49-F238E27FC236}">
+                <a16:creationId xmlns:a16="http://schemas.microsoft.com/office/drawing/2014/main" id="{F4C83E37-90D7-C377-6624-E555648A8E0C}"/>
+              </a:ext>
+            </a:extLst>
+          </p:cNvPr>
+          <p:cNvPicPr>
+            <a:picLocks noChangeAspect="1"/>
+          </p:cNvPicPr>
+          <p:nvPr/>
+        </p:nvPicPr>
+        <p:blipFill>
+          <a:blip r:embed="rId6"/>
+          <a:stretch>
+            <a:fillRect/>
+          </a:stretch>
+        </p:blipFill>
+        <p:spPr>
+          <a:xfrm rot="12473654" flipH="1">
+            <a:off x="7084322" y="3080839"/>
+            <a:ext cx="714428" cy="207710"/>
+          </a:xfrm>
+          <a:prstGeom prst="rect">
+            <a:avLst/>
+          </a:prstGeom>
+        </p:spPr>
+      </p:pic>
+      <p:pic>
+        <p:nvPicPr>
+          <p:cNvPr id="40" name="Picture 39">
+            <a:extLst>
+              <a:ext uri="{FF2B5EF4-FFF2-40B4-BE49-F238E27FC236}">
+                <a16:creationId xmlns:a16="http://schemas.microsoft.com/office/drawing/2014/main" id="{F4C83E37-90D7-C377-6624-E555648A8E0C}"/>
+              </a:ext>
+            </a:extLst>
+          </p:cNvPr>
+          <p:cNvPicPr>
+            <a:picLocks noChangeAspect="1"/>
+          </p:cNvPicPr>
+          <p:nvPr/>
+        </p:nvPicPr>
+        <p:blipFill>
+          <a:blip r:embed="rId6"/>
+          <a:stretch>
+            <a:fillRect/>
+          </a:stretch>
+        </p:blipFill>
+        <p:spPr>
+          <a:xfrm rot="16200000" flipH="1">
+            <a:off x="8562934" y="3052384"/>
+            <a:ext cx="371370" cy="192756"/>
+          </a:xfrm>
+          <a:prstGeom prst="rect">
+            <a:avLst/>
+          </a:prstGeom>
+        </p:spPr>
+      </p:pic>
+      <p:pic>
+        <p:nvPicPr>
+          <p:cNvPr id="42" name="Picture 41">
+            <a:extLst>
+              <a:ext uri="{FF2B5EF4-FFF2-40B4-BE49-F238E27FC236}">
+                <a16:creationId xmlns:a16="http://schemas.microsoft.com/office/drawing/2014/main" id="{F4C83E37-90D7-C377-6624-E555648A8E0C}"/>
+              </a:ext>
+            </a:extLst>
+          </p:cNvPr>
+          <p:cNvPicPr>
+            <a:picLocks noChangeAspect="1"/>
+          </p:cNvPicPr>
+          <p:nvPr/>
+        </p:nvPicPr>
+        <p:blipFill>
+          <a:blip r:embed="rId6"/>
+          <a:stretch>
+            <a:fillRect/>
+          </a:stretch>
+        </p:blipFill>
+        <p:spPr>
+          <a:xfrm rot="8825511">
+            <a:off x="10423975" y="3089099"/>
+            <a:ext cx="714428" cy="207710"/>
+          </a:xfrm>
+          <a:prstGeom prst="rect">
+            <a:avLst/>
+          </a:prstGeom>
+        </p:spPr>
+      </p:pic>
+      <p:sp>
+        <p:nvSpPr>
+          <p:cNvPr id="43" name="Rectangle 42">
+            <a:extLst>
+              <a:ext uri="{FF2B5EF4-FFF2-40B4-BE49-F238E27FC236}">
+                <a16:creationId xmlns:a16="http://schemas.microsoft.com/office/drawing/2014/main" id="{A922DFC1-2A46-794C-69A1-1717CEF2A71D}"/>
+              </a:ext>
+            </a:extLst>
+          </p:cNvPr>
+          <p:cNvSpPr/>
+          <p:nvPr/>
+        </p:nvSpPr>
+        <p:spPr>
+          <a:xfrm>
+            <a:off x="7838761" y="3407593"/>
+            <a:ext cx="2387406" cy="1195824"/>
+          </a:xfrm>
+          <a:prstGeom prst="rect">
+            <a:avLst/>
+          </a:prstGeom>
+          <a:noFill/>
+          <a:ln w="76200">
+            <a:solidFill>
+              <a:schemeClr val="accent1">
+                <a:lumMod val="50000"/>
+              </a:schemeClr>
+            </a:solidFill>
+          </a:ln>
+        </p:spPr>
+        <p:style>
+          <a:lnRef idx="2">
+            <a:schemeClr val="accent6"/>
+          </a:lnRef>
+          <a:fillRef idx="1">
+            <a:schemeClr val="lt1"/>
+          </a:fillRef>
+          <a:effectRef idx="0">
+            <a:schemeClr val="accent6"/>
+          </a:effectRef>
+          <a:fontRef idx="minor">
+            <a:schemeClr val="dk1"/>
+          </a:fontRef>
+        </p:style>
+        <p:txBody>
+          <a:bodyPr rtlCol="0" anchor="ctr"/>
+          <a:lstStyle/>
+          <a:p>
+            <a:pPr algn="ctr"/>
+            <a:endParaRPr lang="en-US"/>
+          </a:p>
+        </p:txBody>
+      </p:sp>
+      <p:grpSp>
+        <p:nvGrpSpPr>
+          <p:cNvPr id="44" name="Group 43"/>
+          <p:cNvGrpSpPr/>
+          <p:nvPr/>
+        </p:nvGrpSpPr>
+        <p:grpSpPr>
+          <a:xfrm>
+            <a:off x="6673819" y="4979390"/>
+            <a:ext cx="1265206" cy="1562459"/>
+            <a:chOff x="6698461" y="1494327"/>
+            <a:chExt cx="1265206" cy="1562459"/>
+          </a:xfrm>
+        </p:grpSpPr>
+        <p:pic>
+          <p:nvPicPr>
+            <p:cNvPr id="45" name="Picture 44">
+              <a:extLst>
+                <a:ext uri="{FF2B5EF4-FFF2-40B4-BE49-F238E27FC236}">
+                  <a16:creationId xmlns:a16="http://schemas.microsoft.com/office/drawing/2014/main" id="{E3491331-5420-4D91-B017-712E5A6C1573}"/>
+                </a:ext>
+              </a:extLst>
+            </p:cNvPr>
+            <p:cNvPicPr>
+              <a:picLocks noChangeAspect="1"/>
+            </p:cNvPicPr>
+            <p:nvPr/>
+          </p:nvPicPr>
+          <p:blipFill>
+            <a:blip r:embed="rId5">
+              <a:extLst>
+                <a:ext uri="{28A0092B-C50C-407E-A947-70E740481C1C}">
+                  <a14:useLocalDpi xmlns:a14="http://schemas.microsoft.com/office/drawing/2010/main" val="0"/>
+                </a:ext>
+              </a:extLst>
+            </a:blip>
+            <a:stretch>
+              <a:fillRect/>
+            </a:stretch>
+          </p:blipFill>
+          <p:spPr>
+            <a:xfrm>
+              <a:off x="6748808" y="1494327"/>
+              <a:ext cx="1164942" cy="1562459"/>
+            </a:xfrm>
+            <a:prstGeom prst="rect">
+              <a:avLst/>
+            </a:prstGeom>
+          </p:spPr>
+        </p:pic>
+        <p:pic>
+          <p:nvPicPr>
+            <p:cNvPr id="46" name="Picture 45">
+              <a:extLst>
+                <a:ext uri="{FF2B5EF4-FFF2-40B4-BE49-F238E27FC236}">
+                  <a16:creationId xmlns:a16="http://schemas.microsoft.com/office/drawing/2014/main" id="{0E20CE0C-66E3-073B-E6D6-DD7E83255D76}"/>
+                </a:ext>
+              </a:extLst>
+            </p:cNvPr>
+            <p:cNvPicPr>
+              <a:picLocks noChangeAspect="1"/>
+            </p:cNvPicPr>
+            <p:nvPr/>
+          </p:nvPicPr>
+          <p:blipFill>
+            <a:blip r:embed="rId8" cstate="print">
+              <a:extLst>
+                <a:ext uri="{28A0092B-C50C-407E-A947-70E740481C1C}">
+                  <a14:useLocalDpi xmlns:a14="http://schemas.microsoft.com/office/drawing/2010/main" val="0"/>
+                </a:ext>
+              </a:extLst>
+            </a:blip>
+            <a:stretch>
+              <a:fillRect/>
+            </a:stretch>
+          </p:blipFill>
+          <p:spPr>
+            <a:xfrm>
+              <a:off x="6905284" y="1619902"/>
+              <a:ext cx="851560" cy="620342"/>
+            </a:xfrm>
+            <a:prstGeom prst="rect">
+              <a:avLst/>
+            </a:prstGeom>
+          </p:spPr>
+        </p:pic>
+        <p:sp>
+          <p:nvSpPr>
+            <p:cNvPr id="47" name="TextBox 46">
+              <a:extLst>
+                <a:ext uri="{FF2B5EF4-FFF2-40B4-BE49-F238E27FC236}">
+                  <a16:creationId xmlns:a16="http://schemas.microsoft.com/office/drawing/2014/main" id="{6C0A6251-3A3B-06AD-FFB2-18AD25A5A38C}"/>
+                </a:ext>
+              </a:extLst>
+            </p:cNvPr>
+            <p:cNvSpPr txBox="1"/>
+            <p:nvPr/>
+          </p:nvSpPr>
+          <p:spPr>
+            <a:xfrm>
+              <a:off x="6698461" y="2239568"/>
+              <a:ext cx="1265206" cy="738664"/>
+            </a:xfrm>
+            <a:prstGeom prst="rect">
+              <a:avLst/>
+            </a:prstGeom>
+            <a:noFill/>
+          </p:spPr>
+          <p:txBody>
+            <a:bodyPr wrap="square" rtlCol="0">
+              <a:spAutoFit/>
+            </a:bodyPr>
+            <a:lstStyle/>
+            <a:p>
+              <a:pPr algn="ctr"/>
+              <a:r>
+                <a:rPr lang="ru-RU" sz="1400" dirty="0" smtClean="0">
+                  <a:latin typeface="Century Gothic" panose="020B0502020202020204" pitchFamily="34" charset="0"/>
+                </a:rPr>
+                <a:t>Модуль </a:t>
+              </a:r>
+            </a:p>
+            <a:p>
+              <a:pPr algn="ctr"/>
+              <a:r>
+                <a:rPr lang="ru-RU" sz="1400" dirty="0">
+                  <a:latin typeface="Century Gothic" panose="020B0502020202020204" pitchFamily="34" charset="0"/>
+                </a:rPr>
+                <a:t>о</a:t>
+              </a:r>
+              <a:r>
+                <a:rPr lang="ru-RU" sz="1400" dirty="0" smtClean="0">
+                  <a:latin typeface="Century Gothic" panose="020B0502020202020204" pitchFamily="34" charset="0"/>
+                </a:rPr>
+                <a:t>бработки </a:t>
+              </a:r>
+              <a:r>
+                <a:rPr lang="ru-RU" sz="1400" dirty="0" smtClean="0">
+                  <a:latin typeface="Century Gothic" panose="020B0502020202020204" pitchFamily="34" charset="0"/>
+                </a:rPr>
+                <a:t>1</a:t>
+              </a:r>
+              <a:endParaRPr lang="en-US" sz="1400" dirty="0">
+                <a:latin typeface="Century Gothic" panose="020B0502020202020204" pitchFamily="34" charset="0"/>
+              </a:endParaRPr>
+            </a:p>
+          </p:txBody>
+        </p:sp>
+      </p:grpSp>
+      <p:grpSp>
+        <p:nvGrpSpPr>
+          <p:cNvPr id="48" name="Group 47"/>
+          <p:cNvGrpSpPr/>
+          <p:nvPr/>
+        </p:nvGrpSpPr>
+        <p:grpSpPr>
+          <a:xfrm>
+            <a:off x="8157125" y="4979390"/>
+            <a:ext cx="1265206" cy="1562459"/>
+            <a:chOff x="6698461" y="1494327"/>
+            <a:chExt cx="1265206" cy="1562459"/>
+          </a:xfrm>
+        </p:grpSpPr>
+        <p:pic>
+          <p:nvPicPr>
+            <p:cNvPr id="49" name="Picture 48">
+              <a:extLst>
+                <a:ext uri="{FF2B5EF4-FFF2-40B4-BE49-F238E27FC236}">
+                  <a16:creationId xmlns:a16="http://schemas.microsoft.com/office/drawing/2014/main" id="{E3491331-5420-4D91-B017-712E5A6C1573}"/>
+                </a:ext>
+              </a:extLst>
+            </p:cNvPr>
+            <p:cNvPicPr>
+              <a:picLocks noChangeAspect="1"/>
+            </p:cNvPicPr>
+            <p:nvPr/>
+          </p:nvPicPr>
+          <p:blipFill>
+            <a:blip r:embed="rId5">
+              <a:extLst>
+                <a:ext uri="{28A0092B-C50C-407E-A947-70E740481C1C}">
+                  <a14:useLocalDpi xmlns:a14="http://schemas.microsoft.com/office/drawing/2010/main" val="0"/>
+                </a:ext>
+              </a:extLst>
+            </a:blip>
+            <a:stretch>
+              <a:fillRect/>
+            </a:stretch>
+          </p:blipFill>
+          <p:spPr>
+            <a:xfrm>
+              <a:off x="6748808" y="1494327"/>
+              <a:ext cx="1164942" cy="1562459"/>
+            </a:xfrm>
+            <a:prstGeom prst="rect">
+              <a:avLst/>
+            </a:prstGeom>
+          </p:spPr>
+        </p:pic>
+        <p:pic>
+          <p:nvPicPr>
+            <p:cNvPr id="50" name="Picture 49">
+              <a:extLst>
+                <a:ext uri="{FF2B5EF4-FFF2-40B4-BE49-F238E27FC236}">
+                  <a16:creationId xmlns:a16="http://schemas.microsoft.com/office/drawing/2014/main" id="{0E20CE0C-66E3-073B-E6D6-DD7E83255D76}"/>
+                </a:ext>
+              </a:extLst>
+            </p:cNvPr>
+            <p:cNvPicPr>
+              <a:picLocks noChangeAspect="1"/>
+            </p:cNvPicPr>
+            <p:nvPr/>
+          </p:nvPicPr>
+          <p:blipFill>
+            <a:blip r:embed="rId8" cstate="print">
+              <a:extLst>
+                <a:ext uri="{28A0092B-C50C-407E-A947-70E740481C1C}">
+                  <a14:useLocalDpi xmlns:a14="http://schemas.microsoft.com/office/drawing/2010/main" val="0"/>
+                </a:ext>
+              </a:extLst>
+            </a:blip>
+            <a:stretch>
+              <a:fillRect/>
+            </a:stretch>
+          </p:blipFill>
+          <p:spPr>
+            <a:xfrm>
+              <a:off x="6905284" y="1619902"/>
+              <a:ext cx="851560" cy="620342"/>
+            </a:xfrm>
+            <a:prstGeom prst="rect">
+              <a:avLst/>
+            </a:prstGeom>
+          </p:spPr>
+        </p:pic>
+        <p:sp>
+          <p:nvSpPr>
+            <p:cNvPr id="51" name="TextBox 50">
+              <a:extLst>
+                <a:ext uri="{FF2B5EF4-FFF2-40B4-BE49-F238E27FC236}">
+                  <a16:creationId xmlns:a16="http://schemas.microsoft.com/office/drawing/2014/main" id="{6C0A6251-3A3B-06AD-FFB2-18AD25A5A38C}"/>
+                </a:ext>
+              </a:extLst>
+            </p:cNvPr>
+            <p:cNvSpPr txBox="1"/>
+            <p:nvPr/>
+          </p:nvSpPr>
+          <p:spPr>
+            <a:xfrm>
+              <a:off x="6698461" y="2239568"/>
+              <a:ext cx="1265206" cy="738664"/>
+            </a:xfrm>
+            <a:prstGeom prst="rect">
+              <a:avLst/>
+            </a:prstGeom>
+            <a:noFill/>
+          </p:spPr>
+          <p:txBody>
+            <a:bodyPr wrap="square" rtlCol="0">
+              <a:spAutoFit/>
+            </a:bodyPr>
+            <a:lstStyle/>
+            <a:p>
+              <a:pPr algn="ctr"/>
+              <a:r>
+                <a:rPr lang="ru-RU" sz="1400" dirty="0" smtClean="0">
+                  <a:latin typeface="Century Gothic" panose="020B0502020202020204" pitchFamily="34" charset="0"/>
+                </a:rPr>
+                <a:t>Модуль </a:t>
+              </a:r>
+            </a:p>
+            <a:p>
+              <a:pPr algn="ctr"/>
+              <a:r>
+                <a:rPr lang="ru-RU" sz="1400" dirty="0">
+                  <a:latin typeface="Century Gothic" panose="020B0502020202020204" pitchFamily="34" charset="0"/>
+                </a:rPr>
+                <a:t>о</a:t>
+              </a:r>
+              <a:r>
+                <a:rPr lang="ru-RU" sz="1400" dirty="0" smtClean="0">
+                  <a:latin typeface="Century Gothic" panose="020B0502020202020204" pitchFamily="34" charset="0"/>
+                </a:rPr>
+                <a:t>бработки </a:t>
+              </a:r>
+              <a:r>
+                <a:rPr lang="ru-RU" sz="1400" dirty="0">
+                  <a:latin typeface="Century Gothic" panose="020B0502020202020204" pitchFamily="34" charset="0"/>
+                </a:rPr>
+                <a:t>2</a:t>
+              </a:r>
+              <a:endParaRPr lang="en-US" sz="1400" dirty="0">
+                <a:latin typeface="Century Gothic" panose="020B0502020202020204" pitchFamily="34" charset="0"/>
+              </a:endParaRPr>
+            </a:p>
+          </p:txBody>
+        </p:sp>
+      </p:grpSp>
+      <p:grpSp>
+        <p:nvGrpSpPr>
+          <p:cNvPr id="52" name="Group 51"/>
+          <p:cNvGrpSpPr/>
+          <p:nvPr/>
+        </p:nvGrpSpPr>
+        <p:grpSpPr>
+          <a:xfrm>
+            <a:off x="10315315" y="4968371"/>
+            <a:ext cx="1265206" cy="1562459"/>
+            <a:chOff x="6698461" y="1494327"/>
+            <a:chExt cx="1265206" cy="1562459"/>
+          </a:xfrm>
+        </p:grpSpPr>
+        <p:pic>
+          <p:nvPicPr>
+            <p:cNvPr id="53" name="Picture 52">
+              <a:extLst>
+                <a:ext uri="{FF2B5EF4-FFF2-40B4-BE49-F238E27FC236}">
+                  <a16:creationId xmlns:a16="http://schemas.microsoft.com/office/drawing/2014/main" id="{E3491331-5420-4D91-B017-712E5A6C1573}"/>
+                </a:ext>
+              </a:extLst>
+            </p:cNvPr>
+            <p:cNvPicPr>
+              <a:picLocks noChangeAspect="1"/>
+            </p:cNvPicPr>
+            <p:nvPr/>
+          </p:nvPicPr>
+          <p:blipFill>
+            <a:blip r:embed="rId5">
+              <a:extLst>
+                <a:ext uri="{28A0092B-C50C-407E-A947-70E740481C1C}">
+                  <a14:useLocalDpi xmlns:a14="http://schemas.microsoft.com/office/drawing/2010/main" val="0"/>
+                </a:ext>
+              </a:extLst>
+            </a:blip>
+            <a:stretch>
+              <a:fillRect/>
+            </a:stretch>
+          </p:blipFill>
+          <p:spPr>
+            <a:xfrm>
+              <a:off x="6748808" y="1494327"/>
+              <a:ext cx="1164942" cy="1562459"/>
+            </a:xfrm>
+            <a:prstGeom prst="rect">
+              <a:avLst/>
+            </a:prstGeom>
+          </p:spPr>
+        </p:pic>
+        <p:pic>
+          <p:nvPicPr>
+            <p:cNvPr id="54" name="Picture 53">
+              <a:extLst>
+                <a:ext uri="{FF2B5EF4-FFF2-40B4-BE49-F238E27FC236}">
+                  <a16:creationId xmlns:a16="http://schemas.microsoft.com/office/drawing/2014/main" id="{0E20CE0C-66E3-073B-E6D6-DD7E83255D76}"/>
+                </a:ext>
+              </a:extLst>
+            </p:cNvPr>
+            <p:cNvPicPr>
+              <a:picLocks noChangeAspect="1"/>
+            </p:cNvPicPr>
+            <p:nvPr/>
+          </p:nvPicPr>
+          <p:blipFill>
+            <a:blip r:embed="rId8" cstate="print">
+              <a:extLst>
+                <a:ext uri="{28A0092B-C50C-407E-A947-70E740481C1C}">
+                  <a14:useLocalDpi xmlns:a14="http://schemas.microsoft.com/office/drawing/2010/main" val="0"/>
+                </a:ext>
+              </a:extLst>
+            </a:blip>
+            <a:stretch>
+              <a:fillRect/>
+            </a:stretch>
+          </p:blipFill>
+          <p:spPr>
+            <a:xfrm>
+              <a:off x="6905284" y="1619902"/>
+              <a:ext cx="851560" cy="620342"/>
+            </a:xfrm>
+            <a:prstGeom prst="rect">
+              <a:avLst/>
+            </a:prstGeom>
+          </p:spPr>
+        </p:pic>
+        <p:sp>
+          <p:nvSpPr>
+            <p:cNvPr id="55" name="TextBox 54">
+              <a:extLst>
+                <a:ext uri="{FF2B5EF4-FFF2-40B4-BE49-F238E27FC236}">
+                  <a16:creationId xmlns:a16="http://schemas.microsoft.com/office/drawing/2014/main" id="{6C0A6251-3A3B-06AD-FFB2-18AD25A5A38C}"/>
+                </a:ext>
+              </a:extLst>
+            </p:cNvPr>
+            <p:cNvSpPr txBox="1"/>
+            <p:nvPr/>
+          </p:nvSpPr>
+          <p:spPr>
+            <a:xfrm>
+              <a:off x="6698461" y="2239568"/>
+              <a:ext cx="1265206" cy="738664"/>
+            </a:xfrm>
+            <a:prstGeom prst="rect">
+              <a:avLst/>
+            </a:prstGeom>
+            <a:noFill/>
+          </p:spPr>
+          <p:txBody>
+            <a:bodyPr wrap="square" rtlCol="0">
+              <a:spAutoFit/>
+            </a:bodyPr>
+            <a:lstStyle/>
+            <a:p>
+              <a:pPr algn="ctr"/>
+              <a:r>
+                <a:rPr lang="ru-RU" sz="1400" dirty="0" smtClean="0">
+                  <a:latin typeface="Century Gothic" panose="020B0502020202020204" pitchFamily="34" charset="0"/>
+                </a:rPr>
+                <a:t>Модуль </a:t>
+              </a:r>
+            </a:p>
+            <a:p>
+              <a:pPr algn="ctr"/>
+              <a:r>
+                <a:rPr lang="ru-RU" sz="1400" dirty="0">
+                  <a:latin typeface="Century Gothic" panose="020B0502020202020204" pitchFamily="34" charset="0"/>
+                </a:rPr>
+                <a:t>о</a:t>
+              </a:r>
+              <a:r>
+                <a:rPr lang="ru-RU" sz="1400" dirty="0" smtClean="0">
+                  <a:latin typeface="Century Gothic" panose="020B0502020202020204" pitchFamily="34" charset="0"/>
+                </a:rPr>
+                <a:t>бработки </a:t>
+              </a:r>
+              <a:r>
+                <a:rPr lang="en-US" sz="1400" dirty="0">
+                  <a:latin typeface="Century Gothic" panose="020B0502020202020204" pitchFamily="34" charset="0"/>
+                </a:rPr>
+                <a:t>n</a:t>
+              </a:r>
+              <a:endParaRPr lang="en-US" sz="1400" dirty="0">
+                <a:latin typeface="Century Gothic" panose="020B0502020202020204" pitchFamily="34" charset="0"/>
+              </a:endParaRPr>
+            </a:p>
+          </p:txBody>
+        </p:sp>
+      </p:grpSp>
+      <p:sp>
+        <p:nvSpPr>
+          <p:cNvPr id="56" name="Rectangle 55"/>
+          <p:cNvSpPr/>
+          <p:nvPr/>
+        </p:nvSpPr>
+        <p:spPr>
+          <a:xfrm>
+            <a:off x="9531061" y="5415136"/>
+            <a:ext cx="612668" cy="707886"/>
+          </a:xfrm>
+          <a:prstGeom prst="rect">
+            <a:avLst/>
+          </a:prstGeom>
+        </p:spPr>
+        <p:txBody>
+          <a:bodyPr wrap="none">
+            <a:spAutoFit/>
+          </a:bodyPr>
+          <a:lstStyle/>
+          <a:p>
+            <a:r>
+              <a:rPr lang="ru-RU" sz="4000" dirty="0">
+                <a:latin typeface="Century Gothic" panose="020B0502020202020204" pitchFamily="34" charset="0"/>
+              </a:rPr>
+              <a:t>...</a:t>
+            </a:r>
+          </a:p>
+        </p:txBody>
+      </p:sp>
+      <p:cxnSp>
+        <p:nvCxnSpPr>
+          <p:cNvPr id="58" name="Elbow Connector 57"/>
+          <p:cNvCxnSpPr>
+            <a:stCxn id="45" idx="0"/>
+            <a:endCxn id="43" idx="2"/>
+          </p:cNvCxnSpPr>
+          <p:nvPr/>
+        </p:nvCxnSpPr>
+        <p:spPr>
+          <a:xfrm rot="5400000" flipH="1" flipV="1">
+            <a:off x="7981564" y="3928491"/>
+            <a:ext cx="375973" cy="1725827"/>
+          </a:xfrm>
+          <a:prstGeom prst="bentConnector3">
+            <a:avLst>
+              <a:gd name="adj1" fmla="val 52027"/>
+            </a:avLst>
+          </a:prstGeom>
+          <a:ln w="38100">
+            <a:solidFill>
+              <a:schemeClr val="accent1">
+                <a:lumMod val="50000"/>
+              </a:schemeClr>
+            </a:solidFill>
+          </a:ln>
+        </p:spPr>
+        <p:style>
+          <a:lnRef idx="1">
+            <a:schemeClr val="accent1"/>
+          </a:lnRef>
+          <a:fillRef idx="0">
+            <a:schemeClr val="accent1"/>
+          </a:fillRef>
+          <a:effectRef idx="0">
+            <a:schemeClr val="accent1"/>
+          </a:effectRef>
+          <a:fontRef idx="minor">
+            <a:schemeClr val="tx1"/>
+          </a:fontRef>
+        </p:style>
+      </p:cxnSp>
+      <p:cxnSp>
+        <p:nvCxnSpPr>
+          <p:cNvPr id="61" name="Elbow Connector 60"/>
+          <p:cNvCxnSpPr>
+            <a:stCxn id="49" idx="0"/>
+            <a:endCxn id="43" idx="2"/>
+          </p:cNvCxnSpPr>
+          <p:nvPr/>
+        </p:nvCxnSpPr>
+        <p:spPr>
+          <a:xfrm rot="5400000" flipH="1" flipV="1">
+            <a:off x="8723217" y="4670144"/>
+            <a:ext cx="375973" cy="242521"/>
+          </a:xfrm>
+          <a:prstGeom prst="bentConnector3">
+            <a:avLst>
+              <a:gd name="adj1" fmla="val 52027"/>
+            </a:avLst>
+          </a:prstGeom>
+          <a:ln w="38100">
+            <a:solidFill>
+              <a:schemeClr val="accent1">
+                <a:lumMod val="50000"/>
+              </a:schemeClr>
+            </a:solidFill>
+          </a:ln>
+        </p:spPr>
+        <p:style>
+          <a:lnRef idx="1">
+            <a:schemeClr val="accent1"/>
+          </a:lnRef>
+          <a:fillRef idx="0">
+            <a:schemeClr val="accent1"/>
+          </a:fillRef>
+          <a:effectRef idx="0">
+            <a:schemeClr val="accent1"/>
+          </a:effectRef>
+          <a:fontRef idx="minor">
+            <a:schemeClr val="tx1"/>
+          </a:fontRef>
+        </p:style>
+      </p:cxnSp>
+      <p:cxnSp>
+        <p:nvCxnSpPr>
+          <p:cNvPr id="64" name="Elbow Connector 63"/>
+          <p:cNvCxnSpPr>
+            <a:stCxn id="53" idx="0"/>
+            <a:endCxn id="43" idx="2"/>
+          </p:cNvCxnSpPr>
+          <p:nvPr/>
+        </p:nvCxnSpPr>
+        <p:spPr>
+          <a:xfrm rot="16200000" flipV="1">
+            <a:off x="9807822" y="3828059"/>
+            <a:ext cx="364954" cy="1915669"/>
+          </a:xfrm>
+          <a:prstGeom prst="bentConnector3">
+            <a:avLst>
+              <a:gd name="adj1" fmla="val 49999"/>
+            </a:avLst>
+          </a:prstGeom>
+          <a:ln w="38100">
+            <a:solidFill>
+              <a:schemeClr val="accent1">
+                <a:lumMod val="50000"/>
+              </a:schemeClr>
+            </a:solidFill>
+          </a:ln>
+        </p:spPr>
+        <p:style>
+          <a:lnRef idx="1">
+            <a:schemeClr val="accent1"/>
+          </a:lnRef>
+          <a:fillRef idx="0">
+            <a:schemeClr val="accent1"/>
+          </a:fillRef>
+          <a:effectRef idx="0">
+            <a:schemeClr val="accent1"/>
+          </a:effectRef>
+          <a:fontRef idx="minor">
+            <a:schemeClr val="tx1"/>
+          </a:fontRef>
+        </p:style>
+      </p:cxnSp>
+      <p:grpSp>
+        <p:nvGrpSpPr>
+          <p:cNvPr id="71" name="Group 70"/>
+          <p:cNvGrpSpPr/>
+          <p:nvPr/>
+        </p:nvGrpSpPr>
+        <p:grpSpPr>
+          <a:xfrm>
+            <a:off x="6616624" y="1375491"/>
+            <a:ext cx="1269461" cy="1562459"/>
+            <a:chOff x="6616624" y="1375491"/>
+            <a:chExt cx="1269461" cy="1562459"/>
+          </a:xfrm>
+        </p:grpSpPr>
+        <p:pic>
+          <p:nvPicPr>
+            <p:cNvPr id="15" name="Picture 14">
+              <a:extLst>
+                <a:ext uri="{FF2B5EF4-FFF2-40B4-BE49-F238E27FC236}">
+                  <a16:creationId xmlns:a16="http://schemas.microsoft.com/office/drawing/2014/main" id="{E3491331-5420-4D91-B017-712E5A6C1573}"/>
+                </a:ext>
+              </a:extLst>
+            </p:cNvPr>
+            <p:cNvPicPr>
+              <a:picLocks noChangeAspect="1"/>
+            </p:cNvPicPr>
+            <p:nvPr/>
+          </p:nvPicPr>
+          <p:blipFill>
+            <a:blip r:embed="rId5">
+              <a:extLst>
+                <a:ext uri="{28A0092B-C50C-407E-A947-70E740481C1C}">
+                  <a14:useLocalDpi xmlns:a14="http://schemas.microsoft.com/office/drawing/2010/main" val="0"/>
+                </a:ext>
+              </a:extLst>
+            </a:blip>
+            <a:stretch>
+              <a:fillRect/>
+            </a:stretch>
+          </p:blipFill>
+          <p:spPr>
+            <a:xfrm>
+              <a:off x="6673819" y="1375491"/>
+              <a:ext cx="1164942" cy="1562459"/>
+            </a:xfrm>
+            <a:prstGeom prst="rect">
+              <a:avLst/>
+            </a:prstGeom>
+          </p:spPr>
+        </p:pic>
+        <p:sp>
+          <p:nvSpPr>
+            <p:cNvPr id="18" name="TextBox 17">
+              <a:extLst>
+                <a:ext uri="{FF2B5EF4-FFF2-40B4-BE49-F238E27FC236}">
+                  <a16:creationId xmlns:a16="http://schemas.microsoft.com/office/drawing/2014/main" id="{6C0A6251-3A3B-06AD-FFB2-18AD25A5A38C}"/>
+                </a:ext>
+              </a:extLst>
+            </p:cNvPr>
+            <p:cNvSpPr txBox="1"/>
+            <p:nvPr/>
+          </p:nvSpPr>
+          <p:spPr>
+            <a:xfrm>
+              <a:off x="6616624" y="2037332"/>
+              <a:ext cx="1269461" cy="830997"/>
+            </a:xfrm>
+            <a:prstGeom prst="rect">
+              <a:avLst/>
+            </a:prstGeom>
+            <a:noFill/>
+          </p:spPr>
+          <p:txBody>
+            <a:bodyPr wrap="square" rtlCol="0">
+              <a:spAutoFit/>
+            </a:bodyPr>
+            <a:lstStyle/>
+            <a:p>
+              <a:pPr algn="ctr"/>
+              <a:r>
+                <a:rPr lang="ru-RU" sz="1600" dirty="0" smtClean="0">
+                  <a:latin typeface="Century Gothic" panose="020B0502020202020204" pitchFamily="34" charset="0"/>
+                </a:rPr>
+                <a:t>Модуль </a:t>
+              </a:r>
+            </a:p>
+            <a:p>
+              <a:pPr algn="ctr"/>
+              <a:r>
+                <a:rPr lang="ru-RU" sz="1600" dirty="0">
+                  <a:latin typeface="Century Gothic" panose="020B0502020202020204" pitchFamily="34" charset="0"/>
+                </a:rPr>
+                <a:t>н</a:t>
+              </a:r>
+              <a:r>
+                <a:rPr lang="ru-RU" sz="1600" dirty="0" smtClean="0">
+                  <a:latin typeface="Century Gothic" panose="020B0502020202020204" pitchFamily="34" charset="0"/>
+                </a:rPr>
+                <a:t>астроек </a:t>
+              </a:r>
+              <a:r>
+                <a:rPr lang="ru-RU" sz="1600" dirty="0" smtClean="0">
+                  <a:latin typeface="Century Gothic" panose="020B0502020202020204" pitchFamily="34" charset="0"/>
+                </a:rPr>
+                <a:t>1</a:t>
+              </a:r>
+              <a:endParaRPr lang="en-US" sz="1600" dirty="0">
+                <a:latin typeface="Century Gothic" panose="020B0502020202020204" pitchFamily="34" charset="0"/>
+              </a:endParaRPr>
+            </a:p>
+          </p:txBody>
+        </p:sp>
+        <p:pic>
+          <p:nvPicPr>
+            <p:cNvPr id="70" name="Picture 69"/>
+            <p:cNvPicPr>
+              <a:picLocks noChangeAspect="1"/>
+            </p:cNvPicPr>
+            <p:nvPr/>
+          </p:nvPicPr>
+          <p:blipFill>
+            <a:blip r:embed="rId9"/>
+            <a:stretch>
+              <a:fillRect/>
+            </a:stretch>
+          </p:blipFill>
+          <p:spPr>
+            <a:xfrm>
+              <a:off x="6904836" y="1461544"/>
+              <a:ext cx="696348" cy="696348"/>
+            </a:xfrm>
+            <a:prstGeom prst="rect">
+              <a:avLst/>
+            </a:prstGeom>
+          </p:spPr>
+        </p:pic>
+      </p:grpSp>
+      <p:pic>
+        <p:nvPicPr>
+          <p:cNvPr id="72" name="Picture 71"/>
+          <p:cNvPicPr>
+            <a:picLocks noChangeAspect="1"/>
+          </p:cNvPicPr>
+          <p:nvPr/>
+        </p:nvPicPr>
+        <p:blipFill>
+          <a:blip r:embed="rId9"/>
+          <a:stretch>
+            <a:fillRect/>
+          </a:stretch>
+        </p:blipFill>
+        <p:spPr>
+          <a:xfrm>
+            <a:off x="8390839" y="1461544"/>
+            <a:ext cx="696348" cy="696348"/>
+          </a:xfrm>
+          <a:prstGeom prst="rect">
+            <a:avLst/>
+          </a:prstGeom>
+        </p:spPr>
+      </p:pic>
+      <p:pic>
+        <p:nvPicPr>
+          <p:cNvPr id="73" name="Picture 72"/>
+          <p:cNvPicPr>
+            <a:picLocks noChangeAspect="1"/>
+          </p:cNvPicPr>
+          <p:nvPr/>
+        </p:nvPicPr>
+        <p:blipFill>
+          <a:blip r:embed="rId9"/>
+          <a:stretch>
+            <a:fillRect/>
+          </a:stretch>
+        </p:blipFill>
+        <p:spPr>
+          <a:xfrm>
+            <a:off x="10544676" y="1459083"/>
+            <a:ext cx="696348" cy="696348"/>
+          </a:xfrm>
+          <a:prstGeom prst="rect">
+            <a:avLst/>
+          </a:prstGeom>
+        </p:spPr>
+      </p:pic>
     </p:spTree>
     <p:extLst>
       <p:ext uri="{BB962C8B-B14F-4D97-AF65-F5344CB8AC3E}">
@@ -8518,6 +10282,261 @@
   <p:clrMapOvr>
     <a:masterClrMapping/>
   </p:clrMapOvr>
+  <p:timing>
+    <p:tnLst>
+      <p:par>
+        <p:cTn id="1" dur="indefinite" restart="never" nodeType="tmRoot">
+          <p:childTnLst>
+            <p:seq concurrent="1" nextAc="seek">
+              <p:cTn id="2" dur="indefinite" nodeType="mainSeq">
+                <p:childTnLst>
+                  <p:par>
+                    <p:cTn id="3" fill="hold">
+                      <p:stCondLst>
+                        <p:cond delay="indefinite"/>
+                      </p:stCondLst>
+                      <p:childTnLst>
+                        <p:par>
+                          <p:cTn id="4" fill="hold">
+                            <p:stCondLst>
+                              <p:cond delay="0"/>
+                            </p:stCondLst>
+                            <p:childTnLst>
+                              <p:par>
+                                <p:cTn id="5" presetID="1" presetClass="entr" presetSubtype="0" fill="hold" nodeType="clickEffect">
+                                  <p:stCondLst>
+                                    <p:cond delay="0"/>
+                                  </p:stCondLst>
+                                  <p:childTnLst>
+                                    <p:set>
+                                      <p:cBhvr>
+                                        <p:cTn id="6" dur="1" fill="hold">
+                                          <p:stCondLst>
+                                            <p:cond delay="0"/>
+                                          </p:stCondLst>
+                                        </p:cTn>
+                                        <p:tgtEl>
+                                          <p:spTgt spid="36"/>
+                                        </p:tgtEl>
+                                        <p:attrNameLst>
+                                          <p:attrName>style.visibility</p:attrName>
+                                        </p:attrNameLst>
+                                      </p:cBhvr>
+                                      <p:to>
+                                        <p:strVal val="visible"/>
+                                      </p:to>
+                                    </p:set>
+                                  </p:childTnLst>
+                                </p:cTn>
+                              </p:par>
+                            </p:childTnLst>
+                          </p:cTn>
+                        </p:par>
+                      </p:childTnLst>
+                    </p:cTn>
+                  </p:par>
+                  <p:par>
+                    <p:cTn id="7" fill="hold">
+                      <p:stCondLst>
+                        <p:cond delay="indefinite"/>
+                      </p:stCondLst>
+                      <p:childTnLst>
+                        <p:par>
+                          <p:cTn id="8" fill="hold">
+                            <p:stCondLst>
+                              <p:cond delay="0"/>
+                            </p:stCondLst>
+                            <p:childTnLst>
+                              <p:par>
+                                <p:cTn id="9" presetID="1" presetClass="entr" presetSubtype="0" fill="hold" nodeType="clickEffect">
+                                  <p:stCondLst>
+                                    <p:cond delay="0"/>
+                                  </p:stCondLst>
+                                  <p:childTnLst>
+                                    <p:set>
+                                      <p:cBhvr>
+                                        <p:cTn id="10" dur="1" fill="hold">
+                                          <p:stCondLst>
+                                            <p:cond delay="0"/>
+                                          </p:stCondLst>
+                                        </p:cTn>
+                                        <p:tgtEl>
+                                          <p:spTgt spid="38"/>
+                                        </p:tgtEl>
+                                        <p:attrNameLst>
+                                          <p:attrName>style.visibility</p:attrName>
+                                        </p:attrNameLst>
+                                      </p:cBhvr>
+                                      <p:to>
+                                        <p:strVal val="visible"/>
+                                      </p:to>
+                                    </p:set>
+                                  </p:childTnLst>
+                                </p:cTn>
+                              </p:par>
+                            </p:childTnLst>
+                          </p:cTn>
+                        </p:par>
+                      </p:childTnLst>
+                    </p:cTn>
+                  </p:par>
+                  <p:par>
+                    <p:cTn id="11" fill="hold">
+                      <p:stCondLst>
+                        <p:cond delay="indefinite"/>
+                      </p:stCondLst>
+                      <p:childTnLst>
+                        <p:par>
+                          <p:cTn id="12" fill="hold">
+                            <p:stCondLst>
+                              <p:cond delay="0"/>
+                            </p:stCondLst>
+                            <p:childTnLst>
+                              <p:par>
+                                <p:cTn id="13" presetID="1" presetClass="entr" presetSubtype="0" fill="hold" nodeType="clickEffect">
+                                  <p:stCondLst>
+                                    <p:cond delay="0"/>
+                                  </p:stCondLst>
+                                  <p:childTnLst>
+                                    <p:set>
+                                      <p:cBhvr>
+                                        <p:cTn id="14" dur="1" fill="hold">
+                                          <p:stCondLst>
+                                            <p:cond delay="0"/>
+                                          </p:stCondLst>
+                                        </p:cTn>
+                                        <p:tgtEl>
+                                          <p:spTgt spid="39"/>
+                                        </p:tgtEl>
+                                        <p:attrNameLst>
+                                          <p:attrName>style.visibility</p:attrName>
+                                        </p:attrNameLst>
+                                      </p:cBhvr>
+                                      <p:to>
+                                        <p:strVal val="visible"/>
+                                      </p:to>
+                                    </p:set>
+                                  </p:childTnLst>
+                                </p:cTn>
+                              </p:par>
+                            </p:childTnLst>
+                          </p:cTn>
+                        </p:par>
+                      </p:childTnLst>
+                    </p:cTn>
+                  </p:par>
+                  <p:par>
+                    <p:cTn id="15" fill="hold">
+                      <p:stCondLst>
+                        <p:cond delay="indefinite"/>
+                      </p:stCondLst>
+                      <p:childTnLst>
+                        <p:par>
+                          <p:cTn id="16" fill="hold">
+                            <p:stCondLst>
+                              <p:cond delay="0"/>
+                            </p:stCondLst>
+                            <p:childTnLst>
+                              <p:par>
+                                <p:cTn id="17" presetID="1" presetClass="entr" presetSubtype="0" fill="hold" nodeType="clickEffect">
+                                  <p:stCondLst>
+                                    <p:cond delay="0"/>
+                                  </p:stCondLst>
+                                  <p:childTnLst>
+                                    <p:set>
+                                      <p:cBhvr>
+                                        <p:cTn id="18" dur="1" fill="hold">
+                                          <p:stCondLst>
+                                            <p:cond delay="0"/>
+                                          </p:stCondLst>
+                                        </p:cTn>
+                                        <p:tgtEl>
+                                          <p:spTgt spid="40"/>
+                                        </p:tgtEl>
+                                        <p:attrNameLst>
+                                          <p:attrName>style.visibility</p:attrName>
+                                        </p:attrNameLst>
+                                      </p:cBhvr>
+                                      <p:to>
+                                        <p:strVal val="visible"/>
+                                      </p:to>
+                                    </p:set>
+                                  </p:childTnLst>
+                                </p:cTn>
+                              </p:par>
+                            </p:childTnLst>
+                          </p:cTn>
+                        </p:par>
+                      </p:childTnLst>
+                    </p:cTn>
+                  </p:par>
+                  <p:par>
+                    <p:cTn id="19" fill="hold">
+                      <p:stCondLst>
+                        <p:cond delay="indefinite"/>
+                      </p:stCondLst>
+                      <p:childTnLst>
+                        <p:par>
+                          <p:cTn id="20" fill="hold">
+                            <p:stCondLst>
+                              <p:cond delay="0"/>
+                            </p:stCondLst>
+                            <p:childTnLst>
+                              <p:par>
+                                <p:cTn id="21" presetID="1" presetClass="entr" presetSubtype="0" fill="hold" nodeType="clickEffect">
+                                  <p:stCondLst>
+                                    <p:cond delay="0"/>
+                                  </p:stCondLst>
+                                  <p:childTnLst>
+                                    <p:set>
+                                      <p:cBhvr>
+                                        <p:cTn id="22" dur="1" fill="hold">
+                                          <p:stCondLst>
+                                            <p:cond delay="0"/>
+                                          </p:stCondLst>
+                                        </p:cTn>
+                                        <p:tgtEl>
+                                          <p:spTgt spid="42"/>
+                                        </p:tgtEl>
+                                        <p:attrNameLst>
+                                          <p:attrName>style.visibility</p:attrName>
+                                        </p:attrNameLst>
+                                      </p:cBhvr>
+                                      <p:to>
+                                        <p:strVal val="visible"/>
+                                      </p:to>
+                                    </p:set>
+                                  </p:childTnLst>
+                                </p:cTn>
+                              </p:par>
+                            </p:childTnLst>
+                          </p:cTn>
+                        </p:par>
+                      </p:childTnLst>
+                    </p:cTn>
+                  </p:par>
+                </p:childTnLst>
+              </p:cTn>
+              <p:prevCondLst>
+                <p:cond evt="onPrev" delay="0">
+                  <p:tgtEl>
+                    <p:sldTgt/>
+                  </p:tgtEl>
+                </p:cond>
+              </p:prevCondLst>
+              <p:nextCondLst>
+                <p:cond evt="onNext" delay="0">
+                  <p:tgtEl>
+                    <p:sldTgt/>
+                  </p:tgtEl>
+                </p:cond>
+              </p:nextCondLst>
+            </p:seq>
+          </p:childTnLst>
+        </p:cTn>
+      </p:par>
+    </p:tnLst>
+  </p:timing>
 </p:sld>
 </file>
 
@@ -9717,6 +11736,13 @@
   <p:clrMapOvr>
     <a:masterClrMapping/>
   </p:clrMapOvr>
+  <p:timing>
+    <p:tnLst>
+      <p:par>
+        <p:cTn id="1" dur="indefinite" restart="never" nodeType="tmRoot"/>
+      </p:par>
+    </p:tnLst>
+  </p:timing>
 </p:sld>
 </file>
 
@@ -9992,8 +12018,8 @@
         </p:blipFill>
         <p:spPr>
           <a:xfrm>
-            <a:off x="5333342" y="1531013"/>
-            <a:ext cx="1525315" cy="1170285"/>
+            <a:off x="3867099" y="1480065"/>
+            <a:ext cx="1276369" cy="979283"/>
           </a:xfrm>
           <a:prstGeom prst="rect">
             <a:avLst/>
@@ -10014,7 +12040,7 @@
         </p:nvSpPr>
         <p:spPr>
           <a:xfrm>
-            <a:off x="4343022" y="1060233"/>
+            <a:off x="2697714" y="1058916"/>
             <a:ext cx="3615138" cy="369332"/>
           </a:xfrm>
           <a:prstGeom prst="rect">
@@ -10061,39 +12087,9 @@
           </a:stretch>
         </p:blipFill>
         <p:spPr>
-          <a:xfrm rot="20904662">
-            <a:off x="2931806" y="1989086"/>
-            <a:ext cx="2264101" cy="612791"/>
-          </a:xfrm>
-          <a:prstGeom prst="rect">
-            <a:avLst/>
-          </a:prstGeom>
-        </p:spPr>
-      </p:pic>
-      <p:pic>
-        <p:nvPicPr>
-          <p:cNvPr id="6" name="Picture 5">
-            <a:extLst>
-              <a:ext uri="{FF2B5EF4-FFF2-40B4-BE49-F238E27FC236}">
-                <a16:creationId xmlns:a16="http://schemas.microsoft.com/office/drawing/2014/main" id="{E10DEAB0-BBE4-182D-293A-943C9728AB42}"/>
-              </a:ext>
-            </a:extLst>
-          </p:cNvPr>
-          <p:cNvPicPr>
-            <a:picLocks noChangeAspect="1"/>
-          </p:cNvPicPr>
-          <p:nvPr/>
-        </p:nvPicPr>
-        <p:blipFill>
-          <a:blip r:embed="rId5"/>
-          <a:stretch>
-            <a:fillRect/>
-          </a:stretch>
-        </p:blipFill>
-        <p:spPr>
-          <a:xfrm rot="892196">
-            <a:off x="6967421" y="2025146"/>
-            <a:ext cx="2264101" cy="612791"/>
+          <a:xfrm rot="20256606">
+            <a:off x="2500483" y="2334834"/>
+            <a:ext cx="1390684" cy="376396"/>
           </a:xfrm>
           <a:prstGeom prst="rect">
             <a:avLst/>
@@ -10108,7 +12104,7 @@
         </p:nvGrpSpPr>
         <p:grpSpPr>
           <a:xfrm>
-            <a:off x="9355402" y="2946927"/>
+            <a:off x="9317614" y="1201715"/>
             <a:ext cx="2144831" cy="1931791"/>
             <a:chOff x="9355402" y="2946927"/>
             <a:chExt cx="2144831" cy="1931791"/>
@@ -10194,291 +12190,231 @@
           </p:txBody>
         </p:sp>
       </p:grpSp>
-      <p:pic>
-        <p:nvPicPr>
-          <p:cNvPr id="17" name="Picture 16">
-            <a:extLst>
-              <a:ext uri="{FF2B5EF4-FFF2-40B4-BE49-F238E27FC236}">
-                <a16:creationId xmlns:a16="http://schemas.microsoft.com/office/drawing/2014/main" id="{E0F9B1DF-C0D3-5F68-7E9B-BF5685B16513}"/>
-              </a:ext>
-            </a:extLst>
-          </p:cNvPr>
-          <p:cNvPicPr>
-            <a:picLocks noChangeAspect="1"/>
-          </p:cNvPicPr>
-          <p:nvPr/>
-        </p:nvPicPr>
-        <p:blipFill>
-          <a:blip r:embed="rId7">
-            <a:extLst>
-              <a:ext uri="{28A0092B-C50C-407E-A947-70E740481C1C}">
-                <a14:useLocalDpi xmlns:a14="http://schemas.microsoft.com/office/drawing/2010/main" val="0"/>
-              </a:ext>
-            </a:extLst>
-          </a:blip>
-          <a:stretch>
-            <a:fillRect/>
-          </a:stretch>
-        </p:blipFill>
-        <p:spPr>
-          <a:xfrm>
-            <a:off x="4831571" y="2946928"/>
+      <p:grpSp>
+        <p:nvGrpSpPr>
+          <p:cNvPr id="49" name="Group 48"/>
+          <p:cNvGrpSpPr/>
+          <p:nvPr/>
+        </p:nvGrpSpPr>
+        <p:grpSpPr>
+          <a:xfrm>
+            <a:off x="7224239" y="2535943"/>
             <a:ext cx="1164942" cy="1562459"/>
-          </a:xfrm>
-          <a:prstGeom prst="rect">
-            <a:avLst/>
-          </a:prstGeom>
-        </p:spPr>
-      </p:pic>
-      <p:pic>
-        <p:nvPicPr>
-          <p:cNvPr id="19" name="Picture 18">
-            <a:extLst>
-              <a:ext uri="{FF2B5EF4-FFF2-40B4-BE49-F238E27FC236}">
-                <a16:creationId xmlns:a16="http://schemas.microsoft.com/office/drawing/2014/main" id="{F613C2B3-EFE0-C4C0-711F-B2EE0EB25390}"/>
-              </a:ext>
-            </a:extLst>
-          </p:cNvPr>
-          <p:cNvPicPr>
-            <a:picLocks noChangeAspect="1"/>
-          </p:cNvPicPr>
-          <p:nvPr/>
-        </p:nvPicPr>
-        <p:blipFill>
-          <a:blip r:embed="rId5"/>
-          <a:stretch>
-            <a:fillRect/>
-          </a:stretch>
-        </p:blipFill>
-        <p:spPr>
-          <a:xfrm rot="10800000">
-            <a:off x="8433459" y="3513385"/>
-            <a:ext cx="907316" cy="342842"/>
-          </a:xfrm>
-          <a:prstGeom prst="rect">
-            <a:avLst/>
-          </a:prstGeom>
-        </p:spPr>
-      </p:pic>
-      <p:pic>
-        <p:nvPicPr>
-          <p:cNvPr id="20" name="Picture 19">
-            <a:extLst>
-              <a:ext uri="{FF2B5EF4-FFF2-40B4-BE49-F238E27FC236}">
-                <a16:creationId xmlns:a16="http://schemas.microsoft.com/office/drawing/2014/main" id="{E3491331-5420-4D91-B017-712E5A6C1573}"/>
-              </a:ext>
-            </a:extLst>
-          </p:cNvPr>
-          <p:cNvPicPr>
-            <a:picLocks noChangeAspect="1"/>
-          </p:cNvPicPr>
-          <p:nvPr/>
-        </p:nvPicPr>
-        <p:blipFill>
-          <a:blip r:embed="rId7">
-            <a:extLst>
-              <a:ext uri="{28A0092B-C50C-407E-A947-70E740481C1C}">
-                <a14:useLocalDpi xmlns:a14="http://schemas.microsoft.com/office/drawing/2010/main" val="0"/>
-              </a:ext>
-            </a:extLst>
-          </a:blip>
-          <a:stretch>
-            <a:fillRect/>
-          </a:stretch>
-        </p:blipFill>
-        <p:spPr>
-          <a:xfrm>
-            <a:off x="7253890" y="2967187"/>
-            <a:ext cx="1164942" cy="1562459"/>
-          </a:xfrm>
-          <a:prstGeom prst="rect">
-            <a:avLst/>
-          </a:prstGeom>
-        </p:spPr>
-      </p:pic>
-      <p:pic>
-        <p:nvPicPr>
-          <p:cNvPr id="22" name="Picture 21">
-            <a:extLst>
-              <a:ext uri="{FF2B5EF4-FFF2-40B4-BE49-F238E27FC236}">
-                <a16:creationId xmlns:a16="http://schemas.microsoft.com/office/drawing/2014/main" id="{0E20CE0C-66E3-073B-E6D6-DD7E83255D76}"/>
-              </a:ext>
-            </a:extLst>
-          </p:cNvPr>
-          <p:cNvPicPr>
-            <a:picLocks noChangeAspect="1"/>
-          </p:cNvPicPr>
-          <p:nvPr/>
-        </p:nvPicPr>
-        <p:blipFill>
-          <a:blip r:embed="rId6" cstate="print">
-            <a:extLst>
-              <a:ext uri="{28A0092B-C50C-407E-A947-70E740481C1C}">
-                <a14:useLocalDpi xmlns:a14="http://schemas.microsoft.com/office/drawing/2010/main" val="0"/>
-              </a:ext>
-            </a:extLst>
-          </a:blip>
-          <a:stretch>
-            <a:fillRect/>
-          </a:stretch>
-        </p:blipFill>
-        <p:spPr>
-          <a:xfrm>
-            <a:off x="7410581" y="3266531"/>
-            <a:ext cx="851560" cy="620342"/>
-          </a:xfrm>
-          <a:prstGeom prst="rect">
-            <a:avLst/>
-          </a:prstGeom>
-        </p:spPr>
-      </p:pic>
-      <p:sp>
-        <p:nvSpPr>
-          <p:cNvPr id="23" name="TextBox 22">
-            <a:extLst>
-              <a:ext uri="{FF2B5EF4-FFF2-40B4-BE49-F238E27FC236}">
-                <a16:creationId xmlns:a16="http://schemas.microsoft.com/office/drawing/2014/main" id="{6C0A6251-3A3B-06AD-FFB2-18AD25A5A38C}"/>
-              </a:ext>
-            </a:extLst>
-          </p:cNvPr>
-          <p:cNvSpPr txBox="1"/>
-          <p:nvPr/>
-        </p:nvSpPr>
-        <p:spPr>
-          <a:xfrm>
-            <a:off x="7551892" y="3923527"/>
-            <a:ext cx="568938" cy="369332"/>
-          </a:xfrm>
-          <a:prstGeom prst="rect">
-            <a:avLst/>
-          </a:prstGeom>
-          <a:noFill/>
-        </p:spPr>
-        <p:txBody>
-          <a:bodyPr wrap="square" rtlCol="0">
-            <a:spAutoFit/>
-          </a:bodyPr>
-          <a:lstStyle/>
-          <a:p>
-            <a:r>
-              <a:rPr lang="en-US" dirty="0">
+            <a:chOff x="7253890" y="2967187"/>
+            <a:chExt cx="1164942" cy="1562459"/>
+          </a:xfrm>
+        </p:grpSpPr>
+        <p:pic>
+          <p:nvPicPr>
+            <p:cNvPr id="20" name="Picture 19">
+              <a:extLst>
+                <a:ext uri="{FF2B5EF4-FFF2-40B4-BE49-F238E27FC236}">
+                  <a16:creationId xmlns:a16="http://schemas.microsoft.com/office/drawing/2014/main" id="{E3491331-5420-4D91-B017-712E5A6C1573}"/>
+                </a:ext>
+              </a:extLst>
+            </p:cNvPr>
+            <p:cNvPicPr>
+              <a:picLocks noChangeAspect="1"/>
+            </p:cNvPicPr>
+            <p:nvPr/>
+          </p:nvPicPr>
+          <p:blipFill>
+            <a:blip r:embed="rId7">
+              <a:extLst>
+                <a:ext uri="{28A0092B-C50C-407E-A947-70E740481C1C}">
+                  <a14:useLocalDpi xmlns:a14="http://schemas.microsoft.com/office/drawing/2010/main" val="0"/>
+                </a:ext>
+              </a:extLst>
+            </a:blip>
+            <a:stretch>
+              <a:fillRect/>
+            </a:stretch>
+          </p:blipFill>
+          <p:spPr>
+            <a:xfrm>
+              <a:off x="7253890" y="2967187"/>
+              <a:ext cx="1164942" cy="1562459"/>
+            </a:xfrm>
+            <a:prstGeom prst="rect">
+              <a:avLst/>
+            </a:prstGeom>
+          </p:spPr>
+        </p:pic>
+        <p:pic>
+          <p:nvPicPr>
+            <p:cNvPr id="22" name="Picture 21">
+              <a:extLst>
+                <a:ext uri="{FF2B5EF4-FFF2-40B4-BE49-F238E27FC236}">
+                  <a16:creationId xmlns:a16="http://schemas.microsoft.com/office/drawing/2014/main" id="{0E20CE0C-66E3-073B-E6D6-DD7E83255D76}"/>
+                </a:ext>
+              </a:extLst>
+            </p:cNvPr>
+            <p:cNvPicPr>
+              <a:picLocks noChangeAspect="1"/>
+            </p:cNvPicPr>
+            <p:nvPr/>
+          </p:nvPicPr>
+          <p:blipFill>
+            <a:blip r:embed="rId6" cstate="print">
+              <a:extLst>
+                <a:ext uri="{28A0092B-C50C-407E-A947-70E740481C1C}">
+                  <a14:useLocalDpi xmlns:a14="http://schemas.microsoft.com/office/drawing/2010/main" val="0"/>
+                </a:ext>
+              </a:extLst>
+            </a:blip>
+            <a:stretch>
+              <a:fillRect/>
+            </a:stretch>
+          </p:blipFill>
+          <p:spPr>
+            <a:xfrm>
+              <a:off x="7410581" y="3266531"/>
+              <a:ext cx="851560" cy="620342"/>
+            </a:xfrm>
+            <a:prstGeom prst="rect">
+              <a:avLst/>
+            </a:prstGeom>
+          </p:spPr>
+        </p:pic>
+        <p:sp>
+          <p:nvSpPr>
+            <p:cNvPr id="23" name="TextBox 22">
+              <a:extLst>
+                <a:ext uri="{FF2B5EF4-FFF2-40B4-BE49-F238E27FC236}">
+                  <a16:creationId xmlns:a16="http://schemas.microsoft.com/office/drawing/2014/main" id="{6C0A6251-3A3B-06AD-FFB2-18AD25A5A38C}"/>
+                </a:ext>
+              </a:extLst>
+            </p:cNvPr>
+            <p:cNvSpPr txBox="1"/>
+            <p:nvPr/>
+          </p:nvSpPr>
+          <p:spPr>
+            <a:xfrm>
+              <a:off x="7551892" y="3923527"/>
+              <a:ext cx="568938" cy="369332"/>
+            </a:xfrm>
+            <a:prstGeom prst="rect">
+              <a:avLst/>
+            </a:prstGeom>
+            <a:noFill/>
+          </p:spPr>
+          <p:txBody>
+            <a:bodyPr wrap="square" rtlCol="0">
+              <a:spAutoFit/>
+            </a:bodyPr>
+            <a:lstStyle/>
+            <a:p>
+              <a:r>
+                <a:rPr lang="en-US" dirty="0">
+                  <a:latin typeface="Century Gothic" panose="020B0502020202020204" pitchFamily="34" charset="0"/>
+                </a:rPr>
+                <a:t>DLL</a:t>
+              </a:r>
+            </a:p>
+          </p:txBody>
+        </p:sp>
+      </p:grpSp>
+      <p:grpSp>
+        <p:nvGrpSpPr>
+          <p:cNvPr id="14" name="Group 13"/>
+          <p:cNvGrpSpPr/>
+          <p:nvPr/>
+        </p:nvGrpSpPr>
+        <p:grpSpPr>
+          <a:xfrm>
+            <a:off x="4603613" y="2555354"/>
+            <a:ext cx="1098482" cy="1473321"/>
+            <a:chOff x="4831571" y="2946928"/>
+            <a:chExt cx="1164942" cy="1562459"/>
+          </a:xfrm>
+        </p:grpSpPr>
+        <p:pic>
+          <p:nvPicPr>
+            <p:cNvPr id="17" name="Picture 16">
+              <a:extLst>
+                <a:ext uri="{FF2B5EF4-FFF2-40B4-BE49-F238E27FC236}">
+                  <a16:creationId xmlns:a16="http://schemas.microsoft.com/office/drawing/2014/main" id="{E0F9B1DF-C0D3-5F68-7E9B-BF5685B16513}"/>
+                </a:ext>
+              </a:extLst>
+            </p:cNvPr>
+            <p:cNvPicPr>
+              <a:picLocks noChangeAspect="1"/>
+            </p:cNvPicPr>
+            <p:nvPr/>
+          </p:nvPicPr>
+          <p:blipFill>
+            <a:blip r:embed="rId7">
+              <a:extLst>
+                <a:ext uri="{28A0092B-C50C-407E-A947-70E740481C1C}">
+                  <a14:useLocalDpi xmlns:a14="http://schemas.microsoft.com/office/drawing/2010/main" val="0"/>
+                </a:ext>
+              </a:extLst>
+            </a:blip>
+            <a:stretch>
+              <a:fillRect/>
+            </a:stretch>
+          </p:blipFill>
+          <p:spPr>
+            <a:xfrm>
+              <a:off x="4831571" y="2946928"/>
+              <a:ext cx="1164942" cy="1562459"/>
+            </a:xfrm>
+            <a:prstGeom prst="rect">
+              <a:avLst/>
+            </a:prstGeom>
+          </p:spPr>
+        </p:pic>
+        <p:sp>
+          <p:nvSpPr>
+            <p:cNvPr id="24" name="TextBox 23">
+              <a:extLst>
+                <a:ext uri="{FF2B5EF4-FFF2-40B4-BE49-F238E27FC236}">
+                  <a16:creationId xmlns:a16="http://schemas.microsoft.com/office/drawing/2014/main" id="{2A7903FB-3E51-F02C-AC3F-FCD788A4A299}"/>
+                </a:ext>
+              </a:extLst>
+            </p:cNvPr>
+            <p:cNvSpPr txBox="1"/>
+            <p:nvPr/>
+          </p:nvSpPr>
+          <p:spPr>
+            <a:xfrm>
+              <a:off x="4939898" y="3435565"/>
+              <a:ext cx="948287" cy="685435"/>
+            </a:xfrm>
+            <a:prstGeom prst="rect">
+              <a:avLst/>
+            </a:prstGeom>
+            <a:noFill/>
+          </p:spPr>
+          <p:txBody>
+            <a:bodyPr wrap="square" rtlCol="0">
+              <a:spAutoFit/>
+            </a:bodyPr>
+            <a:lstStyle/>
+            <a:p>
+              <a:pPr algn="ctr"/>
+              <a:r>
+                <a:rPr lang="en-US" dirty="0">
+                  <a:latin typeface="Century Gothic" panose="020B0502020202020204" pitchFamily="34" charset="0"/>
+                </a:rPr>
+                <a:t>XML</a:t>
+              </a:r>
+            </a:p>
+            <a:p>
+              <a:pPr algn="ctr"/>
+              <a:r>
+                <a:rPr lang="ru-RU" dirty="0">
+                  <a:latin typeface="Century Gothic" panose="020B0502020202020204" pitchFamily="34" charset="0"/>
+                </a:rPr>
+                <a:t>файл</a:t>
+              </a:r>
+              <a:endParaRPr lang="en-US" dirty="0">
                 <a:latin typeface="Century Gothic" panose="020B0502020202020204" pitchFamily="34" charset="0"/>
-              </a:rPr>
-              <a:t>DLL</a:t>
-            </a:r>
-          </a:p>
-        </p:txBody>
-      </p:sp>
-      <p:sp>
-        <p:nvSpPr>
-          <p:cNvPr id="24" name="TextBox 23">
-            <a:extLst>
-              <a:ext uri="{FF2B5EF4-FFF2-40B4-BE49-F238E27FC236}">
-                <a16:creationId xmlns:a16="http://schemas.microsoft.com/office/drawing/2014/main" id="{2A7903FB-3E51-F02C-AC3F-FCD788A4A299}"/>
-              </a:ext>
-            </a:extLst>
-          </p:cNvPr>
-          <p:cNvSpPr txBox="1"/>
-          <p:nvPr/>
-        </p:nvSpPr>
-        <p:spPr>
-          <a:xfrm>
-            <a:off x="4979944" y="3426424"/>
-            <a:ext cx="868196" cy="646331"/>
-          </a:xfrm>
-          <a:prstGeom prst="rect">
-            <a:avLst/>
-          </a:prstGeom>
-          <a:noFill/>
-        </p:spPr>
-        <p:txBody>
-          <a:bodyPr wrap="square" rtlCol="0">
-            <a:spAutoFit/>
-          </a:bodyPr>
-          <a:lstStyle/>
-          <a:p>
-            <a:pPr algn="ctr"/>
-            <a:r>
-              <a:rPr lang="en-US" dirty="0">
-                <a:latin typeface="Century Gothic" panose="020B0502020202020204" pitchFamily="34" charset="0"/>
-              </a:rPr>
-              <a:t>XML</a:t>
-            </a:r>
-          </a:p>
-          <a:p>
-            <a:pPr algn="ctr"/>
-            <a:r>
-              <a:rPr lang="ru-RU" dirty="0">
-                <a:latin typeface="Century Gothic" panose="020B0502020202020204" pitchFamily="34" charset="0"/>
-              </a:rPr>
-              <a:t>файл</a:t>
-            </a:r>
-            <a:endParaRPr lang="en-US" dirty="0">
-              <a:latin typeface="Century Gothic" panose="020B0502020202020204" pitchFamily="34" charset="0"/>
-            </a:endParaRPr>
-          </a:p>
-        </p:txBody>
-      </p:sp>
-      <p:pic>
-        <p:nvPicPr>
-          <p:cNvPr id="25" name="Picture 24">
-            <a:extLst>
-              <a:ext uri="{FF2B5EF4-FFF2-40B4-BE49-F238E27FC236}">
-                <a16:creationId xmlns:a16="http://schemas.microsoft.com/office/drawing/2014/main" id="{6504B162-CF02-36B5-2EA6-E9F167D481B7}"/>
-              </a:ext>
-            </a:extLst>
-          </p:cNvPr>
-          <p:cNvPicPr>
-            <a:picLocks noChangeAspect="1"/>
-          </p:cNvPicPr>
-          <p:nvPr/>
-        </p:nvPicPr>
-        <p:blipFill>
-          <a:blip r:embed="rId5"/>
-          <a:stretch>
-            <a:fillRect/>
-          </a:stretch>
-        </p:blipFill>
-        <p:spPr>
-          <a:xfrm rot="10800000">
-            <a:off x="6037294" y="3271238"/>
-            <a:ext cx="1164943" cy="440190"/>
-          </a:xfrm>
-          <a:prstGeom prst="rect">
-            <a:avLst/>
-          </a:prstGeom>
-        </p:spPr>
-      </p:pic>
-      <p:pic>
-        <p:nvPicPr>
-          <p:cNvPr id="26" name="Picture 25">
-            <a:extLst>
-              <a:ext uri="{FF2B5EF4-FFF2-40B4-BE49-F238E27FC236}">
-                <a16:creationId xmlns:a16="http://schemas.microsoft.com/office/drawing/2014/main" id="{3D746418-6434-17EA-0818-0C02EC9C0C4D}"/>
-              </a:ext>
-            </a:extLst>
-          </p:cNvPr>
-          <p:cNvPicPr>
-            <a:picLocks noChangeAspect="1"/>
-          </p:cNvPicPr>
-          <p:nvPr/>
-        </p:nvPicPr>
-        <p:blipFill>
-          <a:blip r:embed="rId5"/>
-          <a:stretch>
-            <a:fillRect/>
-          </a:stretch>
-        </p:blipFill>
-        <p:spPr>
-          <a:xfrm rot="10800000" flipH="1">
-            <a:off x="6048167" y="3716513"/>
-            <a:ext cx="1164943" cy="440190"/>
-          </a:xfrm>
-          <a:prstGeom prst="rect">
-            <a:avLst/>
-          </a:prstGeom>
-        </p:spPr>
-      </p:pic>
+              </a:endParaRPr>
+            </a:p>
+          </p:txBody>
+        </p:sp>
+      </p:grpSp>
       <p:pic>
         <p:nvPicPr>
           <p:cNvPr id="27" name="Picture 26">
@@ -10501,8 +12437,8 @@
         </p:blipFill>
         <p:spPr>
           <a:xfrm rot="10800000">
-            <a:off x="3304619" y="3063250"/>
-            <a:ext cx="1475297" cy="440190"/>
+            <a:off x="3228240" y="2919802"/>
+            <a:ext cx="1146960" cy="342224"/>
           </a:xfrm>
           <a:prstGeom prst="rect">
             <a:avLst/>
@@ -10531,8 +12467,8 @@
         </p:blipFill>
         <p:spPr>
           <a:xfrm rot="10800000" flipH="1">
-            <a:off x="3315493" y="3508525"/>
-            <a:ext cx="1475297" cy="440190"/>
+            <a:off x="3239114" y="3365077"/>
+            <a:ext cx="1146962" cy="342224"/>
           </a:xfrm>
           <a:prstGeom prst="rect">
             <a:avLst/>
@@ -10560,8 +12496,8 @@
           </a:stretch>
         </p:blipFill>
         <p:spPr>
-          <a:xfrm rot="13429665" flipH="1">
-            <a:off x="1556116" y="4249418"/>
+          <a:xfrm rot="12457194" flipH="1">
+            <a:off x="957512" y="4176992"/>
             <a:ext cx="822685" cy="317391"/>
           </a:xfrm>
           <a:prstGeom prst="rect">
@@ -10569,238 +12505,141 @@
           </a:prstGeom>
         </p:spPr>
       </p:pic>
-      <p:pic>
-        <p:nvPicPr>
-          <p:cNvPr id="32" name="Picture 31">
-            <a:extLst>
-              <a:ext uri="{FF2B5EF4-FFF2-40B4-BE49-F238E27FC236}">
-                <a16:creationId xmlns:a16="http://schemas.microsoft.com/office/drawing/2014/main" id="{8F54CE67-D52E-7E47-20F6-FEA4C453374D}"/>
-              </a:ext>
-            </a:extLst>
-          </p:cNvPr>
-          <p:cNvPicPr>
-            <a:picLocks noChangeAspect="1"/>
-          </p:cNvPicPr>
-          <p:nvPr/>
-        </p:nvPicPr>
-        <p:blipFill>
-          <a:blip r:embed="rId7">
-            <a:extLst>
-              <a:ext uri="{28A0092B-C50C-407E-A947-70E740481C1C}">
-                <a14:useLocalDpi xmlns:a14="http://schemas.microsoft.com/office/drawing/2010/main" val="0"/>
-              </a:ext>
-            </a:extLst>
-          </a:blip>
-          <a:stretch>
-            <a:fillRect/>
-          </a:stretch>
-        </p:blipFill>
-        <p:spPr>
-          <a:xfrm>
-            <a:off x="2008240" y="4756940"/>
-            <a:ext cx="1164942" cy="1562459"/>
-          </a:xfrm>
-          <a:prstGeom prst="rect">
-            <a:avLst/>
-          </a:prstGeom>
-        </p:spPr>
-      </p:pic>
-      <p:pic>
-        <p:nvPicPr>
-          <p:cNvPr id="33" name="Picture 32">
-            <a:extLst>
-              <a:ext uri="{FF2B5EF4-FFF2-40B4-BE49-F238E27FC236}">
-                <a16:creationId xmlns:a16="http://schemas.microsoft.com/office/drawing/2014/main" id="{9ADE3DDC-B221-10DA-2E5D-64365C49D6F3}"/>
-              </a:ext>
-            </a:extLst>
-          </p:cNvPr>
-          <p:cNvPicPr>
-            <a:picLocks noChangeAspect="1"/>
-          </p:cNvPicPr>
-          <p:nvPr/>
-        </p:nvPicPr>
-        <p:blipFill>
-          <a:blip r:embed="rId6" cstate="print">
-            <a:extLst>
-              <a:ext uri="{28A0092B-C50C-407E-A947-70E740481C1C}">
-                <a14:useLocalDpi xmlns:a14="http://schemas.microsoft.com/office/drawing/2010/main" val="0"/>
-              </a:ext>
-            </a:extLst>
-          </a:blip>
-          <a:stretch>
-            <a:fillRect/>
-          </a:stretch>
-        </p:blipFill>
-        <p:spPr>
-          <a:xfrm>
-            <a:off x="2164931" y="4892762"/>
-            <a:ext cx="851560" cy="620342"/>
-          </a:xfrm>
-          <a:prstGeom prst="rect">
-            <a:avLst/>
-          </a:prstGeom>
-        </p:spPr>
-      </p:pic>
-      <p:sp>
-        <p:nvSpPr>
-          <p:cNvPr id="34" name="TextBox 33">
-            <a:extLst>
-              <a:ext uri="{FF2B5EF4-FFF2-40B4-BE49-F238E27FC236}">
-                <a16:creationId xmlns:a16="http://schemas.microsoft.com/office/drawing/2014/main" id="{358BBECC-6C15-992F-2037-2C2455C6AF93}"/>
-              </a:ext>
-            </a:extLst>
-          </p:cNvPr>
-          <p:cNvSpPr txBox="1"/>
-          <p:nvPr/>
-        </p:nvSpPr>
-        <p:spPr>
-          <a:xfrm>
-            <a:off x="2041424" y="5444237"/>
-            <a:ext cx="1274068" cy="830997"/>
-          </a:xfrm>
-          <a:prstGeom prst="rect">
-            <a:avLst/>
-          </a:prstGeom>
-          <a:noFill/>
-        </p:spPr>
-        <p:txBody>
-          <a:bodyPr wrap="square" rtlCol="0">
-            <a:spAutoFit/>
-          </a:bodyPr>
-          <a:lstStyle/>
-          <a:p>
-            <a:r>
-              <a:rPr lang="ru-RU" sz="1600" dirty="0">
+      <p:grpSp>
+        <p:nvGrpSpPr>
+          <p:cNvPr id="53" name="Group 52"/>
+          <p:cNvGrpSpPr/>
+          <p:nvPr/>
+        </p:nvGrpSpPr>
+        <p:grpSpPr>
+          <a:xfrm>
+            <a:off x="4459057" y="4591624"/>
+            <a:ext cx="1321445" cy="1562459"/>
+            <a:chOff x="4459057" y="4591624"/>
+            <a:chExt cx="1321445" cy="1562459"/>
+          </a:xfrm>
+        </p:grpSpPr>
+        <p:pic>
+          <p:nvPicPr>
+            <p:cNvPr id="35" name="Picture 34">
+              <a:extLst>
+                <a:ext uri="{FF2B5EF4-FFF2-40B4-BE49-F238E27FC236}">
+                  <a16:creationId xmlns:a16="http://schemas.microsoft.com/office/drawing/2014/main" id="{9794B69E-09D4-23A3-CDBB-6C6AFAD7B7B0}"/>
+                </a:ext>
+              </a:extLst>
+            </p:cNvPr>
+            <p:cNvPicPr>
+              <a:picLocks noChangeAspect="1"/>
+            </p:cNvPicPr>
+            <p:nvPr/>
+          </p:nvPicPr>
+          <p:blipFill>
+            <a:blip r:embed="rId7">
+              <a:extLst>
+                <a:ext uri="{28A0092B-C50C-407E-A947-70E740481C1C}">
+                  <a14:useLocalDpi xmlns:a14="http://schemas.microsoft.com/office/drawing/2010/main" val="0"/>
+                </a:ext>
+              </a:extLst>
+            </a:blip>
+            <a:stretch>
+              <a:fillRect/>
+            </a:stretch>
+          </p:blipFill>
+          <p:spPr>
+            <a:xfrm>
+              <a:off x="4459057" y="4591624"/>
+              <a:ext cx="1164942" cy="1562459"/>
+            </a:xfrm>
+            <a:prstGeom prst="rect">
+              <a:avLst/>
+            </a:prstGeom>
+          </p:spPr>
+        </p:pic>
+        <p:pic>
+          <p:nvPicPr>
+            <p:cNvPr id="36" name="Picture 35">
+              <a:extLst>
+                <a:ext uri="{FF2B5EF4-FFF2-40B4-BE49-F238E27FC236}">
+                  <a16:creationId xmlns:a16="http://schemas.microsoft.com/office/drawing/2014/main" id="{54FD0773-E414-71C1-CD4F-11915174B592}"/>
+                </a:ext>
+              </a:extLst>
+            </p:cNvPr>
+            <p:cNvPicPr>
+              <a:picLocks noChangeAspect="1"/>
+            </p:cNvPicPr>
+            <p:nvPr/>
+          </p:nvPicPr>
+          <p:blipFill>
+            <a:blip r:embed="rId6" cstate="print">
+              <a:extLst>
+                <a:ext uri="{28A0092B-C50C-407E-A947-70E740481C1C}">
+                  <a14:useLocalDpi xmlns:a14="http://schemas.microsoft.com/office/drawing/2010/main" val="0"/>
+                </a:ext>
+              </a:extLst>
+            </a:blip>
+            <a:stretch>
+              <a:fillRect/>
+            </a:stretch>
+          </p:blipFill>
+          <p:spPr>
+            <a:xfrm>
+              <a:off x="4615748" y="4727446"/>
+              <a:ext cx="851560" cy="620342"/>
+            </a:xfrm>
+            <a:prstGeom prst="rect">
+              <a:avLst/>
+            </a:prstGeom>
+          </p:spPr>
+        </p:pic>
+        <p:sp>
+          <p:nvSpPr>
+            <p:cNvPr id="37" name="TextBox 36">
+              <a:extLst>
+                <a:ext uri="{FF2B5EF4-FFF2-40B4-BE49-F238E27FC236}">
+                  <a16:creationId xmlns:a16="http://schemas.microsoft.com/office/drawing/2014/main" id="{40814F84-C5CB-7495-FDB8-4594AD13574B}"/>
+                </a:ext>
+              </a:extLst>
+            </p:cNvPr>
+            <p:cNvSpPr txBox="1"/>
+            <p:nvPr/>
+          </p:nvSpPr>
+          <p:spPr>
+            <a:xfrm>
+              <a:off x="4506434" y="5395317"/>
+              <a:ext cx="1274068" cy="584775"/>
+            </a:xfrm>
+            <a:prstGeom prst="rect">
+              <a:avLst/>
+            </a:prstGeom>
+            <a:noFill/>
+          </p:spPr>
+          <p:txBody>
+            <a:bodyPr wrap="square" rtlCol="0">
+              <a:spAutoFit/>
+            </a:bodyPr>
+            <a:lstStyle/>
+            <a:p>
+              <a:r>
+                <a:rPr lang="ru-RU" sz="1600" dirty="0">
+                  <a:latin typeface="Century Gothic" panose="020B0502020202020204" pitchFamily="34" charset="0"/>
+                </a:rPr>
+                <a:t>Драйвер </a:t>
+              </a:r>
+            </a:p>
+            <a:p>
+              <a:r>
+                <a:rPr lang="en-US" sz="1600" dirty="0">
+                  <a:latin typeface="Century Gothic" panose="020B0502020202020204" pitchFamily="34" charset="0"/>
+                </a:rPr>
+                <a:t>MATICA</a:t>
+              </a:r>
+              <a:endParaRPr lang="ru-RU" sz="1600" dirty="0">
                 <a:latin typeface="Century Gothic" panose="020B0502020202020204" pitchFamily="34" charset="0"/>
-              </a:rPr>
-              <a:t>Драйвер записи карты</a:t>
-            </a:r>
-            <a:endParaRPr lang="en-US" sz="1600" dirty="0">
-              <a:latin typeface="Century Gothic" panose="020B0502020202020204" pitchFamily="34" charset="0"/>
-            </a:endParaRPr>
-          </a:p>
-        </p:txBody>
-      </p:sp>
-      <p:pic>
-        <p:nvPicPr>
-          <p:cNvPr id="35" name="Picture 34">
-            <a:extLst>
-              <a:ext uri="{FF2B5EF4-FFF2-40B4-BE49-F238E27FC236}">
-                <a16:creationId xmlns:a16="http://schemas.microsoft.com/office/drawing/2014/main" id="{9794B69E-09D4-23A3-CDBB-6C6AFAD7B7B0}"/>
-              </a:ext>
-            </a:extLst>
-          </p:cNvPr>
-          <p:cNvPicPr>
-            <a:picLocks noChangeAspect="1"/>
-          </p:cNvPicPr>
-          <p:nvPr/>
-        </p:nvPicPr>
-        <p:blipFill>
-          <a:blip r:embed="rId7">
-            <a:extLst>
-              <a:ext uri="{28A0092B-C50C-407E-A947-70E740481C1C}">
-                <a14:useLocalDpi xmlns:a14="http://schemas.microsoft.com/office/drawing/2010/main" val="0"/>
-              </a:ext>
-            </a:extLst>
-          </a:blip>
-          <a:stretch>
-            <a:fillRect/>
-          </a:stretch>
-        </p:blipFill>
-        <p:spPr>
-          <a:xfrm>
-            <a:off x="4459057" y="4756940"/>
-            <a:ext cx="1164942" cy="1562459"/>
-          </a:xfrm>
-          <a:prstGeom prst="rect">
-            <a:avLst/>
-          </a:prstGeom>
-        </p:spPr>
-      </p:pic>
-      <p:pic>
-        <p:nvPicPr>
-          <p:cNvPr id="36" name="Picture 35">
-            <a:extLst>
-              <a:ext uri="{FF2B5EF4-FFF2-40B4-BE49-F238E27FC236}">
-                <a16:creationId xmlns:a16="http://schemas.microsoft.com/office/drawing/2014/main" id="{54FD0773-E414-71C1-CD4F-11915174B592}"/>
-              </a:ext>
-            </a:extLst>
-          </p:cNvPr>
-          <p:cNvPicPr>
-            <a:picLocks noChangeAspect="1"/>
-          </p:cNvPicPr>
-          <p:nvPr/>
-        </p:nvPicPr>
-        <p:blipFill>
-          <a:blip r:embed="rId6" cstate="print">
-            <a:extLst>
-              <a:ext uri="{28A0092B-C50C-407E-A947-70E740481C1C}">
-                <a14:useLocalDpi xmlns:a14="http://schemas.microsoft.com/office/drawing/2010/main" val="0"/>
-              </a:ext>
-            </a:extLst>
-          </a:blip>
-          <a:stretch>
-            <a:fillRect/>
-          </a:stretch>
-        </p:blipFill>
-        <p:spPr>
-          <a:xfrm>
-            <a:off x="4615748" y="4892762"/>
-            <a:ext cx="851560" cy="620342"/>
-          </a:xfrm>
-          <a:prstGeom prst="rect">
-            <a:avLst/>
-          </a:prstGeom>
-        </p:spPr>
-      </p:pic>
-      <p:sp>
-        <p:nvSpPr>
-          <p:cNvPr id="37" name="TextBox 36">
-            <a:extLst>
-              <a:ext uri="{FF2B5EF4-FFF2-40B4-BE49-F238E27FC236}">
-                <a16:creationId xmlns:a16="http://schemas.microsoft.com/office/drawing/2014/main" id="{40814F84-C5CB-7495-FDB8-4594AD13574B}"/>
-              </a:ext>
-            </a:extLst>
-          </p:cNvPr>
-          <p:cNvSpPr txBox="1"/>
-          <p:nvPr/>
-        </p:nvSpPr>
-        <p:spPr>
-          <a:xfrm>
-            <a:off x="4506434" y="5560633"/>
-            <a:ext cx="1274068" cy="584775"/>
-          </a:xfrm>
-          <a:prstGeom prst="rect">
-            <a:avLst/>
-          </a:prstGeom>
-          <a:noFill/>
-        </p:spPr>
-        <p:txBody>
-          <a:bodyPr wrap="square" rtlCol="0">
-            <a:spAutoFit/>
-          </a:bodyPr>
-          <a:lstStyle/>
-          <a:p>
-            <a:r>
-              <a:rPr lang="ru-RU" sz="1600" dirty="0">
-                <a:latin typeface="Century Gothic" panose="020B0502020202020204" pitchFamily="34" charset="0"/>
-              </a:rPr>
-              <a:t>Драйвер </a:t>
-            </a:r>
-          </a:p>
-          <a:p>
-            <a:r>
-              <a:rPr lang="en-US" sz="1600" dirty="0">
-                <a:latin typeface="Century Gothic" panose="020B0502020202020204" pitchFamily="34" charset="0"/>
-              </a:rPr>
-              <a:t>MATICA</a:t>
-            </a:r>
-            <a:endParaRPr lang="ru-RU" sz="1600" dirty="0">
-              <a:latin typeface="Century Gothic" panose="020B0502020202020204" pitchFamily="34" charset="0"/>
-            </a:endParaRPr>
-          </a:p>
-        </p:txBody>
-      </p:sp>
+              </a:endParaRPr>
+            </a:p>
+          </p:txBody>
+        </p:sp>
+      </p:grpSp>
       <p:pic>
         <p:nvPicPr>
           <p:cNvPr id="38" name="Picture 37">
@@ -10823,7 +12662,7 @@
         </p:blipFill>
         <p:spPr>
           <a:xfrm rot="10800000">
-            <a:off x="3220559" y="5121600"/>
+            <a:off x="3220559" y="4956284"/>
             <a:ext cx="1164943" cy="440190"/>
           </a:xfrm>
           <a:prstGeom prst="rect">
@@ -10853,7 +12692,7 @@
         </p:blipFill>
         <p:spPr>
           <a:xfrm rot="10800000" flipH="1">
-            <a:off x="3231432" y="5566875"/>
+            <a:off x="3231432" y="5401559"/>
             <a:ext cx="1164943" cy="440190"/>
           </a:xfrm>
           <a:prstGeom prst="rect">
@@ -10861,36 +12700,81 @@
           </a:prstGeom>
         </p:spPr>
       </p:pic>
-      <p:pic>
-        <p:nvPicPr>
-          <p:cNvPr id="40" name="Picture 39">
-            <a:extLst>
-              <a:ext uri="{FF2B5EF4-FFF2-40B4-BE49-F238E27FC236}">
-                <a16:creationId xmlns:a16="http://schemas.microsoft.com/office/drawing/2014/main" id="{C4DD3128-F762-F64F-974F-AF6ADA3E0438}"/>
-              </a:ext>
-            </a:extLst>
-          </p:cNvPr>
-          <p:cNvPicPr>
-            <a:picLocks noChangeAspect="1"/>
-          </p:cNvPicPr>
-          <p:nvPr/>
-        </p:nvPicPr>
-        <p:blipFill>
-          <a:blip r:embed="rId5"/>
-          <a:stretch>
-            <a:fillRect/>
-          </a:stretch>
-        </p:blipFill>
-        <p:spPr>
-          <a:xfrm rot="10800000" flipH="1">
-            <a:off x="8433459" y="3901334"/>
-            <a:ext cx="907316" cy="342842"/>
-          </a:xfrm>
-          <a:prstGeom prst="rect">
-            <a:avLst/>
-          </a:prstGeom>
-        </p:spPr>
-      </p:pic>
+      <p:grpSp>
+        <p:nvGrpSpPr>
+          <p:cNvPr id="48" name="Group 47"/>
+          <p:cNvGrpSpPr/>
+          <p:nvPr/>
+        </p:nvGrpSpPr>
+        <p:grpSpPr>
+          <a:xfrm rot="19634447">
+            <a:off x="8525887" y="2406087"/>
+            <a:ext cx="907316" cy="730791"/>
+            <a:chOff x="8433459" y="3513385"/>
+            <a:chExt cx="907316" cy="730791"/>
+          </a:xfrm>
+        </p:grpSpPr>
+        <p:pic>
+          <p:nvPicPr>
+            <p:cNvPr id="19" name="Picture 18">
+              <a:extLst>
+                <a:ext uri="{FF2B5EF4-FFF2-40B4-BE49-F238E27FC236}">
+                  <a16:creationId xmlns:a16="http://schemas.microsoft.com/office/drawing/2014/main" id="{F613C2B3-EFE0-C4C0-711F-B2EE0EB25390}"/>
+                </a:ext>
+              </a:extLst>
+            </p:cNvPr>
+            <p:cNvPicPr>
+              <a:picLocks noChangeAspect="1"/>
+            </p:cNvPicPr>
+            <p:nvPr/>
+          </p:nvPicPr>
+          <p:blipFill>
+            <a:blip r:embed="rId5"/>
+            <a:stretch>
+              <a:fillRect/>
+            </a:stretch>
+          </p:blipFill>
+          <p:spPr>
+            <a:xfrm rot="10800000">
+              <a:off x="8433459" y="3513385"/>
+              <a:ext cx="907316" cy="342842"/>
+            </a:xfrm>
+            <a:prstGeom prst="rect">
+              <a:avLst/>
+            </a:prstGeom>
+          </p:spPr>
+        </p:pic>
+        <p:pic>
+          <p:nvPicPr>
+            <p:cNvPr id="40" name="Picture 39">
+              <a:extLst>
+                <a:ext uri="{FF2B5EF4-FFF2-40B4-BE49-F238E27FC236}">
+                  <a16:creationId xmlns:a16="http://schemas.microsoft.com/office/drawing/2014/main" id="{C4DD3128-F762-F64F-974F-AF6ADA3E0438}"/>
+                </a:ext>
+              </a:extLst>
+            </p:cNvPr>
+            <p:cNvPicPr>
+              <a:picLocks noChangeAspect="1"/>
+            </p:cNvPicPr>
+            <p:nvPr/>
+          </p:nvPicPr>
+          <p:blipFill>
+            <a:blip r:embed="rId5"/>
+            <a:stretch>
+              <a:fillRect/>
+            </a:stretch>
+          </p:blipFill>
+          <p:spPr>
+            <a:xfrm rot="10800000" flipH="1">
+              <a:off x="8433459" y="3901334"/>
+              <a:ext cx="907316" cy="342842"/>
+            </a:xfrm>
+            <a:prstGeom prst="rect">
+              <a:avLst/>
+            </a:prstGeom>
+          </p:spPr>
+        </p:pic>
+      </p:grpSp>
       <p:pic>
         <p:nvPicPr>
           <p:cNvPr id="41" name="Picture 40">
@@ -10913,7 +12797,7 @@
         </p:blipFill>
         <p:spPr>
           <a:xfrm rot="10800000">
-            <a:off x="5693714" y="5121600"/>
+            <a:off x="5693714" y="4956284"/>
             <a:ext cx="1164943" cy="440190"/>
           </a:xfrm>
           <a:prstGeom prst="rect">
@@ -10943,7 +12827,7 @@
         </p:blipFill>
         <p:spPr>
           <a:xfrm rot="10800000" flipH="1">
-            <a:off x="5704587" y="5566875"/>
+            <a:off x="5704587" y="5401559"/>
             <a:ext cx="1164943" cy="440190"/>
           </a:xfrm>
           <a:prstGeom prst="rect">
@@ -10979,7 +12863,7 @@
         </p:blipFill>
         <p:spPr>
           <a:xfrm>
-            <a:off x="6979279" y="4651401"/>
+            <a:off x="6979279" y="4486085"/>
             <a:ext cx="2000266" cy="886768"/>
           </a:xfrm>
           <a:prstGeom prst="rect">
@@ -11015,7 +12899,7 @@
         </p:blipFill>
         <p:spPr>
           <a:xfrm>
-            <a:off x="7676329" y="5444237"/>
+            <a:off x="7676329" y="5278921"/>
             <a:ext cx="641650" cy="1276546"/>
           </a:xfrm>
           <a:prstGeom prst="rect">
@@ -11023,42 +12907,133 @@
           </a:prstGeom>
         </p:spPr>
       </p:pic>
-      <p:pic>
-        <p:nvPicPr>
-          <p:cNvPr id="45" name="Picture 44">
-            <a:extLst>
-              <a:ext uri="{FF2B5EF4-FFF2-40B4-BE49-F238E27FC236}">
-                <a16:creationId xmlns:a16="http://schemas.microsoft.com/office/drawing/2014/main" id="{872B8CBA-1FE8-450E-1183-4DF1802B2AF2}"/>
-              </a:ext>
-            </a:extLst>
-          </p:cNvPr>
-          <p:cNvPicPr>
-            <a:picLocks noChangeAspect="1"/>
-          </p:cNvPicPr>
-          <p:nvPr/>
-        </p:nvPicPr>
-        <p:blipFill>
-          <a:blip r:embed="rId10">
-            <a:extLst>
-              <a:ext uri="{28A0092B-C50C-407E-A947-70E740481C1C}">
-                <a14:useLocalDpi xmlns:a14="http://schemas.microsoft.com/office/drawing/2010/main" val="0"/>
-              </a:ext>
-            </a:extLst>
-          </a:blip>
-          <a:stretch>
-            <a:fillRect/>
-          </a:stretch>
-        </p:blipFill>
-        <p:spPr>
-          <a:xfrm>
-            <a:off x="9952295" y="5094785"/>
-            <a:ext cx="1810669" cy="1085182"/>
-          </a:xfrm>
-          <a:prstGeom prst="rect">
-            <a:avLst/>
-          </a:prstGeom>
-        </p:spPr>
-      </p:pic>
+      <p:grpSp>
+        <p:nvGrpSpPr>
+          <p:cNvPr id="55" name="Group 54"/>
+          <p:cNvGrpSpPr/>
+          <p:nvPr/>
+        </p:nvGrpSpPr>
+        <p:grpSpPr>
+          <a:xfrm>
+            <a:off x="2008240" y="4591624"/>
+            <a:ext cx="1307252" cy="1562459"/>
+            <a:chOff x="2008240" y="4591624"/>
+            <a:chExt cx="1307252" cy="1562459"/>
+          </a:xfrm>
+        </p:grpSpPr>
+        <p:pic>
+          <p:nvPicPr>
+            <p:cNvPr id="32" name="Picture 31">
+              <a:extLst>
+                <a:ext uri="{FF2B5EF4-FFF2-40B4-BE49-F238E27FC236}">
+                  <a16:creationId xmlns:a16="http://schemas.microsoft.com/office/drawing/2014/main" id="{8F54CE67-D52E-7E47-20F6-FEA4C453374D}"/>
+                </a:ext>
+              </a:extLst>
+            </p:cNvPr>
+            <p:cNvPicPr>
+              <a:picLocks noChangeAspect="1"/>
+            </p:cNvPicPr>
+            <p:nvPr/>
+          </p:nvPicPr>
+          <p:blipFill>
+            <a:blip r:embed="rId7">
+              <a:extLst>
+                <a:ext uri="{28A0092B-C50C-407E-A947-70E740481C1C}">
+                  <a14:useLocalDpi xmlns:a14="http://schemas.microsoft.com/office/drawing/2010/main" val="0"/>
+                </a:ext>
+              </a:extLst>
+            </a:blip>
+            <a:stretch>
+              <a:fillRect/>
+            </a:stretch>
+          </p:blipFill>
+          <p:spPr>
+            <a:xfrm>
+              <a:off x="2008240" y="4591624"/>
+              <a:ext cx="1164942" cy="1562459"/>
+            </a:xfrm>
+            <a:prstGeom prst="rect">
+              <a:avLst/>
+            </a:prstGeom>
+          </p:spPr>
+        </p:pic>
+        <p:sp>
+          <p:nvSpPr>
+            <p:cNvPr id="34" name="TextBox 33">
+              <a:extLst>
+                <a:ext uri="{FF2B5EF4-FFF2-40B4-BE49-F238E27FC236}">
+                  <a16:creationId xmlns:a16="http://schemas.microsoft.com/office/drawing/2014/main" id="{358BBECC-6C15-992F-2037-2C2455C6AF93}"/>
+                </a:ext>
+              </a:extLst>
+            </p:cNvPr>
+            <p:cNvSpPr txBox="1"/>
+            <p:nvPr/>
+          </p:nvSpPr>
+          <p:spPr>
+            <a:xfrm>
+              <a:off x="2041424" y="5278921"/>
+              <a:ext cx="1274068" cy="830997"/>
+            </a:xfrm>
+            <a:prstGeom prst="rect">
+              <a:avLst/>
+            </a:prstGeom>
+            <a:noFill/>
+          </p:spPr>
+          <p:txBody>
+            <a:bodyPr wrap="square" rtlCol="0">
+              <a:spAutoFit/>
+            </a:bodyPr>
+            <a:lstStyle/>
+            <a:p>
+              <a:r>
+                <a:rPr lang="ru-RU" sz="1600" dirty="0">
+                  <a:latin typeface="Century Gothic" panose="020B0502020202020204" pitchFamily="34" charset="0"/>
+                </a:rPr>
+                <a:t>Драйвер записи карты</a:t>
+              </a:r>
+              <a:endParaRPr lang="en-US" sz="1600" dirty="0">
+                <a:latin typeface="Century Gothic" panose="020B0502020202020204" pitchFamily="34" charset="0"/>
+              </a:endParaRPr>
+            </a:p>
+          </p:txBody>
+        </p:sp>
+        <p:pic>
+          <p:nvPicPr>
+            <p:cNvPr id="45" name="Picture 44">
+              <a:extLst>
+                <a:ext uri="{FF2B5EF4-FFF2-40B4-BE49-F238E27FC236}">
+                  <a16:creationId xmlns:a16="http://schemas.microsoft.com/office/drawing/2014/main" id="{872B8CBA-1FE8-450E-1183-4DF1802B2AF2}"/>
+                </a:ext>
+              </a:extLst>
+            </p:cNvPr>
+            <p:cNvPicPr>
+              <a:picLocks noChangeAspect="1"/>
+            </p:cNvPicPr>
+            <p:nvPr/>
+          </p:nvPicPr>
+          <p:blipFill>
+            <a:blip r:embed="rId10" cstate="print">
+              <a:extLst>
+                <a:ext uri="{28A0092B-C50C-407E-A947-70E740481C1C}">
+                  <a14:useLocalDpi xmlns:a14="http://schemas.microsoft.com/office/drawing/2010/main" val="0"/>
+                </a:ext>
+              </a:extLst>
+            </a:blip>
+            <a:stretch>
+              <a:fillRect/>
+            </a:stretch>
+          </p:blipFill>
+          <p:spPr>
+            <a:xfrm>
+              <a:off x="2162261" y="4863507"/>
+              <a:ext cx="728960" cy="436884"/>
+            </a:xfrm>
+            <a:prstGeom prst="rect">
+              <a:avLst/>
+            </a:prstGeom>
+          </p:spPr>
+        </p:pic>
+      </p:grpSp>
       <p:pic>
         <p:nvPicPr>
           <p:cNvPr id="46" name="Picture 45">
@@ -11081,7 +13056,7 @@
         </p:blipFill>
         <p:spPr>
           <a:xfrm rot="10800000">
-            <a:off x="9012262" y="5247265"/>
+            <a:off x="9012262" y="5081949"/>
             <a:ext cx="907316" cy="342842"/>
           </a:xfrm>
           <a:prstGeom prst="rect">
@@ -11111,7 +13086,7 @@
         </p:blipFill>
         <p:spPr>
           <a:xfrm rot="10800000" flipH="1">
-            <a:off x="9012262" y="5635214"/>
+            <a:off x="9012262" y="5469898"/>
             <a:ext cx="907316" cy="342842"/>
           </a:xfrm>
           <a:prstGeom prst="rect">
@@ -11119,6 +13094,157 @@
           </a:prstGeom>
         </p:spPr>
       </p:pic>
+      <p:cxnSp>
+        <p:nvCxnSpPr>
+          <p:cNvPr id="29" name="Straight Arrow Connector 28"/>
+          <p:cNvCxnSpPr>
+            <a:stCxn id="12" idx="3"/>
+            <a:endCxn id="13" idx="1"/>
+          </p:cNvCxnSpPr>
+          <p:nvPr/>
+        </p:nvCxnSpPr>
+        <p:spPr>
+          <a:xfrm>
+            <a:off x="5143468" y="1969707"/>
+            <a:ext cx="4174146" cy="13238"/>
+          </a:xfrm>
+          <a:prstGeom prst="straightConnector1">
+            <a:avLst/>
+          </a:prstGeom>
+          <a:ln w="57150">
+            <a:solidFill>
+              <a:srgbClr val="4D4D4E"/>
+            </a:solidFill>
+            <a:tailEnd type="triangle"/>
+          </a:ln>
+        </p:spPr>
+        <p:style>
+          <a:lnRef idx="1">
+            <a:schemeClr val="accent1"/>
+          </a:lnRef>
+          <a:fillRef idx="0">
+            <a:schemeClr val="accent1"/>
+          </a:fillRef>
+          <a:effectRef idx="0">
+            <a:schemeClr val="accent1"/>
+          </a:effectRef>
+          <a:fontRef idx="minor">
+            <a:schemeClr val="tx1"/>
+          </a:fontRef>
+        </p:style>
+      </p:cxnSp>
+      <p:pic>
+        <p:nvPicPr>
+          <p:cNvPr id="50" name="Picture 49">
+            <a:extLst>
+              <a:ext uri="{FF2B5EF4-FFF2-40B4-BE49-F238E27FC236}">
+                <a16:creationId xmlns:a16="http://schemas.microsoft.com/office/drawing/2014/main" id="{6223D05A-6CC1-3BB0-56EC-E48ED1372BC1}"/>
+              </a:ext>
+            </a:extLst>
+          </p:cNvPr>
+          <p:cNvPicPr>
+            <a:picLocks noChangeAspect="1"/>
+          </p:cNvPicPr>
+          <p:nvPr/>
+        </p:nvPicPr>
+        <p:blipFill>
+          <a:blip r:embed="rId5"/>
+          <a:stretch>
+            <a:fillRect/>
+          </a:stretch>
+        </p:blipFill>
+        <p:spPr>
+          <a:xfrm rot="10800000">
+            <a:off x="5832319" y="2919802"/>
+            <a:ext cx="1146960" cy="342224"/>
+          </a:xfrm>
+          <a:prstGeom prst="rect">
+            <a:avLst/>
+          </a:prstGeom>
+        </p:spPr>
+      </p:pic>
+      <p:pic>
+        <p:nvPicPr>
+          <p:cNvPr id="51" name="Picture 50">
+            <a:extLst>
+              <a:ext uri="{FF2B5EF4-FFF2-40B4-BE49-F238E27FC236}">
+                <a16:creationId xmlns:a16="http://schemas.microsoft.com/office/drawing/2014/main" id="{23FE7613-C3BD-ED6E-0B2C-B1B4C6E9DCA4}"/>
+              </a:ext>
+            </a:extLst>
+          </p:cNvPr>
+          <p:cNvPicPr>
+            <a:picLocks noChangeAspect="1"/>
+          </p:cNvPicPr>
+          <p:nvPr/>
+        </p:nvPicPr>
+        <p:blipFill>
+          <a:blip r:embed="rId5"/>
+          <a:stretch>
+            <a:fillRect/>
+          </a:stretch>
+        </p:blipFill>
+        <p:spPr>
+          <a:xfrm rot="10800000" flipH="1">
+            <a:off x="5843193" y="3365077"/>
+            <a:ext cx="1146962" cy="342224"/>
+          </a:xfrm>
+          <a:prstGeom prst="rect">
+            <a:avLst/>
+          </a:prstGeom>
+        </p:spPr>
+      </p:pic>
+      <p:sp>
+        <p:nvSpPr>
+          <p:cNvPr id="52" name="Rectangle 51">
+            <a:extLst>
+              <a:ext uri="{FF2B5EF4-FFF2-40B4-BE49-F238E27FC236}">
+                <a16:creationId xmlns:a16="http://schemas.microsoft.com/office/drawing/2014/main" id="{529C2627-CD5F-A902-B215-21B7C19F6F64}"/>
+              </a:ext>
+            </a:extLst>
+          </p:cNvPr>
+          <p:cNvSpPr/>
+          <p:nvPr/>
+        </p:nvSpPr>
+        <p:spPr>
+          <a:xfrm>
+            <a:off x="1806894" y="4260425"/>
+            <a:ext cx="10053133" cy="2457875"/>
+          </a:xfrm>
+          <a:prstGeom prst="rect">
+            <a:avLst/>
+          </a:prstGeom>
+          <a:noFill/>
+          <a:ln w="76200">
+            <a:solidFill>
+              <a:schemeClr val="accent1">
+                <a:lumMod val="50000"/>
+              </a:schemeClr>
+            </a:solidFill>
+          </a:ln>
+        </p:spPr>
+        <p:style>
+          <a:lnRef idx="2">
+            <a:schemeClr val="accent6"/>
+          </a:lnRef>
+          <a:fillRef idx="1">
+            <a:schemeClr val="lt1"/>
+          </a:fillRef>
+          <a:effectRef idx="0">
+            <a:schemeClr val="accent6"/>
+          </a:effectRef>
+          <a:fontRef idx="minor">
+            <a:schemeClr val="dk1"/>
+          </a:fontRef>
+        </p:style>
+        <p:txBody>
+          <a:bodyPr rtlCol="0" anchor="ctr"/>
+          <a:lstStyle/>
+          <a:p>
+            <a:pPr algn="ctr"/>
+            <a:endParaRPr lang="en-US"/>
+          </a:p>
+        </p:txBody>
+      </p:sp>
     </p:spTree>
     <p:extLst>
       <p:ext uri="{BB962C8B-B14F-4D97-AF65-F5344CB8AC3E}">
@@ -11208,7 +13334,7 @@
                                           </p:stCondLst>
                                         </p:cTn>
                                         <p:tgtEl>
-                                          <p:spTgt spid="19"/>
+                                          <p:spTgt spid="27"/>
                                         </p:tgtEl>
                                         <p:attrNameLst>
                                           <p:attrName>style.visibility</p:attrName>
@@ -11253,7 +13379,7 @@
                                           </p:stCondLst>
                                         </p:cTn>
                                         <p:tgtEl>
-                                          <p:spTgt spid="25"/>
+                                          <p:spTgt spid="28"/>
                                         </p:tgtEl>
                                         <p:attrNameLst>
                                           <p:attrName>style.visibility</p:attrName>
@@ -11298,7 +13424,7 @@
                                           </p:stCondLst>
                                         </p:cTn>
                                         <p:tgtEl>
-                                          <p:spTgt spid="26"/>
+                                          <p:spTgt spid="31"/>
                                         </p:tgtEl>
                                         <p:attrNameLst>
                                           <p:attrName>style.visibility</p:attrName>
@@ -11343,7 +13469,7 @@
                                           </p:stCondLst>
                                         </p:cTn>
                                         <p:tgtEl>
-                                          <p:spTgt spid="27"/>
+                                          <p:spTgt spid="38"/>
                                         </p:tgtEl>
                                         <p:attrNameLst>
                                           <p:attrName>style.visibility</p:attrName>
@@ -11388,7 +13514,7 @@
                                           </p:stCondLst>
                                         </p:cTn>
                                         <p:tgtEl>
-                                          <p:spTgt spid="28"/>
+                                          <p:spTgt spid="39"/>
                                         </p:tgtEl>
                                         <p:attrNameLst>
                                           <p:attrName>style.visibility</p:attrName>
@@ -11433,7 +13559,7 @@
                                           </p:stCondLst>
                                         </p:cTn>
                                         <p:tgtEl>
-                                          <p:spTgt spid="31"/>
+                                          <p:spTgt spid="41"/>
                                         </p:tgtEl>
                                         <p:attrNameLst>
                                           <p:attrName>style.visibility</p:attrName>
@@ -11478,7 +13604,7 @@
                                           </p:stCondLst>
                                         </p:cTn>
                                         <p:tgtEl>
-                                          <p:spTgt spid="38"/>
+                                          <p:spTgt spid="42"/>
                                         </p:tgtEl>
                                         <p:attrNameLst>
                                           <p:attrName>style.visibility</p:attrName>
@@ -11523,7 +13649,7 @@
                                           </p:stCondLst>
                                         </p:cTn>
                                         <p:tgtEl>
-                                          <p:spTgt spid="39"/>
+                                          <p:spTgt spid="46"/>
                                         </p:tgtEl>
                                         <p:attrNameLst>
                                           <p:attrName>style.visibility</p:attrName>
@@ -11568,7 +13694,7 @@
                                           </p:stCondLst>
                                         </p:cTn>
                                         <p:tgtEl>
-                                          <p:spTgt spid="40"/>
+                                          <p:spTgt spid="47"/>
                                         </p:tgtEl>
                                         <p:attrNameLst>
                                           <p:attrName>style.visibility</p:attrName>
@@ -11613,7 +13739,7 @@
                                           </p:stCondLst>
                                         </p:cTn>
                                         <p:tgtEl>
-                                          <p:spTgt spid="41"/>
+                                          <p:spTgt spid="50"/>
                                         </p:tgtEl>
                                         <p:attrNameLst>
                                           <p:attrName>style.visibility</p:attrName>
@@ -11658,97 +13784,7 @@
                                           </p:stCondLst>
                                         </p:cTn>
                                         <p:tgtEl>
-                                          <p:spTgt spid="42"/>
-                                        </p:tgtEl>
-                                        <p:attrNameLst>
-                                          <p:attrName>style.visibility</p:attrName>
-                                        </p:attrNameLst>
-                                      </p:cBhvr>
-                                      <p:to>
-                                        <p:strVal val="visible"/>
-                                      </p:to>
-                                    </p:set>
-                                  </p:childTnLst>
-                                </p:cTn>
-                              </p:par>
-                            </p:childTnLst>
-                          </p:cTn>
-                        </p:par>
-                      </p:childTnLst>
-                    </p:cTn>
-                  </p:par>
-                  <p:par>
-                    <p:cTn id="51" fill="hold">
-                      <p:stCondLst>
-                        <p:cond delay="indefinite"/>
-                      </p:stCondLst>
-                      <p:childTnLst>
-                        <p:par>
-                          <p:cTn id="52" fill="hold">
-                            <p:stCondLst>
-                              <p:cond delay="0"/>
-                            </p:stCondLst>
-                            <p:childTnLst>
-                              <p:par>
-                                <p:cTn id="53" presetID="1" presetClass="entr" presetSubtype="0" fill="hold" nodeType="clickEffect">
-                                  <p:stCondLst>
-                                    <p:cond delay="0"/>
-                                  </p:stCondLst>
-                                  <p:childTnLst>
-                                    <p:set>
-                                      <p:cBhvr>
-                                        <p:cTn id="54" dur="1" fill="hold">
-                                          <p:stCondLst>
-                                            <p:cond delay="0"/>
-                                          </p:stCondLst>
-                                        </p:cTn>
-                                        <p:tgtEl>
-                                          <p:spTgt spid="46"/>
-                                        </p:tgtEl>
-                                        <p:attrNameLst>
-                                          <p:attrName>style.visibility</p:attrName>
-                                        </p:attrNameLst>
-                                      </p:cBhvr>
-                                      <p:to>
-                                        <p:strVal val="visible"/>
-                                      </p:to>
-                                    </p:set>
-                                  </p:childTnLst>
-                                </p:cTn>
-                              </p:par>
-                            </p:childTnLst>
-                          </p:cTn>
-                        </p:par>
-                      </p:childTnLst>
-                    </p:cTn>
-                  </p:par>
-                  <p:par>
-                    <p:cTn id="55" fill="hold">
-                      <p:stCondLst>
-                        <p:cond delay="indefinite"/>
-                      </p:stCondLst>
-                      <p:childTnLst>
-                        <p:par>
-                          <p:cTn id="56" fill="hold">
-                            <p:stCondLst>
-                              <p:cond delay="0"/>
-                            </p:stCondLst>
-                            <p:childTnLst>
-                              <p:par>
-                                <p:cTn id="57" presetID="1" presetClass="entr" presetSubtype="0" fill="hold" nodeType="clickEffect">
-                                  <p:stCondLst>
-                                    <p:cond delay="0"/>
-                                  </p:stCondLst>
-                                  <p:childTnLst>
-                                    <p:set>
-                                      <p:cBhvr>
-                                        <p:cTn id="58" dur="1" fill="hold">
-                                          <p:stCondLst>
-                                            <p:cond delay="0"/>
-                                          </p:stCondLst>
-                                        </p:cTn>
-                                        <p:tgtEl>
-                                          <p:spTgt spid="47"/>
+                                          <p:spTgt spid="51"/>
                                         </p:tgtEl>
                                         <p:attrNameLst>
                                           <p:attrName>style.visibility</p:attrName>

--- a/Presentation/NMSTU_Presentation.pptx
+++ b/Presentation/NMSTU_Presentation.pptx
@@ -15,9 +15,10 @@
     <p:sldId id="267" r:id="rId9"/>
     <p:sldId id="261" r:id="rId10"/>
     <p:sldId id="270" r:id="rId11"/>
-    <p:sldId id="266" r:id="rId12"/>
-    <p:sldId id="264" r:id="rId13"/>
-    <p:sldId id="265" r:id="rId14"/>
+    <p:sldId id="271" r:id="rId12"/>
+    <p:sldId id="266" r:id="rId13"/>
+    <p:sldId id="264" r:id="rId14"/>
+    <p:sldId id="265" r:id="rId15"/>
   </p:sldIdLst>
   <p:sldSz cx="12192000" cy="6858000"/>
   <p:notesSz cx="6888163" cy="10020300"/>
@@ -3279,7 +3280,7 @@
                 </a:solidFill>
                 <a:latin typeface="Century Gothic" panose="020B0502020202020204" pitchFamily="34" charset="0"/>
               </a:rPr>
-              <a:t>Университет им. Г.И. Носова» </a:t>
+              <a:t>университет им. Г.И. Носова» </a:t>
             </a:r>
           </a:p>
         </p:txBody>
@@ -3726,7 +3727,7 @@
           <a:p>
             <a:pPr algn="ctr"/>
             <a:r>
-              <a:rPr lang="ru-RU" sz="3600" dirty="0" smtClean="0">
+              <a:rPr lang="ru-RU" sz="3600" dirty="0">
                 <a:solidFill>
                   <a:schemeClr val="bg1">
                     <a:lumMod val="95000"/>
@@ -3743,21 +3744,6 @@
               </a:rPr>
               <a:t>Проектное решение драйвера</a:t>
             </a:r>
-            <a:endParaRPr lang="ru-RU" sz="3600" dirty="0">
-              <a:solidFill>
-                <a:schemeClr val="bg1">
-                  <a:lumMod val="95000"/>
-                </a:schemeClr>
-              </a:solidFill>
-              <a:effectLst>
-                <a:outerShdw blurRad="38100" dist="38100" dir="2700000" algn="tl">
-                  <a:srgbClr val="000000">
-                    <a:alpha val="43137"/>
-                  </a:srgbClr>
-                </a:outerShdw>
-              </a:effectLst>
-              <a:latin typeface="Century Gothic" panose="020B0502020202020204" pitchFamily="34" charset="0"/>
-            </a:endParaRPr>
           </a:p>
         </p:txBody>
       </p:sp>
@@ -3805,7 +3791,7 @@
         </p:nvGrpSpPr>
         <p:grpSpPr>
           <a:xfrm>
-            <a:off x="6384761" y="3096158"/>
+            <a:off x="5800453" y="2573774"/>
             <a:ext cx="1321445" cy="1562459"/>
             <a:chOff x="4459057" y="4591624"/>
             <a:chExt cx="1321445" cy="1562459"/>
@@ -3940,7 +3926,7 @@
         </p:nvGrpSpPr>
         <p:grpSpPr>
           <a:xfrm>
-            <a:off x="6384761" y="1224903"/>
+            <a:off x="4579783" y="2580432"/>
             <a:ext cx="1307252" cy="1562459"/>
             <a:chOff x="2008240" y="4591624"/>
             <a:chExt cx="1307252" cy="1562459"/>
@@ -4067,7 +4053,7 @@
         </p:nvGrpSpPr>
         <p:grpSpPr>
           <a:xfrm>
-            <a:off x="292790" y="2578593"/>
+            <a:off x="292790" y="1247377"/>
             <a:ext cx="2103407" cy="2597590"/>
             <a:chOff x="6698461" y="1494327"/>
             <a:chExt cx="1265206" cy="1562459"/>
@@ -4175,7 +4161,7 @@
             <a:p>
               <a:pPr algn="ctr"/>
               <a:r>
-                <a:rPr lang="en-US" sz="2400" dirty="0" smtClean="0">
+                <a:rPr lang="en-US" sz="2400" dirty="0">
                   <a:latin typeface="Century Gothic" panose="020B0502020202020204" pitchFamily="34" charset="0"/>
                 </a:rPr>
                 <a:t>Chip</a:t>
@@ -4184,7 +4170,7 @@
             <a:p>
               <a:pPr algn="ctr"/>
               <a:r>
-                <a:rPr lang="en-US" sz="2400" dirty="0" smtClean="0">
+                <a:rPr lang="en-US" sz="2400" dirty="0">
                   <a:latin typeface="Century Gothic" panose="020B0502020202020204" pitchFamily="34" charset="0"/>
                 </a:rPr>
                 <a:t>Writer</a:t>
@@ -4193,18 +4179,1637 @@
             <a:p>
               <a:pPr algn="ctr"/>
               <a:r>
-                <a:rPr lang="en-US" sz="2400" dirty="0" smtClean="0">
+                <a:rPr lang="en-US" sz="2400" dirty="0">
                   <a:latin typeface="Century Gothic" panose="020B0502020202020204" pitchFamily="34" charset="0"/>
                 </a:rPr>
                 <a:t>Driver</a:t>
               </a:r>
-              <a:endParaRPr lang="en-US" sz="2400" dirty="0">
+            </a:p>
+          </p:txBody>
+        </p:sp>
+      </p:grpSp>
+      <p:sp>
+        <p:nvSpPr>
+          <p:cNvPr id="3" name="Rectangle 2">
+            <a:extLst>
+              <a:ext uri="{FF2B5EF4-FFF2-40B4-BE49-F238E27FC236}">
+                <a16:creationId xmlns:a16="http://schemas.microsoft.com/office/drawing/2014/main" id="{D2DBB5B7-CC96-A62C-2CDE-A7BB0954FCD9}"/>
+              </a:ext>
+            </a:extLst>
+          </p:cNvPr>
+          <p:cNvSpPr/>
+          <p:nvPr/>
+        </p:nvSpPr>
+        <p:spPr>
+          <a:xfrm>
+            <a:off x="4472777" y="1247377"/>
+            <a:ext cx="3076508" cy="687297"/>
+          </a:xfrm>
+          <a:prstGeom prst="rect">
+            <a:avLst/>
+          </a:prstGeom>
+          <a:noFill/>
+          <a:ln w="76200">
+            <a:solidFill>
+              <a:schemeClr val="accent1">
+                <a:lumMod val="50000"/>
+              </a:schemeClr>
+            </a:solidFill>
+          </a:ln>
+        </p:spPr>
+        <p:style>
+          <a:lnRef idx="2">
+            <a:schemeClr val="accent6"/>
+          </a:lnRef>
+          <a:fillRef idx="1">
+            <a:schemeClr val="lt1"/>
+          </a:fillRef>
+          <a:effectRef idx="0">
+            <a:schemeClr val="accent6"/>
+          </a:effectRef>
+          <a:fontRef idx="minor">
+            <a:schemeClr val="dk1"/>
+          </a:fontRef>
+        </p:style>
+        <p:txBody>
+          <a:bodyPr rtlCol="0" anchor="ctr"/>
+          <a:lstStyle/>
+          <a:p>
+            <a:pPr algn="ctr"/>
+            <a:r>
+              <a:rPr lang="en-US" sz="2400" dirty="0">
+                <a:latin typeface="Century Gothic" panose="020B0502020202020204" pitchFamily="34" charset="0"/>
+              </a:rPr>
+              <a:t>void start()</a:t>
+            </a:r>
+          </a:p>
+        </p:txBody>
+      </p:sp>
+      <p:cxnSp>
+        <p:nvCxnSpPr>
+          <p:cNvPr id="6" name="Connector: Elbow 5">
+            <a:extLst>
+              <a:ext uri="{FF2B5EF4-FFF2-40B4-BE49-F238E27FC236}">
+                <a16:creationId xmlns:a16="http://schemas.microsoft.com/office/drawing/2014/main" id="{665BA14E-9F7B-4BB7-3BEB-39821038FC25}"/>
+              </a:ext>
+            </a:extLst>
+          </p:cNvPr>
+          <p:cNvCxnSpPr>
+            <a:cxnSpLocks/>
+            <a:stCxn id="66" idx="3"/>
+            <a:endCxn id="3" idx="1"/>
+          </p:cNvCxnSpPr>
+          <p:nvPr/>
+        </p:nvCxnSpPr>
+        <p:spPr>
+          <a:xfrm flipV="1">
+            <a:off x="2313210" y="1591026"/>
+            <a:ext cx="2159567" cy="955146"/>
+          </a:xfrm>
+          <a:prstGeom prst="bentConnector3">
+            <a:avLst/>
+          </a:prstGeom>
+          <a:ln w="57150">
+            <a:solidFill>
+              <a:schemeClr val="accent1">
+                <a:lumMod val="50000"/>
+              </a:schemeClr>
+            </a:solidFill>
+            <a:tailEnd type="triangle"/>
+          </a:ln>
+        </p:spPr>
+        <p:style>
+          <a:lnRef idx="1">
+            <a:schemeClr val="accent1"/>
+          </a:lnRef>
+          <a:fillRef idx="0">
+            <a:schemeClr val="accent1"/>
+          </a:fillRef>
+          <a:effectRef idx="0">
+            <a:schemeClr val="accent1"/>
+          </a:effectRef>
+          <a:fontRef idx="minor">
+            <a:schemeClr val="tx1"/>
+          </a:fontRef>
+        </p:style>
+      </p:cxnSp>
+      <p:sp>
+        <p:nvSpPr>
+          <p:cNvPr id="13" name="Rectangle 12">
+            <a:extLst>
+              <a:ext uri="{FF2B5EF4-FFF2-40B4-BE49-F238E27FC236}">
+                <a16:creationId xmlns:a16="http://schemas.microsoft.com/office/drawing/2014/main" id="{DD6F9F61-C666-59BF-BE4D-91ED34DF8EF7}"/>
+              </a:ext>
+            </a:extLst>
+          </p:cNvPr>
+          <p:cNvSpPr/>
+          <p:nvPr/>
+        </p:nvSpPr>
+        <p:spPr>
+          <a:xfrm>
+            <a:off x="376493" y="4260381"/>
+            <a:ext cx="2019704" cy="2429466"/>
+          </a:xfrm>
+          <a:prstGeom prst="rect">
+            <a:avLst/>
+          </a:prstGeom>
+          <a:noFill/>
+          <a:ln w="76200">
+            <a:solidFill>
+              <a:schemeClr val="accent1">
+                <a:lumMod val="50000"/>
+              </a:schemeClr>
+            </a:solidFill>
+          </a:ln>
+        </p:spPr>
+        <p:style>
+          <a:lnRef idx="2">
+            <a:schemeClr val="accent6"/>
+          </a:lnRef>
+          <a:fillRef idx="1">
+            <a:schemeClr val="lt1"/>
+          </a:fillRef>
+          <a:effectRef idx="0">
+            <a:schemeClr val="accent6"/>
+          </a:effectRef>
+          <a:fontRef idx="minor">
+            <a:schemeClr val="dk1"/>
+          </a:fontRef>
+        </p:style>
+        <p:txBody>
+          <a:bodyPr rtlCol="0" anchor="ctr"/>
+          <a:lstStyle/>
+          <a:p>
+            <a:pPr algn="ctr"/>
+            <a:endParaRPr lang="en-US" sz="2400" dirty="0">
+              <a:latin typeface="Century Gothic" panose="020B0502020202020204" pitchFamily="34" charset="0"/>
+            </a:endParaRPr>
+          </a:p>
+        </p:txBody>
+      </p:sp>
+      <p:cxnSp>
+        <p:nvCxnSpPr>
+          <p:cNvPr id="15" name="Straight Connector 14">
+            <a:extLst>
+              <a:ext uri="{FF2B5EF4-FFF2-40B4-BE49-F238E27FC236}">
+                <a16:creationId xmlns:a16="http://schemas.microsoft.com/office/drawing/2014/main" id="{7DB0042D-702A-F952-1ACA-E919339BB5E2}"/>
+              </a:ext>
+            </a:extLst>
+          </p:cNvPr>
+          <p:cNvCxnSpPr>
+            <a:cxnSpLocks/>
+            <a:stCxn id="66" idx="2"/>
+          </p:cNvCxnSpPr>
+          <p:nvPr/>
+        </p:nvCxnSpPr>
+        <p:spPr>
+          <a:xfrm>
+            <a:off x="1344851" y="3844967"/>
+            <a:ext cx="0" cy="415414"/>
+          </a:xfrm>
+          <a:prstGeom prst="line">
+            <a:avLst/>
+          </a:prstGeom>
+          <a:ln w="57150">
+            <a:solidFill>
+              <a:schemeClr val="accent1">
+                <a:lumMod val="50000"/>
+              </a:schemeClr>
+            </a:solidFill>
+          </a:ln>
+        </p:spPr>
+        <p:style>
+          <a:lnRef idx="1">
+            <a:schemeClr val="accent1"/>
+          </a:lnRef>
+          <a:fillRef idx="0">
+            <a:schemeClr val="accent1"/>
+          </a:fillRef>
+          <a:effectRef idx="0">
+            <a:schemeClr val="accent1"/>
+          </a:effectRef>
+          <a:fontRef idx="minor">
+            <a:schemeClr val="tx1"/>
+          </a:fontRef>
+        </p:style>
+      </p:cxnSp>
+      <p:sp>
+        <p:nvSpPr>
+          <p:cNvPr id="17" name="Rectangle 16">
+            <a:extLst>
+              <a:ext uri="{FF2B5EF4-FFF2-40B4-BE49-F238E27FC236}">
+                <a16:creationId xmlns:a16="http://schemas.microsoft.com/office/drawing/2014/main" id="{36722387-9728-CADC-55F2-6E6852806B3A}"/>
+              </a:ext>
+            </a:extLst>
+          </p:cNvPr>
+          <p:cNvSpPr/>
+          <p:nvPr/>
+        </p:nvSpPr>
+        <p:spPr>
+          <a:xfrm>
+            <a:off x="4472777" y="2465057"/>
+            <a:ext cx="2649121" cy="1795324"/>
+          </a:xfrm>
+          <a:prstGeom prst="rect">
+            <a:avLst/>
+          </a:prstGeom>
+          <a:noFill/>
+          <a:ln w="76200">
+            <a:solidFill>
+              <a:schemeClr val="accent1">
+                <a:lumMod val="50000"/>
+              </a:schemeClr>
+            </a:solidFill>
+          </a:ln>
+        </p:spPr>
+        <p:style>
+          <a:lnRef idx="2">
+            <a:schemeClr val="accent6"/>
+          </a:lnRef>
+          <a:fillRef idx="1">
+            <a:schemeClr val="lt1"/>
+          </a:fillRef>
+          <a:effectRef idx="0">
+            <a:schemeClr val="accent6"/>
+          </a:effectRef>
+          <a:fontRef idx="minor">
+            <a:schemeClr val="dk1"/>
+          </a:fontRef>
+        </p:style>
+        <p:txBody>
+          <a:bodyPr rtlCol="0" anchor="ctr"/>
+          <a:lstStyle/>
+          <a:p>
+            <a:pPr algn="ctr"/>
+            <a:endParaRPr lang="en-US" sz="2400" dirty="0">
+              <a:latin typeface="Century Gothic" panose="020B0502020202020204" pitchFamily="34" charset="0"/>
+            </a:endParaRPr>
+          </a:p>
+        </p:txBody>
+      </p:sp>
+      <p:cxnSp>
+        <p:nvCxnSpPr>
+          <p:cNvPr id="9" name="Connector: Elbow 8">
+            <a:extLst>
+              <a:ext uri="{FF2B5EF4-FFF2-40B4-BE49-F238E27FC236}">
+                <a16:creationId xmlns:a16="http://schemas.microsoft.com/office/drawing/2014/main" id="{EDEDDA1D-0963-2063-216D-EE45529B0D6A}"/>
+              </a:ext>
+            </a:extLst>
+          </p:cNvPr>
+          <p:cNvCxnSpPr>
+            <a:cxnSpLocks/>
+            <a:endCxn id="17" idx="3"/>
+          </p:cNvCxnSpPr>
+          <p:nvPr/>
+        </p:nvCxnSpPr>
+        <p:spPr>
+          <a:xfrm rot="5400000">
+            <a:off x="6562601" y="2493971"/>
+            <a:ext cx="1428045" cy="309450"/>
+          </a:xfrm>
+          <a:prstGeom prst="bentConnector2">
+            <a:avLst/>
+          </a:prstGeom>
+          <a:ln w="57150">
+            <a:solidFill>
+              <a:schemeClr val="accent1">
+                <a:lumMod val="50000"/>
+              </a:schemeClr>
+            </a:solidFill>
+            <a:tailEnd type="triangle"/>
+          </a:ln>
+        </p:spPr>
+        <p:style>
+          <a:lnRef idx="1">
+            <a:schemeClr val="accent1"/>
+          </a:lnRef>
+          <a:fillRef idx="0">
+            <a:schemeClr val="accent1"/>
+          </a:fillRef>
+          <a:effectRef idx="0">
+            <a:schemeClr val="accent1"/>
+          </a:effectRef>
+          <a:fontRef idx="minor">
+            <a:schemeClr val="tx1"/>
+          </a:fontRef>
+        </p:style>
+      </p:cxnSp>
+      <p:grpSp>
+        <p:nvGrpSpPr>
+          <p:cNvPr id="10" name="Group 9">
+            <a:extLst>
+              <a:ext uri="{FF2B5EF4-FFF2-40B4-BE49-F238E27FC236}">
+                <a16:creationId xmlns:a16="http://schemas.microsoft.com/office/drawing/2014/main" id="{174F165F-6B74-8B21-D614-F22B8ED93655}"/>
+              </a:ext>
+            </a:extLst>
+          </p:cNvPr>
+          <p:cNvGrpSpPr/>
+          <p:nvPr/>
+        </p:nvGrpSpPr>
+        <p:grpSpPr>
+          <a:xfrm>
+            <a:off x="5800453" y="5040211"/>
+            <a:ext cx="1321445" cy="1562459"/>
+            <a:chOff x="4459057" y="4591624"/>
+            <a:chExt cx="1321445" cy="1562459"/>
+          </a:xfrm>
+        </p:grpSpPr>
+        <p:pic>
+          <p:nvPicPr>
+            <p:cNvPr id="11" name="Picture 10">
+              <a:extLst>
+                <a:ext uri="{FF2B5EF4-FFF2-40B4-BE49-F238E27FC236}">
+                  <a16:creationId xmlns:a16="http://schemas.microsoft.com/office/drawing/2014/main" id="{71B9E08F-D60E-5BD8-ED7B-0A1E07A66B46}"/>
+                </a:ext>
+              </a:extLst>
+            </p:cNvPr>
+            <p:cNvPicPr>
+              <a:picLocks noChangeAspect="1"/>
+            </p:cNvPicPr>
+            <p:nvPr/>
+          </p:nvPicPr>
+          <p:blipFill>
+            <a:blip r:embed="rId3">
+              <a:extLst>
+                <a:ext uri="{28A0092B-C50C-407E-A947-70E740481C1C}">
+                  <a14:useLocalDpi xmlns:a14="http://schemas.microsoft.com/office/drawing/2010/main" val="0"/>
+                </a:ext>
+              </a:extLst>
+            </a:blip>
+            <a:stretch>
+              <a:fillRect/>
+            </a:stretch>
+          </p:blipFill>
+          <p:spPr>
+            <a:xfrm>
+              <a:off x="4459057" y="4591624"/>
+              <a:ext cx="1164942" cy="1562459"/>
+            </a:xfrm>
+            <a:prstGeom prst="rect">
+              <a:avLst/>
+            </a:prstGeom>
+          </p:spPr>
+        </p:pic>
+        <p:pic>
+          <p:nvPicPr>
+            <p:cNvPr id="12" name="Picture 11">
+              <a:extLst>
+                <a:ext uri="{FF2B5EF4-FFF2-40B4-BE49-F238E27FC236}">
+                  <a16:creationId xmlns:a16="http://schemas.microsoft.com/office/drawing/2014/main" id="{5F1DE1BB-412A-72D8-26C3-59AF5A340460}"/>
+                </a:ext>
+              </a:extLst>
+            </p:cNvPr>
+            <p:cNvPicPr>
+              <a:picLocks noChangeAspect="1"/>
+            </p:cNvPicPr>
+            <p:nvPr/>
+          </p:nvPicPr>
+          <p:blipFill>
+            <a:blip r:embed="rId4" cstate="print">
+              <a:extLst>
+                <a:ext uri="{28A0092B-C50C-407E-A947-70E740481C1C}">
+                  <a14:useLocalDpi xmlns:a14="http://schemas.microsoft.com/office/drawing/2010/main" val="0"/>
+                </a:ext>
+              </a:extLst>
+            </a:blip>
+            <a:stretch>
+              <a:fillRect/>
+            </a:stretch>
+          </p:blipFill>
+          <p:spPr>
+            <a:xfrm>
+              <a:off x="4615748" y="4727446"/>
+              <a:ext cx="851560" cy="620342"/>
+            </a:xfrm>
+            <a:prstGeom prst="rect">
+              <a:avLst/>
+            </a:prstGeom>
+          </p:spPr>
+        </p:pic>
+        <p:sp>
+          <p:nvSpPr>
+            <p:cNvPr id="14" name="TextBox 13">
+              <a:extLst>
+                <a:ext uri="{FF2B5EF4-FFF2-40B4-BE49-F238E27FC236}">
+                  <a16:creationId xmlns:a16="http://schemas.microsoft.com/office/drawing/2014/main" id="{50955B2F-E30A-5970-6179-749886A80976}"/>
+                </a:ext>
+              </a:extLst>
+            </p:cNvPr>
+            <p:cNvSpPr txBox="1"/>
+            <p:nvPr/>
+          </p:nvSpPr>
+          <p:spPr>
+            <a:xfrm>
+              <a:off x="4506434" y="5395317"/>
+              <a:ext cx="1274068" cy="584775"/>
+            </a:xfrm>
+            <a:prstGeom prst="rect">
+              <a:avLst/>
+            </a:prstGeom>
+            <a:noFill/>
+          </p:spPr>
+          <p:txBody>
+            <a:bodyPr wrap="square" rtlCol="0">
+              <a:spAutoFit/>
+            </a:bodyPr>
+            <a:lstStyle/>
+            <a:p>
+              <a:r>
+                <a:rPr lang="ru-RU" sz="1600" dirty="0">
+                  <a:latin typeface="Century Gothic" panose="020B0502020202020204" pitchFamily="34" charset="0"/>
+                </a:rPr>
+                <a:t>Драйвер </a:t>
+              </a:r>
+            </a:p>
+            <a:p>
+              <a:r>
+                <a:rPr lang="en-US" sz="1600" dirty="0">
+                  <a:latin typeface="Century Gothic" panose="020B0502020202020204" pitchFamily="34" charset="0"/>
+                </a:rPr>
+                <a:t>MATICA</a:t>
+              </a:r>
+              <a:endParaRPr lang="ru-RU" sz="1600" dirty="0">
                 <a:latin typeface="Century Gothic" panose="020B0502020202020204" pitchFamily="34" charset="0"/>
               </a:endParaRPr>
             </a:p>
           </p:txBody>
         </p:sp>
       </p:grpSp>
+      <p:grpSp>
+        <p:nvGrpSpPr>
+          <p:cNvPr id="16" name="Group 15">
+            <a:extLst>
+              <a:ext uri="{FF2B5EF4-FFF2-40B4-BE49-F238E27FC236}">
+                <a16:creationId xmlns:a16="http://schemas.microsoft.com/office/drawing/2014/main" id="{27F89144-EB42-1748-990D-44167EF13F0F}"/>
+              </a:ext>
+            </a:extLst>
+          </p:cNvPr>
+          <p:cNvGrpSpPr/>
+          <p:nvPr/>
+        </p:nvGrpSpPr>
+        <p:grpSpPr>
+          <a:xfrm>
+            <a:off x="4579783" y="5040211"/>
+            <a:ext cx="1307252" cy="1562459"/>
+            <a:chOff x="2008240" y="4591624"/>
+            <a:chExt cx="1307252" cy="1562459"/>
+          </a:xfrm>
+        </p:grpSpPr>
+        <p:pic>
+          <p:nvPicPr>
+            <p:cNvPr id="18" name="Picture 17">
+              <a:extLst>
+                <a:ext uri="{FF2B5EF4-FFF2-40B4-BE49-F238E27FC236}">
+                  <a16:creationId xmlns:a16="http://schemas.microsoft.com/office/drawing/2014/main" id="{0DCF054F-5FED-5FF2-9FC3-80ADCBAB6A50}"/>
+                </a:ext>
+              </a:extLst>
+            </p:cNvPr>
+            <p:cNvPicPr>
+              <a:picLocks noChangeAspect="1"/>
+            </p:cNvPicPr>
+            <p:nvPr/>
+          </p:nvPicPr>
+          <p:blipFill>
+            <a:blip r:embed="rId3">
+              <a:extLst>
+                <a:ext uri="{28A0092B-C50C-407E-A947-70E740481C1C}">
+                  <a14:useLocalDpi xmlns:a14="http://schemas.microsoft.com/office/drawing/2010/main" val="0"/>
+                </a:ext>
+              </a:extLst>
+            </a:blip>
+            <a:stretch>
+              <a:fillRect/>
+            </a:stretch>
+          </p:blipFill>
+          <p:spPr>
+            <a:xfrm>
+              <a:off x="2008240" y="4591624"/>
+              <a:ext cx="1164942" cy="1562459"/>
+            </a:xfrm>
+            <a:prstGeom prst="rect">
+              <a:avLst/>
+            </a:prstGeom>
+          </p:spPr>
+        </p:pic>
+        <p:sp>
+          <p:nvSpPr>
+            <p:cNvPr id="19" name="TextBox 18">
+              <a:extLst>
+                <a:ext uri="{FF2B5EF4-FFF2-40B4-BE49-F238E27FC236}">
+                  <a16:creationId xmlns:a16="http://schemas.microsoft.com/office/drawing/2014/main" id="{51BD5E7E-628D-04E7-26CF-2E38F606AE1B}"/>
+                </a:ext>
+              </a:extLst>
+            </p:cNvPr>
+            <p:cNvSpPr txBox="1"/>
+            <p:nvPr/>
+          </p:nvSpPr>
+          <p:spPr>
+            <a:xfrm>
+              <a:off x="2041424" y="5278921"/>
+              <a:ext cx="1274068" cy="830997"/>
+            </a:xfrm>
+            <a:prstGeom prst="rect">
+              <a:avLst/>
+            </a:prstGeom>
+            <a:noFill/>
+          </p:spPr>
+          <p:txBody>
+            <a:bodyPr wrap="square" rtlCol="0">
+              <a:spAutoFit/>
+            </a:bodyPr>
+            <a:lstStyle/>
+            <a:p>
+              <a:r>
+                <a:rPr lang="ru-RU" sz="1600" dirty="0">
+                  <a:latin typeface="Century Gothic" panose="020B0502020202020204" pitchFamily="34" charset="0"/>
+                </a:rPr>
+                <a:t>Драйвер записи карты</a:t>
+              </a:r>
+              <a:endParaRPr lang="en-US" sz="1600" dirty="0">
+                <a:latin typeface="Century Gothic" panose="020B0502020202020204" pitchFamily="34" charset="0"/>
+              </a:endParaRPr>
+            </a:p>
+          </p:txBody>
+        </p:sp>
+        <p:pic>
+          <p:nvPicPr>
+            <p:cNvPr id="20" name="Picture 19">
+              <a:extLst>
+                <a:ext uri="{FF2B5EF4-FFF2-40B4-BE49-F238E27FC236}">
+                  <a16:creationId xmlns:a16="http://schemas.microsoft.com/office/drawing/2014/main" id="{F808933B-500A-6B76-F11C-92533EB9C316}"/>
+                </a:ext>
+              </a:extLst>
+            </p:cNvPr>
+            <p:cNvPicPr>
+              <a:picLocks noChangeAspect="1"/>
+            </p:cNvPicPr>
+            <p:nvPr/>
+          </p:nvPicPr>
+          <p:blipFill>
+            <a:blip r:embed="rId5" cstate="print">
+              <a:extLst>
+                <a:ext uri="{28A0092B-C50C-407E-A947-70E740481C1C}">
+                  <a14:useLocalDpi xmlns:a14="http://schemas.microsoft.com/office/drawing/2010/main" val="0"/>
+                </a:ext>
+              </a:extLst>
+            </a:blip>
+            <a:stretch>
+              <a:fillRect/>
+            </a:stretch>
+          </p:blipFill>
+          <p:spPr>
+            <a:xfrm>
+              <a:off x="2162261" y="4863507"/>
+              <a:ext cx="728960" cy="436884"/>
+            </a:xfrm>
+            <a:prstGeom prst="rect">
+              <a:avLst/>
+            </a:prstGeom>
+          </p:spPr>
+        </p:pic>
+      </p:grpSp>
+      <p:sp>
+        <p:nvSpPr>
+          <p:cNvPr id="21" name="Rectangle 20">
+            <a:extLst>
+              <a:ext uri="{FF2B5EF4-FFF2-40B4-BE49-F238E27FC236}">
+                <a16:creationId xmlns:a16="http://schemas.microsoft.com/office/drawing/2014/main" id="{6D882293-6FCE-F183-92DE-29101D12E7E4}"/>
+              </a:ext>
+            </a:extLst>
+          </p:cNvPr>
+          <p:cNvSpPr/>
+          <p:nvPr/>
+        </p:nvSpPr>
+        <p:spPr>
+          <a:xfrm>
+            <a:off x="4472777" y="4931494"/>
+            <a:ext cx="2649121" cy="1795324"/>
+          </a:xfrm>
+          <a:prstGeom prst="rect">
+            <a:avLst/>
+          </a:prstGeom>
+          <a:noFill/>
+          <a:ln w="76200">
+            <a:solidFill>
+              <a:schemeClr val="accent1">
+                <a:lumMod val="50000"/>
+              </a:schemeClr>
+            </a:solidFill>
+          </a:ln>
+        </p:spPr>
+        <p:style>
+          <a:lnRef idx="2">
+            <a:schemeClr val="accent6"/>
+          </a:lnRef>
+          <a:fillRef idx="1">
+            <a:schemeClr val="lt1"/>
+          </a:fillRef>
+          <a:effectRef idx="0">
+            <a:schemeClr val="accent6"/>
+          </a:effectRef>
+          <a:fontRef idx="minor">
+            <a:schemeClr val="dk1"/>
+          </a:fontRef>
+        </p:style>
+        <p:txBody>
+          <a:bodyPr rtlCol="0" anchor="ctr"/>
+          <a:lstStyle/>
+          <a:p>
+            <a:pPr algn="ctr"/>
+            <a:endParaRPr lang="en-US" sz="2400" dirty="0">
+              <a:latin typeface="Century Gothic" panose="020B0502020202020204" pitchFamily="34" charset="0"/>
+            </a:endParaRPr>
+          </a:p>
+        </p:txBody>
+      </p:sp>
+      <p:sp>
+        <p:nvSpPr>
+          <p:cNvPr id="22" name="Rectangle 21">
+            <a:extLst>
+              <a:ext uri="{FF2B5EF4-FFF2-40B4-BE49-F238E27FC236}">
+                <a16:creationId xmlns:a16="http://schemas.microsoft.com/office/drawing/2014/main" id="{61A3D88C-AAF5-1B39-E5CB-E24B2371602F}"/>
+              </a:ext>
+            </a:extLst>
+          </p:cNvPr>
+          <p:cNvSpPr/>
+          <p:nvPr/>
+        </p:nvSpPr>
+        <p:spPr>
+          <a:xfrm>
+            <a:off x="5491003" y="4109966"/>
+            <a:ext cx="612668" cy="707886"/>
+          </a:xfrm>
+          <a:prstGeom prst="rect">
+            <a:avLst/>
+          </a:prstGeom>
+        </p:spPr>
+        <p:txBody>
+          <a:bodyPr wrap="none">
+            <a:spAutoFit/>
+          </a:bodyPr>
+          <a:lstStyle/>
+          <a:p>
+            <a:r>
+              <a:rPr lang="ru-RU" sz="4000" dirty="0">
+                <a:latin typeface="Century Gothic" panose="020B0502020202020204" pitchFamily="34" charset="0"/>
+              </a:rPr>
+              <a:t>...</a:t>
+            </a:r>
+          </a:p>
+        </p:txBody>
+      </p:sp>
+      <p:cxnSp>
+        <p:nvCxnSpPr>
+          <p:cNvPr id="25" name="Connector: Elbow 24">
+            <a:extLst>
+              <a:ext uri="{FF2B5EF4-FFF2-40B4-BE49-F238E27FC236}">
+                <a16:creationId xmlns:a16="http://schemas.microsoft.com/office/drawing/2014/main" id="{AEF1CAC0-5E32-2F9B-6AE1-13A76F01F98A}"/>
+              </a:ext>
+            </a:extLst>
+          </p:cNvPr>
+          <p:cNvCxnSpPr>
+            <a:cxnSpLocks/>
+            <a:endCxn id="21" idx="3"/>
+          </p:cNvCxnSpPr>
+          <p:nvPr/>
+        </p:nvCxnSpPr>
+        <p:spPr>
+          <a:xfrm rot="5400000">
+            <a:off x="5329382" y="3727191"/>
+            <a:ext cx="3894482" cy="309449"/>
+          </a:xfrm>
+          <a:prstGeom prst="bentConnector2">
+            <a:avLst/>
+          </a:prstGeom>
+          <a:ln w="57150">
+            <a:solidFill>
+              <a:schemeClr val="accent1">
+                <a:lumMod val="50000"/>
+              </a:schemeClr>
+            </a:solidFill>
+            <a:tailEnd type="triangle"/>
+          </a:ln>
+        </p:spPr>
+        <p:style>
+          <a:lnRef idx="1">
+            <a:schemeClr val="accent1"/>
+          </a:lnRef>
+          <a:fillRef idx="0">
+            <a:schemeClr val="accent1"/>
+          </a:fillRef>
+          <a:effectRef idx="0">
+            <a:schemeClr val="accent1"/>
+          </a:effectRef>
+          <a:fontRef idx="minor">
+            <a:schemeClr val="tx1"/>
+          </a:fontRef>
+        </p:style>
+      </p:cxnSp>
+      <p:cxnSp>
+        <p:nvCxnSpPr>
+          <p:cNvPr id="30" name="Connector: Elbow 29">
+            <a:extLst>
+              <a:ext uri="{FF2B5EF4-FFF2-40B4-BE49-F238E27FC236}">
+                <a16:creationId xmlns:a16="http://schemas.microsoft.com/office/drawing/2014/main" id="{68A9B33A-2192-5E14-6512-C29A0E594CAD}"/>
+              </a:ext>
+            </a:extLst>
+          </p:cNvPr>
+          <p:cNvCxnSpPr>
+            <a:stCxn id="17" idx="1"/>
+            <a:endCxn id="13" idx="3"/>
+          </p:cNvCxnSpPr>
+          <p:nvPr/>
+        </p:nvCxnSpPr>
+        <p:spPr>
+          <a:xfrm rot="10800000" flipV="1">
+            <a:off x="2396197" y="3362718"/>
+            <a:ext cx="2076580" cy="2112395"/>
+          </a:xfrm>
+          <a:prstGeom prst="bentConnector3">
+            <a:avLst/>
+          </a:prstGeom>
+          <a:ln w="57150">
+            <a:solidFill>
+              <a:schemeClr val="accent1">
+                <a:lumMod val="50000"/>
+              </a:schemeClr>
+            </a:solidFill>
+            <a:tailEnd type="triangle"/>
+          </a:ln>
+        </p:spPr>
+        <p:style>
+          <a:lnRef idx="1">
+            <a:schemeClr val="accent1"/>
+          </a:lnRef>
+          <a:fillRef idx="0">
+            <a:schemeClr val="accent1"/>
+          </a:fillRef>
+          <a:effectRef idx="0">
+            <a:schemeClr val="accent1"/>
+          </a:effectRef>
+          <a:fontRef idx="minor">
+            <a:schemeClr val="tx1"/>
+          </a:fontRef>
+        </p:style>
+      </p:cxnSp>
+      <p:cxnSp>
+        <p:nvCxnSpPr>
+          <p:cNvPr id="32" name="Connector: Elbow 31">
+            <a:extLst>
+              <a:ext uri="{FF2B5EF4-FFF2-40B4-BE49-F238E27FC236}">
+                <a16:creationId xmlns:a16="http://schemas.microsoft.com/office/drawing/2014/main" id="{48E1A3F6-D0BA-DC44-1323-235DBF3A7BE2}"/>
+              </a:ext>
+            </a:extLst>
+          </p:cNvPr>
+          <p:cNvCxnSpPr>
+            <a:stCxn id="21" idx="1"/>
+            <a:endCxn id="13" idx="3"/>
+          </p:cNvCxnSpPr>
+          <p:nvPr/>
+        </p:nvCxnSpPr>
+        <p:spPr>
+          <a:xfrm rot="10800000">
+            <a:off x="2396197" y="5475114"/>
+            <a:ext cx="2076580" cy="354042"/>
+          </a:xfrm>
+          <a:prstGeom prst="bentConnector3">
+            <a:avLst/>
+          </a:prstGeom>
+          <a:ln w="57150">
+            <a:solidFill>
+              <a:schemeClr val="accent1">
+                <a:lumMod val="50000"/>
+              </a:schemeClr>
+            </a:solidFill>
+            <a:tailEnd type="triangle"/>
+          </a:ln>
+        </p:spPr>
+        <p:style>
+          <a:lnRef idx="1">
+            <a:schemeClr val="accent1"/>
+          </a:lnRef>
+          <a:fillRef idx="0">
+            <a:schemeClr val="accent1"/>
+          </a:fillRef>
+          <a:effectRef idx="0">
+            <a:schemeClr val="accent1"/>
+          </a:effectRef>
+          <a:fontRef idx="minor">
+            <a:schemeClr val="tx1"/>
+          </a:fontRef>
+        </p:style>
+      </p:cxnSp>
+      <p:sp>
+        <p:nvSpPr>
+          <p:cNvPr id="33" name="TextBox 32">
+            <a:extLst>
+              <a:ext uri="{FF2B5EF4-FFF2-40B4-BE49-F238E27FC236}">
+                <a16:creationId xmlns:a16="http://schemas.microsoft.com/office/drawing/2014/main" id="{C3B6480B-034D-D956-8753-814124182D19}"/>
+              </a:ext>
+            </a:extLst>
+          </p:cNvPr>
+          <p:cNvSpPr txBox="1"/>
+          <p:nvPr/>
+        </p:nvSpPr>
+        <p:spPr>
+          <a:xfrm>
+            <a:off x="424559" y="4747540"/>
+            <a:ext cx="1915909" cy="1477328"/>
+          </a:xfrm>
+          <a:prstGeom prst="rect">
+            <a:avLst/>
+          </a:prstGeom>
+          <a:noFill/>
+        </p:spPr>
+        <p:txBody>
+          <a:bodyPr wrap="none" rtlCol="0">
+            <a:spAutoFit/>
+          </a:bodyPr>
+          <a:lstStyle/>
+          <a:p>
+            <a:pPr marL="285750" indent="-285750">
+              <a:buFont typeface="Calibri" panose="020F0502020204030204" pitchFamily="34" charset="0"/>
+              <a:buChar char="―"/>
+            </a:pPr>
+            <a:r>
+              <a:rPr lang="ru-RU" dirty="0">
+                <a:latin typeface="Century Gothic" panose="020B0502020202020204" pitchFamily="34" charset="0"/>
+              </a:rPr>
+              <a:t>Инстанция 1</a:t>
+            </a:r>
+          </a:p>
+          <a:p>
+            <a:pPr marL="285750" indent="-285750">
+              <a:buFont typeface="Calibri" panose="020F0502020204030204" pitchFamily="34" charset="0"/>
+              <a:buChar char="―"/>
+            </a:pPr>
+            <a:r>
+              <a:rPr lang="ru-RU" dirty="0">
+                <a:latin typeface="Century Gothic" panose="020B0502020202020204" pitchFamily="34" charset="0"/>
+              </a:rPr>
+              <a:t>Инстанция 2</a:t>
+            </a:r>
+          </a:p>
+          <a:p>
+            <a:pPr marL="285750" indent="-285750">
+              <a:buFont typeface="Calibri" panose="020F0502020204030204" pitchFamily="34" charset="0"/>
+              <a:buChar char="―"/>
+            </a:pPr>
+            <a:r>
+              <a:rPr lang="ru-RU" dirty="0">
+                <a:latin typeface="Century Gothic" panose="020B0502020202020204" pitchFamily="34" charset="0"/>
+              </a:rPr>
+              <a:t>Инстанция 3</a:t>
+            </a:r>
+          </a:p>
+          <a:p>
+            <a:pPr marL="285750" indent="-285750">
+              <a:buFont typeface="Calibri" panose="020F0502020204030204" pitchFamily="34" charset="0"/>
+              <a:buChar char="―"/>
+            </a:pPr>
+            <a:r>
+              <a:rPr lang="ru-RU" dirty="0">
+                <a:latin typeface="Century Gothic" panose="020B0502020202020204" pitchFamily="34" charset="0"/>
+              </a:rPr>
+              <a:t>...</a:t>
+            </a:r>
+          </a:p>
+          <a:p>
+            <a:pPr marL="285750" indent="-285750">
+              <a:buFont typeface="Calibri" panose="020F0502020204030204" pitchFamily="34" charset="0"/>
+              <a:buChar char="―"/>
+            </a:pPr>
+            <a:r>
+              <a:rPr lang="ru-RU" dirty="0">
+                <a:latin typeface="Century Gothic" panose="020B0502020202020204" pitchFamily="34" charset="0"/>
+              </a:rPr>
+              <a:t>Инстанция </a:t>
+            </a:r>
+            <a:r>
+              <a:rPr lang="en-US" dirty="0">
+                <a:latin typeface="Century Gothic" panose="020B0502020202020204" pitchFamily="34" charset="0"/>
+              </a:rPr>
+              <a:t>n</a:t>
+            </a:r>
+            <a:endParaRPr lang="ru-RU" dirty="0">
+              <a:latin typeface="Century Gothic" panose="020B0502020202020204" pitchFamily="34" charset="0"/>
+            </a:endParaRPr>
+          </a:p>
+        </p:txBody>
+      </p:sp>
+      <p:grpSp>
+        <p:nvGrpSpPr>
+          <p:cNvPr id="34" name="Group 33">
+            <a:extLst>
+              <a:ext uri="{FF2B5EF4-FFF2-40B4-BE49-F238E27FC236}">
+                <a16:creationId xmlns:a16="http://schemas.microsoft.com/office/drawing/2014/main" id="{54682A32-A9DD-F967-96B2-62025E3241B4}"/>
+              </a:ext>
+            </a:extLst>
+          </p:cNvPr>
+          <p:cNvGrpSpPr/>
+          <p:nvPr/>
+        </p:nvGrpSpPr>
+        <p:grpSpPr>
+          <a:xfrm>
+            <a:off x="9281465" y="1247377"/>
+            <a:ext cx="1307252" cy="1562459"/>
+            <a:chOff x="2008240" y="4591624"/>
+            <a:chExt cx="1307252" cy="1562459"/>
+          </a:xfrm>
+        </p:grpSpPr>
+        <p:pic>
+          <p:nvPicPr>
+            <p:cNvPr id="35" name="Picture 34">
+              <a:extLst>
+                <a:ext uri="{FF2B5EF4-FFF2-40B4-BE49-F238E27FC236}">
+                  <a16:creationId xmlns:a16="http://schemas.microsoft.com/office/drawing/2014/main" id="{A2624531-C3D4-3784-C8FE-B8ADCEE7E1AC}"/>
+                </a:ext>
+              </a:extLst>
+            </p:cNvPr>
+            <p:cNvPicPr>
+              <a:picLocks noChangeAspect="1"/>
+            </p:cNvPicPr>
+            <p:nvPr/>
+          </p:nvPicPr>
+          <p:blipFill>
+            <a:blip r:embed="rId3">
+              <a:extLst>
+                <a:ext uri="{28A0092B-C50C-407E-A947-70E740481C1C}">
+                  <a14:useLocalDpi xmlns:a14="http://schemas.microsoft.com/office/drawing/2010/main" val="0"/>
+                </a:ext>
+              </a:extLst>
+            </a:blip>
+            <a:stretch>
+              <a:fillRect/>
+            </a:stretch>
+          </p:blipFill>
+          <p:spPr>
+            <a:xfrm>
+              <a:off x="2008240" y="4591624"/>
+              <a:ext cx="1164942" cy="1562459"/>
+            </a:xfrm>
+            <a:prstGeom prst="rect">
+              <a:avLst/>
+            </a:prstGeom>
+          </p:spPr>
+        </p:pic>
+        <p:sp>
+          <p:nvSpPr>
+            <p:cNvPr id="36" name="TextBox 35">
+              <a:extLst>
+                <a:ext uri="{FF2B5EF4-FFF2-40B4-BE49-F238E27FC236}">
+                  <a16:creationId xmlns:a16="http://schemas.microsoft.com/office/drawing/2014/main" id="{F9F92963-8ED0-0319-025E-081848589714}"/>
+                </a:ext>
+              </a:extLst>
+            </p:cNvPr>
+            <p:cNvSpPr txBox="1"/>
+            <p:nvPr/>
+          </p:nvSpPr>
+          <p:spPr>
+            <a:xfrm>
+              <a:off x="2041424" y="5278921"/>
+              <a:ext cx="1274068" cy="830997"/>
+            </a:xfrm>
+            <a:prstGeom prst="rect">
+              <a:avLst/>
+            </a:prstGeom>
+            <a:noFill/>
+          </p:spPr>
+          <p:txBody>
+            <a:bodyPr wrap="square" rtlCol="0">
+              <a:spAutoFit/>
+            </a:bodyPr>
+            <a:lstStyle/>
+            <a:p>
+              <a:r>
+                <a:rPr lang="ru-RU" sz="1600" dirty="0">
+                  <a:latin typeface="Century Gothic" panose="020B0502020202020204" pitchFamily="34" charset="0"/>
+                </a:rPr>
+                <a:t>Драйвер записи карты</a:t>
+              </a:r>
+              <a:endParaRPr lang="en-US" sz="1600" dirty="0">
+                <a:latin typeface="Century Gothic" panose="020B0502020202020204" pitchFamily="34" charset="0"/>
+              </a:endParaRPr>
+            </a:p>
+          </p:txBody>
+        </p:sp>
+        <p:pic>
+          <p:nvPicPr>
+            <p:cNvPr id="37" name="Picture 36">
+              <a:extLst>
+                <a:ext uri="{FF2B5EF4-FFF2-40B4-BE49-F238E27FC236}">
+                  <a16:creationId xmlns:a16="http://schemas.microsoft.com/office/drawing/2014/main" id="{A671E914-72CC-A20D-EF52-E349DA051B9F}"/>
+                </a:ext>
+              </a:extLst>
+            </p:cNvPr>
+            <p:cNvPicPr>
+              <a:picLocks noChangeAspect="1"/>
+            </p:cNvPicPr>
+            <p:nvPr/>
+          </p:nvPicPr>
+          <p:blipFill>
+            <a:blip r:embed="rId5" cstate="print">
+              <a:extLst>
+                <a:ext uri="{28A0092B-C50C-407E-A947-70E740481C1C}">
+                  <a14:useLocalDpi xmlns:a14="http://schemas.microsoft.com/office/drawing/2010/main" val="0"/>
+                </a:ext>
+              </a:extLst>
+            </a:blip>
+            <a:stretch>
+              <a:fillRect/>
+            </a:stretch>
+          </p:blipFill>
+          <p:spPr>
+            <a:xfrm>
+              <a:off x="2162261" y="4863507"/>
+              <a:ext cx="728960" cy="436884"/>
+            </a:xfrm>
+            <a:prstGeom prst="rect">
+              <a:avLst/>
+            </a:prstGeom>
+          </p:spPr>
+        </p:pic>
+      </p:grpSp>
+      <p:cxnSp>
+        <p:nvCxnSpPr>
+          <p:cNvPr id="42" name="Connector: Elbow 41">
+            <a:extLst>
+              <a:ext uri="{FF2B5EF4-FFF2-40B4-BE49-F238E27FC236}">
+                <a16:creationId xmlns:a16="http://schemas.microsoft.com/office/drawing/2014/main" id="{4922687F-90AF-8432-B979-A75D270D25E9}"/>
+              </a:ext>
+            </a:extLst>
+          </p:cNvPr>
+          <p:cNvCxnSpPr>
+            <a:stCxn id="3" idx="3"/>
+            <a:endCxn id="35" idx="1"/>
+          </p:cNvCxnSpPr>
+          <p:nvPr/>
+        </p:nvCxnSpPr>
+        <p:spPr>
+          <a:xfrm>
+            <a:off x="7549285" y="1591026"/>
+            <a:ext cx="1732180" cy="437581"/>
+          </a:xfrm>
+          <a:prstGeom prst="bentConnector3">
+            <a:avLst/>
+          </a:prstGeom>
+          <a:ln w="57150">
+            <a:solidFill>
+              <a:schemeClr val="accent1">
+                <a:lumMod val="50000"/>
+              </a:schemeClr>
+            </a:solidFill>
+            <a:tailEnd type="triangle"/>
+          </a:ln>
+        </p:spPr>
+        <p:style>
+          <a:lnRef idx="1">
+            <a:schemeClr val="accent1"/>
+          </a:lnRef>
+          <a:fillRef idx="0">
+            <a:schemeClr val="accent1"/>
+          </a:fillRef>
+          <a:effectRef idx="0">
+            <a:schemeClr val="accent1"/>
+          </a:effectRef>
+          <a:fontRef idx="minor">
+            <a:schemeClr val="tx1"/>
+          </a:fontRef>
+        </p:style>
+      </p:cxnSp>
+      <p:sp>
+        <p:nvSpPr>
+          <p:cNvPr id="46" name="Rectangle 45">
+            <a:extLst>
+              <a:ext uri="{FF2B5EF4-FFF2-40B4-BE49-F238E27FC236}">
+                <a16:creationId xmlns:a16="http://schemas.microsoft.com/office/drawing/2014/main" id="{E2C17612-BE3E-859B-8189-5BEADD647A94}"/>
+              </a:ext>
+            </a:extLst>
+          </p:cNvPr>
+          <p:cNvSpPr/>
+          <p:nvPr/>
+        </p:nvSpPr>
+        <p:spPr>
+          <a:xfrm>
+            <a:off x="8253446" y="3153485"/>
+            <a:ext cx="3220980" cy="687297"/>
+          </a:xfrm>
+          <a:prstGeom prst="rect">
+            <a:avLst/>
+          </a:prstGeom>
+          <a:noFill/>
+          <a:ln w="76200">
+            <a:solidFill>
+              <a:schemeClr val="accent1">
+                <a:lumMod val="50000"/>
+              </a:schemeClr>
+            </a:solidFill>
+          </a:ln>
+        </p:spPr>
+        <p:style>
+          <a:lnRef idx="2">
+            <a:schemeClr val="accent6"/>
+          </a:lnRef>
+          <a:fillRef idx="1">
+            <a:schemeClr val="lt1"/>
+          </a:fillRef>
+          <a:effectRef idx="0">
+            <a:schemeClr val="accent6"/>
+          </a:effectRef>
+          <a:fontRef idx="minor">
+            <a:schemeClr val="dk1"/>
+          </a:fontRef>
+        </p:style>
+        <p:txBody>
+          <a:bodyPr rtlCol="0" anchor="ctr"/>
+          <a:lstStyle/>
+          <a:p>
+            <a:pPr algn="ctr"/>
+            <a:r>
+              <a:rPr lang="en-US" sz="1600" dirty="0">
+                <a:latin typeface="Century Gothic" panose="020B0502020202020204" pitchFamily="34" charset="0"/>
+              </a:rPr>
+              <a:t>void </a:t>
+            </a:r>
+            <a:r>
+              <a:rPr lang="ru-RU" sz="1600" dirty="0">
+                <a:latin typeface="Century Gothic" panose="020B0502020202020204" pitchFamily="34" charset="0"/>
+              </a:rPr>
+              <a:t>*запуск обработки*</a:t>
+            </a:r>
+            <a:r>
+              <a:rPr lang="en-US" sz="1600" dirty="0">
+                <a:latin typeface="Century Gothic" panose="020B0502020202020204" pitchFamily="34" charset="0"/>
+              </a:rPr>
+              <a:t>()</a:t>
+            </a:r>
+          </a:p>
+        </p:txBody>
+      </p:sp>
+      <p:cxnSp>
+        <p:nvCxnSpPr>
+          <p:cNvPr id="48" name="Straight Arrow Connector 47">
+            <a:extLst>
+              <a:ext uri="{FF2B5EF4-FFF2-40B4-BE49-F238E27FC236}">
+                <a16:creationId xmlns:a16="http://schemas.microsoft.com/office/drawing/2014/main" id="{06CECCF8-17CE-1307-D767-823A1F33A9C0}"/>
+              </a:ext>
+            </a:extLst>
+          </p:cNvPr>
+          <p:cNvCxnSpPr>
+            <a:stCxn id="35" idx="2"/>
+            <a:endCxn id="46" idx="0"/>
+          </p:cNvCxnSpPr>
+          <p:nvPr/>
+        </p:nvCxnSpPr>
+        <p:spPr>
+          <a:xfrm>
+            <a:off x="9863936" y="2809836"/>
+            <a:ext cx="0" cy="343649"/>
+          </a:xfrm>
+          <a:prstGeom prst="straightConnector1">
+            <a:avLst/>
+          </a:prstGeom>
+          <a:ln w="57150">
+            <a:solidFill>
+              <a:schemeClr val="accent1">
+                <a:lumMod val="50000"/>
+              </a:schemeClr>
+            </a:solidFill>
+            <a:tailEnd type="triangle"/>
+          </a:ln>
+        </p:spPr>
+        <p:style>
+          <a:lnRef idx="1">
+            <a:schemeClr val="accent1"/>
+          </a:lnRef>
+          <a:fillRef idx="0">
+            <a:schemeClr val="accent1"/>
+          </a:fillRef>
+          <a:effectRef idx="0">
+            <a:schemeClr val="accent1"/>
+          </a:effectRef>
+          <a:fontRef idx="minor">
+            <a:schemeClr val="tx1"/>
+          </a:fontRef>
+        </p:style>
+      </p:cxnSp>
+      <p:grpSp>
+        <p:nvGrpSpPr>
+          <p:cNvPr id="52" name="Group 51">
+            <a:extLst>
+              <a:ext uri="{FF2B5EF4-FFF2-40B4-BE49-F238E27FC236}">
+                <a16:creationId xmlns:a16="http://schemas.microsoft.com/office/drawing/2014/main" id="{649FA4AF-0F90-C22C-84C5-FCFA2ECFFF93}"/>
+              </a:ext>
+            </a:extLst>
+          </p:cNvPr>
+          <p:cNvGrpSpPr/>
+          <p:nvPr/>
+        </p:nvGrpSpPr>
+        <p:grpSpPr>
+          <a:xfrm rot="16200000">
+            <a:off x="8313903" y="4147410"/>
+            <a:ext cx="1157836" cy="787499"/>
+            <a:chOff x="9590966" y="4185349"/>
+            <a:chExt cx="1157836" cy="787499"/>
+          </a:xfrm>
+        </p:grpSpPr>
+        <p:pic>
+          <p:nvPicPr>
+            <p:cNvPr id="50" name="Picture 49">
+              <a:extLst>
+                <a:ext uri="{FF2B5EF4-FFF2-40B4-BE49-F238E27FC236}">
+                  <a16:creationId xmlns:a16="http://schemas.microsoft.com/office/drawing/2014/main" id="{63FEF118-E6B2-397F-267C-3B4E5050F3AE}"/>
+                </a:ext>
+              </a:extLst>
+            </p:cNvPr>
+            <p:cNvPicPr>
+              <a:picLocks noChangeAspect="1"/>
+            </p:cNvPicPr>
+            <p:nvPr/>
+          </p:nvPicPr>
+          <p:blipFill>
+            <a:blip r:embed="rId6"/>
+            <a:stretch>
+              <a:fillRect/>
+            </a:stretch>
+          </p:blipFill>
+          <p:spPr>
+            <a:xfrm rot="10800000">
+              <a:off x="9590966" y="4185349"/>
+              <a:ext cx="1146960" cy="342224"/>
+            </a:xfrm>
+            <a:prstGeom prst="rect">
+              <a:avLst/>
+            </a:prstGeom>
+          </p:spPr>
+        </p:pic>
+        <p:pic>
+          <p:nvPicPr>
+            <p:cNvPr id="51" name="Picture 50">
+              <a:extLst>
+                <a:ext uri="{FF2B5EF4-FFF2-40B4-BE49-F238E27FC236}">
+                  <a16:creationId xmlns:a16="http://schemas.microsoft.com/office/drawing/2014/main" id="{98D745B3-5879-29AA-C160-DD7A18A8813E}"/>
+                </a:ext>
+              </a:extLst>
+            </p:cNvPr>
+            <p:cNvPicPr>
+              <a:picLocks noChangeAspect="1"/>
+            </p:cNvPicPr>
+            <p:nvPr/>
+          </p:nvPicPr>
+          <p:blipFill>
+            <a:blip r:embed="rId6"/>
+            <a:stretch>
+              <a:fillRect/>
+            </a:stretch>
+          </p:blipFill>
+          <p:spPr>
+            <a:xfrm rot="10800000" flipH="1">
+              <a:off x="9601840" y="4630624"/>
+              <a:ext cx="1146962" cy="342224"/>
+            </a:xfrm>
+            <a:prstGeom prst="rect">
+              <a:avLst/>
+            </a:prstGeom>
+          </p:spPr>
+        </p:pic>
+      </p:grpSp>
+      <p:grpSp>
+        <p:nvGrpSpPr>
+          <p:cNvPr id="57" name="Group 56">
+            <a:extLst>
+              <a:ext uri="{FF2B5EF4-FFF2-40B4-BE49-F238E27FC236}">
+                <a16:creationId xmlns:a16="http://schemas.microsoft.com/office/drawing/2014/main" id="{B90DA8FF-C5E6-20FC-88D2-D9B67F54E9C0}"/>
+              </a:ext>
+            </a:extLst>
+          </p:cNvPr>
+          <p:cNvGrpSpPr/>
+          <p:nvPr/>
+        </p:nvGrpSpPr>
+        <p:grpSpPr>
+          <a:xfrm>
+            <a:off x="10445996" y="5206735"/>
+            <a:ext cx="1321445" cy="1562459"/>
+            <a:chOff x="4459057" y="4591624"/>
+            <a:chExt cx="1321445" cy="1562459"/>
+          </a:xfrm>
+        </p:grpSpPr>
+        <p:pic>
+          <p:nvPicPr>
+            <p:cNvPr id="58" name="Picture 57">
+              <a:extLst>
+                <a:ext uri="{FF2B5EF4-FFF2-40B4-BE49-F238E27FC236}">
+                  <a16:creationId xmlns:a16="http://schemas.microsoft.com/office/drawing/2014/main" id="{19B3A492-36DD-D088-B4B0-7BDCBF47A1BE}"/>
+                </a:ext>
+              </a:extLst>
+            </p:cNvPr>
+            <p:cNvPicPr>
+              <a:picLocks noChangeAspect="1"/>
+            </p:cNvPicPr>
+            <p:nvPr/>
+          </p:nvPicPr>
+          <p:blipFill>
+            <a:blip r:embed="rId3">
+              <a:extLst>
+                <a:ext uri="{28A0092B-C50C-407E-A947-70E740481C1C}">
+                  <a14:useLocalDpi xmlns:a14="http://schemas.microsoft.com/office/drawing/2010/main" val="0"/>
+                </a:ext>
+              </a:extLst>
+            </a:blip>
+            <a:stretch>
+              <a:fillRect/>
+            </a:stretch>
+          </p:blipFill>
+          <p:spPr>
+            <a:xfrm>
+              <a:off x="4459057" y="4591624"/>
+              <a:ext cx="1164942" cy="1562459"/>
+            </a:xfrm>
+            <a:prstGeom prst="rect">
+              <a:avLst/>
+            </a:prstGeom>
+          </p:spPr>
+        </p:pic>
+        <p:pic>
+          <p:nvPicPr>
+            <p:cNvPr id="59" name="Picture 58">
+              <a:extLst>
+                <a:ext uri="{FF2B5EF4-FFF2-40B4-BE49-F238E27FC236}">
+                  <a16:creationId xmlns:a16="http://schemas.microsoft.com/office/drawing/2014/main" id="{B9E3EB73-960C-743D-AB94-13B90E421EB5}"/>
+                </a:ext>
+              </a:extLst>
+            </p:cNvPr>
+            <p:cNvPicPr>
+              <a:picLocks noChangeAspect="1"/>
+            </p:cNvPicPr>
+            <p:nvPr/>
+          </p:nvPicPr>
+          <p:blipFill>
+            <a:blip r:embed="rId4" cstate="print">
+              <a:extLst>
+                <a:ext uri="{28A0092B-C50C-407E-A947-70E740481C1C}">
+                  <a14:useLocalDpi xmlns:a14="http://schemas.microsoft.com/office/drawing/2010/main" val="0"/>
+                </a:ext>
+              </a:extLst>
+            </a:blip>
+            <a:stretch>
+              <a:fillRect/>
+            </a:stretch>
+          </p:blipFill>
+          <p:spPr>
+            <a:xfrm>
+              <a:off x="4615748" y="4727446"/>
+              <a:ext cx="851560" cy="620342"/>
+            </a:xfrm>
+            <a:prstGeom prst="rect">
+              <a:avLst/>
+            </a:prstGeom>
+          </p:spPr>
+        </p:pic>
+        <p:sp>
+          <p:nvSpPr>
+            <p:cNvPr id="60" name="TextBox 59">
+              <a:extLst>
+                <a:ext uri="{FF2B5EF4-FFF2-40B4-BE49-F238E27FC236}">
+                  <a16:creationId xmlns:a16="http://schemas.microsoft.com/office/drawing/2014/main" id="{89C8976F-C4BD-0A23-A44A-BE5D8C0CAF4B}"/>
+                </a:ext>
+              </a:extLst>
+            </p:cNvPr>
+            <p:cNvSpPr txBox="1"/>
+            <p:nvPr/>
+          </p:nvSpPr>
+          <p:spPr>
+            <a:xfrm>
+              <a:off x="4506434" y="5395317"/>
+              <a:ext cx="1274068" cy="584775"/>
+            </a:xfrm>
+            <a:prstGeom prst="rect">
+              <a:avLst/>
+            </a:prstGeom>
+            <a:noFill/>
+          </p:spPr>
+          <p:txBody>
+            <a:bodyPr wrap="square" rtlCol="0">
+              <a:spAutoFit/>
+            </a:bodyPr>
+            <a:lstStyle/>
+            <a:p>
+              <a:r>
+                <a:rPr lang="ru-RU" sz="1600" dirty="0">
+                  <a:latin typeface="Century Gothic" panose="020B0502020202020204" pitchFamily="34" charset="0"/>
+                </a:rPr>
+                <a:t>Драйвер </a:t>
+              </a:r>
+            </a:p>
+            <a:p>
+              <a:r>
+                <a:rPr lang="en-US" sz="1600" dirty="0">
+                  <a:latin typeface="Century Gothic" panose="020B0502020202020204" pitchFamily="34" charset="0"/>
+                </a:rPr>
+                <a:t>MATICA</a:t>
+              </a:r>
+              <a:endParaRPr lang="ru-RU" sz="1600" dirty="0">
+                <a:latin typeface="Century Gothic" panose="020B0502020202020204" pitchFamily="34" charset="0"/>
+              </a:endParaRPr>
+            </a:p>
+          </p:txBody>
+        </p:sp>
+      </p:grpSp>
+      <p:sp>
+        <p:nvSpPr>
+          <p:cNvPr id="69" name="Rectangle 68">
+            <a:extLst>
+              <a:ext uri="{FF2B5EF4-FFF2-40B4-BE49-F238E27FC236}">
+                <a16:creationId xmlns:a16="http://schemas.microsoft.com/office/drawing/2014/main" id="{87103D2C-56FA-FF35-0D49-0261FC1828FE}"/>
+              </a:ext>
+            </a:extLst>
+          </p:cNvPr>
+          <p:cNvSpPr/>
+          <p:nvPr/>
+        </p:nvSpPr>
+        <p:spPr>
+          <a:xfrm>
+            <a:off x="7861714" y="5230663"/>
+            <a:ext cx="2019704" cy="1514605"/>
+          </a:xfrm>
+          <a:prstGeom prst="rect">
+            <a:avLst/>
+          </a:prstGeom>
+          <a:noFill/>
+          <a:ln w="76200">
+            <a:solidFill>
+              <a:schemeClr val="accent1">
+                <a:lumMod val="50000"/>
+              </a:schemeClr>
+            </a:solidFill>
+          </a:ln>
+        </p:spPr>
+        <p:style>
+          <a:lnRef idx="2">
+            <a:schemeClr val="accent6"/>
+          </a:lnRef>
+          <a:fillRef idx="1">
+            <a:schemeClr val="lt1"/>
+          </a:fillRef>
+          <a:effectRef idx="0">
+            <a:schemeClr val="accent6"/>
+          </a:effectRef>
+          <a:fontRef idx="minor">
+            <a:schemeClr val="dk1"/>
+          </a:fontRef>
+        </p:style>
+        <p:txBody>
+          <a:bodyPr rtlCol="0" anchor="ctr"/>
+          <a:lstStyle/>
+          <a:p>
+            <a:pPr algn="ctr"/>
+            <a:endParaRPr lang="en-US" sz="2400" dirty="0">
+              <a:latin typeface="Century Gothic" panose="020B0502020202020204" pitchFamily="34" charset="0"/>
+            </a:endParaRPr>
+          </a:p>
+        </p:txBody>
+      </p:sp>
+      <p:cxnSp>
+        <p:nvCxnSpPr>
+          <p:cNvPr id="71" name="Straight Connector 70">
+            <a:extLst>
+              <a:ext uri="{FF2B5EF4-FFF2-40B4-BE49-F238E27FC236}">
+                <a16:creationId xmlns:a16="http://schemas.microsoft.com/office/drawing/2014/main" id="{4DBC5E99-D2CB-2F7A-BC75-5AE76C9A43D9}"/>
+              </a:ext>
+            </a:extLst>
+          </p:cNvPr>
+          <p:cNvCxnSpPr>
+            <a:stCxn id="58" idx="1"/>
+            <a:endCxn id="69" idx="3"/>
+          </p:cNvCxnSpPr>
+          <p:nvPr/>
+        </p:nvCxnSpPr>
+        <p:spPr>
+          <a:xfrm flipH="1">
+            <a:off x="9881418" y="5987965"/>
+            <a:ext cx="564578" cy="1"/>
+          </a:xfrm>
+          <a:prstGeom prst="line">
+            <a:avLst/>
+          </a:prstGeom>
+          <a:ln w="57150">
+            <a:solidFill>
+              <a:schemeClr val="accent1">
+                <a:lumMod val="50000"/>
+              </a:schemeClr>
+            </a:solidFill>
+          </a:ln>
+        </p:spPr>
+        <p:style>
+          <a:lnRef idx="1">
+            <a:schemeClr val="accent1"/>
+          </a:lnRef>
+          <a:fillRef idx="0">
+            <a:schemeClr val="accent1"/>
+          </a:fillRef>
+          <a:effectRef idx="0">
+            <a:schemeClr val="accent1"/>
+          </a:effectRef>
+          <a:fontRef idx="minor">
+            <a:schemeClr val="tx1"/>
+          </a:fontRef>
+        </p:style>
+      </p:cxnSp>
+      <p:sp>
+        <p:nvSpPr>
+          <p:cNvPr id="72" name="TextBox 71">
+            <a:extLst>
+              <a:ext uri="{FF2B5EF4-FFF2-40B4-BE49-F238E27FC236}">
+                <a16:creationId xmlns:a16="http://schemas.microsoft.com/office/drawing/2014/main" id="{B72CBFD0-9F6F-4FEE-4E59-E31832B8279C}"/>
+              </a:ext>
+            </a:extLst>
+          </p:cNvPr>
+          <p:cNvSpPr txBox="1"/>
+          <p:nvPr/>
+        </p:nvSpPr>
+        <p:spPr>
+          <a:xfrm>
+            <a:off x="7861514" y="5449355"/>
+            <a:ext cx="2020105" cy="1077218"/>
+          </a:xfrm>
+          <a:prstGeom prst="rect">
+            <a:avLst/>
+          </a:prstGeom>
+          <a:noFill/>
+        </p:spPr>
+        <p:txBody>
+          <a:bodyPr wrap="none" rtlCol="0">
+            <a:spAutoFit/>
+          </a:bodyPr>
+          <a:lstStyle/>
+          <a:p>
+            <a:pPr marL="285750" indent="-285750">
+              <a:buFont typeface="Calibri" panose="020F0502020204030204" pitchFamily="34" charset="0"/>
+              <a:buChar char="―"/>
+            </a:pPr>
+            <a:r>
+              <a:rPr lang="en-US" sz="1600" dirty="0">
+                <a:latin typeface="Century Gothic" panose="020B0502020202020204" pitchFamily="34" charset="0"/>
+              </a:rPr>
+              <a:t>Send()</a:t>
+            </a:r>
+            <a:endParaRPr lang="ru-RU" sz="1600" dirty="0">
+              <a:latin typeface="Century Gothic" panose="020B0502020202020204" pitchFamily="34" charset="0"/>
+            </a:endParaRPr>
+          </a:p>
+          <a:p>
+            <a:pPr marL="285750" indent="-285750">
+              <a:buFont typeface="Calibri" panose="020F0502020204030204" pitchFamily="34" charset="0"/>
+              <a:buChar char="―"/>
+            </a:pPr>
+            <a:r>
+              <a:rPr lang="en-US" sz="1600" dirty="0" err="1">
+                <a:latin typeface="Century Gothic" panose="020B0502020202020204" pitchFamily="34" charset="0"/>
+              </a:rPr>
+              <a:t>CardConnect</a:t>
+            </a:r>
+            <a:r>
+              <a:rPr lang="en-US" sz="1600" dirty="0">
+                <a:latin typeface="Century Gothic" panose="020B0502020202020204" pitchFamily="34" charset="0"/>
+              </a:rPr>
+              <a:t>()</a:t>
+            </a:r>
+          </a:p>
+          <a:p>
+            <a:pPr marL="285750" indent="-285750">
+              <a:buFont typeface="Calibri" panose="020F0502020204030204" pitchFamily="34" charset="0"/>
+              <a:buChar char="―"/>
+            </a:pPr>
+            <a:r>
+              <a:rPr lang="en-US" sz="1600" dirty="0" err="1">
+                <a:latin typeface="Century Gothic" panose="020B0502020202020204" pitchFamily="34" charset="0"/>
+              </a:rPr>
+              <a:t>CardClose</a:t>
+            </a:r>
+            <a:r>
+              <a:rPr lang="en-US" sz="1600" dirty="0">
+                <a:latin typeface="Century Gothic" panose="020B0502020202020204" pitchFamily="34" charset="0"/>
+              </a:rPr>
+              <a:t>()</a:t>
+            </a:r>
+            <a:endParaRPr lang="ru-RU" sz="1600" dirty="0">
+              <a:latin typeface="Century Gothic" panose="020B0502020202020204" pitchFamily="34" charset="0"/>
+            </a:endParaRPr>
+          </a:p>
+          <a:p>
+            <a:pPr marL="285750" indent="-285750">
+              <a:buFont typeface="Calibri" panose="020F0502020204030204" pitchFamily="34" charset="0"/>
+              <a:buChar char="―"/>
+            </a:pPr>
+            <a:r>
+              <a:rPr lang="ru-RU" sz="1600" dirty="0">
+                <a:latin typeface="Century Gothic" panose="020B0502020202020204" pitchFamily="34" charset="0"/>
+              </a:rPr>
+              <a:t>...</a:t>
+            </a:r>
+          </a:p>
+        </p:txBody>
+      </p:sp>
     </p:spTree>
     <p:extLst>
       <p:ext uri="{BB962C8B-B14F-4D97-AF65-F5344CB8AC3E}">
@@ -4215,13 +5820,6 @@
   <p:clrMapOvr>
     <a:masterClrMapping/>
   </p:clrMapOvr>
-  <p:timing>
-    <p:tnLst>
-      <p:par>
-        <p:cTn id="1" dur="indefinite" restart="never" nodeType="tmRoot"/>
-      </p:par>
-    </p:tnLst>
-  </p:timing>
 </p:sld>
 </file>
 
@@ -4230,7 +5828,13 @@
   <p:cSld>
     <p:spTree>
       <p:nvGrpSpPr>
-        <p:cNvPr id="1" name=""/>
+        <p:cNvPr id="1" name="">
+          <a:extLst>
+            <a:ext uri="{FF2B5EF4-FFF2-40B4-BE49-F238E27FC236}">
+              <a16:creationId xmlns:a16="http://schemas.microsoft.com/office/drawing/2014/main" id="{0BDD2122-D42B-935E-28E6-4C6CC005CCC8}"/>
+            </a:ext>
+          </a:extLst>
+        </p:cNvPr>
         <p:cNvGrpSpPr/>
         <p:nvPr/>
       </p:nvGrpSpPr>
@@ -4244,7 +5848,13 @@
       </p:grpSpPr>
       <p:pic>
         <p:nvPicPr>
-          <p:cNvPr id="2" name="Picture 2" descr="C:\Users\Андрей\Desktop\1\Безымянный-1.png"/>
+          <p:cNvPr id="2" name="Picture 2" descr="C:\Users\Андрей\Desktop\1\Безымянный-1.png">
+            <a:extLst>
+              <a:ext uri="{FF2B5EF4-FFF2-40B4-BE49-F238E27FC236}">
+                <a16:creationId xmlns:a16="http://schemas.microsoft.com/office/drawing/2014/main" id="{04BE2A33-FFFE-25FD-EEAD-6F1C95FFC843}"/>
+              </a:ext>
+            </a:extLst>
+          </p:cNvPr>
           <p:cNvPicPr>
             <a:picLocks noChangeAspect="1" noChangeArrowheads="1"/>
           </p:cNvPicPr>
@@ -4298,45 +5908,19 @@
       </p:pic>
       <p:sp>
         <p:nvSpPr>
-          <p:cNvPr id="4" name="Прямоугольник 3"/>
-          <p:cNvSpPr/>
+          <p:cNvPr id="5" name="TextBox 4">
+            <a:extLst>
+              <a:ext uri="{FF2B5EF4-FFF2-40B4-BE49-F238E27FC236}">
+                <a16:creationId xmlns:a16="http://schemas.microsoft.com/office/drawing/2014/main" id="{1B8006EA-A848-1E9A-CF42-BD3FF694A29A}"/>
+              </a:ext>
+            </a:extLst>
+          </p:cNvPr>
+          <p:cNvSpPr txBox="1"/>
           <p:nvPr/>
         </p:nvSpPr>
         <p:spPr>
           <a:xfrm>
-            <a:off x="354843" y="1187299"/>
-            <a:ext cx="11600596" cy="495457"/>
-          </a:xfrm>
-          <a:prstGeom prst="rect">
-            <a:avLst/>
-          </a:prstGeom>
-        </p:spPr>
-        <p:txBody>
-          <a:bodyPr wrap="square">
-            <a:spAutoFit/>
-          </a:bodyPr>
-          <a:lstStyle/>
-          <a:p>
-            <a:pPr algn="just">
-              <a:lnSpc>
-                <a:spcPct val="150000"/>
-              </a:lnSpc>
-            </a:pPr>
-            <a:endParaRPr lang="en-US" sz="2000" dirty="0">
-              <a:latin typeface="Century Gothic" panose="020B0502020202020204" pitchFamily="34" charset="0"/>
-            </a:endParaRPr>
-          </a:p>
-        </p:txBody>
-      </p:sp>
-      <p:sp>
-        <p:nvSpPr>
-          <p:cNvPr id="5" name="TextBox 4"/>
-          <p:cNvSpPr txBox="1"/>
-          <p:nvPr/>
-        </p:nvSpPr>
-        <p:spPr>
-          <a:xfrm>
-            <a:off x="3534770" y="450376"/>
+            <a:off x="2906973" y="436728"/>
             <a:ext cx="184731" cy="369332"/>
           </a:xfrm>
           <a:prstGeom prst="rect">
@@ -4356,14 +5940,20 @@
       </p:sp>
       <p:sp>
         <p:nvSpPr>
-          <p:cNvPr id="7" name="TextBox 6"/>
+          <p:cNvPr id="7" name="TextBox 6">
+            <a:extLst>
+              <a:ext uri="{FF2B5EF4-FFF2-40B4-BE49-F238E27FC236}">
+                <a16:creationId xmlns:a16="http://schemas.microsoft.com/office/drawing/2014/main" id="{F6F7F2C8-A6E1-CE8C-6B39-FFD9061FA3CF}"/>
+              </a:ext>
+            </a:extLst>
+          </p:cNvPr>
           <p:cNvSpPr txBox="1"/>
           <p:nvPr/>
         </p:nvSpPr>
         <p:spPr>
           <a:xfrm>
-            <a:off x="2983615" y="82785"/>
-            <a:ext cx="6224781" cy="707886"/>
+            <a:off x="2396197" y="168153"/>
+            <a:ext cx="7508787" cy="646331"/>
           </a:xfrm>
           <a:prstGeom prst="rect">
             <a:avLst/>
@@ -4378,7 +5968,7 @@
           <a:p>
             <a:pPr algn="ctr"/>
             <a:r>
-              <a:rPr lang="ru-RU" sz="4000" dirty="0">
+              <a:rPr lang="ru-RU" sz="3600" dirty="0">
                 <a:solidFill>
                   <a:schemeClr val="bg1">
                     <a:lumMod val="95000"/>
@@ -4393,21 +5983,27 @@
                 </a:effectLst>
                 <a:latin typeface="Century Gothic" panose="020B0502020202020204" pitchFamily="34" charset="0"/>
               </a:rPr>
-              <a:t>Полученные результаты</a:t>
+              <a:t>Проектное решение драйвера</a:t>
             </a:r>
           </a:p>
         </p:txBody>
       </p:sp>
       <p:sp>
         <p:nvSpPr>
-          <p:cNvPr id="6" name="Прямоугольник 5"/>
+          <p:cNvPr id="8" name="Прямоугольник 7">
+            <a:extLst>
+              <a:ext uri="{FF2B5EF4-FFF2-40B4-BE49-F238E27FC236}">
+                <a16:creationId xmlns:a16="http://schemas.microsoft.com/office/drawing/2014/main" id="{D227F79E-6812-A733-0156-6F0C6A0369C6}"/>
+              </a:ext>
+            </a:extLst>
+          </p:cNvPr>
           <p:cNvSpPr/>
           <p:nvPr/>
         </p:nvSpPr>
         <p:spPr>
           <a:xfrm>
-            <a:off x="295702" y="1065424"/>
-            <a:ext cx="11600596" cy="5478423"/>
+            <a:off x="109183" y="1041023"/>
+            <a:ext cx="12082817" cy="586314"/>
           </a:xfrm>
           <a:prstGeom prst="rect">
             <a:avLst/>
@@ -4423,131 +6019,682 @@
               <a:lnSpc>
                 <a:spcPct val="150000"/>
               </a:lnSpc>
-              <a:spcAft>
-                <a:spcPts val="600"/>
-              </a:spcAft>
-              <a:defRPr/>
             </a:pPr>
             <a:r>
-              <a:rPr lang="en-US" altLang="ru-RU" sz="1700" dirty="0">
+              <a:rPr lang="ru-RU" sz="2400" dirty="0"/>
+              <a:t>	</a:t>
+            </a:r>
+            <a:endParaRPr lang="ru-RU" sz="2000" dirty="0">
+              <a:latin typeface="Century Gothic" panose="020B0502020202020204" pitchFamily="34" charset="0"/>
+            </a:endParaRPr>
+          </a:p>
+        </p:txBody>
+      </p:sp>
+      <p:grpSp>
+        <p:nvGrpSpPr>
+          <p:cNvPr id="4" name="Group 3">
+            <a:extLst>
+              <a:ext uri="{FF2B5EF4-FFF2-40B4-BE49-F238E27FC236}">
+                <a16:creationId xmlns:a16="http://schemas.microsoft.com/office/drawing/2014/main" id="{91A31469-7C6A-C3B2-A9E8-75A27693364D}"/>
+              </a:ext>
+            </a:extLst>
+          </p:cNvPr>
+          <p:cNvGrpSpPr/>
+          <p:nvPr/>
+        </p:nvGrpSpPr>
+        <p:grpSpPr>
+          <a:xfrm>
+            <a:off x="651618" y="1720394"/>
+            <a:ext cx="2016952" cy="2384817"/>
+            <a:chOff x="4459057" y="4591624"/>
+            <a:chExt cx="1321445" cy="1562459"/>
+          </a:xfrm>
+        </p:grpSpPr>
+        <p:pic>
+          <p:nvPicPr>
+            <p:cNvPr id="23" name="Picture 22">
+              <a:extLst>
+                <a:ext uri="{FF2B5EF4-FFF2-40B4-BE49-F238E27FC236}">
+                  <a16:creationId xmlns:a16="http://schemas.microsoft.com/office/drawing/2014/main" id="{96BB3AE9-3022-E864-1838-0EC114981CA1}"/>
+                </a:ext>
+              </a:extLst>
+            </p:cNvPr>
+            <p:cNvPicPr>
+              <a:picLocks noChangeAspect="1"/>
+            </p:cNvPicPr>
+            <p:nvPr/>
+          </p:nvPicPr>
+          <p:blipFill>
+            <a:blip r:embed="rId3">
+              <a:extLst>
+                <a:ext uri="{28A0092B-C50C-407E-A947-70E740481C1C}">
+                  <a14:useLocalDpi xmlns:a14="http://schemas.microsoft.com/office/drawing/2010/main" val="0"/>
+                </a:ext>
+              </a:extLst>
+            </a:blip>
+            <a:stretch>
+              <a:fillRect/>
+            </a:stretch>
+          </p:blipFill>
+          <p:spPr>
+            <a:xfrm>
+              <a:off x="4459057" y="4591624"/>
+              <a:ext cx="1164942" cy="1562459"/>
+            </a:xfrm>
+            <a:prstGeom prst="rect">
+              <a:avLst/>
+            </a:prstGeom>
+          </p:spPr>
+        </p:pic>
+        <p:pic>
+          <p:nvPicPr>
+            <p:cNvPr id="24" name="Picture 23">
+              <a:extLst>
+                <a:ext uri="{FF2B5EF4-FFF2-40B4-BE49-F238E27FC236}">
+                  <a16:creationId xmlns:a16="http://schemas.microsoft.com/office/drawing/2014/main" id="{4630ED1A-9E6B-B7A2-34E1-9868D40448B7}"/>
+                </a:ext>
+              </a:extLst>
+            </p:cNvPr>
+            <p:cNvPicPr>
+              <a:picLocks noChangeAspect="1"/>
+            </p:cNvPicPr>
+            <p:nvPr/>
+          </p:nvPicPr>
+          <p:blipFill>
+            <a:blip r:embed="rId4" cstate="print">
+              <a:extLst>
+                <a:ext uri="{28A0092B-C50C-407E-A947-70E740481C1C}">
+                  <a14:useLocalDpi xmlns:a14="http://schemas.microsoft.com/office/drawing/2010/main" val="0"/>
+                </a:ext>
+              </a:extLst>
+            </a:blip>
+            <a:stretch>
+              <a:fillRect/>
+            </a:stretch>
+          </p:blipFill>
+          <p:spPr>
+            <a:xfrm>
+              <a:off x="4615748" y="4727446"/>
+              <a:ext cx="851560" cy="620342"/>
+            </a:xfrm>
+            <a:prstGeom prst="rect">
+              <a:avLst/>
+            </a:prstGeom>
+          </p:spPr>
+        </p:pic>
+        <p:sp>
+          <p:nvSpPr>
+            <p:cNvPr id="26" name="TextBox 25">
+              <a:extLst>
+                <a:ext uri="{FF2B5EF4-FFF2-40B4-BE49-F238E27FC236}">
+                  <a16:creationId xmlns:a16="http://schemas.microsoft.com/office/drawing/2014/main" id="{788C68F7-144C-B6CD-0E3C-ADD78D112B73}"/>
+                </a:ext>
+              </a:extLst>
+            </p:cNvPr>
+            <p:cNvSpPr txBox="1"/>
+            <p:nvPr/>
+          </p:nvSpPr>
+          <p:spPr>
+            <a:xfrm>
+              <a:off x="4506434" y="5395317"/>
+              <a:ext cx="1274068" cy="544444"/>
+            </a:xfrm>
+            <a:prstGeom prst="rect">
+              <a:avLst/>
+            </a:prstGeom>
+            <a:noFill/>
+          </p:spPr>
+          <p:txBody>
+            <a:bodyPr wrap="square" rtlCol="0">
+              <a:spAutoFit/>
+            </a:bodyPr>
+            <a:lstStyle/>
+            <a:p>
+              <a:r>
+                <a:rPr lang="ru-RU" sz="2400" dirty="0">
+                  <a:latin typeface="Century Gothic" panose="020B0502020202020204" pitchFamily="34" charset="0"/>
+                </a:rPr>
+                <a:t>Драйвер </a:t>
+              </a:r>
+            </a:p>
+            <a:p>
+              <a:r>
+                <a:rPr lang="en-US" sz="2400" dirty="0">
+                  <a:latin typeface="Century Gothic" panose="020B0502020202020204" pitchFamily="34" charset="0"/>
+                </a:rPr>
+                <a:t>MATICA</a:t>
+              </a:r>
+              <a:endParaRPr lang="ru-RU" sz="2400" dirty="0">
                 <a:latin typeface="Century Gothic" panose="020B0502020202020204" pitchFamily="34" charset="0"/>
-                <a:ea typeface="Calibri" panose="020F0502020204030204" pitchFamily="34" charset="0"/>
-                <a:cs typeface="Times New Roman" panose="02020603050405020304" pitchFamily="18" charset="0"/>
+              </a:endParaRPr>
+            </a:p>
+          </p:txBody>
+        </p:sp>
+      </p:grpSp>
+      <p:pic>
+        <p:nvPicPr>
+          <p:cNvPr id="27" name="Picture 26">
+            <a:extLst>
+              <a:ext uri="{FF2B5EF4-FFF2-40B4-BE49-F238E27FC236}">
+                <a16:creationId xmlns:a16="http://schemas.microsoft.com/office/drawing/2014/main" id="{2266A12E-A5E0-3C59-89B4-F6D55F8B3642}"/>
+              </a:ext>
+            </a:extLst>
+          </p:cNvPr>
+          <p:cNvPicPr>
+            <a:picLocks noChangeAspect="1"/>
+          </p:cNvPicPr>
+          <p:nvPr/>
+        </p:nvPicPr>
+        <p:blipFill>
+          <a:blip r:embed="rId5">
+            <a:extLst>
+              <a:ext uri="{28A0092B-C50C-407E-A947-70E740481C1C}">
+                <a14:useLocalDpi xmlns:a14="http://schemas.microsoft.com/office/drawing/2010/main" val="0"/>
+              </a:ext>
+            </a:extLst>
+          </a:blip>
+          <a:stretch>
+            <a:fillRect/>
+          </a:stretch>
+        </p:blipFill>
+        <p:spPr>
+          <a:xfrm>
+            <a:off x="8718848" y="1847698"/>
+            <a:ext cx="2611556" cy="1157768"/>
+          </a:xfrm>
+          <a:prstGeom prst="rect">
+            <a:avLst/>
+          </a:prstGeom>
+        </p:spPr>
+      </p:pic>
+      <p:pic>
+        <p:nvPicPr>
+          <p:cNvPr id="28" name="Picture 27">
+            <a:extLst>
+              <a:ext uri="{FF2B5EF4-FFF2-40B4-BE49-F238E27FC236}">
+                <a16:creationId xmlns:a16="http://schemas.microsoft.com/office/drawing/2014/main" id="{8461C0FE-E260-B0B3-5BCB-386BDF127CA8}"/>
+              </a:ext>
+            </a:extLst>
+          </p:cNvPr>
+          <p:cNvPicPr>
+            <a:picLocks noChangeAspect="1"/>
+          </p:cNvPicPr>
+          <p:nvPr/>
+        </p:nvPicPr>
+        <p:blipFill>
+          <a:blip r:embed="rId6" cstate="print">
+            <a:extLst>
+              <a:ext uri="{28A0092B-C50C-407E-A947-70E740481C1C}">
+                <a14:useLocalDpi xmlns:a14="http://schemas.microsoft.com/office/drawing/2010/main" val="0"/>
+              </a:ext>
+            </a:extLst>
+          </a:blip>
+          <a:stretch>
+            <a:fillRect/>
+          </a:stretch>
+        </p:blipFill>
+        <p:spPr>
+          <a:xfrm>
+            <a:off x="10140205" y="2912803"/>
+            <a:ext cx="740455" cy="1473116"/>
+          </a:xfrm>
+          <a:prstGeom prst="rect">
+            <a:avLst/>
+          </a:prstGeom>
+        </p:spPr>
+      </p:pic>
+      <p:sp>
+        <p:nvSpPr>
+          <p:cNvPr id="29" name="TextBox 28">
+            <a:extLst>
+              <a:ext uri="{FF2B5EF4-FFF2-40B4-BE49-F238E27FC236}">
+                <a16:creationId xmlns:a16="http://schemas.microsoft.com/office/drawing/2014/main" id="{AFB8FFEE-F40A-1BCD-1703-038E429C33C3}"/>
+              </a:ext>
+            </a:extLst>
+          </p:cNvPr>
+          <p:cNvSpPr txBox="1"/>
+          <p:nvPr/>
+        </p:nvSpPr>
+        <p:spPr>
+          <a:xfrm>
+            <a:off x="9670298" y="4385919"/>
+            <a:ext cx="1680268" cy="707886"/>
+          </a:xfrm>
+          <a:prstGeom prst="rect">
+            <a:avLst/>
+          </a:prstGeom>
+          <a:noFill/>
+        </p:spPr>
+        <p:txBody>
+          <a:bodyPr wrap="none" rtlCol="0">
+            <a:spAutoFit/>
+          </a:bodyPr>
+          <a:lstStyle/>
+          <a:p>
+            <a:pPr algn="ctr"/>
+            <a:r>
+              <a:rPr lang="ru-RU" sz="2000" dirty="0">
+                <a:latin typeface="Century Gothic" panose="020B0502020202020204" pitchFamily="34" charset="0"/>
               </a:rPr>
-              <a:t>	</a:t>
-            </a:r>
-            <a:r>
-              <a:rPr lang="ru-RU" altLang="ru-RU" sz="2000" dirty="0">
+              <a:t>Ридер 1</a:t>
+            </a:r>
+          </a:p>
+          <a:p>
+            <a:pPr algn="ctr"/>
+            <a:r>
+              <a:rPr lang="ru-RU" sz="2000" dirty="0">
                 <a:latin typeface="Century Gothic" panose="020B0502020202020204" pitchFamily="34" charset="0"/>
-                <a:ea typeface="Calibri" panose="020F0502020204030204" pitchFamily="34" charset="0"/>
-                <a:cs typeface="Times New Roman" panose="02020603050405020304" pitchFamily="18" charset="0"/>
               </a:rPr>
-              <a:t>Использование автоматизированной системы мониторинга и управления технологическим процессом на ЛПЦ-4 ПАО «ММК» даст предприятию такие возможности как: </a:t>
-            </a:r>
-          </a:p>
-          <a:p>
-            <a:pPr marL="342900" indent="-342900" algn="just">
-              <a:lnSpc>
-                <a:spcPct val="150000"/>
-              </a:lnSpc>
-              <a:spcAft>
-                <a:spcPts val="600"/>
-              </a:spcAft>
-              <a:buFont typeface="Arial" panose="020B0604020202020204" pitchFamily="34" charset="0"/>
-              <a:buChar char="•"/>
-              <a:defRPr/>
-            </a:pPr>
-            <a:r>
-              <a:rPr lang="ru-RU" altLang="ru-RU" sz="2000" dirty="0">
+              <a:t>192.168.0.81</a:t>
+            </a:r>
+          </a:p>
+        </p:txBody>
+      </p:sp>
+      <p:grpSp>
+        <p:nvGrpSpPr>
+          <p:cNvPr id="73" name="Group 72">
+            <a:extLst>
+              <a:ext uri="{FF2B5EF4-FFF2-40B4-BE49-F238E27FC236}">
+                <a16:creationId xmlns:a16="http://schemas.microsoft.com/office/drawing/2014/main" id="{C9441E61-29BB-B2E7-CCE1-7AD0E072193F}"/>
+              </a:ext>
+            </a:extLst>
+          </p:cNvPr>
+          <p:cNvGrpSpPr/>
+          <p:nvPr/>
+        </p:nvGrpSpPr>
+        <p:grpSpPr>
+          <a:xfrm>
+            <a:off x="2201645" y="1720394"/>
+            <a:ext cx="6888695" cy="1963640"/>
+            <a:chOff x="2113639" y="1720394"/>
+            <a:chExt cx="7160140" cy="1963640"/>
+          </a:xfrm>
+        </p:grpSpPr>
+        <p:sp>
+          <p:nvSpPr>
+            <p:cNvPr id="41" name="Arc 40">
+              <a:extLst>
+                <a:ext uri="{FF2B5EF4-FFF2-40B4-BE49-F238E27FC236}">
+                  <a16:creationId xmlns:a16="http://schemas.microsoft.com/office/drawing/2014/main" id="{20A16153-A2F1-3267-2DF7-151F950EE1EB}"/>
+                </a:ext>
+              </a:extLst>
+            </p:cNvPr>
+            <p:cNvSpPr/>
+            <p:nvPr/>
+          </p:nvSpPr>
+          <p:spPr>
+            <a:xfrm>
+              <a:off x="2113639" y="1720394"/>
+              <a:ext cx="7160140" cy="1963640"/>
+            </a:xfrm>
+            <a:prstGeom prst="arc">
+              <a:avLst>
+                <a:gd name="adj1" fmla="val 11205116"/>
+                <a:gd name="adj2" fmla="val 20978829"/>
+              </a:avLst>
+            </a:prstGeom>
+            <a:ln w="57150">
+              <a:solidFill>
+                <a:schemeClr val="accent1">
+                  <a:lumMod val="50000"/>
+                </a:schemeClr>
+              </a:solidFill>
+            </a:ln>
+          </p:spPr>
+          <p:style>
+            <a:lnRef idx="1">
+              <a:schemeClr val="accent1"/>
+            </a:lnRef>
+            <a:fillRef idx="0">
+              <a:schemeClr val="accent1"/>
+            </a:fillRef>
+            <a:effectRef idx="0">
+              <a:schemeClr val="accent1"/>
+            </a:effectRef>
+            <a:fontRef idx="minor">
+              <a:schemeClr val="tx1"/>
+            </a:fontRef>
+          </p:style>
+          <p:txBody>
+            <a:bodyPr rtlCol="0" anchor="ctr"/>
+            <a:lstStyle/>
+            <a:p>
+              <a:pPr algn="ctr"/>
+              <a:endParaRPr lang="ru-RU"/>
+            </a:p>
+          </p:txBody>
+        </p:sp>
+        <p:cxnSp>
+          <p:nvCxnSpPr>
+            <p:cNvPr id="44" name="Straight Arrow Connector 43">
+              <a:extLst>
+                <a:ext uri="{FF2B5EF4-FFF2-40B4-BE49-F238E27FC236}">
+                  <a16:creationId xmlns:a16="http://schemas.microsoft.com/office/drawing/2014/main" id="{AD16D57C-FE8A-9CA5-A771-5711982F8E13}"/>
+                </a:ext>
+              </a:extLst>
+            </p:cNvPr>
+            <p:cNvCxnSpPr>
+              <a:cxnSpLocks/>
+            </p:cNvCxnSpPr>
+            <p:nvPr/>
+          </p:nvCxnSpPr>
+          <p:spPr>
+            <a:xfrm>
+              <a:off x="8562340" y="2113280"/>
+              <a:ext cx="312420" cy="124460"/>
+            </a:xfrm>
+            <a:prstGeom prst="straightConnector1">
+              <a:avLst/>
+            </a:prstGeom>
+            <a:ln w="57150">
+              <a:solidFill>
+                <a:schemeClr val="accent1">
+                  <a:lumMod val="50000"/>
+                </a:schemeClr>
+              </a:solidFill>
+              <a:tailEnd type="triangle"/>
+            </a:ln>
+          </p:spPr>
+          <p:style>
+            <a:lnRef idx="1">
+              <a:schemeClr val="accent1"/>
+            </a:lnRef>
+            <a:fillRef idx="0">
+              <a:schemeClr val="accent1"/>
+            </a:fillRef>
+            <a:effectRef idx="0">
+              <a:schemeClr val="accent1"/>
+            </a:effectRef>
+            <a:fontRef idx="minor">
+              <a:schemeClr val="tx1"/>
+            </a:fontRef>
+          </p:style>
+        </p:cxnSp>
+      </p:grpSp>
+      <p:grpSp>
+        <p:nvGrpSpPr>
+          <p:cNvPr id="74" name="Group 73">
+            <a:extLst>
+              <a:ext uri="{FF2B5EF4-FFF2-40B4-BE49-F238E27FC236}">
+                <a16:creationId xmlns:a16="http://schemas.microsoft.com/office/drawing/2014/main" id="{652A0ABA-99AC-F47B-B395-468DBF41813B}"/>
+              </a:ext>
+            </a:extLst>
+          </p:cNvPr>
+          <p:cNvGrpSpPr/>
+          <p:nvPr/>
+        </p:nvGrpSpPr>
+        <p:grpSpPr>
+          <a:xfrm flipH="1" flipV="1">
+            <a:off x="2069026" y="1390486"/>
+            <a:ext cx="6888695" cy="1886512"/>
+            <a:chOff x="2113639" y="1720394"/>
+            <a:chExt cx="7160140" cy="1963640"/>
+          </a:xfrm>
+        </p:grpSpPr>
+        <p:sp>
+          <p:nvSpPr>
+            <p:cNvPr id="75" name="Arc 74">
+              <a:extLst>
+                <a:ext uri="{FF2B5EF4-FFF2-40B4-BE49-F238E27FC236}">
+                  <a16:creationId xmlns:a16="http://schemas.microsoft.com/office/drawing/2014/main" id="{A454F4DC-ADFA-6475-6872-AA286B046549}"/>
+                </a:ext>
+              </a:extLst>
+            </p:cNvPr>
+            <p:cNvSpPr/>
+            <p:nvPr/>
+          </p:nvSpPr>
+          <p:spPr>
+            <a:xfrm>
+              <a:off x="2113639" y="1720394"/>
+              <a:ext cx="7160140" cy="1963640"/>
+            </a:xfrm>
+            <a:prstGeom prst="arc">
+              <a:avLst>
+                <a:gd name="adj1" fmla="val 11205116"/>
+                <a:gd name="adj2" fmla="val 20978829"/>
+              </a:avLst>
+            </a:prstGeom>
+            <a:ln w="57150">
+              <a:solidFill>
+                <a:schemeClr val="accent1">
+                  <a:lumMod val="50000"/>
+                </a:schemeClr>
+              </a:solidFill>
+            </a:ln>
+          </p:spPr>
+          <p:style>
+            <a:lnRef idx="1">
+              <a:schemeClr val="accent1"/>
+            </a:lnRef>
+            <a:fillRef idx="0">
+              <a:schemeClr val="accent1"/>
+            </a:fillRef>
+            <a:effectRef idx="0">
+              <a:schemeClr val="accent1"/>
+            </a:effectRef>
+            <a:fontRef idx="minor">
+              <a:schemeClr val="tx1"/>
+            </a:fontRef>
+          </p:style>
+          <p:txBody>
+            <a:bodyPr rtlCol="0" anchor="ctr"/>
+            <a:lstStyle/>
+            <a:p>
+              <a:pPr algn="ctr"/>
+              <a:endParaRPr lang="ru-RU"/>
+            </a:p>
+          </p:txBody>
+        </p:sp>
+        <p:cxnSp>
+          <p:nvCxnSpPr>
+            <p:cNvPr id="76" name="Straight Arrow Connector 75">
+              <a:extLst>
+                <a:ext uri="{FF2B5EF4-FFF2-40B4-BE49-F238E27FC236}">
+                  <a16:creationId xmlns:a16="http://schemas.microsoft.com/office/drawing/2014/main" id="{399B88BC-69B4-87AF-1229-255F03830269}"/>
+                </a:ext>
+              </a:extLst>
+            </p:cNvPr>
+            <p:cNvCxnSpPr>
+              <a:cxnSpLocks/>
+            </p:cNvCxnSpPr>
+            <p:nvPr/>
+          </p:nvCxnSpPr>
+          <p:spPr>
+            <a:xfrm>
+              <a:off x="8562340" y="2113280"/>
+              <a:ext cx="312420" cy="124460"/>
+            </a:xfrm>
+            <a:prstGeom prst="straightConnector1">
+              <a:avLst/>
+            </a:prstGeom>
+            <a:ln w="57150">
+              <a:solidFill>
+                <a:schemeClr val="accent1">
+                  <a:lumMod val="50000"/>
+                </a:schemeClr>
+              </a:solidFill>
+              <a:tailEnd type="triangle"/>
+            </a:ln>
+          </p:spPr>
+          <p:style>
+            <a:lnRef idx="1">
+              <a:schemeClr val="accent1"/>
+            </a:lnRef>
+            <a:fillRef idx="0">
+              <a:schemeClr val="accent1"/>
+            </a:fillRef>
+            <a:effectRef idx="0">
+              <a:schemeClr val="accent1"/>
+            </a:effectRef>
+            <a:fontRef idx="minor">
+              <a:schemeClr val="tx1"/>
+            </a:fontRef>
+          </p:style>
+        </p:cxnSp>
+      </p:grpSp>
+      <p:sp>
+        <p:nvSpPr>
+          <p:cNvPr id="77" name="TextBox 76">
+            <a:extLst>
+              <a:ext uri="{FF2B5EF4-FFF2-40B4-BE49-F238E27FC236}">
+                <a16:creationId xmlns:a16="http://schemas.microsoft.com/office/drawing/2014/main" id="{B1C6D349-E4D8-4224-7685-748A037D971E}"/>
+              </a:ext>
+            </a:extLst>
+          </p:cNvPr>
+          <p:cNvSpPr txBox="1"/>
+          <p:nvPr/>
+        </p:nvSpPr>
+        <p:spPr>
+          <a:xfrm>
+            <a:off x="4357991" y="1017992"/>
+            <a:ext cx="2091446" cy="646331"/>
+          </a:xfrm>
+          <a:prstGeom prst="rect">
+            <a:avLst/>
+          </a:prstGeom>
+          <a:noFill/>
+        </p:spPr>
+        <p:txBody>
+          <a:bodyPr wrap="square" rtlCol="0">
+            <a:spAutoFit/>
+          </a:bodyPr>
+          <a:lstStyle/>
+          <a:p>
+            <a:r>
+              <a:rPr lang="en-US" dirty="0"/>
+              <a:t>TCP/IP 192.168.0.81</a:t>
+            </a:r>
+          </a:p>
+          <a:p>
+            <a:pPr algn="ctr"/>
+            <a:r>
+              <a:rPr lang="en-US" dirty="0" err="1"/>
+              <a:t>TCPScript</a:t>
+            </a:r>
+            <a:r>
+              <a:rPr lang="en-US" dirty="0"/>
+              <a:t> </a:t>
+            </a:r>
+            <a:r>
+              <a:rPr lang="ru-RU" dirty="0"/>
+              <a:t>строка</a:t>
+            </a:r>
+          </a:p>
+        </p:txBody>
+      </p:sp>
+      <p:sp>
+        <p:nvSpPr>
+          <p:cNvPr id="78" name="TextBox 77">
+            <a:extLst>
+              <a:ext uri="{FF2B5EF4-FFF2-40B4-BE49-F238E27FC236}">
+                <a16:creationId xmlns:a16="http://schemas.microsoft.com/office/drawing/2014/main" id="{557048D3-8958-FB7D-4C49-89469A760528}"/>
+              </a:ext>
+            </a:extLst>
+          </p:cNvPr>
+          <p:cNvSpPr txBox="1"/>
+          <p:nvPr/>
+        </p:nvSpPr>
+        <p:spPr>
+          <a:xfrm>
+            <a:off x="4383962" y="3370055"/>
+            <a:ext cx="2524060" cy="646331"/>
+          </a:xfrm>
+          <a:prstGeom prst="rect">
+            <a:avLst/>
+          </a:prstGeom>
+          <a:noFill/>
+        </p:spPr>
+        <p:txBody>
+          <a:bodyPr wrap="square" rtlCol="0">
+            <a:spAutoFit/>
+          </a:bodyPr>
+          <a:lstStyle/>
+          <a:p>
+            <a:r>
+              <a:rPr lang="ru-RU" dirty="0"/>
+              <a:t>Ответ карты в виде строки(пример </a:t>
+            </a:r>
+            <a:r>
+              <a:rPr lang="en-US" dirty="0"/>
+              <a:t>‘</a:t>
+            </a:r>
+            <a:r>
+              <a:rPr lang="ru-RU" dirty="0"/>
+              <a:t>9000</a:t>
+            </a:r>
+            <a:r>
+              <a:rPr lang="en-US" dirty="0"/>
+              <a:t>’</a:t>
+            </a:r>
+            <a:r>
+              <a:rPr lang="ru-RU" dirty="0"/>
+              <a:t>)</a:t>
+            </a:r>
+          </a:p>
+        </p:txBody>
+      </p:sp>
+      <p:sp>
+        <p:nvSpPr>
+          <p:cNvPr id="79" name="TextBox 78">
+            <a:extLst>
+              <a:ext uri="{FF2B5EF4-FFF2-40B4-BE49-F238E27FC236}">
+                <a16:creationId xmlns:a16="http://schemas.microsoft.com/office/drawing/2014/main" id="{C7FA5F6A-A0D0-BAE4-18B2-3D706FA2991C}"/>
+              </a:ext>
+            </a:extLst>
+          </p:cNvPr>
+          <p:cNvSpPr txBox="1"/>
+          <p:nvPr/>
+        </p:nvSpPr>
+        <p:spPr>
+          <a:xfrm>
+            <a:off x="651618" y="4910729"/>
+            <a:ext cx="4898657" cy="400110"/>
+          </a:xfrm>
+          <a:prstGeom prst="rect">
+            <a:avLst/>
+          </a:prstGeom>
+          <a:noFill/>
+        </p:spPr>
+        <p:txBody>
+          <a:bodyPr wrap="square" rtlCol="0">
+            <a:spAutoFit/>
+          </a:bodyPr>
+          <a:lstStyle/>
+          <a:p>
+            <a:r>
+              <a:rPr lang="ru-RU" sz="2000" dirty="0">
                 <a:latin typeface="Century Gothic" panose="020B0502020202020204" pitchFamily="34" charset="0"/>
-                <a:ea typeface="Calibri" panose="020F0502020204030204" pitchFamily="34" charset="0"/>
-                <a:cs typeface="Times New Roman" panose="02020603050405020304" pitchFamily="18" charset="0"/>
               </a:rPr>
-              <a:t>Обеспечение пользователей непрерывной, актуальной и оперативной информацией о данных технологического процесса производства;</a:t>
-            </a:r>
-          </a:p>
-          <a:p>
-            <a:pPr marL="342900" indent="-342900" algn="just">
-              <a:lnSpc>
-                <a:spcPct val="150000"/>
-              </a:lnSpc>
-              <a:spcAft>
-                <a:spcPts val="600"/>
-              </a:spcAft>
-              <a:buFont typeface="Arial" panose="020B0604020202020204" pitchFamily="34" charset="0"/>
-              <a:buChar char="•"/>
-              <a:defRPr/>
-            </a:pPr>
-            <a:r>
-              <a:rPr lang="ru-RU" altLang="ru-RU" sz="2000" dirty="0">
+              <a:t>Пример скрипта на языке </a:t>
+            </a:r>
+            <a:r>
+              <a:rPr lang="en-US" sz="2000" dirty="0" err="1">
                 <a:latin typeface="Century Gothic" panose="020B0502020202020204" pitchFamily="34" charset="0"/>
-                <a:ea typeface="Calibri" panose="020F0502020204030204" pitchFamily="34" charset="0"/>
-                <a:cs typeface="Times New Roman" panose="02020603050405020304" pitchFamily="18" charset="0"/>
               </a:rPr>
-              <a:t>Возможность ввода и редактирования первичных данных при необходимости;</a:t>
-            </a:r>
-          </a:p>
-          <a:p>
-            <a:pPr marL="342900" indent="-342900" algn="just">
-              <a:lnSpc>
-                <a:spcPct val="150000"/>
-              </a:lnSpc>
-              <a:spcAft>
-                <a:spcPts val="600"/>
-              </a:spcAft>
-              <a:buFont typeface="Arial" panose="020B0604020202020204" pitchFamily="34" charset="0"/>
-              <a:buChar char="•"/>
-              <a:defRPr/>
-            </a:pPr>
-            <a:r>
-              <a:rPr lang="ru-RU" altLang="ru-RU" sz="2000" dirty="0">
+              <a:t>TCPScript</a:t>
+            </a:r>
+            <a:r>
+              <a:rPr lang="en-US" sz="2000" dirty="0">
                 <a:latin typeface="Century Gothic" panose="020B0502020202020204" pitchFamily="34" charset="0"/>
-                <a:ea typeface="Calibri" panose="020F0502020204030204" pitchFamily="34" charset="0"/>
-                <a:cs typeface="Times New Roman" panose="02020603050405020304" pitchFamily="18" charset="0"/>
               </a:rPr>
-              <a:t>Возможность редактирования уставных значение и состояний агрегатов прокатного стана;</a:t>
-            </a:r>
-          </a:p>
-          <a:p>
-            <a:pPr marL="342900" indent="-342900" algn="just">
-              <a:lnSpc>
-                <a:spcPct val="150000"/>
-              </a:lnSpc>
-              <a:spcAft>
-                <a:spcPts val="600"/>
-              </a:spcAft>
-              <a:buFont typeface="Arial" panose="020B0604020202020204" pitchFamily="34" charset="0"/>
-              <a:buChar char="•"/>
-              <a:defRPr/>
-            </a:pPr>
-            <a:r>
-              <a:rPr lang="ru-RU" altLang="ru-RU" sz="2000" dirty="0">
-                <a:latin typeface="Century Gothic" panose="020B0502020202020204" pitchFamily="34" charset="0"/>
-                <a:ea typeface="Calibri" panose="020F0502020204030204" pitchFamily="34" charset="0"/>
-                <a:cs typeface="Times New Roman" panose="02020603050405020304" pitchFamily="18" charset="0"/>
-              </a:rPr>
-              <a:t>Повышение эффективности работы стана за счет контроля перемещения слябов по линиям загрузки, состояния карты печей и связи со всеми системами автоматизации;</a:t>
-            </a:r>
+              <a:t>:</a:t>
+            </a:r>
+            <a:endParaRPr lang="ru-RU" sz="2000" dirty="0">
+              <a:latin typeface="Century Gothic" panose="020B0502020202020204" pitchFamily="34" charset="0"/>
+            </a:endParaRPr>
           </a:p>
         </p:txBody>
       </p:sp>
     </p:spTree>
     <p:extLst>
       <p:ext uri="{BB962C8B-B14F-4D97-AF65-F5344CB8AC3E}">
-        <p14:creationId xmlns:p14="http://schemas.microsoft.com/office/powerpoint/2010/main" val="3299038286"/>
+        <p14:creationId xmlns:p14="http://schemas.microsoft.com/office/powerpoint/2010/main" val="1822024353"/>
       </p:ext>
     </p:extLst>
   </p:cSld>
   <p:clrMapOvr>
     <a:masterClrMapping/>
   </p:clrMapOvr>
-  <p:timing>
-    <p:tnLst>
-      <p:par>
-        <p:cTn id="1" dur="indefinite" restart="never" nodeType="tmRoot"/>
-      </p:par>
-    </p:tnLst>
-  </p:timing>
 </p:sld>
 </file>
 
@@ -4624,6 +6771,325 @@
       </p:pic>
       <p:sp>
         <p:nvSpPr>
+          <p:cNvPr id="4" name="Прямоугольник 3"/>
+          <p:cNvSpPr/>
+          <p:nvPr/>
+        </p:nvSpPr>
+        <p:spPr>
+          <a:xfrm>
+            <a:off x="354843" y="1187299"/>
+            <a:ext cx="11600596" cy="495457"/>
+          </a:xfrm>
+          <a:prstGeom prst="rect">
+            <a:avLst/>
+          </a:prstGeom>
+        </p:spPr>
+        <p:txBody>
+          <a:bodyPr wrap="square">
+            <a:spAutoFit/>
+          </a:bodyPr>
+          <a:lstStyle/>
+          <a:p>
+            <a:pPr algn="just">
+              <a:lnSpc>
+                <a:spcPct val="150000"/>
+              </a:lnSpc>
+            </a:pPr>
+            <a:endParaRPr lang="en-US" sz="2000" dirty="0">
+              <a:latin typeface="Century Gothic" panose="020B0502020202020204" pitchFamily="34" charset="0"/>
+            </a:endParaRPr>
+          </a:p>
+        </p:txBody>
+      </p:sp>
+      <p:sp>
+        <p:nvSpPr>
+          <p:cNvPr id="5" name="TextBox 4"/>
+          <p:cNvSpPr txBox="1"/>
+          <p:nvPr/>
+        </p:nvSpPr>
+        <p:spPr>
+          <a:xfrm>
+            <a:off x="3534770" y="450376"/>
+            <a:ext cx="184731" cy="369332"/>
+          </a:xfrm>
+          <a:prstGeom prst="rect">
+            <a:avLst/>
+          </a:prstGeom>
+          <a:noFill/>
+        </p:spPr>
+        <p:txBody>
+          <a:bodyPr wrap="none" rtlCol="0">
+            <a:spAutoFit/>
+          </a:bodyPr>
+          <a:lstStyle/>
+          <a:p>
+            <a:endParaRPr lang="ru-RU" dirty="0"/>
+          </a:p>
+        </p:txBody>
+      </p:sp>
+      <p:sp>
+        <p:nvSpPr>
+          <p:cNvPr id="7" name="TextBox 6"/>
+          <p:cNvSpPr txBox="1"/>
+          <p:nvPr/>
+        </p:nvSpPr>
+        <p:spPr>
+          <a:xfrm>
+            <a:off x="2983615" y="82785"/>
+            <a:ext cx="6224781" cy="707886"/>
+          </a:xfrm>
+          <a:prstGeom prst="rect">
+            <a:avLst/>
+          </a:prstGeom>
+          <a:noFill/>
+        </p:spPr>
+        <p:txBody>
+          <a:bodyPr wrap="none" rtlCol="0">
+            <a:spAutoFit/>
+          </a:bodyPr>
+          <a:lstStyle/>
+          <a:p>
+            <a:pPr algn="ctr"/>
+            <a:r>
+              <a:rPr lang="ru-RU" sz="4000" dirty="0">
+                <a:solidFill>
+                  <a:schemeClr val="bg1">
+                    <a:lumMod val="95000"/>
+                  </a:schemeClr>
+                </a:solidFill>
+                <a:effectLst>
+                  <a:outerShdw blurRad="38100" dist="38100" dir="2700000" algn="tl">
+                    <a:srgbClr val="000000">
+                      <a:alpha val="43137"/>
+                    </a:srgbClr>
+                  </a:outerShdw>
+                </a:effectLst>
+                <a:latin typeface="Century Gothic" panose="020B0502020202020204" pitchFamily="34" charset="0"/>
+              </a:rPr>
+              <a:t>Полученные результаты</a:t>
+            </a:r>
+          </a:p>
+        </p:txBody>
+      </p:sp>
+      <p:sp>
+        <p:nvSpPr>
+          <p:cNvPr id="6" name="Прямоугольник 5"/>
+          <p:cNvSpPr/>
+          <p:nvPr/>
+        </p:nvSpPr>
+        <p:spPr>
+          <a:xfrm>
+            <a:off x="295702" y="1065424"/>
+            <a:ext cx="11600596" cy="5478423"/>
+          </a:xfrm>
+          <a:prstGeom prst="rect">
+            <a:avLst/>
+          </a:prstGeom>
+        </p:spPr>
+        <p:txBody>
+          <a:bodyPr wrap="square">
+            <a:spAutoFit/>
+          </a:bodyPr>
+          <a:lstStyle/>
+          <a:p>
+            <a:pPr algn="just">
+              <a:lnSpc>
+                <a:spcPct val="150000"/>
+              </a:lnSpc>
+              <a:spcAft>
+                <a:spcPts val="600"/>
+              </a:spcAft>
+              <a:defRPr/>
+            </a:pPr>
+            <a:r>
+              <a:rPr lang="en-US" altLang="ru-RU" sz="1700" dirty="0">
+                <a:latin typeface="Century Gothic" panose="020B0502020202020204" pitchFamily="34" charset="0"/>
+                <a:ea typeface="Calibri" panose="020F0502020204030204" pitchFamily="34" charset="0"/>
+                <a:cs typeface="Times New Roman" panose="02020603050405020304" pitchFamily="18" charset="0"/>
+              </a:rPr>
+              <a:t>	</a:t>
+            </a:r>
+            <a:r>
+              <a:rPr lang="ru-RU" altLang="ru-RU" sz="2000" dirty="0">
+                <a:latin typeface="Century Gothic" panose="020B0502020202020204" pitchFamily="34" charset="0"/>
+                <a:ea typeface="Calibri" panose="020F0502020204030204" pitchFamily="34" charset="0"/>
+                <a:cs typeface="Times New Roman" panose="02020603050405020304" pitchFamily="18" charset="0"/>
+              </a:rPr>
+              <a:t>Использование автоматизированной системы мониторинга и управления технологическим процессом на ЛПЦ-4 ПАО «ММК» даст предприятию такие возможности как: </a:t>
+            </a:r>
+          </a:p>
+          <a:p>
+            <a:pPr marL="342900" indent="-342900" algn="just">
+              <a:lnSpc>
+                <a:spcPct val="150000"/>
+              </a:lnSpc>
+              <a:spcAft>
+                <a:spcPts val="600"/>
+              </a:spcAft>
+              <a:buFont typeface="Arial" panose="020B0604020202020204" pitchFamily="34" charset="0"/>
+              <a:buChar char="•"/>
+              <a:defRPr/>
+            </a:pPr>
+            <a:r>
+              <a:rPr lang="ru-RU" altLang="ru-RU" sz="2000" dirty="0">
+                <a:latin typeface="Century Gothic" panose="020B0502020202020204" pitchFamily="34" charset="0"/>
+                <a:ea typeface="Calibri" panose="020F0502020204030204" pitchFamily="34" charset="0"/>
+                <a:cs typeface="Times New Roman" panose="02020603050405020304" pitchFamily="18" charset="0"/>
+              </a:rPr>
+              <a:t>Обеспечение пользователей непрерывной, актуальной и оперативной информацией о данных технологического процесса производства;</a:t>
+            </a:r>
+          </a:p>
+          <a:p>
+            <a:pPr marL="342900" indent="-342900" algn="just">
+              <a:lnSpc>
+                <a:spcPct val="150000"/>
+              </a:lnSpc>
+              <a:spcAft>
+                <a:spcPts val="600"/>
+              </a:spcAft>
+              <a:buFont typeface="Arial" panose="020B0604020202020204" pitchFamily="34" charset="0"/>
+              <a:buChar char="•"/>
+              <a:defRPr/>
+            </a:pPr>
+            <a:r>
+              <a:rPr lang="ru-RU" altLang="ru-RU" sz="2000" dirty="0">
+                <a:latin typeface="Century Gothic" panose="020B0502020202020204" pitchFamily="34" charset="0"/>
+                <a:ea typeface="Calibri" panose="020F0502020204030204" pitchFamily="34" charset="0"/>
+                <a:cs typeface="Times New Roman" panose="02020603050405020304" pitchFamily="18" charset="0"/>
+              </a:rPr>
+              <a:t>Возможность ввода и редактирования первичных данных при необходимости;</a:t>
+            </a:r>
+          </a:p>
+          <a:p>
+            <a:pPr marL="342900" indent="-342900" algn="just">
+              <a:lnSpc>
+                <a:spcPct val="150000"/>
+              </a:lnSpc>
+              <a:spcAft>
+                <a:spcPts val="600"/>
+              </a:spcAft>
+              <a:buFont typeface="Arial" panose="020B0604020202020204" pitchFamily="34" charset="0"/>
+              <a:buChar char="•"/>
+              <a:defRPr/>
+            </a:pPr>
+            <a:r>
+              <a:rPr lang="ru-RU" altLang="ru-RU" sz="2000" dirty="0">
+                <a:latin typeface="Century Gothic" panose="020B0502020202020204" pitchFamily="34" charset="0"/>
+                <a:ea typeface="Calibri" panose="020F0502020204030204" pitchFamily="34" charset="0"/>
+                <a:cs typeface="Times New Roman" panose="02020603050405020304" pitchFamily="18" charset="0"/>
+              </a:rPr>
+              <a:t>Возможность редактирования уставных значение и состояний агрегатов прокатного стана;</a:t>
+            </a:r>
+          </a:p>
+          <a:p>
+            <a:pPr marL="342900" indent="-342900" algn="just">
+              <a:lnSpc>
+                <a:spcPct val="150000"/>
+              </a:lnSpc>
+              <a:spcAft>
+                <a:spcPts val="600"/>
+              </a:spcAft>
+              <a:buFont typeface="Arial" panose="020B0604020202020204" pitchFamily="34" charset="0"/>
+              <a:buChar char="•"/>
+              <a:defRPr/>
+            </a:pPr>
+            <a:r>
+              <a:rPr lang="ru-RU" altLang="ru-RU" sz="2000" dirty="0">
+                <a:latin typeface="Century Gothic" panose="020B0502020202020204" pitchFamily="34" charset="0"/>
+                <a:ea typeface="Calibri" panose="020F0502020204030204" pitchFamily="34" charset="0"/>
+                <a:cs typeface="Times New Roman" panose="02020603050405020304" pitchFamily="18" charset="0"/>
+              </a:rPr>
+              <a:t>Повышение эффективности работы стана за счет контроля перемещения слябов по линиям загрузки, состояния карты печей и связи со всеми системами автоматизации;</a:t>
+            </a:r>
+          </a:p>
+        </p:txBody>
+      </p:sp>
+    </p:spTree>
+    <p:extLst>
+      <p:ext uri="{BB962C8B-B14F-4D97-AF65-F5344CB8AC3E}">
+        <p14:creationId xmlns:p14="http://schemas.microsoft.com/office/powerpoint/2010/main" val="3299038286"/>
+      </p:ext>
+    </p:extLst>
+  </p:cSld>
+  <p:clrMapOvr>
+    <a:masterClrMapping/>
+  </p:clrMapOvr>
+</p:sld>
+</file>
+
+<file path=ppt/slides/slide13.xml><?xml version="1.0" encoding="utf-8"?>
+<p:sld xmlns:a="http://schemas.openxmlformats.org/drawingml/2006/main" xmlns:r="http://schemas.openxmlformats.org/officeDocument/2006/relationships" xmlns:p="http://schemas.openxmlformats.org/presentationml/2006/main">
+  <p:cSld>
+    <p:spTree>
+      <p:nvGrpSpPr>
+        <p:cNvPr id="1" name=""/>
+        <p:cNvGrpSpPr/>
+        <p:nvPr/>
+      </p:nvGrpSpPr>
+      <p:grpSpPr>
+        <a:xfrm>
+          <a:off x="0" y="0"/>
+          <a:ext cx="0" cy="0"/>
+          <a:chOff x="0" y="0"/>
+          <a:chExt cx="0" cy="0"/>
+        </a:xfrm>
+      </p:grpSpPr>
+      <p:pic>
+        <p:nvPicPr>
+          <p:cNvPr id="2" name="Picture 2" descr="C:\Users\Андрей\Desktop\1\Безымянный-1.png"/>
+          <p:cNvPicPr>
+            <a:picLocks noChangeAspect="1" noChangeArrowheads="1"/>
+          </p:cNvPicPr>
+          <p:nvPr/>
+        </p:nvPicPr>
+        <p:blipFill>
+          <a:blip r:embed="rId2">
+            <a:extLst>
+              <a:ext uri="{28A0092B-C50C-407E-A947-70E740481C1C}">
+                <a14:useLocalDpi xmlns:a14="http://schemas.microsoft.com/office/drawing/2010/main" val="0"/>
+              </a:ext>
+            </a:extLst>
+          </a:blip>
+          <a:srcRect/>
+          <a:stretch>
+            <a:fillRect/>
+          </a:stretch>
+        </p:blipFill>
+        <p:spPr bwMode="auto">
+          <a:xfrm>
+            <a:off x="0" y="0"/>
+            <a:ext cx="12192000" cy="982639"/>
+          </a:xfrm>
+          <a:prstGeom prst="rect">
+            <a:avLst/>
+          </a:prstGeom>
+          <a:noFill/>
+          <a:ln>
+            <a:noFill/>
+          </a:ln>
+          <a:extLst>
+            <a:ext uri="{909E8E84-426E-40DD-AFC4-6F175D3DCCD1}">
+              <a14:hiddenFill xmlns:a14="http://schemas.microsoft.com/office/drawing/2010/main">
+                <a:solidFill>
+                  <a:srgbClr val="FFFFFF"/>
+                </a:solidFill>
+              </a14:hiddenFill>
+            </a:ext>
+            <a:ext uri="{91240B29-F687-4F45-9708-019B960494DF}">
+              <a14:hiddenLine xmlns:a14="http://schemas.microsoft.com/office/drawing/2010/main" w="9525">
+                <a:solidFill>
+                  <a:srgbClr val="000000"/>
+                </a:solidFill>
+                <a:miter lim="800000"/>
+                <a:headEnd/>
+                <a:tailEnd/>
+              </a14:hiddenLine>
+            </a:ext>
+          </a:extLst>
+        </p:spPr>
+      </p:pic>
+      <p:sp>
+        <p:nvSpPr>
           <p:cNvPr id="5" name="TextBox 4"/>
           <p:cNvSpPr txBox="1"/>
           <p:nvPr/>
@@ -4808,7 +7274,7 @@
 </p:sld>
 </file>
 
-<file path=ppt/slides/slide13.xml><?xml version="1.0" encoding="utf-8"?>
+<file path=ppt/slides/slide14.xml><?xml version="1.0" encoding="utf-8"?>
 <p:sld xmlns:a="http://schemas.openxmlformats.org/drawingml/2006/main" xmlns:r="http://schemas.openxmlformats.org/officeDocument/2006/relationships" xmlns:p="http://schemas.openxmlformats.org/presentationml/2006/main">
   <p:cSld>
     <p:spTree>
@@ -5002,8 +7468,8 @@
         </p:nvSpPr>
         <p:spPr>
           <a:xfrm>
-            <a:off x="3460502" y="168153"/>
-            <a:ext cx="5270995" cy="646331"/>
+            <a:off x="3070973" y="168153"/>
+            <a:ext cx="6050054" cy="646331"/>
           </a:xfrm>
           <a:prstGeom prst="rect">
             <a:avLst/>
@@ -5017,7 +7483,7 @@
           <a:lstStyle/>
           <a:p>
             <a:r>
-              <a:rPr lang="ru-RU" sz="3600" dirty="0" smtClean="0">
+              <a:rPr lang="ru-RU" sz="3600" dirty="0">
                 <a:solidFill>
                   <a:schemeClr val="bg1">
                     <a:lumMod val="95000"/>
@@ -5032,23 +7498,8 @@
                 </a:effectLst>
                 <a:latin typeface="Century Gothic" panose="020B0502020202020204" pitchFamily="34" charset="0"/>
               </a:rPr>
-              <a:t>Описние эмбоссера</a:t>
-            </a:r>
-            <a:endParaRPr lang="ru-RU" sz="3600" dirty="0">
-              <a:solidFill>
-                <a:schemeClr val="bg1">
-                  <a:lumMod val="95000"/>
-                </a:schemeClr>
-              </a:solidFill>
-              <a:effectLst>
-                <a:outerShdw blurRad="38100" dist="38100" dir="2700000" algn="tl">
-                  <a:srgbClr val="000000">
-                    <a:alpha val="43137"/>
-                  </a:srgbClr>
-                </a:outerShdw>
-              </a:effectLst>
-              <a:latin typeface="Century Gothic" panose="020B0502020202020204" pitchFamily="34" charset="0"/>
-            </a:endParaRPr>
+              <a:t>Компоненты эмбоссера</a:t>
+            </a:r>
           </a:p>
         </p:txBody>
       </p:sp>
@@ -5192,13 +7643,6 @@
   <p:clrMapOvr>
     <a:masterClrMapping/>
   </p:clrMapOvr>
-  <p:timing>
-    <p:tnLst>
-      <p:par>
-        <p:cTn id="1" dur="indefinite" restart="never" nodeType="tmRoot"/>
-      </p:par>
-    </p:tnLst>
-  </p:timing>
 </p:sld>
 </file>
 
@@ -5347,7 +7791,7 @@
           <a:p>
             <a:pPr algn="ctr"/>
             <a:r>
-              <a:rPr lang="ru-RU" sz="4000" dirty="0" smtClean="0">
+              <a:rPr lang="ru-RU" sz="4000" dirty="0">
                 <a:solidFill>
                   <a:schemeClr val="bg1">
                     <a:lumMod val="95000"/>
@@ -5364,21 +7808,6 @@
               </a:rPr>
               <a:t>Анализ текущих решений</a:t>
             </a:r>
-            <a:endParaRPr lang="ru-RU" sz="4000" dirty="0">
-              <a:solidFill>
-                <a:schemeClr val="bg1">
-                  <a:lumMod val="95000"/>
-                </a:schemeClr>
-              </a:solidFill>
-              <a:effectLst>
-                <a:outerShdw blurRad="38100" dist="38100" dir="2700000" algn="tl">
-                  <a:srgbClr val="000000">
-                    <a:alpha val="43137"/>
-                  </a:srgbClr>
-                </a:outerShdw>
-              </a:effectLst>
-              <a:latin typeface="Century Gothic" panose="020B0502020202020204" pitchFamily="34" charset="0"/>
-            </a:endParaRPr>
           </a:p>
         </p:txBody>
       </p:sp>
@@ -5566,13 +7995,13 @@
             <a:p>
               <a:pPr algn="ctr"/>
               <a:r>
-                <a:rPr lang="ru-RU" sz="2000" dirty="0" smtClean="0">
+                <a:rPr lang="ru-RU" sz="2000" dirty="0">
                   <a:latin typeface="Century Gothic" panose="020B0502020202020204" pitchFamily="34" charset="0"/>
                 </a:rPr>
                 <a:t>Эмбоссер </a:t>
               </a:r>
               <a:r>
-                <a:rPr lang="en-US" sz="2000" dirty="0" err="1" smtClean="0">
+                <a:rPr lang="en-US" sz="2000" dirty="0" err="1">
                   <a:latin typeface="Century Gothic" panose="020B0502020202020204" pitchFamily="34" charset="0"/>
                 </a:rPr>
                 <a:t>SmartWare</a:t>
@@ -5974,14 +8403,11 @@
             <a:p>
               <a:pPr algn="ctr"/>
               <a:r>
-                <a:rPr lang="ru-RU" sz="2000" dirty="0" smtClean="0">
+                <a:rPr lang="ru-RU" sz="2000" dirty="0">
                   <a:latin typeface="Century Gothic" panose="020B0502020202020204" pitchFamily="34" charset="0"/>
                 </a:rPr>
                 <a:t>Кардридер</a:t>
               </a:r>
-              <a:endParaRPr lang="ru-RU" sz="2000" dirty="0">
-                <a:latin typeface="Century Gothic" panose="020B0502020202020204" pitchFamily="34" charset="0"/>
-              </a:endParaRPr>
             </a:p>
           </p:txBody>
         </p:sp>
@@ -6666,34 +9092,10 @@
                 <a:ea typeface="Calibri" panose="020F0502020204030204" pitchFamily="34" charset="0"/>
                 <a:cs typeface="Times New Roman" panose="02020603050405020304" pitchFamily="18" charset="0"/>
               </a:rPr>
-              <a:t>Информационное и программное обеспечение для настройки и хранения карточных продуктов и обработки банковских карт средствами эмбоссеров и </a:t>
-            </a:r>
-            <a:r>
-              <a:rPr lang="ru-RU" altLang="ru-RU" sz="2000" dirty="0" smtClean="0">
-                <a:latin typeface="Century Gothic" panose="020B0502020202020204" pitchFamily="34" charset="0"/>
-                <a:ea typeface="Calibri" panose="020F0502020204030204" pitchFamily="34" charset="0"/>
-                <a:cs typeface="Times New Roman" panose="02020603050405020304" pitchFamily="18" charset="0"/>
-              </a:rPr>
-              <a:t>кардридеров и </a:t>
-            </a:r>
-            <a:r>
-              <a:rPr lang="ru-RU" altLang="ru-RU" sz="2000" dirty="0" smtClean="0">
-                <a:latin typeface="Century Gothic" panose="020B0502020202020204" pitchFamily="34" charset="0"/>
-                <a:ea typeface="Calibri" panose="020F0502020204030204" pitchFamily="34" charset="0"/>
-                <a:cs typeface="Times New Roman" panose="02020603050405020304" pitchFamily="18" charset="0"/>
-              </a:rPr>
-              <a:t>имеющиеся в нем средства </a:t>
-            </a:r>
-            <a:r>
-              <a:rPr lang="ru-RU" altLang="ru-RU" sz="2000" dirty="0" smtClean="0">
-                <a:latin typeface="Century Gothic" panose="020B0502020202020204" pitchFamily="34" charset="0"/>
-                <a:ea typeface="Calibri" panose="020F0502020204030204" pitchFamily="34" charset="0"/>
-                <a:cs typeface="Times New Roman" panose="02020603050405020304" pitchFamily="18" charset="0"/>
-              </a:rPr>
-              <a:t>аппаратного и программного взаимодействия с кардридерным модулем эмбоссера </a:t>
-            </a:r>
-            <a:r>
-              <a:rPr lang="en-US" altLang="ru-RU" sz="2000" dirty="0" smtClean="0">
+              <a:t>Информационное и программное обеспечение для настройки и хранения карточных продуктов и обработки банковских карт средствами эмбоссеров и кардридеров и средства аппаратного и программного взаимодействия с кардридерным модулем эмбоссера </a:t>
+            </a:r>
+            <a:r>
+              <a:rPr lang="en-US" altLang="ru-RU" sz="2000" dirty="0">
                 <a:latin typeface="Century Gothic" panose="020B0502020202020204" pitchFamily="34" charset="0"/>
                 <a:ea typeface="Calibri" panose="020F0502020204030204" pitchFamily="34" charset="0"/>
                 <a:cs typeface="Times New Roman" panose="02020603050405020304" pitchFamily="18" charset="0"/>
@@ -6701,7 +9103,7 @@
               <a:t>MATICA</a:t>
             </a:r>
             <a:r>
-              <a:rPr lang="ru-RU" altLang="ru-RU" sz="2000" dirty="0" smtClean="0">
+              <a:rPr lang="ru-RU" altLang="ru-RU" sz="2000" dirty="0">
                 <a:latin typeface="Century Gothic" panose="020B0502020202020204" pitchFamily="34" charset="0"/>
                 <a:ea typeface="Calibri" panose="020F0502020204030204" pitchFamily="34" charset="0"/>
                 <a:cs typeface="Times New Roman" panose="02020603050405020304" pitchFamily="18" charset="0"/>
@@ -6717,20 +9119,12 @@
               <a:defRPr/>
             </a:pPr>
             <a:r>
-              <a:rPr lang="ru-RU" altLang="ru-RU" sz="2400" b="1" dirty="0" smtClean="0">
-                <a:latin typeface="Century Gothic" panose="020B0502020202020204" pitchFamily="34" charset="0"/>
-                <a:ea typeface="Calibri" panose="020F0502020204030204" pitchFamily="34" charset="0"/>
-                <a:cs typeface="Times New Roman" panose="02020603050405020304" pitchFamily="18" charset="0"/>
-              </a:rPr>
-              <a:t>Цель</a:t>
-            </a:r>
-            <a:r>
               <a:rPr lang="ru-RU" altLang="ru-RU" sz="2400" b="1" dirty="0">
                 <a:latin typeface="Century Gothic" panose="020B0502020202020204" pitchFamily="34" charset="0"/>
                 <a:ea typeface="Calibri" panose="020F0502020204030204" pitchFamily="34" charset="0"/>
                 <a:cs typeface="Times New Roman" panose="02020603050405020304" pitchFamily="18" charset="0"/>
               </a:rPr>
-              <a:t>: </a:t>
+              <a:t>Цель: </a:t>
             </a:r>
           </a:p>
           <a:p>
@@ -6741,20 +9135,12 @@
               <a:defRPr/>
             </a:pPr>
             <a:r>
-              <a:rPr lang="ru-RU" altLang="ru-RU" sz="2000" dirty="0" smtClean="0">
-                <a:latin typeface="Century Gothic" panose="020B0502020202020204" pitchFamily="34" charset="0"/>
-                <a:ea typeface="Calibri" panose="020F0502020204030204" pitchFamily="34" charset="0"/>
-                <a:cs typeface="Times New Roman" panose="02020603050405020304" pitchFamily="18" charset="0"/>
-              </a:rPr>
-              <a:t>Автоматизация работы программного </a:t>
-            </a:r>
-            <a:r>
               <a:rPr lang="ru-RU" altLang="ru-RU" sz="2000" dirty="0">
                 <a:latin typeface="Century Gothic" panose="020B0502020202020204" pitchFamily="34" charset="0"/>
                 <a:ea typeface="Calibri" panose="020F0502020204030204" pitchFamily="34" charset="0"/>
                 <a:cs typeface="Times New Roman" panose="02020603050405020304" pitchFamily="18" charset="0"/>
               </a:rPr>
-              <a:t>продукта </a:t>
+              <a:t>Автоматизация работы программного продукта </a:t>
             </a:r>
             <a:r>
               <a:rPr lang="en-US" altLang="ru-RU" sz="2000" dirty="0" err="1">
@@ -6786,18 +9172,10 @@
                 <a:ea typeface="Calibri" panose="020F0502020204030204" pitchFamily="34" charset="0"/>
                 <a:cs typeface="Times New Roman" panose="02020603050405020304" pitchFamily="18" charset="0"/>
               </a:rPr>
-              <a:t> </a:t>
-            </a:r>
-            <a:r>
-              <a:rPr lang="ru-RU" altLang="ru-RU" sz="2000" dirty="0" smtClean="0">
-                <a:latin typeface="Century Gothic" panose="020B0502020202020204" pitchFamily="34" charset="0"/>
-                <a:ea typeface="Calibri" panose="020F0502020204030204" pitchFamily="34" charset="0"/>
-                <a:cs typeface="Times New Roman" panose="02020603050405020304" pitchFamily="18" charset="0"/>
-              </a:rPr>
-              <a:t>с кардридерным модулем эмбоссера </a:t>
-            </a:r>
-            <a:r>
-              <a:rPr lang="en-US" altLang="ru-RU" sz="2000" dirty="0" smtClean="0">
+              <a:t> с кардридерным модулем эмбоссера </a:t>
+            </a:r>
+            <a:r>
+              <a:rPr lang="en-US" altLang="ru-RU" sz="2000" dirty="0">
                 <a:latin typeface="Century Gothic" panose="020B0502020202020204" pitchFamily="34" charset="0"/>
                 <a:ea typeface="Calibri" panose="020F0502020204030204" pitchFamily="34" charset="0"/>
                 <a:cs typeface="Times New Roman" panose="02020603050405020304" pitchFamily="18" charset="0"/>
@@ -6805,34 +9183,13 @@
               <a:t>MATICA </a:t>
             </a:r>
             <a:r>
-              <a:rPr lang="ru-RU" altLang="ru-RU" sz="2000" dirty="0" smtClean="0">
-                <a:latin typeface="Century Gothic" panose="020B0502020202020204" pitchFamily="34" charset="0"/>
-                <a:ea typeface="Calibri" panose="020F0502020204030204" pitchFamily="34" charset="0"/>
-                <a:cs typeface="Times New Roman" panose="02020603050405020304" pitchFamily="18" charset="0"/>
-              </a:rPr>
-              <a:t>для осуществления </a:t>
-            </a:r>
-            <a:r>
               <a:rPr lang="ru-RU" altLang="ru-RU" sz="2000" dirty="0">
                 <a:latin typeface="Century Gothic" panose="020B0502020202020204" pitchFamily="34" charset="0"/>
                 <a:ea typeface="Calibri" panose="020F0502020204030204" pitchFamily="34" charset="0"/>
                 <a:cs typeface="Times New Roman" panose="02020603050405020304" pitchFamily="18" charset="0"/>
               </a:rPr>
-              <a:t>записи информации о клиенте банка на чип пластиковой </a:t>
-            </a:r>
-            <a:r>
-              <a:rPr lang="ru-RU" altLang="ru-RU" sz="2000" dirty="0" smtClean="0">
-                <a:latin typeface="Century Gothic" panose="020B0502020202020204" pitchFamily="34" charset="0"/>
-                <a:ea typeface="Calibri" panose="020F0502020204030204" pitchFamily="34" charset="0"/>
-                <a:cs typeface="Times New Roman" panose="02020603050405020304" pitchFamily="18" charset="0"/>
-              </a:rPr>
-              <a:t>карты.</a:t>
-            </a:r>
-            <a:endParaRPr lang="ru-RU" altLang="ru-RU" sz="2000" dirty="0">
-              <a:latin typeface="Century Gothic" panose="020B0502020202020204" pitchFamily="34" charset="0"/>
-              <a:ea typeface="Calibri" panose="020F0502020204030204" pitchFamily="34" charset="0"/>
-              <a:cs typeface="Times New Roman" panose="02020603050405020304" pitchFamily="18" charset="0"/>
-            </a:endParaRPr>
+              <a:t>для осуществления записи информации о клиенте банка на чип пластиковой карты.</a:t>
+            </a:r>
           </a:p>
         </p:txBody>
       </p:sp>
@@ -6896,13 +9253,6 @@
   <p:clrMapOvr>
     <a:masterClrMapping/>
   </p:clrMapOvr>
-  <p:timing>
-    <p:tnLst>
-      <p:par>
-        <p:cTn id="1" dur="indefinite" restart="never" nodeType="tmRoot"/>
-      </p:par>
-    </p:tnLst>
-  </p:timing>
 </p:sld>
 </file>
 
@@ -7227,13 +9577,6 @@
   <p:clrMapOvr>
     <a:masterClrMapping/>
   </p:clrMapOvr>
-  <p:timing>
-    <p:tnLst>
-      <p:par>
-        <p:cTn id="1" dur="indefinite" restart="never" nodeType="tmRoot"/>
-      </p:par>
-    </p:tnLst>
-  </p:timing>
 </p:sld>
 </file>
 
@@ -7461,7 +9804,7 @@
         </p:nvSpPr>
         <p:spPr>
           <a:xfrm>
-            <a:off x="1011051" y="4544498"/>
+            <a:off x="1011049" y="4612473"/>
             <a:ext cx="1494291" cy="400110"/>
           </a:xfrm>
           <a:prstGeom prst="rect">
@@ -7907,7 +10250,7 @@
         </p:blipFill>
         <p:spPr>
           <a:xfrm>
-            <a:off x="8690656" y="4648430"/>
+            <a:off x="8701120" y="4648430"/>
             <a:ext cx="1058228" cy="1058228"/>
           </a:xfrm>
           <a:prstGeom prst="rect">
@@ -8023,14 +10366,11 @@
           <a:p>
             <a:pPr algn="ctr"/>
             <a:r>
-              <a:rPr lang="ru-RU" sz="2000" dirty="0" smtClean="0">
+              <a:rPr lang="ru-RU" sz="2000" dirty="0">
                 <a:latin typeface="Century Gothic" panose="020B0502020202020204" pitchFamily="34" charset="0"/>
               </a:rPr>
               <a:t>Приложение</a:t>
             </a:r>
-            <a:endParaRPr lang="ru-RU" sz="2000" dirty="0">
-              <a:latin typeface="Century Gothic" panose="020B0502020202020204" pitchFamily="34" charset="0"/>
-            </a:endParaRPr>
           </a:p>
         </p:txBody>
       </p:sp>
@@ -8126,7 +10466,7 @@
         <p:spPr>
           <a:xfrm>
             <a:off x="7673720" y="5174723"/>
-            <a:ext cx="1016936" cy="2821"/>
+            <a:ext cx="1027400" cy="2821"/>
           </a:xfrm>
           <a:prstGeom prst="line">
             <a:avLst/>
@@ -8244,13 +10584,6 @@
   <p:clrMapOvr>
     <a:masterClrMapping/>
   </p:clrMapOvr>
-  <p:timing>
-    <p:tnLst>
-      <p:par>
-        <p:cTn id="1" dur="indefinite" restart="never" nodeType="tmRoot"/>
-      </p:par>
-    </p:tnLst>
-  </p:timing>
 </p:sld>
 </file>
 
@@ -8709,14 +11042,11 @@
             <a:p>
               <a:pPr algn="ctr"/>
               <a:r>
-                <a:rPr lang="ru-RU" sz="2000" dirty="0" smtClean="0">
+                <a:rPr lang="ru-RU" sz="2000" dirty="0">
                   <a:latin typeface="Century Gothic" panose="020B0502020202020204" pitchFamily="34" charset="0"/>
                 </a:rPr>
                 <a:t>Карточные продукты</a:t>
               </a:r>
-              <a:endParaRPr lang="ru-RU" sz="2000" dirty="0">
-                <a:latin typeface="Century Gothic" panose="020B0502020202020204" pitchFamily="34" charset="0"/>
-              </a:endParaRPr>
             </a:p>
           </p:txBody>
         </p:sp>
@@ -8840,7 +11170,7 @@
               <a:buChar char="―"/>
             </a:pPr>
             <a:r>
-              <a:rPr lang="ru-RU" sz="2800" dirty="0" smtClean="0">
+              <a:rPr lang="ru-RU" sz="2800" dirty="0">
                 <a:latin typeface="Century Gothic" panose="020B0502020202020204" pitchFamily="34" charset="0"/>
               </a:rPr>
               <a:t>Модуль 1</a:t>
@@ -8863,7 +11193,7 @@
               </a:rPr>
               <a:t>2</a:t>
             </a:r>
-            <a:endParaRPr lang="ru-RU" sz="2800" dirty="0" smtClean="0">
+            <a:endParaRPr lang="ru-RU" sz="2800" dirty="0">
               <a:latin typeface="Century Gothic" panose="020B0502020202020204" pitchFamily="34" charset="0"/>
             </a:endParaRPr>
           </a:p>
@@ -8884,7 +11214,7 @@
               </a:rPr>
               <a:t>3</a:t>
             </a:r>
-            <a:endParaRPr lang="ru-RU" sz="2800" dirty="0" smtClean="0">
+            <a:endParaRPr lang="ru-RU" sz="2800" dirty="0">
               <a:latin typeface="Century Gothic" panose="020B0502020202020204" pitchFamily="34" charset="0"/>
             </a:endParaRPr>
           </a:p>
@@ -8900,12 +11230,12 @@
               <a:t>Модуль </a:t>
             </a:r>
             <a:r>
-              <a:rPr lang="en-US" sz="2800" dirty="0" smtClean="0">
+              <a:rPr lang="en-US" sz="2800" dirty="0">
                 <a:latin typeface="Century Gothic" panose="020B0502020202020204" pitchFamily="34" charset="0"/>
               </a:rPr>
               <a:t>4</a:t>
             </a:r>
-            <a:endParaRPr lang="ru-RU" sz="2800" dirty="0" smtClean="0">
+            <a:endParaRPr lang="ru-RU" sz="2800" dirty="0">
               <a:latin typeface="Century Gothic" panose="020B0502020202020204" pitchFamily="34" charset="0"/>
             </a:endParaRPr>
           </a:p>
@@ -8915,7 +11245,7 @@
               <a:buChar char="―"/>
             </a:pPr>
             <a:r>
-              <a:rPr lang="ru-RU" sz="2800" dirty="0" smtClean="0">
+              <a:rPr lang="ru-RU" sz="2800" dirty="0">
                 <a:latin typeface="Century Gothic" panose="020B0502020202020204" pitchFamily="34" charset="0"/>
               </a:rPr>
               <a:t>...</a:t>
@@ -8933,14 +11263,11 @@
               <a:t>Модуль </a:t>
             </a:r>
             <a:r>
-              <a:rPr lang="en-US" sz="2800" dirty="0" smtClean="0">
+              <a:rPr lang="en-US" sz="2800" dirty="0">
                 <a:latin typeface="Century Gothic" panose="020B0502020202020204" pitchFamily="34" charset="0"/>
               </a:rPr>
               <a:t>n</a:t>
             </a:r>
-            <a:endParaRPr lang="en-US" sz="2800" dirty="0">
-              <a:latin typeface="Century Gothic" panose="020B0502020202020204" pitchFamily="34" charset="0"/>
-            </a:endParaRPr>
           </a:p>
         </p:txBody>
       </p:sp>
@@ -9064,7 +11391,7 @@
             <a:p>
               <a:pPr algn="ctr"/>
               <a:r>
-                <a:rPr lang="ru-RU" sz="1600" dirty="0" smtClean="0">
+                <a:rPr lang="ru-RU" sz="1600" dirty="0">
                   <a:latin typeface="Century Gothic" panose="020B0502020202020204" pitchFamily="34" charset="0"/>
                 </a:rPr>
                 <a:t>Модуль </a:t>
@@ -9076,19 +11403,7 @@
                 <a:rPr lang="ru-RU" sz="1600" dirty="0">
                   <a:latin typeface="Century Gothic" panose="020B0502020202020204" pitchFamily="34" charset="0"/>
                 </a:rPr>
-                <a:t>н</a:t>
-              </a:r>
-              <a:r>
-                <a:rPr lang="ru-RU" sz="1600" dirty="0" smtClean="0">
-                  <a:latin typeface="Century Gothic" panose="020B0502020202020204" pitchFamily="34" charset="0"/>
-                </a:rPr>
-                <a:t>астроек </a:t>
-              </a:r>
-              <a:r>
-                <a:rPr lang="ru-RU" sz="1600" dirty="0">
-                  <a:latin typeface="Century Gothic" panose="020B0502020202020204" pitchFamily="34" charset="0"/>
-                </a:rPr>
-                <a:t>2</a:t>
+                <a:t>настроек 2</a:t>
               </a:r>
               <a:endParaRPr lang="en-US" sz="1600" dirty="0">
                 <a:latin typeface="Century Gothic" panose="020B0502020202020204" pitchFamily="34" charset="0"/>
@@ -9177,7 +11492,7 @@
             <a:p>
               <a:pPr algn="ctr"/>
               <a:r>
-                <a:rPr lang="ru-RU" sz="1600" dirty="0" smtClean="0">
+                <a:rPr lang="ru-RU" sz="1600" dirty="0">
                   <a:latin typeface="Century Gothic" panose="020B0502020202020204" pitchFamily="34" charset="0"/>
                 </a:rPr>
                 <a:t>Модуль </a:t>
@@ -9189,23 +11504,14 @@
                 <a:rPr lang="ru-RU" sz="1600" dirty="0">
                   <a:latin typeface="Century Gothic" panose="020B0502020202020204" pitchFamily="34" charset="0"/>
                 </a:rPr>
-                <a:t>н</a:t>
+                <a:t>настроек </a:t>
               </a:r>
               <a:r>
-                <a:rPr lang="ru-RU" sz="1600" dirty="0" smtClean="0">
-                  <a:latin typeface="Century Gothic" panose="020B0502020202020204" pitchFamily="34" charset="0"/>
-                </a:rPr>
-                <a:t>астроек </a:t>
-              </a:r>
-              <a:r>
-                <a:rPr lang="en-US" sz="1600" dirty="0" smtClean="0">
+                <a:rPr lang="en-US" sz="1600" dirty="0">
                   <a:latin typeface="Century Gothic" panose="020B0502020202020204" pitchFamily="34" charset="0"/>
                 </a:rPr>
                 <a:t>n</a:t>
               </a:r>
-              <a:endParaRPr lang="en-US" sz="1600" dirty="0">
-                <a:latin typeface="Century Gothic" panose="020B0502020202020204" pitchFamily="34" charset="0"/>
-              </a:endParaRPr>
             </a:p>
           </p:txBody>
         </p:sp>
@@ -9285,7 +11591,7 @@
           <p:nvPr/>
         </p:nvPicPr>
         <p:blipFill>
-          <a:blip r:embed="rId5" cstate="print">
+          <a:blip r:embed="rId7" cstate="print">
             <a:extLst>
               <a:ext uri="{28A0092B-C50C-407E-A947-70E740481C1C}">
                 <a14:useLocalDpi xmlns:a14="http://schemas.microsoft.com/office/drawing/2010/main" val="0"/>
@@ -9321,7 +11627,7 @@
           <p:nvPr/>
         </p:nvPicPr>
         <p:blipFill>
-          <a:blip r:embed="rId7">
+          <a:blip r:embed="rId8">
             <a:extLst>
               <a:ext uri="{28A0092B-C50C-407E-A947-70E740481C1C}">
                 <a14:useLocalDpi xmlns:a14="http://schemas.microsoft.com/office/drawing/2010/main" val="0"/>
@@ -9549,7 +11855,7 @@
             <p:nvPr/>
           </p:nvPicPr>
           <p:blipFill>
-            <a:blip r:embed="rId8" cstate="print">
+            <a:blip r:embed="rId9" cstate="print">
               <a:extLst>
                 <a:ext uri="{28A0092B-C50C-407E-A947-70E740481C1C}">
                   <a14:useLocalDpi xmlns:a14="http://schemas.microsoft.com/office/drawing/2010/main" val="0"/>
@@ -9600,7 +11906,7 @@
             <a:p>
               <a:pPr algn="ctr"/>
               <a:r>
-                <a:rPr lang="ru-RU" sz="1400" dirty="0" smtClean="0">
+                <a:rPr lang="ru-RU" sz="1400" dirty="0">
                   <a:latin typeface="Century Gothic" panose="020B0502020202020204" pitchFamily="34" charset="0"/>
                 </a:rPr>
                 <a:t>Модуль </a:t>
@@ -9612,19 +11918,7 @@
                 <a:rPr lang="ru-RU" sz="1400" dirty="0">
                   <a:latin typeface="Century Gothic" panose="020B0502020202020204" pitchFamily="34" charset="0"/>
                 </a:rPr>
-                <a:t>о</a:t>
-              </a:r>
-              <a:r>
-                <a:rPr lang="ru-RU" sz="1400" dirty="0" smtClean="0">
-                  <a:latin typeface="Century Gothic" panose="020B0502020202020204" pitchFamily="34" charset="0"/>
-                </a:rPr>
-                <a:t>бработки </a:t>
-              </a:r>
-              <a:r>
-                <a:rPr lang="ru-RU" sz="1400" dirty="0" smtClean="0">
-                  <a:latin typeface="Century Gothic" panose="020B0502020202020204" pitchFamily="34" charset="0"/>
-                </a:rPr>
-                <a:t>1</a:t>
+                <a:t>обработки 1</a:t>
               </a:r>
               <a:endParaRPr lang="en-US" sz="1400" dirty="0">
                 <a:latin typeface="Century Gothic" panose="020B0502020202020204" pitchFamily="34" charset="0"/>
@@ -9698,7 +11992,7 @@
             <p:nvPr/>
           </p:nvPicPr>
           <p:blipFill>
-            <a:blip r:embed="rId8" cstate="print">
+            <a:blip r:embed="rId9" cstate="print">
               <a:extLst>
                 <a:ext uri="{28A0092B-C50C-407E-A947-70E740481C1C}">
                   <a14:useLocalDpi xmlns:a14="http://schemas.microsoft.com/office/drawing/2010/main" val="0"/>
@@ -9749,7 +12043,7 @@
             <a:p>
               <a:pPr algn="ctr"/>
               <a:r>
-                <a:rPr lang="ru-RU" sz="1400" dirty="0" smtClean="0">
+                <a:rPr lang="ru-RU" sz="1400" dirty="0">
                   <a:latin typeface="Century Gothic" panose="020B0502020202020204" pitchFamily="34" charset="0"/>
                 </a:rPr>
                 <a:t>Модуль </a:t>
@@ -9761,19 +12055,7 @@
                 <a:rPr lang="ru-RU" sz="1400" dirty="0">
                   <a:latin typeface="Century Gothic" panose="020B0502020202020204" pitchFamily="34" charset="0"/>
                 </a:rPr>
-                <a:t>о</a:t>
-              </a:r>
-              <a:r>
-                <a:rPr lang="ru-RU" sz="1400" dirty="0" smtClean="0">
-                  <a:latin typeface="Century Gothic" panose="020B0502020202020204" pitchFamily="34" charset="0"/>
-                </a:rPr>
-                <a:t>бработки </a:t>
-              </a:r>
-              <a:r>
-                <a:rPr lang="ru-RU" sz="1400" dirty="0">
-                  <a:latin typeface="Century Gothic" panose="020B0502020202020204" pitchFamily="34" charset="0"/>
-                </a:rPr>
-                <a:t>2</a:t>
+                <a:t>обработки 2</a:t>
               </a:r>
               <a:endParaRPr lang="en-US" sz="1400" dirty="0">
                 <a:latin typeface="Century Gothic" panose="020B0502020202020204" pitchFamily="34" charset="0"/>
@@ -9847,7 +12129,7 @@
             <p:nvPr/>
           </p:nvPicPr>
           <p:blipFill>
-            <a:blip r:embed="rId8" cstate="print">
+            <a:blip r:embed="rId9" cstate="print">
               <a:extLst>
                 <a:ext uri="{28A0092B-C50C-407E-A947-70E740481C1C}">
                   <a14:useLocalDpi xmlns:a14="http://schemas.microsoft.com/office/drawing/2010/main" val="0"/>
@@ -9898,7 +12180,7 @@
             <a:p>
               <a:pPr algn="ctr"/>
               <a:r>
-                <a:rPr lang="ru-RU" sz="1400" dirty="0" smtClean="0">
+                <a:rPr lang="ru-RU" sz="1400" dirty="0">
                   <a:latin typeface="Century Gothic" panose="020B0502020202020204" pitchFamily="34" charset="0"/>
                 </a:rPr>
                 <a:t>Модуль </a:t>
@@ -9910,13 +12192,7 @@
                 <a:rPr lang="ru-RU" sz="1400" dirty="0">
                   <a:latin typeface="Century Gothic" panose="020B0502020202020204" pitchFamily="34" charset="0"/>
                 </a:rPr>
-                <a:t>о</a:t>
-              </a:r>
-              <a:r>
-                <a:rPr lang="ru-RU" sz="1400" dirty="0" smtClean="0">
-                  <a:latin typeface="Century Gothic" panose="020B0502020202020204" pitchFamily="34" charset="0"/>
-                </a:rPr>
-                <a:t>бработки </a:t>
+                <a:t>обработки </a:t>
               </a:r>
               <a:r>
                 <a:rPr lang="en-US" sz="1400" dirty="0">
@@ -9924,9 +12200,6 @@
                 </a:rPr>
                 <a:t>n</a:t>
               </a:r>
-              <a:endParaRPr lang="en-US" sz="1400" dirty="0">
-                <a:latin typeface="Century Gothic" panose="020B0502020202020204" pitchFamily="34" charset="0"/>
-              </a:endParaRPr>
             </a:p>
           </p:txBody>
         </p:sp>
@@ -10167,7 +12440,7 @@
             <a:p>
               <a:pPr algn="ctr"/>
               <a:r>
-                <a:rPr lang="ru-RU" sz="1600" dirty="0" smtClean="0">
+                <a:rPr lang="ru-RU" sz="1600" dirty="0">
                   <a:latin typeface="Century Gothic" panose="020B0502020202020204" pitchFamily="34" charset="0"/>
                 </a:rPr>
                 <a:t>Модуль </a:t>
@@ -10179,19 +12452,7 @@
                 <a:rPr lang="ru-RU" sz="1600" dirty="0">
                   <a:latin typeface="Century Gothic" panose="020B0502020202020204" pitchFamily="34" charset="0"/>
                 </a:rPr>
-                <a:t>н</a:t>
-              </a:r>
-              <a:r>
-                <a:rPr lang="ru-RU" sz="1600" dirty="0" smtClean="0">
-                  <a:latin typeface="Century Gothic" panose="020B0502020202020204" pitchFamily="34" charset="0"/>
-                </a:rPr>
-                <a:t>астроек </a:t>
-              </a:r>
-              <a:r>
-                <a:rPr lang="ru-RU" sz="1600" dirty="0" smtClean="0">
-                  <a:latin typeface="Century Gothic" panose="020B0502020202020204" pitchFamily="34" charset="0"/>
-                </a:rPr>
-                <a:t>1</a:t>
+                <a:t>настроек 1</a:t>
               </a:r>
               <a:endParaRPr lang="en-US" sz="1600" dirty="0">
                 <a:latin typeface="Century Gothic" panose="020B0502020202020204" pitchFamily="34" charset="0"/>
@@ -10208,7 +12469,7 @@
             <p:nvPr/>
           </p:nvPicPr>
           <p:blipFill>
-            <a:blip r:embed="rId9"/>
+            <a:blip r:embed="rId10"/>
             <a:stretch>
               <a:fillRect/>
             </a:stretch>
@@ -10233,7 +12494,7 @@
           <p:nvPr/>
         </p:nvPicPr>
         <p:blipFill>
-          <a:blip r:embed="rId9"/>
+          <a:blip r:embed="rId10"/>
           <a:stretch>
             <a:fillRect/>
           </a:stretch>
@@ -10257,7 +12518,7 @@
           <p:nvPr/>
         </p:nvPicPr>
         <p:blipFill>
-          <a:blip r:embed="rId9"/>
+          <a:blip r:embed="rId10"/>
           <a:stretch>
             <a:fillRect/>
           </a:stretch>
@@ -11736,13 +13997,6 @@
   <p:clrMapOvr>
     <a:masterClrMapping/>
   </p:clrMapOvr>
-  <p:timing>
-    <p:tnLst>
-      <p:par>
-        <p:cTn id="1" dur="indefinite" restart="never" nodeType="tmRoot"/>
-      </p:par>
-    </p:tnLst>
-  </p:timing>
 </p:sld>
 </file>
 
@@ -11967,8 +14221,8 @@
         </p:nvSpPr>
         <p:spPr>
           <a:xfrm>
-            <a:off x="180302" y="3719437"/>
-            <a:ext cx="3227900" cy="369332"/>
+            <a:off x="399164" y="3719491"/>
+            <a:ext cx="2806089" cy="369332"/>
           </a:xfrm>
           <a:prstGeom prst="rect">
             <a:avLst/>
@@ -11982,11 +14236,26 @@
           <a:lstStyle/>
           <a:p>
             <a:r>
-              <a:rPr lang="ru-RU" dirty="0">
+              <a:rPr lang="en-US" dirty="0" err="1">
                 <a:latin typeface="Century Gothic" panose="020B0502020202020204" pitchFamily="34" charset="0"/>
               </a:rPr>
-              <a:t>Вызывающее приложение </a:t>
-            </a:r>
+              <a:t>TranzWare</a:t>
+            </a:r>
+            <a:r>
+              <a:rPr lang="en-US" dirty="0">
+                <a:latin typeface="Century Gothic" panose="020B0502020202020204" pitchFamily="34" charset="0"/>
+              </a:rPr>
+              <a:t> </a:t>
+            </a:r>
+            <a:r>
+              <a:rPr lang="en-US" dirty="0" err="1">
+                <a:latin typeface="Century Gothic" panose="020B0502020202020204" pitchFamily="34" charset="0"/>
+              </a:rPr>
+              <a:t>CardFactory</a:t>
+            </a:r>
+            <a:endParaRPr lang="ru-RU" dirty="0">
+              <a:latin typeface="Century Gothic" panose="020B0502020202020204" pitchFamily="34" charset="0"/>
+            </a:endParaRPr>
           </a:p>
         </p:txBody>
       </p:sp>
@@ -12640,66 +14909,6 @@
           </p:txBody>
         </p:sp>
       </p:grpSp>
-      <p:pic>
-        <p:nvPicPr>
-          <p:cNvPr id="38" name="Picture 37">
-            <a:extLst>
-              <a:ext uri="{FF2B5EF4-FFF2-40B4-BE49-F238E27FC236}">
-                <a16:creationId xmlns:a16="http://schemas.microsoft.com/office/drawing/2014/main" id="{5CF948E3-F603-3BD2-4FE5-C6E744E14E68}"/>
-              </a:ext>
-            </a:extLst>
-          </p:cNvPr>
-          <p:cNvPicPr>
-            <a:picLocks noChangeAspect="1"/>
-          </p:cNvPicPr>
-          <p:nvPr/>
-        </p:nvPicPr>
-        <p:blipFill>
-          <a:blip r:embed="rId5"/>
-          <a:stretch>
-            <a:fillRect/>
-          </a:stretch>
-        </p:blipFill>
-        <p:spPr>
-          <a:xfrm rot="10800000">
-            <a:off x="3220559" y="4956284"/>
-            <a:ext cx="1164943" cy="440190"/>
-          </a:xfrm>
-          <a:prstGeom prst="rect">
-            <a:avLst/>
-          </a:prstGeom>
-        </p:spPr>
-      </p:pic>
-      <p:pic>
-        <p:nvPicPr>
-          <p:cNvPr id="39" name="Picture 38">
-            <a:extLst>
-              <a:ext uri="{FF2B5EF4-FFF2-40B4-BE49-F238E27FC236}">
-                <a16:creationId xmlns:a16="http://schemas.microsoft.com/office/drawing/2014/main" id="{AF237C14-B49F-7065-4724-1010BDCA965B}"/>
-              </a:ext>
-            </a:extLst>
-          </p:cNvPr>
-          <p:cNvPicPr>
-            <a:picLocks noChangeAspect="1"/>
-          </p:cNvPicPr>
-          <p:nvPr/>
-        </p:nvPicPr>
-        <p:blipFill>
-          <a:blip r:embed="rId5"/>
-          <a:stretch>
-            <a:fillRect/>
-          </a:stretch>
-        </p:blipFill>
-        <p:spPr>
-          <a:xfrm rot="10800000" flipH="1">
-            <a:off x="3231432" y="5401559"/>
-            <a:ext cx="1164943" cy="440190"/>
-          </a:xfrm>
-          <a:prstGeom prst="rect">
-            <a:avLst/>
-          </a:prstGeom>
-        </p:spPr>
-      </p:pic>
       <p:grpSp>
         <p:nvGrpSpPr>
           <p:cNvPr id="48" name="Group 47"/>
@@ -12775,66 +14984,6 @@
           </p:spPr>
         </p:pic>
       </p:grpSp>
-      <p:pic>
-        <p:nvPicPr>
-          <p:cNvPr id="41" name="Picture 40">
-            <a:extLst>
-              <a:ext uri="{FF2B5EF4-FFF2-40B4-BE49-F238E27FC236}">
-                <a16:creationId xmlns:a16="http://schemas.microsoft.com/office/drawing/2014/main" id="{B0FA053D-C9B4-8788-553B-6FA475531D1E}"/>
-              </a:ext>
-            </a:extLst>
-          </p:cNvPr>
-          <p:cNvPicPr>
-            <a:picLocks noChangeAspect="1"/>
-          </p:cNvPicPr>
-          <p:nvPr/>
-        </p:nvPicPr>
-        <p:blipFill>
-          <a:blip r:embed="rId5"/>
-          <a:stretch>
-            <a:fillRect/>
-          </a:stretch>
-        </p:blipFill>
-        <p:spPr>
-          <a:xfrm rot="10800000">
-            <a:off x="5693714" y="4956284"/>
-            <a:ext cx="1164943" cy="440190"/>
-          </a:xfrm>
-          <a:prstGeom prst="rect">
-            <a:avLst/>
-          </a:prstGeom>
-        </p:spPr>
-      </p:pic>
-      <p:pic>
-        <p:nvPicPr>
-          <p:cNvPr id="42" name="Picture 41">
-            <a:extLst>
-              <a:ext uri="{FF2B5EF4-FFF2-40B4-BE49-F238E27FC236}">
-                <a16:creationId xmlns:a16="http://schemas.microsoft.com/office/drawing/2014/main" id="{B4763D50-8704-0C2E-88D6-6B0174AEF085}"/>
-              </a:ext>
-            </a:extLst>
-          </p:cNvPr>
-          <p:cNvPicPr>
-            <a:picLocks noChangeAspect="1"/>
-          </p:cNvPicPr>
-          <p:nvPr/>
-        </p:nvPicPr>
-        <p:blipFill>
-          <a:blip r:embed="rId5"/>
-          <a:stretch>
-            <a:fillRect/>
-          </a:stretch>
-        </p:blipFill>
-        <p:spPr>
-          <a:xfrm rot="10800000" flipH="1">
-            <a:off x="5704587" y="5401559"/>
-            <a:ext cx="1164943" cy="440190"/>
-          </a:xfrm>
-          <a:prstGeom prst="rect">
-            <a:avLst/>
-          </a:prstGeom>
-        </p:spPr>
-      </p:pic>
       <p:pic>
         <p:nvPicPr>
           <p:cNvPr id="43" name="Picture 42">
@@ -13245,6 +15394,162 @@
           </a:p>
         </p:txBody>
       </p:sp>
+      <p:pic>
+        <p:nvPicPr>
+          <p:cNvPr id="6" name="Picture 5">
+            <a:extLst>
+              <a:ext uri="{FF2B5EF4-FFF2-40B4-BE49-F238E27FC236}">
+                <a16:creationId xmlns:a16="http://schemas.microsoft.com/office/drawing/2014/main" id="{4C2BB202-4FCA-1003-4FD8-D73EBB1B2F16}"/>
+              </a:ext>
+            </a:extLst>
+          </p:cNvPr>
+          <p:cNvPicPr>
+            <a:picLocks noChangeAspect="1"/>
+          </p:cNvPicPr>
+          <p:nvPr/>
+        </p:nvPicPr>
+        <p:blipFill>
+          <a:blip r:embed="rId10" cstate="print">
+            <a:extLst>
+              <a:ext uri="{28A0092B-C50C-407E-A947-70E740481C1C}">
+                <a14:useLocalDpi xmlns:a14="http://schemas.microsoft.com/office/drawing/2010/main" val="0"/>
+              </a:ext>
+            </a:extLst>
+          </a:blip>
+          <a:stretch>
+            <a:fillRect/>
+          </a:stretch>
+        </p:blipFill>
+        <p:spPr>
+          <a:xfrm>
+            <a:off x="10045170" y="4948001"/>
+            <a:ext cx="1591093" cy="953582"/>
+          </a:xfrm>
+          <a:prstGeom prst="rect">
+            <a:avLst/>
+          </a:prstGeom>
+        </p:spPr>
+      </p:pic>
+      <p:pic>
+        <p:nvPicPr>
+          <p:cNvPr id="16" name="Picture 15">
+            <a:extLst>
+              <a:ext uri="{FF2B5EF4-FFF2-40B4-BE49-F238E27FC236}">
+                <a16:creationId xmlns:a16="http://schemas.microsoft.com/office/drawing/2014/main" id="{CEC84ECF-E301-9167-7DE1-79EDE2277973}"/>
+              </a:ext>
+            </a:extLst>
+          </p:cNvPr>
+          <p:cNvPicPr>
+            <a:picLocks noChangeAspect="1"/>
+          </p:cNvPicPr>
+          <p:nvPr/>
+        </p:nvPicPr>
+        <p:blipFill>
+          <a:blip r:embed="rId5"/>
+          <a:stretch>
+            <a:fillRect/>
+          </a:stretch>
+        </p:blipFill>
+        <p:spPr>
+          <a:xfrm rot="10800000">
+            <a:off x="5722721" y="5018774"/>
+            <a:ext cx="1146960" cy="342224"/>
+          </a:xfrm>
+          <a:prstGeom prst="rect">
+            <a:avLst/>
+          </a:prstGeom>
+        </p:spPr>
+      </p:pic>
+      <p:pic>
+        <p:nvPicPr>
+          <p:cNvPr id="18" name="Picture 17">
+            <a:extLst>
+              <a:ext uri="{FF2B5EF4-FFF2-40B4-BE49-F238E27FC236}">
+                <a16:creationId xmlns:a16="http://schemas.microsoft.com/office/drawing/2014/main" id="{1D4A90F9-D5E2-0950-1E01-BB7CF9A1D4B6}"/>
+              </a:ext>
+            </a:extLst>
+          </p:cNvPr>
+          <p:cNvPicPr>
+            <a:picLocks noChangeAspect="1"/>
+          </p:cNvPicPr>
+          <p:nvPr/>
+        </p:nvPicPr>
+        <p:blipFill>
+          <a:blip r:embed="rId5"/>
+          <a:stretch>
+            <a:fillRect/>
+          </a:stretch>
+        </p:blipFill>
+        <p:spPr>
+          <a:xfrm rot="10800000" flipH="1">
+            <a:off x="5733595" y="5464049"/>
+            <a:ext cx="1146962" cy="342224"/>
+          </a:xfrm>
+          <a:prstGeom prst="rect">
+            <a:avLst/>
+          </a:prstGeom>
+        </p:spPr>
+      </p:pic>
+      <p:pic>
+        <p:nvPicPr>
+          <p:cNvPr id="21" name="Picture 20">
+            <a:extLst>
+              <a:ext uri="{FF2B5EF4-FFF2-40B4-BE49-F238E27FC236}">
+                <a16:creationId xmlns:a16="http://schemas.microsoft.com/office/drawing/2014/main" id="{46673D39-38B0-2E2F-8A17-75DD311248B5}"/>
+              </a:ext>
+            </a:extLst>
+          </p:cNvPr>
+          <p:cNvPicPr>
+            <a:picLocks noChangeAspect="1"/>
+          </p:cNvPicPr>
+          <p:nvPr/>
+        </p:nvPicPr>
+        <p:blipFill>
+          <a:blip r:embed="rId5"/>
+          <a:stretch>
+            <a:fillRect/>
+          </a:stretch>
+        </p:blipFill>
+        <p:spPr>
+          <a:xfrm rot="10800000">
+            <a:off x="3243250" y="5007056"/>
+            <a:ext cx="1146960" cy="342224"/>
+          </a:xfrm>
+          <a:prstGeom prst="rect">
+            <a:avLst/>
+          </a:prstGeom>
+        </p:spPr>
+      </p:pic>
+      <p:pic>
+        <p:nvPicPr>
+          <p:cNvPr id="25" name="Picture 24">
+            <a:extLst>
+              <a:ext uri="{FF2B5EF4-FFF2-40B4-BE49-F238E27FC236}">
+                <a16:creationId xmlns:a16="http://schemas.microsoft.com/office/drawing/2014/main" id="{DF88766D-1513-B9DF-5308-B9E4B3A67B4F}"/>
+              </a:ext>
+            </a:extLst>
+          </p:cNvPr>
+          <p:cNvPicPr>
+            <a:picLocks noChangeAspect="1"/>
+          </p:cNvPicPr>
+          <p:nvPr/>
+        </p:nvPicPr>
+        <p:blipFill>
+          <a:blip r:embed="rId5"/>
+          <a:stretch>
+            <a:fillRect/>
+          </a:stretch>
+        </p:blipFill>
+        <p:spPr>
+          <a:xfrm rot="10800000" flipH="1">
+            <a:off x="3254124" y="5452331"/>
+            <a:ext cx="1146962" cy="342224"/>
+          </a:xfrm>
+          <a:prstGeom prst="rect">
+            <a:avLst/>
+          </a:prstGeom>
+        </p:spPr>
+      </p:pic>
     </p:spTree>
     <p:extLst>
       <p:ext uri="{BB962C8B-B14F-4D97-AF65-F5344CB8AC3E}">
@@ -13469,7 +15774,7 @@
                                           </p:stCondLst>
                                         </p:cTn>
                                         <p:tgtEl>
-                                          <p:spTgt spid="38"/>
+                                          <p:spTgt spid="46"/>
                                         </p:tgtEl>
                                         <p:attrNameLst>
                                           <p:attrName>style.visibility</p:attrName>
@@ -13514,7 +15819,7 @@
                                           </p:stCondLst>
                                         </p:cTn>
                                         <p:tgtEl>
-                                          <p:spTgt spid="39"/>
+                                          <p:spTgt spid="47"/>
                                         </p:tgtEl>
                                         <p:attrNameLst>
                                           <p:attrName>style.visibility</p:attrName>
@@ -13559,7 +15864,7 @@
                                           </p:stCondLst>
                                         </p:cTn>
                                         <p:tgtEl>
-                                          <p:spTgt spid="41"/>
+                                          <p:spTgt spid="50"/>
                                         </p:tgtEl>
                                         <p:attrNameLst>
                                           <p:attrName>style.visibility</p:attrName>
@@ -13604,7 +15909,7 @@
                                           </p:stCondLst>
                                         </p:cTn>
                                         <p:tgtEl>
-                                          <p:spTgt spid="42"/>
+                                          <p:spTgt spid="51"/>
                                         </p:tgtEl>
                                         <p:attrNameLst>
                                           <p:attrName>style.visibility</p:attrName>
@@ -13649,7 +15954,7 @@
                                           </p:stCondLst>
                                         </p:cTn>
                                         <p:tgtEl>
-                                          <p:spTgt spid="46"/>
+                                          <p:spTgt spid="16"/>
                                         </p:tgtEl>
                                         <p:attrNameLst>
                                           <p:attrName>style.visibility</p:attrName>
@@ -13694,7 +15999,7 @@
                                           </p:stCondLst>
                                         </p:cTn>
                                         <p:tgtEl>
-                                          <p:spTgt spid="47"/>
+                                          <p:spTgt spid="18"/>
                                         </p:tgtEl>
                                         <p:attrNameLst>
                                           <p:attrName>style.visibility</p:attrName>
@@ -13739,7 +16044,7 @@
                                           </p:stCondLst>
                                         </p:cTn>
                                         <p:tgtEl>
-                                          <p:spTgt spid="50"/>
+                                          <p:spTgt spid="21"/>
                                         </p:tgtEl>
                                         <p:attrNameLst>
                                           <p:attrName>style.visibility</p:attrName>
@@ -13784,7 +16089,7 @@
                                           </p:stCondLst>
                                         </p:cTn>
                                         <p:tgtEl>
-                                          <p:spTgt spid="51"/>
+                                          <p:spTgt spid="25"/>
                                         </p:tgtEl>
                                         <p:attrNameLst>
                                           <p:attrName>style.visibility</p:attrName>

--- a/Presentation/NMSTU_Presentation.pptx
+++ b/Presentation/NMSTU_Presentation.pptx
@@ -16,9 +16,8 @@
     <p:sldId id="261" r:id="rId10"/>
     <p:sldId id="270" r:id="rId11"/>
     <p:sldId id="271" r:id="rId12"/>
-    <p:sldId id="266" r:id="rId13"/>
-    <p:sldId id="264" r:id="rId14"/>
-    <p:sldId id="265" r:id="rId15"/>
+    <p:sldId id="272" r:id="rId13"/>
+    <p:sldId id="265" r:id="rId14"/>
   </p:sldIdLst>
   <p:sldSz cx="12192000" cy="6858000"/>
   <p:notesSz cx="6888163" cy="10020300"/>
@@ -254,7 +253,7 @@
           <a:p>
             <a:fld id="{1F6E986D-4B21-4B91-B1D2-5CFC0D3D8AEF}" type="datetimeFigureOut">
               <a:rPr lang="ru-RU" smtClean="0"/>
-              <a:t>22.05.2025</a:t>
+              <a:t>23.05.2025</a:t>
             </a:fld>
             <a:endParaRPr lang="ru-RU"/>
           </a:p>
@@ -422,7 +421,7 @@
           <a:p>
             <a:fld id="{1F6E986D-4B21-4B91-B1D2-5CFC0D3D8AEF}" type="datetimeFigureOut">
               <a:rPr lang="ru-RU" smtClean="0"/>
-              <a:t>22.05.2025</a:t>
+              <a:t>23.05.2025</a:t>
             </a:fld>
             <a:endParaRPr lang="ru-RU"/>
           </a:p>
@@ -600,7 +599,7 @@
           <a:p>
             <a:fld id="{1F6E986D-4B21-4B91-B1D2-5CFC0D3D8AEF}" type="datetimeFigureOut">
               <a:rPr lang="ru-RU" smtClean="0"/>
-              <a:t>22.05.2025</a:t>
+              <a:t>23.05.2025</a:t>
             </a:fld>
             <a:endParaRPr lang="ru-RU"/>
           </a:p>
@@ -768,7 +767,7 @@
           <a:p>
             <a:fld id="{1F6E986D-4B21-4B91-B1D2-5CFC0D3D8AEF}" type="datetimeFigureOut">
               <a:rPr lang="ru-RU" smtClean="0"/>
-              <a:t>22.05.2025</a:t>
+              <a:t>23.05.2025</a:t>
             </a:fld>
             <a:endParaRPr lang="ru-RU"/>
           </a:p>
@@ -1013,7 +1012,7 @@
           <a:p>
             <a:fld id="{1F6E986D-4B21-4B91-B1D2-5CFC0D3D8AEF}" type="datetimeFigureOut">
               <a:rPr lang="ru-RU" smtClean="0"/>
-              <a:t>22.05.2025</a:t>
+              <a:t>23.05.2025</a:t>
             </a:fld>
             <a:endParaRPr lang="ru-RU"/>
           </a:p>
@@ -1242,7 +1241,7 @@
           <a:p>
             <a:fld id="{1F6E986D-4B21-4B91-B1D2-5CFC0D3D8AEF}" type="datetimeFigureOut">
               <a:rPr lang="ru-RU" smtClean="0"/>
-              <a:t>22.05.2025</a:t>
+              <a:t>23.05.2025</a:t>
             </a:fld>
             <a:endParaRPr lang="ru-RU"/>
           </a:p>
@@ -1606,7 +1605,7 @@
           <a:p>
             <a:fld id="{1F6E986D-4B21-4B91-B1D2-5CFC0D3D8AEF}" type="datetimeFigureOut">
               <a:rPr lang="ru-RU" smtClean="0"/>
-              <a:t>22.05.2025</a:t>
+              <a:t>23.05.2025</a:t>
             </a:fld>
             <a:endParaRPr lang="ru-RU"/>
           </a:p>
@@ -1723,7 +1722,7 @@
           <a:p>
             <a:fld id="{1F6E986D-4B21-4B91-B1D2-5CFC0D3D8AEF}" type="datetimeFigureOut">
               <a:rPr lang="ru-RU" smtClean="0"/>
-              <a:t>22.05.2025</a:t>
+              <a:t>23.05.2025</a:t>
             </a:fld>
             <a:endParaRPr lang="ru-RU"/>
           </a:p>
@@ -1818,7 +1817,7 @@
           <a:p>
             <a:fld id="{1F6E986D-4B21-4B91-B1D2-5CFC0D3D8AEF}" type="datetimeFigureOut">
               <a:rPr lang="ru-RU" smtClean="0"/>
-              <a:t>22.05.2025</a:t>
+              <a:t>23.05.2025</a:t>
             </a:fld>
             <a:endParaRPr lang="ru-RU"/>
           </a:p>
@@ -2093,7 +2092,7 @@
           <a:p>
             <a:fld id="{1F6E986D-4B21-4B91-B1D2-5CFC0D3D8AEF}" type="datetimeFigureOut">
               <a:rPr lang="ru-RU" smtClean="0"/>
-              <a:t>22.05.2025</a:t>
+              <a:t>23.05.2025</a:t>
             </a:fld>
             <a:endParaRPr lang="ru-RU"/>
           </a:p>
@@ -2345,7 +2344,7 @@
           <a:p>
             <a:fld id="{1F6E986D-4B21-4B91-B1D2-5CFC0D3D8AEF}" type="datetimeFigureOut">
               <a:rPr lang="ru-RU" smtClean="0"/>
-              <a:t>22.05.2025</a:t>
+              <a:t>23.05.2025</a:t>
             </a:fld>
             <a:endParaRPr lang="ru-RU"/>
           </a:p>
@@ -2556,7 +2555,7 @@
           <a:p>
             <a:fld id="{1F6E986D-4B21-4B91-B1D2-5CFC0D3D8AEF}" type="datetimeFigureOut">
               <a:rPr lang="ru-RU" smtClean="0"/>
-              <a:t>22.05.2025</a:t>
+              <a:t>23.05.2025</a:t>
             </a:fld>
             <a:endParaRPr lang="ru-RU"/>
           </a:p>
@@ -3785,268 +3784,6 @@
       </p:sp>
       <p:grpSp>
         <p:nvGrpSpPr>
-          <p:cNvPr id="53" name="Group 52"/>
-          <p:cNvGrpSpPr/>
-          <p:nvPr/>
-        </p:nvGrpSpPr>
-        <p:grpSpPr>
-          <a:xfrm>
-            <a:off x="5800453" y="2573774"/>
-            <a:ext cx="1321445" cy="1562459"/>
-            <a:chOff x="4459057" y="4591624"/>
-            <a:chExt cx="1321445" cy="1562459"/>
-          </a:xfrm>
-        </p:grpSpPr>
-        <p:pic>
-          <p:nvPicPr>
-            <p:cNvPr id="54" name="Picture 53">
-              <a:extLst>
-                <a:ext uri="{FF2B5EF4-FFF2-40B4-BE49-F238E27FC236}">
-                  <a16:creationId xmlns:a16="http://schemas.microsoft.com/office/drawing/2014/main" id="{9794B69E-09D4-23A3-CDBB-6C6AFAD7B7B0}"/>
-                </a:ext>
-              </a:extLst>
-            </p:cNvPr>
-            <p:cNvPicPr>
-              <a:picLocks noChangeAspect="1"/>
-            </p:cNvPicPr>
-            <p:nvPr/>
-          </p:nvPicPr>
-          <p:blipFill>
-            <a:blip r:embed="rId3">
-              <a:extLst>
-                <a:ext uri="{28A0092B-C50C-407E-A947-70E740481C1C}">
-                  <a14:useLocalDpi xmlns:a14="http://schemas.microsoft.com/office/drawing/2010/main" val="0"/>
-                </a:ext>
-              </a:extLst>
-            </a:blip>
-            <a:stretch>
-              <a:fillRect/>
-            </a:stretch>
-          </p:blipFill>
-          <p:spPr>
-            <a:xfrm>
-              <a:off x="4459057" y="4591624"/>
-              <a:ext cx="1164942" cy="1562459"/>
-            </a:xfrm>
-            <a:prstGeom prst="rect">
-              <a:avLst/>
-            </a:prstGeom>
-          </p:spPr>
-        </p:pic>
-        <p:pic>
-          <p:nvPicPr>
-            <p:cNvPr id="55" name="Picture 54">
-              <a:extLst>
-                <a:ext uri="{FF2B5EF4-FFF2-40B4-BE49-F238E27FC236}">
-                  <a16:creationId xmlns:a16="http://schemas.microsoft.com/office/drawing/2014/main" id="{54FD0773-E414-71C1-CD4F-11915174B592}"/>
-                </a:ext>
-              </a:extLst>
-            </p:cNvPr>
-            <p:cNvPicPr>
-              <a:picLocks noChangeAspect="1"/>
-            </p:cNvPicPr>
-            <p:nvPr/>
-          </p:nvPicPr>
-          <p:blipFill>
-            <a:blip r:embed="rId4" cstate="print">
-              <a:extLst>
-                <a:ext uri="{28A0092B-C50C-407E-A947-70E740481C1C}">
-                  <a14:useLocalDpi xmlns:a14="http://schemas.microsoft.com/office/drawing/2010/main" val="0"/>
-                </a:ext>
-              </a:extLst>
-            </a:blip>
-            <a:stretch>
-              <a:fillRect/>
-            </a:stretch>
-          </p:blipFill>
-          <p:spPr>
-            <a:xfrm>
-              <a:off x="4615748" y="4727446"/>
-              <a:ext cx="851560" cy="620342"/>
-            </a:xfrm>
-            <a:prstGeom prst="rect">
-              <a:avLst/>
-            </a:prstGeom>
-          </p:spPr>
-        </p:pic>
-        <p:sp>
-          <p:nvSpPr>
-            <p:cNvPr id="56" name="TextBox 55">
-              <a:extLst>
-                <a:ext uri="{FF2B5EF4-FFF2-40B4-BE49-F238E27FC236}">
-                  <a16:creationId xmlns:a16="http://schemas.microsoft.com/office/drawing/2014/main" id="{40814F84-C5CB-7495-FDB8-4594AD13574B}"/>
-                </a:ext>
-              </a:extLst>
-            </p:cNvPr>
-            <p:cNvSpPr txBox="1"/>
-            <p:nvPr/>
-          </p:nvSpPr>
-          <p:spPr>
-            <a:xfrm>
-              <a:off x="4506434" y="5395317"/>
-              <a:ext cx="1274068" cy="584775"/>
-            </a:xfrm>
-            <a:prstGeom prst="rect">
-              <a:avLst/>
-            </a:prstGeom>
-            <a:noFill/>
-          </p:spPr>
-          <p:txBody>
-            <a:bodyPr wrap="square" rtlCol="0">
-              <a:spAutoFit/>
-            </a:bodyPr>
-            <a:lstStyle/>
-            <a:p>
-              <a:r>
-                <a:rPr lang="ru-RU" sz="1600" dirty="0">
-                  <a:latin typeface="Century Gothic" panose="020B0502020202020204" pitchFamily="34" charset="0"/>
-                </a:rPr>
-                <a:t>Драйвер </a:t>
-              </a:r>
-            </a:p>
-            <a:p>
-              <a:r>
-                <a:rPr lang="en-US" sz="1600" dirty="0">
-                  <a:latin typeface="Century Gothic" panose="020B0502020202020204" pitchFamily="34" charset="0"/>
-                </a:rPr>
-                <a:t>MATICA</a:t>
-              </a:r>
-              <a:endParaRPr lang="ru-RU" sz="1600" dirty="0">
-                <a:latin typeface="Century Gothic" panose="020B0502020202020204" pitchFamily="34" charset="0"/>
-              </a:endParaRPr>
-            </a:p>
-          </p:txBody>
-        </p:sp>
-      </p:grpSp>
-      <p:grpSp>
-        <p:nvGrpSpPr>
-          <p:cNvPr id="61" name="Group 60"/>
-          <p:cNvGrpSpPr/>
-          <p:nvPr/>
-        </p:nvGrpSpPr>
-        <p:grpSpPr>
-          <a:xfrm>
-            <a:off x="4579783" y="2580432"/>
-            <a:ext cx="1307252" cy="1562459"/>
-            <a:chOff x="2008240" y="4591624"/>
-            <a:chExt cx="1307252" cy="1562459"/>
-          </a:xfrm>
-        </p:grpSpPr>
-        <p:pic>
-          <p:nvPicPr>
-            <p:cNvPr id="62" name="Picture 61">
-              <a:extLst>
-                <a:ext uri="{FF2B5EF4-FFF2-40B4-BE49-F238E27FC236}">
-                  <a16:creationId xmlns:a16="http://schemas.microsoft.com/office/drawing/2014/main" id="{8F54CE67-D52E-7E47-20F6-FEA4C453374D}"/>
-                </a:ext>
-              </a:extLst>
-            </p:cNvPr>
-            <p:cNvPicPr>
-              <a:picLocks noChangeAspect="1"/>
-            </p:cNvPicPr>
-            <p:nvPr/>
-          </p:nvPicPr>
-          <p:blipFill>
-            <a:blip r:embed="rId3">
-              <a:extLst>
-                <a:ext uri="{28A0092B-C50C-407E-A947-70E740481C1C}">
-                  <a14:useLocalDpi xmlns:a14="http://schemas.microsoft.com/office/drawing/2010/main" val="0"/>
-                </a:ext>
-              </a:extLst>
-            </a:blip>
-            <a:stretch>
-              <a:fillRect/>
-            </a:stretch>
-          </p:blipFill>
-          <p:spPr>
-            <a:xfrm>
-              <a:off x="2008240" y="4591624"/>
-              <a:ext cx="1164942" cy="1562459"/>
-            </a:xfrm>
-            <a:prstGeom prst="rect">
-              <a:avLst/>
-            </a:prstGeom>
-          </p:spPr>
-        </p:pic>
-        <p:sp>
-          <p:nvSpPr>
-            <p:cNvPr id="63" name="TextBox 62">
-              <a:extLst>
-                <a:ext uri="{FF2B5EF4-FFF2-40B4-BE49-F238E27FC236}">
-                  <a16:creationId xmlns:a16="http://schemas.microsoft.com/office/drawing/2014/main" id="{358BBECC-6C15-992F-2037-2C2455C6AF93}"/>
-                </a:ext>
-              </a:extLst>
-            </p:cNvPr>
-            <p:cNvSpPr txBox="1"/>
-            <p:nvPr/>
-          </p:nvSpPr>
-          <p:spPr>
-            <a:xfrm>
-              <a:off x="2041424" y="5278921"/>
-              <a:ext cx="1274068" cy="830997"/>
-            </a:xfrm>
-            <a:prstGeom prst="rect">
-              <a:avLst/>
-            </a:prstGeom>
-            <a:noFill/>
-          </p:spPr>
-          <p:txBody>
-            <a:bodyPr wrap="square" rtlCol="0">
-              <a:spAutoFit/>
-            </a:bodyPr>
-            <a:lstStyle/>
-            <a:p>
-              <a:r>
-                <a:rPr lang="ru-RU" sz="1600" dirty="0">
-                  <a:latin typeface="Century Gothic" panose="020B0502020202020204" pitchFamily="34" charset="0"/>
-                </a:rPr>
-                <a:t>Драйвер записи карты</a:t>
-              </a:r>
-              <a:endParaRPr lang="en-US" sz="1600" dirty="0">
-                <a:latin typeface="Century Gothic" panose="020B0502020202020204" pitchFamily="34" charset="0"/>
-              </a:endParaRPr>
-            </a:p>
-          </p:txBody>
-        </p:sp>
-        <p:pic>
-          <p:nvPicPr>
-            <p:cNvPr id="64" name="Picture 63">
-              <a:extLst>
-                <a:ext uri="{FF2B5EF4-FFF2-40B4-BE49-F238E27FC236}">
-                  <a16:creationId xmlns:a16="http://schemas.microsoft.com/office/drawing/2014/main" id="{872B8CBA-1FE8-450E-1183-4DF1802B2AF2}"/>
-                </a:ext>
-              </a:extLst>
-            </p:cNvPr>
-            <p:cNvPicPr>
-              <a:picLocks noChangeAspect="1"/>
-            </p:cNvPicPr>
-            <p:nvPr/>
-          </p:nvPicPr>
-          <p:blipFill>
-            <a:blip r:embed="rId5" cstate="print">
-              <a:extLst>
-                <a:ext uri="{28A0092B-C50C-407E-A947-70E740481C1C}">
-                  <a14:useLocalDpi xmlns:a14="http://schemas.microsoft.com/office/drawing/2010/main" val="0"/>
-                </a:ext>
-              </a:extLst>
-            </a:blip>
-            <a:stretch>
-              <a:fillRect/>
-            </a:stretch>
-          </p:blipFill>
-          <p:spPr>
-            <a:xfrm>
-              <a:off x="2162261" y="4863507"/>
-              <a:ext cx="728960" cy="436884"/>
-            </a:xfrm>
-            <a:prstGeom prst="rect">
-              <a:avLst/>
-            </a:prstGeom>
-          </p:spPr>
-        </p:pic>
-      </p:grpSp>
-      <p:grpSp>
-        <p:nvGrpSpPr>
           <p:cNvPr id="65" name="Group 64"/>
           <p:cNvGrpSpPr/>
           <p:nvPr/>
@@ -4202,8 +3939,8 @@
         </p:nvSpPr>
         <p:spPr>
           <a:xfrm>
-            <a:off x="4472777" y="1247377"/>
-            <a:ext cx="3076508" cy="687297"/>
+            <a:off x="4445407" y="1043329"/>
+            <a:ext cx="2804845" cy="626607"/>
           </a:xfrm>
           <a:prstGeom prst="rect">
             <a:avLst/>
@@ -4240,7 +3977,19 @@
               <a:rPr lang="en-US" sz="2400" dirty="0">
                 <a:latin typeface="Century Gothic" panose="020B0502020202020204" pitchFamily="34" charset="0"/>
               </a:rPr>
-              <a:t>void start()</a:t>
+              <a:t>void </a:t>
+            </a:r>
+            <a:r>
+              <a:rPr lang="en-US" sz="2400" dirty="0" smtClean="0">
+                <a:latin typeface="Century Gothic" panose="020B0502020202020204" pitchFamily="34" charset="0"/>
+              </a:rPr>
+              <a:t>Start</a:t>
+            </a:r>
+            <a:r>
+              <a:rPr lang="en-US" sz="2400" dirty="0">
+                <a:latin typeface="Century Gothic" panose="020B0502020202020204" pitchFamily="34" charset="0"/>
+              </a:rPr>
+              <a:t>()</a:t>
             </a:r>
           </a:p>
         </p:txBody>
@@ -4263,8 +4012,8 @@
         </p:nvCxnSpPr>
         <p:spPr>
           <a:xfrm flipV="1">
-            <a:off x="2313210" y="1591026"/>
-            <a:ext cx="2159567" cy="955146"/>
+            <a:off x="2313210" y="1356633"/>
+            <a:ext cx="2132197" cy="1189539"/>
           </a:xfrm>
           <a:prstGeom prst="bentConnector3">
             <a:avLst/>
@@ -4393,60 +4142,337 @@
           </a:fontRef>
         </p:style>
       </p:cxnSp>
-      <p:sp>
-        <p:nvSpPr>
-          <p:cNvPr id="17" name="Rectangle 16">
-            <a:extLst>
-              <a:ext uri="{FF2B5EF4-FFF2-40B4-BE49-F238E27FC236}">
-                <a16:creationId xmlns:a16="http://schemas.microsoft.com/office/drawing/2014/main" id="{36722387-9728-CADC-55F2-6E6852806B3A}"/>
-              </a:ext>
-            </a:extLst>
-          </p:cNvPr>
-          <p:cNvSpPr/>
-          <p:nvPr/>
-        </p:nvSpPr>
-        <p:spPr>
-          <a:xfrm>
-            <a:off x="4472777" y="2465057"/>
+      <p:grpSp>
+        <p:nvGrpSpPr>
+          <p:cNvPr id="31" name="Group 30"/>
+          <p:cNvGrpSpPr/>
+          <p:nvPr/>
+        </p:nvGrpSpPr>
+        <p:grpSpPr>
+          <a:xfrm>
+            <a:off x="4472777" y="2737527"/>
             <a:ext cx="2649121" cy="1795324"/>
-          </a:xfrm>
-          <a:prstGeom prst="rect">
-            <a:avLst/>
-          </a:prstGeom>
-          <a:noFill/>
-          <a:ln w="76200">
-            <a:solidFill>
-              <a:schemeClr val="accent1">
-                <a:lumMod val="50000"/>
-              </a:schemeClr>
-            </a:solidFill>
-          </a:ln>
-        </p:spPr>
-        <p:style>
-          <a:lnRef idx="2">
-            <a:schemeClr val="accent6"/>
-          </a:lnRef>
-          <a:fillRef idx="1">
-            <a:schemeClr val="lt1"/>
-          </a:fillRef>
-          <a:effectRef idx="0">
-            <a:schemeClr val="accent6"/>
-          </a:effectRef>
-          <a:fontRef idx="minor">
-            <a:schemeClr val="dk1"/>
-          </a:fontRef>
-        </p:style>
-        <p:txBody>
-          <a:bodyPr rtlCol="0" anchor="ctr"/>
-          <a:lstStyle/>
-          <a:p>
-            <a:pPr algn="ctr"/>
-            <a:endParaRPr lang="en-US" sz="2400" dirty="0">
-              <a:latin typeface="Century Gothic" panose="020B0502020202020204" pitchFamily="34" charset="0"/>
-            </a:endParaRPr>
-          </a:p>
-        </p:txBody>
-      </p:sp>
+            <a:chOff x="4472777" y="2465057"/>
+            <a:chExt cx="2649121" cy="1795324"/>
+          </a:xfrm>
+        </p:grpSpPr>
+        <p:grpSp>
+          <p:nvGrpSpPr>
+            <p:cNvPr id="53" name="Group 52"/>
+            <p:cNvGrpSpPr/>
+            <p:nvPr/>
+          </p:nvGrpSpPr>
+          <p:grpSpPr>
+            <a:xfrm>
+              <a:off x="5800453" y="2573774"/>
+              <a:ext cx="1321445" cy="1562459"/>
+              <a:chOff x="4459057" y="4591624"/>
+              <a:chExt cx="1321445" cy="1562459"/>
+            </a:xfrm>
+          </p:grpSpPr>
+          <p:pic>
+            <p:nvPicPr>
+              <p:cNvPr id="54" name="Picture 53">
+                <a:extLst>
+                  <a:ext uri="{FF2B5EF4-FFF2-40B4-BE49-F238E27FC236}">
+                    <a16:creationId xmlns:a16="http://schemas.microsoft.com/office/drawing/2014/main" id="{9794B69E-09D4-23A3-CDBB-6C6AFAD7B7B0}"/>
+                  </a:ext>
+                </a:extLst>
+              </p:cNvPr>
+              <p:cNvPicPr>
+                <a:picLocks noChangeAspect="1"/>
+              </p:cNvPicPr>
+              <p:nvPr/>
+            </p:nvPicPr>
+            <p:blipFill>
+              <a:blip r:embed="rId3">
+                <a:extLst>
+                  <a:ext uri="{28A0092B-C50C-407E-A947-70E740481C1C}">
+                    <a14:useLocalDpi xmlns:a14="http://schemas.microsoft.com/office/drawing/2010/main" val="0"/>
+                  </a:ext>
+                </a:extLst>
+              </a:blip>
+              <a:stretch>
+                <a:fillRect/>
+              </a:stretch>
+            </p:blipFill>
+            <p:spPr>
+              <a:xfrm>
+                <a:off x="4459057" y="4591624"/>
+                <a:ext cx="1164942" cy="1562459"/>
+              </a:xfrm>
+              <a:prstGeom prst="rect">
+                <a:avLst/>
+              </a:prstGeom>
+            </p:spPr>
+          </p:pic>
+          <p:pic>
+            <p:nvPicPr>
+              <p:cNvPr id="55" name="Picture 54">
+                <a:extLst>
+                  <a:ext uri="{FF2B5EF4-FFF2-40B4-BE49-F238E27FC236}">
+                    <a16:creationId xmlns:a16="http://schemas.microsoft.com/office/drawing/2014/main" id="{54FD0773-E414-71C1-CD4F-11915174B592}"/>
+                  </a:ext>
+                </a:extLst>
+              </p:cNvPr>
+              <p:cNvPicPr>
+                <a:picLocks noChangeAspect="1"/>
+              </p:cNvPicPr>
+              <p:nvPr/>
+            </p:nvPicPr>
+            <p:blipFill>
+              <a:blip r:embed="rId4" cstate="print">
+                <a:extLst>
+                  <a:ext uri="{28A0092B-C50C-407E-A947-70E740481C1C}">
+                    <a14:useLocalDpi xmlns:a14="http://schemas.microsoft.com/office/drawing/2010/main" val="0"/>
+                  </a:ext>
+                </a:extLst>
+              </a:blip>
+              <a:stretch>
+                <a:fillRect/>
+              </a:stretch>
+            </p:blipFill>
+            <p:spPr>
+              <a:xfrm>
+                <a:off x="4615748" y="4727446"/>
+                <a:ext cx="851560" cy="620342"/>
+              </a:xfrm>
+              <a:prstGeom prst="rect">
+                <a:avLst/>
+              </a:prstGeom>
+            </p:spPr>
+          </p:pic>
+          <p:sp>
+            <p:nvSpPr>
+              <p:cNvPr id="56" name="TextBox 55">
+                <a:extLst>
+                  <a:ext uri="{FF2B5EF4-FFF2-40B4-BE49-F238E27FC236}">
+                    <a16:creationId xmlns:a16="http://schemas.microsoft.com/office/drawing/2014/main" id="{40814F84-C5CB-7495-FDB8-4594AD13574B}"/>
+                  </a:ext>
+                </a:extLst>
+              </p:cNvPr>
+              <p:cNvSpPr txBox="1"/>
+              <p:nvPr/>
+            </p:nvSpPr>
+            <p:spPr>
+              <a:xfrm>
+                <a:off x="4506434" y="5395317"/>
+                <a:ext cx="1274068" cy="584775"/>
+              </a:xfrm>
+              <a:prstGeom prst="rect">
+                <a:avLst/>
+              </a:prstGeom>
+              <a:noFill/>
+            </p:spPr>
+            <p:txBody>
+              <a:bodyPr wrap="square" rtlCol="0">
+                <a:spAutoFit/>
+              </a:bodyPr>
+              <a:lstStyle/>
+              <a:p>
+                <a:r>
+                  <a:rPr lang="ru-RU" sz="1600" dirty="0">
+                    <a:latin typeface="Century Gothic" panose="020B0502020202020204" pitchFamily="34" charset="0"/>
+                  </a:rPr>
+                  <a:t>Драйвер </a:t>
+                </a:r>
+              </a:p>
+              <a:p>
+                <a:r>
+                  <a:rPr lang="en-US" sz="1600" dirty="0">
+                    <a:latin typeface="Century Gothic" panose="020B0502020202020204" pitchFamily="34" charset="0"/>
+                  </a:rPr>
+                  <a:t>MATICA</a:t>
+                </a:r>
+                <a:endParaRPr lang="ru-RU" sz="1600" dirty="0">
+                  <a:latin typeface="Century Gothic" panose="020B0502020202020204" pitchFamily="34" charset="0"/>
+                </a:endParaRPr>
+              </a:p>
+            </p:txBody>
+          </p:sp>
+        </p:grpSp>
+        <p:grpSp>
+          <p:nvGrpSpPr>
+            <p:cNvPr id="61" name="Group 60"/>
+            <p:cNvGrpSpPr/>
+            <p:nvPr/>
+          </p:nvGrpSpPr>
+          <p:grpSpPr>
+            <a:xfrm>
+              <a:off x="4579783" y="2580432"/>
+              <a:ext cx="1307252" cy="1562459"/>
+              <a:chOff x="2008240" y="4591624"/>
+              <a:chExt cx="1307252" cy="1562459"/>
+            </a:xfrm>
+          </p:grpSpPr>
+          <p:pic>
+            <p:nvPicPr>
+              <p:cNvPr id="62" name="Picture 61">
+                <a:extLst>
+                  <a:ext uri="{FF2B5EF4-FFF2-40B4-BE49-F238E27FC236}">
+                    <a16:creationId xmlns:a16="http://schemas.microsoft.com/office/drawing/2014/main" id="{8F54CE67-D52E-7E47-20F6-FEA4C453374D}"/>
+                  </a:ext>
+                </a:extLst>
+              </p:cNvPr>
+              <p:cNvPicPr>
+                <a:picLocks noChangeAspect="1"/>
+              </p:cNvPicPr>
+              <p:nvPr/>
+            </p:nvPicPr>
+            <p:blipFill>
+              <a:blip r:embed="rId3">
+                <a:extLst>
+                  <a:ext uri="{28A0092B-C50C-407E-A947-70E740481C1C}">
+                    <a14:useLocalDpi xmlns:a14="http://schemas.microsoft.com/office/drawing/2010/main" val="0"/>
+                  </a:ext>
+                </a:extLst>
+              </a:blip>
+              <a:stretch>
+                <a:fillRect/>
+              </a:stretch>
+            </p:blipFill>
+            <p:spPr>
+              <a:xfrm>
+                <a:off x="2008240" y="4591624"/>
+                <a:ext cx="1164942" cy="1562459"/>
+              </a:xfrm>
+              <a:prstGeom prst="rect">
+                <a:avLst/>
+              </a:prstGeom>
+            </p:spPr>
+          </p:pic>
+          <p:sp>
+            <p:nvSpPr>
+              <p:cNvPr id="63" name="TextBox 62">
+                <a:extLst>
+                  <a:ext uri="{FF2B5EF4-FFF2-40B4-BE49-F238E27FC236}">
+                    <a16:creationId xmlns:a16="http://schemas.microsoft.com/office/drawing/2014/main" id="{358BBECC-6C15-992F-2037-2C2455C6AF93}"/>
+                  </a:ext>
+                </a:extLst>
+              </p:cNvPr>
+              <p:cNvSpPr txBox="1"/>
+              <p:nvPr/>
+            </p:nvSpPr>
+            <p:spPr>
+              <a:xfrm>
+                <a:off x="2041424" y="5278921"/>
+                <a:ext cx="1274068" cy="830997"/>
+              </a:xfrm>
+              <a:prstGeom prst="rect">
+                <a:avLst/>
+              </a:prstGeom>
+              <a:noFill/>
+            </p:spPr>
+            <p:txBody>
+              <a:bodyPr wrap="square" rtlCol="0">
+                <a:spAutoFit/>
+              </a:bodyPr>
+              <a:lstStyle/>
+              <a:p>
+                <a:r>
+                  <a:rPr lang="ru-RU" sz="1600" dirty="0">
+                    <a:latin typeface="Century Gothic" panose="020B0502020202020204" pitchFamily="34" charset="0"/>
+                  </a:rPr>
+                  <a:t>Драйвер записи карты</a:t>
+                </a:r>
+                <a:endParaRPr lang="en-US" sz="1600" dirty="0">
+                  <a:latin typeface="Century Gothic" panose="020B0502020202020204" pitchFamily="34" charset="0"/>
+                </a:endParaRPr>
+              </a:p>
+            </p:txBody>
+          </p:sp>
+          <p:pic>
+            <p:nvPicPr>
+              <p:cNvPr id="64" name="Picture 63">
+                <a:extLst>
+                  <a:ext uri="{FF2B5EF4-FFF2-40B4-BE49-F238E27FC236}">
+                    <a16:creationId xmlns:a16="http://schemas.microsoft.com/office/drawing/2014/main" id="{872B8CBA-1FE8-450E-1183-4DF1802B2AF2}"/>
+                  </a:ext>
+                </a:extLst>
+              </p:cNvPr>
+              <p:cNvPicPr>
+                <a:picLocks noChangeAspect="1"/>
+              </p:cNvPicPr>
+              <p:nvPr/>
+            </p:nvPicPr>
+            <p:blipFill>
+              <a:blip r:embed="rId5" cstate="print">
+                <a:extLst>
+                  <a:ext uri="{28A0092B-C50C-407E-A947-70E740481C1C}">
+                    <a14:useLocalDpi xmlns:a14="http://schemas.microsoft.com/office/drawing/2010/main" val="0"/>
+                  </a:ext>
+                </a:extLst>
+              </a:blip>
+              <a:stretch>
+                <a:fillRect/>
+              </a:stretch>
+            </p:blipFill>
+            <p:spPr>
+              <a:xfrm>
+                <a:off x="2162261" y="4863507"/>
+                <a:ext cx="728960" cy="436884"/>
+              </a:xfrm>
+              <a:prstGeom prst="rect">
+                <a:avLst/>
+              </a:prstGeom>
+            </p:spPr>
+          </p:pic>
+        </p:grpSp>
+        <p:sp>
+          <p:nvSpPr>
+            <p:cNvPr id="17" name="Rectangle 16">
+              <a:extLst>
+                <a:ext uri="{FF2B5EF4-FFF2-40B4-BE49-F238E27FC236}">
+                  <a16:creationId xmlns:a16="http://schemas.microsoft.com/office/drawing/2014/main" id="{36722387-9728-CADC-55F2-6E6852806B3A}"/>
+                </a:ext>
+              </a:extLst>
+            </p:cNvPr>
+            <p:cNvSpPr/>
+            <p:nvPr/>
+          </p:nvSpPr>
+          <p:spPr>
+            <a:xfrm>
+              <a:off x="4472777" y="2465057"/>
+              <a:ext cx="2649121" cy="1795324"/>
+            </a:xfrm>
+            <a:prstGeom prst="rect">
+              <a:avLst/>
+            </a:prstGeom>
+            <a:noFill/>
+            <a:ln w="76200">
+              <a:solidFill>
+                <a:schemeClr val="accent1">
+                  <a:lumMod val="50000"/>
+                </a:schemeClr>
+              </a:solidFill>
+            </a:ln>
+          </p:spPr>
+          <p:style>
+            <a:lnRef idx="2">
+              <a:schemeClr val="accent6"/>
+            </a:lnRef>
+            <a:fillRef idx="1">
+              <a:schemeClr val="lt1"/>
+            </a:fillRef>
+            <a:effectRef idx="0">
+              <a:schemeClr val="accent6"/>
+            </a:effectRef>
+            <a:fontRef idx="minor">
+              <a:schemeClr val="dk1"/>
+            </a:fontRef>
+          </p:style>
+          <p:txBody>
+            <a:bodyPr rtlCol="0" anchor="ctr"/>
+            <a:lstStyle/>
+            <a:p>
+              <a:pPr algn="ctr"/>
+              <a:endParaRPr lang="en-US" sz="2400" dirty="0">
+                <a:latin typeface="Century Gothic" panose="020B0502020202020204" pitchFamily="34" charset="0"/>
+              </a:endParaRPr>
+            </a:p>
+          </p:txBody>
+        </p:sp>
+      </p:grpSp>
       <p:cxnSp>
         <p:nvCxnSpPr>
           <p:cNvPr id="9" name="Connector: Elbow 8">
@@ -4458,17 +4484,20 @@
           </p:cNvPr>
           <p:cNvCxnSpPr>
             <a:cxnSpLocks/>
+            <a:stCxn id="70" idx="3"/>
             <a:endCxn id="17" idx="3"/>
           </p:cNvCxnSpPr>
           <p:nvPr/>
         </p:nvCxnSpPr>
         <p:spPr>
-          <a:xfrm rot="5400000">
-            <a:off x="6562601" y="2493971"/>
-            <a:ext cx="1428045" cy="309450"/>
-          </a:xfrm>
-          <a:prstGeom prst="bentConnector2">
-            <a:avLst/>
+          <a:xfrm flipH="1">
+            <a:off x="7121898" y="2301101"/>
+            <a:ext cx="128354" cy="1334088"/>
+          </a:xfrm>
+          <a:prstGeom prst="bentConnector3">
+            <a:avLst>
+              <a:gd name="adj1" fmla="val -178101"/>
+            </a:avLst>
           </a:prstGeom>
           <a:ln w="57150">
             <a:solidFill>
@@ -4836,7 +4865,7 @@
         </p:nvSpPr>
         <p:spPr>
           <a:xfrm>
-            <a:off x="5491003" y="4109966"/>
+            <a:off x="5491003" y="4272055"/>
             <a:ext cx="612668" cy="707886"/>
           </a:xfrm>
           <a:prstGeom prst="rect">
@@ -4869,17 +4898,20 @@
           </p:cNvPr>
           <p:cNvCxnSpPr>
             <a:cxnSpLocks/>
+            <a:stCxn id="70" idx="3"/>
             <a:endCxn id="21" idx="3"/>
           </p:cNvCxnSpPr>
           <p:nvPr/>
         </p:nvCxnSpPr>
         <p:spPr>
-          <a:xfrm rot="5400000">
-            <a:off x="5329382" y="3727191"/>
-            <a:ext cx="3894482" cy="309449"/>
-          </a:xfrm>
-          <a:prstGeom prst="bentConnector2">
-            <a:avLst/>
+          <a:xfrm flipH="1">
+            <a:off x="7121898" y="2301101"/>
+            <a:ext cx="128354" cy="3528055"/>
+          </a:xfrm>
+          <a:prstGeom prst="bentConnector3">
+            <a:avLst>
+              <a:gd name="adj1" fmla="val -178101"/>
+            </a:avLst>
           </a:prstGeom>
           <a:ln w="57150">
             <a:solidFill>
@@ -4922,8 +4954,8 @@
         </p:nvCxnSpPr>
         <p:spPr>
           <a:xfrm rot="10800000" flipV="1">
-            <a:off x="2396197" y="3362718"/>
-            <a:ext cx="2076580" cy="2112395"/>
+            <a:off x="2396197" y="3635188"/>
+            <a:ext cx="2076580" cy="1839925"/>
           </a:xfrm>
           <a:prstGeom prst="bentConnector3">
             <a:avLst/>
@@ -5111,7 +5143,7 @@
         </p:nvGrpSpPr>
         <p:grpSpPr>
           <a:xfrm>
-            <a:off x="9281465" y="1247377"/>
+            <a:off x="8043819" y="1985101"/>
             <a:ext cx="1307252" cy="1562459"/>
             <a:chOff x="2008240" y="4591624"/>
             <a:chExt cx="1307252" cy="1562459"/>
@@ -5230,53 +5262,6 @@
           </p:spPr>
         </p:pic>
       </p:grpSp>
-      <p:cxnSp>
-        <p:nvCxnSpPr>
-          <p:cNvPr id="42" name="Connector: Elbow 41">
-            <a:extLst>
-              <a:ext uri="{FF2B5EF4-FFF2-40B4-BE49-F238E27FC236}">
-                <a16:creationId xmlns:a16="http://schemas.microsoft.com/office/drawing/2014/main" id="{4922687F-90AF-8432-B979-A75D270D25E9}"/>
-              </a:ext>
-            </a:extLst>
-          </p:cNvPr>
-          <p:cNvCxnSpPr>
-            <a:stCxn id="3" idx="3"/>
-            <a:endCxn id="35" idx="1"/>
-          </p:cNvCxnSpPr>
-          <p:nvPr/>
-        </p:nvCxnSpPr>
-        <p:spPr>
-          <a:xfrm>
-            <a:off x="7549285" y="1591026"/>
-            <a:ext cx="1732180" cy="437581"/>
-          </a:xfrm>
-          <a:prstGeom prst="bentConnector3">
-            <a:avLst/>
-          </a:prstGeom>
-          <a:ln w="57150">
-            <a:solidFill>
-              <a:schemeClr val="accent1">
-                <a:lumMod val="50000"/>
-              </a:schemeClr>
-            </a:solidFill>
-            <a:tailEnd type="triangle"/>
-          </a:ln>
-        </p:spPr>
-        <p:style>
-          <a:lnRef idx="1">
-            <a:schemeClr val="accent1"/>
-          </a:lnRef>
-          <a:fillRef idx="0">
-            <a:schemeClr val="accent1"/>
-          </a:fillRef>
-          <a:effectRef idx="0">
-            <a:schemeClr val="accent1"/>
-          </a:effectRef>
-          <a:fontRef idx="minor">
-            <a:schemeClr val="tx1"/>
-          </a:fontRef>
-        </p:style>
-      </p:cxnSp>
       <p:sp>
         <p:nvSpPr>
           <p:cNvPr id="46" name="Rectangle 45">
@@ -5291,8 +5276,8 @@
         </p:nvSpPr>
         <p:spPr>
           <a:xfrm>
-            <a:off x="8253446" y="3153485"/>
-            <a:ext cx="3220980" cy="687297"/>
+            <a:off x="10121092" y="2033393"/>
+            <a:ext cx="1928597" cy="687297"/>
           </a:xfrm>
           <a:prstGeom prst="rect">
             <a:avLst/>
@@ -5326,73 +5311,23 @@
           <a:p>
             <a:pPr algn="ctr"/>
             <a:r>
-              <a:rPr lang="en-US" sz="1600" dirty="0">
+              <a:rPr lang="en-US" sz="2400" dirty="0">
                 <a:latin typeface="Century Gothic" panose="020B0502020202020204" pitchFamily="34" charset="0"/>
               </a:rPr>
               <a:t>void </a:t>
             </a:r>
             <a:r>
-              <a:rPr lang="ru-RU" sz="1600" dirty="0">
+              <a:rPr lang="en-US" sz="2400" dirty="0" smtClean="0">
                 <a:latin typeface="Century Gothic" panose="020B0502020202020204" pitchFamily="34" charset="0"/>
               </a:rPr>
-              <a:t>*запуск обработки*</a:t>
-            </a:r>
-            <a:r>
-              <a:rPr lang="en-US" sz="1600" dirty="0">
-                <a:latin typeface="Century Gothic" panose="020B0502020202020204" pitchFamily="34" charset="0"/>
-              </a:rPr>
-              <a:t>()</a:t>
-            </a:r>
+              <a:t>Start()</a:t>
+            </a:r>
+            <a:endParaRPr lang="en-US" sz="2400" dirty="0">
+              <a:latin typeface="Century Gothic" panose="020B0502020202020204" pitchFamily="34" charset="0"/>
+            </a:endParaRPr>
           </a:p>
         </p:txBody>
       </p:sp>
-      <p:cxnSp>
-        <p:nvCxnSpPr>
-          <p:cNvPr id="48" name="Straight Arrow Connector 47">
-            <a:extLst>
-              <a:ext uri="{FF2B5EF4-FFF2-40B4-BE49-F238E27FC236}">
-                <a16:creationId xmlns:a16="http://schemas.microsoft.com/office/drawing/2014/main" id="{06CECCF8-17CE-1307-D767-823A1F33A9C0}"/>
-              </a:ext>
-            </a:extLst>
-          </p:cNvPr>
-          <p:cNvCxnSpPr>
-            <a:stCxn id="35" idx="2"/>
-            <a:endCxn id="46" idx="0"/>
-          </p:cNvCxnSpPr>
-          <p:nvPr/>
-        </p:nvCxnSpPr>
-        <p:spPr>
-          <a:xfrm>
-            <a:off x="9863936" y="2809836"/>
-            <a:ext cx="0" cy="343649"/>
-          </a:xfrm>
-          <a:prstGeom prst="straightConnector1">
-            <a:avLst/>
-          </a:prstGeom>
-          <a:ln w="57150">
-            <a:solidFill>
-              <a:schemeClr val="accent1">
-                <a:lumMod val="50000"/>
-              </a:schemeClr>
-            </a:solidFill>
-            <a:tailEnd type="triangle"/>
-          </a:ln>
-        </p:spPr>
-        <p:style>
-          <a:lnRef idx="1">
-            <a:schemeClr val="accent1"/>
-          </a:lnRef>
-          <a:fillRef idx="0">
-            <a:schemeClr val="accent1"/>
-          </a:fillRef>
-          <a:effectRef idx="0">
-            <a:schemeClr val="accent1"/>
-          </a:effectRef>
-          <a:fontRef idx="minor">
-            <a:schemeClr val="tx1"/>
-          </a:fontRef>
-        </p:style>
-      </p:cxnSp>
       <p:grpSp>
         <p:nvGrpSpPr>
           <p:cNvPr id="52" name="Group 51">
@@ -5407,8 +5342,8 @@
         </p:nvGrpSpPr>
         <p:grpSpPr>
           <a:xfrm rot="16200000">
-            <a:off x="8313903" y="4147410"/>
-            <a:ext cx="1157836" cy="787499"/>
+            <a:off x="10288403" y="4520399"/>
+            <a:ext cx="818802" cy="556906"/>
             <a:chOff x="9590966" y="4185349"/>
             <a:chExt cx="1157836" cy="787499"/>
           </a:xfrm>
@@ -5488,7 +5423,7 @@
         </p:nvGrpSpPr>
         <p:grpSpPr>
           <a:xfrm>
-            <a:off x="10445996" y="5206735"/>
+            <a:off x="8081449" y="5232775"/>
             <a:ext cx="1321445" cy="1562459"/>
             <a:chOff x="4459057" y="4591624"/>
             <a:chExt cx="1321445" cy="1562459"/>
@@ -5615,12 +5550,176 @@
           </p:txBody>
         </p:sp>
       </p:grpSp>
+      <p:grpSp>
+        <p:nvGrpSpPr>
+          <p:cNvPr id="97" name="Group 96"/>
+          <p:cNvGrpSpPr/>
+          <p:nvPr/>
+        </p:nvGrpSpPr>
+        <p:grpSpPr>
+          <a:xfrm>
+            <a:off x="9687751" y="5256704"/>
+            <a:ext cx="2020105" cy="1514605"/>
+            <a:chOff x="7861514" y="5230663"/>
+            <a:chExt cx="2020105" cy="1514605"/>
+          </a:xfrm>
+        </p:grpSpPr>
+        <p:sp>
+          <p:nvSpPr>
+            <p:cNvPr id="69" name="Rectangle 68">
+              <a:extLst>
+                <a:ext uri="{FF2B5EF4-FFF2-40B4-BE49-F238E27FC236}">
+                  <a16:creationId xmlns:a16="http://schemas.microsoft.com/office/drawing/2014/main" id="{87103D2C-56FA-FF35-0D49-0261FC1828FE}"/>
+                </a:ext>
+              </a:extLst>
+            </p:cNvPr>
+            <p:cNvSpPr/>
+            <p:nvPr/>
+          </p:nvSpPr>
+          <p:spPr>
+            <a:xfrm>
+              <a:off x="7861714" y="5230663"/>
+              <a:ext cx="2019704" cy="1514605"/>
+            </a:xfrm>
+            <a:prstGeom prst="rect">
+              <a:avLst/>
+            </a:prstGeom>
+            <a:noFill/>
+            <a:ln w="76200">
+              <a:solidFill>
+                <a:schemeClr val="accent1">
+                  <a:lumMod val="50000"/>
+                </a:schemeClr>
+              </a:solidFill>
+            </a:ln>
+          </p:spPr>
+          <p:style>
+            <a:lnRef idx="2">
+              <a:schemeClr val="accent6"/>
+            </a:lnRef>
+            <a:fillRef idx="1">
+              <a:schemeClr val="lt1"/>
+            </a:fillRef>
+            <a:effectRef idx="0">
+              <a:schemeClr val="accent6"/>
+            </a:effectRef>
+            <a:fontRef idx="minor">
+              <a:schemeClr val="dk1"/>
+            </a:fontRef>
+          </p:style>
+          <p:txBody>
+            <a:bodyPr rtlCol="0" anchor="ctr"/>
+            <a:lstStyle/>
+            <a:p>
+              <a:pPr algn="ctr"/>
+              <a:endParaRPr lang="en-US" sz="2400" dirty="0">
+                <a:latin typeface="Century Gothic" panose="020B0502020202020204" pitchFamily="34" charset="0"/>
+              </a:endParaRPr>
+            </a:p>
+          </p:txBody>
+        </p:sp>
+        <p:sp>
+          <p:nvSpPr>
+            <p:cNvPr id="72" name="TextBox 71">
+              <a:extLst>
+                <a:ext uri="{FF2B5EF4-FFF2-40B4-BE49-F238E27FC236}">
+                  <a16:creationId xmlns:a16="http://schemas.microsoft.com/office/drawing/2014/main" id="{B72CBFD0-9F6F-4FEE-4E59-E31832B8279C}"/>
+                </a:ext>
+              </a:extLst>
+            </p:cNvPr>
+            <p:cNvSpPr txBox="1"/>
+            <p:nvPr/>
+          </p:nvSpPr>
+          <p:spPr>
+            <a:xfrm>
+              <a:off x="7861514" y="5449355"/>
+              <a:ext cx="2020105" cy="1077218"/>
+            </a:xfrm>
+            <a:prstGeom prst="rect">
+              <a:avLst/>
+            </a:prstGeom>
+            <a:noFill/>
+          </p:spPr>
+          <p:txBody>
+            <a:bodyPr wrap="none" rtlCol="0">
+              <a:spAutoFit/>
+            </a:bodyPr>
+            <a:lstStyle/>
+            <a:p>
+              <a:pPr marL="285750" indent="-285750">
+                <a:buFont typeface="Calibri" panose="020F0502020204030204" pitchFamily="34" charset="0"/>
+                <a:buChar char="―"/>
+              </a:pPr>
+              <a:r>
+                <a:rPr lang="en-US" sz="1600" dirty="0">
+                  <a:latin typeface="Century Gothic" panose="020B0502020202020204" pitchFamily="34" charset="0"/>
+                </a:rPr>
+                <a:t>Send()</a:t>
+              </a:r>
+              <a:endParaRPr lang="ru-RU" sz="1600" dirty="0">
+                <a:latin typeface="Century Gothic" panose="020B0502020202020204" pitchFamily="34" charset="0"/>
+              </a:endParaRPr>
+            </a:p>
+            <a:p>
+              <a:pPr marL="285750" indent="-285750">
+                <a:buFont typeface="Calibri" panose="020F0502020204030204" pitchFamily="34" charset="0"/>
+                <a:buChar char="―"/>
+              </a:pPr>
+              <a:r>
+                <a:rPr lang="en-US" sz="1600" dirty="0" err="1">
+                  <a:latin typeface="Century Gothic" panose="020B0502020202020204" pitchFamily="34" charset="0"/>
+                </a:rPr>
+                <a:t>CardConnect</a:t>
+              </a:r>
+              <a:r>
+                <a:rPr lang="en-US" sz="1600" dirty="0">
+                  <a:latin typeface="Century Gothic" panose="020B0502020202020204" pitchFamily="34" charset="0"/>
+                </a:rPr>
+                <a:t>()</a:t>
+              </a:r>
+            </a:p>
+            <a:p>
+              <a:pPr marL="285750" indent="-285750">
+                <a:buFont typeface="Calibri" panose="020F0502020204030204" pitchFamily="34" charset="0"/>
+                <a:buChar char="―"/>
+              </a:pPr>
+              <a:r>
+                <a:rPr lang="en-US" sz="1600" dirty="0" err="1">
+                  <a:latin typeface="Century Gothic" panose="020B0502020202020204" pitchFamily="34" charset="0"/>
+                </a:rPr>
+                <a:t>CardClose</a:t>
+              </a:r>
+              <a:r>
+                <a:rPr lang="en-US" sz="1600" dirty="0">
+                  <a:latin typeface="Century Gothic" panose="020B0502020202020204" pitchFamily="34" charset="0"/>
+                </a:rPr>
+                <a:t>()</a:t>
+              </a:r>
+              <a:endParaRPr lang="ru-RU" sz="1600" dirty="0">
+                <a:latin typeface="Century Gothic" panose="020B0502020202020204" pitchFamily="34" charset="0"/>
+              </a:endParaRPr>
+            </a:p>
+            <a:p>
+              <a:pPr marL="285750" indent="-285750">
+                <a:buFont typeface="Calibri" panose="020F0502020204030204" pitchFamily="34" charset="0"/>
+                <a:buChar char="―"/>
+              </a:pPr>
+              <a:r>
+                <a:rPr lang="ru-RU" sz="1600" dirty="0">
+                  <a:latin typeface="Century Gothic" panose="020B0502020202020204" pitchFamily="34" charset="0"/>
+                </a:rPr>
+                <a:t>...</a:t>
+              </a:r>
+            </a:p>
+          </p:txBody>
+        </p:sp>
+      </p:grpSp>
       <p:sp>
         <p:nvSpPr>
-          <p:cNvPr id="69" name="Rectangle 68">
+          <p:cNvPr id="70" name="Rectangle 69">
             <a:extLst>
               <a:ext uri="{FF2B5EF4-FFF2-40B4-BE49-F238E27FC236}">
-                <a16:creationId xmlns:a16="http://schemas.microsoft.com/office/drawing/2014/main" id="{87103D2C-56FA-FF35-0D49-0261FC1828FE}"/>
+                <a16:creationId xmlns:a16="http://schemas.microsoft.com/office/drawing/2014/main" id="{D2DBB5B7-CC96-A62C-2CDE-A7BB0954FCD9}"/>
               </a:ext>
             </a:extLst>
           </p:cNvPr>
@@ -5629,8 +5728,8 @@
         </p:nvSpPr>
         <p:spPr>
           <a:xfrm>
-            <a:off x="7861714" y="5230663"/>
-            <a:ext cx="2019704" cy="1514605"/>
+            <a:off x="3663013" y="1987797"/>
+            <a:ext cx="3587239" cy="626607"/>
           </a:xfrm>
           <a:prstGeom prst="rect">
             <a:avLst/>
@@ -5663,7 +5762,31 @@
           <a:lstStyle/>
           <a:p>
             <a:pPr algn="ctr"/>
-            <a:endParaRPr lang="en-US" sz="2400" dirty="0">
+            <a:r>
+              <a:rPr lang="en-US" dirty="0">
+                <a:latin typeface="Century Gothic" panose="020B0502020202020204" pitchFamily="34" charset="0"/>
+              </a:rPr>
+              <a:t>void </a:t>
+            </a:r>
+            <a:r>
+              <a:rPr lang="en-US" dirty="0" err="1" smtClean="0">
+                <a:latin typeface="Century Gothic" panose="020B0502020202020204" pitchFamily="34" charset="0"/>
+              </a:rPr>
+              <a:t>S</a:t>
+            </a:r>
+            <a:r>
+              <a:rPr lang="en-US" dirty="0" err="1" smtClean="0">
+                <a:latin typeface="Century Gothic" panose="020B0502020202020204" pitchFamily="34" charset="0"/>
+              </a:rPr>
+              <a:t>tartReaderInterfaces</a:t>
+            </a:r>
+            <a:r>
+              <a:rPr lang="en-US" dirty="0" smtClean="0">
+                <a:latin typeface="Century Gothic" panose="020B0502020202020204" pitchFamily="34" charset="0"/>
+              </a:rPr>
+              <a:t>()</a:t>
+            </a:r>
+            <a:endParaRPr lang="en-US" dirty="0">
               <a:latin typeface="Century Gothic" panose="020B0502020202020204" pitchFamily="34" charset="0"/>
             </a:endParaRPr>
           </a:p>
@@ -5671,25 +5794,18 @@
       </p:sp>
       <p:cxnSp>
         <p:nvCxnSpPr>
-          <p:cNvPr id="71" name="Straight Connector 70">
-            <a:extLst>
-              <a:ext uri="{FF2B5EF4-FFF2-40B4-BE49-F238E27FC236}">
-                <a16:creationId xmlns:a16="http://schemas.microsoft.com/office/drawing/2014/main" id="{4DBC5E99-D2CB-2F7A-BC75-5AE76C9A43D9}"/>
-              </a:ext>
-            </a:extLst>
-          </p:cNvPr>
+          <p:cNvPr id="44" name="Straight Arrow Connector 43"/>
           <p:cNvCxnSpPr>
-            <a:stCxn id="58" idx="1"/>
-            <a:endCxn id="69" idx="3"/>
+            <a:stCxn id="3" idx="2"/>
           </p:cNvCxnSpPr>
           <p:nvPr/>
         </p:nvCxnSpPr>
         <p:spPr>
           <a:xfrm flipH="1">
-            <a:off x="9881418" y="5987965"/>
-            <a:ext cx="564578" cy="1"/>
-          </a:xfrm>
-          <a:prstGeom prst="line">
+            <a:off x="5847829" y="1669936"/>
+            <a:ext cx="1" cy="281466"/>
+          </a:xfrm>
+          <a:prstGeom prst="straightConnector1">
             <a:avLst/>
           </a:prstGeom>
           <a:ln w="57150">
@@ -5698,6 +5814,7 @@
                 <a:lumMod val="50000"/>
               </a:schemeClr>
             </a:solidFill>
+            <a:tailEnd type="triangle"/>
           </a:ln>
         </p:spPr>
         <p:style>
@@ -5717,99 +5834,336 @@
       </p:cxnSp>
       <p:sp>
         <p:nvSpPr>
-          <p:cNvPr id="72" name="TextBox 71">
+          <p:cNvPr id="80" name="Rectangle 79">
             <a:extLst>
               <a:ext uri="{FF2B5EF4-FFF2-40B4-BE49-F238E27FC236}">
-                <a16:creationId xmlns:a16="http://schemas.microsoft.com/office/drawing/2014/main" id="{B72CBFD0-9F6F-4FEE-4E59-E31832B8279C}"/>
+                <a16:creationId xmlns:a16="http://schemas.microsoft.com/office/drawing/2014/main" id="{E2C17612-BE3E-859B-8189-5BEADD647A94}"/>
               </a:ext>
             </a:extLst>
           </p:cNvPr>
-          <p:cNvSpPr txBox="1"/>
+          <p:cNvSpPr/>
           <p:nvPr/>
         </p:nvSpPr>
         <p:spPr>
           <a:xfrm>
-            <a:off x="7861514" y="5449355"/>
-            <a:ext cx="2020105" cy="1077218"/>
+            <a:off x="8272207" y="1088319"/>
+            <a:ext cx="3777482" cy="687297"/>
           </a:xfrm>
           <a:prstGeom prst="rect">
             <a:avLst/>
           </a:prstGeom>
           <a:noFill/>
-        </p:spPr>
+          <a:ln w="76200">
+            <a:solidFill>
+              <a:schemeClr val="accent1">
+                <a:lumMod val="50000"/>
+              </a:schemeClr>
+            </a:solidFill>
+          </a:ln>
+        </p:spPr>
+        <p:style>
+          <a:lnRef idx="2">
+            <a:schemeClr val="accent6"/>
+          </a:lnRef>
+          <a:fillRef idx="1">
+            <a:schemeClr val="lt1"/>
+          </a:fillRef>
+          <a:effectRef idx="0">
+            <a:schemeClr val="accent6"/>
+          </a:effectRef>
+          <a:fontRef idx="minor">
+            <a:schemeClr val="dk1"/>
+          </a:fontRef>
+        </p:style>
         <p:txBody>
-          <a:bodyPr wrap="none" rtlCol="0">
-            <a:spAutoFit/>
-          </a:bodyPr>
+          <a:bodyPr rtlCol="0" anchor="ctr"/>
           <a:lstStyle/>
           <a:p>
-            <a:pPr marL="285750" indent="-285750">
-              <a:buFont typeface="Calibri" panose="020F0502020204030204" pitchFamily="34" charset="0"/>
-              <a:buChar char="―"/>
-            </a:pPr>
-            <a:r>
-              <a:rPr lang="en-US" sz="1600" dirty="0">
+            <a:pPr algn="ctr"/>
+            <a:r>
+              <a:rPr lang="ru-RU" sz="2400" dirty="0" smtClean="0">
                 <a:latin typeface="Century Gothic" panose="020B0502020202020204" pitchFamily="34" charset="0"/>
               </a:rPr>
-              <a:t>Send()</a:t>
-            </a:r>
-            <a:endParaRPr lang="ru-RU" sz="1600" dirty="0">
+              <a:t>Инстанция</a:t>
+            </a:r>
+            <a:endParaRPr lang="en-US" sz="2400" dirty="0">
               <a:latin typeface="Century Gothic" panose="020B0502020202020204" pitchFamily="34" charset="0"/>
             </a:endParaRPr>
           </a:p>
-          <a:p>
-            <a:pPr marL="285750" indent="-285750">
-              <a:buFont typeface="Calibri" panose="020F0502020204030204" pitchFamily="34" charset="0"/>
-              <a:buChar char="―"/>
-            </a:pPr>
-            <a:r>
-              <a:rPr lang="en-US" sz="1600" dirty="0" err="1">
+        </p:txBody>
+      </p:sp>
+      <p:cxnSp>
+        <p:nvCxnSpPr>
+          <p:cNvPr id="81" name="Straight Arrow Connector 80"/>
+          <p:cNvCxnSpPr/>
+          <p:nvPr/>
+        </p:nvCxnSpPr>
+        <p:spPr>
+          <a:xfrm flipH="1">
+            <a:off x="11749669" y="1760166"/>
+            <a:ext cx="1" cy="281466"/>
+          </a:xfrm>
+          <a:prstGeom prst="straightConnector1">
+            <a:avLst/>
+          </a:prstGeom>
+          <a:ln w="57150">
+            <a:solidFill>
+              <a:schemeClr val="accent1">
+                <a:lumMod val="50000"/>
+              </a:schemeClr>
+            </a:solidFill>
+            <a:tailEnd type="triangle"/>
+          </a:ln>
+        </p:spPr>
+        <p:style>
+          <a:lnRef idx="1">
+            <a:schemeClr val="accent1"/>
+          </a:lnRef>
+          <a:fillRef idx="0">
+            <a:schemeClr val="accent1"/>
+          </a:fillRef>
+          <a:effectRef idx="0">
+            <a:schemeClr val="accent1"/>
+          </a:effectRef>
+          <a:fontRef idx="minor">
+            <a:schemeClr val="tx1"/>
+          </a:fontRef>
+        </p:style>
+      </p:cxnSp>
+      <p:cxnSp>
+        <p:nvCxnSpPr>
+          <p:cNvPr id="83" name="Elbow Connector 82"/>
+          <p:cNvCxnSpPr>
+            <a:endCxn id="80" idx="1"/>
+          </p:cNvCxnSpPr>
+          <p:nvPr/>
+        </p:nvCxnSpPr>
+        <p:spPr>
+          <a:xfrm flipV="1">
+            <a:off x="7272414" y="1431968"/>
+            <a:ext cx="999793" cy="622604"/>
+          </a:xfrm>
+          <a:prstGeom prst="bentConnector3">
+            <a:avLst>
+              <a:gd name="adj1" fmla="val 50000"/>
+            </a:avLst>
+          </a:prstGeom>
+          <a:ln w="57150">
+            <a:solidFill>
+              <a:schemeClr val="accent1">
+                <a:lumMod val="50000"/>
+              </a:schemeClr>
+            </a:solidFill>
+            <a:tailEnd type="triangle"/>
+          </a:ln>
+        </p:spPr>
+        <p:style>
+          <a:lnRef idx="1">
+            <a:schemeClr val="accent1"/>
+          </a:lnRef>
+          <a:fillRef idx="0">
+            <a:schemeClr val="accent1"/>
+          </a:fillRef>
+          <a:effectRef idx="0">
+            <a:schemeClr val="accent1"/>
+          </a:effectRef>
+          <a:fontRef idx="minor">
+            <a:schemeClr val="tx1"/>
+          </a:fontRef>
+        </p:style>
+      </p:cxnSp>
+      <p:cxnSp>
+        <p:nvCxnSpPr>
+          <p:cNvPr id="89" name="Straight Arrow Connector 88"/>
+          <p:cNvCxnSpPr>
+            <a:stCxn id="46" idx="1"/>
+          </p:cNvCxnSpPr>
+          <p:nvPr/>
+        </p:nvCxnSpPr>
+        <p:spPr>
+          <a:xfrm flipH="1" flipV="1">
+            <a:off x="9208761" y="2377041"/>
+            <a:ext cx="912331" cy="1"/>
+          </a:xfrm>
+          <a:prstGeom prst="straightConnector1">
+            <a:avLst/>
+          </a:prstGeom>
+          <a:ln w="57150">
+            <a:solidFill>
+              <a:schemeClr val="accent1">
+                <a:lumMod val="50000"/>
+              </a:schemeClr>
+            </a:solidFill>
+            <a:tailEnd type="triangle"/>
+          </a:ln>
+        </p:spPr>
+        <p:style>
+          <a:lnRef idx="1">
+            <a:schemeClr val="accent1"/>
+          </a:lnRef>
+          <a:fillRef idx="0">
+            <a:schemeClr val="accent1"/>
+          </a:fillRef>
+          <a:effectRef idx="0">
+            <a:schemeClr val="accent1"/>
+          </a:effectRef>
+          <a:fontRef idx="minor">
+            <a:schemeClr val="tx1"/>
+          </a:fontRef>
+        </p:style>
+      </p:cxnSp>
+      <p:sp>
+        <p:nvSpPr>
+          <p:cNvPr id="91" name="Rectangle 90">
+            <a:extLst>
+              <a:ext uri="{FF2B5EF4-FFF2-40B4-BE49-F238E27FC236}">
+                <a16:creationId xmlns:a16="http://schemas.microsoft.com/office/drawing/2014/main" id="{E2C17612-BE3E-859B-8189-5BEADD647A94}"/>
+              </a:ext>
+            </a:extLst>
+          </p:cNvPr>
+          <p:cNvSpPr/>
+          <p:nvPr/>
+        </p:nvSpPr>
+        <p:spPr>
+          <a:xfrm>
+            <a:off x="9345920" y="3627473"/>
+            <a:ext cx="2703769" cy="687297"/>
+          </a:xfrm>
+          <a:prstGeom prst="rect">
+            <a:avLst/>
+          </a:prstGeom>
+          <a:noFill/>
+          <a:ln w="76200">
+            <a:solidFill>
+              <a:schemeClr val="accent1">
+                <a:lumMod val="50000"/>
+              </a:schemeClr>
+            </a:solidFill>
+          </a:ln>
+        </p:spPr>
+        <p:style>
+          <a:lnRef idx="2">
+            <a:schemeClr val="accent6"/>
+          </a:lnRef>
+          <a:fillRef idx="1">
+            <a:schemeClr val="lt1"/>
+          </a:fillRef>
+          <a:effectRef idx="0">
+            <a:schemeClr val="accent6"/>
+          </a:effectRef>
+          <a:fontRef idx="minor">
+            <a:schemeClr val="dk1"/>
+          </a:fontRef>
+        </p:style>
+        <p:txBody>
+          <a:bodyPr rtlCol="0" anchor="ctr"/>
+          <a:lstStyle/>
+          <a:p>
+            <a:pPr algn="ctr"/>
+            <a:r>
+              <a:rPr lang="en-US" dirty="0">
                 <a:latin typeface="Century Gothic" panose="020B0502020202020204" pitchFamily="34" charset="0"/>
               </a:rPr>
-              <a:t>CardConnect</a:t>
-            </a:r>
-            <a:r>
-              <a:rPr lang="en-US" sz="1600" dirty="0">
+              <a:t>void </a:t>
+            </a:r>
+            <a:r>
+              <a:rPr lang="en-US" dirty="0" smtClean="0">
+                <a:latin typeface="Century Gothic" panose="020B0502020202020204" pitchFamily="34" charset="0"/>
+              </a:rPr>
+              <a:t>Personalization</a:t>
+            </a:r>
+            <a:r>
+              <a:rPr lang="en-US" dirty="0" smtClean="0">
                 <a:latin typeface="Century Gothic" panose="020B0502020202020204" pitchFamily="34" charset="0"/>
               </a:rPr>
               <a:t>()</a:t>
             </a:r>
-          </a:p>
-          <a:p>
-            <a:pPr marL="285750" indent="-285750">
-              <a:buFont typeface="Calibri" panose="020F0502020204030204" pitchFamily="34" charset="0"/>
-              <a:buChar char="―"/>
-            </a:pPr>
-            <a:r>
-              <a:rPr lang="en-US" sz="1600" dirty="0" err="1">
-                <a:latin typeface="Century Gothic" panose="020B0502020202020204" pitchFamily="34" charset="0"/>
-              </a:rPr>
-              <a:t>CardClose</a:t>
-            </a:r>
-            <a:r>
-              <a:rPr lang="en-US" sz="1600" dirty="0">
-                <a:latin typeface="Century Gothic" panose="020B0502020202020204" pitchFamily="34" charset="0"/>
-              </a:rPr>
-              <a:t>()</a:t>
-            </a:r>
-            <a:endParaRPr lang="ru-RU" sz="1600" dirty="0">
+            <a:endParaRPr lang="en-US" dirty="0">
               <a:latin typeface="Century Gothic" panose="020B0502020202020204" pitchFamily="34" charset="0"/>
             </a:endParaRPr>
           </a:p>
-          <a:p>
-            <a:pPr marL="285750" indent="-285750">
-              <a:buFont typeface="Calibri" panose="020F0502020204030204" pitchFamily="34" charset="0"/>
-              <a:buChar char="―"/>
-            </a:pPr>
-            <a:r>
-              <a:rPr lang="ru-RU" sz="1600" dirty="0">
-                <a:latin typeface="Century Gothic" panose="020B0502020202020204" pitchFamily="34" charset="0"/>
-              </a:rPr>
-              <a:t>...</a:t>
-            </a:r>
-          </a:p>
         </p:txBody>
       </p:sp>
+      <p:cxnSp>
+        <p:nvCxnSpPr>
+          <p:cNvPr id="93" name="Elbow Connector 92"/>
+          <p:cNvCxnSpPr>
+            <a:endCxn id="91" idx="0"/>
+          </p:cNvCxnSpPr>
+          <p:nvPr/>
+        </p:nvCxnSpPr>
+        <p:spPr>
+          <a:xfrm>
+            <a:off x="9198478" y="3124785"/>
+            <a:ext cx="1499327" cy="502688"/>
+          </a:xfrm>
+          <a:prstGeom prst="bentConnector2">
+            <a:avLst/>
+          </a:prstGeom>
+          <a:ln w="57150">
+            <a:solidFill>
+              <a:schemeClr val="accent1">
+                <a:lumMod val="50000"/>
+              </a:schemeClr>
+            </a:solidFill>
+            <a:tailEnd type="triangle"/>
+          </a:ln>
+        </p:spPr>
+        <p:style>
+          <a:lnRef idx="1">
+            <a:schemeClr val="accent1"/>
+          </a:lnRef>
+          <a:fillRef idx="0">
+            <a:schemeClr val="accent1"/>
+          </a:fillRef>
+          <a:effectRef idx="0">
+            <a:schemeClr val="accent1"/>
+          </a:effectRef>
+          <a:fontRef idx="minor">
+            <a:schemeClr val="tx1"/>
+          </a:fontRef>
+        </p:style>
+      </p:cxnSp>
+      <p:cxnSp>
+        <p:nvCxnSpPr>
+          <p:cNvPr id="99" name="Straight Connector 98"/>
+          <p:cNvCxnSpPr>
+            <a:stCxn id="58" idx="3"/>
+            <a:endCxn id="72" idx="1"/>
+          </p:cNvCxnSpPr>
+          <p:nvPr/>
+        </p:nvCxnSpPr>
+        <p:spPr>
+          <a:xfrm>
+            <a:off x="9246391" y="6014005"/>
+            <a:ext cx="441360" cy="0"/>
+          </a:xfrm>
+          <a:prstGeom prst="line">
+            <a:avLst/>
+          </a:prstGeom>
+          <a:ln w="57150">
+            <a:solidFill>
+              <a:schemeClr val="accent1">
+                <a:lumMod val="50000"/>
+              </a:schemeClr>
+            </a:solidFill>
+          </a:ln>
+        </p:spPr>
+        <p:style>
+          <a:lnRef idx="1">
+            <a:schemeClr val="accent1"/>
+          </a:lnRef>
+          <a:fillRef idx="0">
+            <a:schemeClr val="accent1"/>
+          </a:fillRef>
+          <a:effectRef idx="0">
+            <a:schemeClr val="accent1"/>
+          </a:effectRef>
+          <a:fontRef idx="minor">
+            <a:schemeClr val="tx1"/>
+          </a:fontRef>
+        </p:style>
+      </p:cxnSp>
     </p:spTree>
     <p:extLst>
       <p:ext uri="{BB962C8B-B14F-4D97-AF65-F5344CB8AC3E}">
@@ -6647,7 +7001,7 @@
         </p:nvSpPr>
         <p:spPr>
           <a:xfrm>
-            <a:off x="651618" y="4910729"/>
+            <a:off x="651618" y="4604671"/>
             <a:ext cx="4898657" cy="400110"/>
           </a:xfrm>
           <a:prstGeom prst="rect">
@@ -6703,7 +7057,13 @@
   <p:cSld>
     <p:spTree>
       <p:nvGrpSpPr>
-        <p:cNvPr id="1" name=""/>
+        <p:cNvPr id="1" name="">
+          <a:extLst>
+            <a:ext uri="{FF2B5EF4-FFF2-40B4-BE49-F238E27FC236}">
+              <a16:creationId xmlns:a16="http://schemas.microsoft.com/office/drawing/2014/main" id="{0BDD2122-D42B-935E-28E6-4C6CC005CCC8}"/>
+            </a:ext>
+          </a:extLst>
+        </p:cNvPr>
         <p:cNvGrpSpPr/>
         <p:nvPr/>
       </p:nvGrpSpPr>
@@ -6717,7 +7077,13 @@
       </p:grpSpPr>
       <p:pic>
         <p:nvPicPr>
-          <p:cNvPr id="2" name="Picture 2" descr="C:\Users\Андрей\Desktop\1\Безымянный-1.png"/>
+          <p:cNvPr id="2" name="Picture 2" descr="C:\Users\Андрей\Desktop\1\Безымянный-1.png">
+            <a:extLst>
+              <a:ext uri="{FF2B5EF4-FFF2-40B4-BE49-F238E27FC236}">
+                <a16:creationId xmlns:a16="http://schemas.microsoft.com/office/drawing/2014/main" id="{04BE2A33-FFFE-25FD-EEAD-6F1C95FFC843}"/>
+              </a:ext>
+            </a:extLst>
+          </p:cNvPr>
           <p:cNvPicPr>
             <a:picLocks noChangeAspect="1" noChangeArrowheads="1"/>
           </p:cNvPicPr>
@@ -6771,45 +7137,19 @@
       </p:pic>
       <p:sp>
         <p:nvSpPr>
-          <p:cNvPr id="4" name="Прямоугольник 3"/>
-          <p:cNvSpPr/>
+          <p:cNvPr id="5" name="TextBox 4">
+            <a:extLst>
+              <a:ext uri="{FF2B5EF4-FFF2-40B4-BE49-F238E27FC236}">
+                <a16:creationId xmlns:a16="http://schemas.microsoft.com/office/drawing/2014/main" id="{1B8006EA-A848-1E9A-CF42-BD3FF694A29A}"/>
+              </a:ext>
+            </a:extLst>
+          </p:cNvPr>
+          <p:cNvSpPr txBox="1"/>
           <p:nvPr/>
         </p:nvSpPr>
         <p:spPr>
           <a:xfrm>
-            <a:off x="354843" y="1187299"/>
-            <a:ext cx="11600596" cy="495457"/>
-          </a:xfrm>
-          <a:prstGeom prst="rect">
-            <a:avLst/>
-          </a:prstGeom>
-        </p:spPr>
-        <p:txBody>
-          <a:bodyPr wrap="square">
-            <a:spAutoFit/>
-          </a:bodyPr>
-          <a:lstStyle/>
-          <a:p>
-            <a:pPr algn="just">
-              <a:lnSpc>
-                <a:spcPct val="150000"/>
-              </a:lnSpc>
-            </a:pPr>
-            <a:endParaRPr lang="en-US" sz="2000" dirty="0">
-              <a:latin typeface="Century Gothic" panose="020B0502020202020204" pitchFamily="34" charset="0"/>
-            </a:endParaRPr>
-          </a:p>
-        </p:txBody>
-      </p:sp>
-      <p:sp>
-        <p:nvSpPr>
-          <p:cNvPr id="5" name="TextBox 4"/>
-          <p:cNvSpPr txBox="1"/>
-          <p:nvPr/>
-        </p:nvSpPr>
-        <p:spPr>
-          <a:xfrm>
-            <a:off x="3534770" y="450376"/>
+            <a:off x="2906973" y="436728"/>
             <a:ext cx="184731" cy="369332"/>
           </a:xfrm>
           <a:prstGeom prst="rect">
@@ -6829,14 +7169,20 @@
       </p:sp>
       <p:sp>
         <p:nvSpPr>
-          <p:cNvPr id="7" name="TextBox 6"/>
+          <p:cNvPr id="7" name="TextBox 6">
+            <a:extLst>
+              <a:ext uri="{FF2B5EF4-FFF2-40B4-BE49-F238E27FC236}">
+                <a16:creationId xmlns:a16="http://schemas.microsoft.com/office/drawing/2014/main" id="{F6F7F2C8-A6E1-CE8C-6B39-FFD9061FA3CF}"/>
+              </a:ext>
+            </a:extLst>
+          </p:cNvPr>
           <p:cNvSpPr txBox="1"/>
           <p:nvPr/>
         </p:nvSpPr>
         <p:spPr>
           <a:xfrm>
-            <a:off x="2983615" y="82785"/>
-            <a:ext cx="6224781" cy="707886"/>
+            <a:off x="3288180" y="168153"/>
+            <a:ext cx="5615640" cy="646331"/>
           </a:xfrm>
           <a:prstGeom prst="rect">
             <a:avLst/>
@@ -6851,7 +7197,7 @@
           <a:p>
             <a:pPr algn="ctr"/>
             <a:r>
-              <a:rPr lang="ru-RU" sz="4000" dirty="0">
+              <a:rPr lang="ru-RU" sz="3600" dirty="0" smtClean="0">
                 <a:solidFill>
                   <a:schemeClr val="bg1">
                     <a:lumMod val="95000"/>
@@ -6868,19 +7214,76 @@
               </a:rPr>
               <a:t>Полученные результаты</a:t>
             </a:r>
+            <a:endParaRPr lang="ru-RU" sz="3600" dirty="0">
+              <a:solidFill>
+                <a:schemeClr val="bg1">
+                  <a:lumMod val="95000"/>
+                </a:schemeClr>
+              </a:solidFill>
+              <a:effectLst>
+                <a:outerShdw blurRad="38100" dist="38100" dir="2700000" algn="tl">
+                  <a:srgbClr val="000000">
+                    <a:alpha val="43137"/>
+                  </a:srgbClr>
+                </a:outerShdw>
+              </a:effectLst>
+              <a:latin typeface="Century Gothic" panose="020B0502020202020204" pitchFamily="34" charset="0"/>
+            </a:endParaRPr>
           </a:p>
         </p:txBody>
       </p:sp>
       <p:sp>
         <p:nvSpPr>
-          <p:cNvPr id="6" name="Прямоугольник 5"/>
+          <p:cNvPr id="8" name="Прямоугольник 7">
+            <a:extLst>
+              <a:ext uri="{FF2B5EF4-FFF2-40B4-BE49-F238E27FC236}">
+                <a16:creationId xmlns:a16="http://schemas.microsoft.com/office/drawing/2014/main" id="{D227F79E-6812-A733-0156-6F0C6A0369C6}"/>
+              </a:ext>
+            </a:extLst>
+          </p:cNvPr>
           <p:cNvSpPr/>
           <p:nvPr/>
         </p:nvSpPr>
         <p:spPr>
           <a:xfrm>
-            <a:off x="295702" y="1065424"/>
-            <a:ext cx="11600596" cy="5478423"/>
+            <a:off x="109183" y="1041023"/>
+            <a:ext cx="12082817" cy="586314"/>
+          </a:xfrm>
+          <a:prstGeom prst="rect">
+            <a:avLst/>
+          </a:prstGeom>
+        </p:spPr>
+        <p:txBody>
+          <a:bodyPr wrap="square">
+            <a:spAutoFit/>
+          </a:bodyPr>
+          <a:lstStyle/>
+          <a:p>
+            <a:pPr algn="just">
+              <a:lnSpc>
+                <a:spcPct val="150000"/>
+              </a:lnSpc>
+            </a:pPr>
+            <a:r>
+              <a:rPr lang="ru-RU" sz="2400" dirty="0"/>
+              <a:t>	</a:t>
+            </a:r>
+            <a:endParaRPr lang="ru-RU" sz="2000" dirty="0">
+              <a:latin typeface="Century Gothic" panose="020B0502020202020204" pitchFamily="34" charset="0"/>
+            </a:endParaRPr>
+          </a:p>
+        </p:txBody>
+      </p:sp>
+      <p:sp>
+        <p:nvSpPr>
+          <p:cNvPr id="22" name="Прямоугольник 5"/>
+          <p:cNvSpPr/>
+          <p:nvPr/>
+        </p:nvSpPr>
+        <p:spPr>
+          <a:xfrm>
+            <a:off x="295702" y="1616374"/>
+            <a:ext cx="11600596" cy="4555093"/>
           </a:xfrm>
           <a:prstGeom prst="rect">
             <a:avLst/>
@@ -6915,8 +7318,85 @@
                 <a:ea typeface="Calibri" panose="020F0502020204030204" pitchFamily="34" charset="0"/>
                 <a:cs typeface="Times New Roman" panose="02020603050405020304" pitchFamily="18" charset="0"/>
               </a:rPr>
-              <a:t>Использование автоматизированной системы мониторинга и управления технологическим процессом на ЛПЦ-4 ПАО «ММК» даст предприятию такие возможности как: </a:t>
-            </a:r>
+              <a:t> Автоматизация работы программного продукта </a:t>
+            </a:r>
+            <a:r>
+              <a:rPr lang="en-US" altLang="ru-RU" sz="2000" dirty="0" err="1">
+                <a:latin typeface="Century Gothic" panose="020B0502020202020204" pitchFamily="34" charset="0"/>
+                <a:ea typeface="Calibri" panose="020F0502020204030204" pitchFamily="34" charset="0"/>
+                <a:cs typeface="Times New Roman" panose="02020603050405020304" pitchFamily="18" charset="0"/>
+              </a:rPr>
+              <a:t>TranzWare</a:t>
+            </a:r>
+            <a:r>
+              <a:rPr lang="en-US" altLang="ru-RU" sz="2000" dirty="0">
+                <a:latin typeface="Century Gothic" panose="020B0502020202020204" pitchFamily="34" charset="0"/>
+                <a:ea typeface="Calibri" panose="020F0502020204030204" pitchFamily="34" charset="0"/>
+                <a:cs typeface="Times New Roman" panose="02020603050405020304" pitchFamily="18" charset="0"/>
+              </a:rPr>
+              <a:t> </a:t>
+            </a:r>
+            <a:r>
+              <a:rPr lang="en-US" altLang="ru-RU" sz="2000" dirty="0" err="1">
+                <a:latin typeface="Century Gothic" panose="020B0502020202020204" pitchFamily="34" charset="0"/>
+                <a:ea typeface="Calibri" panose="020F0502020204030204" pitchFamily="34" charset="0"/>
+                <a:cs typeface="Times New Roman" panose="02020603050405020304" pitchFamily="18" charset="0"/>
+              </a:rPr>
+              <a:t>CardFactory</a:t>
+            </a:r>
+            <a:r>
+              <a:rPr lang="ru-RU" altLang="ru-RU" sz="2000" dirty="0">
+                <a:latin typeface="Century Gothic" panose="020B0502020202020204" pitchFamily="34" charset="0"/>
+                <a:ea typeface="Calibri" panose="020F0502020204030204" pitchFamily="34" charset="0"/>
+                <a:cs typeface="Times New Roman" panose="02020603050405020304" pitchFamily="18" charset="0"/>
+              </a:rPr>
+              <a:t> с кардридерным модулем эмбоссера </a:t>
+            </a:r>
+            <a:r>
+              <a:rPr lang="en-US" altLang="ru-RU" sz="2000" dirty="0">
+                <a:latin typeface="Century Gothic" panose="020B0502020202020204" pitchFamily="34" charset="0"/>
+                <a:ea typeface="Calibri" panose="020F0502020204030204" pitchFamily="34" charset="0"/>
+                <a:cs typeface="Times New Roman" panose="02020603050405020304" pitchFamily="18" charset="0"/>
+              </a:rPr>
+              <a:t>MATICA </a:t>
+            </a:r>
+            <a:r>
+              <a:rPr lang="ru-RU" altLang="ru-RU" sz="2000" dirty="0" smtClean="0">
+                <a:latin typeface="Century Gothic" panose="020B0502020202020204" pitchFamily="34" charset="0"/>
+                <a:ea typeface="Calibri" panose="020F0502020204030204" pitchFamily="34" charset="0"/>
+                <a:cs typeface="Times New Roman" panose="02020603050405020304" pitchFamily="18" charset="0"/>
+              </a:rPr>
+              <a:t>даст компании ООО «</a:t>
+            </a:r>
+            <a:r>
+              <a:rPr lang="en-US" altLang="ru-RU" sz="2000" dirty="0" smtClean="0">
+                <a:latin typeface="Century Gothic" panose="020B0502020202020204" pitchFamily="34" charset="0"/>
+                <a:ea typeface="Calibri" panose="020F0502020204030204" pitchFamily="34" charset="0"/>
+                <a:cs typeface="Times New Roman" panose="02020603050405020304" pitchFamily="18" charset="0"/>
+              </a:rPr>
+              <a:t>Compass Plus</a:t>
+            </a:r>
+            <a:r>
+              <a:rPr lang="ru-RU" altLang="ru-RU" sz="2000" dirty="0" smtClean="0">
+                <a:latin typeface="Century Gothic" panose="020B0502020202020204" pitchFamily="34" charset="0"/>
+                <a:ea typeface="Calibri" panose="020F0502020204030204" pitchFamily="34" charset="0"/>
+                <a:cs typeface="Times New Roman" panose="02020603050405020304" pitchFamily="18" charset="0"/>
+              </a:rPr>
+              <a:t>» и ее клиентам такие преимущества как</a:t>
+            </a:r>
+            <a:r>
+              <a:rPr lang="ru-RU" altLang="ru-RU" sz="2000" dirty="0" smtClean="0">
+                <a:latin typeface="Century Gothic" panose="020B0502020202020204" pitchFamily="34" charset="0"/>
+                <a:ea typeface="Calibri" panose="020F0502020204030204" pitchFamily="34" charset="0"/>
+                <a:cs typeface="Times New Roman" panose="02020603050405020304" pitchFamily="18" charset="0"/>
+              </a:rPr>
+              <a:t>: </a:t>
+            </a:r>
+            <a:endParaRPr lang="ru-RU" altLang="ru-RU" sz="2000" dirty="0">
+              <a:latin typeface="Century Gothic" panose="020B0502020202020204" pitchFamily="34" charset="0"/>
+              <a:ea typeface="Calibri" panose="020F0502020204030204" pitchFamily="34" charset="0"/>
+              <a:cs typeface="Times New Roman" panose="02020603050405020304" pitchFamily="18" charset="0"/>
+            </a:endParaRPr>
           </a:p>
           <a:p>
             <a:pPr marL="342900" indent="-342900" algn="just">
@@ -6931,13 +7411,34 @@
               <a:defRPr/>
             </a:pPr>
             <a:r>
-              <a:rPr lang="ru-RU" altLang="ru-RU" sz="2000" dirty="0">
+              <a:rPr lang="ru-RU" altLang="ru-RU" sz="2000" dirty="0" smtClean="0">
                 <a:latin typeface="Century Gothic" panose="020B0502020202020204" pitchFamily="34" charset="0"/>
                 <a:ea typeface="Calibri" panose="020F0502020204030204" pitchFamily="34" charset="0"/>
                 <a:cs typeface="Times New Roman" panose="02020603050405020304" pitchFamily="18" charset="0"/>
               </a:rPr>
-              <a:t>Обеспечение пользователей непрерывной, актуальной и оперативной информацией о данных технологического процесса производства;</a:t>
-            </a:r>
+              <a:t>Повышение скорости выпуска карт при использовании эмбоссеров </a:t>
+            </a:r>
+            <a:r>
+              <a:rPr lang="en-US" altLang="ru-RU" sz="2000" dirty="0" smtClean="0">
+                <a:latin typeface="Century Gothic" panose="020B0502020202020204" pitchFamily="34" charset="0"/>
+                <a:ea typeface="Calibri" panose="020F0502020204030204" pitchFamily="34" charset="0"/>
+                <a:cs typeface="Times New Roman" panose="02020603050405020304" pitchFamily="18" charset="0"/>
+              </a:rPr>
+              <a:t>MATICA</a:t>
+            </a:r>
+            <a:r>
+              <a:rPr lang="ru-RU" altLang="ru-RU" sz="2000" dirty="0" smtClean="0">
+                <a:latin typeface="Century Gothic" panose="020B0502020202020204" pitchFamily="34" charset="0"/>
+                <a:ea typeface="Calibri" panose="020F0502020204030204" pitchFamily="34" charset="0"/>
+                <a:cs typeface="Times New Roman" panose="02020603050405020304" pitchFamily="18" charset="0"/>
+              </a:rPr>
+              <a:t>;</a:t>
+            </a:r>
+            <a:endParaRPr lang="ru-RU" altLang="ru-RU" sz="2000" dirty="0">
+              <a:latin typeface="Century Gothic" panose="020B0502020202020204" pitchFamily="34" charset="0"/>
+              <a:ea typeface="Calibri" panose="020F0502020204030204" pitchFamily="34" charset="0"/>
+              <a:cs typeface="Times New Roman" panose="02020603050405020304" pitchFamily="18" charset="0"/>
+            </a:endParaRPr>
           </a:p>
           <a:p>
             <a:pPr marL="342900" indent="-342900" algn="just">
@@ -6952,13 +7453,26 @@
               <a:defRPr/>
             </a:pPr>
             <a:r>
-              <a:rPr lang="ru-RU" altLang="ru-RU" sz="2000" dirty="0">
+              <a:rPr lang="ru-RU" altLang="ru-RU" sz="2000" dirty="0" smtClean="0">
                 <a:latin typeface="Century Gothic" panose="020B0502020202020204" pitchFamily="34" charset="0"/>
                 <a:ea typeface="Calibri" panose="020F0502020204030204" pitchFamily="34" charset="0"/>
                 <a:cs typeface="Times New Roman" panose="02020603050405020304" pitchFamily="18" charset="0"/>
               </a:rPr>
-              <a:t>Возможность ввода и редактирования первичных данных при необходимости;</a:t>
-            </a:r>
+              <a:t>Отсутствие необходимости отдельно производить запись информации на чип, весь процесс персонализации будет происходить непрерывно</a:t>
+            </a:r>
+            <a:r>
+              <a:rPr lang="ru-RU" altLang="ru-RU" sz="2000" dirty="0" smtClean="0">
+                <a:latin typeface="Century Gothic" panose="020B0502020202020204" pitchFamily="34" charset="0"/>
+                <a:ea typeface="Calibri" panose="020F0502020204030204" pitchFamily="34" charset="0"/>
+                <a:cs typeface="Times New Roman" panose="02020603050405020304" pitchFamily="18" charset="0"/>
+              </a:rPr>
+              <a:t>;</a:t>
+            </a:r>
+            <a:endParaRPr lang="ru-RU" altLang="ru-RU" sz="2000" dirty="0">
+              <a:latin typeface="Century Gothic" panose="020B0502020202020204" pitchFamily="34" charset="0"/>
+              <a:ea typeface="Calibri" panose="020F0502020204030204" pitchFamily="34" charset="0"/>
+              <a:cs typeface="Times New Roman" panose="02020603050405020304" pitchFamily="18" charset="0"/>
+            </a:endParaRPr>
           </a:p>
           <a:p>
             <a:pPr marL="342900" indent="-342900" algn="just">
@@ -6973,13 +7487,18 @@
               <a:defRPr/>
             </a:pPr>
             <a:r>
-              <a:rPr lang="ru-RU" altLang="ru-RU" sz="2000" dirty="0">
+              <a:rPr lang="ru-RU" altLang="ru-RU" sz="2000" dirty="0" smtClean="0">
                 <a:latin typeface="Century Gothic" panose="020B0502020202020204" pitchFamily="34" charset="0"/>
                 <a:ea typeface="Calibri" panose="020F0502020204030204" pitchFamily="34" charset="0"/>
                 <a:cs typeface="Times New Roman" panose="02020603050405020304" pitchFamily="18" charset="0"/>
               </a:rPr>
-              <a:t>Возможность редактирования уставных значение и состояний агрегатов прокатного стана;</a:t>
-            </a:r>
+              <a:t>Возможность удаленной работы с кардридерным модулем;</a:t>
+            </a:r>
+            <a:endParaRPr lang="ru-RU" altLang="ru-RU" sz="2000" dirty="0">
+              <a:latin typeface="Century Gothic" panose="020B0502020202020204" pitchFamily="34" charset="0"/>
+              <a:ea typeface="Calibri" panose="020F0502020204030204" pitchFamily="34" charset="0"/>
+              <a:cs typeface="Times New Roman" panose="02020603050405020304" pitchFamily="18" charset="0"/>
+            </a:endParaRPr>
           </a:p>
           <a:p>
             <a:pPr marL="342900" indent="-342900" algn="just">
@@ -6994,20 +7513,25 @@
               <a:defRPr/>
             </a:pPr>
             <a:r>
-              <a:rPr lang="ru-RU" altLang="ru-RU" sz="2000" dirty="0">
+              <a:rPr lang="ru-RU" altLang="ru-RU" sz="2000" dirty="0" smtClean="0">
                 <a:latin typeface="Century Gothic" panose="020B0502020202020204" pitchFamily="34" charset="0"/>
                 <a:ea typeface="Calibri" panose="020F0502020204030204" pitchFamily="34" charset="0"/>
                 <a:cs typeface="Times New Roman" panose="02020603050405020304" pitchFamily="18" charset="0"/>
               </a:rPr>
-              <a:t>Повышение эффективности работы стана за счет контроля перемещения слябов по линиям загрузки, состояния карты печей и связи со всеми системами автоматизации;</a:t>
-            </a:r>
+              <a:t>Возможность изменения настроек кардридерного модуля внутри собственного продукта;</a:t>
+            </a:r>
+            <a:endParaRPr lang="ru-RU" altLang="ru-RU" sz="2000" dirty="0">
+              <a:latin typeface="Century Gothic" panose="020B0502020202020204" pitchFamily="34" charset="0"/>
+              <a:ea typeface="Calibri" panose="020F0502020204030204" pitchFamily="34" charset="0"/>
+              <a:cs typeface="Times New Roman" panose="02020603050405020304" pitchFamily="18" charset="0"/>
+            </a:endParaRPr>
           </a:p>
         </p:txBody>
       </p:sp>
     </p:spTree>
     <p:extLst>
       <p:ext uri="{BB962C8B-B14F-4D97-AF65-F5344CB8AC3E}">
-        <p14:creationId xmlns:p14="http://schemas.microsoft.com/office/powerpoint/2010/main" val="3299038286"/>
+        <p14:creationId xmlns:p14="http://schemas.microsoft.com/office/powerpoint/2010/main" val="1353992015"/>
       </p:ext>
     </p:extLst>
   </p:cSld>
@@ -7018,263 +7542,6 @@
 </file>
 
 <file path=ppt/slides/slide13.xml><?xml version="1.0" encoding="utf-8"?>
-<p:sld xmlns:a="http://schemas.openxmlformats.org/drawingml/2006/main" xmlns:r="http://schemas.openxmlformats.org/officeDocument/2006/relationships" xmlns:p="http://schemas.openxmlformats.org/presentationml/2006/main">
-  <p:cSld>
-    <p:spTree>
-      <p:nvGrpSpPr>
-        <p:cNvPr id="1" name=""/>
-        <p:cNvGrpSpPr/>
-        <p:nvPr/>
-      </p:nvGrpSpPr>
-      <p:grpSpPr>
-        <a:xfrm>
-          <a:off x="0" y="0"/>
-          <a:ext cx="0" cy="0"/>
-          <a:chOff x="0" y="0"/>
-          <a:chExt cx="0" cy="0"/>
-        </a:xfrm>
-      </p:grpSpPr>
-      <p:pic>
-        <p:nvPicPr>
-          <p:cNvPr id="2" name="Picture 2" descr="C:\Users\Андрей\Desktop\1\Безымянный-1.png"/>
-          <p:cNvPicPr>
-            <a:picLocks noChangeAspect="1" noChangeArrowheads="1"/>
-          </p:cNvPicPr>
-          <p:nvPr/>
-        </p:nvPicPr>
-        <p:blipFill>
-          <a:blip r:embed="rId2">
-            <a:extLst>
-              <a:ext uri="{28A0092B-C50C-407E-A947-70E740481C1C}">
-                <a14:useLocalDpi xmlns:a14="http://schemas.microsoft.com/office/drawing/2010/main" val="0"/>
-              </a:ext>
-            </a:extLst>
-          </a:blip>
-          <a:srcRect/>
-          <a:stretch>
-            <a:fillRect/>
-          </a:stretch>
-        </p:blipFill>
-        <p:spPr bwMode="auto">
-          <a:xfrm>
-            <a:off x="0" y="0"/>
-            <a:ext cx="12192000" cy="982639"/>
-          </a:xfrm>
-          <a:prstGeom prst="rect">
-            <a:avLst/>
-          </a:prstGeom>
-          <a:noFill/>
-          <a:ln>
-            <a:noFill/>
-          </a:ln>
-          <a:extLst>
-            <a:ext uri="{909E8E84-426E-40DD-AFC4-6F175D3DCCD1}">
-              <a14:hiddenFill xmlns:a14="http://schemas.microsoft.com/office/drawing/2010/main">
-                <a:solidFill>
-                  <a:srgbClr val="FFFFFF"/>
-                </a:solidFill>
-              </a14:hiddenFill>
-            </a:ext>
-            <a:ext uri="{91240B29-F687-4F45-9708-019B960494DF}">
-              <a14:hiddenLine xmlns:a14="http://schemas.microsoft.com/office/drawing/2010/main" w="9525">
-                <a:solidFill>
-                  <a:srgbClr val="000000"/>
-                </a:solidFill>
-                <a:miter lim="800000"/>
-                <a:headEnd/>
-                <a:tailEnd/>
-              </a14:hiddenLine>
-            </a:ext>
-          </a:extLst>
-        </p:spPr>
-      </p:pic>
-      <p:sp>
-        <p:nvSpPr>
-          <p:cNvPr id="5" name="TextBox 4"/>
-          <p:cNvSpPr txBox="1"/>
-          <p:nvPr/>
-        </p:nvSpPr>
-        <p:spPr>
-          <a:xfrm>
-            <a:off x="4612943" y="450376"/>
-            <a:ext cx="184731" cy="369332"/>
-          </a:xfrm>
-          <a:prstGeom prst="rect">
-            <a:avLst/>
-          </a:prstGeom>
-          <a:noFill/>
-        </p:spPr>
-        <p:txBody>
-          <a:bodyPr wrap="none" rtlCol="0">
-            <a:spAutoFit/>
-          </a:bodyPr>
-          <a:lstStyle/>
-          <a:p>
-            <a:endParaRPr lang="ru-RU" dirty="0"/>
-          </a:p>
-        </p:txBody>
-      </p:sp>
-      <p:sp>
-        <p:nvSpPr>
-          <p:cNvPr id="7" name="TextBox 6"/>
-          <p:cNvSpPr txBox="1"/>
-          <p:nvPr/>
-        </p:nvSpPr>
-        <p:spPr>
-          <a:xfrm>
-            <a:off x="1770145" y="82785"/>
-            <a:ext cx="8651728" cy="707886"/>
-          </a:xfrm>
-          <a:prstGeom prst="rect">
-            <a:avLst/>
-          </a:prstGeom>
-          <a:noFill/>
-        </p:spPr>
-        <p:txBody>
-          <a:bodyPr wrap="none" rtlCol="0">
-            <a:spAutoFit/>
-          </a:bodyPr>
-          <a:lstStyle/>
-          <a:p>
-            <a:pPr algn="ctr"/>
-            <a:r>
-              <a:rPr lang="ru-RU" sz="4000" dirty="0">
-                <a:solidFill>
-                  <a:schemeClr val="bg1">
-                    <a:lumMod val="95000"/>
-                  </a:schemeClr>
-                </a:solidFill>
-                <a:effectLst>
-                  <a:outerShdw blurRad="38100" dist="38100" dir="2700000" algn="tl">
-                    <a:srgbClr val="000000">
-                      <a:alpha val="43137"/>
-                    </a:srgbClr>
-                  </a:outerShdw>
-                </a:effectLst>
-                <a:latin typeface="Century Gothic" panose="020B0502020202020204" pitchFamily="34" charset="0"/>
-              </a:rPr>
-              <a:t>Публикации за период обучения</a:t>
-            </a:r>
-          </a:p>
-        </p:txBody>
-      </p:sp>
-      <p:sp>
-        <p:nvSpPr>
-          <p:cNvPr id="8" name="Прямоугольник 7"/>
-          <p:cNvSpPr/>
-          <p:nvPr/>
-        </p:nvSpPr>
-        <p:spPr>
-          <a:xfrm>
-            <a:off x="354843" y="1187299"/>
-            <a:ext cx="11600596" cy="5632311"/>
-          </a:xfrm>
-          <a:prstGeom prst="rect">
-            <a:avLst/>
-          </a:prstGeom>
-        </p:spPr>
-        <p:txBody>
-          <a:bodyPr wrap="square">
-            <a:spAutoFit/>
-          </a:bodyPr>
-          <a:lstStyle/>
-          <a:p>
-            <a:pPr algn="just">
-              <a:lnSpc>
-                <a:spcPct val="150000"/>
-              </a:lnSpc>
-              <a:spcAft>
-                <a:spcPts val="1200"/>
-              </a:spcAft>
-              <a:defRPr/>
-            </a:pPr>
-            <a:r>
-              <a:rPr lang="en-US" altLang="ru-RU" sz="1700" dirty="0">
-                <a:latin typeface="Century Gothic" panose="020B0502020202020204" pitchFamily="34" charset="0"/>
-                <a:ea typeface="Calibri" panose="020F0502020204030204" pitchFamily="34" charset="0"/>
-                <a:cs typeface="Times New Roman" panose="02020603050405020304" pitchFamily="18" charset="0"/>
-              </a:rPr>
-              <a:t>	</a:t>
-            </a:r>
-            <a:r>
-              <a:rPr lang="ru-RU" altLang="ru-RU" sz="2000" dirty="0">
-                <a:latin typeface="Century Gothic" panose="020B0502020202020204" pitchFamily="34" charset="0"/>
-                <a:ea typeface="Calibri" panose="020F0502020204030204" pitchFamily="34" charset="0"/>
-                <a:cs typeface="Times New Roman" panose="02020603050405020304" pitchFamily="18" charset="0"/>
-              </a:rPr>
-              <a:t>1.	Калюжная А. В. Мониторинг в непрерывном производстве / Калюжная А.В., Егорова Л. Г. // Передовые инновационные разработки. Перспективы и опыт использования, проблемы внедрения в производство – М.: «Конверт». – 2019. – 100-101 с.</a:t>
-            </a:r>
-          </a:p>
-          <a:p>
-            <a:pPr algn="just">
-              <a:lnSpc>
-                <a:spcPct val="150000"/>
-              </a:lnSpc>
-              <a:spcAft>
-                <a:spcPts val="1200"/>
-              </a:spcAft>
-              <a:defRPr/>
-            </a:pPr>
-            <a:r>
-              <a:rPr lang="ru-RU" altLang="ru-RU" sz="2000" dirty="0">
-                <a:latin typeface="Century Gothic" panose="020B0502020202020204" pitchFamily="34" charset="0"/>
-                <a:ea typeface="Calibri" panose="020F0502020204030204" pitchFamily="34" charset="0"/>
-                <a:cs typeface="Times New Roman" panose="02020603050405020304" pitchFamily="18" charset="0"/>
-              </a:rPr>
-              <a:t>	2. 	Калюжная А. В. Автоматизация мониторинга непрерывного производства / Калюжная А.В., Егорова Л. Г. // Тезисы 77-й международной научно-технической конференции «актуальные проблемы современной науки, техники и образования». – Мгн, 2019. – 354 с.</a:t>
-            </a:r>
-          </a:p>
-          <a:p>
-            <a:pPr algn="just">
-              <a:lnSpc>
-                <a:spcPct val="150000"/>
-              </a:lnSpc>
-              <a:spcAft>
-                <a:spcPts val="1200"/>
-              </a:spcAft>
-              <a:defRPr/>
-            </a:pPr>
-            <a:r>
-              <a:rPr lang="ru-RU" altLang="ru-RU" sz="2000" dirty="0">
-                <a:latin typeface="Century Gothic" panose="020B0502020202020204" pitchFamily="34" charset="0"/>
-                <a:ea typeface="Calibri" panose="020F0502020204030204" pitchFamily="34" charset="0"/>
-                <a:cs typeface="Times New Roman" panose="02020603050405020304" pitchFamily="18" charset="0"/>
-              </a:rPr>
-              <a:t>	3. Калюжная А. В. Реинжиниринг бизнес-процессов предприятия на основе нотации BPMN // Сборник научных трудов XXI-й Российской научной конференции. Том 1. 26-28 апреля 2018 г. – М.: ФГБОУ ВО «РЭУ им. Г. В. Плеханова». – 2018. – 68-72 с.</a:t>
-            </a:r>
-          </a:p>
-          <a:p>
-            <a:pPr algn="just">
-              <a:lnSpc>
-                <a:spcPct val="150000"/>
-              </a:lnSpc>
-              <a:defRPr/>
-            </a:pPr>
-            <a:r>
-              <a:rPr lang="ru-RU" altLang="ru-RU" sz="2000" dirty="0">
-                <a:latin typeface="Century Gothic" panose="020B0502020202020204" pitchFamily="34" charset="0"/>
-                <a:ea typeface="Calibri" panose="020F0502020204030204" pitchFamily="34" charset="0"/>
-                <a:cs typeface="Times New Roman" panose="02020603050405020304" pitchFamily="18" charset="0"/>
-              </a:rPr>
-              <a:t> </a:t>
-            </a:r>
-          </a:p>
-        </p:txBody>
-      </p:sp>
-    </p:spTree>
-    <p:extLst>
-      <p:ext uri="{BB962C8B-B14F-4D97-AF65-F5344CB8AC3E}">
-        <p14:creationId xmlns:p14="http://schemas.microsoft.com/office/powerpoint/2010/main" val="628272190"/>
-      </p:ext>
-    </p:extLst>
-  </p:cSld>
-  <p:clrMapOvr>
-    <a:masterClrMapping/>
-  </p:clrMapOvr>
-</p:sld>
-</file>
-
-<file path=ppt/slides/slide14.xml><?xml version="1.0" encoding="utf-8"?>
 <p:sld xmlns:a="http://schemas.openxmlformats.org/drawingml/2006/main" xmlns:r="http://schemas.openxmlformats.org/officeDocument/2006/relationships" xmlns:p="http://schemas.openxmlformats.org/presentationml/2006/main">
   <p:cSld>
     <p:spTree>
